--- a/presentations/Logging.pptx
+++ b/presentations/Logging.pptx
@@ -145,6 +145,11 @@
       </a:defRPr>
     </a:lvl9pPr>
   </p:defaultTextStyle>
+  <p:extLst>
+    <p:ext uri="{EFAFB233-063F-42B5-8137-9DF3F51BA10A}">
+      <p15:sldGuideLst xmlns:p15="http://schemas.microsoft.com/office/powerpoint/2012/main"/>
+    </p:ext>
+  </p:extLst>
 </p:presentation>
 </file>
 
@@ -295,7 +300,7 @@
           <a:p>
             <a:fld id="{124E7379-25BA-B743-BF9E-84F72B74FAFD}" type="datetimeFigureOut">
               <a:rPr lang="ru-RU" smtClean="0"/>
-              <a:t>25.08.2023</a:t>
+              <a:t>08.11.2023</a:t>
             </a:fld>
             <a:endParaRPr lang="ru-RU" dirty="0"/>
           </a:p>
@@ -493,7 +498,7 @@
           <a:p>
             <a:fld id="{124E7379-25BA-B743-BF9E-84F72B74FAFD}" type="datetimeFigureOut">
               <a:rPr lang="ru-RU" smtClean="0"/>
-              <a:t>25.08.2023</a:t>
+              <a:t>08.11.2023</a:t>
             </a:fld>
             <a:endParaRPr lang="ru-RU" dirty="0"/>
           </a:p>
@@ -701,7 +706,7 @@
           <a:p>
             <a:fld id="{124E7379-25BA-B743-BF9E-84F72B74FAFD}" type="datetimeFigureOut">
               <a:rPr lang="ru-RU" smtClean="0"/>
-              <a:t>25.08.2023</a:t>
+              <a:t>08.11.2023</a:t>
             </a:fld>
             <a:endParaRPr lang="ru-RU" dirty="0"/>
           </a:p>
@@ -1101,7 +1106,7 @@
           <a:p>
             <a:fld id="{124E7379-25BA-B743-BF9E-84F72B74FAFD}" type="datetimeFigureOut">
               <a:rPr lang="ru-RU" smtClean="0"/>
-              <a:t>25.08.2023</a:t>
+              <a:t>08.11.2023</a:t>
             </a:fld>
             <a:endParaRPr lang="ru-RU" dirty="0"/>
           </a:p>
@@ -1366,7 +1371,7 @@
           <a:p>
             <a:fld id="{124E7379-25BA-B743-BF9E-84F72B74FAFD}" type="datetimeFigureOut">
               <a:rPr lang="ru-RU" smtClean="0"/>
-              <a:t>25.08.2023</a:t>
+              <a:t>08.11.2023</a:t>
             </a:fld>
             <a:endParaRPr lang="ru-RU" dirty="0"/>
           </a:p>
@@ -1778,7 +1783,7 @@
           <a:p>
             <a:fld id="{124E7379-25BA-B743-BF9E-84F72B74FAFD}" type="datetimeFigureOut">
               <a:rPr lang="ru-RU" smtClean="0"/>
-              <a:t>25.08.2023</a:t>
+              <a:t>08.11.2023</a:t>
             </a:fld>
             <a:endParaRPr lang="ru-RU" dirty="0"/>
           </a:p>
@@ -1919,7 +1924,7 @@
           <a:p>
             <a:fld id="{124E7379-25BA-B743-BF9E-84F72B74FAFD}" type="datetimeFigureOut">
               <a:rPr lang="ru-RU" smtClean="0"/>
-              <a:t>25.08.2023</a:t>
+              <a:t>08.11.2023</a:t>
             </a:fld>
             <a:endParaRPr lang="ru-RU" dirty="0"/>
           </a:p>
@@ -2032,7 +2037,7 @@
           <a:p>
             <a:fld id="{124E7379-25BA-B743-BF9E-84F72B74FAFD}" type="datetimeFigureOut">
               <a:rPr lang="ru-RU" smtClean="0"/>
-              <a:t>25.08.2023</a:t>
+              <a:t>08.11.2023</a:t>
             </a:fld>
             <a:endParaRPr lang="ru-RU" dirty="0"/>
           </a:p>
@@ -2343,7 +2348,7 @@
           <a:p>
             <a:fld id="{124E7379-25BA-B743-BF9E-84F72B74FAFD}" type="datetimeFigureOut">
               <a:rPr lang="ru-RU" smtClean="0"/>
-              <a:t>25.08.2023</a:t>
+              <a:t>08.11.2023</a:t>
             </a:fld>
             <a:endParaRPr lang="ru-RU" dirty="0"/>
           </a:p>
@@ -2631,7 +2636,7 @@
           <a:p>
             <a:fld id="{124E7379-25BA-B743-BF9E-84F72B74FAFD}" type="datetimeFigureOut">
               <a:rPr lang="ru-RU" smtClean="0"/>
-              <a:t>25.08.2023</a:t>
+              <a:t>08.11.2023</a:t>
             </a:fld>
             <a:endParaRPr lang="ru-RU" dirty="0"/>
           </a:p>
@@ -2872,7 +2877,7 @@
           <a:p>
             <a:fld id="{124E7379-25BA-B743-BF9E-84F72B74FAFD}" type="datetimeFigureOut">
               <a:rPr lang="ru-RU" smtClean="0"/>
-              <a:t>25.08.2023</a:t>
+              <a:t>08.11.2023</a:t>
             </a:fld>
             <a:endParaRPr lang="ru-RU" dirty="0"/>
           </a:p>
@@ -3519,8 +3524,8 @@
         </p:nvSpPr>
         <p:spPr>
           <a:xfrm>
-            <a:off x="838200" y="199292"/>
-            <a:ext cx="10515600" cy="1008186"/>
+            <a:off x="838200" y="158652"/>
+            <a:ext cx="10515600" cy="613508"/>
           </a:xfrm>
         </p:spPr>
         <p:txBody>
@@ -3537,9 +3542,10 @@
               <a:rPr lang="en-US" dirty="0"/>
               <a:t>:</a:t>
             </a:r>
-            <a:br>
+            <a:r>
               <a:rPr lang="ru-RU" dirty="0"/>
-            </a:br>
+              <a:t> </a:t>
+            </a:r>
             <a:r>
               <a:rPr lang="ru-RU" dirty="0">
                 <a:latin typeface="+mn-lt"/>
@@ -3566,33 +3572,85 @@
             <p:ph idx="1"/>
           </p:nvPr>
         </p:nvSpPr>
-        <p:spPr/>
+        <p:spPr>
+          <a:xfrm>
+            <a:off x="838200" y="870634"/>
+            <a:ext cx="10515600" cy="5723206"/>
+          </a:xfrm>
+        </p:spPr>
         <p:txBody>
-          <a:bodyPr>
-            <a:normAutofit fontScale="62500" lnSpcReduction="20000"/>
+          <a:bodyPr lIns="90000">
+            <a:noAutofit/>
           </a:bodyPr>
           <a:lstStyle/>
           <a:p>
             <a:pPr marL="0" indent="0" algn="l">
               <a:lnSpc>
-                <a:spcPct val="120000"/>
+                <a:spcPct val="100000"/>
               </a:lnSpc>
               <a:buNone/>
             </a:pPr>
             <a:r>
-              <a:rPr lang="ru-RU" dirty="0"/>
-              <a:t>Полезно бывает, особенно для ошибок, добавить в лог информацию о файле, классе, функции или даже строчке кода, на которой произошёл сбой. В некоторых случаях для понимания проблемы важно знать аргументы функции, с которыми она не смогла корректно выполниться.</a:t>
+              <a:rPr lang="ru-RU" sz="2000" dirty="0"/>
+              <a:t>Полезно бывает, особенно для ошибок, добавить в лог информацию о </a:t>
+            </a:r>
+            <a:r>
+              <a:rPr lang="ru-RU" sz="2000" b="1" dirty="0"/>
+              <a:t>файле / модуле</a:t>
+            </a:r>
+            <a:r>
+              <a:rPr lang="ru-RU" sz="2000" dirty="0"/>
+              <a:t>, </a:t>
+            </a:r>
+            <a:r>
+              <a:rPr lang="ru-RU" sz="2000" b="1" dirty="0"/>
+              <a:t>классе</a:t>
+            </a:r>
+            <a:r>
+              <a:rPr lang="ru-RU" sz="2000" dirty="0"/>
+              <a:t>, </a:t>
+            </a:r>
+            <a:r>
+              <a:rPr lang="ru-RU" sz="2000" b="1" dirty="0"/>
+              <a:t>функции</a:t>
+            </a:r>
+            <a:r>
+              <a:rPr lang="ru-RU" sz="2000" dirty="0"/>
+              <a:t> или даже </a:t>
+            </a:r>
+            <a:r>
+              <a:rPr lang="ru-RU" sz="2000" b="1" dirty="0"/>
+              <a:t>строчке кода</a:t>
+            </a:r>
+            <a:r>
+              <a:rPr lang="ru-RU" sz="2000" dirty="0"/>
+              <a:t>, на которой произошёл сбой.</a:t>
+            </a:r>
+            <a:br>
+              <a:rPr lang="ru-RU" sz="2000" dirty="0"/>
+            </a:br>
+            <a:r>
+              <a:rPr lang="ru-RU" sz="2000" dirty="0"/>
+              <a:t>В некоторых случаях для понимания проблемы важно знать </a:t>
+            </a:r>
+            <a:r>
+              <a:rPr lang="ru-RU" sz="2000" b="1" dirty="0"/>
+              <a:t>аргументы функции</a:t>
+            </a:r>
+            <a:r>
+              <a:rPr lang="ru-RU" sz="2000" dirty="0"/>
+              <a:t>, с которыми она не смогла корректно выполниться.</a:t>
             </a:r>
           </a:p>
           <a:p>
             <a:pPr marL="0" indent="0" algn="l">
               <a:lnSpc>
-                <a:spcPct val="120000"/>
+                <a:spcPct val="100000"/>
               </a:lnSpc>
               <a:buNone/>
             </a:pPr>
             <a:r>
-              <a:rPr lang="ru-RU" noProof="1">
+              <a:rPr lang="ru-RU" sz="2000" noProof="1">
                 <a:solidFill>
                   <a:schemeClr val="accent6">
                     <a:lumMod val="50000"/>
@@ -3604,7 +3662,7 @@
               <a:t>2023-05-15 05:59:46,102 </a:t>
             </a:r>
             <a:r>
-              <a:rPr lang="en" noProof="1">
+              <a:rPr lang="en" sz="2000" noProof="1">
                 <a:solidFill>
                   <a:schemeClr val="accent6">
                     <a:lumMod val="50000"/>
@@ -3619,37 +3677,132 @@
           <a:p>
             <a:pPr marL="0" indent="0" algn="l">
               <a:lnSpc>
-                <a:spcPct val="120000"/>
+                <a:spcPct val="100000"/>
               </a:lnSpc>
               <a:buNone/>
             </a:pPr>
             <a:r>
-              <a:rPr lang="ru-RU" dirty="0"/>
+              <a:rPr lang="ru-RU" sz="2000" dirty="0"/>
               <a:t>Важный принцип в логировании — </a:t>
             </a:r>
             <a:r>
-              <a:rPr lang="ru-RU" b="1" dirty="0"/>
+              <a:rPr lang="ru-RU" sz="2000" b="1" dirty="0"/>
               <a:t>не слишком много и не слишком мало</a:t>
             </a:r>
             <a:r>
-              <a:rPr lang="ru-RU" dirty="0"/>
-              <a:t>. Может возникнуть соблазн добавить в лог все параметры, какие только можно. Но тогда лог будет очень тяжело читать и обрабатывать, он будет занимать много места на диске. Если же добавить слишком мало — информации может оказаться недостаточно для разбора какой-то проблемы. Для оптимального баланса лучше не перегружать лог неочевидными параметрами заранее, а добавлять их со временем, если возникнет конкретная необходимость.</a:t>
+              <a:rPr lang="ru-RU" sz="2000" dirty="0"/>
+              <a:t>.</a:t>
+            </a:r>
+            <a:br>
+              <a:rPr lang="ru-RU" sz="2000" dirty="0"/>
+            </a:br>
+            <a:r>
+              <a:rPr lang="ru-RU" sz="2000" dirty="0"/>
+              <a:t>Может возникнуть соблазн добавить в лог </a:t>
+            </a:r>
+            <a:r>
+              <a:rPr lang="ru-RU" sz="2000" b="1" dirty="0"/>
+              <a:t>все параметры, какие только можно</a:t>
+            </a:r>
+            <a:r>
+              <a:rPr lang="ru-RU" sz="2000" dirty="0"/>
+              <a:t>. Но тогда лог будет очень </a:t>
+            </a:r>
+            <a:r>
+              <a:rPr lang="ru-RU" sz="2000" b="1" dirty="0"/>
+              <a:t>тяжело читать и обрабатывать</a:t>
+            </a:r>
+            <a:r>
+              <a:rPr lang="ru-RU" sz="2000" dirty="0"/>
+              <a:t>, он будет </a:t>
+            </a:r>
+            <a:r>
+              <a:rPr lang="ru-RU" sz="2000" b="1" dirty="0"/>
+              <a:t>занимать много места</a:t>
+            </a:r>
+            <a:r>
+              <a:rPr lang="ru-RU" sz="2000" dirty="0"/>
+              <a:t> на диске.</a:t>
+            </a:r>
+            <a:br>
+              <a:rPr lang="ru-RU" sz="2000" dirty="0"/>
+            </a:br>
+            <a:r>
+              <a:rPr lang="ru-RU" sz="2000" dirty="0"/>
+              <a:t>Если же добавить </a:t>
+            </a:r>
+            <a:r>
+              <a:rPr lang="ru-RU" sz="2000" b="1" dirty="0"/>
+              <a:t>слишком мало</a:t>
+            </a:r>
+            <a:r>
+              <a:rPr lang="ru-RU" sz="2000" dirty="0"/>
+              <a:t> — информации может оказаться </a:t>
+            </a:r>
+            <a:r>
+              <a:rPr lang="ru-RU" sz="2000" b="1" dirty="0"/>
+              <a:t>недостаточно для разбора</a:t>
+            </a:r>
+            <a:r>
+              <a:rPr lang="ru-RU" sz="2000" dirty="0"/>
+              <a:t> какой-то </a:t>
+            </a:r>
+            <a:r>
+              <a:rPr lang="ru-RU" sz="2000" b="1" dirty="0"/>
+              <a:t>проблемы</a:t>
+            </a:r>
+            <a:r>
+              <a:rPr lang="ru-RU" sz="2000" dirty="0"/>
+              <a:t>. Для оптимального баланса лучше не перегружать лог неочевидными параметрами заранее, а </a:t>
+            </a:r>
+            <a:r>
+              <a:rPr lang="ru-RU" sz="2000" b="1" dirty="0"/>
+              <a:t>добавлять их со временем</a:t>
+            </a:r>
+            <a:r>
+              <a:rPr lang="ru-RU" sz="2000" dirty="0"/>
+              <a:t>, если возникнет конкретная </a:t>
+            </a:r>
+            <a:r>
+              <a:rPr lang="ru-RU" sz="2000" b="1" dirty="0"/>
+              <a:t>необходимость</a:t>
+            </a:r>
+            <a:r>
+              <a:rPr lang="ru-RU" sz="2000" dirty="0"/>
+              <a:t>.</a:t>
             </a:r>
           </a:p>
           <a:p>
             <a:pPr marL="0" indent="0" algn="l">
               <a:lnSpc>
-                <a:spcPct val="120000"/>
+                <a:spcPct val="100000"/>
               </a:lnSpc>
               <a:buNone/>
             </a:pPr>
             <a:r>
-              <a:rPr lang="ru-RU" dirty="0"/>
-              <a:t>Не стоит отправлять в логи данные, содержимое которых зависит от ситуации или может меняться со временем, например, адреса объектов в памяти или результаты всего запроса в БД там, где вам нужно значение только одного поля. Со временем данных может оказаться неконтролируемо много, и ваш лог сильно разрастётся или даже логирование совсем перестанет работать из-за превышения размера файла или появления каких-то недопустимых символов.</a:t>
-            </a:r>
-          </a:p>
-          <a:p>
-            <a:endParaRPr lang="ru-RU" dirty="0"/>
+              <a:rPr lang="ru-RU" sz="2000" b="1" dirty="0"/>
+              <a:t>Не стоит</a:t>
+            </a:r>
+            <a:r>
+              <a:rPr lang="ru-RU" sz="2000" dirty="0"/>
+              <a:t> отправлять в логи данные, содержимое которых зависит от ситуации или может </a:t>
+            </a:r>
+            <a:r>
+              <a:rPr lang="ru-RU" sz="2000" b="1" dirty="0"/>
+              <a:t>меняться со временем</a:t>
+            </a:r>
+            <a:r>
+              <a:rPr lang="ru-RU" sz="2000" dirty="0"/>
+              <a:t>, например, </a:t>
+            </a:r>
+            <a:r>
+              <a:rPr lang="ru-RU" sz="2000" b="1" dirty="0"/>
+              <a:t>адреса объектов в памяти</a:t>
+            </a:r>
+            <a:r>
+              <a:rPr lang="ru-RU" sz="2000" dirty="0"/>
+              <a:t> или результаты всего запроса в БД там, где вам нужно значение только одного поля. Со временем данных может оказаться неконтролируемо много, и ваш лог сильно разрастётся или даже логирование совсем перестанет работать</a:t>
+            </a:r>
           </a:p>
         </p:txBody>
       </p:sp>
@@ -3808,7 +3961,15 @@
             </a:pPr>
             <a:r>
               <a:rPr lang="ru-RU" dirty="0"/>
-              <a:t>содержать осмысленное сообщение,</a:t>
+              <a:t>содержать </a:t>
+            </a:r>
+            <a:r>
+              <a:rPr lang="ru-RU" b="1" dirty="0"/>
+              <a:t>осмысленное сообщение</a:t>
+            </a:r>
+            <a:r>
+              <a:rPr lang="ru-RU" dirty="0"/>
+              <a:t>,</a:t>
             </a:r>
           </a:p>
           <a:p>
@@ -3842,7 +4003,7 @@
                 <a:latin typeface="Consolas" panose="020B0609020204030204" pitchFamily="49" charset="0"/>
                 <a:cs typeface="Consolas" panose="020B0609020204030204" pitchFamily="49" charset="0"/>
               </a:rPr>
-              <a:t>2023-02-19 00:19:18,831 </a:t>
+              <a:t>2023-02-19 00:19:18 </a:t>
             </a:r>
             <a:r>
               <a:rPr lang="en" dirty="0">
@@ -3854,7 +4015,7 @@
                 <a:latin typeface="Consolas" panose="020B0609020204030204" pitchFamily="49" charset="0"/>
                 <a:cs typeface="Consolas" panose="020B0609020204030204" pitchFamily="49" charset="0"/>
               </a:rPr>
-              <a:t>Transaction 309841 successful: $ 100500 transferred from 940384 to 473923 </a:t>
+              <a:t>Transaction 309841 successful: $100500 transferred from 940384 to 473923 </a:t>
             </a:r>
           </a:p>
           <a:p>
@@ -3866,7 +4027,23 @@
             </a:pPr>
             <a:r>
               <a:rPr lang="ru-RU" dirty="0"/>
-              <a:t>Если, кроме чтения человеком, лог часто используется для автоматического поиска, парсинга, обработки агрегаторами логов и т. п., может быть полезно с точки зрения простоты и производительности обработки привести его к более строгому формату, сохраняя при этом человекочитаемость:</a:t>
+              <a:t>Если, кроме чтения человеком, лог часто используется </a:t>
+            </a:r>
+            <a:r>
+              <a:rPr lang="ru-RU" b="1" dirty="0"/>
+              <a:t>для автоматического парсинга</a:t>
+            </a:r>
+            <a:r>
+              <a:rPr lang="ru-RU" dirty="0"/>
+              <a:t>, поиска, обработки агрегаторами логов и т. п., может быть полезно с точки зрения простоты и производительности обработки привести его </a:t>
+            </a:r>
+            <a:r>
+              <a:rPr lang="ru-RU" b="1" dirty="0"/>
+              <a:t>к более строгому формату</a:t>
+            </a:r>
+            <a:r>
+              <a:rPr lang="ru-RU" dirty="0"/>
+              <a:t>, сохраняя при этом человекочитаемость:</a:t>
             </a:r>
           </a:p>
           <a:p>
@@ -3886,7 +4063,7 @@
                 <a:latin typeface="Consolas" panose="020B0609020204030204" pitchFamily="49" charset="0"/>
                 <a:cs typeface="Consolas" panose="020B0609020204030204" pitchFamily="49" charset="0"/>
               </a:rPr>
-              <a:t>2023-02-19 00:19:18,831 </a:t>
+              <a:t>2023-02-19 00:19:18 </a:t>
             </a:r>
             <a:r>
               <a:rPr lang="en" noProof="1">
@@ -3898,7 +4075,7 @@
                 <a:latin typeface="Consolas" panose="020B0609020204030204" pitchFamily="49" charset="0"/>
                 <a:cs typeface="Consolas" panose="020B0609020204030204" pitchFamily="49" charset="0"/>
               </a:rPr>
-              <a:t>Transaction successful. transaction_id: 309841, amount: 100500, from: 940384, to: 473923 </a:t>
+              <a:t>Transaction successful. Transaction_id: 309841, amount: 100500, From: 940384, To: 473923 </a:t>
             </a:r>
           </a:p>
         </p:txBody>
@@ -4047,15 +4224,31 @@
             </a:pPr>
             <a:r>
               <a:rPr lang="ru-RU" sz="2000" dirty="0"/>
-              <a:t>Если же лог обрабатывается только автоматическими инструментами и точно не предназначен для человеческих глаз, возможно, стоит записывать его в полностью сериализованном виде, например, в </a:t>
-            </a:r>
-            <a:r>
-              <a:rPr lang="en" sz="2000" dirty="0"/>
-              <a:t>JSON, </a:t>
+              <a:t>Если же лог обрабатывается </a:t>
+            </a:r>
+            <a:r>
+              <a:rPr lang="ru-RU" sz="2000" b="1" dirty="0"/>
+              <a:t>только автоматическими инструментами</a:t>
             </a:r>
             <a:r>
               <a:rPr lang="ru-RU" sz="2000" dirty="0"/>
-              <a:t>или даже в каком-то бинарном формате:</a:t>
+              <a:t> и точно не предназначен для человеческих глаз, возможно, стоит записывать его в </a:t>
+            </a:r>
+            <a:r>
+              <a:rPr lang="ru-RU" sz="2000" b="1" dirty="0"/>
+              <a:t>полностью сериализованном</a:t>
+            </a:r>
+            <a:r>
+              <a:rPr lang="ru-RU" sz="2000" dirty="0"/>
+              <a:t> виде, например, в </a:t>
+            </a:r>
+            <a:r>
+              <a:rPr lang="en" sz="2000" b="1" dirty="0"/>
+              <a:t>JSON</a:t>
+            </a:r>
+            <a:r>
+              <a:rPr lang="ru-RU" sz="2000" dirty="0"/>
+              <a:t>:</a:t>
             </a:r>
           </a:p>
           <a:p>
@@ -4103,7 +4296,15 @@
             </a:pPr>
             <a:r>
               <a:rPr lang="ru-RU" sz="2000" dirty="0"/>
-              <a:t>Очень частая операция — поиск по логу, будь то </a:t>
+              <a:t>Очень частая операция — </a:t>
+            </a:r>
+            <a:r>
+              <a:rPr lang="ru-RU" sz="2000" b="1" dirty="0"/>
+              <a:t>поиск по логу</a:t>
+            </a:r>
+            <a:r>
+              <a:rPr lang="ru-RU" sz="2000" dirty="0"/>
+              <a:t>, будь то </a:t>
             </a:r>
             <a:r>
               <a:rPr lang="en" sz="2000" noProof="1"/>
@@ -4119,7 +4320,19 @@
             </a:r>
             <a:r>
               <a:rPr lang="ru-RU" sz="2000" dirty="0"/>
-              <a:t>или функция агрегатора логов. Для упрощения поиска стоит поддерживать одинаковую терминологию.</a:t>
+              <a:t>или функция агрегатора логов. Для упрощения поиска стоит поддерживать одинаковую терминологию</a:t>
+            </a:r>
+            <a:r>
+              <a:rPr lang="en-US" sz="2000" dirty="0"/>
+              <a:t> / </a:t>
+            </a:r>
+            <a:r>
+              <a:rPr lang="ru-RU" sz="2000" b="1" dirty="0"/>
+              <a:t>единообразную нотацию</a:t>
+            </a:r>
+            <a:r>
+              <a:rPr lang="ru-RU" sz="2000" dirty="0"/>
+              <a:t>.</a:t>
             </a:r>
             <a:br>
               <a:rPr lang="ru-RU" sz="2000" dirty="0"/>
@@ -4185,8 +4398,20 @@
               <a:buNone/>
             </a:pPr>
             <a:r>
+              <a:rPr lang="ru-RU" sz="2000" b="1" dirty="0"/>
+              <a:t>Одинаковые параметры</a:t>
+            </a:r>
+            <a:r>
               <a:rPr lang="ru-RU" sz="2000" dirty="0"/>
-              <a:t>Одинаковые параметры в разных записях стоит располагать в одинаковой последовательности и виде. Например, если дата/время всегда в начале строки.</a:t>
+              <a:t> в разных записях стоит располагать </a:t>
+            </a:r>
+            <a:r>
+              <a:rPr lang="ru-RU" sz="2000" b="1" dirty="0"/>
+              <a:t>в одинаковой последовательности и виде</a:t>
+            </a:r>
+            <a:r>
+              <a:rPr lang="ru-RU" sz="2000" dirty="0"/>
+              <a:t>. Например, дата/время всегда в начале строки.</a:t>
             </a:r>
           </a:p>
         </p:txBody>
@@ -4306,7 +4531,23 @@
             </a:pPr>
             <a:r>
               <a:rPr lang="ru-RU" sz="2000" dirty="0"/>
-              <a:t>Решая, какие данные писать в лог, нужно учитывать не только удобство, но и безопасность. Например, если при успешной авторизации пароль в открытом виде записывается в лог, злоумышленнику будет уже всё равно, насколько хитрым алгоритмом он хешируется при записи в БД.</a:t>
+              <a:t>Решая, какие данные писать в лог, нужно учитывать не только удобство, но и </a:t>
+            </a:r>
+            <a:r>
+              <a:rPr lang="ru-RU" sz="2000" b="1" dirty="0"/>
+              <a:t>безопасность</a:t>
+            </a:r>
+            <a:r>
+              <a:rPr lang="ru-RU" sz="2000" dirty="0"/>
+              <a:t>. Например, если при успешной авторизации </a:t>
+            </a:r>
+            <a:r>
+              <a:rPr lang="ru-RU" sz="2000" b="1" dirty="0"/>
+              <a:t>пароль в открытом виде</a:t>
+            </a:r>
+            <a:r>
+              <a:rPr lang="ru-RU" sz="2000" dirty="0"/>
+              <a:t> записывается в лог, злоумышленнику будет уже всё равно, насколько хитрым алгоритмом он хешируется при записи в БД.</a:t>
             </a:r>
           </a:p>
           <a:p>
@@ -4357,11 +4598,11 @@
             </a:pPr>
             <a:r>
               <a:rPr lang="ru-RU" sz="2000" dirty="0"/>
-              <a:t>ФИО, паспортные данные, адреса и другая информация, защищаемая законом о персональных данных или </a:t>
+              <a:t>ФИО, паспортные данные, адреса и другая информация, защищаемая законами о персональных данных</a:t>
             </a:r>
             <a:r>
               <a:rPr lang="en" sz="2000" dirty="0"/>
-              <a:t>GDPR.</a:t>
+              <a:t>.</a:t>
             </a:r>
           </a:p>
         </p:txBody>
@@ -4463,7 +4704,9 @@
               <a:rPr lang="ru-RU" dirty="0"/>
             </a:br>
             <a:r>
-              <a:rPr lang="ru-RU" dirty="0"/>
+              <a:rPr lang="ru-RU" dirty="0">
+                <a:latin typeface="+mn-lt"/>
+              </a:rPr>
               <a:t>Уровни логирования</a:t>
             </a:r>
           </a:p>
@@ -4485,14 +4728,14 @@
             <p:ph idx="1"/>
             <p:extLst>
               <p:ext uri="{D42A27DB-BD31-4B8C-83A1-F6EECF244321}">
-                <p14:modId xmlns:p14="http://schemas.microsoft.com/office/powerpoint/2010/main" val="1908040218"/>
+                <p14:modId xmlns:p14="http://schemas.microsoft.com/office/powerpoint/2010/main" val="3009391466"/>
               </p:ext>
             </p:extLst>
           </p:nvPr>
         </p:nvGraphicFramePr>
         <p:xfrm>
-          <a:off x="6834554" y="1395046"/>
-          <a:ext cx="4818185" cy="4937760"/>
+          <a:off x="6834554" y="1191846"/>
+          <a:ext cx="4818185" cy="5273040"/>
         </p:xfrm>
         <a:graphic>
           <a:graphicData uri="http://schemas.openxmlformats.org/drawingml/2006/table">
@@ -4621,8 +4864,9 @@
                     <a:bodyPr/>
                     <a:lstStyle/>
                     <a:p>
+                      <a:pPr algn="ctr"/>
                       <a:r>
-                        <a:rPr lang="ru-RU" dirty="0">
+                        <a:rPr lang="ru-RU" sz="2000" dirty="0">
                           <a:effectLst/>
                         </a:rPr>
                         <a:t>0</a:t>
@@ -4674,10 +4918,16 @@
                     <a:lstStyle/>
                     <a:p>
                       <a:r>
-                        <a:rPr lang="en" dirty="0">
+                        <a:rPr lang="en" sz="2000" b="1" dirty="0">
                           <a:effectLst/>
                         </a:rPr>
-                        <a:t>Emergency: system is unusable</a:t>
+                        <a:t>Emergency</a:t>
+                      </a:r>
+                      <a:r>
+                        <a:rPr lang="en" sz="2000" dirty="0">
+                          <a:effectLst/>
+                        </a:rPr>
+                        <a:t>: system is unusable</a:t>
                       </a:r>
                     </a:p>
                   </a:txBody>
@@ -4732,8 +4982,9 @@
                     <a:bodyPr/>
                     <a:lstStyle/>
                     <a:p>
+                      <a:pPr algn="ctr"/>
                       <a:r>
-                        <a:rPr lang="ru-RU" dirty="0">
+                        <a:rPr lang="ru-RU" sz="2000" dirty="0">
                           <a:effectLst/>
                         </a:rPr>
                         <a:t>1</a:t>
@@ -4785,10 +5036,16 @@
                     <a:lstStyle/>
                     <a:p>
                       <a:r>
-                        <a:rPr lang="en" dirty="0">
+                        <a:rPr lang="en" sz="2000" b="1" dirty="0">
                           <a:effectLst/>
                         </a:rPr>
-                        <a:t>Alert: action must be taken immediately</a:t>
+                        <a:t>Alert</a:t>
+                      </a:r>
+                      <a:r>
+                        <a:rPr lang="en" sz="2000" dirty="0">
+                          <a:effectLst/>
+                        </a:rPr>
+                        <a:t>: action must be taken immediately</a:t>
                       </a:r>
                     </a:p>
                   </a:txBody>
@@ -4843,8 +5100,9 @@
                     <a:bodyPr/>
                     <a:lstStyle/>
                     <a:p>
+                      <a:pPr algn="ctr"/>
                       <a:r>
-                        <a:rPr lang="ru-RU" dirty="0">
+                        <a:rPr lang="ru-RU" sz="2000" dirty="0">
                           <a:effectLst/>
                         </a:rPr>
                         <a:t>2</a:t>
@@ -4896,10 +5154,16 @@
                     <a:lstStyle/>
                     <a:p>
                       <a:r>
-                        <a:rPr lang="en" dirty="0">
+                        <a:rPr lang="en" sz="2000" b="1" dirty="0">
                           <a:effectLst/>
                         </a:rPr>
-                        <a:t>Critical: critical conditions</a:t>
+                        <a:t>Critical</a:t>
+                      </a:r>
+                      <a:r>
+                        <a:rPr lang="en" sz="2000" dirty="0">
+                          <a:effectLst/>
+                        </a:rPr>
+                        <a:t>: critical conditions</a:t>
                       </a:r>
                     </a:p>
                   </a:txBody>
@@ -4954,8 +5218,9 @@
                     <a:bodyPr/>
                     <a:lstStyle/>
                     <a:p>
+                      <a:pPr algn="ctr"/>
                       <a:r>
-                        <a:rPr lang="ru-RU" dirty="0">
+                        <a:rPr lang="ru-RU" sz="2000" dirty="0">
                           <a:effectLst/>
                         </a:rPr>
                         <a:t>3</a:t>
@@ -5007,10 +5272,16 @@
                     <a:lstStyle/>
                     <a:p>
                       <a:r>
-                        <a:rPr lang="en" dirty="0">
+                        <a:rPr lang="en" sz="2000" b="1" dirty="0">
                           <a:effectLst/>
                         </a:rPr>
-                        <a:t>Error: error conditions</a:t>
+                        <a:t>Error</a:t>
+                      </a:r>
+                      <a:r>
+                        <a:rPr lang="en" sz="2000" dirty="0">
+                          <a:effectLst/>
+                        </a:rPr>
+                        <a:t>: error conditions</a:t>
                       </a:r>
                     </a:p>
                   </a:txBody>
@@ -5065,8 +5336,9 @@
                     <a:bodyPr/>
                     <a:lstStyle/>
                     <a:p>
+                      <a:pPr algn="ctr"/>
                       <a:r>
-                        <a:rPr lang="ru-RU" dirty="0">
+                        <a:rPr lang="ru-RU" sz="2000" dirty="0">
                           <a:effectLst/>
                         </a:rPr>
                         <a:t>4</a:t>
@@ -5118,10 +5390,16 @@
                     <a:lstStyle/>
                     <a:p>
                       <a:r>
-                        <a:rPr lang="en" dirty="0">
+                        <a:rPr lang="en" sz="2000" b="1" dirty="0">
                           <a:effectLst/>
                         </a:rPr>
-                        <a:t>Warning: warning conditions</a:t>
+                        <a:t>Warning</a:t>
+                      </a:r>
+                      <a:r>
+                        <a:rPr lang="en" sz="2000" dirty="0">
+                          <a:effectLst/>
+                        </a:rPr>
+                        <a:t>: warning conditions</a:t>
                       </a:r>
                     </a:p>
                   </a:txBody>
@@ -5176,8 +5454,9 @@
                     <a:bodyPr/>
                     <a:lstStyle/>
                     <a:p>
+                      <a:pPr algn="ctr"/>
                       <a:r>
-                        <a:rPr lang="ru-RU" dirty="0">
+                        <a:rPr lang="ru-RU" sz="2000" dirty="0">
                           <a:effectLst/>
                         </a:rPr>
                         <a:t>5</a:t>
@@ -5229,10 +5508,16 @@
                     <a:lstStyle/>
                     <a:p>
                       <a:r>
-                        <a:rPr lang="en" dirty="0">
+                        <a:rPr lang="en" sz="2000" b="1" dirty="0">
                           <a:effectLst/>
                         </a:rPr>
-                        <a:t>Notice: normal but significant condition</a:t>
+                        <a:t>Notice</a:t>
+                      </a:r>
+                      <a:r>
+                        <a:rPr lang="en" sz="2000" dirty="0">
+                          <a:effectLst/>
+                        </a:rPr>
+                        <a:t>: normal but significant condition</a:t>
                       </a:r>
                     </a:p>
                   </a:txBody>
@@ -5287,8 +5572,9 @@
                     <a:bodyPr/>
                     <a:lstStyle/>
                     <a:p>
+                      <a:pPr algn="ctr"/>
                       <a:r>
-                        <a:rPr lang="ru-RU" dirty="0">
+                        <a:rPr lang="ru-RU" sz="2000" dirty="0">
                           <a:effectLst/>
                         </a:rPr>
                         <a:t>6</a:t>
@@ -5340,10 +5626,16 @@
                     <a:lstStyle/>
                     <a:p>
                       <a:r>
-                        <a:rPr lang="en" dirty="0">
+                        <a:rPr lang="en" sz="2000" b="1" dirty="0">
                           <a:effectLst/>
                         </a:rPr>
-                        <a:t>Informational: informational messages</a:t>
+                        <a:t>Informational</a:t>
+                      </a:r>
+                      <a:r>
+                        <a:rPr lang="en" sz="2000" dirty="0">
+                          <a:effectLst/>
+                        </a:rPr>
+                        <a:t>: informational messages</a:t>
                       </a:r>
                     </a:p>
                   </a:txBody>
@@ -5398,8 +5690,9 @@
                     <a:bodyPr/>
                     <a:lstStyle/>
                     <a:p>
+                      <a:pPr algn="ctr"/>
                       <a:r>
-                        <a:rPr lang="ru-RU" dirty="0">
+                        <a:rPr lang="ru-RU" sz="2000" dirty="0">
                           <a:effectLst/>
                         </a:rPr>
                         <a:t>7</a:t>
@@ -5445,10 +5738,16 @@
                     <a:lstStyle/>
                     <a:p>
                       <a:r>
-                        <a:rPr lang="en" dirty="0">
+                        <a:rPr lang="en" sz="2000" b="1" dirty="0">
                           <a:effectLst/>
                         </a:rPr>
-                        <a:t>Debug: debug-level messages</a:t>
+                        <a:t>Debug</a:t>
+                      </a:r>
+                      <a:r>
+                        <a:rPr lang="en" sz="2000" dirty="0">
+                          <a:effectLst/>
+                        </a:rPr>
+                        <a:t>: debug-level messages</a:t>
                       </a:r>
                     </a:p>
                   </a:txBody>
@@ -5552,8 +5851,12 @@
               <a:t> (</a:t>
             </a:r>
             <a:r>
+              <a:rPr lang="en" sz="2000" b="1" dirty="0"/>
+              <a:t>severity levels</a:t>
+            </a:r>
+            <a:r>
               <a:rPr lang="en" sz="2000" dirty="0"/>
-              <a:t>severity levels).</a:t>
+              <a:t>).</a:t>
             </a:r>
             <a:endParaRPr lang="ru-RU" sz="2000" dirty="0"/>
           </a:p>
@@ -5629,7 +5932,7 @@
         </p:nvSpPr>
         <p:spPr>
           <a:xfrm>
-            <a:off x="334107" y="128954"/>
+            <a:off x="436877" y="127517"/>
             <a:ext cx="5591907" cy="738554"/>
           </a:xfrm>
         </p:spPr>
@@ -5664,8 +5967,8 @@
         </p:nvSpPr>
         <p:spPr>
           <a:xfrm>
-            <a:off x="70339" y="866071"/>
-            <a:ext cx="7819292" cy="5839530"/>
+            <a:off x="436879" y="866071"/>
+            <a:ext cx="7731759" cy="5839530"/>
           </a:xfrm>
         </p:spPr>
         <p:txBody>
@@ -5682,7 +5985,47 @@
             </a:pPr>
             <a:r>
               <a:rPr lang="ru-RU" sz="1800" dirty="0"/>
-              <a:t>Разные языки программирования и инструменты работы с логами заимствуют эту классификацию, немного видоизменяя её в каждом случае. Например, в </a:t>
+              <a:t>Разные </a:t>
+            </a:r>
+            <a:r>
+              <a:rPr lang="ru-RU" sz="1800" b="1" dirty="0"/>
+              <a:t>языки</a:t>
+            </a:r>
+            <a:r>
+              <a:rPr lang="ru-RU" sz="1800" dirty="0"/>
+              <a:t> программирования и </a:t>
+            </a:r>
+            <a:r>
+              <a:rPr lang="ru-RU" sz="1800" b="1" dirty="0"/>
+              <a:t>инструменты</a:t>
+            </a:r>
+            <a:r>
+              <a:rPr lang="ru-RU" sz="1800" dirty="0"/>
+              <a:t> работы с логами заимствуют эту </a:t>
+            </a:r>
+            <a:r>
+              <a:rPr lang="ru-RU" sz="1800" b="1" dirty="0"/>
+              <a:t>классификацию</a:t>
+            </a:r>
+            <a:r>
+              <a:rPr lang="ru-RU" sz="1800" dirty="0"/>
+              <a:t>, немного </a:t>
+            </a:r>
+            <a:r>
+              <a:rPr lang="ru-RU" sz="1800" b="1" dirty="0"/>
+              <a:t>видоизменяя</a:t>
+            </a:r>
+            <a:r>
+              <a:rPr lang="ru-RU" sz="1800" dirty="0"/>
+              <a:t> </a:t>
+            </a:r>
+            <a:r>
+              <a:rPr lang="ru-RU" sz="1800" b="1" dirty="0"/>
+              <a:t>её</a:t>
+            </a:r>
+            <a:r>
+              <a:rPr lang="ru-RU" sz="1800" dirty="0"/>
+              <a:t> в каждом случае. Например, в </a:t>
             </a:r>
             <a:r>
               <a:rPr lang="en" sz="1800" dirty="0"/>
@@ -5690,7 +6033,15 @@
             </a:r>
             <a:r>
               <a:rPr lang="ru-RU" sz="1800" dirty="0"/>
-              <a:t>такие стандартные уровни логирования (см. таблицу).</a:t>
+              <a:t>такие </a:t>
+            </a:r>
+            <a:r>
+              <a:rPr lang="ru-RU" sz="1800" b="1" dirty="0"/>
+              <a:t>стандартные уровни логирования</a:t>
+            </a:r>
+            <a:r>
+              <a:rPr lang="ru-RU" sz="1800" dirty="0"/>
+              <a:t> (см. таблицу).</a:t>
             </a:r>
           </a:p>
           <a:p>
@@ -5702,7 +6053,23 @@
             </a:pPr>
             <a:r>
               <a:rPr lang="ru-RU" sz="1800" dirty="0"/>
-              <a:t>Можно задать и собственные уровни, имеющие числовые значения в промежутках между стандартными, но, как правило, этого не требуется.</a:t>
+              <a:t>Можно задать и </a:t>
+            </a:r>
+            <a:r>
+              <a:rPr lang="ru-RU" sz="1800" b="1" dirty="0"/>
+              <a:t>собственные уровни</a:t>
+            </a:r>
+            <a:r>
+              <a:rPr lang="ru-RU" sz="1800" dirty="0"/>
+              <a:t>, имеющие </a:t>
+            </a:r>
+            <a:r>
+              <a:rPr lang="ru-RU" sz="1800" b="1" dirty="0"/>
+              <a:t>числовые значения в промежутках между стандартными</a:t>
+            </a:r>
+            <a:r>
+              <a:rPr lang="ru-RU" sz="1800" dirty="0"/>
+              <a:t>, но, как правило, этого не требуется.</a:t>
             </a:r>
           </a:p>
           <a:p>
@@ -5714,10 +6081,18 @@
             </a:pPr>
             <a:r>
               <a:rPr lang="ru-RU" sz="1800" dirty="0"/>
-              <a:t>Уровни логирования позволяют управлять тем, что и в каких условиях попадает в логи. Например, сообщения уровня </a:t>
-            </a:r>
-            <a:r>
-              <a:rPr lang="en" sz="1800" dirty="0">
+              <a:t>Уровни логирования позволяют </a:t>
+            </a:r>
+            <a:r>
+              <a:rPr lang="ru-RU" sz="1800" b="1" dirty="0"/>
+              <a:t>управлять тем, что и в каких условиях попадает в логи</a:t>
+            </a:r>
+            <a:r>
+              <a:rPr lang="ru-RU" sz="1800" dirty="0"/>
+              <a:t>. Например, сообщения уровня </a:t>
+            </a:r>
+            <a:r>
+              <a:rPr lang="en" sz="1800" b="1" dirty="0">
                 <a:latin typeface="Consolas" panose="020B0609020204030204" pitchFamily="49" charset="0"/>
                 <a:cs typeface="Consolas" panose="020B0609020204030204" pitchFamily="49" charset="0"/>
               </a:rPr>
@@ -5729,15 +6104,63 @@
             </a:r>
             <a:r>
               <a:rPr lang="ru-RU" sz="1800" dirty="0"/>
-              <a:t>как правило, используются при разработке, а в </a:t>
-            </a:r>
-            <a:r>
-              <a:rPr lang="en" sz="1800" dirty="0"/>
+              <a:t>как правило, используются </a:t>
+            </a:r>
+            <a:r>
+              <a:rPr lang="ru-RU" sz="1800" b="1" dirty="0"/>
+              <a:t>при разработке</a:t>
+            </a:r>
+            <a:r>
+              <a:rPr lang="ru-RU" sz="1800" dirty="0"/>
+              <a:t>, а </a:t>
+            </a:r>
+            <a:r>
+              <a:rPr lang="ru-RU" sz="1800" b="1" dirty="0"/>
+              <a:t>в </a:t>
+            </a:r>
+            <a:r>
+              <a:rPr lang="en" sz="1800" b="1" dirty="0"/>
               <a:t>production-</a:t>
             </a:r>
             <a:r>
+              <a:rPr lang="ru-RU" sz="1800" b="1" dirty="0"/>
+              <a:t>среде</a:t>
+            </a:r>
+            <a:r>
               <a:rPr lang="ru-RU" sz="1800" dirty="0"/>
-              <a:t>среде по умолчанию отключены, но могут быть включены специально при диагностике какой-то проблемы или релизе сложного нового кода с высокой вероятностью ошибок. Оптимально, если есть возможность их включить не для всего приложения, а только для той подсистемы, в которой происходит диагностика.</a:t>
+              <a:t> по умолчанию </a:t>
+            </a:r>
+            <a:r>
+              <a:rPr lang="ru-RU" sz="1800" b="1" dirty="0"/>
+              <a:t>отключены</a:t>
+            </a:r>
+            <a:r>
+              <a:rPr lang="ru-RU" sz="1800" dirty="0"/>
+              <a:t>, но могут быть </a:t>
+            </a:r>
+            <a:r>
+              <a:rPr lang="ru-RU" sz="1800" b="1" dirty="0"/>
+              <a:t>включены специально при диагностике</a:t>
+            </a:r>
+            <a:r>
+              <a:rPr lang="ru-RU" sz="1800" dirty="0"/>
+              <a:t> какой-то проблемы или релизе сложного нового кода с высокой вероятностью ошибок. Оптимально, если есть возможность их </a:t>
+            </a:r>
+            <a:r>
+              <a:rPr lang="ru-RU" sz="1800" b="1" dirty="0"/>
+              <a:t>включить</a:t>
+            </a:r>
+            <a:r>
+              <a:rPr lang="ru-RU" sz="1800" dirty="0"/>
+              <a:t> не для всего приложения, а только </a:t>
+            </a:r>
+            <a:r>
+              <a:rPr lang="ru-RU" sz="1800" b="1" dirty="0"/>
+              <a:t>для той подсистемы, в которой происходит диагностика</a:t>
+            </a:r>
+            <a:r>
+              <a:rPr lang="ru-RU" sz="1800" dirty="0"/>
+              <a:t>.</a:t>
             </a:r>
           </a:p>
           <a:p>
@@ -5749,7 +6172,15 @@
             </a:pPr>
             <a:r>
               <a:rPr lang="ru-RU" sz="1800" dirty="0"/>
-              <a:t>Кроме того, разные уровни сообщений могу логироваться по-разному. Например, сообщения </a:t>
+              <a:t>Кроме того, разные уровни сообщений могу </a:t>
+            </a:r>
+            <a:r>
+              <a:rPr lang="ru-RU" sz="1800" b="1" dirty="0"/>
+              <a:t>логироваться по-разному</a:t>
+            </a:r>
+            <a:r>
+              <a:rPr lang="ru-RU" sz="1800" dirty="0"/>
+              <a:t>. Например, сообщения </a:t>
             </a:r>
             <a:r>
               <a:rPr lang="en" sz="1800" dirty="0">
@@ -5764,7 +6195,15 @@
             </a:r>
             <a:r>
               <a:rPr lang="ru-RU" sz="1800" dirty="0"/>
-              <a:t>могут направляться в отдельный файл, который в можно использовать как готовый отчёт по выполнению какого-то бизнес-процесса. А сообщения </a:t>
+              <a:t>могут направляться </a:t>
+            </a:r>
+            <a:r>
+              <a:rPr lang="ru-RU" sz="1800" b="1" dirty="0"/>
+              <a:t>в отдельный </a:t>
+            </a:r>
+            <a:r>
+              <a:rPr lang="ru-RU" sz="1800" dirty="0"/>
+              <a:t>файл, который в можно использовать как готовый отчёт по выполнению какого-то бизнес-процесса. А сообщения </a:t>
             </a:r>
             <a:r>
               <a:rPr lang="en" sz="1800" dirty="0">
@@ -5794,7 +6233,15 @@
             </a:r>
             <a:r>
               <a:rPr lang="ru-RU" sz="1800" dirty="0"/>
-              <a:t>могут, кроме записи в файл, дублироваться на электронную почту или в мессенджер для более быстрой реакции разработчика или администратора на возникшую проблему.</a:t>
+              <a:t>могут, кроме записи в файл, </a:t>
+            </a:r>
+            <a:r>
+              <a:rPr lang="ru-RU" sz="1800" b="1" dirty="0"/>
+              <a:t>дублироваться на электронную почту или в мессенджер</a:t>
+            </a:r>
+            <a:r>
+              <a:rPr lang="ru-RU" sz="1800" dirty="0"/>
+              <a:t> для более быстрой реакции разработчика или администратора на возникшую проблему.</a:t>
             </a:r>
           </a:p>
         </p:txBody>
@@ -5814,35 +6261,35 @@
           <p:nvPr>
             <p:extLst>
               <p:ext uri="{D42A27DB-BD31-4B8C-83A1-F6EECF244321}">
-                <p14:modId xmlns:p14="http://schemas.microsoft.com/office/powerpoint/2010/main" val="1120026543"/>
+                <p14:modId xmlns:p14="http://schemas.microsoft.com/office/powerpoint/2010/main" val="1320176439"/>
               </p:ext>
             </p:extLst>
           </p:nvPr>
         </p:nvGraphicFramePr>
         <p:xfrm>
-          <a:off x="7913077" y="46892"/>
-          <a:ext cx="4278923" cy="6818840"/>
+          <a:off x="8168640" y="37392"/>
+          <a:ext cx="3972560" cy="6783216"/>
         </p:xfrm>
         <a:graphic>
           <a:graphicData uri="http://schemas.openxmlformats.org/drawingml/2006/table">
             <a:tbl>
               <a:tblPr/>
               <a:tblGrid>
-                <a:gridCol w="1031631">
+                <a:gridCol w="955040">
                   <a:extLst>
                     <a:ext uri="{9D8B030D-6E8A-4147-A177-3AD203B41FA5}">
                       <a16:colId xmlns:a16="http://schemas.microsoft.com/office/drawing/2014/main" val="4078045296"/>
                     </a:ext>
                   </a:extLst>
                 </a:gridCol>
-                <a:gridCol w="422030">
+                <a:gridCol w="328714">
                   <a:extLst>
                     <a:ext uri="{9D8B030D-6E8A-4147-A177-3AD203B41FA5}">
                       <a16:colId xmlns:a16="http://schemas.microsoft.com/office/drawing/2014/main" val="2709378863"/>
                     </a:ext>
                   </a:extLst>
                 </a:gridCol>
-                <a:gridCol w="2825262">
+                <a:gridCol w="2688806">
                   <a:extLst>
                     <a:ext uri="{9D8B030D-6E8A-4147-A177-3AD203B41FA5}">
                       <a16:colId xmlns:a16="http://schemas.microsoft.com/office/drawing/2014/main" val="2321625654"/>
@@ -5865,7 +6312,7 @@
                       </a:r>
                     </a:p>
                   </a:txBody>
-                  <a:tcPr marL="74509" marR="74509" marT="49673" marB="49673" anchor="ctr">
+                  <a:tcPr marL="36000" marR="36000" marT="36000" marB="36000" anchor="ctr">
                     <a:lnL>
                       <a:noFill/>
                     </a:lnL>
@@ -5912,7 +6359,7 @@
                       </a:endParaRPr>
                     </a:p>
                   </a:txBody>
-                  <a:tcPr marL="74509" marR="74509" marT="49673" marB="49673" anchor="ctr">
+                  <a:tcPr marL="36000" marR="36000" marT="36000" marB="36000" anchor="ctr">
                     <a:lnL w="9525" cap="flat" cmpd="sng" algn="ctr">
                       <a:solidFill>
                         <a:srgbClr val="DCDCDC"/>
@@ -5962,7 +6409,7 @@
                       </a:r>
                     </a:p>
                   </a:txBody>
-                  <a:tcPr marL="74509" marR="74509" marT="49673" marB="49673" anchor="ctr">
+                  <a:tcPr marL="36000" marR="36000" marT="36000" marB="36000" anchor="ctr">
                     <a:lnL w="9525" cap="flat" cmpd="sng" algn="ctr">
                       <a:solidFill>
                         <a:srgbClr val="DCDCDC"/>
@@ -6004,6 +6451,7 @@
                     <a:bodyPr/>
                     <a:lstStyle/>
                     <a:p>
+                      <a:pPr algn="ctr"/>
                       <a:r>
                         <a:rPr lang="en" sz="1600" dirty="0">
                           <a:effectLst/>
@@ -6012,7 +6460,7 @@
                       </a:r>
                     </a:p>
                   </a:txBody>
-                  <a:tcPr marL="74509" marR="74509" marT="49673" marB="49673" anchor="ctr">
+                  <a:tcPr marL="36000" marR="36000" marT="36000" marB="36000" anchor="ctr">
                     <a:lnL>
                       <a:noFill/>
                     </a:lnL>
@@ -6053,6 +6501,7 @@
                     <a:bodyPr/>
                     <a:lstStyle/>
                     <a:p>
+                      <a:pPr algn="ctr"/>
                       <a:r>
                         <a:rPr lang="ru-RU" sz="1600" dirty="0">
                           <a:effectLst/>
@@ -6061,7 +6510,7 @@
                       </a:r>
                     </a:p>
                   </a:txBody>
-                  <a:tcPr marL="74509" marR="74509" marT="49673" marB="49673" anchor="ctr">
+                  <a:tcPr marL="36000" marR="36000" marT="36000" marB="36000" anchor="ctr">
                     <a:lnL w="9525" cap="flat" cmpd="sng" algn="ctr">
                       <a:solidFill>
                         <a:srgbClr val="DCDCDC"/>
@@ -6116,7 +6565,7 @@
                       </a:r>
                     </a:p>
                   </a:txBody>
-                  <a:tcPr marL="74509" marR="74509" marT="49673" marB="49673" anchor="ctr">
+                  <a:tcPr marL="36000" marR="36000" marT="36000" marB="36000" anchor="ctr">
                     <a:lnL w="9525" cap="flat" cmpd="sng" algn="ctr">
                       <a:solidFill>
                         <a:srgbClr val="DCDCDC"/>
@@ -6164,6 +6613,7 @@
                     <a:bodyPr/>
                     <a:lstStyle/>
                     <a:p>
+                      <a:pPr algn="ctr"/>
                       <a:r>
                         <a:rPr lang="en" sz="1600" dirty="0">
                           <a:effectLst/>
@@ -6172,7 +6622,7 @@
                       </a:r>
                     </a:p>
                   </a:txBody>
-                  <a:tcPr marL="74509" marR="74509" marT="49673" marB="49673" anchor="ctr">
+                  <a:tcPr marL="36000" marR="36000" marT="36000" marB="36000" anchor="ctr">
                     <a:lnL>
                       <a:noFill/>
                     </a:lnL>
@@ -6213,6 +6663,7 @@
                     <a:bodyPr/>
                     <a:lstStyle/>
                     <a:p>
+                      <a:pPr algn="ctr"/>
                       <a:r>
                         <a:rPr lang="ru-RU" sz="1600" dirty="0">
                           <a:effectLst/>
@@ -6221,7 +6672,7 @@
                       </a:r>
                     </a:p>
                   </a:txBody>
-                  <a:tcPr marL="74509" marR="74509" marT="49673" marB="49673" anchor="ctr">
+                  <a:tcPr marL="36000" marR="36000" marT="36000" marB="36000" anchor="ctr">
                     <a:lnL w="9525" cap="flat" cmpd="sng" algn="ctr">
                       <a:solidFill>
                         <a:srgbClr val="DCDCDC"/>
@@ -6276,7 +6727,7 @@
                       </a:r>
                     </a:p>
                   </a:txBody>
-                  <a:tcPr marL="74509" marR="74509" marT="49673" marB="49673" anchor="ctr">
+                  <a:tcPr marL="36000" marR="36000" marT="36000" marB="36000" anchor="ctr">
                     <a:lnL w="9525" cap="flat" cmpd="sng" algn="ctr">
                       <a:solidFill>
                         <a:srgbClr val="DCDCDC"/>
@@ -6324,6 +6775,7 @@
                     <a:bodyPr/>
                     <a:lstStyle/>
                     <a:p>
+                      <a:pPr algn="ctr"/>
                       <a:r>
                         <a:rPr lang="en" sz="1600" dirty="0">
                           <a:effectLst/>
@@ -6332,7 +6784,7 @@
                       </a:r>
                     </a:p>
                   </a:txBody>
-                  <a:tcPr marL="74509" marR="74509" marT="49673" marB="49673" anchor="ctr">
+                  <a:tcPr marL="36000" marR="36000" marT="36000" marB="36000" anchor="ctr">
                     <a:lnL>
                       <a:noFill/>
                     </a:lnL>
@@ -6373,6 +6825,7 @@
                     <a:bodyPr/>
                     <a:lstStyle/>
                     <a:p>
+                      <a:pPr algn="ctr"/>
                       <a:r>
                         <a:rPr lang="ru-RU" sz="1600" dirty="0">
                           <a:effectLst/>
@@ -6381,7 +6834,7 @@
                       </a:r>
                     </a:p>
                   </a:txBody>
-                  <a:tcPr marL="74509" marR="74509" marT="49673" marB="49673" anchor="ctr">
+                  <a:tcPr marL="36000" marR="36000" marT="36000" marB="36000" anchor="ctr">
                     <a:lnL w="9525" cap="flat" cmpd="sng" algn="ctr">
                       <a:solidFill>
                         <a:srgbClr val="DCDCDC"/>
@@ -6436,7 +6889,7 @@
                       </a:r>
                     </a:p>
                   </a:txBody>
-                  <a:tcPr marL="74509" marR="74509" marT="49673" marB="49673" anchor="ctr">
+                  <a:tcPr marL="36000" marR="36000" marT="36000" marB="36000" anchor="ctr">
                     <a:lnL w="9525" cap="flat" cmpd="sng" algn="ctr">
                       <a:solidFill>
                         <a:srgbClr val="DCDCDC"/>
@@ -6484,6 +6937,7 @@
                     <a:bodyPr/>
                     <a:lstStyle/>
                     <a:p>
+                      <a:pPr algn="ctr"/>
                       <a:r>
                         <a:rPr lang="en" sz="1600" dirty="0">
                           <a:effectLst/>
@@ -6492,7 +6946,7 @@
                       </a:r>
                     </a:p>
                   </a:txBody>
-                  <a:tcPr marL="74509" marR="74509" marT="49673" marB="49673" anchor="ctr">
+                  <a:tcPr marL="36000" marR="36000" marT="36000" marB="36000" anchor="ctr">
                     <a:lnL>
                       <a:noFill/>
                     </a:lnL>
@@ -6533,6 +6987,7 @@
                     <a:bodyPr/>
                     <a:lstStyle/>
                     <a:p>
+                      <a:pPr algn="ctr"/>
                       <a:r>
                         <a:rPr lang="ru-RU" sz="1600" dirty="0">
                           <a:effectLst/>
@@ -6541,7 +6996,7 @@
                       </a:r>
                     </a:p>
                   </a:txBody>
-                  <a:tcPr marL="74509" marR="74509" marT="49673" marB="49673" anchor="ctr">
+                  <a:tcPr marL="36000" marR="36000" marT="36000" marB="36000" anchor="ctr">
                     <a:lnL w="9525" cap="flat" cmpd="sng" algn="ctr">
                       <a:solidFill>
                         <a:srgbClr val="DCDCDC"/>
@@ -6596,7 +7051,7 @@
                       </a:r>
                     </a:p>
                   </a:txBody>
-                  <a:tcPr marL="74509" marR="74509" marT="49673" marB="49673" anchor="ctr">
+                  <a:tcPr marL="36000" marR="36000" marT="36000" marB="36000" anchor="ctr">
                     <a:lnL w="9525" cap="flat" cmpd="sng" algn="ctr">
                       <a:solidFill>
                         <a:srgbClr val="DCDCDC"/>
@@ -6644,6 +7099,7 @@
                     <a:bodyPr/>
                     <a:lstStyle/>
                     <a:p>
+                      <a:pPr algn="ctr"/>
                       <a:r>
                         <a:rPr lang="en" sz="1600" dirty="0">
                           <a:effectLst/>
@@ -6652,7 +7108,7 @@
                       </a:r>
                     </a:p>
                   </a:txBody>
-                  <a:tcPr marL="74509" marR="74509" marT="49673" marB="49673" anchor="ctr">
+                  <a:tcPr marL="36000" marR="36000" marT="36000" marB="36000" anchor="ctr">
                     <a:lnL>
                       <a:noFill/>
                     </a:lnL>
@@ -6687,6 +7143,7 @@
                     <a:bodyPr/>
                     <a:lstStyle/>
                     <a:p>
+                      <a:pPr algn="ctr"/>
                       <a:r>
                         <a:rPr lang="ru-RU" sz="1600" dirty="0">
                           <a:effectLst/>
@@ -6695,7 +7152,7 @@
                       </a:r>
                     </a:p>
                   </a:txBody>
-                  <a:tcPr marL="74509" marR="74509" marT="49673" marB="49673" anchor="ctr">
+                  <a:tcPr marL="36000" marR="36000" marT="36000" marB="36000" anchor="ctr">
                     <a:lnL w="9525" cap="flat" cmpd="sng" algn="ctr">
                       <a:solidFill>
                         <a:srgbClr val="DCDCDC"/>
@@ -6744,7 +7201,7 @@
                       </a:r>
                     </a:p>
                   </a:txBody>
-                  <a:tcPr marL="74509" marR="74509" marT="49673" marB="49673" anchor="ctr">
+                  <a:tcPr marL="36000" marR="36000" marT="36000" marB="36000" anchor="ctr">
                     <a:lnL w="9525" cap="flat" cmpd="sng" algn="ctr">
                       <a:solidFill>
                         <a:srgbClr val="DCDCDC"/>
@@ -7014,7 +7471,23 @@
             </a:r>
             <a:r>
               <a:rPr lang="ru-RU" sz="1800" dirty="0"/>
-              <a:t> операции. Это поможет отследить обрывы и зависания программы (если в логе есть только первая запись), или обнаружить проблемы со скоростью выполнения запросов (по разнице между временем первой и второй записи).</a:t>
+              <a:t> операции. Это поможет </a:t>
+            </a:r>
+            <a:r>
+              <a:rPr lang="ru-RU" sz="1800" b="1" dirty="0"/>
+              <a:t>отследить обрывы и зависания</a:t>
+            </a:r>
+            <a:r>
+              <a:rPr lang="ru-RU" sz="1800" dirty="0"/>
+              <a:t> программы (если в логе есть только первая запись), или </a:t>
+            </a:r>
+            <a:r>
+              <a:rPr lang="ru-RU" sz="1800" b="1" dirty="0"/>
+              <a:t>обнаружить проблемы со скоростью</a:t>
+            </a:r>
+            <a:r>
+              <a:rPr lang="ru-RU" sz="1800" dirty="0"/>
+              <a:t> выполнения запросов (по разнице между временем первой и второй записи).</a:t>
             </a:r>
           </a:p>
           <a:p>
@@ -7041,7 +7514,31 @@
             </a:r>
             <a:r>
               <a:rPr lang="ru-RU" sz="1800" dirty="0"/>
-              <a:t>проявлять осторожность. Далеко не всегда нужно логировать внутри каждой итерации, может быть достаточно общего вывода с количеством обработанных записей и результатом после завершения цикла. Если всё же требуется логировать каждую итерацию — как минимум нужно понимать, как будет выглядеть лог и какого размера будет лог-файл</a:t>
+              <a:t>проявлять осторожность. Далеко не всегда нужно логировать внутри каждой итерации, может быть </a:t>
+            </a:r>
+            <a:r>
+              <a:rPr lang="ru-RU" sz="1800" b="1" dirty="0"/>
+              <a:t>достаточно общего вывода </a:t>
+            </a:r>
+            <a:r>
+              <a:rPr lang="ru-RU" sz="1800" dirty="0"/>
+              <a:t>с </a:t>
+            </a:r>
+            <a:r>
+              <a:rPr lang="ru-RU" sz="1800" b="1" dirty="0"/>
+              <a:t>количеством</a:t>
+            </a:r>
+            <a:r>
+              <a:rPr lang="ru-RU" sz="1800" dirty="0"/>
+              <a:t> обработанных записей и </a:t>
+            </a:r>
+            <a:r>
+              <a:rPr lang="ru-RU" sz="1800" b="1" dirty="0"/>
+              <a:t>результатом</a:t>
+            </a:r>
+            <a:r>
+              <a:rPr lang="ru-RU" sz="1800" dirty="0"/>
+              <a:t> после завершения цикла. Если всё же требуется логировать каждую итерацию — как минимум нужно понимать, как будет выглядеть лог и какого размера будет лог-файл</a:t>
             </a:r>
             <a:r>
               <a:rPr lang="ru-RU" sz="1800" b="0" i="0" dirty="0">
@@ -7149,7 +7646,7 @@
         </p:spPr>
         <p:txBody>
           <a:bodyPr>
-            <a:normAutofit/>
+            <a:normAutofit lnSpcReduction="10000"/>
           </a:bodyPr>
           <a:lstStyle/>
           <a:p>
@@ -7161,7 +7658,38 @@
             </a:pPr>
             <a:r>
               <a:rPr lang="ru-RU" sz="2000" dirty="0"/>
-              <a:t>Все современные языки программирования имеют готовую библиотеку для логирования, или даже несколько. Их и нужно использовать. Не стоит без причин изобретать собственный велосипед или использовать </a:t>
+              <a:t>Все современные языки программирования имеют </a:t>
+            </a:r>
+            <a:r>
+              <a:rPr lang="ru-RU" sz="2000" b="1" dirty="0"/>
+              <a:t>готовую библиотеку для логирования</a:t>
+            </a:r>
+            <a:r>
+              <a:rPr lang="ru-RU" sz="2000" dirty="0"/>
+              <a:t>, или даже несколько. Их и нужно использовать.</a:t>
+            </a:r>
+            <a:br>
+              <a:rPr lang="ru-RU" sz="2000" dirty="0"/>
+            </a:br>
+            <a:r>
+              <a:rPr lang="ru-RU" sz="2000" dirty="0"/>
+              <a:t>Не стоит без причин </a:t>
+            </a:r>
+            <a:r>
+              <a:rPr lang="ru-RU" sz="2000" b="1" dirty="0"/>
+              <a:t>изобретать</a:t>
+            </a:r>
+            <a:r>
+              <a:rPr lang="ru-RU" sz="2000" dirty="0"/>
+              <a:t> собственный </a:t>
+            </a:r>
+            <a:r>
+              <a:rPr lang="ru-RU" sz="2000" b="1" dirty="0"/>
+              <a:t>велосипед</a:t>
+            </a:r>
+            <a:r>
+              <a:rPr lang="ru-RU" sz="2000" dirty="0"/>
+              <a:t> или использовать </a:t>
             </a:r>
             <a:r>
               <a:rPr lang="en" sz="2000" dirty="0">
@@ -7176,7 +7704,31 @@
             </a:r>
             <a:r>
               <a:rPr lang="ru-RU" sz="2000" dirty="0"/>
-              <a:t>Эти библиотеки имеют разумный интерфейс, адекватные возможности конфигурирования, корректно работают с вводом-выводом, учитывают тонкости реализации и внутренней работы языка. А самое главное — они известны и понятны всем разработчикам.</a:t>
+              <a:t>Эти библиотеки имеют </a:t>
+            </a:r>
+            <a:r>
+              <a:rPr lang="ru-RU" sz="2000" b="1" dirty="0"/>
+              <a:t>удобный интерфейс</a:t>
+            </a:r>
+            <a:r>
+              <a:rPr lang="ru-RU" sz="2000" dirty="0"/>
+              <a:t>, адекватные возможности </a:t>
+            </a:r>
+            <a:r>
+              <a:rPr lang="ru-RU" sz="2000" b="1" dirty="0"/>
+              <a:t>конфигурирования</a:t>
+            </a:r>
+            <a:r>
+              <a:rPr lang="ru-RU" sz="2000" dirty="0"/>
+              <a:t>, корректно работают с вводом-выводом, учитывают тонкости реализации и внутренней работы языка. А самое главное — они </a:t>
+            </a:r>
+            <a:r>
+              <a:rPr lang="ru-RU" sz="2000" b="1" dirty="0"/>
+              <a:t>известны и понятны всем разработчикам</a:t>
+            </a:r>
+            <a:r>
+              <a:rPr lang="ru-RU" sz="2000" dirty="0"/>
+              <a:t>.</a:t>
             </a:r>
           </a:p>
           <a:p>
@@ -7188,7 +7740,22 @@
             </a:pPr>
             <a:r>
               <a:rPr lang="ru-RU" sz="2000" dirty="0"/>
-              <a:t>Кроме собственно записи в лог существует множество других инструментов для ротации и управления логами, агрегации и поиска по логам, мониторинга ошибок и нотификаций и т. д. Несколько популярных примеров: </a:t>
+              <a:t>Кроме собственно записи в лог существует множество других </a:t>
+            </a:r>
+            <a:r>
+              <a:rPr lang="ru-RU" sz="2000" b="1" dirty="0"/>
+              <a:t>инструментов управления логами</a:t>
+            </a:r>
+            <a:r>
+              <a:rPr lang="ru-RU" sz="2000" dirty="0"/>
+              <a:t>, для агрегации и поиска по логам, ротации логов, мониторинга ошибок и нотификаций и т. д.</a:t>
+            </a:r>
+            <a:br>
+              <a:rPr lang="ru-RU" sz="2000" dirty="0"/>
+            </a:br>
+            <a:r>
+              <a:rPr lang="ru-RU" sz="2000" dirty="0"/>
+              <a:t>Несколько популярных примеров: </a:t>
             </a:r>
             <a:r>
               <a:rPr lang="en" sz="2000" b="1" noProof="1"/>
@@ -7369,7 +7936,7 @@
         </p:nvSpPr>
         <p:spPr>
           <a:xfrm>
-            <a:off x="838200" y="72049"/>
+            <a:off x="838200" y="122849"/>
             <a:ext cx="10515600" cy="842352"/>
           </a:xfrm>
         </p:spPr>
@@ -7404,8 +7971,8 @@
         </p:nvSpPr>
         <p:spPr>
           <a:xfrm>
-            <a:off x="838200" y="855786"/>
-            <a:ext cx="10515600" cy="5871550"/>
+            <a:off x="838200" y="1087120"/>
+            <a:ext cx="5481320" cy="5466080"/>
           </a:xfrm>
         </p:spPr>
         <p:txBody>
@@ -7421,14 +7988,14 @@
               <a:buNone/>
             </a:pPr>
             <a:r>
-              <a:rPr lang="ru-RU" sz="1800" dirty="0"/>
+              <a:rPr lang="ru-RU" sz="2000" dirty="0"/>
               <a:t>Существуют разные варианты организации инфраструктуры логирования</a:t>
             </a:r>
             <a:r>
-              <a:rPr lang="en-US" sz="1800" dirty="0"/>
+              <a:rPr lang="en-US" sz="2000" dirty="0"/>
               <a:t>:</a:t>
             </a:r>
-            <a:endParaRPr lang="ru-RU" sz="1800" dirty="0"/>
+            <a:endParaRPr lang="ru-RU" sz="2000" dirty="0"/>
           </a:p>
           <a:p>
             <a:pPr marL="0" indent="0">
@@ -7438,8 +8005,12 @@
               <a:buNone/>
             </a:pPr>
             <a:r>
-              <a:rPr lang="ru-RU" sz="1800" dirty="0"/>
-              <a:t>По способу логирования:</a:t>
+              <a:rPr lang="ru-RU" sz="2000" b="1" dirty="0"/>
+              <a:t>По способу логирования</a:t>
+            </a:r>
+            <a:r>
+              <a:rPr lang="ru-RU" sz="2000" dirty="0"/>
+              <a:t>:</a:t>
             </a:r>
           </a:p>
           <a:p>
@@ -7452,7 +8023,7 @@
               </a:spcBef>
             </a:pPr>
             <a:r>
-              <a:rPr lang="ru-RU" sz="1800" dirty="0"/>
+              <a:rPr lang="ru-RU" sz="2000" dirty="0"/>
               <a:t>файлы,</a:t>
             </a:r>
           </a:p>
@@ -7466,7 +8037,7 @@
               </a:spcBef>
             </a:pPr>
             <a:r>
-              <a:rPr lang="ru-RU" sz="1800" dirty="0"/>
+              <a:rPr lang="ru-RU" sz="2000" dirty="0"/>
               <a:t>БД,</a:t>
             </a:r>
           </a:p>
@@ -7480,10 +8051,10 @@
               </a:spcBef>
             </a:pPr>
             <a:r>
-              <a:rPr lang="ru-RU" sz="1800" dirty="0"/>
+              <a:rPr lang="ru-RU" sz="2000" dirty="0"/>
               <a:t>специальные сервисы для логирования.</a:t>
             </a:r>
-            <a:endParaRPr lang="en-US" sz="1800" dirty="0"/>
+            <a:endParaRPr lang="en-US" sz="2000" dirty="0"/>
           </a:p>
           <a:p>
             <a:pPr marL="0" indent="0">
@@ -7493,10 +8064,14 @@
               <a:buNone/>
             </a:pPr>
             <a:r>
-              <a:rPr lang="ru-RU" sz="1800" dirty="0"/>
-              <a:t>По количеству файлов:</a:t>
-            </a:r>
-            <a:endParaRPr lang="en-US" sz="1800" dirty="0"/>
+              <a:rPr lang="ru-RU" sz="2000" b="1" dirty="0"/>
+              <a:t>По количеству файлов</a:t>
+            </a:r>
+            <a:r>
+              <a:rPr lang="ru-RU" sz="2000" dirty="0"/>
+              <a:t>:</a:t>
+            </a:r>
+            <a:endParaRPr lang="en-US" sz="2000" dirty="0"/>
           </a:p>
           <a:p>
             <a:pPr>
@@ -7508,10 +8083,10 @@
               </a:spcBef>
             </a:pPr>
             <a:r>
-              <a:rPr lang="ru-RU" sz="1800" dirty="0"/>
+              <a:rPr lang="ru-RU" sz="2000" dirty="0"/>
               <a:t>все логи в один файл, </a:t>
             </a:r>
-            <a:endParaRPr lang="en-US" sz="1800" dirty="0"/>
+            <a:endParaRPr lang="en-US" sz="2000" dirty="0"/>
           </a:p>
           <a:p>
             <a:pPr>
@@ -7523,7 +8098,7 @@
               </a:spcBef>
             </a:pPr>
             <a:r>
-              <a:rPr lang="ru-RU" sz="1800" dirty="0"/>
+              <a:rPr lang="ru-RU" sz="2000" dirty="0"/>
               <a:t>отдельные файлы для разных типов событий, приложений, подсистем.</a:t>
             </a:r>
           </a:p>
@@ -7535,10 +8110,14 @@
               <a:buNone/>
             </a:pPr>
             <a:r>
-              <a:rPr lang="ru-RU" sz="1800" dirty="0"/>
-              <a:t>По степени централизации:</a:t>
-            </a:r>
-            <a:endParaRPr lang="en-US" sz="1800" dirty="0"/>
+              <a:rPr lang="ru-RU" sz="2000" b="1" dirty="0"/>
+              <a:t>По степени централизации</a:t>
+            </a:r>
+            <a:r>
+              <a:rPr lang="ru-RU" sz="2000" dirty="0"/>
+              <a:t>:</a:t>
+            </a:r>
+            <a:endParaRPr lang="en-US" sz="2000" dirty="0"/>
           </a:p>
           <a:p>
             <a:pPr>
@@ -7550,7 +8129,7 @@
               </a:spcBef>
             </a:pPr>
             <a:r>
-              <a:rPr lang="ru-RU" sz="1800" dirty="0"/>
+              <a:rPr lang="ru-RU" sz="2000" dirty="0"/>
               <a:t>локальные файлы на каждом сервере,</a:t>
             </a:r>
           </a:p>
@@ -7564,10 +8143,39 @@
               </a:spcBef>
             </a:pPr>
             <a:r>
-              <a:rPr lang="ru-RU" sz="1800" dirty="0"/>
+              <a:rPr lang="ru-RU" sz="2000" dirty="0"/>
               <a:t>общий централизованный лог-сервер.</a:t>
             </a:r>
           </a:p>
+        </p:txBody>
+      </p:sp>
+      <p:sp>
+        <p:nvSpPr>
+          <p:cNvPr id="4" name="TextBox 3">
+            <a:extLst>
+              <a:ext uri="{FF2B5EF4-FFF2-40B4-BE49-F238E27FC236}">
+                <a16:creationId xmlns:a16="http://schemas.microsoft.com/office/drawing/2014/main" id="{6F74DE96-A790-4157-9E08-DEA9BB745AAA}"/>
+              </a:ext>
+            </a:extLst>
+          </p:cNvPr>
+          <p:cNvSpPr txBox="1"/>
+          <p:nvPr/>
+        </p:nvSpPr>
+        <p:spPr>
+          <a:xfrm>
+            <a:off x="6685280" y="1066800"/>
+            <a:ext cx="4754880" cy="4093428"/>
+          </a:xfrm>
+          <a:prstGeom prst="rect">
+            <a:avLst/>
+          </a:prstGeom>
+          <a:noFill/>
+        </p:spPr>
+        <p:txBody>
+          <a:bodyPr wrap="square" rtlCol="0">
+            <a:spAutoFit/>
+          </a:bodyPr>
+          <a:lstStyle/>
           <a:p>
             <a:pPr marL="0" indent="0">
               <a:lnSpc>
@@ -7576,77 +8184,91 @@
               <a:buNone/>
             </a:pPr>
             <a:r>
-              <a:rPr lang="ru-RU" sz="1800" dirty="0"/>
-              <a:t>Выбор конкретного подхода зависит от:</a:t>
-            </a:r>
-          </a:p>
-          <a:p>
-            <a:pPr>
+              <a:rPr lang="ru-RU" sz="2000" b="1" dirty="0"/>
+              <a:t>Выбор конкретного подхода</a:t>
+            </a:r>
+            <a:r>
+              <a:rPr lang="ru-RU" sz="2000" dirty="0"/>
+              <a:t> зависит от:</a:t>
+            </a:r>
+          </a:p>
+          <a:p>
+            <a:pPr marL="285750" indent="-285750">
               <a:lnSpc>
                 <a:spcPct val="100000"/>
               </a:lnSpc>
               <a:spcBef>
                 <a:spcPts val="0"/>
               </a:spcBef>
-            </a:pPr>
-            <a:r>
-              <a:rPr lang="ru-RU" sz="1800" dirty="0"/>
+              <a:buFont typeface="Arial" panose="020B0604020202020204" pitchFamily="34" charset="0"/>
+              <a:buChar char="•"/>
+            </a:pPr>
+            <a:r>
+              <a:rPr lang="ru-RU" sz="2000" dirty="0"/>
               <a:t>архитектуры системы,</a:t>
             </a:r>
           </a:p>
           <a:p>
-            <a:pPr>
+            <a:pPr marL="285750" indent="-285750">
               <a:lnSpc>
                 <a:spcPct val="100000"/>
               </a:lnSpc>
               <a:spcBef>
                 <a:spcPts val="0"/>
               </a:spcBef>
-            </a:pPr>
-            <a:r>
-              <a:rPr lang="ru-RU" sz="1800" dirty="0"/>
+              <a:buFont typeface="Arial" panose="020B0604020202020204" pitchFamily="34" charset="0"/>
+              <a:buChar char="•"/>
+            </a:pPr>
+            <a:r>
+              <a:rPr lang="ru-RU" sz="2000" dirty="0"/>
               <a:t>серверной платформы,</a:t>
             </a:r>
           </a:p>
           <a:p>
-            <a:pPr>
+            <a:pPr marL="285750" indent="-285750">
               <a:lnSpc>
                 <a:spcPct val="100000"/>
               </a:lnSpc>
               <a:spcBef>
                 <a:spcPts val="0"/>
               </a:spcBef>
-            </a:pPr>
-            <a:r>
-              <a:rPr lang="ru-RU" sz="1800" dirty="0"/>
+              <a:buFont typeface="Arial" panose="020B0604020202020204" pitchFamily="34" charset="0"/>
+              <a:buChar char="•"/>
+            </a:pPr>
+            <a:r>
+              <a:rPr lang="ru-RU" sz="2000" dirty="0"/>
               <a:t>нагрузки,</a:t>
             </a:r>
           </a:p>
           <a:p>
-            <a:pPr>
+            <a:pPr marL="285750" indent="-285750">
               <a:lnSpc>
                 <a:spcPct val="100000"/>
               </a:lnSpc>
               <a:spcBef>
                 <a:spcPts val="0"/>
               </a:spcBef>
-            </a:pPr>
-            <a:r>
-              <a:rPr lang="ru-RU" sz="1800" dirty="0"/>
+              <a:buFont typeface="Arial" panose="020B0604020202020204" pitchFamily="34" charset="0"/>
+              <a:buChar char="•"/>
+            </a:pPr>
+            <a:r>
+              <a:rPr lang="ru-RU" sz="2000" dirty="0"/>
               <a:t>количества логов и записей в них,</a:t>
             </a:r>
           </a:p>
           <a:p>
-            <a:pPr>
+            <a:pPr marL="285750" indent="-285750">
               <a:lnSpc>
                 <a:spcPct val="100000"/>
               </a:lnSpc>
               <a:spcBef>
                 <a:spcPts val="0"/>
               </a:spcBef>
-            </a:pPr>
-            <a:r>
-              <a:rPr lang="ru-RU" sz="1800" dirty="0"/>
+              <a:buFont typeface="Arial" panose="020B0604020202020204" pitchFamily="34" charset="0"/>
+              <a:buChar char="•"/>
+            </a:pPr>
+            <a:r>
+              <a:rPr lang="ru-RU" sz="2000" dirty="0"/>
               <a:t>количества доступного оборудования и компетентности сисадминов.</a:t>
             </a:r>
           </a:p>
@@ -7657,13 +8279,68 @@
               </a:lnSpc>
               <a:buNone/>
             </a:pPr>
-            <a:r>
-              <a:rPr lang="ru-RU" sz="1800" dirty="0"/>
-              <a:t>Если в проекте есть какая-то принятая практика — стоит придерживаться её, если нет — скорее всего, лучше начать с самого простого, усложняя по необходимости.</a:t>
+            <a:endParaRPr lang="ru-RU" sz="2000" dirty="0"/>
+          </a:p>
+          <a:p>
+            <a:pPr marL="0" indent="0">
+              <a:lnSpc>
+                <a:spcPct val="100000"/>
+              </a:lnSpc>
+              <a:buNone/>
+            </a:pPr>
+            <a:r>
+              <a:rPr lang="ru-RU" sz="2000" dirty="0"/>
+              <a:t>Если в проекте есть какая-то </a:t>
+            </a:r>
+            <a:r>
+              <a:rPr lang="ru-RU" sz="2000" b="1" dirty="0"/>
+              <a:t>принятая практика</a:t>
+            </a:r>
+            <a:r>
+              <a:rPr lang="ru-RU" sz="2000" dirty="0"/>
+              <a:t> — стоит придерживаться её, если нет — скорее всего, лучше </a:t>
+            </a:r>
+            <a:r>
+              <a:rPr lang="ru-RU" sz="2000" b="1" dirty="0"/>
+              <a:t>начать с самого простого, усложняя по необходимости</a:t>
+            </a:r>
+            <a:r>
+              <a:rPr lang="ru-RU" sz="2000" dirty="0"/>
+              <a:t>.</a:t>
             </a:r>
           </a:p>
         </p:txBody>
       </p:sp>
+      <p:pic>
+        <p:nvPicPr>
+          <p:cNvPr id="6" name="Рисунок 5">
+            <a:extLst>
+              <a:ext uri="{FF2B5EF4-FFF2-40B4-BE49-F238E27FC236}">
+                <a16:creationId xmlns:a16="http://schemas.microsoft.com/office/drawing/2014/main" id="{D93835C5-B01B-392F-AABF-49EEB4DDD45F}"/>
+              </a:ext>
+            </a:extLst>
+          </p:cNvPr>
+          <p:cNvPicPr>
+            <a:picLocks noChangeAspect="1"/>
+          </p:cNvPicPr>
+          <p:nvPr/>
+        </p:nvPicPr>
+        <p:blipFill>
+          <a:blip r:embed="rId2"/>
+          <a:stretch>
+            <a:fillRect/>
+          </a:stretch>
+        </p:blipFill>
+        <p:spPr>
+          <a:xfrm>
+            <a:off x="7581900" y="5160228"/>
+            <a:ext cx="4610100" cy="1701800"/>
+          </a:xfrm>
+          <a:prstGeom prst="rect">
+            <a:avLst/>
+          </a:prstGeom>
+        </p:spPr>
+      </p:pic>
     </p:spTree>
     <p:extLst>
       <p:ext uri="{BB962C8B-B14F-4D97-AF65-F5344CB8AC3E}">
@@ -7710,7 +8387,12 @@
             <p:ph type="title"/>
           </p:nvPr>
         </p:nvSpPr>
-        <p:spPr/>
+        <p:spPr>
+          <a:xfrm>
+            <a:off x="838200" y="202566"/>
+            <a:ext cx="10515600" cy="752474"/>
+          </a:xfrm>
+        </p:spPr>
         <p:txBody>
           <a:bodyPr>
             <a:normAutofit/>
@@ -7742,13 +8424,13 @@
         </p:nvSpPr>
         <p:spPr>
           <a:xfrm>
-            <a:off x="838200" y="1348153"/>
-            <a:ext cx="10515600" cy="5322277"/>
+            <a:off x="838200" y="1004279"/>
+            <a:ext cx="10515600" cy="5625512"/>
           </a:xfrm>
         </p:spPr>
         <p:txBody>
           <a:bodyPr>
-            <a:normAutofit fontScale="62500" lnSpcReduction="20000"/>
+            <a:normAutofit fontScale="70000" lnSpcReduction="20000"/>
           </a:bodyPr>
           <a:lstStyle/>
           <a:p>
@@ -7760,7 +8442,23 @@
             </a:pPr>
             <a:r>
               <a:rPr lang="ru-RU" dirty="0"/>
-              <a:t>У постоянно работающего приложения со временем растёт объём лог-файла и количество записей в нём. Само собой, это не может продолжаться бесконечно, — рано или поздно файл займёт весь диск, да и работать с ним станет очень трудно.</a:t>
+              <a:t>У постоянно работающего приложения со временем </a:t>
+            </a:r>
+            <a:r>
+              <a:rPr lang="ru-RU" b="1" dirty="0"/>
+              <a:t>растёт объём лог-файла и количество записей в нём</a:t>
+            </a:r>
+            <a:r>
+              <a:rPr lang="ru-RU" dirty="0"/>
+              <a:t>. Само собой, это </a:t>
+            </a:r>
+            <a:r>
+              <a:rPr lang="ru-RU" b="1" dirty="0"/>
+              <a:t>не может продолжаться бесконечно</a:t>
+            </a:r>
+            <a:r>
+              <a:rPr lang="ru-RU" dirty="0"/>
+              <a:t>, — рано или поздно файл займёт весь диск, да и работать с ним станет очень трудно.</a:t>
             </a:r>
           </a:p>
           <a:p>
@@ -7787,7 +8485,23 @@
             </a:r>
             <a:r>
               <a:rPr lang="ru-RU" dirty="0"/>
-              <a:t>Нужно, чтобы файл не разрастался бесконечно, но всегда были доступны логи за последние 24 часа. Первое, что приходит на ум — очищать файл раз в сутки. Но тогда логи за 24 часа у нас будут только перед самой очисткой, а сразу после неё — за 0 часов. Поэтому делают иначе — раз в сутки создают новый файл, в который продолжают писаться логи, а старый переименовывают, допустим, в </a:t>
+              <a:t>Нужно, чтобы файл не разрастался бесконечно, но всегда были доступны логи за последние 24 часа. Первое, что приходит на ум — очищать файл раз в сутки. Но тогда логи за 24 часа у нас будут только перед самой очисткой, а сразу после неё — за 0 часов. Поэтому делают иначе — </a:t>
+            </a:r>
+            <a:r>
+              <a:rPr lang="ru-RU" b="1" dirty="0"/>
+              <a:t>раз в сутки создают новый файл</a:t>
+            </a:r>
+            <a:r>
+              <a:rPr lang="ru-RU" dirty="0"/>
+              <a:t>, в который продолжают писаться логи, а </a:t>
+            </a:r>
+            <a:r>
+              <a:rPr lang="ru-RU" b="1" dirty="0"/>
+              <a:t>старый переименовывают</a:t>
+            </a:r>
+            <a:r>
+              <a:rPr lang="ru-RU" dirty="0"/>
+              <a:t>, допустим, в </a:t>
             </a:r>
             <a:r>
               <a:rPr lang="en" dirty="0">
@@ -7837,84 +8551,6 @@
             <a:r>
               <a:rPr lang="ru-RU" dirty="0"/>
               <a:t>При таком подходе мы всегда имеем в доступе логи минимум за 24, максимум за 48 часов.</a:t>
-            </a:r>
-          </a:p>
-          <a:p>
-            <a:pPr marL="0" indent="0">
-              <a:buNone/>
-            </a:pPr>
-            <a:r>
-              <a:rPr lang="en-US" sz="2600" dirty="0">
-                <a:solidFill>
-                  <a:schemeClr val="accent6">
-                    <a:lumMod val="50000"/>
-                  </a:schemeClr>
-                </a:solidFill>
-                <a:latin typeface="Consolas" panose="020B0609020204030204" pitchFamily="49" charset="0"/>
-                <a:cs typeface="Consolas" panose="020B0609020204030204" pitchFamily="49" charset="0"/>
-              </a:rPr>
-              <a:t>$</a:t>
-            </a:r>
-            <a:r>
-              <a:rPr lang="en" sz="2600" dirty="0">
-                <a:solidFill>
-                  <a:schemeClr val="accent6">
-                    <a:lumMod val="50000"/>
-                  </a:schemeClr>
-                </a:solidFill>
-                <a:latin typeface="Consolas" panose="020B0609020204030204" pitchFamily="49" charset="0"/>
-                <a:cs typeface="Consolas" panose="020B0609020204030204" pitchFamily="49" charset="0"/>
-              </a:rPr>
-              <a:t> </a:t>
-            </a:r>
-            <a:r>
-              <a:rPr lang="en" sz="2600" dirty="0">
-                <a:solidFill>
-                  <a:schemeClr val="accent6">
-                    <a:lumMod val="50000"/>
-                  </a:schemeClr>
-                </a:solidFill>
-                <a:effectLst/>
-                <a:latin typeface="Consolas" panose="020B0609020204030204" pitchFamily="49" charset="0"/>
-                <a:cs typeface="Consolas" panose="020B0609020204030204" pitchFamily="49" charset="0"/>
-              </a:rPr>
-              <a:t>ls /var/logs/      </a:t>
-            </a:r>
-          </a:p>
-          <a:p>
-            <a:pPr marL="0" indent="0">
-              <a:buNone/>
-            </a:pPr>
-            <a:r>
-              <a:rPr lang="en" sz="2600" dirty="0">
-                <a:solidFill>
-                  <a:schemeClr val="accent6">
-                    <a:lumMod val="50000"/>
-                  </a:schemeClr>
-                </a:solidFill>
-                <a:effectLst/>
-                <a:latin typeface="Consolas" panose="020B0609020204030204" pitchFamily="49" charset="0"/>
-                <a:cs typeface="Consolas" panose="020B0609020204030204" pitchFamily="49" charset="0"/>
-              </a:rPr>
-              <a:t>keybagd.log.0     keybagd.log.2      usermanagerd.log.0</a:t>
-            </a:r>
-          </a:p>
-          <a:p>
-            <a:pPr marL="0" indent="0">
-              <a:buNone/>
-            </a:pPr>
-            <a:r>
-              <a:rPr lang="en" sz="2600" dirty="0">
-                <a:solidFill>
-                  <a:schemeClr val="accent6">
-                    <a:lumMod val="50000"/>
-                  </a:schemeClr>
-                </a:solidFill>
-                <a:effectLst/>
-                <a:latin typeface="Consolas" panose="020B0609020204030204" pitchFamily="49" charset="0"/>
-                <a:cs typeface="Consolas" panose="020B0609020204030204" pitchFamily="49" charset="0"/>
-              </a:rPr>
-              <a:t>keybagd.log.1     keybagd.log.3      usermanagerd.log.1</a:t>
             </a:r>
           </a:p>
           <a:p>
@@ -7925,15 +8561,126 @@
               <a:buNone/>
             </a:pPr>
             <a:r>
+              <a:rPr lang="en-US" sz="2700" dirty="0">
+                <a:solidFill>
+                  <a:schemeClr val="accent6">
+                    <a:lumMod val="50000"/>
+                  </a:schemeClr>
+                </a:solidFill>
+                <a:latin typeface="Consolas" panose="020B0609020204030204" pitchFamily="49" charset="0"/>
+                <a:cs typeface="Consolas" panose="020B0609020204030204" pitchFamily="49" charset="0"/>
+              </a:rPr>
+              <a:t>$</a:t>
+            </a:r>
+            <a:r>
+              <a:rPr lang="en" sz="2700" dirty="0">
+                <a:solidFill>
+                  <a:schemeClr val="accent6">
+                    <a:lumMod val="50000"/>
+                  </a:schemeClr>
+                </a:solidFill>
+                <a:latin typeface="Consolas" panose="020B0609020204030204" pitchFamily="49" charset="0"/>
+                <a:cs typeface="Consolas" panose="020B0609020204030204" pitchFamily="49" charset="0"/>
+              </a:rPr>
+              <a:t> </a:t>
+            </a:r>
+            <a:r>
+              <a:rPr lang="en" sz="2700" dirty="0">
+                <a:solidFill>
+                  <a:schemeClr val="accent6">
+                    <a:lumMod val="50000"/>
+                  </a:schemeClr>
+                </a:solidFill>
+                <a:effectLst/>
+                <a:latin typeface="Consolas" panose="020B0609020204030204" pitchFamily="49" charset="0"/>
+                <a:cs typeface="Consolas" panose="020B0609020204030204" pitchFamily="49" charset="0"/>
+              </a:rPr>
+              <a:t>ls /var/logs/      </a:t>
+            </a:r>
+            <a:br>
+              <a:rPr lang="ru-RU" sz="2700" dirty="0">
+                <a:solidFill>
+                  <a:schemeClr val="accent6">
+                    <a:lumMod val="50000"/>
+                  </a:schemeClr>
+                </a:solidFill>
+                <a:effectLst/>
+                <a:latin typeface="Consolas" panose="020B0609020204030204" pitchFamily="49" charset="0"/>
+                <a:cs typeface="Consolas" panose="020B0609020204030204" pitchFamily="49" charset="0"/>
+              </a:rPr>
+            </a:br>
+            <a:r>
+              <a:rPr lang="en" sz="2700" dirty="0">
+                <a:solidFill>
+                  <a:schemeClr val="accent6">
+                    <a:lumMod val="50000"/>
+                  </a:schemeClr>
+                </a:solidFill>
+                <a:effectLst/>
+                <a:latin typeface="Consolas" panose="020B0609020204030204" pitchFamily="49" charset="0"/>
+                <a:cs typeface="Consolas" panose="020B0609020204030204" pitchFamily="49" charset="0"/>
+              </a:rPr>
+              <a:t>keybagd.log.0     keybagd.log.2      usermanagerd.log.0</a:t>
+            </a:r>
+            <a:br>
+              <a:rPr lang="ru-RU" sz="2700" dirty="0">
+                <a:solidFill>
+                  <a:schemeClr val="accent6">
+                    <a:lumMod val="50000"/>
+                  </a:schemeClr>
+                </a:solidFill>
+                <a:effectLst/>
+                <a:latin typeface="Consolas" panose="020B0609020204030204" pitchFamily="49" charset="0"/>
+                <a:cs typeface="Consolas" panose="020B0609020204030204" pitchFamily="49" charset="0"/>
+              </a:rPr>
+            </a:br>
+            <a:r>
+              <a:rPr lang="en" sz="2700" dirty="0">
+                <a:solidFill>
+                  <a:schemeClr val="accent6">
+                    <a:lumMod val="50000"/>
+                  </a:schemeClr>
+                </a:solidFill>
+                <a:effectLst/>
+                <a:latin typeface="Consolas" panose="020B0609020204030204" pitchFamily="49" charset="0"/>
+                <a:cs typeface="Consolas" panose="020B0609020204030204" pitchFamily="49" charset="0"/>
+              </a:rPr>
+              <a:t>keybagd.log.1     keybagd.log.3      usermanagerd.log.1</a:t>
+            </a:r>
+          </a:p>
+          <a:p>
+            <a:pPr marL="0" indent="0">
+              <a:lnSpc>
+                <a:spcPct val="120000"/>
+              </a:lnSpc>
+              <a:buNone/>
+            </a:pPr>
+            <a:r>
               <a:rPr lang="ru-RU" dirty="0"/>
-              <a:t>Такая операция — простейший пример ротации логов.</a:t>
+              <a:t>Такая операция — </a:t>
+            </a:r>
+            <a:r>
+              <a:rPr lang="ru-RU" b="1" dirty="0"/>
+              <a:t>простейший пример ротации логов</a:t>
+            </a:r>
+            <a:r>
+              <a:rPr lang="ru-RU" dirty="0"/>
+              <a:t>.</a:t>
             </a:r>
             <a:br>
               <a:rPr lang="ru-RU" dirty="0"/>
             </a:br>
             <a:r>
               <a:rPr lang="ru-RU" dirty="0"/>
-              <a:t>Для автоматизации этого процесса существуют специальные утилиты, самая популярная из которых —</a:t>
+              <a:t>Для автоматизации этого процесса существуют </a:t>
+            </a:r>
+            <a:r>
+              <a:rPr lang="ru-RU" b="1" dirty="0"/>
+              <a:t>специальные утилиты</a:t>
+            </a:r>
+            <a:r>
+              <a:rPr lang="ru-RU" dirty="0"/>
+              <a:t>, самая популярная из которых —</a:t>
             </a:r>
             <a:r>
               <a:rPr lang="en" dirty="0"/>
@@ -7941,7 +8688,39 @@
             </a:r>
             <a:r>
               <a:rPr lang="ru-RU" dirty="0"/>
-              <a:t>В его конфиге можно настроить регулярную ротацию или по достижению определённого размера файла, хранение ротированных копий, сжатие и пр.</a:t>
+              <a:t>В его конфиге можно </a:t>
+            </a:r>
+            <a:r>
+              <a:rPr lang="ru-RU" b="1" dirty="0"/>
+              <a:t>настроить ротацию</a:t>
+            </a:r>
+            <a:r>
+              <a:rPr lang="ru-RU" dirty="0"/>
+              <a:t>:</a:t>
+            </a:r>
+            <a:r>
+              <a:rPr lang="ru-RU" b="1" dirty="0"/>
+              <a:t> </a:t>
+            </a:r>
+            <a:r>
+              <a:rPr lang="ru-RU" dirty="0"/>
+              <a:t>регулярную или по достижению определённого размера файла, хранение / </a:t>
+            </a:r>
+            <a:r>
+              <a:rPr lang="ru-RU" b="1" dirty="0"/>
+              <a:t>удаление</a:t>
+            </a:r>
+            <a:r>
+              <a:rPr lang="ru-RU" dirty="0"/>
+              <a:t> ротированных копий, </a:t>
+            </a:r>
+            <a:r>
+              <a:rPr lang="ru-RU" b="1" dirty="0"/>
+              <a:t>сжатие</a:t>
+            </a:r>
+            <a:r>
+              <a:rPr lang="ru-RU" dirty="0"/>
+              <a:t> и пр.</a:t>
             </a:r>
           </a:p>
         </p:txBody>
@@ -7994,7 +8773,7 @@
         </p:nvSpPr>
         <p:spPr>
           <a:xfrm>
-            <a:off x="838200" y="365125"/>
+            <a:off x="838200" y="202565"/>
             <a:ext cx="10826578" cy="771697"/>
           </a:xfrm>
         </p:spPr>
@@ -8027,8 +8806,8 @@
         </p:nvSpPr>
         <p:spPr>
           <a:xfrm>
-            <a:off x="838200" y="1346886"/>
-            <a:ext cx="10515600" cy="5301049"/>
+            <a:off x="838200" y="1031926"/>
+            <a:ext cx="10515600" cy="5623509"/>
           </a:xfrm>
         </p:spPr>
         <p:txBody>
@@ -8049,7 +8828,15 @@
             </a:r>
             <a:r>
               <a:rPr lang="ru-RU" dirty="0"/>
-              <a:t> — это фиксация информации о событиях, происходящих в программной системе, и контексте, в котором эти события происходят, в некий журнал событий (</a:t>
+              <a:t> — это </a:t>
+            </a:r>
+            <a:r>
+              <a:rPr lang="ru-RU" u="sng" dirty="0"/>
+              <a:t>фиксация информации о событиях</a:t>
+            </a:r>
+            <a:r>
+              <a:rPr lang="ru-RU" dirty="0"/>
+              <a:t>, происходящих в программной системе, и контексте, в котором эти события происходят, в некий журнал событий (</a:t>
             </a:r>
             <a:r>
               <a:rPr lang="ru-RU" b="1" dirty="0"/>
@@ -8159,6 +8946,28 @@
               <a:rPr lang="ru-RU" dirty="0"/>
               <a:t>. По логам можно подсчитывать статистику как технических (как часто вызывается какая-то функция или сколько происходит обращений к базе данных), так и бизнес-показателей (какие кнопки пользователи нажимают чаще всего или какая доля посетителей сайта доходит до корзины).</a:t>
             </a:r>
+          </a:p>
+          <a:p>
+            <a:pPr algn="l">
+              <a:lnSpc>
+                <a:spcPct val="120000"/>
+              </a:lnSpc>
+              <a:buFont typeface="+mj-lt"/>
+              <a:buAutoNum type="arabicPeriod"/>
+            </a:pPr>
+            <a:r>
+              <a:rPr lang="ru-RU" b="1" dirty="0"/>
+              <a:t>Отладка.</a:t>
+            </a:r>
+            <a:r>
+              <a:rPr lang="en-US" dirty="0"/>
+              <a:t> </a:t>
+            </a:r>
+            <a:r>
+              <a:rPr lang="ru-RU" dirty="0"/>
+              <a:t>Возможность ретроспективно разобраться в том, почему возникла та или иная проблема.</a:t>
+            </a:r>
+            <a:endParaRPr lang="ru-RU" b="1" dirty="0"/>
           </a:p>
           <a:p>
             <a:endParaRPr lang="ru-RU" dirty="0"/>
@@ -8322,7 +9131,7 @@
                 <a:latin typeface="Consolas" panose="020B0609020204030204" pitchFamily="49" charset="0"/>
                 <a:cs typeface="Consolas" panose="020B0609020204030204" pitchFamily="49" charset="0"/>
               </a:rPr>
-              <a:t>    rotate 7 # </a:t>
+              <a:t>    rotate 7 </a:t>
             </a:r>
             <a:r>
               <a:rPr lang="ru-RU" sz="2000" noProof="1">
@@ -8334,6 +9143,26 @@
                 <a:latin typeface="Consolas" panose="020B0609020204030204" pitchFamily="49" charset="0"/>
                 <a:cs typeface="Consolas" panose="020B0609020204030204" pitchFamily="49" charset="0"/>
               </a:rPr>
+              <a:t>        </a:t>
+            </a:r>
+            <a:r>
+              <a:rPr lang="en" sz="2000" noProof="1">
+                <a:solidFill>
+                  <a:srgbClr val="7030A0"/>
+                </a:solidFill>
+                <a:latin typeface="Consolas" panose="020B0609020204030204" pitchFamily="49" charset="0"/>
+                <a:cs typeface="Consolas" panose="020B0609020204030204" pitchFamily="49" charset="0"/>
+              </a:rPr>
+              <a:t># </a:t>
+            </a:r>
+            <a:r>
+              <a:rPr lang="ru-RU" sz="2000" noProof="1">
+                <a:solidFill>
+                  <a:srgbClr val="7030A0"/>
+                </a:solidFill>
+                <a:latin typeface="Consolas" panose="020B0609020204030204" pitchFamily="49" charset="0"/>
+                <a:cs typeface="Consolas" panose="020B0609020204030204" pitchFamily="49" charset="0"/>
+              </a:rPr>
               <a:t>хранить до 7 ротированных файлов</a:t>
             </a:r>
             <a:br>
@@ -8369,7 +9198,7 @@
                 <a:latin typeface="Consolas" panose="020B0609020204030204" pitchFamily="49" charset="0"/>
                 <a:cs typeface="Consolas" panose="020B0609020204030204" pitchFamily="49" charset="0"/>
               </a:rPr>
-              <a:t>daily  # </a:t>
+              <a:t>daily  </a:t>
             </a:r>
             <a:r>
               <a:rPr lang="ru-RU" sz="2000" noProof="1">
@@ -8381,6 +9210,26 @@
                 <a:latin typeface="Consolas" panose="020B0609020204030204" pitchFamily="49" charset="0"/>
                 <a:cs typeface="Consolas" panose="020B0609020204030204" pitchFamily="49" charset="0"/>
               </a:rPr>
+              <a:t>          </a:t>
+            </a:r>
+            <a:r>
+              <a:rPr lang="en" sz="2000" noProof="1">
+                <a:solidFill>
+                  <a:srgbClr val="7030A0"/>
+                </a:solidFill>
+                <a:latin typeface="Consolas" panose="020B0609020204030204" pitchFamily="49" charset="0"/>
+                <a:cs typeface="Consolas" panose="020B0609020204030204" pitchFamily="49" charset="0"/>
+              </a:rPr>
+              <a:t># </a:t>
+            </a:r>
+            <a:r>
+              <a:rPr lang="ru-RU" sz="2000" noProof="1">
+                <a:solidFill>
+                  <a:srgbClr val="7030A0"/>
+                </a:solidFill>
+                <a:latin typeface="Consolas" panose="020B0609020204030204" pitchFamily="49" charset="0"/>
+                <a:cs typeface="Consolas" panose="020B0609020204030204" pitchFamily="49" charset="0"/>
+              </a:rPr>
               <a:t>ротировать ежедневно</a:t>
             </a:r>
             <a:br>
@@ -8416,7 +9265,7 @@
                 <a:latin typeface="Consolas" panose="020B0609020204030204" pitchFamily="49" charset="0"/>
                 <a:cs typeface="Consolas" panose="020B0609020204030204" pitchFamily="49" charset="0"/>
               </a:rPr>
-              <a:t>compress # </a:t>
+              <a:t>compress </a:t>
             </a:r>
             <a:r>
               <a:rPr lang="ru-RU" sz="2000" noProof="1">
@@ -8428,6 +9277,26 @@
                 <a:latin typeface="Consolas" panose="020B0609020204030204" pitchFamily="49" charset="0"/>
                 <a:cs typeface="Consolas" panose="020B0609020204030204" pitchFamily="49" charset="0"/>
               </a:rPr>
+              <a:t>        </a:t>
+            </a:r>
+            <a:r>
+              <a:rPr lang="en" sz="2000" noProof="1">
+                <a:solidFill>
+                  <a:srgbClr val="7030A0"/>
+                </a:solidFill>
+                <a:latin typeface="Consolas" panose="020B0609020204030204" pitchFamily="49" charset="0"/>
+                <a:cs typeface="Consolas" panose="020B0609020204030204" pitchFamily="49" charset="0"/>
+              </a:rPr>
+              <a:t># </a:t>
+            </a:r>
+            <a:r>
+              <a:rPr lang="ru-RU" sz="2000" noProof="1">
+                <a:solidFill>
+                  <a:srgbClr val="7030A0"/>
+                </a:solidFill>
+                <a:latin typeface="Consolas" panose="020B0609020204030204" pitchFamily="49" charset="0"/>
+                <a:cs typeface="Consolas" panose="020B0609020204030204" pitchFamily="49" charset="0"/>
+              </a:rPr>
               <a:t>сжимать ротированные файлы</a:t>
             </a:r>
             <a:br>
@@ -8463,7 +9332,7 @@
                 <a:latin typeface="Consolas" panose="020B0609020204030204" pitchFamily="49" charset="0"/>
                 <a:cs typeface="Consolas" panose="020B0609020204030204" pitchFamily="49" charset="0"/>
               </a:rPr>
-              <a:t>notifempty # </a:t>
+              <a:t>notifempty </a:t>
             </a:r>
             <a:r>
               <a:rPr lang="ru-RU" sz="2000" noProof="1">
@@ -8475,6 +9344,26 @@
                 <a:latin typeface="Consolas" panose="020B0609020204030204" pitchFamily="49" charset="0"/>
                 <a:cs typeface="Consolas" panose="020B0609020204030204" pitchFamily="49" charset="0"/>
               </a:rPr>
+              <a:t>      </a:t>
+            </a:r>
+            <a:r>
+              <a:rPr lang="en" sz="2000" noProof="1">
+                <a:solidFill>
+                  <a:srgbClr val="7030A0"/>
+                </a:solidFill>
+                <a:latin typeface="Consolas" panose="020B0609020204030204" pitchFamily="49" charset="0"/>
+                <a:cs typeface="Consolas" panose="020B0609020204030204" pitchFamily="49" charset="0"/>
+              </a:rPr>
+              <a:t># </a:t>
+            </a:r>
+            <a:r>
+              <a:rPr lang="ru-RU" sz="2000" noProof="1">
+                <a:solidFill>
+                  <a:srgbClr val="7030A0"/>
+                </a:solidFill>
+                <a:latin typeface="Consolas" panose="020B0609020204030204" pitchFamily="49" charset="0"/>
+                <a:cs typeface="Consolas" panose="020B0609020204030204" pitchFamily="49" charset="0"/>
+              </a:rPr>
               <a:t>не ротировать, если файл пуст</a:t>
             </a:r>
             <a:br>
@@ -8515,9 +9404,7 @@
             <a:r>
               <a:rPr lang="en" sz="2000" noProof="1">
                 <a:solidFill>
-                  <a:schemeClr val="accent6">
-                    <a:lumMod val="50000"/>
-                  </a:schemeClr>
+                  <a:srgbClr val="7030A0"/>
                 </a:solidFill>
               </a:rPr>
               <a:t># </a:t>
@@ -8525,9 +9412,7 @@
             <a:r>
               <a:rPr lang="ru-RU" sz="2000" noProof="1">
                 <a:solidFill>
-                  <a:schemeClr val="accent6">
-                    <a:lumMod val="50000"/>
-                  </a:schemeClr>
+                  <a:srgbClr val="7030A0"/>
                 </a:solidFill>
               </a:rPr>
               <a:t>права </a:t>
@@ -8535,9 +9420,7 @@
             <a:r>
               <a:rPr lang="en-US" sz="2000" noProof="1">
                 <a:solidFill>
-                  <a:schemeClr val="accent6">
-                    <a:lumMod val="50000"/>
-                  </a:schemeClr>
+                  <a:srgbClr val="7030A0"/>
                 </a:solidFill>
               </a:rPr>
               <a:t>/ user д</a:t>
@@ -8545,9 +9428,7 @@
             <a:r>
               <a:rPr lang="ru-RU" sz="2000" noProof="1">
                 <a:solidFill>
-                  <a:schemeClr val="accent6">
-                    <a:lumMod val="50000"/>
-                  </a:schemeClr>
+                  <a:srgbClr val="7030A0"/>
                 </a:solidFill>
               </a:rPr>
               <a:t>ля создания файлов</a:t>
@@ -8604,8 +9485,12 @@
               <a:rPr lang="en-US" sz="2000" dirty="0"/>
             </a:br>
             <a:r>
+              <a:rPr lang="ru-RU" sz="2000" b="1" dirty="0"/>
+              <a:t>бэкапироваться</a:t>
+            </a:r>
+            <a:r>
               <a:rPr lang="ru-RU" sz="2000" dirty="0"/>
-              <a:t>бэкапироваться, например, с помощью </a:t>
+              <a:t>, например, с помощью </a:t>
             </a:r>
             <a:r>
               <a:rPr lang="en" sz="2000" b="1" dirty="0"/>
@@ -8699,8 +9584,8 @@
         </p:nvSpPr>
         <p:spPr>
           <a:xfrm>
-            <a:off x="838200" y="186997"/>
-            <a:ext cx="10515600" cy="842352"/>
+            <a:off x="838200" y="81280"/>
+            <a:ext cx="10515600" cy="721360"/>
           </a:xfrm>
         </p:spPr>
         <p:txBody>
@@ -8748,173 +9633,242 @@
         </p:nvSpPr>
         <p:spPr>
           <a:xfrm>
-            <a:off x="838200" y="1207477"/>
-            <a:ext cx="10515600" cy="5490205"/>
+            <a:off x="838200" y="822960"/>
+            <a:ext cx="10795000" cy="5943599"/>
           </a:xfrm>
         </p:spPr>
         <p:txBody>
-          <a:bodyPr>
-            <a:normAutofit fontScale="62500" lnSpcReduction="20000"/>
+          <a:bodyPr lIns="90000">
+            <a:noAutofit/>
           </a:bodyPr>
           <a:lstStyle/>
           <a:p>
             <a:pPr marL="0" indent="0" algn="l">
               <a:lnSpc>
-                <a:spcPct val="110000"/>
+                <a:spcPct val="100000"/>
               </a:lnSpc>
               <a:buNone/>
             </a:pPr>
             <a:r>
-              <a:rPr lang="ru-RU" dirty="0"/>
+              <a:rPr lang="ru-RU" sz="2000" dirty="0"/>
               <a:t>Простейший способ залогировать сообщение в </a:t>
             </a:r>
             <a:r>
-              <a:rPr lang="en" dirty="0"/>
+              <a:rPr lang="en" sz="2000" dirty="0"/>
               <a:t>Python — </a:t>
             </a:r>
             <a:r>
-              <a:rPr lang="ru-RU" dirty="0"/>
+              <a:rPr lang="ru-RU" sz="2000" dirty="0"/>
               <a:t>вывести в консоль с помощью </a:t>
             </a:r>
             <a:r>
-              <a:rPr lang="en" dirty="0"/>
-              <a:t>print </a:t>
-            </a:r>
-            <a:r>
-              <a:rPr lang="ru-RU" dirty="0"/>
-              <a:t>или записать в файл, открытый с помощью </a:t>
-            </a:r>
-            <a:r>
-              <a:rPr lang="en" dirty="0"/>
-              <a:t>open. </a:t>
-            </a:r>
-            <a:r>
-              <a:rPr lang="ru-RU" dirty="0"/>
-              <a:t>Делать так не стоит.</a:t>
+              <a:rPr lang="en" sz="2000" dirty="0">
+                <a:latin typeface="Consolas" panose="020B0609020204030204" pitchFamily="49" charset="0"/>
+                <a:cs typeface="Consolas" panose="020B0609020204030204" pitchFamily="49" charset="0"/>
+              </a:rPr>
+              <a:t>print</a:t>
+            </a:r>
+            <a:r>
+              <a:rPr lang="en" sz="2000" dirty="0"/>
+              <a:t> </a:t>
+            </a:r>
+            <a:r>
+              <a:rPr lang="ru-RU" sz="2000" dirty="0"/>
+              <a:t>или записать вручную в файл, открытый с помощью </a:t>
+            </a:r>
+            <a:r>
+              <a:rPr lang="en" sz="2000" dirty="0"/>
+              <a:t>open.</a:t>
+            </a:r>
+            <a:br>
+              <a:rPr lang="ru-RU" sz="2000" dirty="0"/>
+            </a:br>
+            <a:r>
+              <a:rPr lang="ru-RU" sz="2000" dirty="0"/>
+              <a:t>Так можно делать только для сиюминутной отладки.</a:t>
             </a:r>
           </a:p>
           <a:p>
             <a:pPr marL="0" indent="0" algn="l">
               <a:lnSpc>
-                <a:spcPct val="110000"/>
+                <a:spcPct val="100000"/>
               </a:lnSpc>
               <a:buNone/>
             </a:pPr>
             <a:r>
-              <a:rPr lang="ru-RU" dirty="0"/>
+              <a:rPr lang="ru-RU" sz="2000" dirty="0"/>
               <a:t>Для логирования в </a:t>
             </a:r>
             <a:r>
-              <a:rPr lang="en" dirty="0"/>
+              <a:rPr lang="en" sz="2000" dirty="0"/>
               <a:t>Python </a:t>
             </a:r>
             <a:r>
-              <a:rPr lang="ru-RU" dirty="0"/>
+              <a:rPr lang="ru-RU" sz="2000" dirty="0"/>
               <a:t>используется стандартная библиотека </a:t>
             </a:r>
             <a:r>
-              <a:rPr lang="en" dirty="0"/>
-              <a:t>logging. </a:t>
-            </a:r>
-            <a:r>
-              <a:rPr lang="ru-RU" dirty="0"/>
+              <a:rPr lang="en" sz="2000" dirty="0">
+                <a:latin typeface="Consolas" panose="020B0609020204030204" pitchFamily="49" charset="0"/>
+                <a:cs typeface="Consolas" panose="020B0609020204030204" pitchFamily="49" charset="0"/>
+              </a:rPr>
+              <a:t>logging</a:t>
+            </a:r>
+            <a:r>
+              <a:rPr lang="en" sz="2000" dirty="0"/>
+              <a:t>.</a:t>
+            </a:r>
+            <a:br>
+              <a:rPr lang="ru-RU" sz="2000" dirty="0"/>
+            </a:br>
+            <a:r>
+              <a:rPr lang="ru-RU" sz="2000" dirty="0"/>
               <a:t>В частности, она содержит функции </a:t>
             </a:r>
             <a:r>
-              <a:rPr lang="en" dirty="0"/>
-              <a:t>debug(), info(), warning(), error(), critical(), </a:t>
-            </a:r>
-            <a:r>
-              <a:rPr lang="ru-RU" dirty="0"/>
+              <a:rPr lang="en" sz="2000" dirty="0">
+                <a:latin typeface="Consolas" panose="020B0609020204030204" pitchFamily="49" charset="0"/>
+                <a:cs typeface="Consolas" panose="020B0609020204030204" pitchFamily="49" charset="0"/>
+              </a:rPr>
+              <a:t>debug()</a:t>
+            </a:r>
+            <a:r>
+              <a:rPr lang="en" sz="2000" dirty="0"/>
+              <a:t>, </a:t>
+            </a:r>
+            <a:r>
+              <a:rPr lang="en" sz="2000" dirty="0">
+                <a:latin typeface="Consolas" panose="020B0609020204030204" pitchFamily="49" charset="0"/>
+                <a:cs typeface="Consolas" panose="020B0609020204030204" pitchFamily="49" charset="0"/>
+              </a:rPr>
+              <a:t>info()</a:t>
+            </a:r>
+            <a:r>
+              <a:rPr lang="en" sz="2000" dirty="0"/>
+              <a:t>, </a:t>
+            </a:r>
+            <a:r>
+              <a:rPr lang="en" sz="2000" dirty="0">
+                <a:latin typeface="Consolas" panose="020B0609020204030204" pitchFamily="49" charset="0"/>
+                <a:cs typeface="Consolas" panose="020B0609020204030204" pitchFamily="49" charset="0"/>
+              </a:rPr>
+              <a:t>warning()</a:t>
+            </a:r>
+            <a:r>
+              <a:rPr lang="en" sz="2000" dirty="0"/>
+              <a:t>, </a:t>
+            </a:r>
+            <a:r>
+              <a:rPr lang="en" sz="2000" dirty="0">
+                <a:latin typeface="Consolas" panose="020B0609020204030204" pitchFamily="49" charset="0"/>
+                <a:cs typeface="Consolas" panose="020B0609020204030204" pitchFamily="49" charset="0"/>
+              </a:rPr>
+              <a:t>error()</a:t>
+            </a:r>
+            <a:r>
+              <a:rPr lang="en" sz="2000" dirty="0"/>
+              <a:t>, </a:t>
+            </a:r>
+            <a:r>
+              <a:rPr lang="en" sz="2000" dirty="0">
+                <a:latin typeface="Consolas" panose="020B0609020204030204" pitchFamily="49" charset="0"/>
+                <a:cs typeface="Consolas" panose="020B0609020204030204" pitchFamily="49" charset="0"/>
+              </a:rPr>
+              <a:t>critical()</a:t>
+            </a:r>
+            <a:r>
+              <a:rPr lang="en" sz="2000" dirty="0"/>
+              <a:t>, </a:t>
+            </a:r>
+            <a:r>
+              <a:rPr lang="ru-RU" sz="2000" dirty="0"/>
               <a:t>каждая из которых выводит сообщение с соответствующим её названию уровнем логирования.</a:t>
             </a:r>
           </a:p>
           <a:p>
             <a:pPr marL="0" indent="0" algn="l">
               <a:lnSpc>
-                <a:spcPct val="110000"/>
+                <a:spcPct val="100000"/>
               </a:lnSpc>
               <a:buNone/>
             </a:pPr>
             <a:r>
-              <a:rPr lang="ru-RU" dirty="0"/>
+              <a:rPr lang="ru-RU" sz="2000" dirty="0"/>
               <a:t>Библиотека </a:t>
             </a:r>
             <a:r>
-              <a:rPr lang="en" dirty="0"/>
-              <a:t>logging </a:t>
-            </a:r>
-            <a:r>
-              <a:rPr lang="ru-RU" dirty="0"/>
+              <a:rPr lang="en" sz="2000" dirty="0">
+                <a:latin typeface="Consolas" panose="020B0609020204030204" pitchFamily="49" charset="0"/>
+                <a:cs typeface="Consolas" panose="020B0609020204030204" pitchFamily="49" charset="0"/>
+              </a:rPr>
+              <a:t>logging</a:t>
+            </a:r>
+            <a:r>
+              <a:rPr lang="en" sz="2000" dirty="0"/>
+              <a:t> </a:t>
+            </a:r>
+            <a:r>
+              <a:rPr lang="ru-RU" sz="2000" dirty="0"/>
               <a:t>имеет множество настроек. По умолчанию она выводит сообщение на стандартный вывод </a:t>
             </a:r>
             <a:r>
-              <a:rPr lang="en" noProof="1">
+              <a:rPr lang="en" sz="2000" noProof="1">
                 <a:latin typeface="Consolas" panose="020B0609020204030204" pitchFamily="49" charset="0"/>
                 <a:cs typeface="Consolas" panose="020B0609020204030204" pitchFamily="49" charset="0"/>
               </a:rPr>
               <a:t>sys.stderr</a:t>
             </a:r>
             <a:r>
-              <a:rPr lang="en" dirty="0"/>
+              <a:rPr lang="en" sz="2000" dirty="0"/>
               <a:t> (</a:t>
             </a:r>
             <a:r>
-              <a:rPr lang="ru-RU" dirty="0"/>
+              <a:rPr lang="ru-RU" sz="2000" dirty="0"/>
               <a:t>как правило</a:t>
             </a:r>
             <a:r>
-              <a:rPr lang="en-US" dirty="0"/>
+              <a:rPr lang="en-US" sz="2000" dirty="0"/>
               <a:t>,</a:t>
             </a:r>
             <a:r>
-              <a:rPr lang="ru-RU" dirty="0"/>
+              <a:rPr lang="ru-RU" sz="2000" dirty="0"/>
               <a:t> это консоль), и имеет уровень логирования </a:t>
             </a:r>
             <a:r>
-              <a:rPr lang="en" dirty="0"/>
+              <a:rPr lang="en" sz="2000" dirty="0"/>
               <a:t>WARNING. </a:t>
             </a:r>
             <a:r>
-              <a:rPr lang="ru-RU" dirty="0"/>
+              <a:rPr lang="ru-RU" sz="2000" dirty="0"/>
               <a:t>То есть сообщения с уровнем логирования ниже </a:t>
             </a:r>
             <a:r>
-              <a:rPr lang="en" dirty="0"/>
+              <a:rPr lang="en" sz="2000" dirty="0"/>
               <a:t>WARNING (DEBUG </a:t>
             </a:r>
             <a:r>
-              <a:rPr lang="ru-RU" dirty="0"/>
+              <a:rPr lang="ru-RU" sz="2000" dirty="0"/>
               <a:t>или </a:t>
             </a:r>
             <a:r>
-              <a:rPr lang="en" dirty="0"/>
+              <a:rPr lang="en" sz="2000" dirty="0"/>
               <a:t>INFO) </a:t>
             </a:r>
             <a:r>
-              <a:rPr lang="ru-RU" dirty="0"/>
+              <a:rPr lang="ru-RU" sz="2000" dirty="0"/>
               <a:t>будут проигнорированы и никуда не выведутся.</a:t>
             </a:r>
-            <a:endParaRPr lang="en-US" dirty="0"/>
-          </a:p>
-          <a:p>
-            <a:pPr marL="0" indent="0" algn="l">
-              <a:buNone/>
-            </a:pPr>
-            <a:r>
-              <a:rPr lang="ru-RU" dirty="0"/>
-              <a:t>Например, при выполнении такого кода:</a:t>
-            </a:r>
+            <a:endParaRPr lang="en-US" sz="2000" dirty="0"/>
           </a:p>
           <a:p>
             <a:pPr marL="0" indent="0" algn="l">
               <a:lnSpc>
-                <a:spcPct val="120000"/>
+                <a:spcPct val="100000"/>
               </a:lnSpc>
               <a:buNone/>
             </a:pPr>
             <a:r>
-              <a:rPr lang="en" b="0" i="0" noProof="1">
+              <a:rPr lang="en" sz="2000" b="0" i="0" noProof="1">
                 <a:solidFill>
                   <a:srgbClr val="0077AA"/>
                 </a:solidFill>
@@ -8925,7 +9879,7 @@
               <a:t>import</a:t>
             </a:r>
             <a:r>
-              <a:rPr lang="en" b="0" i="0" noProof="1">
+              <a:rPr lang="en" sz="2000" b="0" i="0" noProof="1">
                 <a:effectLst/>
                 <a:latin typeface="Consolas" panose="020B0609020204030204" pitchFamily="49" charset="0"/>
                 <a:cs typeface="Consolas" panose="020B0609020204030204" pitchFamily="49" charset="0"/>
@@ -8933,14 +9887,14 @@
               <a:t> logging</a:t>
             </a:r>
             <a:br>
-              <a:rPr lang="en" b="0" i="0" noProof="1">
+              <a:rPr lang="en" sz="2000" b="0" i="0" noProof="1">
                 <a:effectLst/>
                 <a:latin typeface="Consolas" panose="020B0609020204030204" pitchFamily="49" charset="0"/>
                 <a:cs typeface="Consolas" panose="020B0609020204030204" pitchFamily="49" charset="0"/>
               </a:rPr>
             </a:br>
             <a:r>
-              <a:rPr lang="en" b="0" i="0" noProof="1">
+              <a:rPr lang="en" sz="2000" b="0" i="0" noProof="1">
                 <a:effectLst/>
                 <a:latin typeface="Consolas" panose="020B0609020204030204" pitchFamily="49" charset="0"/>
                 <a:cs typeface="Consolas" panose="020B0609020204030204" pitchFamily="49" charset="0"/>
@@ -8948,7 +9902,7 @@
               <a:t>logging</a:t>
             </a:r>
             <a:r>
-              <a:rPr lang="en" b="0" i="0" noProof="1">
+              <a:rPr lang="en" sz="2000" b="0" i="0" noProof="1">
                 <a:solidFill>
                   <a:srgbClr val="999999"/>
                 </a:solidFill>
@@ -8959,7 +9913,7 @@
               <a:t>.</a:t>
             </a:r>
             <a:r>
-              <a:rPr lang="en" b="0" i="0" noProof="1">
+              <a:rPr lang="en" sz="2000" b="0" i="0" noProof="1">
                 <a:effectLst/>
                 <a:latin typeface="Consolas" panose="020B0609020204030204" pitchFamily="49" charset="0"/>
                 <a:cs typeface="Consolas" panose="020B0609020204030204" pitchFamily="49" charset="0"/>
@@ -8967,7 +9921,7 @@
               <a:t>info</a:t>
             </a:r>
             <a:r>
-              <a:rPr lang="en" b="0" i="0" noProof="1">
+              <a:rPr lang="en" sz="2000" b="0" i="0" noProof="1">
                 <a:solidFill>
                   <a:srgbClr val="999999"/>
                 </a:solidFill>
@@ -8978,7 +9932,7 @@
               <a:t>(</a:t>
             </a:r>
             <a:r>
-              <a:rPr lang="en" b="0" i="0" noProof="1">
+              <a:rPr lang="en" sz="2000" b="0" i="0" noProof="1">
                 <a:solidFill>
                   <a:srgbClr val="669900"/>
                 </a:solidFill>
@@ -8989,7 +9943,7 @@
               <a:t>'For your information'</a:t>
             </a:r>
             <a:r>
-              <a:rPr lang="en" b="0" i="0" noProof="1">
+              <a:rPr lang="en" sz="2000" b="0" i="0" noProof="1">
                 <a:solidFill>
                   <a:srgbClr val="999999"/>
                 </a:solidFill>
@@ -9000,7 +9954,7 @@
               <a:t>)</a:t>
             </a:r>
             <a:r>
-              <a:rPr lang="en" b="0" i="0" noProof="1">
+              <a:rPr lang="en" sz="2000" b="0" i="0" noProof="1">
                 <a:effectLst/>
                 <a:latin typeface="Consolas" panose="020B0609020204030204" pitchFamily="49" charset="0"/>
                 <a:cs typeface="Consolas" panose="020B0609020204030204" pitchFamily="49" charset="0"/>
@@ -9008,40 +9962,37 @@
               <a:t> </a:t>
             </a:r>
             <a:r>
-              <a:rPr lang="en" b="0" i="0" noProof="1">
+              <a:rPr lang="en" sz="2000" b="0" i="0" noProof="1">
                 <a:solidFill>
                   <a:srgbClr val="708090"/>
                 </a:solidFill>
                 <a:effectLst/>
-                <a:latin typeface="Consolas" panose="020B0609020204030204" pitchFamily="49" charset="0"/>
                 <a:cs typeface="Consolas" panose="020B0609020204030204" pitchFamily="49" charset="0"/>
               </a:rPr>
               <a:t># </a:t>
             </a:r>
             <a:r>
-              <a:rPr lang="ru-RU" b="0" i="0" noProof="1">
+              <a:rPr lang="ru-RU" sz="2000" b="0" i="0" noProof="1">
                 <a:solidFill>
                   <a:srgbClr val="708090"/>
                 </a:solidFill>
                 <a:effectLst/>
-                <a:latin typeface="Consolas" panose="020B0609020204030204" pitchFamily="49" charset="0"/>
                 <a:cs typeface="Consolas" panose="020B0609020204030204" pitchFamily="49" charset="0"/>
               </a:rPr>
               <a:t>будет проигнорировано, т. к. </a:t>
             </a:r>
             <a:r>
-              <a:rPr lang="en" b="0" i="0" noProof="1">
+              <a:rPr lang="en" sz="2000" b="0" i="0" noProof="1">
                 <a:solidFill>
                   <a:srgbClr val="708090"/>
                 </a:solidFill>
                 <a:effectLst/>
-                <a:latin typeface="Consolas" panose="020B0609020204030204" pitchFamily="49" charset="0"/>
                 <a:cs typeface="Consolas" panose="020B0609020204030204" pitchFamily="49" charset="0"/>
               </a:rPr>
               <a:t>INFO &lt; WARNING</a:t>
             </a:r>
             <a:r>
-              <a:rPr lang="en" b="0" i="0" noProof="1">
+              <a:rPr lang="en" sz="2000" b="0" i="0" noProof="1">
                 <a:effectLst/>
                 <a:latin typeface="Consolas" panose="020B0609020204030204" pitchFamily="49" charset="0"/>
                 <a:cs typeface="Consolas" panose="020B0609020204030204" pitchFamily="49" charset="0"/>
@@ -9049,7 +10000,7 @@
               <a:t> logging</a:t>
             </a:r>
             <a:r>
-              <a:rPr lang="en" b="0" i="0" noProof="1">
+              <a:rPr lang="en" sz="2000" b="0" i="0" noProof="1">
                 <a:solidFill>
                   <a:srgbClr val="999999"/>
                 </a:solidFill>
@@ -9060,7 +10011,7 @@
               <a:t>.</a:t>
             </a:r>
             <a:r>
-              <a:rPr lang="en" b="0" i="0" noProof="1">
+              <a:rPr lang="en" sz="2000" b="0" i="0" noProof="1">
                 <a:effectLst/>
                 <a:latin typeface="Consolas" panose="020B0609020204030204" pitchFamily="49" charset="0"/>
                 <a:cs typeface="Consolas" panose="020B0609020204030204" pitchFamily="49" charset="0"/>
@@ -9068,7 +10019,7 @@
               <a:t>warning</a:t>
             </a:r>
             <a:r>
-              <a:rPr lang="en" b="0" i="0" noProof="1">
+              <a:rPr lang="en" sz="2000" b="0" i="0" noProof="1">
                 <a:solidFill>
                   <a:srgbClr val="999999"/>
                 </a:solidFill>
@@ -9079,7 +10030,7 @@
               <a:t>(</a:t>
             </a:r>
             <a:r>
-              <a:rPr lang="en" b="0" i="0" noProof="1">
+              <a:rPr lang="en" sz="2000" b="0" i="0" noProof="1">
                 <a:solidFill>
                   <a:srgbClr val="669900"/>
                 </a:solidFill>
@@ -9090,7 +10041,7 @@
               <a:t>'I warn you!'</a:t>
             </a:r>
             <a:r>
-              <a:rPr lang="en" b="0" i="0" noProof="1">
+              <a:rPr lang="en" sz="2000" b="0" i="0" noProof="1">
                 <a:solidFill>
                   <a:srgbClr val="999999"/>
                 </a:solidFill>
@@ -9101,7 +10052,7 @@
               <a:t>)</a:t>
             </a:r>
             <a:r>
-              <a:rPr lang="en" b="0" i="0" noProof="1">
+              <a:rPr lang="en" sz="2000" b="0" i="0" noProof="1">
                 <a:effectLst/>
                 <a:latin typeface="Consolas" panose="020B0609020204030204" pitchFamily="49" charset="0"/>
                 <a:cs typeface="Consolas" panose="020B0609020204030204" pitchFamily="49" charset="0"/>
@@ -9109,7 +10060,7 @@
               <a:t> </a:t>
             </a:r>
             <a:r>
-              <a:rPr lang="en" b="0" i="0" noProof="1">
+              <a:rPr lang="en" sz="2000" b="0" i="0" noProof="1">
                 <a:solidFill>
                   <a:srgbClr val="708090"/>
                 </a:solidFill>
@@ -9120,7 +10071,7 @@
               <a:t># </a:t>
             </a:r>
             <a:r>
-              <a:rPr lang="ru-RU" b="0" i="0" noProof="1">
+              <a:rPr lang="ru-RU" sz="2000" b="0" i="0" noProof="1">
                 <a:solidFill>
                   <a:srgbClr val="708090"/>
                 </a:solidFill>
@@ -9131,7 +10082,7 @@
               <a:t>будет выведено в консоль</a:t>
             </a:r>
             <a:r>
-              <a:rPr lang="ru-RU" b="0" i="0" noProof="1">
+              <a:rPr lang="ru-RU" sz="2000" b="0" i="0" noProof="1">
                 <a:effectLst/>
                 <a:latin typeface="Consolas" panose="020B0609020204030204" pitchFamily="49" charset="0"/>
                 <a:cs typeface="Consolas" panose="020B0609020204030204" pitchFamily="49" charset="0"/>
@@ -9142,24 +10093,24 @@
           <a:p>
             <a:pPr marL="0" indent="0" algn="l">
               <a:lnSpc>
-                <a:spcPct val="120000"/>
+                <a:spcPct val="100000"/>
               </a:lnSpc>
               <a:buNone/>
             </a:pPr>
             <a:r>
-              <a:rPr lang="ru-RU" dirty="0"/>
+              <a:rPr lang="ru-RU" sz="2000" dirty="0"/>
               <a:t>в консоль будет выведено:</a:t>
             </a:r>
           </a:p>
           <a:p>
             <a:pPr marL="0" indent="0" algn="l">
               <a:lnSpc>
-                <a:spcPct val="120000"/>
+                <a:spcPct val="100000"/>
               </a:lnSpc>
               <a:buNone/>
             </a:pPr>
             <a:r>
-              <a:rPr lang="en" noProof="1">
+              <a:rPr lang="en" sz="2000" noProof="1">
                 <a:solidFill>
                   <a:schemeClr val="accent6">
                     <a:lumMod val="50000"/>
@@ -9174,24 +10125,24 @@
           <a:p>
             <a:pPr marL="0" indent="0" algn="l">
               <a:lnSpc>
-                <a:spcPct val="120000"/>
+                <a:spcPct val="100000"/>
               </a:lnSpc>
               <a:buNone/>
             </a:pPr>
             <a:r>
-              <a:rPr lang="ru-RU" dirty="0"/>
+              <a:rPr lang="ru-RU" sz="2000" dirty="0"/>
               <a:t>Первое сообщение будет проигнорировано, так как уровень логирования </a:t>
             </a:r>
             <a:r>
-              <a:rPr lang="en" dirty="0"/>
+              <a:rPr lang="en" sz="2000" dirty="0"/>
               <a:t>INFO </a:t>
             </a:r>
             <a:r>
-              <a:rPr lang="ru-RU" dirty="0"/>
+              <a:rPr lang="ru-RU" sz="2000" dirty="0"/>
               <a:t>ниже стандартного </a:t>
             </a:r>
             <a:r>
-              <a:rPr lang="en" dirty="0"/>
+              <a:rPr lang="en" sz="2000" dirty="0"/>
               <a:t>WARNING.</a:t>
             </a:r>
           </a:p>
@@ -9229,6 +10180,61 @@
       </p:grpSpPr>
       <p:sp>
         <p:nvSpPr>
+          <p:cNvPr id="4" name="Прямоугольник 3">
+            <a:extLst>
+              <a:ext uri="{FF2B5EF4-FFF2-40B4-BE49-F238E27FC236}">
+                <a16:creationId xmlns:a16="http://schemas.microsoft.com/office/drawing/2014/main" id="{AB44BC16-6B43-57D7-EACC-F0E4123EF55C}"/>
+              </a:ext>
+            </a:extLst>
+          </p:cNvPr>
+          <p:cNvSpPr/>
+          <p:nvPr/>
+        </p:nvSpPr>
+        <p:spPr>
+          <a:xfrm>
+            <a:off x="833118" y="1608583"/>
+            <a:ext cx="10332720" cy="2225285"/>
+          </a:xfrm>
+          <a:prstGeom prst="rect">
+            <a:avLst/>
+          </a:prstGeom>
+          <a:solidFill>
+            <a:schemeClr val="accent3">
+              <a:lumMod val="20000"/>
+              <a:lumOff val="80000"/>
+            </a:schemeClr>
+          </a:solidFill>
+          <a:ln>
+            <a:noFill/>
+          </a:ln>
+        </p:spPr>
+        <p:style>
+          <a:lnRef idx="2">
+            <a:schemeClr val="accent1">
+              <a:shade val="15000"/>
+            </a:schemeClr>
+          </a:lnRef>
+          <a:fillRef idx="1">
+            <a:schemeClr val="accent1"/>
+          </a:fillRef>
+          <a:effectRef idx="0">
+            <a:schemeClr val="accent1"/>
+          </a:effectRef>
+          <a:fontRef idx="minor">
+            <a:schemeClr val="lt1"/>
+          </a:fontRef>
+        </p:style>
+        <p:txBody>
+          <a:bodyPr rtlCol="0" anchor="ctr"/>
+          <a:lstStyle/>
+          <a:p>
+            <a:pPr algn="ctr"/>
+            <a:endParaRPr lang="ru-RU" dirty="0"/>
+          </a:p>
+        </p:txBody>
+      </p:sp>
+      <p:sp>
+        <p:nvSpPr>
           <p:cNvPr id="2" name="Заголовок 1">
             <a:extLst>
               <a:ext uri="{FF2B5EF4-FFF2-40B4-BE49-F238E27FC236}">
@@ -9280,13 +10286,13 @@
         </p:nvSpPr>
         <p:spPr>
           <a:xfrm>
-            <a:off x="838200" y="1207478"/>
-            <a:ext cx="10515600" cy="5285396"/>
+            <a:off x="838200" y="1174426"/>
+            <a:ext cx="10327638" cy="5377823"/>
           </a:xfrm>
         </p:spPr>
         <p:txBody>
-          <a:bodyPr>
-            <a:normAutofit/>
+          <a:bodyPr lIns="90000">
+            <a:noAutofit/>
           </a:bodyPr>
           <a:lstStyle/>
           <a:p>
@@ -9479,6 +10485,15 @@
                 <a:cs typeface="Consolas" panose="020B0609020204030204" pitchFamily="49" charset="0"/>
               </a:rPr>
             </a:br>
+            <a:br>
+              <a:rPr lang="ru-RU" sz="2000" noProof="1">
+                <a:solidFill>
+                  <a:srgbClr val="999999"/>
+                </a:solidFill>
+                <a:latin typeface="Consolas" panose="020B0609020204030204" pitchFamily="49" charset="0"/>
+                <a:cs typeface="Consolas" panose="020B0609020204030204" pitchFamily="49" charset="0"/>
+              </a:rPr>
+            </a:br>
             <a:r>
               <a:rPr lang="en" sz="2000" b="0" i="0" noProof="1">
                 <a:effectLst/>
@@ -9767,16 +10782,30 @@
               <a:t>Имя файла задано в параметре </a:t>
             </a:r>
             <a:r>
+              <a:rPr lang="en" sz="2000" dirty="0">
+                <a:latin typeface="Consolas" panose="020B0609020204030204" pitchFamily="49" charset="0"/>
+                <a:cs typeface="Consolas" panose="020B0609020204030204" pitchFamily="49" charset="0"/>
+              </a:rPr>
+              <a:t>filename</a:t>
+            </a:r>
+            <a:r>
               <a:rPr lang="en" sz="2000" dirty="0"/>
-              <a:t>filename, </a:t>
+              <a:t>, </a:t>
             </a:r>
             <a:r>
               <a:rPr lang="ru-RU" sz="2000" dirty="0"/>
               <a:t>а параметр </a:t>
             </a:r>
             <a:r>
+              <a:rPr lang="en" sz="2000" dirty="0">
+                <a:latin typeface="Consolas" panose="020B0609020204030204" pitchFamily="49" charset="0"/>
+                <a:cs typeface="Consolas" panose="020B0609020204030204" pitchFamily="49" charset="0"/>
+              </a:rPr>
+              <a:t>level</a:t>
+            </a:r>
+            <a:r>
               <a:rPr lang="en" sz="2000" dirty="0"/>
-              <a:t>level </a:t>
+              <a:t> </a:t>
             </a:r>
             <a:r>
               <a:rPr lang="ru-RU" sz="2000" dirty="0"/>
@@ -9799,7 +10828,10 @@
               <a:buNone/>
             </a:pPr>
             <a:r>
-              <a:rPr lang="en-US" sz="2000" noProof="1"/>
+              <a:rPr lang="en-US" sz="2000" noProof="1">
+                <a:latin typeface="Consolas" panose="020B0609020204030204" pitchFamily="49" charset="0"/>
+                <a:cs typeface="Consolas" panose="020B0609020204030204" pitchFamily="49" charset="0"/>
+              </a:rPr>
               <a:t>basicConfig()</a:t>
             </a:r>
             <a:r>
@@ -9811,15 +10843,36 @@
               <a:t>срабатывает только один раз за время выполнения программы, последующие вызовы ни к чему не приведут. Кроме того, функции логирования </a:t>
             </a:r>
             <a:r>
+              <a:rPr lang="en" sz="2000" dirty="0">
+                <a:latin typeface="Consolas" panose="020B0609020204030204" pitchFamily="49" charset="0"/>
+                <a:cs typeface="Consolas" panose="020B0609020204030204" pitchFamily="49" charset="0"/>
+              </a:rPr>
+              <a:t>debug()</a:t>
+            </a:r>
+            <a:r>
               <a:rPr lang="en" sz="2000" dirty="0"/>
-              <a:t>debug(), info() </a:t>
+              <a:t>, </a:t>
+            </a:r>
+            <a:r>
+              <a:rPr lang="en" sz="2000" dirty="0">
+                <a:latin typeface="Consolas" panose="020B0609020204030204" pitchFamily="49" charset="0"/>
+                <a:cs typeface="Consolas" panose="020B0609020204030204" pitchFamily="49" charset="0"/>
+              </a:rPr>
+              <a:t>info()</a:t>
+            </a:r>
+            <a:r>
+              <a:rPr lang="en" sz="2000" dirty="0"/>
+              <a:t> </a:t>
             </a:r>
             <a:r>
               <a:rPr lang="ru-RU" sz="2000" dirty="0"/>
               <a:t>и пр. автоматически вызывают внутри себя </a:t>
             </a:r>
             <a:r>
-              <a:rPr lang="en" sz="2000" noProof="1"/>
+              <a:rPr lang="en" sz="2000" noProof="1">
+                <a:latin typeface="Consolas" panose="020B0609020204030204" pitchFamily="49" charset="0"/>
+                <a:cs typeface="Consolas" panose="020B0609020204030204" pitchFamily="49" charset="0"/>
+              </a:rPr>
               <a:t>basicConfig()</a:t>
             </a:r>
             <a:r>
@@ -9879,7 +10932,12 @@
             <p:ph type="title"/>
           </p:nvPr>
         </p:nvSpPr>
-        <p:spPr/>
+        <p:spPr>
+          <a:xfrm>
+            <a:off x="694979" y="166820"/>
+            <a:ext cx="10515600" cy="703513"/>
+          </a:xfrm>
+        </p:spPr>
         <p:txBody>
           <a:bodyPr>
             <a:normAutofit/>
@@ -9911,36 +10969,36 @@
         </p:nvSpPr>
         <p:spPr>
           <a:xfrm>
-            <a:off x="838200" y="1171852"/>
-            <a:ext cx="10515600" cy="5454579"/>
+            <a:off x="694979" y="980502"/>
+            <a:ext cx="11181202" cy="5607585"/>
           </a:xfrm>
         </p:spPr>
         <p:txBody>
-          <a:bodyPr>
-            <a:normAutofit fontScale="62500" lnSpcReduction="20000"/>
+          <a:bodyPr lIns="90000">
+            <a:noAutofit/>
           </a:bodyPr>
           <a:lstStyle/>
           <a:p>
             <a:pPr marL="0" indent="0" algn="l">
               <a:lnSpc>
-                <a:spcPct val="120000"/>
+                <a:spcPct val="100000"/>
               </a:lnSpc>
               <a:buNone/>
             </a:pPr>
             <a:r>
-              <a:rPr lang="ru-RU" dirty="0"/>
-              <a:t>Используя форматирование, можно интерполировать в логируемое сообщение значение переменной:</a:t>
+              <a:rPr lang="ru-RU" sz="2000" dirty="0"/>
+              <a:t>Используя форматирование, можно интерполировать в сообщение значение переменной:</a:t>
             </a:r>
           </a:p>
           <a:p>
             <a:pPr marL="0" indent="0" algn="l">
               <a:lnSpc>
-                <a:spcPct val="120000"/>
+                <a:spcPct val="100000"/>
               </a:lnSpc>
               <a:buNone/>
             </a:pPr>
             <a:r>
-              <a:rPr lang="en" sz="2900" b="0" i="0" noProof="1">
+              <a:rPr lang="en" sz="1900" b="0" i="0" noProof="1">
                 <a:solidFill>
                   <a:srgbClr val="0077AA"/>
                 </a:solidFill>
@@ -9951,7 +11009,7 @@
               <a:t>import</a:t>
             </a:r>
             <a:r>
-              <a:rPr lang="en" sz="2900" b="0" i="0" noProof="1">
+              <a:rPr lang="en" sz="1900" b="0" i="0" noProof="1">
                 <a:effectLst/>
                 <a:latin typeface="Consolas" panose="020B0609020204030204" pitchFamily="49" charset="0"/>
                 <a:cs typeface="Consolas" panose="020B0609020204030204" pitchFamily="49" charset="0"/>
@@ -9959,14 +11017,14 @@
               <a:t> logging</a:t>
             </a:r>
             <a:br>
-              <a:rPr lang="ru-RU" sz="2900" b="0" i="0" noProof="1">
+              <a:rPr lang="ru-RU" sz="1900" b="0" i="0" noProof="1">
                 <a:effectLst/>
                 <a:latin typeface="Consolas" panose="020B0609020204030204" pitchFamily="49" charset="0"/>
                 <a:cs typeface="Consolas" panose="020B0609020204030204" pitchFamily="49" charset="0"/>
               </a:rPr>
             </a:br>
             <a:r>
-              <a:rPr lang="en" sz="2900" b="0" i="0" noProof="1">
+              <a:rPr lang="en" sz="1900" b="0" i="0" noProof="1">
                 <a:effectLst/>
                 <a:latin typeface="Consolas" panose="020B0609020204030204" pitchFamily="49" charset="0"/>
                 <a:cs typeface="Consolas" panose="020B0609020204030204" pitchFamily="49" charset="0"/>
@@ -9974,7 +11032,7 @@
               <a:t>counter </a:t>
             </a:r>
             <a:r>
-              <a:rPr lang="en" sz="2900" b="0" i="0" noProof="1">
+              <a:rPr lang="en" sz="1900" b="0" i="0" noProof="1">
                 <a:solidFill>
                   <a:srgbClr val="A67F59"/>
                 </a:solidFill>
@@ -9985,7 +11043,7 @@
               <a:t>=</a:t>
             </a:r>
             <a:r>
-              <a:rPr lang="en" sz="2900" b="0" i="0" noProof="1">
+              <a:rPr lang="en" sz="1900" b="0" i="0" noProof="1">
                 <a:effectLst/>
                 <a:latin typeface="Consolas" panose="020B0609020204030204" pitchFamily="49" charset="0"/>
                 <a:cs typeface="Consolas" panose="020B0609020204030204" pitchFamily="49" charset="0"/>
@@ -9993,7 +11051,7 @@
               <a:t> </a:t>
             </a:r>
             <a:r>
-              <a:rPr lang="en" sz="2900" b="0" i="0" noProof="1">
+              <a:rPr lang="en" sz="1900" b="0" i="0" noProof="1">
                 <a:solidFill>
                   <a:srgbClr val="669900"/>
                 </a:solidFill>
@@ -10004,7 +11062,7 @@
               <a:t>'3rd'</a:t>
             </a:r>
             <a:br>
-              <a:rPr lang="ru-RU" sz="2900" noProof="1">
+              <a:rPr lang="ru-RU" sz="1900" noProof="1">
                 <a:solidFill>
                   <a:srgbClr val="669900"/>
                 </a:solidFill>
@@ -10013,7 +11071,7 @@
               </a:rPr>
             </a:br>
             <a:r>
-              <a:rPr lang="en" sz="2900" b="0" i="0" noProof="1">
+              <a:rPr lang="en" sz="1900" b="0" i="0" noProof="1">
                 <a:effectLst/>
                 <a:latin typeface="Consolas" panose="020B0609020204030204" pitchFamily="49" charset="0"/>
                 <a:cs typeface="Consolas" panose="020B0609020204030204" pitchFamily="49" charset="0"/>
@@ -10021,7 +11079,7 @@
               <a:t>logging</a:t>
             </a:r>
             <a:r>
-              <a:rPr lang="en" sz="2900" b="0" i="0" noProof="1">
+              <a:rPr lang="en" sz="1900" b="0" i="0" noProof="1">
                 <a:solidFill>
                   <a:srgbClr val="999999"/>
                 </a:solidFill>
@@ -10032,7 +11090,7 @@
               <a:t>.</a:t>
             </a:r>
             <a:r>
-              <a:rPr lang="en" sz="2900" b="0" i="0" noProof="1">
+              <a:rPr lang="en" sz="1900" b="0" i="0" noProof="1">
                 <a:effectLst/>
                 <a:latin typeface="Consolas" panose="020B0609020204030204" pitchFamily="49" charset="0"/>
                 <a:cs typeface="Consolas" panose="020B0609020204030204" pitchFamily="49" charset="0"/>
@@ -10040,7 +11098,7 @@
               <a:t>warning</a:t>
             </a:r>
             <a:r>
-              <a:rPr lang="en" sz="2900" b="0" i="0" noProof="1">
+              <a:rPr lang="en" sz="1900" b="0" i="0" noProof="1">
                 <a:solidFill>
                   <a:srgbClr val="999999"/>
                 </a:solidFill>
@@ -10051,7 +11109,7 @@
               <a:t>(</a:t>
             </a:r>
             <a:r>
-              <a:rPr lang="en" sz="2900" b="0" i="0" noProof="1">
+              <a:rPr lang="en" sz="1900" b="0" i="0" noProof="1">
                 <a:solidFill>
                   <a:srgbClr val="669900"/>
                 </a:solidFill>
@@ -10062,7 +11120,7 @@
               <a:t>'I am warning you for the %s time!'</a:t>
             </a:r>
             <a:r>
-              <a:rPr lang="en" sz="2900" b="0" i="0" noProof="1">
+              <a:rPr lang="en" sz="1900" b="0" i="0" noProof="1">
                 <a:solidFill>
                   <a:srgbClr val="999999"/>
                 </a:solidFill>
@@ -10073,7 +11131,7 @@
               <a:t>,</a:t>
             </a:r>
             <a:r>
-              <a:rPr lang="en" sz="2900" b="0" i="0" noProof="1">
+              <a:rPr lang="en" sz="1900" b="0" i="0" noProof="1">
                 <a:effectLst/>
                 <a:latin typeface="Consolas" panose="020B0609020204030204" pitchFamily="49" charset="0"/>
                 <a:cs typeface="Consolas" panose="020B0609020204030204" pitchFamily="49" charset="0"/>
@@ -10081,7 +11139,7 @@
               <a:t> counter</a:t>
             </a:r>
             <a:r>
-              <a:rPr lang="en" sz="2900" b="0" i="0" noProof="1">
+              <a:rPr lang="en" sz="1900" b="0" i="0" noProof="1">
                 <a:solidFill>
                   <a:srgbClr val="999999"/>
                 </a:solidFill>
@@ -10091,7 +11149,7 @@
               </a:rPr>
               <a:t>)</a:t>
             </a:r>
-            <a:endParaRPr lang="en" sz="2900" b="0" i="0" noProof="1">
+            <a:endParaRPr lang="en" sz="1900" b="0" i="0" noProof="1">
               <a:effectLst/>
               <a:latin typeface="Consolas" panose="020B0609020204030204" pitchFamily="49" charset="0"/>
               <a:cs typeface="Consolas" panose="020B0609020204030204" pitchFamily="49" charset="0"/>
@@ -10100,16 +11158,16 @@
           <a:p>
             <a:pPr marL="0" indent="0" algn="l">
               <a:lnSpc>
-                <a:spcPct val="120000"/>
+                <a:spcPct val="100000"/>
               </a:lnSpc>
               <a:buNone/>
             </a:pPr>
             <a:r>
-              <a:rPr lang="en" noProof="1"/>
+              <a:rPr lang="en" sz="1900" noProof="1"/>
               <a:t>→ </a:t>
             </a:r>
             <a:r>
-              <a:rPr lang="en" sz="2900" b="0" i="0" noProof="1">
+              <a:rPr lang="en" sz="1900" b="0" i="0" noProof="1">
                 <a:solidFill>
                   <a:schemeClr val="accent6">
                     <a:lumMod val="50000"/>
@@ -10126,27 +11184,24 @@
           <a:p>
             <a:pPr marL="0" indent="0" algn="l">
               <a:lnSpc>
-                <a:spcPct val="120000"/>
+                <a:spcPct val="100000"/>
               </a:lnSpc>
               <a:buNone/>
             </a:pPr>
             <a:r>
-              <a:rPr lang="ru-RU" b="0" i="0" dirty="0">
-                <a:effectLst/>
-                <a:latin typeface="Lato" panose="020F0502020204030203" pitchFamily="34" charset="0"/>
-              </a:rPr>
+              <a:rPr lang="ru-RU" sz="2000" dirty="0"/>
               <a:t>Можно задать формат не только сообщения, но и всей логируемой записи:</a:t>
             </a:r>
           </a:p>
           <a:p>
             <a:pPr marL="0" indent="0" algn="l">
               <a:lnSpc>
-                <a:spcPct val="120000"/>
+                <a:spcPct val="100000"/>
               </a:lnSpc>
               <a:buNone/>
             </a:pPr>
             <a:r>
-              <a:rPr lang="en" b="0" i="0" noProof="1">
+              <a:rPr lang="en" sz="1900" b="0" i="0" noProof="1">
                 <a:effectLst/>
                 <a:latin typeface="Consolas" panose="020B0609020204030204" pitchFamily="49" charset="0"/>
                 <a:cs typeface="Consolas" panose="020B0609020204030204" pitchFamily="49" charset="0"/>
@@ -10154,7 +11209,7 @@
               <a:t>logging</a:t>
             </a:r>
             <a:r>
-              <a:rPr lang="en" b="0" i="0" noProof="1">
+              <a:rPr lang="en" sz="1900" b="0" i="0" noProof="1">
                 <a:solidFill>
                   <a:srgbClr val="999999"/>
                 </a:solidFill>
@@ -10165,7 +11220,7 @@
               <a:t>.</a:t>
             </a:r>
             <a:r>
-              <a:rPr lang="en" b="0" i="0" noProof="1">
+              <a:rPr lang="en" sz="1900" b="0" i="0" noProof="1">
                 <a:effectLst/>
                 <a:latin typeface="Consolas" panose="020B0609020204030204" pitchFamily="49" charset="0"/>
                 <a:cs typeface="Consolas" panose="020B0609020204030204" pitchFamily="49" charset="0"/>
@@ -10173,7 +11228,7 @@
               <a:t>basicConfig</a:t>
             </a:r>
             <a:r>
-              <a:rPr lang="en" b="0" i="0" noProof="1">
+              <a:rPr lang="en" sz="1900" b="0" i="0" noProof="1">
                 <a:solidFill>
                   <a:srgbClr val="999999"/>
                 </a:solidFill>
@@ -10184,7 +11239,7 @@
               <a:t>(</a:t>
             </a:r>
             <a:r>
-              <a:rPr lang="en" b="0" i="0" noProof="1">
+              <a:rPr lang="en" sz="1900" b="0" i="0" noProof="1">
                 <a:effectLst/>
                 <a:latin typeface="Consolas" panose="020B0609020204030204" pitchFamily="49" charset="0"/>
                 <a:cs typeface="Consolas" panose="020B0609020204030204" pitchFamily="49" charset="0"/>
@@ -10192,7 +11247,7 @@
               <a:t>format</a:t>
             </a:r>
             <a:r>
-              <a:rPr lang="en" b="0" i="0" noProof="1">
+              <a:rPr lang="en" sz="1900" b="0" i="0" noProof="1">
                 <a:solidFill>
                   <a:srgbClr val="A67F59"/>
                 </a:solidFill>
@@ -10203,7 +11258,7 @@
               <a:t>=</a:t>
             </a:r>
             <a:r>
-              <a:rPr lang="en" b="0" i="0" noProof="1">
+              <a:rPr lang="en" sz="1900" b="0" i="0" noProof="1">
                 <a:solidFill>
                   <a:srgbClr val="669900"/>
                 </a:solidFill>
@@ -10214,7 +11269,7 @@
               <a:t>'%(asctime)s %(levelname)s %(message)s'</a:t>
             </a:r>
             <a:r>
-              <a:rPr lang="en" b="0" i="0" noProof="1">
+              <a:rPr lang="en" sz="1900" b="0" i="0" noProof="1">
                 <a:solidFill>
                   <a:srgbClr val="999999"/>
                 </a:solidFill>
@@ -10225,7 +11280,7 @@
               <a:t>)</a:t>
             </a:r>
             <a:br>
-              <a:rPr lang="en" noProof="1">
+              <a:rPr lang="en" sz="1900" noProof="1">
                 <a:solidFill>
                   <a:srgbClr val="999999"/>
                 </a:solidFill>
@@ -10234,7 +11289,7 @@
               </a:rPr>
             </a:br>
             <a:r>
-              <a:rPr lang="en" b="0" i="0" noProof="1">
+              <a:rPr lang="en" sz="1900" b="0" i="0" noProof="1">
                 <a:effectLst/>
                 <a:latin typeface="Consolas" panose="020B0609020204030204" pitchFamily="49" charset="0"/>
                 <a:cs typeface="Consolas" panose="020B0609020204030204" pitchFamily="49" charset="0"/>
@@ -10242,7 +11297,7 @@
               <a:t>logging</a:t>
             </a:r>
             <a:r>
-              <a:rPr lang="en" b="0" i="0" noProof="1">
+              <a:rPr lang="en" sz="1900" b="0" i="0" noProof="1">
                 <a:solidFill>
                   <a:srgbClr val="999999"/>
                 </a:solidFill>
@@ -10253,7 +11308,7 @@
               <a:t>.</a:t>
             </a:r>
             <a:r>
-              <a:rPr lang="en" b="0" i="0" noProof="1">
+              <a:rPr lang="en" sz="1900" b="0" i="0" noProof="1">
                 <a:effectLst/>
                 <a:latin typeface="Consolas" panose="020B0609020204030204" pitchFamily="49" charset="0"/>
                 <a:cs typeface="Consolas" panose="020B0609020204030204" pitchFamily="49" charset="0"/>
@@ -10261,7 +11316,7 @@
               <a:t>warning</a:t>
             </a:r>
             <a:r>
-              <a:rPr lang="en" b="0" i="0" noProof="1">
+              <a:rPr lang="en" sz="1900" b="0" i="0" noProof="1">
                 <a:solidFill>
                   <a:srgbClr val="999999"/>
                 </a:solidFill>
@@ -10272,7 +11327,7 @@
               <a:t>(</a:t>
             </a:r>
             <a:r>
-              <a:rPr lang="en" b="0" i="0" noProof="1">
+              <a:rPr lang="en" sz="1900" b="0" i="0" noProof="1">
                 <a:solidFill>
                   <a:srgbClr val="669900"/>
                 </a:solidFill>
@@ -10283,7 +11338,7 @@
               <a:t>'Right about time!'</a:t>
             </a:r>
             <a:r>
-              <a:rPr lang="en" b="0" i="0" noProof="1">
+              <a:rPr lang="en" sz="1900" b="0" i="0" noProof="1">
                 <a:solidFill>
                   <a:srgbClr val="999999"/>
                 </a:solidFill>
@@ -10294,7 +11349,7 @@
               <a:t>)</a:t>
             </a:r>
             <a:r>
-              <a:rPr lang="en" b="0" i="0" noProof="1">
+              <a:rPr lang="en" sz="1900" b="0" i="0" noProof="1">
                 <a:effectLst/>
                 <a:latin typeface="Consolas" panose="020B0609020204030204" pitchFamily="49" charset="0"/>
                 <a:cs typeface="Consolas" panose="020B0609020204030204" pitchFamily="49" charset="0"/>
@@ -10305,16 +11360,16 @@
           <a:p>
             <a:pPr marL="0" indent="0" algn="l">
               <a:lnSpc>
-                <a:spcPct val="120000"/>
+                <a:spcPct val="100000"/>
               </a:lnSpc>
               <a:buNone/>
             </a:pPr>
             <a:r>
-              <a:rPr lang="en" noProof="1"/>
+              <a:rPr lang="en" sz="1900" noProof="1"/>
               <a:t>→ </a:t>
             </a:r>
             <a:r>
-              <a:rPr lang="en" b="0" i="0" dirty="0">
+              <a:rPr lang="en" sz="1900" b="0" i="0" dirty="0">
                 <a:solidFill>
                   <a:schemeClr val="accent6">
                     <a:lumMod val="50000"/>
@@ -10330,89 +11385,87 @@
           <a:p>
             <a:pPr marL="0" indent="0" algn="l">
               <a:lnSpc>
-                <a:spcPct val="120000"/>
+                <a:spcPct val="100000"/>
               </a:lnSpc>
               <a:buNone/>
             </a:pPr>
             <a:r>
-              <a:rPr lang="ru-RU" b="0" i="0" dirty="0">
-                <a:effectLst/>
-                <a:latin typeface="Lato" panose="020F0502020204030203" pitchFamily="34" charset="0"/>
-              </a:rPr>
+              <a:rPr lang="ru-RU" sz="2000" dirty="0"/>
               <a:t>Здесь выводится не только уровень логирования </a:t>
             </a:r>
             <a:r>
-              <a:rPr lang="en" b="0" i="0" dirty="0">
-                <a:effectLst/>
-                <a:latin typeface="Lato" panose="020F0502020204030203" pitchFamily="34" charset="0"/>
-              </a:rPr>
-              <a:t>levelname </a:t>
-            </a:r>
-            <a:r>
-              <a:rPr lang="ru-RU" b="0" i="0" dirty="0">
-                <a:effectLst/>
-                <a:latin typeface="Lato" panose="020F0502020204030203" pitchFamily="34" charset="0"/>
-              </a:rPr>
+              <a:rPr lang="en" sz="2000" dirty="0">
+                <a:latin typeface="Consolas" panose="020B0609020204030204" pitchFamily="49" charset="0"/>
+                <a:cs typeface="Consolas" panose="020B0609020204030204" pitchFamily="49" charset="0"/>
+              </a:rPr>
+              <a:t>levelname</a:t>
+            </a:r>
+            <a:r>
+              <a:rPr lang="en" sz="2000" dirty="0"/>
+              <a:t> </a:t>
+            </a:r>
+            <a:r>
+              <a:rPr lang="ru-RU" sz="2000" dirty="0"/>
               <a:t>и текст сообщения </a:t>
             </a:r>
             <a:r>
-              <a:rPr lang="en" b="0" i="0" dirty="0">
-                <a:effectLst/>
-                <a:latin typeface="Lato" panose="020F0502020204030203" pitchFamily="34" charset="0"/>
-              </a:rPr>
-              <a:t>message, </a:t>
-            </a:r>
-            <a:r>
-              <a:rPr lang="ru-RU" b="0" i="0" dirty="0">
-                <a:effectLst/>
-                <a:latin typeface="Lato" panose="020F0502020204030203" pitchFamily="34" charset="0"/>
-              </a:rPr>
+              <a:rPr lang="en" sz="2000" dirty="0">
+                <a:latin typeface="Consolas" panose="020B0609020204030204" pitchFamily="49" charset="0"/>
+                <a:cs typeface="Consolas" panose="020B0609020204030204" pitchFamily="49" charset="0"/>
+              </a:rPr>
+              <a:t>message</a:t>
+            </a:r>
+            <a:r>
+              <a:rPr lang="en" sz="2000" dirty="0"/>
+              <a:t>, </a:t>
+            </a:r>
+            <a:r>
+              <a:rPr lang="ru-RU" sz="2000" dirty="0"/>
               <a:t>но и дата и время логирования </a:t>
             </a:r>
             <a:r>
-              <a:rPr lang="en" b="0" i="0" dirty="0">
-                <a:effectLst/>
-                <a:latin typeface="Lato" panose="020F0502020204030203" pitchFamily="34" charset="0"/>
-              </a:rPr>
-              <a:t>asctime.</a:t>
+              <a:rPr lang="en" sz="2000" dirty="0">
+                <a:latin typeface="Consolas" panose="020B0609020204030204" pitchFamily="49" charset="0"/>
+                <a:cs typeface="Consolas" panose="020B0609020204030204" pitchFamily="49" charset="0"/>
+              </a:rPr>
+              <a:t>asctime</a:t>
+            </a:r>
+            <a:r>
+              <a:rPr lang="en" sz="2000" dirty="0"/>
+              <a:t>.</a:t>
             </a:r>
             <a:br>
-              <a:rPr lang="en" b="0" i="0" dirty="0">
-                <a:effectLst/>
-                <a:latin typeface="Lato" panose="020F0502020204030203" pitchFamily="34" charset="0"/>
-              </a:rPr>
+              <a:rPr lang="en" sz="2000" dirty="0"/>
             </a:br>
             <a:r>
-              <a:rPr lang="ru-RU" b="0" i="0" dirty="0">
-                <a:effectLst/>
-                <a:latin typeface="Lato" panose="020F0502020204030203" pitchFamily="34" charset="0"/>
-              </a:rPr>
+              <a:rPr lang="ru-RU" sz="2000" dirty="0"/>
               <a:t>Формат даты-времени можно изменить в </a:t>
             </a:r>
             <a:r>
-              <a:rPr lang="en" b="0" i="0" dirty="0">
-                <a:effectLst/>
-                <a:latin typeface="Lato" panose="020F0502020204030203" pitchFamily="34" charset="0"/>
-              </a:rPr>
-              <a:t>basicConfig() (</a:t>
-            </a:r>
-            <a:r>
-              <a:rPr lang="ru-RU" b="0" i="0" dirty="0">
-                <a:effectLst/>
-                <a:latin typeface="Lato" panose="020F0502020204030203" pitchFamily="34" charset="0"/>
-              </a:rPr>
+              <a:rPr lang="en" sz="2000" dirty="0">
+                <a:latin typeface="Consolas" panose="020B0609020204030204" pitchFamily="49" charset="0"/>
+                <a:cs typeface="Consolas" panose="020B0609020204030204" pitchFamily="49" charset="0"/>
+              </a:rPr>
+              <a:t>basicConfig()</a:t>
+            </a:r>
+            <a:r>
+              <a:rPr lang="en" sz="2000" dirty="0"/>
+              <a:t> (</a:t>
+            </a:r>
+            <a:r>
+              <a:rPr lang="ru-RU" sz="2000" dirty="0"/>
               <a:t>но как правило не стоит).</a:t>
             </a:r>
           </a:p>
           <a:p>
             <a:pPr marL="0" indent="0" algn="l">
               <a:lnSpc>
-                <a:spcPct val="120000"/>
+                <a:spcPct val="100000"/>
               </a:lnSpc>
               <a:buNone/>
             </a:pPr>
             <a:r>
-              <a:rPr lang="en" b="0" i="0" noProof="1">
+              <a:rPr lang="en" sz="1900" b="0" i="0" noProof="1">
                 <a:effectLst/>
                 <a:latin typeface="Consolas" panose="020B0609020204030204" pitchFamily="49" charset="0"/>
                 <a:cs typeface="Consolas" panose="020B0609020204030204" pitchFamily="49" charset="0"/>
@@ -10420,7 +11473,7 @@
               <a:t>logging</a:t>
             </a:r>
             <a:r>
-              <a:rPr lang="en" b="0" i="0" noProof="1">
+              <a:rPr lang="en" sz="1900" b="0" i="0" noProof="1">
                 <a:solidFill>
                   <a:srgbClr val="999999"/>
                 </a:solidFill>
@@ -10431,7 +11484,7 @@
               <a:t>.</a:t>
             </a:r>
             <a:r>
-              <a:rPr lang="en" b="0" i="0" noProof="1">
+              <a:rPr lang="en" sz="1900" b="0" i="0" noProof="1">
                 <a:effectLst/>
                 <a:latin typeface="Consolas" panose="020B0609020204030204" pitchFamily="49" charset="0"/>
                 <a:cs typeface="Consolas" panose="020B0609020204030204" pitchFamily="49" charset="0"/>
@@ -10439,7 +11492,7 @@
               <a:t>basicConfig</a:t>
             </a:r>
             <a:r>
-              <a:rPr lang="en" b="0" i="0" noProof="1">
+              <a:rPr lang="en" sz="1900" b="0" i="0" noProof="1">
                 <a:solidFill>
                   <a:srgbClr val="999999"/>
                 </a:solidFill>
@@ -10450,7 +11503,7 @@
               <a:t>(</a:t>
             </a:r>
             <a:r>
-              <a:rPr lang="en" b="0" i="0" noProof="1">
+              <a:rPr lang="en" sz="1900" b="0" i="0" noProof="1">
                 <a:effectLst/>
                 <a:latin typeface="Consolas" panose="020B0609020204030204" pitchFamily="49" charset="0"/>
                 <a:cs typeface="Consolas" panose="020B0609020204030204" pitchFamily="49" charset="0"/>
@@ -10458,7 +11511,7 @@
               <a:t>format</a:t>
             </a:r>
             <a:r>
-              <a:rPr lang="en" b="0" i="0" noProof="1">
+              <a:rPr lang="en" sz="1900" b="0" i="0" noProof="1">
                 <a:solidFill>
                   <a:srgbClr val="A67F59"/>
                 </a:solidFill>
@@ -10469,7 +11522,7 @@
               <a:t>=</a:t>
             </a:r>
             <a:r>
-              <a:rPr lang="en" b="0" i="0" noProof="1">
+              <a:rPr lang="en" sz="1900" b="0" i="0" noProof="1">
                 <a:solidFill>
                   <a:srgbClr val="669900"/>
                 </a:solidFill>
@@ -10480,7 +11533,7 @@
               <a:t>'%(asctime)s %(message)s'</a:t>
             </a:r>
             <a:r>
-              <a:rPr lang="en" b="0" i="0" noProof="1">
+              <a:rPr lang="en" sz="1900" b="0" i="0" noProof="1">
                 <a:solidFill>
                   <a:srgbClr val="999999"/>
                 </a:solidFill>
@@ -10491,7 +11544,7 @@
               <a:t>,</a:t>
             </a:r>
             <a:r>
-              <a:rPr lang="en" b="0" i="0" noProof="1">
+              <a:rPr lang="en" sz="1900" b="0" i="0" noProof="1">
                 <a:effectLst/>
                 <a:latin typeface="Consolas" panose="020B0609020204030204" pitchFamily="49" charset="0"/>
                 <a:cs typeface="Consolas" panose="020B0609020204030204" pitchFamily="49" charset="0"/>
@@ -10499,7 +11552,7 @@
               <a:t> datefmt</a:t>
             </a:r>
             <a:r>
-              <a:rPr lang="en" b="0" i="0" noProof="1">
+              <a:rPr lang="en" sz="1900" b="0" i="0" noProof="1">
                 <a:solidFill>
                   <a:srgbClr val="A67F59"/>
                 </a:solidFill>
@@ -10510,7 +11563,7 @@
               <a:t>=</a:t>
             </a:r>
             <a:r>
-              <a:rPr lang="en" b="0" i="0" noProof="1">
+              <a:rPr lang="en" sz="1900" b="0" i="0" noProof="1">
                 <a:solidFill>
                   <a:srgbClr val="669900"/>
                 </a:solidFill>
@@ -10521,7 +11574,7 @@
               <a:t>'%d.%m.%Y %H:%M:%S'</a:t>
             </a:r>
             <a:r>
-              <a:rPr lang="en" b="0" i="0" noProof="1">
+              <a:rPr lang="en" sz="1900" b="0" i="0" noProof="1">
                 <a:solidFill>
                   <a:srgbClr val="999999"/>
                 </a:solidFill>
@@ -10532,7 +11585,7 @@
               <a:t>)</a:t>
             </a:r>
             <a:br>
-              <a:rPr lang="en" noProof="1">
+              <a:rPr lang="en" sz="1900" noProof="1">
                 <a:solidFill>
                   <a:srgbClr val="999999"/>
                 </a:solidFill>
@@ -10541,7 +11594,7 @@
               </a:rPr>
             </a:br>
             <a:r>
-              <a:rPr lang="en" b="0" i="0" noProof="1">
+              <a:rPr lang="en" sz="1900" b="0" i="0" noProof="1">
                 <a:effectLst/>
                 <a:latin typeface="Consolas" panose="020B0609020204030204" pitchFamily="49" charset="0"/>
                 <a:cs typeface="Consolas" panose="020B0609020204030204" pitchFamily="49" charset="0"/>
@@ -10549,7 +11602,7 @@
               <a:t>logging</a:t>
             </a:r>
             <a:r>
-              <a:rPr lang="en" b="0" i="0" noProof="1">
+              <a:rPr lang="en" sz="1900" b="0" i="0" noProof="1">
                 <a:solidFill>
                   <a:srgbClr val="999999"/>
                 </a:solidFill>
@@ -10560,7 +11613,7 @@
               <a:t>.</a:t>
             </a:r>
             <a:r>
-              <a:rPr lang="en" b="0" i="0" noProof="1">
+              <a:rPr lang="en" sz="1900" b="0" i="0" noProof="1">
                 <a:effectLst/>
                 <a:latin typeface="Consolas" panose="020B0609020204030204" pitchFamily="49" charset="0"/>
                 <a:cs typeface="Consolas" panose="020B0609020204030204" pitchFamily="49" charset="0"/>
@@ -10568,7 +11621,7 @@
               <a:t>warning</a:t>
             </a:r>
             <a:r>
-              <a:rPr lang="en" b="0" i="0" noProof="1">
+              <a:rPr lang="en" sz="1900" b="0" i="0" noProof="1">
                 <a:solidFill>
                   <a:srgbClr val="999999"/>
                 </a:solidFill>
@@ -10579,7 +11632,7 @@
               <a:t>(</a:t>
             </a:r>
             <a:r>
-              <a:rPr lang="en" b="0" i="0" noProof="1">
+              <a:rPr lang="en" sz="1900" b="0" i="0" noProof="1">
                 <a:solidFill>
                   <a:srgbClr val="669900"/>
                 </a:solidFill>
@@ -10590,7 +11643,7 @@
               <a:t>'is when this event was logged.'</a:t>
             </a:r>
             <a:r>
-              <a:rPr lang="en" b="0" i="0" noProof="1">
+              <a:rPr lang="en" sz="1900" b="0" i="0" noProof="1">
                 <a:solidFill>
                   <a:srgbClr val="999999"/>
                 </a:solidFill>
@@ -10601,7 +11654,7 @@
               <a:t>)</a:t>
             </a:r>
             <a:r>
-              <a:rPr lang="en" b="0" i="0" noProof="1">
+              <a:rPr lang="en" sz="1900" b="0" i="0" noProof="1">
                 <a:effectLst/>
                 <a:latin typeface="Consolas" panose="020B0609020204030204" pitchFamily="49" charset="0"/>
                 <a:cs typeface="Consolas" panose="020B0609020204030204" pitchFamily="49" charset="0"/>
@@ -10612,16 +11665,16 @@
           <a:p>
             <a:pPr marL="0" indent="0" algn="l">
               <a:lnSpc>
-                <a:spcPct val="120000"/>
+                <a:spcPct val="100000"/>
               </a:lnSpc>
               <a:buNone/>
             </a:pPr>
             <a:r>
-              <a:rPr lang="en" noProof="1"/>
+              <a:rPr lang="en" sz="1900" noProof="1"/>
               <a:t>→ </a:t>
             </a:r>
             <a:r>
-              <a:rPr lang="en" b="0" i="0" noProof="1">
+              <a:rPr lang="en" sz="1900" b="0" i="0" noProof="1">
                 <a:solidFill>
                   <a:schemeClr val="accent6">
                     <a:lumMod val="50000"/>
@@ -14035,8 +15088,8 @@
         </p:nvSpPr>
         <p:spPr>
           <a:xfrm>
-            <a:off x="838200" y="365125"/>
-            <a:ext cx="10515600" cy="845837"/>
+            <a:off x="838200" y="233045"/>
+            <a:ext cx="10515600" cy="701675"/>
           </a:xfrm>
         </p:spPr>
         <p:txBody>
@@ -14068,13 +15121,13 @@
         </p:nvSpPr>
         <p:spPr>
           <a:xfrm>
-            <a:off x="838200" y="1396314"/>
-            <a:ext cx="10515600" cy="5096561"/>
+            <a:off x="838200" y="1016000"/>
+            <a:ext cx="10515600" cy="5608955"/>
           </a:xfrm>
         </p:spPr>
         <p:txBody>
           <a:bodyPr>
-            <a:normAutofit/>
+            <a:noAutofit/>
           </a:bodyPr>
           <a:lstStyle/>
           <a:p>
@@ -14090,7 +15143,126 @@
             </a:r>
             <a:r>
               <a:rPr lang="ru-RU" sz="2000" dirty="0"/>
-              <a:t> (журнал) в стандартном случае — это текстовый файл. В него легко писать, его легко читать, искать по нему, бэкапить и ротировать.</a:t>
+              <a:t> (журнал) в стандартном случае — это </a:t>
+            </a:r>
+            <a:r>
+              <a:rPr lang="ru-RU" sz="2000" b="1" dirty="0"/>
+              <a:t>текстовый файл</a:t>
+            </a:r>
+            <a:r>
+              <a:rPr lang="ru-RU" sz="2000" dirty="0"/>
+              <a:t>.</a:t>
+            </a:r>
+            <a:endParaRPr lang="en-US" sz="2000" dirty="0"/>
+          </a:p>
+          <a:p>
+            <a:pPr>
+              <a:lnSpc>
+                <a:spcPct val="100000"/>
+              </a:lnSpc>
+              <a:spcBef>
+                <a:spcPts val="0"/>
+              </a:spcBef>
+            </a:pPr>
+            <a:r>
+              <a:rPr lang="ru-RU" sz="2000" dirty="0"/>
+              <a:t>В него </a:t>
+            </a:r>
+            <a:r>
+              <a:rPr lang="ru-RU" sz="2000" b="1" dirty="0"/>
+              <a:t>легко</a:t>
+            </a:r>
+            <a:r>
+              <a:rPr lang="ru-RU" sz="2000" dirty="0"/>
+              <a:t> </a:t>
+            </a:r>
+            <a:r>
+              <a:rPr lang="ru-RU" sz="2000" b="1" dirty="0"/>
+              <a:t>писать</a:t>
+            </a:r>
+            <a:r>
+              <a:rPr lang="ru-RU" sz="2000" dirty="0"/>
+              <a:t>,</a:t>
+            </a:r>
+            <a:endParaRPr lang="en-US" sz="2000" dirty="0"/>
+          </a:p>
+          <a:p>
+            <a:pPr>
+              <a:lnSpc>
+                <a:spcPct val="100000"/>
+              </a:lnSpc>
+              <a:spcBef>
+                <a:spcPts val="0"/>
+              </a:spcBef>
+            </a:pPr>
+            <a:r>
+              <a:rPr lang="ru-RU" sz="2000" dirty="0"/>
+              <a:t>его </a:t>
+            </a:r>
+            <a:r>
+              <a:rPr lang="ru-RU" sz="2000" b="1" dirty="0"/>
+              <a:t>легко читать</a:t>
+            </a:r>
+            <a:r>
+              <a:rPr lang="ru-RU" sz="2000" dirty="0"/>
+              <a:t>,</a:t>
+            </a:r>
+            <a:endParaRPr lang="en-US" sz="2000" dirty="0"/>
+          </a:p>
+          <a:p>
+            <a:pPr>
+              <a:lnSpc>
+                <a:spcPct val="100000"/>
+              </a:lnSpc>
+              <a:spcBef>
+                <a:spcPts val="0"/>
+              </a:spcBef>
+            </a:pPr>
+            <a:r>
+              <a:rPr lang="ru-RU" sz="2000" b="1" dirty="0"/>
+              <a:t>искать</a:t>
+            </a:r>
+            <a:r>
+              <a:rPr lang="ru-RU" sz="2000" dirty="0"/>
+              <a:t> по нему,</a:t>
+            </a:r>
+            <a:endParaRPr lang="en-US" sz="2000" dirty="0"/>
+          </a:p>
+          <a:p>
+            <a:pPr>
+              <a:lnSpc>
+                <a:spcPct val="100000"/>
+              </a:lnSpc>
+              <a:spcBef>
+                <a:spcPts val="0"/>
+              </a:spcBef>
+            </a:pPr>
+            <a:r>
+              <a:rPr lang="ru-RU" sz="2000" b="1" dirty="0"/>
+              <a:t>бэкапить</a:t>
+            </a:r>
+            <a:r>
+              <a:rPr lang="ru-RU" sz="2000" dirty="0"/>
+              <a:t> и</a:t>
+            </a:r>
+            <a:endParaRPr lang="en-US" sz="2000" dirty="0"/>
+          </a:p>
+          <a:p>
+            <a:pPr>
+              <a:lnSpc>
+                <a:spcPct val="100000"/>
+              </a:lnSpc>
+              <a:spcBef>
+                <a:spcPts val="0"/>
+              </a:spcBef>
+            </a:pPr>
+            <a:r>
+              <a:rPr lang="ru-RU" sz="2000" b="1" dirty="0"/>
+              <a:t>ротировать</a:t>
+            </a:r>
+            <a:r>
+              <a:rPr lang="ru-RU" sz="2000" dirty="0"/>
+              <a:t>.</a:t>
             </a:r>
           </a:p>
           <a:p>
@@ -14110,10 +15282,21 @@
               <a:lnSpc>
                 <a:spcPct val="100000"/>
               </a:lnSpc>
+              <a:spcBef>
+                <a:spcPts val="500"/>
+              </a:spcBef>
             </a:pPr>
             <a:r>
               <a:rPr lang="ru-RU" sz="2000" dirty="0"/>
-              <a:t>выводиться на консоль или любое другое устройство вывода,</a:t>
+              <a:t>выводиться на </a:t>
+            </a:r>
+            <a:r>
+              <a:rPr lang="ru-RU" sz="2000" b="1" dirty="0"/>
+              <a:t>консоль</a:t>
+            </a:r>
+            <a:r>
+              <a:rPr lang="ru-RU" sz="2000" dirty="0"/>
+              <a:t> или любое другое устройство вывода,</a:t>
             </a:r>
           </a:p>
           <a:p>
@@ -14121,10 +15304,21 @@
               <a:lnSpc>
                 <a:spcPct val="100000"/>
               </a:lnSpc>
+              <a:spcBef>
+                <a:spcPts val="500"/>
+              </a:spcBef>
             </a:pPr>
             <a:r>
               <a:rPr lang="ru-RU" sz="2000" dirty="0"/>
-              <a:t>записываться в БД,</a:t>
+              <a:t>записываться в </a:t>
+            </a:r>
+            <a:r>
+              <a:rPr lang="ru-RU" sz="2000" b="1" dirty="0"/>
+              <a:t>БД</a:t>
+            </a:r>
+            <a:r>
+              <a:rPr lang="ru-RU" sz="2000" dirty="0"/>
+              <a:t>,</a:t>
             </a:r>
           </a:p>
           <a:p>
@@ -14132,14 +15326,37 @@
               <a:lnSpc>
                 <a:spcPct val="100000"/>
               </a:lnSpc>
+              <a:spcBef>
+                <a:spcPts val="500"/>
+              </a:spcBef>
             </a:pPr>
             <a:r>
               <a:rPr lang="ru-RU" sz="2000" dirty="0"/>
-              <a:t>посылаться в сокет / по </a:t>
+              <a:t>посылаться в </a:t>
+            </a:r>
+            <a:r>
+              <a:rPr lang="ru-RU" sz="2000" b="1" dirty="0"/>
+              <a:t>сокет</a:t>
+            </a:r>
+            <a:r>
+              <a:rPr lang="ru-RU" sz="2000" dirty="0"/>
+              <a:t> / </a:t>
+            </a:r>
+            <a:r>
+              <a:rPr lang="ru-RU" sz="2000" b="1" dirty="0"/>
+              <a:t>по</a:t>
+            </a:r>
+            <a:r>
+              <a:rPr lang="ru-RU" sz="2000" dirty="0"/>
+              <a:t> </a:t>
+            </a:r>
+            <a:r>
+              <a:rPr lang="en-US" sz="2000" b="1" dirty="0"/>
+              <a:t>API</a:t>
             </a:r>
             <a:r>
               <a:rPr lang="en-US" sz="2000" dirty="0"/>
-              <a:t>API </a:t>
+              <a:t> </a:t>
             </a:r>
             <a:r>
               <a:rPr lang="ru-RU" sz="2000" dirty="0"/>
@@ -14151,10 +15368,21 @@
               <a:lnSpc>
                 <a:spcPct val="100000"/>
               </a:lnSpc>
+              <a:spcBef>
+                <a:spcPts val="500"/>
+              </a:spcBef>
             </a:pPr>
             <a:r>
               <a:rPr lang="ru-RU" sz="2000" dirty="0"/>
-              <a:t>отправляться в очередь,</a:t>
+              <a:t>отправляться в </a:t>
+            </a:r>
+            <a:r>
+              <a:rPr lang="ru-RU" sz="2000" b="1" dirty="0"/>
+              <a:t>очередь</a:t>
+            </a:r>
+            <a:r>
+              <a:rPr lang="ru-RU" sz="2000" dirty="0"/>
+              <a:t>,</a:t>
             </a:r>
           </a:p>
           <a:p>
@@ -14162,22 +15390,70 @@
               <a:lnSpc>
                 <a:spcPct val="100000"/>
               </a:lnSpc>
+              <a:spcBef>
+                <a:spcPts val="500"/>
+              </a:spcBef>
             </a:pPr>
             <a:r>
               <a:rPr lang="ru-RU" sz="2000" dirty="0"/>
-              <a:t>отправляться по электронной почте или в мессенджер и так далее.</a:t>
-            </a:r>
-          </a:p>
-          <a:p>
-            <a:pPr marL="0" indent="0">
+              <a:t>отправляться по </a:t>
+            </a:r>
+            <a:r>
+              <a:rPr lang="en-US" sz="2000" b="1" dirty="0"/>
+              <a:t>email</a:t>
+            </a:r>
+            <a:r>
+              <a:rPr lang="ru-RU" sz="2000" dirty="0"/>
+              <a:t> или</a:t>
+            </a:r>
+            <a:endParaRPr lang="en-US" sz="2000" dirty="0"/>
+          </a:p>
+          <a:p>
+            <a:pPr>
               <a:lnSpc>
                 <a:spcPct val="100000"/>
               </a:lnSpc>
-              <a:buNone/>
+              <a:spcBef>
+                <a:spcPts val="500"/>
+              </a:spcBef>
             </a:pPr>
             <a:r>
               <a:rPr lang="ru-RU" sz="2000" dirty="0"/>
-              <a:t>Если вы решите по определённым событиям автоматически получать телефонный звонок — это даже никого не удивит.</a:t>
+              <a:t>в </a:t>
+            </a:r>
+            <a:r>
+              <a:rPr lang="ru-RU" sz="2000" b="1" dirty="0"/>
+              <a:t>мессенджер</a:t>
+            </a:r>
+            <a:endParaRPr lang="en-US" sz="2000" b="1" dirty="0"/>
+          </a:p>
+          <a:p>
+            <a:pPr>
+              <a:lnSpc>
+                <a:spcPct val="100000"/>
+              </a:lnSpc>
+              <a:spcBef>
+                <a:spcPts val="500"/>
+              </a:spcBef>
+            </a:pPr>
+            <a:r>
+              <a:rPr lang="ru-RU" sz="2000" dirty="0"/>
+              <a:t>или любым другим способом:</a:t>
+            </a:r>
+            <a:br>
+              <a:rPr lang="ru-RU" sz="2000" dirty="0"/>
+            </a:br>
+            <a:r>
+              <a:rPr lang="ru-RU" sz="2000" dirty="0"/>
+              <a:t>если вы решите по определённым событиям автоматически получать </a:t>
+            </a:r>
+            <a:r>
+              <a:rPr lang="en-US" sz="2000" b="1" dirty="0"/>
+              <a:t>SMS</a:t>
+            </a:r>
+            <a:r>
+              <a:rPr lang="ru-RU" sz="2000" dirty="0"/>
+              <a:t> — это также один из вариантов.</a:t>
             </a:r>
           </a:p>
         </p:txBody>
@@ -21435,7 +22711,7 @@
         </p:nvSpPr>
         <p:spPr>
           <a:xfrm>
-            <a:off x="838200" y="365126"/>
+            <a:off x="838200" y="334646"/>
             <a:ext cx="10515600" cy="858194"/>
           </a:xfrm>
         </p:spPr>
@@ -21473,53 +22749,95 @@
           </a:xfrm>
         </p:spPr>
         <p:txBody>
-          <a:bodyPr>
-            <a:normAutofit fontScale="85000" lnSpcReduction="20000"/>
+          <a:bodyPr lIns="90000">
+            <a:noAutofit/>
           </a:bodyPr>
           <a:lstStyle/>
           <a:p>
+            <a:pPr marL="0" indent="0">
+              <a:lnSpc>
+                <a:spcPct val="100000"/>
+              </a:lnSpc>
+              <a:buNone/>
+            </a:pPr>
+            <a:r>
+              <a:rPr lang="ru-RU" sz="2000" dirty="0"/>
+              <a:t>Минимальная запись события в логе обычно включает:</a:t>
+            </a:r>
+          </a:p>
+          <a:p>
+            <a:pPr>
+              <a:lnSpc>
+                <a:spcPct val="100000"/>
+              </a:lnSpc>
+              <a:spcBef>
+                <a:spcPts val="0"/>
+              </a:spcBef>
+            </a:pPr>
+            <a:r>
+              <a:rPr lang="ru-RU" sz="2000" b="1" dirty="0"/>
+              <a:t>описание события</a:t>
+            </a:r>
+            <a:r>
+              <a:rPr lang="ru-RU" sz="2000" dirty="0"/>
+              <a:t> и</a:t>
+            </a:r>
+          </a:p>
+          <a:p>
+            <a:pPr>
+              <a:lnSpc>
+                <a:spcPct val="100000"/>
+              </a:lnSpc>
+              <a:spcBef>
+                <a:spcPts val="0"/>
+              </a:spcBef>
+            </a:pPr>
+            <a:r>
+              <a:rPr lang="ru-RU" sz="2000" b="1" dirty="0"/>
+              <a:t>время</a:t>
+            </a:r>
+            <a:r>
+              <a:rPr lang="ru-RU" sz="2000" dirty="0"/>
+              <a:t>, в которое оно произошло:</a:t>
+            </a:r>
+          </a:p>
+          <a:p>
             <a:pPr marL="0" indent="0" algn="l">
               <a:lnSpc>
-                <a:spcPct val="110000"/>
+                <a:spcPct val="100000"/>
               </a:lnSpc>
               <a:buNone/>
             </a:pPr>
             <a:r>
-              <a:rPr lang="ru-RU" dirty="0"/>
-              <a:t>Минимальная запись события в логе обычно включает описание события и время, в которое оно произошло:</a:t>
-            </a:r>
-          </a:p>
-          <a:p>
-            <a:pPr marL="0" indent="0" algn="l">
-              <a:lnSpc>
-                <a:spcPct val="110000"/>
-              </a:lnSpc>
-              <a:buNone/>
-            </a:pPr>
-            <a:r>
-              <a:rPr lang="ru-RU" noProof="1">
-                <a:highlight>
-                  <a:srgbClr val="C0C0C0"/>
-                </a:highlight>
+              <a:rPr lang="ru-RU" sz="2000" noProof="1">
+                <a:solidFill>
+                  <a:schemeClr val="accent6">
+                    <a:lumMod val="75000"/>
+                  </a:schemeClr>
+                </a:solidFill>
                 <a:latin typeface="Consolas" panose="020B0609020204030204" pitchFamily="49" charset="0"/>
                 <a:cs typeface="Consolas" panose="020B0609020204030204" pitchFamily="49" charset="0"/>
               </a:rPr>
               <a:t>2023-08-12 17:49:37 </a:t>
             </a:r>
             <a:r>
-              <a:rPr lang="en" noProof="1">
-                <a:highlight>
-                  <a:srgbClr val="C0C0C0"/>
-                </a:highlight>
+              <a:rPr lang="en" sz="2000" noProof="1">
+                <a:solidFill>
+                  <a:schemeClr val="accent6">
+                    <a:lumMod val="75000"/>
+                  </a:schemeClr>
+                </a:solidFill>
                 <a:latin typeface="Consolas" panose="020B0609020204030204" pitchFamily="49" charset="0"/>
                 <a:cs typeface="Consolas" panose="020B0609020204030204" pitchFamily="49" charset="0"/>
               </a:rPr>
               <a:t>User 'johndoe' successfully logged in</a:t>
             </a:r>
-            <a:endParaRPr lang="ru-RU" noProof="1">
-              <a:highlight>
-                <a:srgbClr val="C0C0C0"/>
-              </a:highlight>
+            <a:endParaRPr lang="ru-RU" sz="2000" noProof="1">
+              <a:solidFill>
+                <a:schemeClr val="accent6">
+                  <a:lumMod val="75000"/>
+                </a:schemeClr>
+              </a:solidFill>
               <a:latin typeface="Consolas" panose="020B0609020204030204" pitchFamily="49" charset="0"/>
               <a:cs typeface="Consolas" panose="020B0609020204030204" pitchFamily="49" charset="0"/>
             </a:endParaRPr>
@@ -21527,110 +22845,141 @@
           <a:p>
             <a:pPr marL="0" indent="0" algn="l">
               <a:lnSpc>
-                <a:spcPct val="110000"/>
+                <a:spcPct val="100000"/>
               </a:lnSpc>
               <a:buNone/>
             </a:pPr>
             <a:r>
-              <a:rPr lang="ru-RU" dirty="0"/>
+              <a:rPr lang="ru-RU" sz="2000" dirty="0"/>
               <a:t>В зависимости от конкретной задачи и принятых практик добавляются другие параметры.</a:t>
             </a:r>
           </a:p>
           <a:p>
             <a:pPr marL="0" indent="0" algn="l">
-              <a:buNone/>
-            </a:pPr>
-            <a:r>
-              <a:rPr lang="ru-RU" dirty="0"/>
+              <a:lnSpc>
+                <a:spcPct val="100000"/>
+              </a:lnSpc>
+              <a:buNone/>
+            </a:pPr>
+            <a:r>
+              <a:rPr lang="ru-RU" sz="2000" dirty="0"/>
               <a:t>Логи должны отвечать на 3 основных вопроса:</a:t>
             </a:r>
           </a:p>
           <a:p>
             <a:pPr marL="360000" indent="-360000" algn="l">
+              <a:lnSpc>
+                <a:spcPct val="100000"/>
+              </a:lnSpc>
               <a:buFont typeface="+mj-lt"/>
               <a:buAutoNum type="arabicPeriod"/>
             </a:pPr>
             <a:r>
-              <a:rPr lang="ru-RU" b="1" dirty="0"/>
+              <a:rPr lang="ru-RU" sz="2000" b="1" dirty="0"/>
               <a:t>Что</a:t>
             </a:r>
             <a:r>
-              <a:rPr lang="ru-RU" dirty="0"/>
+              <a:rPr lang="ru-RU" sz="2000" dirty="0"/>
               <a:t> произошло?</a:t>
             </a:r>
           </a:p>
           <a:p>
             <a:pPr marL="360000" indent="-360000">
+              <a:lnSpc>
+                <a:spcPct val="100000"/>
+              </a:lnSpc>
               <a:buFont typeface="+mj-lt"/>
               <a:buAutoNum type="arabicPeriod"/>
             </a:pPr>
             <a:r>
-              <a:rPr lang="ru-RU" b="1" dirty="0"/>
+              <a:rPr lang="ru-RU" sz="2000" b="1" dirty="0"/>
               <a:t>Когда</a:t>
             </a:r>
             <a:r>
-              <a:rPr lang="ru-RU" dirty="0"/>
+              <a:rPr lang="ru-RU" sz="2000" dirty="0"/>
               <a:t> произошло</a:t>
             </a:r>
           </a:p>
           <a:p>
             <a:pPr marL="360000" indent="-360000" algn="l">
+              <a:lnSpc>
+                <a:spcPct val="100000"/>
+              </a:lnSpc>
               <a:buFont typeface="+mj-lt"/>
               <a:buAutoNum type="arabicPeriod"/>
             </a:pPr>
             <a:r>
-              <a:rPr lang="ru-RU" b="1" dirty="0"/>
+              <a:rPr lang="ru-RU" sz="2000" b="1" dirty="0"/>
               <a:t>Где</a:t>
             </a:r>
             <a:r>
-              <a:rPr lang="ru-RU" dirty="0"/>
+              <a:rPr lang="ru-RU" sz="2000" dirty="0"/>
               <a:t> это произошло?</a:t>
             </a:r>
           </a:p>
           <a:p>
             <a:pPr marL="457200" lvl="1" indent="0">
-              <a:buNone/>
-            </a:pPr>
-            <a:r>
-              <a:rPr lang="ru-RU" dirty="0"/>
+              <a:lnSpc>
+                <a:spcPct val="100000"/>
+              </a:lnSpc>
+              <a:buNone/>
+            </a:pPr>
+            <a:r>
+              <a:rPr lang="ru-RU" sz="1800" dirty="0"/>
               <a:t>«</a:t>
             </a:r>
             <a:r>
-              <a:rPr lang="ru-RU" b="1" dirty="0"/>
+              <a:rPr lang="ru-RU" sz="1800" b="1" dirty="0"/>
               <a:t>Где</a:t>
             </a:r>
             <a:r>
-              <a:rPr lang="ru-RU" dirty="0"/>
-              <a:t>» — широкое понятие, которое может означать не только в какой строчке кода, но и в каком процессе, на каком сервере, при вызове из какой функции или что угодно ещё, важное в контексте конкретной операции.</a:t>
-            </a:r>
-          </a:p>
-          <a:p>
-            <a:pPr marL="0" indent="0" algn="l">
-              <a:buNone/>
-            </a:pPr>
-            <a:r>
-              <a:rPr lang="ru-RU" dirty="0"/>
-              <a:t>Чтобы логи успешно отвечали на эти вопросы, стоит придерживаться определённых правил.</a:t>
-            </a:r>
-            <a:br>
-              <a:rPr lang="ru-RU" dirty="0"/>
-            </a:br>
-            <a:endParaRPr lang="ru-RU" dirty="0"/>
+              <a:rPr lang="ru-RU" sz="1800" dirty="0"/>
+              <a:t>» — широкое понятие, которое может означать не только </a:t>
+            </a:r>
+            <a:r>
+              <a:rPr lang="ru-RU" sz="1800" b="1" dirty="0"/>
+              <a:t>в какой строчке кода</a:t>
+            </a:r>
+            <a:r>
+              <a:rPr lang="ru-RU" sz="1800" dirty="0"/>
+              <a:t>, но и </a:t>
+            </a:r>
+            <a:r>
+              <a:rPr lang="ru-RU" sz="1800" b="1" dirty="0"/>
+              <a:t>в каком процессе</a:t>
+            </a:r>
+            <a:r>
+              <a:rPr lang="ru-RU" sz="1800" dirty="0"/>
+              <a:t>, </a:t>
+            </a:r>
+            <a:r>
+              <a:rPr lang="ru-RU" sz="1800" b="1" dirty="0"/>
+              <a:t>на каком сервере</a:t>
+            </a:r>
+            <a:r>
+              <a:rPr lang="ru-RU" sz="1800" dirty="0"/>
+              <a:t>, </a:t>
+            </a:r>
+            <a:r>
+              <a:rPr lang="ru-RU" sz="1800" b="1" dirty="0"/>
+              <a:t>при вызове из какой функции</a:t>
+            </a:r>
+            <a:r>
+              <a:rPr lang="ru-RU" sz="1800" dirty="0"/>
+              <a:t> или что угодно ещё, важное в контексте конкретной операции.</a:t>
+            </a:r>
           </a:p>
           <a:p>
             <a:pPr marL="0" indent="0" algn="l">
               <a:lnSpc>
-                <a:spcPct val="110000"/>
+                <a:spcPct val="100000"/>
               </a:lnSpc>
               <a:buNone/>
             </a:pPr>
-            <a:endParaRPr lang="en" noProof="1"/>
-          </a:p>
-          <a:p>
-            <a:pPr marL="0" indent="0">
-              <a:buNone/>
-            </a:pPr>
-            <a:endParaRPr lang="ru-RU" dirty="0"/>
+            <a:r>
+              <a:rPr lang="ru-RU" sz="2000" dirty="0"/>
+              <a:t>Чтобы логи успешно отвечали на эти вопросы, стоит придерживаться определённых правил.</a:t>
+            </a:r>
           </a:p>
         </p:txBody>
       </p:sp>
@@ -23362,22 +24711,34 @@
               <a:buNone/>
             </a:pPr>
             <a:r>
+              <a:rPr lang="en-US" sz="2000" dirty="0">
+                <a:solidFill>
+                  <a:schemeClr val="accent6">
+                    <a:lumMod val="75000"/>
+                  </a:schemeClr>
+                </a:solidFill>
+                <a:latin typeface="Consolas" panose="020B0609020204030204" pitchFamily="49" charset="0"/>
+                <a:cs typeface="Consolas" panose="020B0609020204030204" pitchFamily="49" charset="0"/>
+              </a:rPr>
+              <a:t>«</a:t>
+            </a:r>
+            <a:r>
               <a:rPr lang="en" sz="2000" dirty="0">
                 <a:solidFill>
                   <a:schemeClr val="accent6">
-                    <a:lumMod val="50000"/>
+                    <a:lumMod val="75000"/>
                   </a:schemeClr>
                 </a:solidFill>
                 <a:latin typeface="Consolas" panose="020B0609020204030204" pitchFamily="49" charset="0"/>
                 <a:cs typeface="Consolas" panose="020B0609020204030204" pitchFamily="49" charset="0"/>
               </a:rPr>
-              <a:t>Step initiate</a:t>
+              <a:t>Step initiate»</a:t>
             </a:r>
             <a:br>
               <a:rPr lang="ru-RU" sz="2000" dirty="0">
                 <a:solidFill>
                   <a:schemeClr val="accent6">
-                    <a:lumMod val="50000"/>
+                    <a:lumMod val="75000"/>
                   </a:schemeClr>
                 </a:solidFill>
                 <a:latin typeface="Consolas" panose="020B0609020204030204" pitchFamily="49" charset="0"/>
@@ -23385,16 +24746,28 @@
               </a:rPr>
             </a:br>
             <a:r>
+              <a:rPr lang="en-US" sz="2000" dirty="0">
+                <a:solidFill>
+                  <a:schemeClr val="accent6">
+                    <a:lumMod val="75000"/>
+                  </a:schemeClr>
+                </a:solidFill>
+                <a:latin typeface="Consolas" panose="020B0609020204030204" pitchFamily="49" charset="0"/>
+                <a:cs typeface="Consolas" panose="020B0609020204030204" pitchFamily="49" charset="0"/>
+              </a:rPr>
+              <a:t>«</a:t>
+            </a:r>
+            <a:r>
               <a:rPr lang="en" sz="2000" dirty="0">
                 <a:solidFill>
                   <a:schemeClr val="accent6">
-                    <a:lumMod val="50000"/>
+                    <a:lumMod val="75000"/>
                   </a:schemeClr>
                 </a:solidFill>
                 <a:latin typeface="Consolas" panose="020B0609020204030204" pitchFamily="49" charset="0"/>
                 <a:cs typeface="Consolas" panose="020B0609020204030204" pitchFamily="49" charset="0"/>
               </a:rPr>
-              <a:t>OK Transaction failed </a:t>
+              <a:t>OK Transaction failed»</a:t>
             </a:r>
           </a:p>
           <a:p>
@@ -23420,19 +24793,19 @@
               <a:rPr lang="en" sz="2000" noProof="1">
                 <a:solidFill>
                   <a:schemeClr val="accent6">
-                    <a:lumMod val="50000"/>
+                    <a:lumMod val="75000"/>
                   </a:schemeClr>
                 </a:solidFill>
                 <a:latin typeface="Consolas" panose="020B0609020204030204" pitchFamily="49" charset="0"/>
                 <a:cs typeface="Consolas" panose="020B0609020204030204" pitchFamily="49" charset="0"/>
               </a:rPr>
-              <a:t>User 'johndoe' successfully logged in</a:t>
+              <a:t>«User 'johndoe' successfully logged in»</a:t>
             </a:r>
             <a:br>
               <a:rPr lang="ru-RU" sz="2000" noProof="1">
                 <a:solidFill>
                   <a:schemeClr val="accent6">
-                    <a:lumMod val="50000"/>
+                    <a:lumMod val="75000"/>
                   </a:schemeClr>
                 </a:solidFill>
                 <a:latin typeface="Consolas" panose="020B0609020204030204" pitchFamily="49" charset="0"/>
@@ -23440,16 +24813,28 @@
               </a:rPr>
             </a:br>
             <a:r>
+              <a:rPr lang="en-US" sz="2000" noProof="1">
+                <a:solidFill>
+                  <a:schemeClr val="accent6">
+                    <a:lumMod val="75000"/>
+                  </a:schemeClr>
+                </a:solidFill>
+                <a:latin typeface="Consolas" panose="020B0609020204030204" pitchFamily="49" charset="0"/>
+                <a:cs typeface="Consolas" panose="020B0609020204030204" pitchFamily="49" charset="0"/>
+              </a:rPr>
+              <a:t>«</a:t>
+            </a:r>
+            <a:r>
               <a:rPr lang="en" sz="2000" noProof="1">
                 <a:solidFill>
                   <a:schemeClr val="accent6">
-                    <a:lumMod val="50000"/>
+                    <a:lumMod val="75000"/>
                   </a:schemeClr>
                 </a:solidFill>
                 <a:latin typeface="Consolas" panose="020B0609020204030204" pitchFamily="49" charset="0"/>
                 <a:cs typeface="Consolas" panose="020B0609020204030204" pitchFamily="49" charset="0"/>
               </a:rPr>
-              <a:t>Transaction reverted due to lost connection to DB </a:t>
+              <a:t>Transaction reverted due to lost connection to DB»</a:t>
             </a:r>
           </a:p>
           <a:p>
@@ -23599,7 +24984,7 @@
                 <a:latin typeface="Consolas" panose="020B0609020204030204" pitchFamily="49" charset="0"/>
                 <a:cs typeface="Consolas" panose="020B0609020204030204" pitchFamily="49" charset="0"/>
               </a:rPr>
-              <a:t>INFO Checking password hash for 'johndoe'</a:t>
+              <a:t>«INFO Checking password hash for 'johndoe'»</a:t>
             </a:r>
             <a:br>
               <a:rPr lang="ru-RU" sz="2000" noProof="1">
@@ -23613,7 +24998,7 @@
               </a:rPr>
             </a:br>
             <a:r>
-              <a:rPr lang="en" sz="2000" noProof="1">
+              <a:rPr lang="en-US" sz="2000" noProof="1">
                 <a:solidFill>
                   <a:schemeClr val="accent6">
                     <a:lumMod val="50000"/>
@@ -23622,10 +25007,10 @@
                 <a:latin typeface="Consolas" panose="020B0609020204030204" pitchFamily="49" charset="0"/>
                 <a:cs typeface="Consolas" panose="020B0609020204030204" pitchFamily="49" charset="0"/>
               </a:rPr>
-              <a:t>DEBUG Hashes don't match</a:t>
-            </a:r>
-            <a:br>
-              <a:rPr lang="ru-RU" sz="2000" noProof="1">
+              <a:t>«</a:t>
+            </a:r>
+            <a:r>
+              <a:rPr lang="en" sz="2000" noProof="1">
                 <a:solidFill>
                   <a:schemeClr val="accent6">
                     <a:lumMod val="50000"/>
@@ -23634,9 +25019,10 @@
                 <a:latin typeface="Consolas" panose="020B0609020204030204" pitchFamily="49" charset="0"/>
                 <a:cs typeface="Consolas" panose="020B0609020204030204" pitchFamily="49" charset="0"/>
               </a:rPr>
-            </a:br>
-            <a:r>
-              <a:rPr lang="en" sz="2000" noProof="1">
+              <a:t>DEBUG Hashes don't match»</a:t>
+            </a:r>
+            <a:br>
+              <a:rPr lang="ru-RU" sz="2000" noProof="1">
                 <a:solidFill>
                   <a:schemeClr val="accent6">
                     <a:lumMod val="50000"/>
@@ -23645,7 +25031,30 @@
                 <a:latin typeface="Consolas" panose="020B0609020204030204" pitchFamily="49" charset="0"/>
                 <a:cs typeface="Consolas" panose="020B0609020204030204" pitchFamily="49" charset="0"/>
               </a:rPr>
-              <a:t>ERROR Operation failed</a:t>
+            </a:br>
+            <a:r>
+              <a:rPr lang="en-US" sz="2000" noProof="1">
+                <a:solidFill>
+                  <a:schemeClr val="accent6">
+                    <a:lumMod val="50000"/>
+                  </a:schemeClr>
+                </a:solidFill>
+                <a:latin typeface="Consolas" panose="020B0609020204030204" pitchFamily="49" charset="0"/>
+                <a:cs typeface="Consolas" panose="020B0609020204030204" pitchFamily="49" charset="0"/>
+              </a:rPr>
+              <a:t>«</a:t>
+            </a:r>
+            <a:r>
+              <a:rPr lang="en" sz="2000" noProof="1">
+                <a:solidFill>
+                  <a:schemeClr val="accent6">
+                    <a:lumMod val="50000"/>
+                  </a:schemeClr>
+                </a:solidFill>
+                <a:latin typeface="Consolas" panose="020B0609020204030204" pitchFamily="49" charset="0"/>
+                <a:cs typeface="Consolas" panose="020B0609020204030204" pitchFamily="49" charset="0"/>
+              </a:rPr>
+              <a:t>ERROR Operation failed»</a:t>
             </a:r>
           </a:p>
           <a:p>
@@ -23787,7 +25196,15 @@
             </a:br>
             <a:r>
               <a:rPr lang="ru-RU" sz="2000" dirty="0"/>
-              <a:t>Это позволит вам избежать любых проблем с кодировками (так как вы будете использовать только </a:t>
+              <a:t>Это позволит вам избежать </a:t>
+            </a:r>
+            <a:r>
+              <a:rPr lang="ru-RU" sz="2000" b="1" dirty="0"/>
+              <a:t>любых проблем с кодировками</a:t>
+            </a:r>
+            <a:r>
+              <a:rPr lang="ru-RU" sz="2000" dirty="0"/>
+              <a:t> (так как вы будете использовать только </a:t>
             </a:r>
             <a:r>
               <a:rPr lang="en" sz="2000" dirty="0"/>
@@ -23807,7 +25224,31 @@
             </a:pPr>
             <a:r>
               <a:rPr lang="ru-RU" sz="2000" dirty="0"/>
-              <a:t>Из этого правила есть одно разумное исключение — если ваши логи предназначены не для технических специалистов, а для конечного пользователя. Тогда они должны локализовываться так же, как и остальной интерфейс приложения.</a:t>
+              <a:t>Из этого правила есть одно разумное </a:t>
+            </a:r>
+            <a:r>
+              <a:rPr lang="ru-RU" sz="2000" b="1" dirty="0"/>
+              <a:t>исключение</a:t>
+            </a:r>
+            <a:r>
+              <a:rPr lang="ru-RU" sz="2000" dirty="0"/>
+              <a:t> — </a:t>
+            </a:r>
+            <a:r>
+              <a:rPr lang="ru-RU" sz="2000" b="1" dirty="0"/>
+              <a:t>если</a:t>
+            </a:r>
+            <a:r>
+              <a:rPr lang="ru-RU" sz="2000" dirty="0"/>
+              <a:t> ваши логи предназначены не для технических специалистов, а </a:t>
+            </a:r>
+            <a:r>
+              <a:rPr lang="ru-RU" sz="2000" b="1" dirty="0"/>
+              <a:t>для конечного пользователя</a:t>
+            </a:r>
+            <a:r>
+              <a:rPr lang="ru-RU" sz="2000" dirty="0"/>
+              <a:t>. Тогда они должны локализовываться так же, как и остальной интерфейс приложения.</a:t>
             </a:r>
           </a:p>
           <a:p>
@@ -23924,7 +25365,7 @@
         </p:nvSpPr>
         <p:spPr>
           <a:xfrm>
-            <a:off x="838200" y="365126"/>
+            <a:off x="838200" y="202566"/>
             <a:ext cx="10515600" cy="1111982"/>
           </a:xfrm>
         </p:spPr>
@@ -23972,31 +25413,62 @@
         </p:nvSpPr>
         <p:spPr>
           <a:xfrm>
-            <a:off x="838200" y="1629508"/>
-            <a:ext cx="10515600" cy="4863366"/>
+            <a:off x="838200" y="1416148"/>
+            <a:ext cx="10515600" cy="5218966"/>
           </a:xfrm>
         </p:spPr>
         <p:txBody>
-          <a:bodyPr>
-            <a:normAutofit/>
+          <a:bodyPr lIns="90000">
+            <a:noAutofit/>
           </a:bodyPr>
           <a:lstStyle/>
           <a:p>
             <a:pPr marL="0" indent="0" algn="l">
               <a:lnSpc>
-                <a:spcPct val="110000"/>
+                <a:spcPct val="100000"/>
               </a:lnSpc>
               <a:buNone/>
             </a:pPr>
             <a:r>
               <a:rPr lang="ru-RU" sz="2000" dirty="0"/>
-              <a:t>Важно знать не только что событие произошло, но и когда это случилось. Исключением могут быть разве что временные сообщения для сиюминутной отладки запускаемого вручную скрипта.</a:t>
+              <a:t>Важно знать не только </a:t>
+            </a:r>
+            <a:r>
+              <a:rPr lang="ru-RU" sz="2000" b="1" dirty="0"/>
+              <a:t>что</a:t>
+            </a:r>
+            <a:r>
+              <a:rPr lang="ru-RU" sz="2000" dirty="0"/>
+              <a:t> за событие произошло, но и </a:t>
+            </a:r>
+            <a:r>
+              <a:rPr lang="ru-RU" sz="2000" b="1" dirty="0"/>
+              <a:t>когда</a:t>
+            </a:r>
+            <a:r>
+              <a:rPr lang="ru-RU" sz="2000" dirty="0"/>
+              <a:t> это случилось.</a:t>
+            </a:r>
+            <a:br>
+              <a:rPr lang="ru-RU" sz="2000" dirty="0"/>
+            </a:br>
+            <a:r>
+              <a:rPr lang="ru-RU" sz="2000" dirty="0"/>
+              <a:t>Исключением могут быть разве что </a:t>
+            </a:r>
+            <a:r>
+              <a:rPr lang="ru-RU" sz="2000" b="1" dirty="0"/>
+              <a:t>временные сообщения</a:t>
+            </a:r>
+            <a:r>
+              <a:rPr lang="ru-RU" sz="2000" dirty="0"/>
+              <a:t> для сиюминутной отладки запускаемого вручную скрипта.</a:t>
             </a:r>
           </a:p>
           <a:p>
             <a:pPr marL="0" indent="0" algn="l">
               <a:lnSpc>
-                <a:spcPct val="110000"/>
+                <a:spcPct val="100000"/>
               </a:lnSpc>
               <a:buNone/>
             </a:pPr>
@@ -24005,19 +25477,23 @@
               <a:t>Рекомендуется использовать стандартный формат, соответствующий </a:t>
             </a:r>
             <a:r>
+              <a:rPr lang="en" sz="2000" b="1" dirty="0"/>
+              <a:t>ISO8601</a:t>
+            </a:r>
+            <a:r>
               <a:rPr lang="en" sz="2000" dirty="0"/>
-              <a:t>ISO8601:</a:t>
+              <a:t>:</a:t>
             </a:r>
           </a:p>
           <a:p>
             <a:pPr marL="0" indent="0" algn="l">
               <a:lnSpc>
-                <a:spcPct val="110000"/>
+                <a:spcPct val="100000"/>
               </a:lnSpc>
               <a:buNone/>
             </a:pPr>
             <a:r>
-              <a:rPr lang="en" sz="2000" dirty="0">
+              <a:rPr lang="en" sz="2000" b="1" dirty="0">
                 <a:solidFill>
                   <a:schemeClr val="accent6">
                     <a:lumMod val="50000"/>
@@ -24026,25 +25502,97 @@
                 <a:latin typeface="Consolas" panose="020B0609020204030204" pitchFamily="49" charset="0"/>
                 <a:cs typeface="Consolas" panose="020B0609020204030204" pitchFamily="49" charset="0"/>
               </a:rPr>
-              <a:t>2022-10-02 11:41:42,612</a:t>
+              <a:t>2022-10-02 11:41:42</a:t>
+            </a:r>
+            <a:r>
+              <a:rPr lang="en" sz="2000" dirty="0">
+                <a:solidFill>
+                  <a:schemeClr val="bg2">
+                    <a:lumMod val="50000"/>
+                  </a:schemeClr>
+                </a:solidFill>
+                <a:latin typeface="Consolas" panose="020B0609020204030204" pitchFamily="49" charset="0"/>
+                <a:cs typeface="Consolas" panose="020B0609020204030204" pitchFamily="49" charset="0"/>
+              </a:rPr>
+              <a:t>,612</a:t>
+            </a:r>
+          </a:p>
+          <a:p>
+            <a:pPr>
+              <a:lnSpc>
+                <a:spcPct val="100000"/>
+              </a:lnSpc>
+              <a:spcBef>
+                <a:spcPts val="0"/>
+              </a:spcBef>
+            </a:pPr>
+            <a:r>
+              <a:rPr lang="ru-RU" sz="2000" dirty="0"/>
+              <a:t>Он </a:t>
+            </a:r>
+            <a:r>
+              <a:rPr lang="ru-RU" sz="2000" b="1" dirty="0"/>
+              <a:t>привычен</a:t>
+            </a:r>
+            <a:r>
+              <a:rPr lang="ru-RU" sz="2000" dirty="0"/>
+              <a:t>,</a:t>
+            </a:r>
+          </a:p>
+          <a:p>
+            <a:pPr>
+              <a:lnSpc>
+                <a:spcPct val="100000"/>
+              </a:lnSpc>
+              <a:spcBef>
+                <a:spcPts val="0"/>
+              </a:spcBef>
+            </a:pPr>
+            <a:r>
+              <a:rPr lang="ru-RU" sz="2000" b="1" dirty="0"/>
+              <a:t>легко читается,</a:t>
+            </a:r>
+          </a:p>
+          <a:p>
+            <a:pPr>
+              <a:lnSpc>
+                <a:spcPct val="100000"/>
+              </a:lnSpc>
+              <a:spcBef>
+                <a:spcPts val="0"/>
+              </a:spcBef>
+            </a:pPr>
+            <a:r>
+              <a:rPr lang="ru-RU" sz="2000" b="1" dirty="0"/>
+              <a:t>легко парсится</a:t>
+            </a:r>
+            <a:r>
+              <a:rPr lang="ru-RU" sz="2000" dirty="0"/>
+              <a:t>,</a:t>
+            </a:r>
+          </a:p>
+          <a:p>
+            <a:pPr>
+              <a:lnSpc>
+                <a:spcPct val="100000"/>
+              </a:lnSpc>
+              <a:spcBef>
+                <a:spcPts val="0"/>
+              </a:spcBef>
+            </a:pPr>
+            <a:r>
+              <a:rPr lang="ru-RU" sz="2000" b="1" dirty="0"/>
+              <a:t>корректно сортируется</a:t>
+            </a:r>
+            <a:r>
+              <a:rPr lang="ru-RU" sz="2000" dirty="0"/>
+              <a:t> (так как все величины расположены в порядке убывания размерности).</a:t>
             </a:r>
           </a:p>
           <a:p>
             <a:pPr marL="0" indent="0" algn="l">
               <a:lnSpc>
-                <a:spcPct val="110000"/>
-              </a:lnSpc>
-              <a:buNone/>
-            </a:pPr>
-            <a:r>
-              <a:rPr lang="ru-RU" sz="2000" dirty="0"/>
-              <a:t>Он привычен, легко читается и парсится, корректно сортируется (так как все величины расположены в порядке убывания размерности).</a:t>
-            </a:r>
-          </a:p>
-          <a:p>
-            <a:pPr marL="0" indent="0" algn="l">
-              <a:lnSpc>
-                <a:spcPct val="110000"/>
+                <a:spcPct val="100000"/>
               </a:lnSpc>
               <a:buNone/>
             </a:pPr>
@@ -24157,137 +25705,161 @@
           </a:xfrm>
         </p:spPr>
         <p:txBody>
-          <a:bodyPr>
-            <a:normAutofit fontScale="70000" lnSpcReduction="20000"/>
+          <a:bodyPr lIns="90000">
+            <a:noAutofit/>
           </a:bodyPr>
           <a:lstStyle/>
           <a:p>
             <a:pPr marL="0" indent="0">
               <a:lnSpc>
-                <a:spcPct val="120000"/>
+                <a:spcPct val="100000"/>
               </a:lnSpc>
               <a:buNone/>
             </a:pPr>
             <a:r>
-              <a:rPr lang="ru-RU" sz="3200" dirty="0"/>
+              <a:rPr lang="ru-RU" sz="2000" dirty="0"/>
               <a:t>Как правило, запись в логе должна содержать и другую информацию о контексте, в котором произошло логируемое событие. Какую именно — зависит от приложения, пишущего в лог, и от конкретного события.</a:t>
             </a:r>
-            <a:endParaRPr lang="en-US" sz="3200" dirty="0"/>
+            <a:endParaRPr lang="en-US" sz="2000" dirty="0"/>
           </a:p>
           <a:p>
             <a:pPr marL="0" indent="0">
               <a:lnSpc>
-                <a:spcPct val="120000"/>
+                <a:spcPct val="100000"/>
               </a:lnSpc>
               <a:buNone/>
             </a:pPr>
             <a:r>
-              <a:rPr lang="ru-RU" sz="3200" dirty="0"/>
+              <a:rPr lang="ru-RU" sz="2000" dirty="0"/>
               <a:t>Например</a:t>
             </a:r>
             <a:r>
-              <a:rPr lang="en-US" sz="3200" dirty="0"/>
+              <a:rPr lang="en-US" sz="2000" dirty="0"/>
               <a:t>:</a:t>
             </a:r>
           </a:p>
           <a:p>
             <a:pPr>
               <a:lnSpc>
-                <a:spcPct val="120000"/>
+                <a:spcPct val="100000"/>
               </a:lnSpc>
               <a:spcBef>
                 <a:spcPts val="500"/>
               </a:spcBef>
             </a:pPr>
             <a:r>
-              <a:rPr lang="ru-RU" sz="3200" dirty="0"/>
+              <a:rPr lang="ru-RU" sz="2000" dirty="0"/>
               <a:t>в лог обращений к веб-сервису полезно добавить I</a:t>
             </a:r>
             <a:r>
-              <a:rPr lang="en-US" sz="3200" dirty="0"/>
+              <a:rPr lang="en-US" sz="2000" dirty="0"/>
               <a:t>P</a:t>
             </a:r>
             <a:r>
-              <a:rPr lang="en" sz="3200" dirty="0"/>
+              <a:rPr lang="en" sz="2000" dirty="0"/>
               <a:t>-</a:t>
             </a:r>
             <a:r>
-              <a:rPr lang="ru-RU" sz="3200" dirty="0"/>
-              <a:t>адрес, с которого пришёл запрос,</a:t>
-            </a:r>
-            <a:endParaRPr lang="en-US" sz="3200" dirty="0"/>
+              <a:rPr lang="ru-RU" sz="2000" dirty="0"/>
+              <a:t>адрес, с которого пришёл запрос</a:t>
+            </a:r>
+            <a:br>
+              <a:rPr lang="ru-RU" sz="2000" dirty="0"/>
+            </a:br>
+            <a:r>
+              <a:rPr lang="en" sz="2000" noProof="1">
+                <a:solidFill>
+                  <a:schemeClr val="accent6">
+                    <a:lumMod val="50000"/>
+                  </a:schemeClr>
+                </a:solidFill>
+                <a:latin typeface="Consolas" panose="020B0609020204030204" pitchFamily="49" charset="0"/>
+                <a:cs typeface="Consolas" panose="020B0609020204030204" pitchFamily="49" charset="0"/>
+              </a:rPr>
+              <a:t>2023-09-14 14:22:45,329 172.0.0.1 GET /sitemap.xml 200</a:t>
+            </a:r>
+            <a:endParaRPr lang="en-US" sz="2000" dirty="0"/>
           </a:p>
           <a:p>
             <a:pPr>
               <a:lnSpc>
-                <a:spcPct val="120000"/>
+                <a:spcPct val="100000"/>
               </a:lnSpc>
               <a:spcBef>
                 <a:spcPts val="500"/>
               </a:spcBef>
             </a:pPr>
             <a:r>
-              <a:rPr lang="ru-RU" sz="3200" dirty="0"/>
+              <a:rPr lang="ru-RU" sz="2000" dirty="0"/>
               <a:t>в лог ошибок веб-краулера </a:t>
             </a:r>
             <a:r>
-              <a:rPr lang="en-US" sz="3200" dirty="0"/>
+              <a:rPr lang="en-US" sz="2000" dirty="0"/>
               <a:t>— </a:t>
             </a:r>
             <a:r>
-              <a:rPr lang="ru-RU" sz="3200" dirty="0"/>
+              <a:rPr lang="ru-RU" sz="2000" dirty="0"/>
               <a:t>хост, к которому происходило обращение</a:t>
             </a:r>
             <a:r>
-              <a:rPr lang="en-US" sz="3200" dirty="0"/>
+              <a:rPr lang="en-US" sz="2000" dirty="0"/>
               <a:t> </a:t>
             </a:r>
             <a:r>
-              <a:rPr lang="ru-RU" sz="3200" dirty="0"/>
+              <a:rPr lang="ru-RU" sz="2000" dirty="0"/>
               <a:t>и </a:t>
             </a:r>
             <a:r>
-              <a:rPr lang="en" sz="3200" dirty="0"/>
+              <a:rPr lang="en" sz="2000" dirty="0"/>
               <a:t>HTTP-</a:t>
             </a:r>
             <a:r>
-              <a:rPr lang="ru-RU" sz="3200" dirty="0"/>
-              <a:t>код ответа,</a:t>
-            </a:r>
-            <a:endParaRPr lang="en-US" sz="3200" dirty="0"/>
+              <a:rPr lang="ru-RU" sz="2000" dirty="0"/>
+              <a:t>код ответа</a:t>
+            </a:r>
+            <a:br>
+              <a:rPr lang="ru-RU" sz="2000" dirty="0"/>
+            </a:br>
+            <a:r>
+              <a:rPr lang="en" sz="2000" noProof="1">
+                <a:solidFill>
+                  <a:schemeClr val="accent6">
+                    <a:lumMod val="50000"/>
+                  </a:schemeClr>
+                </a:solidFill>
+                <a:latin typeface="Consolas" panose="020B0609020204030204" pitchFamily="49" charset="0"/>
+                <a:cs typeface="Consolas" panose="020B0609020204030204" pitchFamily="49" charset="0"/>
+              </a:rPr>
+              <a:t>2023-03-10 16:59:23,556 Request to https://boogle.com failed with 403</a:t>
+            </a:r>
+            <a:endParaRPr lang="en-US" sz="2000" dirty="0"/>
           </a:p>
           <a:p>
             <a:pPr>
               <a:lnSpc>
-                <a:spcPct val="120000"/>
+                <a:spcPct val="100000"/>
               </a:lnSpc>
               <a:spcBef>
                 <a:spcPts val="500"/>
               </a:spcBef>
             </a:pPr>
             <a:r>
-              <a:rPr lang="ru-RU" sz="3200" dirty="0"/>
+              <a:rPr lang="ru-RU" sz="2000" dirty="0"/>
               <a:t>в лог финансовых транзакций — </a:t>
             </a:r>
             <a:r>
-              <a:rPr lang="en" sz="3200" dirty="0"/>
+              <a:rPr lang="en" sz="2000" dirty="0"/>
               <a:t>id </a:t>
             </a:r>
             <a:r>
-              <a:rPr lang="ru-RU" sz="3200" dirty="0"/>
-              <a:t>транзакции, счета получателя и отправителя.</a:t>
-            </a:r>
-            <a:endParaRPr lang="en-US" sz="3200" dirty="0"/>
-          </a:p>
-          <a:p>
-            <a:pPr marL="0" indent="0" algn="l">
-              <a:lnSpc>
-                <a:spcPct val="120000"/>
-              </a:lnSpc>
-              <a:buNone/>
-            </a:pPr>
-            <a:r>
-              <a:rPr lang="en" noProof="1">
+              <a:rPr lang="ru-RU" sz="2000" dirty="0"/>
+              <a:t>транзакции, счета получателя и отправителя</a:t>
+            </a:r>
+            <a:br>
+              <a:rPr lang="ru-RU" sz="2000" dirty="0"/>
+            </a:br>
+            <a:r>
+              <a:rPr lang="en" sz="2000" noProof="1">
                 <a:solidFill>
                   <a:schemeClr val="accent6">
                     <a:lumMod val="50000"/>
@@ -24296,54 +25868,56 @@
                 <a:latin typeface="Consolas" panose="020B0609020204030204" pitchFamily="49" charset="0"/>
                 <a:cs typeface="Consolas" panose="020B0609020204030204" pitchFamily="49" charset="0"/>
               </a:rPr>
-              <a:t>2023-09-14 14:22:45,329 172.0.0.1 GET /sitemap.xml 200</a:t>
-            </a:r>
-            <a:br>
-              <a:rPr lang="en" noProof="1">
-                <a:solidFill>
-                  <a:schemeClr val="accent6">
-                    <a:lumMod val="50000"/>
-                  </a:schemeClr>
-                </a:solidFill>
-                <a:latin typeface="Consolas" panose="020B0609020204030204" pitchFamily="49" charset="0"/>
-                <a:cs typeface="Consolas" panose="020B0609020204030204" pitchFamily="49" charset="0"/>
-              </a:rPr>
-            </a:br>
-            <a:r>
-              <a:rPr lang="en" noProof="1">
-                <a:solidFill>
-                  <a:schemeClr val="accent6">
-                    <a:lumMod val="50000"/>
-                  </a:schemeClr>
-                </a:solidFill>
-                <a:latin typeface="Consolas" panose="020B0609020204030204" pitchFamily="49" charset="0"/>
-                <a:cs typeface="Consolas" panose="020B0609020204030204" pitchFamily="49" charset="0"/>
-              </a:rPr>
-              <a:t>2023-03-10 16:59:23,556 Request to https://boogle.com failed with 403</a:t>
-            </a:r>
-            <a:br>
-              <a:rPr lang="en" noProof="1">
-                <a:solidFill>
-                  <a:schemeClr val="accent6">
-                    <a:lumMod val="50000"/>
-                  </a:schemeClr>
-                </a:solidFill>
-                <a:latin typeface="Consolas" panose="020B0609020204030204" pitchFamily="49" charset="0"/>
-                <a:cs typeface="Consolas" panose="020B0609020204030204" pitchFamily="49" charset="0"/>
-              </a:rPr>
-            </a:br>
-            <a:r>
-              <a:rPr lang="en" noProof="1">
-                <a:solidFill>
-                  <a:schemeClr val="accent6">
-                    <a:lumMod val="50000"/>
-                  </a:schemeClr>
-                </a:solidFill>
-                <a:latin typeface="Consolas" panose="020B0609020204030204" pitchFamily="49" charset="0"/>
-                <a:cs typeface="Consolas" panose="020B0609020204030204" pitchFamily="49" charset="0"/>
-              </a:rPr>
-              <a:t>2023-02-19 00:19:18,831 Transaction 309841 successful: $ 100500 transferred from 940384 to 473923 </a:t>
-            </a:r>
+              <a:t>2023-02-19 00:19:18,831 Transaction 309841 successful: $100500 transferred from 940384 to 473923</a:t>
+            </a:r>
+            <a:endParaRPr lang="ru-RU" sz="2000" noProof="1">
+              <a:solidFill>
+                <a:schemeClr val="accent6">
+                  <a:lumMod val="50000"/>
+                </a:schemeClr>
+              </a:solidFill>
+              <a:latin typeface="Consolas" panose="020B0609020204030204" pitchFamily="49" charset="0"/>
+              <a:cs typeface="Consolas" panose="020B0609020204030204" pitchFamily="49" charset="0"/>
+            </a:endParaRPr>
+          </a:p>
+          <a:p>
+            <a:pPr>
+              <a:lnSpc>
+                <a:spcPct val="100000"/>
+              </a:lnSpc>
+              <a:spcBef>
+                <a:spcPts val="500"/>
+              </a:spcBef>
+            </a:pPr>
+            <a:r>
+              <a:rPr lang="ru-RU" sz="2000" noProof="1"/>
+              <a:t>в лог телеграм-бота — </a:t>
+            </a:r>
+            <a:r>
+              <a:rPr lang="en-US" sz="2000" noProof="1"/>
+              <a:t>telegram_id </a:t>
+            </a:r>
+            <a:r>
+              <a:rPr lang="ru-RU" sz="2000" noProof="1"/>
+              <a:t>пользователя и конкретный шаг </a:t>
+            </a:r>
+            <a:r>
+              <a:rPr lang="en-US" sz="2000" noProof="1"/>
+              <a:t>(</a:t>
+            </a:r>
+            <a:r>
+              <a:rPr lang="ru-RU" sz="2000" noProof="1"/>
+              <a:t>обработчик </a:t>
+            </a:r>
+            <a:r>
+              <a:rPr lang="en-US" sz="2000" noProof="1"/>
+              <a:t>/ handler), </a:t>
+            </a:r>
+            <a:r>
+              <a:rPr lang="ru-RU" sz="2000" noProof="1"/>
+              <a:t>который проходит пользователь в вашем боте</a:t>
+            </a:r>
+            <a:endParaRPr lang="en" sz="2000" noProof="1"/>
           </a:p>
         </p:txBody>
       </p:sp>

--- a/presentations/Logging.pptx
+++ b/presentations/Logging.pptx
@@ -28,25 +28,26 @@
     <p:sldId id="273" r:id="rId22"/>
     <p:sldId id="277" r:id="rId23"/>
     <p:sldId id="278" r:id="rId24"/>
-    <p:sldId id="279" r:id="rId25"/>
-    <p:sldId id="280" r:id="rId26"/>
-    <p:sldId id="281" r:id="rId27"/>
-    <p:sldId id="282" r:id="rId28"/>
-    <p:sldId id="283" r:id="rId29"/>
-    <p:sldId id="284" r:id="rId30"/>
-    <p:sldId id="285" r:id="rId31"/>
-    <p:sldId id="286" r:id="rId32"/>
-    <p:sldId id="287" r:id="rId33"/>
-    <p:sldId id="288" r:id="rId34"/>
-    <p:sldId id="289" r:id="rId35"/>
-    <p:sldId id="290" r:id="rId36"/>
-    <p:sldId id="291" r:id="rId37"/>
-    <p:sldId id="292" r:id="rId38"/>
-    <p:sldId id="293" r:id="rId39"/>
-    <p:sldId id="294" r:id="rId40"/>
-    <p:sldId id="295" r:id="rId41"/>
-    <p:sldId id="296" r:id="rId42"/>
-    <p:sldId id="297" r:id="rId43"/>
+    <p:sldId id="298" r:id="rId25"/>
+    <p:sldId id="279" r:id="rId26"/>
+    <p:sldId id="280" r:id="rId27"/>
+    <p:sldId id="281" r:id="rId28"/>
+    <p:sldId id="282" r:id="rId29"/>
+    <p:sldId id="283" r:id="rId30"/>
+    <p:sldId id="284" r:id="rId31"/>
+    <p:sldId id="285" r:id="rId32"/>
+    <p:sldId id="286" r:id="rId33"/>
+    <p:sldId id="287" r:id="rId34"/>
+    <p:sldId id="288" r:id="rId35"/>
+    <p:sldId id="289" r:id="rId36"/>
+    <p:sldId id="290" r:id="rId37"/>
+    <p:sldId id="291" r:id="rId38"/>
+    <p:sldId id="292" r:id="rId39"/>
+    <p:sldId id="293" r:id="rId40"/>
+    <p:sldId id="294" r:id="rId41"/>
+    <p:sldId id="295" r:id="rId42"/>
+    <p:sldId id="296" r:id="rId43"/>
+    <p:sldId id="297" r:id="rId44"/>
   </p:sldIdLst>
   <p:sldSz cx="12192000" cy="6858000"/>
   <p:notesSz cx="6858000" cy="9144000"/>
@@ -10918,6 +10919,171 @@
       </p:grpSpPr>
       <p:sp>
         <p:nvSpPr>
+          <p:cNvPr id="6" name="Прямоугольник 5">
+            <a:extLst>
+              <a:ext uri="{FF2B5EF4-FFF2-40B4-BE49-F238E27FC236}">
+                <a16:creationId xmlns:a16="http://schemas.microsoft.com/office/drawing/2014/main" id="{FDBE05C5-EEAB-2D14-E605-CF5828DF651E}"/>
+              </a:ext>
+            </a:extLst>
+          </p:cNvPr>
+          <p:cNvSpPr/>
+          <p:nvPr/>
+        </p:nvSpPr>
+        <p:spPr>
+          <a:xfrm>
+            <a:off x="710092" y="5365335"/>
+            <a:ext cx="11055922" cy="1221038"/>
+          </a:xfrm>
+          <a:prstGeom prst="rect">
+            <a:avLst/>
+          </a:prstGeom>
+          <a:solidFill>
+            <a:schemeClr val="accent3">
+              <a:lumMod val="20000"/>
+              <a:lumOff val="80000"/>
+            </a:schemeClr>
+          </a:solidFill>
+          <a:ln>
+            <a:noFill/>
+          </a:ln>
+        </p:spPr>
+        <p:style>
+          <a:lnRef idx="2">
+            <a:schemeClr val="accent1">
+              <a:shade val="15000"/>
+            </a:schemeClr>
+          </a:lnRef>
+          <a:fillRef idx="1">
+            <a:schemeClr val="accent1"/>
+          </a:fillRef>
+          <a:effectRef idx="0">
+            <a:schemeClr val="accent1"/>
+          </a:effectRef>
+          <a:fontRef idx="minor">
+            <a:schemeClr val="lt1"/>
+          </a:fontRef>
+        </p:style>
+        <p:txBody>
+          <a:bodyPr rtlCol="0" anchor="ctr"/>
+          <a:lstStyle/>
+          <a:p>
+            <a:pPr algn="ctr"/>
+            <a:endParaRPr lang="ru-RU" dirty="0"/>
+          </a:p>
+        </p:txBody>
+      </p:sp>
+      <p:sp>
+        <p:nvSpPr>
+          <p:cNvPr id="5" name="Прямоугольник 4">
+            <a:extLst>
+              <a:ext uri="{FF2B5EF4-FFF2-40B4-BE49-F238E27FC236}">
+                <a16:creationId xmlns:a16="http://schemas.microsoft.com/office/drawing/2014/main" id="{DC3AEFB7-5714-ECF9-EFB6-E690EC11855C}"/>
+              </a:ext>
+            </a:extLst>
+          </p:cNvPr>
+          <p:cNvSpPr/>
+          <p:nvPr/>
+        </p:nvSpPr>
+        <p:spPr>
+          <a:xfrm>
+            <a:off x="710093" y="3204195"/>
+            <a:ext cx="10332720" cy="1158485"/>
+          </a:xfrm>
+          <a:prstGeom prst="rect">
+            <a:avLst/>
+          </a:prstGeom>
+          <a:solidFill>
+            <a:schemeClr val="accent3">
+              <a:lumMod val="20000"/>
+              <a:lumOff val="80000"/>
+            </a:schemeClr>
+          </a:solidFill>
+          <a:ln>
+            <a:noFill/>
+          </a:ln>
+        </p:spPr>
+        <p:style>
+          <a:lnRef idx="2">
+            <a:schemeClr val="accent1">
+              <a:shade val="15000"/>
+            </a:schemeClr>
+          </a:lnRef>
+          <a:fillRef idx="1">
+            <a:schemeClr val="accent1"/>
+          </a:fillRef>
+          <a:effectRef idx="0">
+            <a:schemeClr val="accent1"/>
+          </a:effectRef>
+          <a:fontRef idx="minor">
+            <a:schemeClr val="lt1"/>
+          </a:fontRef>
+        </p:style>
+        <p:txBody>
+          <a:bodyPr rtlCol="0" anchor="ctr"/>
+          <a:lstStyle/>
+          <a:p>
+            <a:pPr algn="ctr"/>
+            <a:endParaRPr lang="ru-RU" dirty="0"/>
+          </a:p>
+        </p:txBody>
+      </p:sp>
+      <p:sp>
+        <p:nvSpPr>
+          <p:cNvPr id="4" name="Прямоугольник 3">
+            <a:extLst>
+              <a:ext uri="{FF2B5EF4-FFF2-40B4-BE49-F238E27FC236}">
+                <a16:creationId xmlns:a16="http://schemas.microsoft.com/office/drawing/2014/main" id="{C0D0CE08-1E5D-BBAD-BD87-E78E0B6108F8}"/>
+              </a:ext>
+            </a:extLst>
+          </p:cNvPr>
+          <p:cNvSpPr/>
+          <p:nvPr/>
+        </p:nvSpPr>
+        <p:spPr>
+          <a:xfrm>
+            <a:off x="711931" y="1454346"/>
+            <a:ext cx="10332720" cy="1299870"/>
+          </a:xfrm>
+          <a:prstGeom prst="rect">
+            <a:avLst/>
+          </a:prstGeom>
+          <a:solidFill>
+            <a:schemeClr val="accent3">
+              <a:lumMod val="20000"/>
+              <a:lumOff val="80000"/>
+            </a:schemeClr>
+          </a:solidFill>
+          <a:ln>
+            <a:noFill/>
+          </a:ln>
+        </p:spPr>
+        <p:style>
+          <a:lnRef idx="2">
+            <a:schemeClr val="accent1">
+              <a:shade val="15000"/>
+            </a:schemeClr>
+          </a:lnRef>
+          <a:fillRef idx="1">
+            <a:schemeClr val="accent1"/>
+          </a:fillRef>
+          <a:effectRef idx="0">
+            <a:schemeClr val="accent1"/>
+          </a:effectRef>
+          <a:fontRef idx="minor">
+            <a:schemeClr val="lt1"/>
+          </a:fontRef>
+        </p:style>
+        <p:txBody>
+          <a:bodyPr rtlCol="0" anchor="ctr"/>
+          <a:lstStyle/>
+          <a:p>
+            <a:pPr algn="ctr"/>
+            <a:endParaRPr lang="ru-RU" dirty="0"/>
+          </a:p>
+        </p:txBody>
+      </p:sp>
+      <p:sp>
+        <p:nvSpPr>
           <p:cNvPr id="2" name="Заголовок 1">
             <a:extLst>
               <a:ext uri="{FF2B5EF4-FFF2-40B4-BE49-F238E27FC236}">
@@ -10934,7 +11100,7 @@
         </p:nvSpPr>
         <p:spPr>
           <a:xfrm>
-            <a:off x="694979" y="166820"/>
+            <a:off x="683962" y="199871"/>
             <a:ext cx="10515600" cy="703513"/>
           </a:xfrm>
         </p:spPr>
@@ -11723,6 +11889,1104 @@
           <p:cNvPr id="2" name="Заголовок 1">
             <a:extLst>
               <a:ext uri="{FF2B5EF4-FFF2-40B4-BE49-F238E27FC236}">
+                <a16:creationId xmlns:a16="http://schemas.microsoft.com/office/drawing/2014/main" id="{40A65FAE-B2E6-71F7-E620-DD320A89A0F7}"/>
+              </a:ext>
+            </a:extLst>
+          </p:cNvPr>
+          <p:cNvSpPr>
+            <a:spLocks noGrp="1"/>
+          </p:cNvSpPr>
+          <p:nvPr>
+            <p:ph type="title"/>
+          </p:nvPr>
+        </p:nvSpPr>
+        <p:spPr>
+          <a:xfrm>
+            <a:off x="683045" y="279866"/>
+            <a:ext cx="5529549" cy="716444"/>
+          </a:xfrm>
+        </p:spPr>
+        <p:txBody>
+          <a:bodyPr>
+            <a:normAutofit/>
+          </a:bodyPr>
+          <a:lstStyle/>
+          <a:p>
+            <a:pPr algn="l"/>
+            <a:r>
+              <a:rPr lang="ru-RU" dirty="0"/>
+              <a:t>Атрибуты </a:t>
+            </a:r>
+            <a:r>
+              <a:rPr lang="en" noProof="1"/>
+              <a:t>LogRecord</a:t>
+            </a:r>
+          </a:p>
+        </p:txBody>
+      </p:sp>
+      <p:sp>
+        <p:nvSpPr>
+          <p:cNvPr id="3" name="Объект 2">
+            <a:extLst>
+              <a:ext uri="{FF2B5EF4-FFF2-40B4-BE49-F238E27FC236}">
+                <a16:creationId xmlns:a16="http://schemas.microsoft.com/office/drawing/2014/main" id="{31197348-BCEA-3919-79F9-0434D0F3EF0F}"/>
+              </a:ext>
+            </a:extLst>
+          </p:cNvPr>
+          <p:cNvSpPr>
+            <a:spLocks noGrp="1"/>
+          </p:cNvSpPr>
+          <p:nvPr>
+            <p:ph idx="1"/>
+          </p:nvPr>
+        </p:nvSpPr>
+        <p:spPr>
+          <a:xfrm>
+            <a:off x="683045" y="1149849"/>
+            <a:ext cx="6588087" cy="3389099"/>
+          </a:xfrm>
+        </p:spPr>
+        <p:txBody>
+          <a:bodyPr>
+            <a:noAutofit/>
+          </a:bodyPr>
+          <a:lstStyle/>
+          <a:p>
+            <a:pPr marL="0" indent="0">
+              <a:lnSpc>
+                <a:spcPct val="100000"/>
+              </a:lnSpc>
+              <a:buNone/>
+            </a:pPr>
+            <a:r>
+              <a:rPr lang="ru-RU" sz="2000" dirty="0"/>
+              <a:t>Функция </a:t>
+            </a:r>
+            <a:r>
+              <a:rPr lang="en" sz="2000" dirty="0"/>
+              <a:t>logging.basicConfig() </a:t>
+            </a:r>
+            <a:r>
+              <a:rPr lang="ru-RU" sz="2000" dirty="0"/>
+              <a:t>в модуле </a:t>
+            </a:r>
+            <a:r>
+              <a:rPr lang="en" sz="2000" dirty="0"/>
+              <a:t>logging </a:t>
+            </a:r>
+            <a:r>
+              <a:rPr lang="ru-RU" sz="2000" dirty="0"/>
+              <a:t>в </a:t>
+            </a:r>
+            <a:r>
+              <a:rPr lang="en" sz="2000" dirty="0"/>
+              <a:t>Python </a:t>
+            </a:r>
+            <a:r>
+              <a:rPr lang="ru-RU" sz="2000" dirty="0"/>
+              <a:t>поддерживает различные коды форматирования, которые можно использовать в аргументе </a:t>
+            </a:r>
+            <a:r>
+              <a:rPr lang="en" sz="2000" dirty="0"/>
+              <a:t>format </a:t>
+            </a:r>
+            <a:r>
+              <a:rPr lang="ru-RU" sz="2000" dirty="0"/>
+              <a:t>для определения формата вывода сообщений журнала. Ниже приведены некоторые распространенные коды форматирования.</a:t>
+            </a:r>
+          </a:p>
+          <a:p>
+            <a:pPr marL="0" indent="0" algn="l">
+              <a:lnSpc>
+                <a:spcPct val="100000"/>
+              </a:lnSpc>
+              <a:buNone/>
+            </a:pPr>
+            <a:r>
+              <a:rPr lang="ru-RU" sz="2000" dirty="0"/>
+              <a:t>Подробности в документации в разделе </a:t>
+            </a:r>
+            <a:r>
+              <a:rPr lang="en" sz="2000" dirty="0"/>
+              <a:t>LogRecord attributes</a:t>
+            </a:r>
+            <a:r>
+              <a:rPr lang="ru-RU" sz="2000" dirty="0"/>
+              <a:t>.</a:t>
+            </a:r>
+          </a:p>
+          <a:p>
+            <a:pPr marL="0" indent="0" algn="l">
+              <a:lnSpc>
+                <a:spcPct val="100000"/>
+              </a:lnSpc>
+              <a:buNone/>
+            </a:pPr>
+            <a:r>
+              <a:rPr lang="ru-RU" sz="1800" b="0" i="0" dirty="0">
+                <a:solidFill>
+                  <a:schemeClr val="accent5">
+                    <a:lumMod val="50000"/>
+                  </a:schemeClr>
+                </a:solidFill>
+                <a:effectLst/>
+                <a:latin typeface="-apple-system"/>
+              </a:rPr>
+              <a:t>Помимо использования кодов форматирования в функции </a:t>
+            </a:r>
+            <a:r>
+              <a:rPr lang="en" sz="1800" dirty="0">
+                <a:solidFill>
+                  <a:schemeClr val="accent5">
+                    <a:lumMod val="50000"/>
+                  </a:schemeClr>
+                </a:solidFill>
+              </a:rPr>
+              <a:t>logging.basicConfig()</a:t>
+            </a:r>
+            <a:r>
+              <a:rPr lang="en" sz="1800" b="0" i="0" dirty="0">
+                <a:solidFill>
+                  <a:schemeClr val="accent5">
+                    <a:lumMod val="50000"/>
+                  </a:schemeClr>
+                </a:solidFill>
+                <a:effectLst/>
+                <a:latin typeface="-apple-system"/>
+              </a:rPr>
+              <a:t>, </a:t>
+            </a:r>
+            <a:r>
+              <a:rPr lang="ru-RU" sz="1800" b="0" i="0" dirty="0">
+                <a:solidFill>
+                  <a:schemeClr val="accent5">
+                    <a:lumMod val="50000"/>
+                  </a:schemeClr>
+                </a:solidFill>
+                <a:effectLst/>
+                <a:latin typeface="-apple-system"/>
+              </a:rPr>
+              <a:t>модуль </a:t>
+            </a:r>
+            <a:r>
+              <a:rPr lang="en" sz="1800" dirty="0">
+                <a:solidFill>
+                  <a:schemeClr val="accent5">
+                    <a:lumMod val="50000"/>
+                  </a:schemeClr>
+                </a:solidFill>
+              </a:rPr>
+              <a:t>logging</a:t>
+            </a:r>
+            <a:r>
+              <a:rPr lang="en" sz="1800" b="0" i="0" dirty="0">
+                <a:solidFill>
+                  <a:schemeClr val="accent5">
+                    <a:lumMod val="50000"/>
+                  </a:schemeClr>
+                </a:solidFill>
+                <a:effectLst/>
+                <a:latin typeface="-apple-system"/>
+              </a:rPr>
+              <a:t> </a:t>
+            </a:r>
+            <a:r>
+              <a:rPr lang="ru-RU" sz="1800" b="0" i="0" dirty="0">
+                <a:solidFill>
+                  <a:schemeClr val="accent5">
+                    <a:lumMod val="50000"/>
+                  </a:schemeClr>
+                </a:solidFill>
+                <a:effectLst/>
+                <a:latin typeface="-apple-system"/>
+              </a:rPr>
+              <a:t>предоставляет и другие способы настройки форматирования логов:</a:t>
+            </a:r>
+            <a:endParaRPr lang="en" sz="1800" dirty="0">
+              <a:solidFill>
+                <a:schemeClr val="accent5">
+                  <a:lumMod val="50000"/>
+                </a:schemeClr>
+              </a:solidFill>
+            </a:endParaRPr>
+          </a:p>
+        </p:txBody>
+      </p:sp>
+      <p:graphicFrame>
+        <p:nvGraphicFramePr>
+          <p:cNvPr id="4" name="Таблица 3">
+            <a:extLst>
+              <a:ext uri="{FF2B5EF4-FFF2-40B4-BE49-F238E27FC236}">
+                <a16:creationId xmlns:a16="http://schemas.microsoft.com/office/drawing/2014/main" id="{74E94283-F3D8-6268-8A2E-3FCCF5BF81B3}"/>
+              </a:ext>
+            </a:extLst>
+          </p:cNvPr>
+          <p:cNvGraphicFramePr>
+            <a:graphicFrameLocks noGrp="1"/>
+          </p:cNvGraphicFramePr>
+          <p:nvPr>
+            <p:extLst>
+              <p:ext uri="{D42A27DB-BD31-4B8C-83A1-F6EECF244321}">
+                <p14:modId xmlns:p14="http://schemas.microsoft.com/office/powerpoint/2010/main" val="2529769466"/>
+              </p:ext>
+            </p:extLst>
+          </p:nvPr>
+        </p:nvGraphicFramePr>
+        <p:xfrm>
+          <a:off x="7370284" y="365126"/>
+          <a:ext cx="4726236" cy="6260428"/>
+        </p:xfrm>
+        <a:graphic>
+          <a:graphicData uri="http://schemas.openxmlformats.org/drawingml/2006/table">
+            <a:tbl>
+              <a:tblPr firstRow="1" bandRow="1">
+                <a:tableStyleId>{5C22544A-7EE6-4342-B048-85BDC9FD1C3A}</a:tableStyleId>
+              </a:tblPr>
+              <a:tblGrid>
+                <a:gridCol w="1859333">
+                  <a:extLst>
+                    <a:ext uri="{9D8B030D-6E8A-4147-A177-3AD203B41FA5}">
+                      <a16:colId xmlns:a16="http://schemas.microsoft.com/office/drawing/2014/main" val="3746698310"/>
+                    </a:ext>
+                  </a:extLst>
+                </a:gridCol>
+                <a:gridCol w="2866903">
+                  <a:extLst>
+                    <a:ext uri="{9D8B030D-6E8A-4147-A177-3AD203B41FA5}">
+                      <a16:colId xmlns:a16="http://schemas.microsoft.com/office/drawing/2014/main" val="178792592"/>
+                    </a:ext>
+                  </a:extLst>
+                </a:gridCol>
+              </a:tblGrid>
+              <a:tr h="433437">
+                <a:tc>
+                  <a:txBody>
+                    <a:bodyPr/>
+                    <a:lstStyle/>
+                    <a:p>
+                      <a:r>
+                        <a:rPr lang="ru-RU" dirty="0"/>
+                        <a:t>Атрибут</a:t>
+                      </a:r>
+                    </a:p>
+                  </a:txBody>
+                  <a:tcPr/>
+                </a:tc>
+                <a:tc>
+                  <a:txBody>
+                    <a:bodyPr/>
+                    <a:lstStyle/>
+                    <a:p>
+                      <a:r>
+                        <a:rPr lang="ru-RU" dirty="0"/>
+                        <a:t>Значение</a:t>
+                      </a:r>
+                    </a:p>
+                  </a:txBody>
+                  <a:tcPr/>
+                </a:tc>
+                <a:extLst>
+                  <a:ext uri="{0D108BD9-81ED-4DB2-BD59-A6C34878D82A}">
+                    <a16:rowId xmlns:a16="http://schemas.microsoft.com/office/drawing/2014/main" val="1396727933"/>
+                  </a:ext>
+                </a:extLst>
+              </a:tr>
+              <a:tr h="498986">
+                <a:tc>
+                  <a:txBody>
+                    <a:bodyPr/>
+                    <a:lstStyle/>
+                    <a:p>
+                      <a:r>
+                        <a:rPr lang="en" noProof="1"/>
+                        <a:t>%(asctime)s</a:t>
+                      </a:r>
+                      <a:endParaRPr lang="ru-RU" noProof="1"/>
+                    </a:p>
+                  </a:txBody>
+                  <a:tcPr/>
+                </a:tc>
+                <a:tc>
+                  <a:txBody>
+                    <a:bodyPr/>
+                    <a:lstStyle/>
+                    <a:p>
+                      <a:r>
+                        <a:rPr lang="ru-RU" sz="1800" b="0" i="0" kern="1200" dirty="0">
+                          <a:solidFill>
+                            <a:schemeClr val="dk1"/>
+                          </a:solidFill>
+                          <a:effectLst/>
+                          <a:latin typeface="+mn-lt"/>
+                          <a:ea typeface="+mn-ea"/>
+                          <a:cs typeface="+mn-cs"/>
+                        </a:rPr>
+                        <a:t>Время создания сообщения журнала</a:t>
+                      </a:r>
+                      <a:endParaRPr lang="ru-RU" dirty="0"/>
+                    </a:p>
+                  </a:txBody>
+                  <a:tcPr marT="18000" marB="18000"/>
+                </a:tc>
+                <a:extLst>
+                  <a:ext uri="{0D108BD9-81ED-4DB2-BD59-A6C34878D82A}">
+                    <a16:rowId xmlns:a16="http://schemas.microsoft.com/office/drawing/2014/main" val="138393362"/>
+                  </a:ext>
+                </a:extLst>
+              </a:tr>
+              <a:tr h="433437">
+                <a:tc>
+                  <a:txBody>
+                    <a:bodyPr/>
+                    <a:lstStyle/>
+                    <a:p>
+                      <a:r>
+                        <a:rPr lang="en" sz="1800" b="0" i="0" kern="1200" noProof="1">
+                          <a:solidFill>
+                            <a:schemeClr val="dk1"/>
+                          </a:solidFill>
+                          <a:effectLst/>
+                          <a:latin typeface="+mn-lt"/>
+                          <a:ea typeface="+mn-ea"/>
+                          <a:cs typeface="+mn-cs"/>
+                        </a:rPr>
+                        <a:t>%(levelname)s</a:t>
+                      </a:r>
+                      <a:endParaRPr lang="ru-RU" noProof="1"/>
+                    </a:p>
+                  </a:txBody>
+                  <a:tcPr/>
+                </a:tc>
+                <a:tc>
+                  <a:txBody>
+                    <a:bodyPr/>
+                    <a:lstStyle/>
+                    <a:p>
+                      <a:r>
+                        <a:rPr lang="ru-RU" sz="1800" b="0" i="0" kern="1200" dirty="0">
+                          <a:solidFill>
+                            <a:schemeClr val="dk1"/>
+                          </a:solidFill>
+                          <a:effectLst/>
+                          <a:latin typeface="+mn-lt"/>
+                          <a:ea typeface="+mn-ea"/>
+                          <a:cs typeface="+mn-cs"/>
+                        </a:rPr>
+                        <a:t>Уровень сообщения журнала</a:t>
+                      </a:r>
+                      <a:endParaRPr lang="ru-RU" dirty="0"/>
+                    </a:p>
+                  </a:txBody>
+                  <a:tcPr marT="18000" marB="18000"/>
+                </a:tc>
+                <a:extLst>
+                  <a:ext uri="{0D108BD9-81ED-4DB2-BD59-A6C34878D82A}">
+                    <a16:rowId xmlns:a16="http://schemas.microsoft.com/office/drawing/2014/main" val="2616218061"/>
+                  </a:ext>
+                </a:extLst>
+              </a:tr>
+              <a:tr h="433437">
+                <a:tc>
+                  <a:txBody>
+                    <a:bodyPr/>
+                    <a:lstStyle/>
+                    <a:p>
+                      <a:r>
+                        <a:rPr lang="ru-RU" sz="1800" b="0" i="0" kern="1200" noProof="1">
+                          <a:solidFill>
+                            <a:schemeClr val="dk1"/>
+                          </a:solidFill>
+                          <a:effectLst/>
+                          <a:latin typeface="+mn-lt"/>
+                          <a:ea typeface="+mn-ea"/>
+                          <a:cs typeface="+mn-cs"/>
+                        </a:rPr>
+                        <a:t>%(</a:t>
+                      </a:r>
+                      <a:r>
+                        <a:rPr lang="en" sz="1800" b="0" i="0" kern="1200" noProof="1">
+                          <a:solidFill>
+                            <a:schemeClr val="dk1"/>
+                          </a:solidFill>
+                          <a:effectLst/>
+                          <a:latin typeface="+mn-lt"/>
+                          <a:ea typeface="+mn-ea"/>
+                          <a:cs typeface="+mn-cs"/>
+                        </a:rPr>
+                        <a:t>levelno</a:t>
+                      </a:r>
+                      <a:r>
+                        <a:rPr lang="ru-RU" sz="1800" b="0" i="0" kern="1200" noProof="1">
+                          <a:solidFill>
+                            <a:schemeClr val="dk1"/>
+                          </a:solidFill>
+                          <a:effectLst/>
+                          <a:latin typeface="+mn-lt"/>
+                          <a:ea typeface="+mn-ea"/>
+                          <a:cs typeface="+mn-cs"/>
+                        </a:rPr>
+                        <a:t>)</a:t>
+                      </a:r>
+                      <a:r>
+                        <a:rPr lang="en-US" sz="1800" b="0" i="0" kern="1200" noProof="1">
+                          <a:solidFill>
+                            <a:schemeClr val="dk1"/>
+                          </a:solidFill>
+                          <a:effectLst/>
+                          <a:latin typeface="+mn-lt"/>
+                          <a:ea typeface="+mn-ea"/>
+                          <a:cs typeface="+mn-cs"/>
+                        </a:rPr>
+                        <a:t>s</a:t>
+                      </a:r>
+                      <a:endParaRPr lang="ru-RU" noProof="1"/>
+                    </a:p>
+                  </a:txBody>
+                  <a:tcPr/>
+                </a:tc>
+                <a:tc>
+                  <a:txBody>
+                    <a:bodyPr/>
+                    <a:lstStyle/>
+                    <a:p>
+                      <a:r>
+                        <a:rPr lang="ru-RU" sz="1800" b="0" i="0" kern="1200" dirty="0">
+                          <a:solidFill>
+                            <a:schemeClr val="dk1"/>
+                          </a:solidFill>
+                          <a:effectLst/>
+                          <a:latin typeface="+mn-lt"/>
+                          <a:ea typeface="+mn-ea"/>
+                          <a:cs typeface="+mn-cs"/>
+                        </a:rPr>
+                        <a:t>Число с </a:t>
+                      </a:r>
+                      <a:r>
+                        <a:rPr lang="ru-RU" sz="1800" b="0" i="0" kern="1200" noProof="0" dirty="0">
+                          <a:solidFill>
+                            <a:schemeClr val="dk1"/>
+                          </a:solidFill>
+                          <a:effectLst/>
+                          <a:latin typeface="+mn-lt"/>
+                          <a:ea typeface="+mn-ea"/>
+                          <a:cs typeface="+mn-cs"/>
+                        </a:rPr>
+                        <a:t>уровнем</a:t>
+                      </a:r>
+                      <a:r>
+                        <a:rPr lang="ru-RU" sz="1800" b="0" i="0" kern="1200" dirty="0">
+                          <a:solidFill>
+                            <a:schemeClr val="dk1"/>
+                          </a:solidFill>
+                          <a:effectLst/>
+                          <a:latin typeface="+mn-lt"/>
+                          <a:ea typeface="+mn-ea"/>
+                          <a:cs typeface="+mn-cs"/>
+                        </a:rPr>
+                        <a:t> логирования</a:t>
+                      </a:r>
+                      <a:endParaRPr lang="ru-RU" dirty="0"/>
+                    </a:p>
+                  </a:txBody>
+                  <a:tcPr marT="18000" marB="18000"/>
+                </a:tc>
+                <a:extLst>
+                  <a:ext uri="{0D108BD9-81ED-4DB2-BD59-A6C34878D82A}">
+                    <a16:rowId xmlns:a16="http://schemas.microsoft.com/office/drawing/2014/main" val="2600069464"/>
+                  </a:ext>
+                </a:extLst>
+              </a:tr>
+              <a:tr h="433437">
+                <a:tc>
+                  <a:txBody>
+                    <a:bodyPr/>
+                    <a:lstStyle/>
+                    <a:p>
+                      <a:r>
+                        <a:rPr lang="en" sz="1800" b="0" i="0" kern="1200" noProof="1">
+                          <a:solidFill>
+                            <a:schemeClr val="dk1"/>
+                          </a:solidFill>
+                          <a:effectLst/>
+                          <a:latin typeface="+mn-lt"/>
+                          <a:ea typeface="+mn-ea"/>
+                          <a:cs typeface="+mn-cs"/>
+                        </a:rPr>
+                        <a:t>%(message)s</a:t>
+                      </a:r>
+                      <a:endParaRPr lang="ru-RU" noProof="1"/>
+                    </a:p>
+                  </a:txBody>
+                  <a:tcPr/>
+                </a:tc>
+                <a:tc>
+                  <a:txBody>
+                    <a:bodyPr/>
+                    <a:lstStyle/>
+                    <a:p>
+                      <a:r>
+                        <a:rPr lang="ru-RU" sz="1800" b="0" i="0" kern="1200" dirty="0">
+                          <a:solidFill>
+                            <a:schemeClr val="dk1"/>
+                          </a:solidFill>
+                          <a:effectLst/>
+                          <a:latin typeface="+mn-lt"/>
+                          <a:ea typeface="+mn-ea"/>
+                          <a:cs typeface="+mn-cs"/>
+                        </a:rPr>
+                        <a:t>Текст сообщения журнала</a:t>
+                      </a:r>
+                      <a:endParaRPr lang="ru-RU" dirty="0"/>
+                    </a:p>
+                  </a:txBody>
+                  <a:tcPr marT="18000" marB="18000"/>
+                </a:tc>
+                <a:extLst>
+                  <a:ext uri="{0D108BD9-81ED-4DB2-BD59-A6C34878D82A}">
+                    <a16:rowId xmlns:a16="http://schemas.microsoft.com/office/drawing/2014/main" val="1607714384"/>
+                  </a:ext>
+                </a:extLst>
+              </a:tr>
+              <a:tr h="498986">
+                <a:tc>
+                  <a:txBody>
+                    <a:bodyPr/>
+                    <a:lstStyle/>
+                    <a:p>
+                      <a:r>
+                        <a:rPr lang="en" sz="1800" b="0" i="0" kern="1200" noProof="1">
+                          <a:solidFill>
+                            <a:schemeClr val="dk1"/>
+                          </a:solidFill>
+                          <a:effectLst/>
+                          <a:latin typeface="+mn-lt"/>
+                          <a:ea typeface="+mn-ea"/>
+                          <a:cs typeface="+mn-cs"/>
+                        </a:rPr>
+                        <a:t>%(name)s</a:t>
+                      </a:r>
+                      <a:endParaRPr lang="ru-RU" noProof="1"/>
+                    </a:p>
+                  </a:txBody>
+                  <a:tcPr/>
+                </a:tc>
+                <a:tc>
+                  <a:txBody>
+                    <a:bodyPr/>
+                    <a:lstStyle/>
+                    <a:p>
+                      <a:r>
+                        <a:rPr lang="ru-RU" sz="1800" b="0" i="0" kern="1200" dirty="0">
+                          <a:solidFill>
+                            <a:schemeClr val="dk1"/>
+                          </a:solidFill>
+                          <a:effectLst/>
+                          <a:latin typeface="+mn-lt"/>
+                          <a:ea typeface="+mn-ea"/>
+                          <a:cs typeface="+mn-cs"/>
+                        </a:rPr>
+                        <a:t>Имя логгера (который создал запись)</a:t>
+                      </a:r>
+                      <a:endParaRPr lang="ru-RU" dirty="0"/>
+                    </a:p>
+                  </a:txBody>
+                  <a:tcPr marT="18000" marB="18000"/>
+                </a:tc>
+                <a:extLst>
+                  <a:ext uri="{0D108BD9-81ED-4DB2-BD59-A6C34878D82A}">
+                    <a16:rowId xmlns:a16="http://schemas.microsoft.com/office/drawing/2014/main" val="2190452920"/>
+                  </a:ext>
+                </a:extLst>
+              </a:tr>
+              <a:tr h="547030">
+                <a:tc>
+                  <a:txBody>
+                    <a:bodyPr/>
+                    <a:lstStyle/>
+                    <a:p>
+                      <a:r>
+                        <a:rPr lang="en" sz="1800" b="0" i="0" kern="1200" noProof="1">
+                          <a:solidFill>
+                            <a:schemeClr val="dk1"/>
+                          </a:solidFill>
+                          <a:effectLst/>
+                          <a:latin typeface="+mn-lt"/>
+                          <a:ea typeface="+mn-ea"/>
+                          <a:cs typeface="+mn-cs"/>
+                        </a:rPr>
+                        <a:t>%(filename)s</a:t>
+                      </a:r>
+                      <a:endParaRPr lang="ru-RU" noProof="1"/>
+                    </a:p>
+                  </a:txBody>
+                  <a:tcPr/>
+                </a:tc>
+                <a:tc>
+                  <a:txBody>
+                    <a:bodyPr/>
+                    <a:lstStyle/>
+                    <a:p>
+                      <a:r>
+                        <a:rPr lang="ru-RU" sz="1800" b="0" i="0" kern="1200" dirty="0">
+                          <a:solidFill>
+                            <a:schemeClr val="dk1"/>
+                          </a:solidFill>
+                          <a:effectLst/>
+                          <a:latin typeface="+mn-lt"/>
+                          <a:ea typeface="+mn-ea"/>
+                          <a:cs typeface="+mn-cs"/>
+                        </a:rPr>
+                        <a:t>Имя файла</a:t>
+                      </a:r>
+                      <a:endParaRPr lang="ru-RU" dirty="0"/>
+                    </a:p>
+                  </a:txBody>
+                  <a:tcPr marT="18000" marB="18000"/>
+                </a:tc>
+                <a:extLst>
+                  <a:ext uri="{0D108BD9-81ED-4DB2-BD59-A6C34878D82A}">
+                    <a16:rowId xmlns:a16="http://schemas.microsoft.com/office/drawing/2014/main" val="2354753722"/>
+                  </a:ext>
+                </a:extLst>
+              </a:tr>
+              <a:tr h="547030">
+                <a:tc>
+                  <a:txBody>
+                    <a:bodyPr/>
+                    <a:lstStyle/>
+                    <a:p>
+                      <a:r>
+                        <a:rPr lang="en" sz="1800" b="0" i="0" kern="1200" noProof="1">
+                          <a:solidFill>
+                            <a:schemeClr val="dk1"/>
+                          </a:solidFill>
+                          <a:effectLst/>
+                          <a:latin typeface="+mn-lt"/>
+                          <a:ea typeface="+mn-ea"/>
+                          <a:cs typeface="+mn-cs"/>
+                        </a:rPr>
+                        <a:t>%(module)s</a:t>
+                      </a:r>
+                      <a:endParaRPr lang="ru-RU" noProof="1"/>
+                    </a:p>
+                  </a:txBody>
+                  <a:tcPr/>
+                </a:tc>
+                <a:tc>
+                  <a:txBody>
+                    <a:bodyPr/>
+                    <a:lstStyle/>
+                    <a:p>
+                      <a:r>
+                        <a:rPr lang="ru-RU" sz="1800" b="0" i="0" kern="1200" dirty="0">
+                          <a:solidFill>
+                            <a:schemeClr val="dk1"/>
+                          </a:solidFill>
+                          <a:effectLst/>
+                          <a:latin typeface="+mn-lt"/>
+                          <a:ea typeface="+mn-ea"/>
+                          <a:cs typeface="+mn-cs"/>
+                        </a:rPr>
+                        <a:t>Имя модуля</a:t>
+                      </a:r>
+                      <a:endParaRPr lang="ru-RU" dirty="0"/>
+                    </a:p>
+                  </a:txBody>
+                  <a:tcPr marT="18000" marB="18000"/>
+                </a:tc>
+                <a:extLst>
+                  <a:ext uri="{0D108BD9-81ED-4DB2-BD59-A6C34878D82A}">
+                    <a16:rowId xmlns:a16="http://schemas.microsoft.com/office/drawing/2014/main" val="3269757544"/>
+                  </a:ext>
+                </a:extLst>
+              </a:tr>
+              <a:tr h="547030">
+                <a:tc>
+                  <a:txBody>
+                    <a:bodyPr/>
+                    <a:lstStyle/>
+                    <a:p>
+                      <a:r>
+                        <a:rPr lang="en" sz="1800" b="0" i="0" kern="1200" noProof="1">
+                          <a:solidFill>
+                            <a:schemeClr val="dk1"/>
+                          </a:solidFill>
+                          <a:effectLst/>
+                          <a:latin typeface="+mn-lt"/>
+                          <a:ea typeface="+mn-ea"/>
+                          <a:cs typeface="+mn-cs"/>
+                        </a:rPr>
+                        <a:t>%(lineno)d</a:t>
+                      </a:r>
+                      <a:endParaRPr lang="ru-RU" noProof="1"/>
+                    </a:p>
+                  </a:txBody>
+                  <a:tcPr/>
+                </a:tc>
+                <a:tc>
+                  <a:txBody>
+                    <a:bodyPr/>
+                    <a:lstStyle/>
+                    <a:p>
+                      <a:r>
+                        <a:rPr lang="ru-RU" sz="1800" b="0" i="0" kern="1200" dirty="0">
+                          <a:solidFill>
+                            <a:schemeClr val="dk1"/>
+                          </a:solidFill>
+                          <a:effectLst/>
+                          <a:latin typeface="+mn-lt"/>
+                          <a:ea typeface="+mn-ea"/>
+                          <a:cs typeface="+mn-cs"/>
+                        </a:rPr>
+                        <a:t>Номер строки</a:t>
+                      </a:r>
+                      <a:endParaRPr lang="ru-RU" dirty="0"/>
+                    </a:p>
+                  </a:txBody>
+                  <a:tcPr marT="18000" marB="18000"/>
+                </a:tc>
+                <a:extLst>
+                  <a:ext uri="{0D108BD9-81ED-4DB2-BD59-A6C34878D82A}">
+                    <a16:rowId xmlns:a16="http://schemas.microsoft.com/office/drawing/2014/main" val="690931974"/>
+                  </a:ext>
+                </a:extLst>
+              </a:tr>
+              <a:tr h="547030">
+                <a:tc>
+                  <a:txBody>
+                    <a:bodyPr/>
+                    <a:lstStyle/>
+                    <a:p>
+                      <a:r>
+                        <a:rPr lang="en" sz="1800" b="0" i="0" kern="1200" noProof="1">
+                          <a:solidFill>
+                            <a:schemeClr val="dk1"/>
+                          </a:solidFill>
+                          <a:effectLst/>
+                          <a:latin typeface="+mn-lt"/>
+                          <a:ea typeface="+mn-ea"/>
+                          <a:cs typeface="+mn-cs"/>
+                        </a:rPr>
+                        <a:t>%(funcName)s</a:t>
+                      </a:r>
+                      <a:endParaRPr lang="ru-RU" noProof="1"/>
+                    </a:p>
+                  </a:txBody>
+                  <a:tcPr/>
+                </a:tc>
+                <a:tc>
+                  <a:txBody>
+                    <a:bodyPr/>
+                    <a:lstStyle/>
+                    <a:p>
+                      <a:r>
+                        <a:rPr lang="ru-RU" sz="1800" b="0" i="0" kern="1200" dirty="0">
+                          <a:solidFill>
+                            <a:schemeClr val="dk1"/>
+                          </a:solidFill>
+                          <a:effectLst/>
+                          <a:latin typeface="+mn-lt"/>
+                          <a:ea typeface="+mn-ea"/>
+                          <a:cs typeface="+mn-cs"/>
+                        </a:rPr>
+                        <a:t>Имя функции</a:t>
+                      </a:r>
+                      <a:endParaRPr lang="ru-RU" dirty="0"/>
+                    </a:p>
+                  </a:txBody>
+                  <a:tcPr marT="18000" marB="18000"/>
+                </a:tc>
+                <a:extLst>
+                  <a:ext uri="{0D108BD9-81ED-4DB2-BD59-A6C34878D82A}">
+                    <a16:rowId xmlns:a16="http://schemas.microsoft.com/office/drawing/2014/main" val="499819354"/>
+                  </a:ext>
+                </a:extLst>
+              </a:tr>
+              <a:tr h="433437">
+                <a:tc>
+                  <a:txBody>
+                    <a:bodyPr/>
+                    <a:lstStyle/>
+                    <a:p>
+                      <a:r>
+                        <a:rPr lang="en" sz="1800" b="0" i="0" kern="1200" noProof="1">
+                          <a:solidFill>
+                            <a:schemeClr val="dk1"/>
+                          </a:solidFill>
+                          <a:effectLst/>
+                          <a:latin typeface="+mn-lt"/>
+                          <a:ea typeface="+mn-ea"/>
+                          <a:cs typeface="+mn-cs"/>
+                        </a:rPr>
+                        <a:t>%(process)d</a:t>
+                      </a:r>
+                      <a:endParaRPr lang="ru-RU" noProof="1"/>
+                    </a:p>
+                  </a:txBody>
+                  <a:tcPr/>
+                </a:tc>
+                <a:tc>
+                  <a:txBody>
+                    <a:bodyPr/>
+                    <a:lstStyle/>
+                    <a:p>
+                      <a:r>
+                        <a:rPr lang="en-US" dirty="0"/>
+                        <a:t>ID </a:t>
+                      </a:r>
+                      <a:r>
+                        <a:rPr lang="ru-RU" dirty="0"/>
+                        <a:t>процесса</a:t>
+                      </a:r>
+                    </a:p>
+                  </a:txBody>
+                  <a:tcPr marT="18000" marB="18000"/>
+                </a:tc>
+                <a:extLst>
+                  <a:ext uri="{0D108BD9-81ED-4DB2-BD59-A6C34878D82A}">
+                    <a16:rowId xmlns:a16="http://schemas.microsoft.com/office/drawing/2014/main" val="3603769763"/>
+                  </a:ext>
+                </a:extLst>
+              </a:tr>
+              <a:tr h="433437">
+                <a:tc>
+                  <a:txBody>
+                    <a:bodyPr/>
+                    <a:lstStyle/>
+                    <a:p>
+                      <a:r>
+                        <a:rPr lang="en" sz="1800" b="0" i="0" kern="1200" noProof="1">
+                          <a:solidFill>
+                            <a:schemeClr val="dk1"/>
+                          </a:solidFill>
+                          <a:effectLst/>
+                          <a:latin typeface="+mn-lt"/>
+                          <a:ea typeface="+mn-ea"/>
+                          <a:cs typeface="+mn-cs"/>
+                        </a:rPr>
+                        <a:t>%(processName)s</a:t>
+                      </a:r>
+                      <a:endParaRPr lang="ru-RU" noProof="1"/>
+                    </a:p>
+                  </a:txBody>
+                  <a:tcPr/>
+                </a:tc>
+                <a:tc>
+                  <a:txBody>
+                    <a:bodyPr/>
+                    <a:lstStyle/>
+                    <a:p>
+                      <a:r>
+                        <a:rPr lang="ru-RU" dirty="0"/>
+                        <a:t>Имя процесса</a:t>
+                      </a:r>
+                    </a:p>
+                  </a:txBody>
+                  <a:tcPr marT="18000" marB="18000"/>
+                </a:tc>
+                <a:extLst>
+                  <a:ext uri="{0D108BD9-81ED-4DB2-BD59-A6C34878D82A}">
+                    <a16:rowId xmlns:a16="http://schemas.microsoft.com/office/drawing/2014/main" val="2845287673"/>
+                  </a:ext>
+                </a:extLst>
+              </a:tr>
+            </a:tbl>
+          </a:graphicData>
+        </a:graphic>
+      </p:graphicFrame>
+      <p:sp>
+        <p:nvSpPr>
+          <p:cNvPr id="5" name="TextBox 4">
+            <a:extLst>
+              <a:ext uri="{FF2B5EF4-FFF2-40B4-BE49-F238E27FC236}">
+                <a16:creationId xmlns:a16="http://schemas.microsoft.com/office/drawing/2014/main" id="{A19876B8-2D14-0D5E-802D-76B525FB3063}"/>
+              </a:ext>
+            </a:extLst>
+          </p:cNvPr>
+          <p:cNvSpPr txBox="1"/>
+          <p:nvPr/>
+        </p:nvSpPr>
+        <p:spPr>
+          <a:xfrm>
+            <a:off x="683045" y="4692487"/>
+            <a:ext cx="6588087" cy="2031325"/>
+          </a:xfrm>
+          <a:prstGeom prst="rect">
+            <a:avLst/>
+          </a:prstGeom>
+          <a:solidFill>
+            <a:schemeClr val="accent3">
+              <a:lumMod val="20000"/>
+              <a:lumOff val="80000"/>
+            </a:schemeClr>
+          </a:solidFill>
+        </p:spPr>
+        <p:txBody>
+          <a:bodyPr wrap="square" rtlCol="0">
+            <a:spAutoFit/>
+          </a:bodyPr>
+          <a:lstStyle/>
+          <a:p>
+            <a:r>
+              <a:rPr lang="en" sz="1800" noProof="1">
+                <a:latin typeface="Consolas" panose="020B0609020204030204" pitchFamily="49" charset="0"/>
+                <a:cs typeface="Consolas" panose="020B0609020204030204" pitchFamily="49" charset="0"/>
+              </a:rPr>
+              <a:t>formatter = logging.Formatter(</a:t>
+            </a:r>
+            <a:br>
+              <a:rPr lang="ru-RU" sz="1800" noProof="1">
+                <a:latin typeface="Consolas" panose="020B0609020204030204" pitchFamily="49" charset="0"/>
+                <a:cs typeface="Consolas" panose="020B0609020204030204" pitchFamily="49" charset="0"/>
+              </a:rPr>
+            </a:br>
+            <a:r>
+              <a:rPr lang="ru-RU" sz="1800" noProof="1">
+                <a:latin typeface="Consolas" panose="020B0609020204030204" pitchFamily="49" charset="0"/>
+                <a:cs typeface="Consolas" panose="020B0609020204030204" pitchFamily="49" charset="0"/>
+              </a:rPr>
+              <a:t>    </a:t>
+            </a:r>
+            <a:r>
+              <a:rPr lang="en" sz="1800" noProof="1">
+                <a:solidFill>
+                  <a:srgbClr val="0070C0"/>
+                </a:solidFill>
+                <a:effectLst/>
+                <a:latin typeface="Consolas" panose="020B0609020204030204" pitchFamily="49" charset="0"/>
+                <a:cs typeface="Consolas" panose="020B0609020204030204" pitchFamily="49" charset="0"/>
+              </a:rPr>
+              <a:t>'%(asctime)s - %(levelname)s - %(message)s'</a:t>
+            </a:r>
+            <a:br>
+              <a:rPr lang="ru-RU" sz="1800" noProof="1">
+                <a:solidFill>
+                  <a:srgbClr val="ABE338"/>
+                </a:solidFill>
+                <a:effectLst/>
+                <a:latin typeface="Consolas" panose="020B0609020204030204" pitchFamily="49" charset="0"/>
+                <a:cs typeface="Consolas" panose="020B0609020204030204" pitchFamily="49" charset="0"/>
+              </a:rPr>
+            </a:br>
+            <a:r>
+              <a:rPr lang="en" sz="1800" noProof="1">
+                <a:latin typeface="Consolas" panose="020B0609020204030204" pitchFamily="49" charset="0"/>
+                <a:cs typeface="Consolas" panose="020B0609020204030204" pitchFamily="49" charset="0"/>
+              </a:rPr>
+              <a:t>)</a:t>
+            </a:r>
+            <a:br>
+              <a:rPr lang="ru-RU" sz="1800" noProof="1">
+                <a:latin typeface="Consolas" panose="020B0609020204030204" pitchFamily="49" charset="0"/>
+                <a:cs typeface="Consolas" panose="020B0609020204030204" pitchFamily="49" charset="0"/>
+              </a:rPr>
+            </a:br>
+            <a:r>
+              <a:rPr lang="en" sz="1800" noProof="1">
+                <a:latin typeface="Consolas" panose="020B0609020204030204" pitchFamily="49" charset="0"/>
+                <a:cs typeface="Consolas" panose="020B0609020204030204" pitchFamily="49" charset="0"/>
+              </a:rPr>
+              <a:t>logger = logging.getLogger(</a:t>
+            </a:r>
+            <a:r>
+              <a:rPr lang="en" sz="1800" noProof="1">
+                <a:solidFill>
+                  <a:srgbClr val="0070C0"/>
+                </a:solidFill>
+                <a:effectLst/>
+                <a:latin typeface="Consolas" panose="020B0609020204030204" pitchFamily="49" charset="0"/>
+                <a:cs typeface="Consolas" panose="020B0609020204030204" pitchFamily="49" charset="0"/>
+              </a:rPr>
+              <a:t>'my_logger'</a:t>
+            </a:r>
+            <a:r>
+              <a:rPr lang="en" sz="1800" noProof="1">
+                <a:latin typeface="Consolas" panose="020B0609020204030204" pitchFamily="49" charset="0"/>
+                <a:cs typeface="Consolas" panose="020B0609020204030204" pitchFamily="49" charset="0"/>
+              </a:rPr>
+              <a:t>)</a:t>
+            </a:r>
+            <a:br>
+              <a:rPr lang="ru-RU" sz="1800" noProof="1">
+                <a:latin typeface="Consolas" panose="020B0609020204030204" pitchFamily="49" charset="0"/>
+                <a:cs typeface="Consolas" panose="020B0609020204030204" pitchFamily="49" charset="0"/>
+              </a:rPr>
+            </a:br>
+            <a:r>
+              <a:rPr lang="en" sz="1800" noProof="1">
+                <a:latin typeface="Consolas" panose="020B0609020204030204" pitchFamily="49" charset="0"/>
+                <a:cs typeface="Consolas" panose="020B0609020204030204" pitchFamily="49" charset="0"/>
+              </a:rPr>
+              <a:t>handler = logging.StreamHandler()</a:t>
+            </a:r>
+            <a:br>
+              <a:rPr lang="ru-RU" sz="1800" noProof="1">
+                <a:latin typeface="Consolas" panose="020B0609020204030204" pitchFamily="49" charset="0"/>
+                <a:cs typeface="Consolas" panose="020B0609020204030204" pitchFamily="49" charset="0"/>
+              </a:rPr>
+            </a:br>
+            <a:r>
+              <a:rPr lang="en" sz="1800" noProof="1">
+                <a:latin typeface="Consolas" panose="020B0609020204030204" pitchFamily="49" charset="0"/>
+                <a:cs typeface="Consolas" panose="020B0609020204030204" pitchFamily="49" charset="0"/>
+              </a:rPr>
+              <a:t>handler.setFormatter(formatter)</a:t>
+            </a:r>
+            <a:br>
+              <a:rPr lang="ru-RU" sz="1800" noProof="1">
+                <a:latin typeface="Consolas" panose="020B0609020204030204" pitchFamily="49" charset="0"/>
+                <a:cs typeface="Consolas" panose="020B0609020204030204" pitchFamily="49" charset="0"/>
+              </a:rPr>
+            </a:br>
+            <a:r>
+              <a:rPr lang="en" sz="1800" noProof="1">
+                <a:latin typeface="Consolas" panose="020B0609020204030204" pitchFamily="49" charset="0"/>
+                <a:cs typeface="Consolas" panose="020B0609020204030204" pitchFamily="49" charset="0"/>
+              </a:rPr>
+              <a:t>logger.addHandler(handler)</a:t>
+            </a:r>
+            <a:endParaRPr lang="en" sz="2800" noProof="1">
+              <a:latin typeface="Consolas" panose="020B0609020204030204" pitchFamily="49" charset="0"/>
+              <a:cs typeface="Consolas" panose="020B0609020204030204" pitchFamily="49" charset="0"/>
+            </a:endParaRPr>
+          </a:p>
+        </p:txBody>
+      </p:sp>
+    </p:spTree>
+    <p:extLst>
+      <p:ext uri="{BB962C8B-B14F-4D97-AF65-F5344CB8AC3E}">
+        <p14:creationId xmlns:p14="http://schemas.microsoft.com/office/powerpoint/2010/main" val="1787674274"/>
+      </p:ext>
+    </p:extLst>
+  </p:cSld>
+  <p:clrMapOvr>
+    <a:masterClrMapping/>
+  </p:clrMapOvr>
+</p:sld>
+</file>
+
+<file path=ppt/slides/slide25.xml><?xml version="1.0" encoding="utf-8"?>
+<p:sld xmlns:a="http://schemas.openxmlformats.org/drawingml/2006/main" xmlns:r="http://schemas.openxmlformats.org/officeDocument/2006/relationships" xmlns:p="http://schemas.openxmlformats.org/presentationml/2006/main">
+  <p:cSld>
+    <p:spTree>
+      <p:nvGrpSpPr>
+        <p:cNvPr id="1" name=""/>
+        <p:cNvGrpSpPr/>
+        <p:nvPr/>
+      </p:nvGrpSpPr>
+      <p:grpSpPr>
+        <a:xfrm>
+          <a:off x="0" y="0"/>
+          <a:ext cx="0" cy="0"/>
+          <a:chOff x="0" y="0"/>
+          <a:chExt cx="0" cy="0"/>
+        </a:xfrm>
+      </p:grpSpPr>
+      <p:sp>
+        <p:nvSpPr>
+          <p:cNvPr id="2" name="Заголовок 1">
+            <a:extLst>
+              <a:ext uri="{FF2B5EF4-FFF2-40B4-BE49-F238E27FC236}">
                 <a16:creationId xmlns:a16="http://schemas.microsoft.com/office/drawing/2014/main" id="{92762C40-E00D-F950-6B6C-97A61E6FDE9C}"/>
               </a:ext>
             </a:extLst>
@@ -11734,7 +12998,12 @@
             <p:ph type="title"/>
           </p:nvPr>
         </p:nvSpPr>
-        <p:spPr/>
+        <p:spPr>
+          <a:xfrm>
+            <a:off x="838200" y="243942"/>
+            <a:ext cx="10515600" cy="842352"/>
+          </a:xfrm>
+        </p:spPr>
         <p:txBody>
           <a:bodyPr>
             <a:normAutofit/>
@@ -11769,7 +13038,12 @@
             <p:ph idx="1"/>
           </p:nvPr>
         </p:nvSpPr>
-        <p:spPr/>
+        <p:spPr>
+          <a:xfrm>
+            <a:off x="838200" y="1344057"/>
+            <a:ext cx="10013414" cy="5354197"/>
+          </a:xfrm>
+        </p:spPr>
         <p:txBody>
           <a:bodyPr>
             <a:normAutofit fontScale="70000" lnSpcReduction="20000"/>
@@ -11943,11 +13217,37 @@
               <a:t>который передаётся между этими компонентами в соответствии с заданной конфигурацией.</a:t>
             </a:r>
           </a:p>
-          <a:p>
-            <a:endParaRPr lang="ru-RU" dirty="0"/>
-          </a:p>
         </p:txBody>
       </p:sp>
+      <p:pic>
+        <p:nvPicPr>
+          <p:cNvPr id="7" name="Рисунок 6">
+            <a:extLst>
+              <a:ext uri="{FF2B5EF4-FFF2-40B4-BE49-F238E27FC236}">
+                <a16:creationId xmlns:a16="http://schemas.microsoft.com/office/drawing/2014/main" id="{DADE0D9C-E5E2-9925-ED83-6BC8E214B4DD}"/>
+              </a:ext>
+            </a:extLst>
+          </p:cNvPr>
+          <p:cNvPicPr>
+            <a:picLocks noChangeAspect="1"/>
+          </p:cNvPicPr>
+          <p:nvPr/>
+        </p:nvPicPr>
+        <p:blipFill rotWithShape="1">
+          <a:blip r:embed="rId2"/>
+          <a:srcRect l="2970" t="2583" r="12376" b="8702"/>
+          <a:stretch/>
+        </p:blipFill>
+        <p:spPr>
+          <a:xfrm>
+            <a:off x="10708395" y="3155302"/>
+            <a:ext cx="1483605" cy="2160337"/>
+          </a:xfrm>
+          <a:prstGeom prst="rect">
+            <a:avLst/>
+          </a:prstGeom>
+        </p:spPr>
+      </p:pic>
     </p:spTree>
     <p:extLst>
       <p:ext uri="{BB962C8B-B14F-4D97-AF65-F5344CB8AC3E}">
@@ -11961,7 +13261,7 @@
 </p:sld>
 </file>
 
-<file path=ppt/slides/slide25.xml><?xml version="1.0" encoding="utf-8"?>
+<file path=ppt/slides/slide26.xml><?xml version="1.0" encoding="utf-8"?>
 <p:sld xmlns:a="http://schemas.openxmlformats.org/drawingml/2006/main" xmlns:r="http://schemas.openxmlformats.org/officeDocument/2006/relationships" xmlns:p="http://schemas.openxmlformats.org/presentationml/2006/main">
   <p:cSld>
     <p:spTree>
@@ -11997,11 +13297,13 @@
         <p:spPr>
           <a:xfrm>
             <a:off x="838200" y="127620"/>
-            <a:ext cx="10515600" cy="842352"/>
+            <a:ext cx="10515600" cy="863898"/>
           </a:xfrm>
         </p:spPr>
         <p:txBody>
-          <a:bodyPr/>
+          <a:bodyPr>
+            <a:normAutofit/>
+          </a:bodyPr>
           <a:lstStyle/>
           <a:p>
             <a:r>
@@ -12034,236 +13336,249 @@
         </p:nvSpPr>
         <p:spPr>
           <a:xfrm>
-            <a:off x="838200" y="969972"/>
-            <a:ext cx="10515600" cy="5656459"/>
+            <a:off x="838200" y="1079653"/>
+            <a:ext cx="7600720" cy="5650727"/>
           </a:xfrm>
         </p:spPr>
         <p:txBody>
           <a:bodyPr>
-            <a:normAutofit fontScale="62500" lnSpcReduction="20000"/>
+            <a:noAutofit/>
           </a:bodyPr>
           <a:lstStyle/>
           <a:p>
             <a:pPr marL="0" indent="0" algn="l">
               <a:lnSpc>
-                <a:spcPct val="120000"/>
+                <a:spcPct val="100000"/>
               </a:lnSpc>
               <a:buNone/>
             </a:pPr>
             <a:r>
-              <a:rPr lang="ru-RU" dirty="0"/>
+              <a:rPr lang="ru-RU" sz="2000" dirty="0"/>
               <a:t>Класс </a:t>
             </a:r>
             <a:r>
-              <a:rPr lang="en" dirty="0"/>
+              <a:rPr lang="en" sz="2000" dirty="0"/>
               <a:t>Logger </a:t>
             </a:r>
             <a:r>
-              <a:rPr lang="ru-RU" dirty="0"/>
-              <a:t>предоставляет приложению методы для конфигурирования и собственно логирования сообщения. Полученные сообщения он фильтрует в соответствии с уровнем критичности и заданными фильтрами. И отфильтрованные сообщения отправляет в соответствующие обработчики.</a:t>
+              <a:rPr lang="ru-RU" sz="2000" dirty="0"/>
+              <a:t>предоставляет приложению методы для </a:t>
+            </a:r>
+            <a:r>
+              <a:rPr lang="ru-RU" sz="2000" b="1" dirty="0"/>
+              <a:t>конфигурирования</a:t>
+            </a:r>
+            <a:r>
+              <a:rPr lang="ru-RU" sz="2000" dirty="0"/>
+              <a:t> и собственно </a:t>
+            </a:r>
+            <a:r>
+              <a:rPr lang="ru-RU" sz="2000" b="1" dirty="0"/>
+              <a:t>логирования</a:t>
+            </a:r>
+            <a:r>
+              <a:rPr lang="ru-RU" sz="2000" dirty="0"/>
+              <a:t> сообщения. Полученные сообщения он </a:t>
+            </a:r>
+            <a:r>
+              <a:rPr lang="ru-RU" sz="2000" b="1" dirty="0"/>
+              <a:t>фильтрует</a:t>
+            </a:r>
+            <a:r>
+              <a:rPr lang="ru-RU" sz="2000" dirty="0"/>
+              <a:t> в соответствии с </a:t>
+            </a:r>
+            <a:r>
+              <a:rPr lang="ru-RU" sz="2000" b="1" dirty="0"/>
+              <a:t>уровнем критичности</a:t>
+            </a:r>
+            <a:r>
+              <a:rPr lang="ru-RU" sz="2000" dirty="0"/>
+              <a:t> и заданными фильтрами. И отфильтрованные сообщения отправляет в соответствующие обработчики.</a:t>
             </a:r>
           </a:p>
           <a:p>
             <a:pPr marL="0" indent="0" algn="l">
               <a:lnSpc>
-                <a:spcPct val="120000"/>
+                <a:spcPct val="100000"/>
               </a:lnSpc>
               <a:buNone/>
             </a:pPr>
             <a:r>
-              <a:rPr lang="ru-RU" dirty="0"/>
-              <a:t>Каждый экземпляр класса </a:t>
-            </a:r>
-            <a:r>
-              <a:rPr lang="en" dirty="0"/>
-              <a:t>Logger </a:t>
-            </a:r>
-            <a:r>
-              <a:rPr lang="ru-RU" dirty="0"/>
-              <a:t>имеет имя, эти имена организуются в иерархию используя </a:t>
-            </a:r>
-            <a:r>
-              <a:rPr lang="en-US" dirty="0"/>
+              <a:rPr lang="ru-RU" sz="2000" dirty="0"/>
+              <a:t>Каждый </a:t>
+            </a:r>
+            <a:r>
+              <a:rPr lang="ru-RU" sz="2000" b="1" dirty="0"/>
+              <a:t>экземпляр</a:t>
+            </a:r>
+            <a:r>
+              <a:rPr lang="ru-RU" sz="2000" dirty="0"/>
+              <a:t> класса </a:t>
+            </a:r>
+            <a:r>
+              <a:rPr lang="en" sz="2000" b="1" dirty="0"/>
+              <a:t>Logger</a:t>
+            </a:r>
+            <a:r>
+              <a:rPr lang="en" sz="2000" dirty="0"/>
+              <a:t> </a:t>
+            </a:r>
+            <a:r>
+              <a:rPr lang="ru-RU" sz="2000" b="1" dirty="0"/>
+              <a:t>имеет имя</a:t>
+            </a:r>
+            <a:r>
+              <a:rPr lang="ru-RU" sz="2000" dirty="0"/>
+              <a:t>, эти имена организуются в </a:t>
+            </a:r>
+            <a:r>
+              <a:rPr lang="ru-RU" sz="2000" b="1" dirty="0"/>
+              <a:t>иерархию</a:t>
+            </a:r>
+            <a:r>
+              <a:rPr lang="ru-RU" sz="2000" dirty="0"/>
+              <a:t> используя </a:t>
+            </a:r>
+            <a:r>
+              <a:rPr lang="en-US" sz="2000" dirty="0"/>
               <a:t>«</a:t>
             </a:r>
             <a:r>
-              <a:rPr lang="ru-RU" b="1" dirty="0"/>
+              <a:rPr lang="ru-RU" sz="2000" b="1" dirty="0"/>
               <a:t>.</a:t>
             </a:r>
             <a:r>
-              <a:rPr lang="en-US" dirty="0"/>
+              <a:rPr lang="en-US" sz="2000" dirty="0"/>
               <a:t>»</a:t>
             </a:r>
             <a:r>
-              <a:rPr lang="ru-RU" dirty="0"/>
+              <a:rPr lang="ru-RU" sz="2000" dirty="0"/>
               <a:t> как разделитель. Например, </a:t>
             </a:r>
             <a:r>
-              <a:rPr lang="en" dirty="0"/>
+              <a:rPr lang="en" sz="2000" dirty="0"/>
               <a:t>file </a:t>
             </a:r>
             <a:r>
-              <a:rPr lang="ru-RU" dirty="0"/>
+              <a:rPr lang="ru-RU" sz="2000" dirty="0"/>
               <a:t>будет родителем для </a:t>
             </a:r>
             <a:r>
-              <a:rPr lang="en" noProof="1"/>
+              <a:rPr lang="en" sz="2000" noProof="1"/>
               <a:t>file.error, file.access</a:t>
             </a:r>
             <a:r>
-              <a:rPr lang="en" dirty="0"/>
+              <a:rPr lang="en" sz="2000" dirty="0"/>
               <a:t>. </a:t>
             </a:r>
             <a:r>
-              <a:rPr lang="ru-RU" dirty="0"/>
+              <a:rPr lang="ru-RU" sz="2000" dirty="0"/>
               <a:t>В корне иерархии находится логгер с именем </a:t>
             </a:r>
             <a:r>
-              <a:rPr lang="en" dirty="0"/>
+              <a:rPr lang="en" sz="2000" dirty="0"/>
               <a:t>root (</a:t>
             </a:r>
             <a:r>
-              <a:rPr lang="ru-RU" dirty="0"/>
+              <a:rPr lang="ru-RU" sz="2000" dirty="0"/>
               <a:t>это тот самый </a:t>
             </a:r>
             <a:r>
-              <a:rPr lang="en" dirty="0"/>
+              <a:rPr lang="en" sz="2000" dirty="0"/>
               <a:t>root, </a:t>
             </a:r>
             <a:r>
-              <a:rPr lang="ru-RU" dirty="0"/>
+              <a:rPr lang="ru-RU" sz="2000" dirty="0"/>
               <a:t>который по умолчанию выводится в сообщениях).</a:t>
             </a:r>
           </a:p>
           <a:p>
             <a:pPr marL="0" indent="0" algn="l">
               <a:lnSpc>
-                <a:spcPct val="120000"/>
+                <a:spcPct val="100000"/>
               </a:lnSpc>
               <a:buNone/>
             </a:pPr>
             <a:r>
-              <a:rPr lang="ru-RU" dirty="0"/>
+              <a:rPr lang="ru-RU" sz="2000" dirty="0"/>
               <a:t>Один из принятых вариантов — создавать логгеры на уровне модуля и называть их соответствующим образом:</a:t>
             </a:r>
           </a:p>
           <a:p>
             <a:pPr marL="0" indent="0" algn="l">
               <a:lnSpc>
-                <a:spcPct val="120000"/>
+                <a:spcPct val="100000"/>
               </a:lnSpc>
               <a:buNone/>
             </a:pPr>
             <a:r>
-              <a:rPr lang="en" noProof="1">
-                <a:latin typeface="Consolas" panose="020B0609020204030204" pitchFamily="49" charset="0"/>
-                <a:cs typeface="Consolas" panose="020B0609020204030204" pitchFamily="49" charset="0"/>
-              </a:rPr>
-              <a:t>logger = logging.getLogger(__name__) </a:t>
+              <a:rPr lang="en" sz="2000" noProof="1">
+                <a:latin typeface="Consolas" panose="020B0609020204030204" pitchFamily="49" charset="0"/>
+                <a:cs typeface="Consolas" panose="020B0609020204030204" pitchFamily="49" charset="0"/>
+              </a:rPr>
+              <a:t>logger = logging.getLogger(__name__)</a:t>
             </a:r>
           </a:p>
           <a:p>
             <a:pPr marL="0" indent="0" algn="l">
               <a:lnSpc>
-                <a:spcPct val="120000"/>
+                <a:spcPct val="100000"/>
               </a:lnSpc>
               <a:buNone/>
             </a:pPr>
             <a:r>
-              <a:rPr lang="ru-RU" dirty="0"/>
+              <a:rPr lang="ru-RU" sz="2000" dirty="0"/>
               <a:t>В таком случае в сообщениях лога вместо </a:t>
             </a:r>
             <a:r>
-              <a:rPr lang="en" dirty="0">
+              <a:rPr lang="en" sz="2000" dirty="0">
                 <a:latin typeface="Consolas" panose="020B0609020204030204" pitchFamily="49" charset="0"/>
                 <a:cs typeface="Consolas" panose="020B0609020204030204" pitchFamily="49" charset="0"/>
               </a:rPr>
               <a:t>root</a:t>
             </a:r>
             <a:r>
-              <a:rPr lang="en" dirty="0"/>
+              <a:rPr lang="en" sz="2000" dirty="0"/>
               <a:t> </a:t>
             </a:r>
             <a:r>
-              <a:rPr lang="ru-RU" dirty="0"/>
+              <a:rPr lang="ru-RU" sz="2000" dirty="0"/>
               <a:t>будет выводиться имя модуля, из которого сообщение записано.</a:t>
-            </a:r>
-          </a:p>
-          <a:p>
-            <a:pPr marL="0" indent="0" algn="l">
-              <a:lnSpc>
-                <a:spcPct val="120000"/>
-              </a:lnSpc>
-              <a:buNone/>
-            </a:pPr>
-            <a:r>
-              <a:rPr lang="ru-RU" dirty="0"/>
-              <a:t>Методы конфигурирования:</a:t>
-            </a:r>
-          </a:p>
-          <a:p>
-            <a:pPr algn="l">
-              <a:lnSpc>
-                <a:spcPct val="120000"/>
-              </a:lnSpc>
-              <a:buFont typeface="Arial" panose="020B0604020202020204" pitchFamily="34" charset="0"/>
-              <a:buChar char="•"/>
-            </a:pPr>
-            <a:r>
-              <a:rPr lang="en" noProof="1">
-                <a:latin typeface="Consolas" panose="020B0609020204030204" pitchFamily="49" charset="0"/>
-                <a:cs typeface="Consolas" panose="020B0609020204030204" pitchFamily="49" charset="0"/>
-              </a:rPr>
-              <a:t>Logger.setLevel()</a:t>
-            </a:r>
-            <a:r>
-              <a:rPr lang="en" dirty="0"/>
-              <a:t> — </a:t>
-            </a:r>
-            <a:r>
-              <a:rPr lang="ru-RU" dirty="0"/>
-              <a:t>устанавливает самый низкий уровень критичности сообщений, которые логгер будет обрабатывать;</a:t>
-            </a:r>
-          </a:p>
-          <a:p>
-            <a:pPr algn="l">
-              <a:lnSpc>
-                <a:spcPct val="120000"/>
-              </a:lnSpc>
-              <a:buFont typeface="Arial" panose="020B0604020202020204" pitchFamily="34" charset="0"/>
-              <a:buChar char="•"/>
-            </a:pPr>
-            <a:r>
-              <a:rPr lang="en" noProof="1">
-                <a:latin typeface="Consolas" panose="020B0609020204030204" pitchFamily="49" charset="0"/>
-                <a:cs typeface="Consolas" panose="020B0609020204030204" pitchFamily="49" charset="0"/>
-              </a:rPr>
-              <a:t>Logger.addHandler(), Logger.removeHandler(), Logger.addFilter(),</a:t>
-            </a:r>
-            <a:br>
-              <a:rPr lang="en" noProof="1">
-                <a:latin typeface="Consolas" panose="020B0609020204030204" pitchFamily="49" charset="0"/>
-                <a:cs typeface="Consolas" panose="020B0609020204030204" pitchFamily="49" charset="0"/>
-              </a:rPr>
-            </a:br>
-            <a:r>
-              <a:rPr lang="en" noProof="1">
-                <a:latin typeface="Consolas" panose="020B0609020204030204" pitchFamily="49" charset="0"/>
-                <a:cs typeface="Consolas" panose="020B0609020204030204" pitchFamily="49" charset="0"/>
-              </a:rPr>
-              <a:t>Logger.removeFilter()</a:t>
-            </a:r>
-            <a:r>
-              <a:rPr lang="en" dirty="0"/>
-              <a:t> — </a:t>
-            </a:r>
-            <a:r>
-              <a:rPr lang="ru-RU" dirty="0"/>
-              <a:t>добавляют и удаляют соответственно обработчики и фильтры.</a:t>
             </a:r>
           </a:p>
         </p:txBody>
       </p:sp>
+      <p:pic>
+        <p:nvPicPr>
+          <p:cNvPr id="5" name="Рисунок 4">
+            <a:extLst>
+              <a:ext uri="{FF2B5EF4-FFF2-40B4-BE49-F238E27FC236}">
+                <a16:creationId xmlns:a16="http://schemas.microsoft.com/office/drawing/2014/main" id="{B5ED839A-6065-2060-C60B-2B6485CF6726}"/>
+              </a:ext>
+            </a:extLst>
+          </p:cNvPr>
+          <p:cNvPicPr>
+            <a:picLocks noChangeAspect="1"/>
+          </p:cNvPicPr>
+          <p:nvPr/>
+        </p:nvPicPr>
+        <p:blipFill>
+          <a:blip r:embed="rId2"/>
+          <a:stretch>
+            <a:fillRect/>
+          </a:stretch>
+        </p:blipFill>
+        <p:spPr>
+          <a:xfrm>
+            <a:off x="8438920" y="1953531"/>
+            <a:ext cx="3753080" cy="2743480"/>
+          </a:xfrm>
+          <a:prstGeom prst="rect">
+            <a:avLst/>
+          </a:prstGeom>
+        </p:spPr>
+      </p:pic>
     </p:spTree>
     <p:extLst>
       <p:ext uri="{BB962C8B-B14F-4D97-AF65-F5344CB8AC3E}">
@@ -12277,7 +13592,7 @@
 </p:sld>
 </file>
 
-<file path=ppt/slides/slide26.xml><?xml version="1.0" encoding="utf-8"?>
+<file path=ppt/slides/slide27.xml><?xml version="1.0" encoding="utf-8"?>
 <p:sld xmlns:a="http://schemas.openxmlformats.org/drawingml/2006/main" xmlns:r="http://schemas.openxmlformats.org/officeDocument/2006/relationships" xmlns:p="http://schemas.openxmlformats.org/presentationml/2006/main">
   <p:cSld>
     <p:spTree>
@@ -12310,7 +13625,12 @@
             <p:ph type="title"/>
           </p:nvPr>
         </p:nvSpPr>
-        <p:spPr/>
+        <p:spPr>
+          <a:xfrm>
+            <a:off x="838200" y="166823"/>
+            <a:ext cx="10515600" cy="703510"/>
+          </a:xfrm>
+        </p:spPr>
         <p:txBody>
           <a:bodyPr/>
           <a:lstStyle/>
@@ -12343,12 +13663,97 @@
             <p:ph idx="1"/>
           </p:nvPr>
         </p:nvSpPr>
-        <p:spPr/>
+        <p:spPr>
+          <a:xfrm>
+            <a:off x="838200" y="1002535"/>
+            <a:ext cx="10515600" cy="5688642"/>
+          </a:xfrm>
+        </p:spPr>
         <p:txBody>
           <a:bodyPr>
-            <a:normAutofit fontScale="62500" lnSpcReduction="20000"/>
+            <a:normAutofit fontScale="55000" lnSpcReduction="20000"/>
           </a:bodyPr>
           <a:lstStyle/>
+          <a:p>
+            <a:pPr marL="0" indent="0" algn="l">
+              <a:lnSpc>
+                <a:spcPct val="100000"/>
+              </a:lnSpc>
+              <a:buNone/>
+            </a:pPr>
+            <a:r>
+              <a:rPr lang="ru-RU" sz="2800" dirty="0"/>
+              <a:t>Методы конфигурирования:</a:t>
+            </a:r>
+          </a:p>
+          <a:p>
+            <a:pPr algn="l">
+              <a:lnSpc>
+                <a:spcPct val="100000"/>
+              </a:lnSpc>
+              <a:spcBef>
+                <a:spcPts val="500"/>
+              </a:spcBef>
+              <a:buFont typeface="Arial" panose="020B0604020202020204" pitchFamily="34" charset="0"/>
+              <a:buChar char="•"/>
+            </a:pPr>
+            <a:r>
+              <a:rPr lang="en" sz="2800" noProof="1">
+                <a:latin typeface="Consolas" panose="020B0609020204030204" pitchFamily="49" charset="0"/>
+                <a:cs typeface="Consolas" panose="020B0609020204030204" pitchFamily="49" charset="0"/>
+              </a:rPr>
+              <a:t>Logger.setLevel()</a:t>
+            </a:r>
+            <a:r>
+              <a:rPr lang="en" sz="2800" dirty="0"/>
+              <a:t> — </a:t>
+            </a:r>
+            <a:r>
+              <a:rPr lang="ru-RU" sz="2800" dirty="0"/>
+              <a:t>устанавливает самый низкий уровень критичности сообщений, которые логгер будет обрабатывать;</a:t>
+            </a:r>
+          </a:p>
+          <a:p>
+            <a:pPr algn="l">
+              <a:lnSpc>
+                <a:spcPct val="100000"/>
+              </a:lnSpc>
+              <a:spcBef>
+                <a:spcPts val="500"/>
+              </a:spcBef>
+              <a:buFont typeface="Arial" panose="020B0604020202020204" pitchFamily="34" charset="0"/>
+              <a:buChar char="•"/>
+            </a:pPr>
+            <a:r>
+              <a:rPr lang="en" sz="2800" noProof="1">
+                <a:latin typeface="Consolas" panose="020B0609020204030204" pitchFamily="49" charset="0"/>
+                <a:cs typeface="Consolas" panose="020B0609020204030204" pitchFamily="49" charset="0"/>
+              </a:rPr>
+              <a:t>Logger.addHandler(), Logger.removeHandler(), Logger.addFilter(),</a:t>
+            </a:r>
+            <a:br>
+              <a:rPr lang="en" sz="2800" noProof="1">
+                <a:latin typeface="Consolas" panose="020B0609020204030204" pitchFamily="49" charset="0"/>
+                <a:cs typeface="Consolas" panose="020B0609020204030204" pitchFamily="49" charset="0"/>
+              </a:rPr>
+            </a:br>
+            <a:r>
+              <a:rPr lang="en" sz="2800" noProof="1">
+                <a:latin typeface="Consolas" panose="020B0609020204030204" pitchFamily="49" charset="0"/>
+                <a:cs typeface="Consolas" panose="020B0609020204030204" pitchFamily="49" charset="0"/>
+              </a:rPr>
+              <a:t>Logger.removeFilter()</a:t>
+            </a:r>
+            <a:r>
+              <a:rPr lang="en" sz="2800" dirty="0"/>
+              <a:t> — </a:t>
+            </a:r>
+            <a:r>
+              <a:rPr lang="ru-RU" sz="2800" dirty="0"/>
+              <a:t>добавляют и удаляют соответственно обработчики и фильтры.</a:t>
+            </a:r>
+            <a:endParaRPr lang="en-US" dirty="0"/>
+          </a:p>
           <a:p>
             <a:pPr marL="0" indent="0" algn="l">
               <a:lnSpc>
@@ -12601,7 +14006,7 @@
 </p:sld>
 </file>
 
-<file path=ppt/slides/slide27.xml><?xml version="1.0" encoding="utf-8"?>
+<file path=ppt/slides/slide28.xml><?xml version="1.0" encoding="utf-8"?>
 <p:sld xmlns:a="http://schemas.openxmlformats.org/drawingml/2006/main" xmlns:r="http://schemas.openxmlformats.org/officeDocument/2006/relationships" xmlns:p="http://schemas.openxmlformats.org/presentationml/2006/main">
   <p:cSld>
     <p:spTree>
@@ -12871,7 +14276,7 @@
 </p:sld>
 </file>
 
-<file path=ppt/slides/slide28.xml><?xml version="1.0" encoding="utf-8"?>
+<file path=ppt/slides/slide29.xml><?xml version="1.0" encoding="utf-8"?>
 <p:sld xmlns:a="http://schemas.openxmlformats.org/drawingml/2006/main" xmlns:r="http://schemas.openxmlformats.org/officeDocument/2006/relationships" xmlns:p="http://schemas.openxmlformats.org/presentationml/2006/main">
   <p:cSld>
     <p:spTree>
@@ -13783,1267 +15188,6 @@
     <p:extLst>
       <p:ext uri="{BB962C8B-B14F-4D97-AF65-F5344CB8AC3E}">
         <p14:creationId xmlns:p14="http://schemas.microsoft.com/office/powerpoint/2010/main" val="1723960051"/>
-      </p:ext>
-    </p:extLst>
-  </p:cSld>
-  <p:clrMapOvr>
-    <a:masterClrMapping/>
-  </p:clrMapOvr>
-</p:sld>
-</file>
-
-<file path=ppt/slides/slide29.xml><?xml version="1.0" encoding="utf-8"?>
-<p:sld xmlns:a="http://schemas.openxmlformats.org/drawingml/2006/main" xmlns:r="http://schemas.openxmlformats.org/officeDocument/2006/relationships" xmlns:p="http://schemas.openxmlformats.org/presentationml/2006/main">
-  <p:cSld>
-    <p:spTree>
-      <p:nvGrpSpPr>
-        <p:cNvPr id="1" name=""/>
-        <p:cNvGrpSpPr/>
-        <p:nvPr/>
-      </p:nvGrpSpPr>
-      <p:grpSpPr>
-        <a:xfrm>
-          <a:off x="0" y="0"/>
-          <a:ext cx="0" cy="0"/>
-          <a:chOff x="0" y="0"/>
-          <a:chExt cx="0" cy="0"/>
-        </a:xfrm>
-      </p:grpSpPr>
-      <p:sp>
-        <p:nvSpPr>
-          <p:cNvPr id="2" name="Заголовок 1">
-            <a:extLst>
-              <a:ext uri="{FF2B5EF4-FFF2-40B4-BE49-F238E27FC236}">
-                <a16:creationId xmlns:a16="http://schemas.microsoft.com/office/drawing/2014/main" id="{07AEAFAE-80EA-850A-9F01-5086537381E5}"/>
-              </a:ext>
-            </a:extLst>
-          </p:cNvPr>
-          <p:cNvSpPr>
-            <a:spLocks noGrp="1"/>
-          </p:cNvSpPr>
-          <p:nvPr>
-            <p:ph type="title"/>
-          </p:nvPr>
-        </p:nvSpPr>
-        <p:spPr>
-          <a:xfrm>
-            <a:off x="826325" y="80121"/>
-            <a:ext cx="10515600" cy="842352"/>
-          </a:xfrm>
-        </p:spPr>
-        <p:txBody>
-          <a:bodyPr>
-            <a:normAutofit/>
-          </a:bodyPr>
-          <a:lstStyle/>
-          <a:p>
-            <a:r>
-              <a:rPr lang="ru-RU" dirty="0"/>
-              <a:t>Пример использования компонентов</a:t>
-            </a:r>
-          </a:p>
-        </p:txBody>
-      </p:sp>
-      <p:sp>
-        <p:nvSpPr>
-          <p:cNvPr id="3" name="Объект 2">
-            <a:extLst>
-              <a:ext uri="{FF2B5EF4-FFF2-40B4-BE49-F238E27FC236}">
-                <a16:creationId xmlns:a16="http://schemas.microsoft.com/office/drawing/2014/main" id="{083AECA7-4502-120F-9597-72FF9F165281}"/>
-              </a:ext>
-            </a:extLst>
-          </p:cNvPr>
-          <p:cNvSpPr>
-            <a:spLocks noGrp="1"/>
-          </p:cNvSpPr>
-          <p:nvPr>
-            <p:ph idx="1"/>
-          </p:nvPr>
-        </p:nvSpPr>
-        <p:spPr>
-          <a:xfrm>
-            <a:off x="838200" y="981848"/>
-            <a:ext cx="10977748" cy="5692084"/>
-          </a:xfrm>
-        </p:spPr>
-        <p:txBody>
-          <a:bodyPr>
-            <a:normAutofit fontScale="62500" lnSpcReduction="20000"/>
-          </a:bodyPr>
-          <a:lstStyle/>
-          <a:p>
-            <a:pPr marL="0" indent="0">
-              <a:lnSpc>
-                <a:spcPct val="100000"/>
-              </a:lnSpc>
-              <a:buNone/>
-            </a:pPr>
-            <a:r>
-              <a:rPr lang="en" b="0" i="0" noProof="1">
-                <a:solidFill>
-                  <a:srgbClr val="0077AA"/>
-                </a:solidFill>
-                <a:effectLst/>
-                <a:latin typeface="Consolas" panose="020B0609020204030204" pitchFamily="49" charset="0"/>
-                <a:cs typeface="Consolas" panose="020B0609020204030204" pitchFamily="49" charset="0"/>
-              </a:rPr>
-              <a:t>import</a:t>
-            </a:r>
-            <a:r>
-              <a:rPr lang="en" b="0" i="0" noProof="1">
-                <a:effectLst/>
-                <a:latin typeface="Consolas" panose="020B0609020204030204" pitchFamily="49" charset="0"/>
-                <a:cs typeface="Consolas" panose="020B0609020204030204" pitchFamily="49" charset="0"/>
-              </a:rPr>
-              <a:t> logging</a:t>
-            </a:r>
-            <a:br>
-              <a:rPr lang="en" b="0" i="0" noProof="1">
-                <a:effectLst/>
-                <a:latin typeface="Consolas" panose="020B0609020204030204" pitchFamily="49" charset="0"/>
-                <a:cs typeface="Consolas" panose="020B0609020204030204" pitchFamily="49" charset="0"/>
-              </a:rPr>
-            </a:br>
-            <a:br>
-              <a:rPr lang="en" b="0" i="0" noProof="1">
-                <a:effectLst/>
-                <a:latin typeface="Consolas" panose="020B0609020204030204" pitchFamily="49" charset="0"/>
-                <a:cs typeface="Consolas" panose="020B0609020204030204" pitchFamily="49" charset="0"/>
-              </a:rPr>
-            </a:br>
-            <a:r>
-              <a:rPr lang="en" b="0" i="0" noProof="1">
-                <a:solidFill>
-                  <a:srgbClr val="708090"/>
-                </a:solidFill>
-                <a:effectLst/>
-                <a:latin typeface="Consolas" panose="020B0609020204030204" pitchFamily="49" charset="0"/>
-                <a:cs typeface="Consolas" panose="020B0609020204030204" pitchFamily="49" charset="0"/>
-              </a:rPr>
-              <a:t># </a:t>
-            </a:r>
-            <a:r>
-              <a:rPr lang="ru-RU" b="0" i="0" noProof="1">
-                <a:solidFill>
-                  <a:srgbClr val="708090"/>
-                </a:solidFill>
-                <a:effectLst/>
-                <a:latin typeface="Consolas" panose="020B0609020204030204" pitchFamily="49" charset="0"/>
-                <a:cs typeface="Consolas" panose="020B0609020204030204" pitchFamily="49" charset="0"/>
-              </a:rPr>
-              <a:t>создание логгера</a:t>
-            </a:r>
-            <a:br>
-              <a:rPr lang="en-US" noProof="1">
-                <a:solidFill>
-                  <a:srgbClr val="708090"/>
-                </a:solidFill>
-                <a:latin typeface="Consolas" panose="020B0609020204030204" pitchFamily="49" charset="0"/>
-                <a:cs typeface="Consolas" panose="020B0609020204030204" pitchFamily="49" charset="0"/>
-              </a:rPr>
-            </a:br>
-            <a:r>
-              <a:rPr lang="en" b="0" i="0" noProof="1">
-                <a:effectLst/>
-                <a:latin typeface="Consolas" panose="020B0609020204030204" pitchFamily="49" charset="0"/>
-                <a:cs typeface="Consolas" panose="020B0609020204030204" pitchFamily="49" charset="0"/>
-              </a:rPr>
-              <a:t>logger </a:t>
-            </a:r>
-            <a:r>
-              <a:rPr lang="en" b="0" i="0" noProof="1">
-                <a:solidFill>
-                  <a:srgbClr val="A67F59"/>
-                </a:solidFill>
-                <a:effectLst/>
-                <a:latin typeface="Consolas" panose="020B0609020204030204" pitchFamily="49" charset="0"/>
-                <a:cs typeface="Consolas" panose="020B0609020204030204" pitchFamily="49" charset="0"/>
-              </a:rPr>
-              <a:t>=</a:t>
-            </a:r>
-            <a:r>
-              <a:rPr lang="en" b="0" i="0" noProof="1">
-                <a:effectLst/>
-                <a:latin typeface="Consolas" panose="020B0609020204030204" pitchFamily="49" charset="0"/>
-                <a:cs typeface="Consolas" panose="020B0609020204030204" pitchFamily="49" charset="0"/>
-              </a:rPr>
-              <a:t> logging</a:t>
-            </a:r>
-            <a:r>
-              <a:rPr lang="en" b="0" i="0" noProof="1">
-                <a:solidFill>
-                  <a:srgbClr val="999999"/>
-                </a:solidFill>
-                <a:effectLst/>
-                <a:latin typeface="Consolas" panose="020B0609020204030204" pitchFamily="49" charset="0"/>
-                <a:cs typeface="Consolas" panose="020B0609020204030204" pitchFamily="49" charset="0"/>
-              </a:rPr>
-              <a:t>.</a:t>
-            </a:r>
-            <a:r>
-              <a:rPr lang="en" b="0" i="0" noProof="1">
-                <a:effectLst/>
-                <a:latin typeface="Consolas" panose="020B0609020204030204" pitchFamily="49" charset="0"/>
-                <a:cs typeface="Consolas" panose="020B0609020204030204" pitchFamily="49" charset="0"/>
-              </a:rPr>
-              <a:t>getLogger</a:t>
-            </a:r>
-            <a:r>
-              <a:rPr lang="en" b="0" i="0" noProof="1">
-                <a:solidFill>
-                  <a:srgbClr val="999999"/>
-                </a:solidFill>
-                <a:effectLst/>
-                <a:latin typeface="Consolas" panose="020B0609020204030204" pitchFamily="49" charset="0"/>
-                <a:cs typeface="Consolas" panose="020B0609020204030204" pitchFamily="49" charset="0"/>
-              </a:rPr>
-              <a:t>(</a:t>
-            </a:r>
-            <a:r>
-              <a:rPr lang="en" b="0" i="0" noProof="1">
-                <a:solidFill>
-                  <a:srgbClr val="669900"/>
-                </a:solidFill>
-                <a:effectLst/>
-                <a:latin typeface="Consolas" panose="020B0609020204030204" pitchFamily="49" charset="0"/>
-                <a:cs typeface="Consolas" panose="020B0609020204030204" pitchFamily="49" charset="0"/>
-              </a:rPr>
-              <a:t>'exampleLogger'</a:t>
-            </a:r>
-            <a:r>
-              <a:rPr lang="en" b="0" i="0" noProof="1">
-                <a:solidFill>
-                  <a:srgbClr val="999999"/>
-                </a:solidFill>
-                <a:effectLst/>
-                <a:latin typeface="Consolas" panose="020B0609020204030204" pitchFamily="49" charset="0"/>
-                <a:cs typeface="Consolas" panose="020B0609020204030204" pitchFamily="49" charset="0"/>
-              </a:rPr>
-              <a:t>)</a:t>
-            </a:r>
-            <a:br>
-              <a:rPr lang="en" noProof="1">
-                <a:solidFill>
-                  <a:srgbClr val="999999"/>
-                </a:solidFill>
-                <a:latin typeface="Consolas" panose="020B0609020204030204" pitchFamily="49" charset="0"/>
-                <a:cs typeface="Consolas" panose="020B0609020204030204" pitchFamily="49" charset="0"/>
-              </a:rPr>
-            </a:br>
-            <a:r>
-              <a:rPr lang="en" b="0" i="0" noProof="1">
-                <a:effectLst/>
-                <a:latin typeface="Consolas" panose="020B0609020204030204" pitchFamily="49" charset="0"/>
-                <a:cs typeface="Consolas" panose="020B0609020204030204" pitchFamily="49" charset="0"/>
-              </a:rPr>
-              <a:t>logger</a:t>
-            </a:r>
-            <a:r>
-              <a:rPr lang="en" b="0" i="0" noProof="1">
-                <a:solidFill>
-                  <a:srgbClr val="999999"/>
-                </a:solidFill>
-                <a:effectLst/>
-                <a:latin typeface="Consolas" panose="020B0609020204030204" pitchFamily="49" charset="0"/>
-                <a:cs typeface="Consolas" panose="020B0609020204030204" pitchFamily="49" charset="0"/>
-              </a:rPr>
-              <a:t>.</a:t>
-            </a:r>
-            <a:r>
-              <a:rPr lang="en" b="0" i="0" noProof="1">
-                <a:effectLst/>
-                <a:latin typeface="Consolas" panose="020B0609020204030204" pitchFamily="49" charset="0"/>
-                <a:cs typeface="Consolas" panose="020B0609020204030204" pitchFamily="49" charset="0"/>
-              </a:rPr>
-              <a:t>setLevel</a:t>
-            </a:r>
-            <a:r>
-              <a:rPr lang="en" b="0" i="0" noProof="1">
-                <a:solidFill>
-                  <a:srgbClr val="999999"/>
-                </a:solidFill>
-                <a:effectLst/>
-                <a:latin typeface="Consolas" panose="020B0609020204030204" pitchFamily="49" charset="0"/>
-                <a:cs typeface="Consolas" panose="020B0609020204030204" pitchFamily="49" charset="0"/>
-              </a:rPr>
-              <a:t>(</a:t>
-            </a:r>
-            <a:r>
-              <a:rPr lang="en" b="0" i="0" noProof="1">
-                <a:effectLst/>
-                <a:latin typeface="Consolas" panose="020B0609020204030204" pitchFamily="49" charset="0"/>
-                <a:cs typeface="Consolas" panose="020B0609020204030204" pitchFamily="49" charset="0"/>
-              </a:rPr>
-              <a:t>logging</a:t>
-            </a:r>
-            <a:r>
-              <a:rPr lang="en" b="0" i="0" noProof="1">
-                <a:solidFill>
-                  <a:srgbClr val="999999"/>
-                </a:solidFill>
-                <a:effectLst/>
-                <a:latin typeface="Consolas" panose="020B0609020204030204" pitchFamily="49" charset="0"/>
-                <a:cs typeface="Consolas" panose="020B0609020204030204" pitchFamily="49" charset="0"/>
-              </a:rPr>
-              <a:t>.</a:t>
-            </a:r>
-            <a:r>
-              <a:rPr lang="en" b="0" i="0" noProof="1">
-                <a:effectLst/>
-                <a:latin typeface="Consolas" panose="020B0609020204030204" pitchFamily="49" charset="0"/>
-                <a:cs typeface="Consolas" panose="020B0609020204030204" pitchFamily="49" charset="0"/>
-              </a:rPr>
-              <a:t>INFO</a:t>
-            </a:r>
-            <a:r>
-              <a:rPr lang="en" b="0" i="0" noProof="1">
-                <a:solidFill>
-                  <a:srgbClr val="999999"/>
-                </a:solidFill>
-                <a:effectLst/>
-                <a:latin typeface="Consolas" panose="020B0609020204030204" pitchFamily="49" charset="0"/>
-                <a:cs typeface="Consolas" panose="020B0609020204030204" pitchFamily="49" charset="0"/>
-              </a:rPr>
-              <a:t>)</a:t>
-            </a:r>
-            <a:br>
-              <a:rPr lang="en" noProof="1">
-                <a:solidFill>
-                  <a:srgbClr val="999999"/>
-                </a:solidFill>
-                <a:latin typeface="Consolas" panose="020B0609020204030204" pitchFamily="49" charset="0"/>
-                <a:cs typeface="Consolas" panose="020B0609020204030204" pitchFamily="49" charset="0"/>
-              </a:rPr>
-            </a:br>
-            <a:br>
-              <a:rPr lang="en" noProof="1">
-                <a:solidFill>
-                  <a:srgbClr val="999999"/>
-                </a:solidFill>
-                <a:latin typeface="Consolas" panose="020B0609020204030204" pitchFamily="49" charset="0"/>
-                <a:cs typeface="Consolas" panose="020B0609020204030204" pitchFamily="49" charset="0"/>
-              </a:rPr>
-            </a:br>
-            <a:r>
-              <a:rPr lang="en" b="0" i="0" noProof="1">
-                <a:solidFill>
-                  <a:srgbClr val="708090"/>
-                </a:solidFill>
-                <a:effectLst/>
-                <a:latin typeface="Consolas" panose="020B0609020204030204" pitchFamily="49" charset="0"/>
-                <a:cs typeface="Consolas" panose="020B0609020204030204" pitchFamily="49" charset="0"/>
-              </a:rPr>
-              <a:t># </a:t>
-            </a:r>
-            <a:r>
-              <a:rPr lang="ru-RU" b="0" i="0" noProof="1">
-                <a:solidFill>
-                  <a:srgbClr val="708090"/>
-                </a:solidFill>
-                <a:effectLst/>
-                <a:latin typeface="Consolas" panose="020B0609020204030204" pitchFamily="49" charset="0"/>
-                <a:cs typeface="Consolas" panose="020B0609020204030204" pitchFamily="49" charset="0"/>
-              </a:rPr>
-              <a:t>создание обработчика для вывода в консоль</a:t>
-            </a:r>
-            <a:br>
-              <a:rPr lang="en-US" noProof="1">
-                <a:solidFill>
-                  <a:srgbClr val="708090"/>
-                </a:solidFill>
-                <a:latin typeface="Consolas" panose="020B0609020204030204" pitchFamily="49" charset="0"/>
-                <a:cs typeface="Consolas" panose="020B0609020204030204" pitchFamily="49" charset="0"/>
-              </a:rPr>
-            </a:br>
-            <a:r>
-              <a:rPr lang="en" b="0" i="0" noProof="1">
-                <a:effectLst/>
-                <a:latin typeface="Consolas" panose="020B0609020204030204" pitchFamily="49" charset="0"/>
-                <a:cs typeface="Consolas" panose="020B0609020204030204" pitchFamily="49" charset="0"/>
-              </a:rPr>
-              <a:t>console </a:t>
-            </a:r>
-            <a:r>
-              <a:rPr lang="en" b="0" i="0" noProof="1">
-                <a:solidFill>
-                  <a:srgbClr val="A67F59"/>
-                </a:solidFill>
-                <a:effectLst/>
-                <a:latin typeface="Consolas" panose="020B0609020204030204" pitchFamily="49" charset="0"/>
-                <a:cs typeface="Consolas" panose="020B0609020204030204" pitchFamily="49" charset="0"/>
-              </a:rPr>
-              <a:t>=</a:t>
-            </a:r>
-            <a:r>
-              <a:rPr lang="en" b="0" i="0" noProof="1">
-                <a:effectLst/>
-                <a:latin typeface="Consolas" panose="020B0609020204030204" pitchFamily="49" charset="0"/>
-                <a:cs typeface="Consolas" panose="020B0609020204030204" pitchFamily="49" charset="0"/>
-              </a:rPr>
-              <a:t> logging</a:t>
-            </a:r>
-            <a:r>
-              <a:rPr lang="en" b="0" i="0" noProof="1">
-                <a:solidFill>
-                  <a:srgbClr val="999999"/>
-                </a:solidFill>
-                <a:effectLst/>
-                <a:latin typeface="Consolas" panose="020B0609020204030204" pitchFamily="49" charset="0"/>
-                <a:cs typeface="Consolas" panose="020B0609020204030204" pitchFamily="49" charset="0"/>
-              </a:rPr>
-              <a:t>.</a:t>
-            </a:r>
-            <a:r>
-              <a:rPr lang="en" b="0" i="0" noProof="1">
-                <a:effectLst/>
-                <a:latin typeface="Consolas" panose="020B0609020204030204" pitchFamily="49" charset="0"/>
-                <a:cs typeface="Consolas" panose="020B0609020204030204" pitchFamily="49" charset="0"/>
-              </a:rPr>
-              <a:t>StreamHandler</a:t>
-            </a:r>
-            <a:r>
-              <a:rPr lang="en" b="0" i="0" noProof="1">
-                <a:solidFill>
-                  <a:srgbClr val="999999"/>
-                </a:solidFill>
-                <a:effectLst/>
-                <a:latin typeface="Consolas" panose="020B0609020204030204" pitchFamily="49" charset="0"/>
-                <a:cs typeface="Consolas" panose="020B0609020204030204" pitchFamily="49" charset="0"/>
-              </a:rPr>
-              <a:t>()</a:t>
-            </a:r>
-            <a:br>
-              <a:rPr lang="en" noProof="1">
-                <a:solidFill>
-                  <a:srgbClr val="999999"/>
-                </a:solidFill>
-                <a:latin typeface="Consolas" panose="020B0609020204030204" pitchFamily="49" charset="0"/>
-                <a:cs typeface="Consolas" panose="020B0609020204030204" pitchFamily="49" charset="0"/>
-              </a:rPr>
-            </a:br>
-            <a:r>
-              <a:rPr lang="en" b="0" i="0" noProof="1">
-                <a:effectLst/>
-                <a:latin typeface="Consolas" panose="020B0609020204030204" pitchFamily="49" charset="0"/>
-                <a:cs typeface="Consolas" panose="020B0609020204030204" pitchFamily="49" charset="0"/>
-              </a:rPr>
-              <a:t>console</a:t>
-            </a:r>
-            <a:r>
-              <a:rPr lang="en" b="0" i="0" noProof="1">
-                <a:solidFill>
-                  <a:srgbClr val="999999"/>
-                </a:solidFill>
-                <a:effectLst/>
-                <a:latin typeface="Consolas" panose="020B0609020204030204" pitchFamily="49" charset="0"/>
-                <a:cs typeface="Consolas" panose="020B0609020204030204" pitchFamily="49" charset="0"/>
-              </a:rPr>
-              <a:t>.</a:t>
-            </a:r>
-            <a:r>
-              <a:rPr lang="en" b="0" i="0" noProof="1">
-                <a:effectLst/>
-                <a:latin typeface="Consolas" panose="020B0609020204030204" pitchFamily="49" charset="0"/>
-                <a:cs typeface="Consolas" panose="020B0609020204030204" pitchFamily="49" charset="0"/>
-              </a:rPr>
-              <a:t>setLevel</a:t>
-            </a:r>
-            <a:r>
-              <a:rPr lang="en" b="0" i="0" noProof="1">
-                <a:solidFill>
-                  <a:srgbClr val="999999"/>
-                </a:solidFill>
-                <a:effectLst/>
-                <a:latin typeface="Consolas" panose="020B0609020204030204" pitchFamily="49" charset="0"/>
-                <a:cs typeface="Consolas" panose="020B0609020204030204" pitchFamily="49" charset="0"/>
-              </a:rPr>
-              <a:t>(</a:t>
-            </a:r>
-            <a:r>
-              <a:rPr lang="en" b="0" i="0" noProof="1">
-                <a:effectLst/>
-                <a:latin typeface="Consolas" panose="020B0609020204030204" pitchFamily="49" charset="0"/>
-                <a:cs typeface="Consolas" panose="020B0609020204030204" pitchFamily="49" charset="0"/>
-              </a:rPr>
-              <a:t>logging</a:t>
-            </a:r>
-            <a:r>
-              <a:rPr lang="en" b="0" i="0" noProof="1">
-                <a:solidFill>
-                  <a:srgbClr val="999999"/>
-                </a:solidFill>
-                <a:effectLst/>
-                <a:latin typeface="Consolas" panose="020B0609020204030204" pitchFamily="49" charset="0"/>
-                <a:cs typeface="Consolas" panose="020B0609020204030204" pitchFamily="49" charset="0"/>
-              </a:rPr>
-              <a:t>.</a:t>
-            </a:r>
-            <a:r>
-              <a:rPr lang="en" b="0" i="0" noProof="1">
-                <a:effectLst/>
-                <a:latin typeface="Consolas" panose="020B0609020204030204" pitchFamily="49" charset="0"/>
-                <a:cs typeface="Consolas" panose="020B0609020204030204" pitchFamily="49" charset="0"/>
-              </a:rPr>
-              <a:t>INFO</a:t>
-            </a:r>
-            <a:r>
-              <a:rPr lang="en" b="0" i="0" noProof="1">
-                <a:solidFill>
-                  <a:srgbClr val="999999"/>
-                </a:solidFill>
-                <a:effectLst/>
-                <a:latin typeface="Consolas" panose="020B0609020204030204" pitchFamily="49" charset="0"/>
-                <a:cs typeface="Consolas" panose="020B0609020204030204" pitchFamily="49" charset="0"/>
-              </a:rPr>
-              <a:t>)</a:t>
-            </a:r>
-            <a:br>
-              <a:rPr lang="en" noProof="1">
-                <a:solidFill>
-                  <a:srgbClr val="999999"/>
-                </a:solidFill>
-                <a:latin typeface="Consolas" panose="020B0609020204030204" pitchFamily="49" charset="0"/>
-                <a:cs typeface="Consolas" panose="020B0609020204030204" pitchFamily="49" charset="0"/>
-              </a:rPr>
-            </a:br>
-            <a:br>
-              <a:rPr lang="en" noProof="1">
-                <a:solidFill>
-                  <a:srgbClr val="999999"/>
-                </a:solidFill>
-                <a:latin typeface="Consolas" panose="020B0609020204030204" pitchFamily="49" charset="0"/>
-                <a:cs typeface="Consolas" panose="020B0609020204030204" pitchFamily="49" charset="0"/>
-              </a:rPr>
-            </a:br>
-            <a:r>
-              <a:rPr lang="en" b="0" i="0" noProof="1">
-                <a:solidFill>
-                  <a:srgbClr val="708090"/>
-                </a:solidFill>
-                <a:effectLst/>
-                <a:latin typeface="Consolas" panose="020B0609020204030204" pitchFamily="49" charset="0"/>
-                <a:cs typeface="Consolas" panose="020B0609020204030204" pitchFamily="49" charset="0"/>
-              </a:rPr>
-              <a:t># </a:t>
-            </a:r>
-            <a:r>
-              <a:rPr lang="ru-RU" b="0" i="0" noProof="1">
-                <a:solidFill>
-                  <a:srgbClr val="708090"/>
-                </a:solidFill>
-                <a:effectLst/>
-                <a:latin typeface="Consolas" panose="020B0609020204030204" pitchFamily="49" charset="0"/>
-                <a:cs typeface="Consolas" panose="020B0609020204030204" pitchFamily="49" charset="0"/>
-              </a:rPr>
-              <a:t>создание форматтера</a:t>
-            </a:r>
-            <a:br>
-              <a:rPr lang="en-US" noProof="1">
-                <a:solidFill>
-                  <a:srgbClr val="708090"/>
-                </a:solidFill>
-                <a:latin typeface="Consolas" panose="020B0609020204030204" pitchFamily="49" charset="0"/>
-                <a:cs typeface="Consolas" panose="020B0609020204030204" pitchFamily="49" charset="0"/>
-              </a:rPr>
-            </a:br>
-            <a:r>
-              <a:rPr lang="en" b="0" i="0" noProof="1">
-                <a:effectLst/>
-                <a:latin typeface="Consolas" panose="020B0609020204030204" pitchFamily="49" charset="0"/>
-                <a:cs typeface="Consolas" panose="020B0609020204030204" pitchFamily="49" charset="0"/>
-              </a:rPr>
-              <a:t>formatter </a:t>
-            </a:r>
-            <a:r>
-              <a:rPr lang="en" b="0" i="0" noProof="1">
-                <a:solidFill>
-                  <a:srgbClr val="A67F59"/>
-                </a:solidFill>
-                <a:effectLst/>
-                <a:latin typeface="Consolas" panose="020B0609020204030204" pitchFamily="49" charset="0"/>
-                <a:cs typeface="Consolas" panose="020B0609020204030204" pitchFamily="49" charset="0"/>
-              </a:rPr>
-              <a:t>= </a:t>
-            </a:r>
-            <a:r>
-              <a:rPr lang="en" b="0" i="0" noProof="1">
-                <a:effectLst/>
-                <a:latin typeface="Consolas" panose="020B0609020204030204" pitchFamily="49" charset="0"/>
-                <a:cs typeface="Consolas" panose="020B0609020204030204" pitchFamily="49" charset="0"/>
-              </a:rPr>
-              <a:t>logging</a:t>
-            </a:r>
-            <a:r>
-              <a:rPr lang="en" b="0" i="0" noProof="1">
-                <a:solidFill>
-                  <a:srgbClr val="999999"/>
-                </a:solidFill>
-                <a:effectLst/>
-                <a:latin typeface="Consolas" panose="020B0609020204030204" pitchFamily="49" charset="0"/>
-                <a:cs typeface="Consolas" panose="020B0609020204030204" pitchFamily="49" charset="0"/>
-              </a:rPr>
-              <a:t>.</a:t>
-            </a:r>
-            <a:r>
-              <a:rPr lang="en" b="0" i="0" noProof="1">
-                <a:effectLst/>
-                <a:latin typeface="Consolas" panose="020B0609020204030204" pitchFamily="49" charset="0"/>
-                <a:cs typeface="Consolas" panose="020B0609020204030204" pitchFamily="49" charset="0"/>
-              </a:rPr>
-              <a:t>Formatter</a:t>
-            </a:r>
-            <a:r>
-              <a:rPr lang="en" b="0" i="0" noProof="1">
-                <a:solidFill>
-                  <a:srgbClr val="999999"/>
-                </a:solidFill>
-                <a:effectLst/>
-                <a:latin typeface="Consolas" panose="020B0609020204030204" pitchFamily="49" charset="0"/>
-                <a:cs typeface="Consolas" panose="020B0609020204030204" pitchFamily="49" charset="0"/>
-              </a:rPr>
-              <a:t>(</a:t>
-            </a:r>
-            <a:r>
-              <a:rPr lang="en" b="0" i="0" noProof="1">
-                <a:solidFill>
-                  <a:srgbClr val="669900"/>
-                </a:solidFill>
-                <a:effectLst/>
-                <a:latin typeface="Consolas" panose="020B0609020204030204" pitchFamily="49" charset="0"/>
-                <a:cs typeface="Consolas" panose="020B0609020204030204" pitchFamily="49" charset="0"/>
-              </a:rPr>
-              <a:t>'%(asctime)s - %(name)s - %(levelname)s - %(message)s'</a:t>
-            </a:r>
-            <a:r>
-              <a:rPr lang="en" b="0" i="0" noProof="1">
-                <a:solidFill>
-                  <a:srgbClr val="999999"/>
-                </a:solidFill>
-                <a:effectLst/>
-                <a:latin typeface="Consolas" panose="020B0609020204030204" pitchFamily="49" charset="0"/>
-                <a:cs typeface="Consolas" panose="020B0609020204030204" pitchFamily="49" charset="0"/>
-              </a:rPr>
-              <a:t>)</a:t>
-            </a:r>
-            <a:br>
-              <a:rPr lang="en" noProof="1">
-                <a:solidFill>
-                  <a:srgbClr val="999999"/>
-                </a:solidFill>
-                <a:latin typeface="Consolas" panose="020B0609020204030204" pitchFamily="49" charset="0"/>
-                <a:cs typeface="Consolas" panose="020B0609020204030204" pitchFamily="49" charset="0"/>
-              </a:rPr>
-            </a:br>
-            <a:br>
-              <a:rPr lang="en" noProof="1">
-                <a:solidFill>
-                  <a:srgbClr val="999999"/>
-                </a:solidFill>
-                <a:latin typeface="Consolas" panose="020B0609020204030204" pitchFamily="49" charset="0"/>
-                <a:cs typeface="Consolas" panose="020B0609020204030204" pitchFamily="49" charset="0"/>
-              </a:rPr>
-            </a:br>
-            <a:r>
-              <a:rPr lang="en" b="0" i="0" noProof="1">
-                <a:solidFill>
-                  <a:srgbClr val="708090"/>
-                </a:solidFill>
-                <a:effectLst/>
-                <a:latin typeface="Consolas" panose="020B0609020204030204" pitchFamily="49" charset="0"/>
-                <a:cs typeface="Consolas" panose="020B0609020204030204" pitchFamily="49" charset="0"/>
-              </a:rPr>
-              <a:t># </a:t>
-            </a:r>
-            <a:r>
-              <a:rPr lang="ru-RU" b="0" i="0" noProof="1">
-                <a:solidFill>
-                  <a:srgbClr val="708090"/>
-                </a:solidFill>
-                <a:effectLst/>
-                <a:latin typeface="Consolas" panose="020B0609020204030204" pitchFamily="49" charset="0"/>
-                <a:cs typeface="Consolas" panose="020B0609020204030204" pitchFamily="49" charset="0"/>
-              </a:rPr>
-              <a:t>добавление форматтера к хендлеру</a:t>
-            </a:r>
-            <a:br>
-              <a:rPr lang="en-US" noProof="1">
-                <a:solidFill>
-                  <a:srgbClr val="708090"/>
-                </a:solidFill>
-                <a:latin typeface="Consolas" panose="020B0609020204030204" pitchFamily="49" charset="0"/>
-                <a:cs typeface="Consolas" panose="020B0609020204030204" pitchFamily="49" charset="0"/>
-              </a:rPr>
-            </a:br>
-            <a:r>
-              <a:rPr lang="en" b="0" i="0" noProof="1">
-                <a:effectLst/>
-                <a:latin typeface="Consolas" panose="020B0609020204030204" pitchFamily="49" charset="0"/>
-                <a:cs typeface="Consolas" panose="020B0609020204030204" pitchFamily="49" charset="0"/>
-              </a:rPr>
-              <a:t>console</a:t>
-            </a:r>
-            <a:r>
-              <a:rPr lang="en" b="0" i="0" noProof="1">
-                <a:solidFill>
-                  <a:srgbClr val="999999"/>
-                </a:solidFill>
-                <a:effectLst/>
-                <a:latin typeface="Consolas" panose="020B0609020204030204" pitchFamily="49" charset="0"/>
-                <a:cs typeface="Consolas" panose="020B0609020204030204" pitchFamily="49" charset="0"/>
-              </a:rPr>
-              <a:t>.</a:t>
-            </a:r>
-            <a:r>
-              <a:rPr lang="en" b="0" i="0" noProof="1">
-                <a:effectLst/>
-                <a:latin typeface="Consolas" panose="020B0609020204030204" pitchFamily="49" charset="0"/>
-                <a:cs typeface="Consolas" panose="020B0609020204030204" pitchFamily="49" charset="0"/>
-              </a:rPr>
-              <a:t>setFormatter</a:t>
-            </a:r>
-            <a:r>
-              <a:rPr lang="en" b="0" i="0" noProof="1">
-                <a:solidFill>
-                  <a:srgbClr val="999999"/>
-                </a:solidFill>
-                <a:effectLst/>
-                <a:latin typeface="Consolas" panose="020B0609020204030204" pitchFamily="49" charset="0"/>
-                <a:cs typeface="Consolas" panose="020B0609020204030204" pitchFamily="49" charset="0"/>
-              </a:rPr>
-              <a:t>(</a:t>
-            </a:r>
-            <a:r>
-              <a:rPr lang="en" b="0" i="0" noProof="1">
-                <a:effectLst/>
-                <a:latin typeface="Consolas" panose="020B0609020204030204" pitchFamily="49" charset="0"/>
-                <a:cs typeface="Consolas" panose="020B0609020204030204" pitchFamily="49" charset="0"/>
-              </a:rPr>
-              <a:t>formatter</a:t>
-            </a:r>
-            <a:r>
-              <a:rPr lang="en" b="0" i="0" noProof="1">
-                <a:solidFill>
-                  <a:srgbClr val="999999"/>
-                </a:solidFill>
-                <a:effectLst/>
-                <a:latin typeface="Consolas" panose="020B0609020204030204" pitchFamily="49" charset="0"/>
-                <a:cs typeface="Consolas" panose="020B0609020204030204" pitchFamily="49" charset="0"/>
-              </a:rPr>
-              <a:t>)</a:t>
-            </a:r>
-            <a:br>
-              <a:rPr lang="en" noProof="1">
-                <a:solidFill>
-                  <a:srgbClr val="999999"/>
-                </a:solidFill>
-                <a:latin typeface="Consolas" panose="020B0609020204030204" pitchFamily="49" charset="0"/>
-                <a:cs typeface="Consolas" panose="020B0609020204030204" pitchFamily="49" charset="0"/>
-              </a:rPr>
-            </a:br>
-            <a:br>
-              <a:rPr lang="en" noProof="1">
-                <a:solidFill>
-                  <a:srgbClr val="999999"/>
-                </a:solidFill>
-                <a:latin typeface="Consolas" panose="020B0609020204030204" pitchFamily="49" charset="0"/>
-                <a:cs typeface="Consolas" panose="020B0609020204030204" pitchFamily="49" charset="0"/>
-              </a:rPr>
-            </a:br>
-            <a:r>
-              <a:rPr lang="en" b="0" i="0" noProof="1">
-                <a:solidFill>
-                  <a:srgbClr val="708090"/>
-                </a:solidFill>
-                <a:effectLst/>
-                <a:latin typeface="Consolas" panose="020B0609020204030204" pitchFamily="49" charset="0"/>
-                <a:cs typeface="Consolas" panose="020B0609020204030204" pitchFamily="49" charset="0"/>
-              </a:rPr>
-              <a:t># </a:t>
-            </a:r>
-            <a:r>
-              <a:rPr lang="ru-RU" b="0" i="0" noProof="1">
-                <a:solidFill>
-                  <a:srgbClr val="708090"/>
-                </a:solidFill>
-                <a:effectLst/>
-                <a:latin typeface="Consolas" panose="020B0609020204030204" pitchFamily="49" charset="0"/>
-                <a:cs typeface="Consolas" panose="020B0609020204030204" pitchFamily="49" charset="0"/>
-              </a:rPr>
-              <a:t>добавление хендлера к логгеру</a:t>
-            </a:r>
-            <a:br>
-              <a:rPr lang="en-US" noProof="1">
-                <a:solidFill>
-                  <a:srgbClr val="708090"/>
-                </a:solidFill>
-                <a:latin typeface="Consolas" panose="020B0609020204030204" pitchFamily="49" charset="0"/>
-                <a:cs typeface="Consolas" panose="020B0609020204030204" pitchFamily="49" charset="0"/>
-              </a:rPr>
-            </a:br>
-            <a:r>
-              <a:rPr lang="en" b="0" i="0" noProof="1">
-                <a:effectLst/>
-                <a:latin typeface="Consolas" panose="020B0609020204030204" pitchFamily="49" charset="0"/>
-                <a:cs typeface="Consolas" panose="020B0609020204030204" pitchFamily="49" charset="0"/>
-              </a:rPr>
-              <a:t>logger</a:t>
-            </a:r>
-            <a:r>
-              <a:rPr lang="en" b="0" i="0" noProof="1">
-                <a:solidFill>
-                  <a:srgbClr val="999999"/>
-                </a:solidFill>
-                <a:effectLst/>
-                <a:latin typeface="Consolas" panose="020B0609020204030204" pitchFamily="49" charset="0"/>
-                <a:cs typeface="Consolas" panose="020B0609020204030204" pitchFamily="49" charset="0"/>
-              </a:rPr>
-              <a:t>.</a:t>
-            </a:r>
-            <a:r>
-              <a:rPr lang="en" b="0" i="0" noProof="1">
-                <a:effectLst/>
-                <a:latin typeface="Consolas" panose="020B0609020204030204" pitchFamily="49" charset="0"/>
-                <a:cs typeface="Consolas" panose="020B0609020204030204" pitchFamily="49" charset="0"/>
-              </a:rPr>
-              <a:t>addHandler</a:t>
-            </a:r>
-            <a:r>
-              <a:rPr lang="en" b="0" i="0" noProof="1">
-                <a:solidFill>
-                  <a:srgbClr val="999999"/>
-                </a:solidFill>
-                <a:effectLst/>
-                <a:latin typeface="Consolas" panose="020B0609020204030204" pitchFamily="49" charset="0"/>
-                <a:cs typeface="Consolas" panose="020B0609020204030204" pitchFamily="49" charset="0"/>
-              </a:rPr>
-              <a:t>(</a:t>
-            </a:r>
-            <a:r>
-              <a:rPr lang="en" b="0" i="0" noProof="1">
-                <a:effectLst/>
-                <a:latin typeface="Consolas" panose="020B0609020204030204" pitchFamily="49" charset="0"/>
-                <a:cs typeface="Consolas" panose="020B0609020204030204" pitchFamily="49" charset="0"/>
-              </a:rPr>
-              <a:t>console</a:t>
-            </a:r>
-            <a:r>
-              <a:rPr lang="en" b="0" i="0" noProof="1">
-                <a:solidFill>
-                  <a:srgbClr val="999999"/>
-                </a:solidFill>
-                <a:effectLst/>
-                <a:latin typeface="Consolas" panose="020B0609020204030204" pitchFamily="49" charset="0"/>
-                <a:cs typeface="Consolas" panose="020B0609020204030204" pitchFamily="49" charset="0"/>
-              </a:rPr>
-              <a:t>)</a:t>
-            </a:r>
-            <a:br>
-              <a:rPr lang="en" noProof="1">
-                <a:solidFill>
-                  <a:srgbClr val="999999"/>
-                </a:solidFill>
-                <a:latin typeface="Consolas" panose="020B0609020204030204" pitchFamily="49" charset="0"/>
-                <a:cs typeface="Consolas" panose="020B0609020204030204" pitchFamily="49" charset="0"/>
-              </a:rPr>
-            </a:br>
-            <a:br>
-              <a:rPr lang="en" noProof="1">
-                <a:solidFill>
-                  <a:srgbClr val="999999"/>
-                </a:solidFill>
-                <a:latin typeface="Consolas" panose="020B0609020204030204" pitchFamily="49" charset="0"/>
-                <a:cs typeface="Consolas" panose="020B0609020204030204" pitchFamily="49" charset="0"/>
-              </a:rPr>
-            </a:br>
-            <a:r>
-              <a:rPr lang="en" b="0" i="0" noProof="1">
-                <a:solidFill>
-                  <a:srgbClr val="708090"/>
-                </a:solidFill>
-                <a:effectLst/>
-                <a:latin typeface="Consolas" panose="020B0609020204030204" pitchFamily="49" charset="0"/>
-                <a:cs typeface="Consolas" panose="020B0609020204030204" pitchFamily="49" charset="0"/>
-              </a:rPr>
-              <a:t># </a:t>
-            </a:r>
-            <a:r>
-              <a:rPr lang="ru-RU" b="0" i="0" noProof="1">
-                <a:solidFill>
-                  <a:srgbClr val="708090"/>
-                </a:solidFill>
-                <a:effectLst/>
-                <a:latin typeface="Consolas" panose="020B0609020204030204" pitchFamily="49" charset="0"/>
-                <a:cs typeface="Consolas" panose="020B0609020204030204" pitchFamily="49" charset="0"/>
-              </a:rPr>
-              <a:t>использование (будут выведены все сообщения, кроме </a:t>
-            </a:r>
-            <a:r>
-              <a:rPr lang="en" b="0" i="0" noProof="1">
-                <a:solidFill>
-                  <a:srgbClr val="708090"/>
-                </a:solidFill>
-                <a:effectLst/>
-                <a:latin typeface="Consolas" panose="020B0609020204030204" pitchFamily="49" charset="0"/>
-                <a:cs typeface="Consolas" panose="020B0609020204030204" pitchFamily="49" charset="0"/>
-              </a:rPr>
-              <a:t>DEBUG)</a:t>
-            </a:r>
-            <a:br>
-              <a:rPr lang="en" noProof="1">
-                <a:solidFill>
-                  <a:srgbClr val="708090"/>
-                </a:solidFill>
-                <a:latin typeface="Consolas" panose="020B0609020204030204" pitchFamily="49" charset="0"/>
-                <a:cs typeface="Consolas" panose="020B0609020204030204" pitchFamily="49" charset="0"/>
-              </a:rPr>
-            </a:br>
-            <a:r>
-              <a:rPr lang="en" b="0" i="0" noProof="1">
-                <a:effectLst/>
-                <a:latin typeface="Consolas" panose="020B0609020204030204" pitchFamily="49" charset="0"/>
-                <a:cs typeface="Consolas" panose="020B0609020204030204" pitchFamily="49" charset="0"/>
-              </a:rPr>
-              <a:t>logger</a:t>
-            </a:r>
-            <a:r>
-              <a:rPr lang="en" b="0" i="0" noProof="1">
-                <a:solidFill>
-                  <a:srgbClr val="999999"/>
-                </a:solidFill>
-                <a:effectLst/>
-                <a:latin typeface="Consolas" panose="020B0609020204030204" pitchFamily="49" charset="0"/>
-                <a:cs typeface="Consolas" panose="020B0609020204030204" pitchFamily="49" charset="0"/>
-              </a:rPr>
-              <a:t>.</a:t>
-            </a:r>
-            <a:r>
-              <a:rPr lang="en" b="0" i="0" noProof="1">
-                <a:effectLst/>
-                <a:latin typeface="Consolas" panose="020B0609020204030204" pitchFamily="49" charset="0"/>
-                <a:cs typeface="Consolas" panose="020B0609020204030204" pitchFamily="49" charset="0"/>
-              </a:rPr>
-              <a:t>debug</a:t>
-            </a:r>
-            <a:r>
-              <a:rPr lang="en" b="0" i="0" noProof="1">
-                <a:solidFill>
-                  <a:srgbClr val="999999"/>
-                </a:solidFill>
-                <a:effectLst/>
-                <a:latin typeface="Consolas" panose="020B0609020204030204" pitchFamily="49" charset="0"/>
-                <a:cs typeface="Consolas" panose="020B0609020204030204" pitchFamily="49" charset="0"/>
-              </a:rPr>
-              <a:t>(</a:t>
-            </a:r>
-            <a:r>
-              <a:rPr lang="en" b="0" i="0" noProof="1">
-                <a:solidFill>
-                  <a:srgbClr val="669900"/>
-                </a:solidFill>
-                <a:effectLst/>
-                <a:latin typeface="Consolas" panose="020B0609020204030204" pitchFamily="49" charset="0"/>
-                <a:cs typeface="Consolas" panose="020B0609020204030204" pitchFamily="49" charset="0"/>
-              </a:rPr>
-              <a:t>'debug message'</a:t>
-            </a:r>
-            <a:r>
-              <a:rPr lang="en" b="0" i="0" noProof="1">
-                <a:solidFill>
-                  <a:srgbClr val="999999"/>
-                </a:solidFill>
-                <a:effectLst/>
-                <a:latin typeface="Consolas" panose="020B0609020204030204" pitchFamily="49" charset="0"/>
-                <a:cs typeface="Consolas" panose="020B0609020204030204" pitchFamily="49" charset="0"/>
-              </a:rPr>
-              <a:t>)</a:t>
-            </a:r>
-            <a:br>
-              <a:rPr lang="en" noProof="1">
-                <a:solidFill>
-                  <a:srgbClr val="999999"/>
-                </a:solidFill>
-                <a:latin typeface="Consolas" panose="020B0609020204030204" pitchFamily="49" charset="0"/>
-                <a:cs typeface="Consolas" panose="020B0609020204030204" pitchFamily="49" charset="0"/>
-              </a:rPr>
-            </a:br>
-            <a:r>
-              <a:rPr lang="en" b="0" i="0" noProof="1">
-                <a:effectLst/>
-                <a:latin typeface="Consolas" panose="020B0609020204030204" pitchFamily="49" charset="0"/>
-                <a:cs typeface="Consolas" panose="020B0609020204030204" pitchFamily="49" charset="0"/>
-              </a:rPr>
-              <a:t>logger</a:t>
-            </a:r>
-            <a:r>
-              <a:rPr lang="en" b="0" i="0" noProof="1">
-                <a:solidFill>
-                  <a:srgbClr val="999999"/>
-                </a:solidFill>
-                <a:effectLst/>
-                <a:latin typeface="Consolas" panose="020B0609020204030204" pitchFamily="49" charset="0"/>
-                <a:cs typeface="Consolas" panose="020B0609020204030204" pitchFamily="49" charset="0"/>
-              </a:rPr>
-              <a:t>.</a:t>
-            </a:r>
-            <a:r>
-              <a:rPr lang="en" b="0" i="0" noProof="1">
-                <a:effectLst/>
-                <a:latin typeface="Consolas" panose="020B0609020204030204" pitchFamily="49" charset="0"/>
-                <a:cs typeface="Consolas" panose="020B0609020204030204" pitchFamily="49" charset="0"/>
-              </a:rPr>
-              <a:t>info</a:t>
-            </a:r>
-            <a:r>
-              <a:rPr lang="en" b="0" i="0" noProof="1">
-                <a:solidFill>
-                  <a:srgbClr val="999999"/>
-                </a:solidFill>
-                <a:effectLst/>
-                <a:latin typeface="Consolas" panose="020B0609020204030204" pitchFamily="49" charset="0"/>
-                <a:cs typeface="Consolas" panose="020B0609020204030204" pitchFamily="49" charset="0"/>
-              </a:rPr>
-              <a:t>(</a:t>
-            </a:r>
-            <a:r>
-              <a:rPr lang="en" b="0" i="0" noProof="1">
-                <a:solidFill>
-                  <a:srgbClr val="669900"/>
-                </a:solidFill>
-                <a:effectLst/>
-                <a:latin typeface="Consolas" panose="020B0609020204030204" pitchFamily="49" charset="0"/>
-                <a:cs typeface="Consolas" panose="020B0609020204030204" pitchFamily="49" charset="0"/>
-              </a:rPr>
-              <a:t>'info message'</a:t>
-            </a:r>
-            <a:r>
-              <a:rPr lang="en" b="0" i="0" noProof="1">
-                <a:solidFill>
-                  <a:srgbClr val="999999"/>
-                </a:solidFill>
-                <a:effectLst/>
-                <a:latin typeface="Consolas" panose="020B0609020204030204" pitchFamily="49" charset="0"/>
-                <a:cs typeface="Consolas" panose="020B0609020204030204" pitchFamily="49" charset="0"/>
-              </a:rPr>
-              <a:t>)</a:t>
-            </a:r>
-            <a:br>
-              <a:rPr lang="en" noProof="1">
-                <a:solidFill>
-                  <a:srgbClr val="999999"/>
-                </a:solidFill>
-                <a:latin typeface="Consolas" panose="020B0609020204030204" pitchFamily="49" charset="0"/>
-                <a:cs typeface="Consolas" panose="020B0609020204030204" pitchFamily="49" charset="0"/>
-              </a:rPr>
-            </a:br>
-            <a:r>
-              <a:rPr lang="en" b="0" i="0" noProof="1">
-                <a:effectLst/>
-                <a:latin typeface="Consolas" panose="020B0609020204030204" pitchFamily="49" charset="0"/>
-                <a:cs typeface="Consolas" panose="020B0609020204030204" pitchFamily="49" charset="0"/>
-              </a:rPr>
-              <a:t>logger</a:t>
-            </a:r>
-            <a:r>
-              <a:rPr lang="en" b="0" i="0" noProof="1">
-                <a:solidFill>
-                  <a:srgbClr val="999999"/>
-                </a:solidFill>
-                <a:effectLst/>
-                <a:latin typeface="Consolas" panose="020B0609020204030204" pitchFamily="49" charset="0"/>
-                <a:cs typeface="Consolas" panose="020B0609020204030204" pitchFamily="49" charset="0"/>
-              </a:rPr>
-              <a:t>.</a:t>
-            </a:r>
-            <a:r>
-              <a:rPr lang="en" b="0" i="0" noProof="1">
-                <a:effectLst/>
-                <a:latin typeface="Consolas" panose="020B0609020204030204" pitchFamily="49" charset="0"/>
-                <a:cs typeface="Consolas" panose="020B0609020204030204" pitchFamily="49" charset="0"/>
-              </a:rPr>
-              <a:t>warning</a:t>
-            </a:r>
-            <a:r>
-              <a:rPr lang="en" b="0" i="0" noProof="1">
-                <a:solidFill>
-                  <a:srgbClr val="999999"/>
-                </a:solidFill>
-                <a:effectLst/>
-                <a:latin typeface="Consolas" panose="020B0609020204030204" pitchFamily="49" charset="0"/>
-                <a:cs typeface="Consolas" panose="020B0609020204030204" pitchFamily="49" charset="0"/>
-              </a:rPr>
-              <a:t>(</a:t>
-            </a:r>
-            <a:r>
-              <a:rPr lang="en" b="0" i="0" noProof="1">
-                <a:solidFill>
-                  <a:srgbClr val="669900"/>
-                </a:solidFill>
-                <a:effectLst/>
-                <a:latin typeface="Consolas" panose="020B0609020204030204" pitchFamily="49" charset="0"/>
-                <a:cs typeface="Consolas" panose="020B0609020204030204" pitchFamily="49" charset="0"/>
-              </a:rPr>
-              <a:t>'warn message'</a:t>
-            </a:r>
-            <a:r>
-              <a:rPr lang="en" b="0" i="0" noProof="1">
-                <a:solidFill>
-                  <a:srgbClr val="999999"/>
-                </a:solidFill>
-                <a:effectLst/>
-                <a:latin typeface="Consolas" panose="020B0609020204030204" pitchFamily="49" charset="0"/>
-                <a:cs typeface="Consolas" panose="020B0609020204030204" pitchFamily="49" charset="0"/>
-              </a:rPr>
-              <a:t>)</a:t>
-            </a:r>
-            <a:br>
-              <a:rPr lang="en" noProof="1">
-                <a:solidFill>
-                  <a:srgbClr val="999999"/>
-                </a:solidFill>
-                <a:latin typeface="Consolas" panose="020B0609020204030204" pitchFamily="49" charset="0"/>
-                <a:cs typeface="Consolas" panose="020B0609020204030204" pitchFamily="49" charset="0"/>
-              </a:rPr>
-            </a:br>
-            <a:r>
-              <a:rPr lang="en" b="0" i="0" noProof="1">
-                <a:effectLst/>
-                <a:latin typeface="Consolas" panose="020B0609020204030204" pitchFamily="49" charset="0"/>
-                <a:cs typeface="Consolas" panose="020B0609020204030204" pitchFamily="49" charset="0"/>
-              </a:rPr>
-              <a:t>logger</a:t>
-            </a:r>
-            <a:r>
-              <a:rPr lang="en" b="0" i="0" noProof="1">
-                <a:solidFill>
-                  <a:srgbClr val="999999"/>
-                </a:solidFill>
-                <a:effectLst/>
-                <a:latin typeface="Consolas" panose="020B0609020204030204" pitchFamily="49" charset="0"/>
-                <a:cs typeface="Consolas" panose="020B0609020204030204" pitchFamily="49" charset="0"/>
-              </a:rPr>
-              <a:t>.</a:t>
-            </a:r>
-            <a:r>
-              <a:rPr lang="en" b="0" i="0" noProof="1">
-                <a:effectLst/>
-                <a:latin typeface="Consolas" panose="020B0609020204030204" pitchFamily="49" charset="0"/>
-                <a:cs typeface="Consolas" panose="020B0609020204030204" pitchFamily="49" charset="0"/>
-              </a:rPr>
-              <a:t>error</a:t>
-            </a:r>
-            <a:r>
-              <a:rPr lang="en" b="0" i="0" noProof="1">
-                <a:solidFill>
-                  <a:srgbClr val="999999"/>
-                </a:solidFill>
-                <a:effectLst/>
-                <a:latin typeface="Consolas" panose="020B0609020204030204" pitchFamily="49" charset="0"/>
-                <a:cs typeface="Consolas" panose="020B0609020204030204" pitchFamily="49" charset="0"/>
-              </a:rPr>
-              <a:t>(</a:t>
-            </a:r>
-            <a:r>
-              <a:rPr lang="en" b="0" i="0" noProof="1">
-                <a:solidFill>
-                  <a:srgbClr val="669900"/>
-                </a:solidFill>
-                <a:effectLst/>
-                <a:latin typeface="Consolas" panose="020B0609020204030204" pitchFamily="49" charset="0"/>
-                <a:cs typeface="Consolas" panose="020B0609020204030204" pitchFamily="49" charset="0"/>
-              </a:rPr>
-              <a:t>'error message'</a:t>
-            </a:r>
-            <a:r>
-              <a:rPr lang="en" b="0" i="0" noProof="1">
-                <a:solidFill>
-                  <a:srgbClr val="999999"/>
-                </a:solidFill>
-                <a:effectLst/>
-                <a:latin typeface="Consolas" panose="020B0609020204030204" pitchFamily="49" charset="0"/>
-                <a:cs typeface="Consolas" panose="020B0609020204030204" pitchFamily="49" charset="0"/>
-              </a:rPr>
-              <a:t>)</a:t>
-            </a:r>
-            <a:br>
-              <a:rPr lang="en" noProof="1">
-                <a:solidFill>
-                  <a:srgbClr val="999999"/>
-                </a:solidFill>
-                <a:latin typeface="Consolas" panose="020B0609020204030204" pitchFamily="49" charset="0"/>
-                <a:cs typeface="Consolas" panose="020B0609020204030204" pitchFamily="49" charset="0"/>
-              </a:rPr>
-            </a:br>
-            <a:r>
-              <a:rPr lang="en" b="0" i="0" noProof="1">
-                <a:effectLst/>
-                <a:latin typeface="Consolas" panose="020B0609020204030204" pitchFamily="49" charset="0"/>
-                <a:cs typeface="Consolas" panose="020B0609020204030204" pitchFamily="49" charset="0"/>
-              </a:rPr>
-              <a:t>logger</a:t>
-            </a:r>
-            <a:r>
-              <a:rPr lang="en" b="0" i="0" noProof="1">
-                <a:solidFill>
-                  <a:srgbClr val="999999"/>
-                </a:solidFill>
-                <a:effectLst/>
-                <a:latin typeface="Consolas" panose="020B0609020204030204" pitchFamily="49" charset="0"/>
-                <a:cs typeface="Consolas" panose="020B0609020204030204" pitchFamily="49" charset="0"/>
-              </a:rPr>
-              <a:t>.</a:t>
-            </a:r>
-            <a:r>
-              <a:rPr lang="en" b="0" i="0" noProof="1">
-                <a:effectLst/>
-                <a:latin typeface="Consolas" panose="020B0609020204030204" pitchFamily="49" charset="0"/>
-                <a:cs typeface="Consolas" panose="020B0609020204030204" pitchFamily="49" charset="0"/>
-              </a:rPr>
-              <a:t>critical</a:t>
-            </a:r>
-            <a:r>
-              <a:rPr lang="en" b="0" i="0" noProof="1">
-                <a:solidFill>
-                  <a:srgbClr val="999999"/>
-                </a:solidFill>
-                <a:effectLst/>
-                <a:latin typeface="Consolas" panose="020B0609020204030204" pitchFamily="49" charset="0"/>
-                <a:cs typeface="Consolas" panose="020B0609020204030204" pitchFamily="49" charset="0"/>
-              </a:rPr>
-              <a:t>(</a:t>
-            </a:r>
-            <a:r>
-              <a:rPr lang="en" b="0" i="0" noProof="1">
-                <a:solidFill>
-                  <a:srgbClr val="669900"/>
-                </a:solidFill>
-                <a:effectLst/>
-                <a:latin typeface="Consolas" panose="020B0609020204030204" pitchFamily="49" charset="0"/>
-                <a:cs typeface="Consolas" panose="020B0609020204030204" pitchFamily="49" charset="0"/>
-              </a:rPr>
-              <a:t>'critical message'</a:t>
-            </a:r>
-            <a:r>
-              <a:rPr lang="en" b="0" i="0" noProof="1">
-                <a:solidFill>
-                  <a:srgbClr val="999999"/>
-                </a:solidFill>
-                <a:effectLst/>
-                <a:latin typeface="Consolas" panose="020B0609020204030204" pitchFamily="49" charset="0"/>
-                <a:cs typeface="Consolas" panose="020B0609020204030204" pitchFamily="49" charset="0"/>
-              </a:rPr>
-              <a:t>)</a:t>
-            </a:r>
-            <a:endParaRPr lang="ru-RU" noProof="1">
-              <a:latin typeface="Consolas" panose="020B0609020204030204" pitchFamily="49" charset="0"/>
-              <a:cs typeface="Consolas" panose="020B0609020204030204" pitchFamily="49" charset="0"/>
-            </a:endParaRPr>
-          </a:p>
-        </p:txBody>
-      </p:sp>
-    </p:spTree>
-    <p:extLst>
-      <p:ext uri="{BB962C8B-B14F-4D97-AF65-F5344CB8AC3E}">
-        <p14:creationId xmlns:p14="http://schemas.microsoft.com/office/powerpoint/2010/main" val="3167718501"/>
       </p:ext>
     </p:extLst>
   </p:cSld>
@@ -15493,6 +15637,1267 @@
           <p:cNvPr id="2" name="Заголовок 1">
             <a:extLst>
               <a:ext uri="{FF2B5EF4-FFF2-40B4-BE49-F238E27FC236}">
+                <a16:creationId xmlns:a16="http://schemas.microsoft.com/office/drawing/2014/main" id="{07AEAFAE-80EA-850A-9F01-5086537381E5}"/>
+              </a:ext>
+            </a:extLst>
+          </p:cNvPr>
+          <p:cNvSpPr>
+            <a:spLocks noGrp="1"/>
+          </p:cNvSpPr>
+          <p:nvPr>
+            <p:ph type="title"/>
+          </p:nvPr>
+        </p:nvSpPr>
+        <p:spPr>
+          <a:xfrm>
+            <a:off x="826325" y="80121"/>
+            <a:ext cx="10515600" cy="842352"/>
+          </a:xfrm>
+        </p:spPr>
+        <p:txBody>
+          <a:bodyPr>
+            <a:normAutofit/>
+          </a:bodyPr>
+          <a:lstStyle/>
+          <a:p>
+            <a:r>
+              <a:rPr lang="ru-RU" dirty="0"/>
+              <a:t>Пример использования компонентов</a:t>
+            </a:r>
+          </a:p>
+        </p:txBody>
+      </p:sp>
+      <p:sp>
+        <p:nvSpPr>
+          <p:cNvPr id="3" name="Объект 2">
+            <a:extLst>
+              <a:ext uri="{FF2B5EF4-FFF2-40B4-BE49-F238E27FC236}">
+                <a16:creationId xmlns:a16="http://schemas.microsoft.com/office/drawing/2014/main" id="{083AECA7-4502-120F-9597-72FF9F165281}"/>
+              </a:ext>
+            </a:extLst>
+          </p:cNvPr>
+          <p:cNvSpPr>
+            <a:spLocks noGrp="1"/>
+          </p:cNvSpPr>
+          <p:nvPr>
+            <p:ph idx="1"/>
+          </p:nvPr>
+        </p:nvSpPr>
+        <p:spPr>
+          <a:xfrm>
+            <a:off x="838200" y="981848"/>
+            <a:ext cx="10977748" cy="5692084"/>
+          </a:xfrm>
+        </p:spPr>
+        <p:txBody>
+          <a:bodyPr>
+            <a:normAutofit fontScale="62500" lnSpcReduction="20000"/>
+          </a:bodyPr>
+          <a:lstStyle/>
+          <a:p>
+            <a:pPr marL="0" indent="0">
+              <a:lnSpc>
+                <a:spcPct val="100000"/>
+              </a:lnSpc>
+              <a:buNone/>
+            </a:pPr>
+            <a:r>
+              <a:rPr lang="en" b="0" i="0" noProof="1">
+                <a:solidFill>
+                  <a:srgbClr val="0077AA"/>
+                </a:solidFill>
+                <a:effectLst/>
+                <a:latin typeface="Consolas" panose="020B0609020204030204" pitchFamily="49" charset="0"/>
+                <a:cs typeface="Consolas" panose="020B0609020204030204" pitchFamily="49" charset="0"/>
+              </a:rPr>
+              <a:t>import</a:t>
+            </a:r>
+            <a:r>
+              <a:rPr lang="en" b="0" i="0" noProof="1">
+                <a:effectLst/>
+                <a:latin typeface="Consolas" panose="020B0609020204030204" pitchFamily="49" charset="0"/>
+                <a:cs typeface="Consolas" panose="020B0609020204030204" pitchFamily="49" charset="0"/>
+              </a:rPr>
+              <a:t> logging</a:t>
+            </a:r>
+            <a:br>
+              <a:rPr lang="en" b="0" i="0" noProof="1">
+                <a:effectLst/>
+                <a:latin typeface="Consolas" panose="020B0609020204030204" pitchFamily="49" charset="0"/>
+                <a:cs typeface="Consolas" panose="020B0609020204030204" pitchFamily="49" charset="0"/>
+              </a:rPr>
+            </a:br>
+            <a:br>
+              <a:rPr lang="en" b="0" i="0" noProof="1">
+                <a:effectLst/>
+                <a:latin typeface="Consolas" panose="020B0609020204030204" pitchFamily="49" charset="0"/>
+                <a:cs typeface="Consolas" panose="020B0609020204030204" pitchFamily="49" charset="0"/>
+              </a:rPr>
+            </a:br>
+            <a:r>
+              <a:rPr lang="en" b="0" i="0" noProof="1">
+                <a:solidFill>
+                  <a:srgbClr val="708090"/>
+                </a:solidFill>
+                <a:effectLst/>
+                <a:latin typeface="Consolas" panose="020B0609020204030204" pitchFamily="49" charset="0"/>
+                <a:cs typeface="Consolas" panose="020B0609020204030204" pitchFamily="49" charset="0"/>
+              </a:rPr>
+              <a:t># </a:t>
+            </a:r>
+            <a:r>
+              <a:rPr lang="ru-RU" b="0" i="0" noProof="1">
+                <a:solidFill>
+                  <a:srgbClr val="708090"/>
+                </a:solidFill>
+                <a:effectLst/>
+                <a:latin typeface="Consolas" panose="020B0609020204030204" pitchFamily="49" charset="0"/>
+                <a:cs typeface="Consolas" panose="020B0609020204030204" pitchFamily="49" charset="0"/>
+              </a:rPr>
+              <a:t>создание логгера</a:t>
+            </a:r>
+            <a:br>
+              <a:rPr lang="en-US" noProof="1">
+                <a:solidFill>
+                  <a:srgbClr val="708090"/>
+                </a:solidFill>
+                <a:latin typeface="Consolas" panose="020B0609020204030204" pitchFamily="49" charset="0"/>
+                <a:cs typeface="Consolas" panose="020B0609020204030204" pitchFamily="49" charset="0"/>
+              </a:rPr>
+            </a:br>
+            <a:r>
+              <a:rPr lang="en" b="0" i="0" noProof="1">
+                <a:effectLst/>
+                <a:latin typeface="Consolas" panose="020B0609020204030204" pitchFamily="49" charset="0"/>
+                <a:cs typeface="Consolas" panose="020B0609020204030204" pitchFamily="49" charset="0"/>
+              </a:rPr>
+              <a:t>logger </a:t>
+            </a:r>
+            <a:r>
+              <a:rPr lang="en" b="0" i="0" noProof="1">
+                <a:solidFill>
+                  <a:srgbClr val="A67F59"/>
+                </a:solidFill>
+                <a:effectLst/>
+                <a:latin typeface="Consolas" panose="020B0609020204030204" pitchFamily="49" charset="0"/>
+                <a:cs typeface="Consolas" panose="020B0609020204030204" pitchFamily="49" charset="0"/>
+              </a:rPr>
+              <a:t>=</a:t>
+            </a:r>
+            <a:r>
+              <a:rPr lang="en" b="0" i="0" noProof="1">
+                <a:effectLst/>
+                <a:latin typeface="Consolas" panose="020B0609020204030204" pitchFamily="49" charset="0"/>
+                <a:cs typeface="Consolas" panose="020B0609020204030204" pitchFamily="49" charset="0"/>
+              </a:rPr>
+              <a:t> logging</a:t>
+            </a:r>
+            <a:r>
+              <a:rPr lang="en" b="0" i="0" noProof="1">
+                <a:solidFill>
+                  <a:srgbClr val="999999"/>
+                </a:solidFill>
+                <a:effectLst/>
+                <a:latin typeface="Consolas" panose="020B0609020204030204" pitchFamily="49" charset="0"/>
+                <a:cs typeface="Consolas" panose="020B0609020204030204" pitchFamily="49" charset="0"/>
+              </a:rPr>
+              <a:t>.</a:t>
+            </a:r>
+            <a:r>
+              <a:rPr lang="en" b="0" i="0" noProof="1">
+                <a:effectLst/>
+                <a:latin typeface="Consolas" panose="020B0609020204030204" pitchFamily="49" charset="0"/>
+                <a:cs typeface="Consolas" panose="020B0609020204030204" pitchFamily="49" charset="0"/>
+              </a:rPr>
+              <a:t>getLogger</a:t>
+            </a:r>
+            <a:r>
+              <a:rPr lang="en" b="0" i="0" noProof="1">
+                <a:solidFill>
+                  <a:srgbClr val="999999"/>
+                </a:solidFill>
+                <a:effectLst/>
+                <a:latin typeface="Consolas" panose="020B0609020204030204" pitchFamily="49" charset="0"/>
+                <a:cs typeface="Consolas" panose="020B0609020204030204" pitchFamily="49" charset="0"/>
+              </a:rPr>
+              <a:t>(</a:t>
+            </a:r>
+            <a:r>
+              <a:rPr lang="en" b="0" i="0" noProof="1">
+                <a:solidFill>
+                  <a:srgbClr val="669900"/>
+                </a:solidFill>
+                <a:effectLst/>
+                <a:latin typeface="Consolas" panose="020B0609020204030204" pitchFamily="49" charset="0"/>
+                <a:cs typeface="Consolas" panose="020B0609020204030204" pitchFamily="49" charset="0"/>
+              </a:rPr>
+              <a:t>'exampleLogger'</a:t>
+            </a:r>
+            <a:r>
+              <a:rPr lang="en" b="0" i="0" noProof="1">
+                <a:solidFill>
+                  <a:srgbClr val="999999"/>
+                </a:solidFill>
+                <a:effectLst/>
+                <a:latin typeface="Consolas" panose="020B0609020204030204" pitchFamily="49" charset="0"/>
+                <a:cs typeface="Consolas" panose="020B0609020204030204" pitchFamily="49" charset="0"/>
+              </a:rPr>
+              <a:t>)</a:t>
+            </a:r>
+            <a:br>
+              <a:rPr lang="en" noProof="1">
+                <a:solidFill>
+                  <a:srgbClr val="999999"/>
+                </a:solidFill>
+                <a:latin typeface="Consolas" panose="020B0609020204030204" pitchFamily="49" charset="0"/>
+                <a:cs typeface="Consolas" panose="020B0609020204030204" pitchFamily="49" charset="0"/>
+              </a:rPr>
+            </a:br>
+            <a:r>
+              <a:rPr lang="en" b="0" i="0" noProof="1">
+                <a:effectLst/>
+                <a:latin typeface="Consolas" panose="020B0609020204030204" pitchFamily="49" charset="0"/>
+                <a:cs typeface="Consolas" panose="020B0609020204030204" pitchFamily="49" charset="0"/>
+              </a:rPr>
+              <a:t>logger</a:t>
+            </a:r>
+            <a:r>
+              <a:rPr lang="en" b="0" i="0" noProof="1">
+                <a:solidFill>
+                  <a:srgbClr val="999999"/>
+                </a:solidFill>
+                <a:effectLst/>
+                <a:latin typeface="Consolas" panose="020B0609020204030204" pitchFamily="49" charset="0"/>
+                <a:cs typeface="Consolas" panose="020B0609020204030204" pitchFamily="49" charset="0"/>
+              </a:rPr>
+              <a:t>.</a:t>
+            </a:r>
+            <a:r>
+              <a:rPr lang="en" b="0" i="0" noProof="1">
+                <a:effectLst/>
+                <a:latin typeface="Consolas" panose="020B0609020204030204" pitchFamily="49" charset="0"/>
+                <a:cs typeface="Consolas" panose="020B0609020204030204" pitchFamily="49" charset="0"/>
+              </a:rPr>
+              <a:t>setLevel</a:t>
+            </a:r>
+            <a:r>
+              <a:rPr lang="en" b="0" i="0" noProof="1">
+                <a:solidFill>
+                  <a:srgbClr val="999999"/>
+                </a:solidFill>
+                <a:effectLst/>
+                <a:latin typeface="Consolas" panose="020B0609020204030204" pitchFamily="49" charset="0"/>
+                <a:cs typeface="Consolas" panose="020B0609020204030204" pitchFamily="49" charset="0"/>
+              </a:rPr>
+              <a:t>(</a:t>
+            </a:r>
+            <a:r>
+              <a:rPr lang="en" b="0" i="0" noProof="1">
+                <a:effectLst/>
+                <a:latin typeface="Consolas" panose="020B0609020204030204" pitchFamily="49" charset="0"/>
+                <a:cs typeface="Consolas" panose="020B0609020204030204" pitchFamily="49" charset="0"/>
+              </a:rPr>
+              <a:t>logging</a:t>
+            </a:r>
+            <a:r>
+              <a:rPr lang="en" b="0" i="0" noProof="1">
+                <a:solidFill>
+                  <a:srgbClr val="999999"/>
+                </a:solidFill>
+                <a:effectLst/>
+                <a:latin typeface="Consolas" panose="020B0609020204030204" pitchFamily="49" charset="0"/>
+                <a:cs typeface="Consolas" panose="020B0609020204030204" pitchFamily="49" charset="0"/>
+              </a:rPr>
+              <a:t>.</a:t>
+            </a:r>
+            <a:r>
+              <a:rPr lang="en" b="0" i="0" noProof="1">
+                <a:effectLst/>
+                <a:latin typeface="Consolas" panose="020B0609020204030204" pitchFamily="49" charset="0"/>
+                <a:cs typeface="Consolas" panose="020B0609020204030204" pitchFamily="49" charset="0"/>
+              </a:rPr>
+              <a:t>INFO</a:t>
+            </a:r>
+            <a:r>
+              <a:rPr lang="en" b="0" i="0" noProof="1">
+                <a:solidFill>
+                  <a:srgbClr val="999999"/>
+                </a:solidFill>
+                <a:effectLst/>
+                <a:latin typeface="Consolas" panose="020B0609020204030204" pitchFamily="49" charset="0"/>
+                <a:cs typeface="Consolas" panose="020B0609020204030204" pitchFamily="49" charset="0"/>
+              </a:rPr>
+              <a:t>)</a:t>
+            </a:r>
+            <a:br>
+              <a:rPr lang="en" noProof="1">
+                <a:solidFill>
+                  <a:srgbClr val="999999"/>
+                </a:solidFill>
+                <a:latin typeface="Consolas" panose="020B0609020204030204" pitchFamily="49" charset="0"/>
+                <a:cs typeface="Consolas" panose="020B0609020204030204" pitchFamily="49" charset="0"/>
+              </a:rPr>
+            </a:br>
+            <a:br>
+              <a:rPr lang="en" noProof="1">
+                <a:solidFill>
+                  <a:srgbClr val="999999"/>
+                </a:solidFill>
+                <a:latin typeface="Consolas" panose="020B0609020204030204" pitchFamily="49" charset="0"/>
+                <a:cs typeface="Consolas" panose="020B0609020204030204" pitchFamily="49" charset="0"/>
+              </a:rPr>
+            </a:br>
+            <a:r>
+              <a:rPr lang="en" b="0" i="0" noProof="1">
+                <a:solidFill>
+                  <a:srgbClr val="708090"/>
+                </a:solidFill>
+                <a:effectLst/>
+                <a:latin typeface="Consolas" panose="020B0609020204030204" pitchFamily="49" charset="0"/>
+                <a:cs typeface="Consolas" panose="020B0609020204030204" pitchFamily="49" charset="0"/>
+              </a:rPr>
+              <a:t># </a:t>
+            </a:r>
+            <a:r>
+              <a:rPr lang="ru-RU" b="0" i="0" noProof="1">
+                <a:solidFill>
+                  <a:srgbClr val="708090"/>
+                </a:solidFill>
+                <a:effectLst/>
+                <a:latin typeface="Consolas" panose="020B0609020204030204" pitchFamily="49" charset="0"/>
+                <a:cs typeface="Consolas" panose="020B0609020204030204" pitchFamily="49" charset="0"/>
+              </a:rPr>
+              <a:t>создание обработчика для вывода в консоль</a:t>
+            </a:r>
+            <a:br>
+              <a:rPr lang="en-US" noProof="1">
+                <a:solidFill>
+                  <a:srgbClr val="708090"/>
+                </a:solidFill>
+                <a:latin typeface="Consolas" panose="020B0609020204030204" pitchFamily="49" charset="0"/>
+                <a:cs typeface="Consolas" panose="020B0609020204030204" pitchFamily="49" charset="0"/>
+              </a:rPr>
+            </a:br>
+            <a:r>
+              <a:rPr lang="en" b="0" i="0" noProof="1">
+                <a:effectLst/>
+                <a:latin typeface="Consolas" panose="020B0609020204030204" pitchFamily="49" charset="0"/>
+                <a:cs typeface="Consolas" panose="020B0609020204030204" pitchFamily="49" charset="0"/>
+              </a:rPr>
+              <a:t>console </a:t>
+            </a:r>
+            <a:r>
+              <a:rPr lang="en" b="0" i="0" noProof="1">
+                <a:solidFill>
+                  <a:srgbClr val="A67F59"/>
+                </a:solidFill>
+                <a:effectLst/>
+                <a:latin typeface="Consolas" panose="020B0609020204030204" pitchFamily="49" charset="0"/>
+                <a:cs typeface="Consolas" panose="020B0609020204030204" pitchFamily="49" charset="0"/>
+              </a:rPr>
+              <a:t>=</a:t>
+            </a:r>
+            <a:r>
+              <a:rPr lang="en" b="0" i="0" noProof="1">
+                <a:effectLst/>
+                <a:latin typeface="Consolas" panose="020B0609020204030204" pitchFamily="49" charset="0"/>
+                <a:cs typeface="Consolas" panose="020B0609020204030204" pitchFamily="49" charset="0"/>
+              </a:rPr>
+              <a:t> logging</a:t>
+            </a:r>
+            <a:r>
+              <a:rPr lang="en" b="0" i="0" noProof="1">
+                <a:solidFill>
+                  <a:srgbClr val="999999"/>
+                </a:solidFill>
+                <a:effectLst/>
+                <a:latin typeface="Consolas" panose="020B0609020204030204" pitchFamily="49" charset="0"/>
+                <a:cs typeface="Consolas" panose="020B0609020204030204" pitchFamily="49" charset="0"/>
+              </a:rPr>
+              <a:t>.</a:t>
+            </a:r>
+            <a:r>
+              <a:rPr lang="en" b="0" i="0" noProof="1">
+                <a:effectLst/>
+                <a:latin typeface="Consolas" panose="020B0609020204030204" pitchFamily="49" charset="0"/>
+                <a:cs typeface="Consolas" panose="020B0609020204030204" pitchFamily="49" charset="0"/>
+              </a:rPr>
+              <a:t>StreamHandler</a:t>
+            </a:r>
+            <a:r>
+              <a:rPr lang="en" b="0" i="0" noProof="1">
+                <a:solidFill>
+                  <a:srgbClr val="999999"/>
+                </a:solidFill>
+                <a:effectLst/>
+                <a:latin typeface="Consolas" panose="020B0609020204030204" pitchFamily="49" charset="0"/>
+                <a:cs typeface="Consolas" panose="020B0609020204030204" pitchFamily="49" charset="0"/>
+              </a:rPr>
+              <a:t>()</a:t>
+            </a:r>
+            <a:br>
+              <a:rPr lang="en" noProof="1">
+                <a:solidFill>
+                  <a:srgbClr val="999999"/>
+                </a:solidFill>
+                <a:latin typeface="Consolas" panose="020B0609020204030204" pitchFamily="49" charset="0"/>
+                <a:cs typeface="Consolas" panose="020B0609020204030204" pitchFamily="49" charset="0"/>
+              </a:rPr>
+            </a:br>
+            <a:r>
+              <a:rPr lang="en" b="0" i="0" noProof="1">
+                <a:effectLst/>
+                <a:latin typeface="Consolas" panose="020B0609020204030204" pitchFamily="49" charset="0"/>
+                <a:cs typeface="Consolas" panose="020B0609020204030204" pitchFamily="49" charset="0"/>
+              </a:rPr>
+              <a:t>console</a:t>
+            </a:r>
+            <a:r>
+              <a:rPr lang="en" b="0" i="0" noProof="1">
+                <a:solidFill>
+                  <a:srgbClr val="999999"/>
+                </a:solidFill>
+                <a:effectLst/>
+                <a:latin typeface="Consolas" panose="020B0609020204030204" pitchFamily="49" charset="0"/>
+                <a:cs typeface="Consolas" panose="020B0609020204030204" pitchFamily="49" charset="0"/>
+              </a:rPr>
+              <a:t>.</a:t>
+            </a:r>
+            <a:r>
+              <a:rPr lang="en" b="0" i="0" noProof="1">
+                <a:effectLst/>
+                <a:latin typeface="Consolas" panose="020B0609020204030204" pitchFamily="49" charset="0"/>
+                <a:cs typeface="Consolas" panose="020B0609020204030204" pitchFamily="49" charset="0"/>
+              </a:rPr>
+              <a:t>setLevel</a:t>
+            </a:r>
+            <a:r>
+              <a:rPr lang="en" b="0" i="0" noProof="1">
+                <a:solidFill>
+                  <a:srgbClr val="999999"/>
+                </a:solidFill>
+                <a:effectLst/>
+                <a:latin typeface="Consolas" panose="020B0609020204030204" pitchFamily="49" charset="0"/>
+                <a:cs typeface="Consolas" panose="020B0609020204030204" pitchFamily="49" charset="0"/>
+              </a:rPr>
+              <a:t>(</a:t>
+            </a:r>
+            <a:r>
+              <a:rPr lang="en" b="0" i="0" noProof="1">
+                <a:effectLst/>
+                <a:latin typeface="Consolas" panose="020B0609020204030204" pitchFamily="49" charset="0"/>
+                <a:cs typeface="Consolas" panose="020B0609020204030204" pitchFamily="49" charset="0"/>
+              </a:rPr>
+              <a:t>logging</a:t>
+            </a:r>
+            <a:r>
+              <a:rPr lang="en" b="0" i="0" noProof="1">
+                <a:solidFill>
+                  <a:srgbClr val="999999"/>
+                </a:solidFill>
+                <a:effectLst/>
+                <a:latin typeface="Consolas" panose="020B0609020204030204" pitchFamily="49" charset="0"/>
+                <a:cs typeface="Consolas" panose="020B0609020204030204" pitchFamily="49" charset="0"/>
+              </a:rPr>
+              <a:t>.</a:t>
+            </a:r>
+            <a:r>
+              <a:rPr lang="en" b="0" i="0" noProof="1">
+                <a:effectLst/>
+                <a:latin typeface="Consolas" panose="020B0609020204030204" pitchFamily="49" charset="0"/>
+                <a:cs typeface="Consolas" panose="020B0609020204030204" pitchFamily="49" charset="0"/>
+              </a:rPr>
+              <a:t>INFO</a:t>
+            </a:r>
+            <a:r>
+              <a:rPr lang="en" b="0" i="0" noProof="1">
+                <a:solidFill>
+                  <a:srgbClr val="999999"/>
+                </a:solidFill>
+                <a:effectLst/>
+                <a:latin typeface="Consolas" panose="020B0609020204030204" pitchFamily="49" charset="0"/>
+                <a:cs typeface="Consolas" panose="020B0609020204030204" pitchFamily="49" charset="0"/>
+              </a:rPr>
+              <a:t>)</a:t>
+            </a:r>
+            <a:br>
+              <a:rPr lang="en" noProof="1">
+                <a:solidFill>
+                  <a:srgbClr val="999999"/>
+                </a:solidFill>
+                <a:latin typeface="Consolas" panose="020B0609020204030204" pitchFamily="49" charset="0"/>
+                <a:cs typeface="Consolas" panose="020B0609020204030204" pitchFamily="49" charset="0"/>
+              </a:rPr>
+            </a:br>
+            <a:br>
+              <a:rPr lang="en" noProof="1">
+                <a:solidFill>
+                  <a:srgbClr val="999999"/>
+                </a:solidFill>
+                <a:latin typeface="Consolas" panose="020B0609020204030204" pitchFamily="49" charset="0"/>
+                <a:cs typeface="Consolas" panose="020B0609020204030204" pitchFamily="49" charset="0"/>
+              </a:rPr>
+            </a:br>
+            <a:r>
+              <a:rPr lang="en" b="0" i="0" noProof="1">
+                <a:solidFill>
+                  <a:srgbClr val="708090"/>
+                </a:solidFill>
+                <a:effectLst/>
+                <a:latin typeface="Consolas" panose="020B0609020204030204" pitchFamily="49" charset="0"/>
+                <a:cs typeface="Consolas" panose="020B0609020204030204" pitchFamily="49" charset="0"/>
+              </a:rPr>
+              <a:t># </a:t>
+            </a:r>
+            <a:r>
+              <a:rPr lang="ru-RU" b="0" i="0" noProof="1">
+                <a:solidFill>
+                  <a:srgbClr val="708090"/>
+                </a:solidFill>
+                <a:effectLst/>
+                <a:latin typeface="Consolas" panose="020B0609020204030204" pitchFamily="49" charset="0"/>
+                <a:cs typeface="Consolas" panose="020B0609020204030204" pitchFamily="49" charset="0"/>
+              </a:rPr>
+              <a:t>создание форматтера</a:t>
+            </a:r>
+            <a:br>
+              <a:rPr lang="en-US" noProof="1">
+                <a:solidFill>
+                  <a:srgbClr val="708090"/>
+                </a:solidFill>
+                <a:latin typeface="Consolas" panose="020B0609020204030204" pitchFamily="49" charset="0"/>
+                <a:cs typeface="Consolas" panose="020B0609020204030204" pitchFamily="49" charset="0"/>
+              </a:rPr>
+            </a:br>
+            <a:r>
+              <a:rPr lang="en" b="0" i="0" noProof="1">
+                <a:effectLst/>
+                <a:latin typeface="Consolas" panose="020B0609020204030204" pitchFamily="49" charset="0"/>
+                <a:cs typeface="Consolas" panose="020B0609020204030204" pitchFamily="49" charset="0"/>
+              </a:rPr>
+              <a:t>formatter </a:t>
+            </a:r>
+            <a:r>
+              <a:rPr lang="en" b="0" i="0" noProof="1">
+                <a:solidFill>
+                  <a:srgbClr val="A67F59"/>
+                </a:solidFill>
+                <a:effectLst/>
+                <a:latin typeface="Consolas" panose="020B0609020204030204" pitchFamily="49" charset="0"/>
+                <a:cs typeface="Consolas" panose="020B0609020204030204" pitchFamily="49" charset="0"/>
+              </a:rPr>
+              <a:t>= </a:t>
+            </a:r>
+            <a:r>
+              <a:rPr lang="en" b="0" i="0" noProof="1">
+                <a:effectLst/>
+                <a:latin typeface="Consolas" panose="020B0609020204030204" pitchFamily="49" charset="0"/>
+                <a:cs typeface="Consolas" panose="020B0609020204030204" pitchFamily="49" charset="0"/>
+              </a:rPr>
+              <a:t>logging</a:t>
+            </a:r>
+            <a:r>
+              <a:rPr lang="en" b="0" i="0" noProof="1">
+                <a:solidFill>
+                  <a:srgbClr val="999999"/>
+                </a:solidFill>
+                <a:effectLst/>
+                <a:latin typeface="Consolas" panose="020B0609020204030204" pitchFamily="49" charset="0"/>
+                <a:cs typeface="Consolas" panose="020B0609020204030204" pitchFamily="49" charset="0"/>
+              </a:rPr>
+              <a:t>.</a:t>
+            </a:r>
+            <a:r>
+              <a:rPr lang="en" b="0" i="0" noProof="1">
+                <a:effectLst/>
+                <a:latin typeface="Consolas" panose="020B0609020204030204" pitchFamily="49" charset="0"/>
+                <a:cs typeface="Consolas" panose="020B0609020204030204" pitchFamily="49" charset="0"/>
+              </a:rPr>
+              <a:t>Formatter</a:t>
+            </a:r>
+            <a:r>
+              <a:rPr lang="en" b="0" i="0" noProof="1">
+                <a:solidFill>
+                  <a:srgbClr val="999999"/>
+                </a:solidFill>
+                <a:effectLst/>
+                <a:latin typeface="Consolas" panose="020B0609020204030204" pitchFamily="49" charset="0"/>
+                <a:cs typeface="Consolas" panose="020B0609020204030204" pitchFamily="49" charset="0"/>
+              </a:rPr>
+              <a:t>(</a:t>
+            </a:r>
+            <a:r>
+              <a:rPr lang="en" b="0" i="0" noProof="1">
+                <a:solidFill>
+                  <a:srgbClr val="669900"/>
+                </a:solidFill>
+                <a:effectLst/>
+                <a:latin typeface="Consolas" panose="020B0609020204030204" pitchFamily="49" charset="0"/>
+                <a:cs typeface="Consolas" panose="020B0609020204030204" pitchFamily="49" charset="0"/>
+              </a:rPr>
+              <a:t>'%(asctime)s - %(name)s - %(levelname)s - %(message)s'</a:t>
+            </a:r>
+            <a:r>
+              <a:rPr lang="en" b="0" i="0" noProof="1">
+                <a:solidFill>
+                  <a:srgbClr val="999999"/>
+                </a:solidFill>
+                <a:effectLst/>
+                <a:latin typeface="Consolas" panose="020B0609020204030204" pitchFamily="49" charset="0"/>
+                <a:cs typeface="Consolas" panose="020B0609020204030204" pitchFamily="49" charset="0"/>
+              </a:rPr>
+              <a:t>)</a:t>
+            </a:r>
+            <a:br>
+              <a:rPr lang="en" noProof="1">
+                <a:solidFill>
+                  <a:srgbClr val="999999"/>
+                </a:solidFill>
+                <a:latin typeface="Consolas" panose="020B0609020204030204" pitchFamily="49" charset="0"/>
+                <a:cs typeface="Consolas" panose="020B0609020204030204" pitchFamily="49" charset="0"/>
+              </a:rPr>
+            </a:br>
+            <a:br>
+              <a:rPr lang="en" noProof="1">
+                <a:solidFill>
+                  <a:srgbClr val="999999"/>
+                </a:solidFill>
+                <a:latin typeface="Consolas" panose="020B0609020204030204" pitchFamily="49" charset="0"/>
+                <a:cs typeface="Consolas" panose="020B0609020204030204" pitchFamily="49" charset="0"/>
+              </a:rPr>
+            </a:br>
+            <a:r>
+              <a:rPr lang="en" b="0" i="0" noProof="1">
+                <a:solidFill>
+                  <a:srgbClr val="708090"/>
+                </a:solidFill>
+                <a:effectLst/>
+                <a:latin typeface="Consolas" panose="020B0609020204030204" pitchFamily="49" charset="0"/>
+                <a:cs typeface="Consolas" panose="020B0609020204030204" pitchFamily="49" charset="0"/>
+              </a:rPr>
+              <a:t># </a:t>
+            </a:r>
+            <a:r>
+              <a:rPr lang="ru-RU" b="0" i="0" noProof="1">
+                <a:solidFill>
+                  <a:srgbClr val="708090"/>
+                </a:solidFill>
+                <a:effectLst/>
+                <a:latin typeface="Consolas" panose="020B0609020204030204" pitchFamily="49" charset="0"/>
+                <a:cs typeface="Consolas" panose="020B0609020204030204" pitchFamily="49" charset="0"/>
+              </a:rPr>
+              <a:t>добавление форматтера к хендлеру</a:t>
+            </a:r>
+            <a:br>
+              <a:rPr lang="en-US" noProof="1">
+                <a:solidFill>
+                  <a:srgbClr val="708090"/>
+                </a:solidFill>
+                <a:latin typeface="Consolas" panose="020B0609020204030204" pitchFamily="49" charset="0"/>
+                <a:cs typeface="Consolas" panose="020B0609020204030204" pitchFamily="49" charset="0"/>
+              </a:rPr>
+            </a:br>
+            <a:r>
+              <a:rPr lang="en" b="0" i="0" noProof="1">
+                <a:effectLst/>
+                <a:latin typeface="Consolas" panose="020B0609020204030204" pitchFamily="49" charset="0"/>
+                <a:cs typeface="Consolas" panose="020B0609020204030204" pitchFamily="49" charset="0"/>
+              </a:rPr>
+              <a:t>console</a:t>
+            </a:r>
+            <a:r>
+              <a:rPr lang="en" b="0" i="0" noProof="1">
+                <a:solidFill>
+                  <a:srgbClr val="999999"/>
+                </a:solidFill>
+                <a:effectLst/>
+                <a:latin typeface="Consolas" panose="020B0609020204030204" pitchFamily="49" charset="0"/>
+                <a:cs typeface="Consolas" panose="020B0609020204030204" pitchFamily="49" charset="0"/>
+              </a:rPr>
+              <a:t>.</a:t>
+            </a:r>
+            <a:r>
+              <a:rPr lang="en" b="0" i="0" noProof="1">
+                <a:effectLst/>
+                <a:latin typeface="Consolas" panose="020B0609020204030204" pitchFamily="49" charset="0"/>
+                <a:cs typeface="Consolas" panose="020B0609020204030204" pitchFamily="49" charset="0"/>
+              </a:rPr>
+              <a:t>setFormatter</a:t>
+            </a:r>
+            <a:r>
+              <a:rPr lang="en" b="0" i="0" noProof="1">
+                <a:solidFill>
+                  <a:srgbClr val="999999"/>
+                </a:solidFill>
+                <a:effectLst/>
+                <a:latin typeface="Consolas" panose="020B0609020204030204" pitchFamily="49" charset="0"/>
+                <a:cs typeface="Consolas" panose="020B0609020204030204" pitchFamily="49" charset="0"/>
+              </a:rPr>
+              <a:t>(</a:t>
+            </a:r>
+            <a:r>
+              <a:rPr lang="en" b="0" i="0" noProof="1">
+                <a:effectLst/>
+                <a:latin typeface="Consolas" panose="020B0609020204030204" pitchFamily="49" charset="0"/>
+                <a:cs typeface="Consolas" panose="020B0609020204030204" pitchFamily="49" charset="0"/>
+              </a:rPr>
+              <a:t>formatter</a:t>
+            </a:r>
+            <a:r>
+              <a:rPr lang="en" b="0" i="0" noProof="1">
+                <a:solidFill>
+                  <a:srgbClr val="999999"/>
+                </a:solidFill>
+                <a:effectLst/>
+                <a:latin typeface="Consolas" panose="020B0609020204030204" pitchFamily="49" charset="0"/>
+                <a:cs typeface="Consolas" panose="020B0609020204030204" pitchFamily="49" charset="0"/>
+              </a:rPr>
+              <a:t>)</a:t>
+            </a:r>
+            <a:br>
+              <a:rPr lang="en" noProof="1">
+                <a:solidFill>
+                  <a:srgbClr val="999999"/>
+                </a:solidFill>
+                <a:latin typeface="Consolas" panose="020B0609020204030204" pitchFamily="49" charset="0"/>
+                <a:cs typeface="Consolas" panose="020B0609020204030204" pitchFamily="49" charset="0"/>
+              </a:rPr>
+            </a:br>
+            <a:br>
+              <a:rPr lang="en" noProof="1">
+                <a:solidFill>
+                  <a:srgbClr val="999999"/>
+                </a:solidFill>
+                <a:latin typeface="Consolas" panose="020B0609020204030204" pitchFamily="49" charset="0"/>
+                <a:cs typeface="Consolas" panose="020B0609020204030204" pitchFamily="49" charset="0"/>
+              </a:rPr>
+            </a:br>
+            <a:r>
+              <a:rPr lang="en" b="0" i="0" noProof="1">
+                <a:solidFill>
+                  <a:srgbClr val="708090"/>
+                </a:solidFill>
+                <a:effectLst/>
+                <a:latin typeface="Consolas" panose="020B0609020204030204" pitchFamily="49" charset="0"/>
+                <a:cs typeface="Consolas" panose="020B0609020204030204" pitchFamily="49" charset="0"/>
+              </a:rPr>
+              <a:t># </a:t>
+            </a:r>
+            <a:r>
+              <a:rPr lang="ru-RU" b="0" i="0" noProof="1">
+                <a:solidFill>
+                  <a:srgbClr val="708090"/>
+                </a:solidFill>
+                <a:effectLst/>
+                <a:latin typeface="Consolas" panose="020B0609020204030204" pitchFamily="49" charset="0"/>
+                <a:cs typeface="Consolas" panose="020B0609020204030204" pitchFamily="49" charset="0"/>
+              </a:rPr>
+              <a:t>добавление хендлера к логгеру</a:t>
+            </a:r>
+            <a:br>
+              <a:rPr lang="en-US" noProof="1">
+                <a:solidFill>
+                  <a:srgbClr val="708090"/>
+                </a:solidFill>
+                <a:latin typeface="Consolas" panose="020B0609020204030204" pitchFamily="49" charset="0"/>
+                <a:cs typeface="Consolas" panose="020B0609020204030204" pitchFamily="49" charset="0"/>
+              </a:rPr>
+            </a:br>
+            <a:r>
+              <a:rPr lang="en" b="0" i="0" noProof="1">
+                <a:effectLst/>
+                <a:latin typeface="Consolas" panose="020B0609020204030204" pitchFamily="49" charset="0"/>
+                <a:cs typeface="Consolas" panose="020B0609020204030204" pitchFamily="49" charset="0"/>
+              </a:rPr>
+              <a:t>logger</a:t>
+            </a:r>
+            <a:r>
+              <a:rPr lang="en" b="0" i="0" noProof="1">
+                <a:solidFill>
+                  <a:srgbClr val="999999"/>
+                </a:solidFill>
+                <a:effectLst/>
+                <a:latin typeface="Consolas" panose="020B0609020204030204" pitchFamily="49" charset="0"/>
+                <a:cs typeface="Consolas" panose="020B0609020204030204" pitchFamily="49" charset="0"/>
+              </a:rPr>
+              <a:t>.</a:t>
+            </a:r>
+            <a:r>
+              <a:rPr lang="en" b="0" i="0" noProof="1">
+                <a:effectLst/>
+                <a:latin typeface="Consolas" panose="020B0609020204030204" pitchFamily="49" charset="0"/>
+                <a:cs typeface="Consolas" panose="020B0609020204030204" pitchFamily="49" charset="0"/>
+              </a:rPr>
+              <a:t>addHandler</a:t>
+            </a:r>
+            <a:r>
+              <a:rPr lang="en" b="0" i="0" noProof="1">
+                <a:solidFill>
+                  <a:srgbClr val="999999"/>
+                </a:solidFill>
+                <a:effectLst/>
+                <a:latin typeface="Consolas" panose="020B0609020204030204" pitchFamily="49" charset="0"/>
+                <a:cs typeface="Consolas" panose="020B0609020204030204" pitchFamily="49" charset="0"/>
+              </a:rPr>
+              <a:t>(</a:t>
+            </a:r>
+            <a:r>
+              <a:rPr lang="en" b="0" i="0" noProof="1">
+                <a:effectLst/>
+                <a:latin typeface="Consolas" panose="020B0609020204030204" pitchFamily="49" charset="0"/>
+                <a:cs typeface="Consolas" panose="020B0609020204030204" pitchFamily="49" charset="0"/>
+              </a:rPr>
+              <a:t>console</a:t>
+            </a:r>
+            <a:r>
+              <a:rPr lang="en" b="0" i="0" noProof="1">
+                <a:solidFill>
+                  <a:srgbClr val="999999"/>
+                </a:solidFill>
+                <a:effectLst/>
+                <a:latin typeface="Consolas" panose="020B0609020204030204" pitchFamily="49" charset="0"/>
+                <a:cs typeface="Consolas" panose="020B0609020204030204" pitchFamily="49" charset="0"/>
+              </a:rPr>
+              <a:t>)</a:t>
+            </a:r>
+            <a:br>
+              <a:rPr lang="en" noProof="1">
+                <a:solidFill>
+                  <a:srgbClr val="999999"/>
+                </a:solidFill>
+                <a:latin typeface="Consolas" panose="020B0609020204030204" pitchFamily="49" charset="0"/>
+                <a:cs typeface="Consolas" panose="020B0609020204030204" pitchFamily="49" charset="0"/>
+              </a:rPr>
+            </a:br>
+            <a:br>
+              <a:rPr lang="en" noProof="1">
+                <a:solidFill>
+                  <a:srgbClr val="999999"/>
+                </a:solidFill>
+                <a:latin typeface="Consolas" panose="020B0609020204030204" pitchFamily="49" charset="0"/>
+                <a:cs typeface="Consolas" panose="020B0609020204030204" pitchFamily="49" charset="0"/>
+              </a:rPr>
+            </a:br>
+            <a:r>
+              <a:rPr lang="en" b="0" i="0" noProof="1">
+                <a:solidFill>
+                  <a:srgbClr val="708090"/>
+                </a:solidFill>
+                <a:effectLst/>
+                <a:latin typeface="Consolas" panose="020B0609020204030204" pitchFamily="49" charset="0"/>
+                <a:cs typeface="Consolas" panose="020B0609020204030204" pitchFamily="49" charset="0"/>
+              </a:rPr>
+              <a:t># </a:t>
+            </a:r>
+            <a:r>
+              <a:rPr lang="ru-RU" b="0" i="0" noProof="1">
+                <a:solidFill>
+                  <a:srgbClr val="708090"/>
+                </a:solidFill>
+                <a:effectLst/>
+                <a:latin typeface="Consolas" panose="020B0609020204030204" pitchFamily="49" charset="0"/>
+                <a:cs typeface="Consolas" panose="020B0609020204030204" pitchFamily="49" charset="0"/>
+              </a:rPr>
+              <a:t>использование (будут выведены все сообщения, кроме </a:t>
+            </a:r>
+            <a:r>
+              <a:rPr lang="en" b="0" i="0" noProof="1">
+                <a:solidFill>
+                  <a:srgbClr val="708090"/>
+                </a:solidFill>
+                <a:effectLst/>
+                <a:latin typeface="Consolas" panose="020B0609020204030204" pitchFamily="49" charset="0"/>
+                <a:cs typeface="Consolas" panose="020B0609020204030204" pitchFamily="49" charset="0"/>
+              </a:rPr>
+              <a:t>DEBUG)</a:t>
+            </a:r>
+            <a:br>
+              <a:rPr lang="en" noProof="1">
+                <a:solidFill>
+                  <a:srgbClr val="708090"/>
+                </a:solidFill>
+                <a:latin typeface="Consolas" panose="020B0609020204030204" pitchFamily="49" charset="0"/>
+                <a:cs typeface="Consolas" panose="020B0609020204030204" pitchFamily="49" charset="0"/>
+              </a:rPr>
+            </a:br>
+            <a:r>
+              <a:rPr lang="en" b="0" i="0" noProof="1">
+                <a:effectLst/>
+                <a:latin typeface="Consolas" panose="020B0609020204030204" pitchFamily="49" charset="0"/>
+                <a:cs typeface="Consolas" panose="020B0609020204030204" pitchFamily="49" charset="0"/>
+              </a:rPr>
+              <a:t>logger</a:t>
+            </a:r>
+            <a:r>
+              <a:rPr lang="en" b="0" i="0" noProof="1">
+                <a:solidFill>
+                  <a:srgbClr val="999999"/>
+                </a:solidFill>
+                <a:effectLst/>
+                <a:latin typeface="Consolas" panose="020B0609020204030204" pitchFamily="49" charset="0"/>
+                <a:cs typeface="Consolas" panose="020B0609020204030204" pitchFamily="49" charset="0"/>
+              </a:rPr>
+              <a:t>.</a:t>
+            </a:r>
+            <a:r>
+              <a:rPr lang="en" b="0" i="0" noProof="1">
+                <a:effectLst/>
+                <a:latin typeface="Consolas" panose="020B0609020204030204" pitchFamily="49" charset="0"/>
+                <a:cs typeface="Consolas" panose="020B0609020204030204" pitchFamily="49" charset="0"/>
+              </a:rPr>
+              <a:t>debug</a:t>
+            </a:r>
+            <a:r>
+              <a:rPr lang="en" b="0" i="0" noProof="1">
+                <a:solidFill>
+                  <a:srgbClr val="999999"/>
+                </a:solidFill>
+                <a:effectLst/>
+                <a:latin typeface="Consolas" panose="020B0609020204030204" pitchFamily="49" charset="0"/>
+                <a:cs typeface="Consolas" panose="020B0609020204030204" pitchFamily="49" charset="0"/>
+              </a:rPr>
+              <a:t>(</a:t>
+            </a:r>
+            <a:r>
+              <a:rPr lang="en" b="0" i="0" noProof="1">
+                <a:solidFill>
+                  <a:srgbClr val="669900"/>
+                </a:solidFill>
+                <a:effectLst/>
+                <a:latin typeface="Consolas" panose="020B0609020204030204" pitchFamily="49" charset="0"/>
+                <a:cs typeface="Consolas" panose="020B0609020204030204" pitchFamily="49" charset="0"/>
+              </a:rPr>
+              <a:t>'debug message'</a:t>
+            </a:r>
+            <a:r>
+              <a:rPr lang="en" b="0" i="0" noProof="1">
+                <a:solidFill>
+                  <a:srgbClr val="999999"/>
+                </a:solidFill>
+                <a:effectLst/>
+                <a:latin typeface="Consolas" panose="020B0609020204030204" pitchFamily="49" charset="0"/>
+                <a:cs typeface="Consolas" panose="020B0609020204030204" pitchFamily="49" charset="0"/>
+              </a:rPr>
+              <a:t>)</a:t>
+            </a:r>
+            <a:br>
+              <a:rPr lang="en" noProof="1">
+                <a:solidFill>
+                  <a:srgbClr val="999999"/>
+                </a:solidFill>
+                <a:latin typeface="Consolas" panose="020B0609020204030204" pitchFamily="49" charset="0"/>
+                <a:cs typeface="Consolas" panose="020B0609020204030204" pitchFamily="49" charset="0"/>
+              </a:rPr>
+            </a:br>
+            <a:r>
+              <a:rPr lang="en" b="0" i="0" noProof="1">
+                <a:effectLst/>
+                <a:latin typeface="Consolas" panose="020B0609020204030204" pitchFamily="49" charset="0"/>
+                <a:cs typeface="Consolas" panose="020B0609020204030204" pitchFamily="49" charset="0"/>
+              </a:rPr>
+              <a:t>logger</a:t>
+            </a:r>
+            <a:r>
+              <a:rPr lang="en" b="0" i="0" noProof="1">
+                <a:solidFill>
+                  <a:srgbClr val="999999"/>
+                </a:solidFill>
+                <a:effectLst/>
+                <a:latin typeface="Consolas" panose="020B0609020204030204" pitchFamily="49" charset="0"/>
+                <a:cs typeface="Consolas" panose="020B0609020204030204" pitchFamily="49" charset="0"/>
+              </a:rPr>
+              <a:t>.</a:t>
+            </a:r>
+            <a:r>
+              <a:rPr lang="en" b="0" i="0" noProof="1">
+                <a:effectLst/>
+                <a:latin typeface="Consolas" panose="020B0609020204030204" pitchFamily="49" charset="0"/>
+                <a:cs typeface="Consolas" panose="020B0609020204030204" pitchFamily="49" charset="0"/>
+              </a:rPr>
+              <a:t>info</a:t>
+            </a:r>
+            <a:r>
+              <a:rPr lang="en" b="0" i="0" noProof="1">
+                <a:solidFill>
+                  <a:srgbClr val="999999"/>
+                </a:solidFill>
+                <a:effectLst/>
+                <a:latin typeface="Consolas" panose="020B0609020204030204" pitchFamily="49" charset="0"/>
+                <a:cs typeface="Consolas" panose="020B0609020204030204" pitchFamily="49" charset="0"/>
+              </a:rPr>
+              <a:t>(</a:t>
+            </a:r>
+            <a:r>
+              <a:rPr lang="en" b="0" i="0" noProof="1">
+                <a:solidFill>
+                  <a:srgbClr val="669900"/>
+                </a:solidFill>
+                <a:effectLst/>
+                <a:latin typeface="Consolas" panose="020B0609020204030204" pitchFamily="49" charset="0"/>
+                <a:cs typeface="Consolas" panose="020B0609020204030204" pitchFamily="49" charset="0"/>
+              </a:rPr>
+              <a:t>'info message'</a:t>
+            </a:r>
+            <a:r>
+              <a:rPr lang="en" b="0" i="0" noProof="1">
+                <a:solidFill>
+                  <a:srgbClr val="999999"/>
+                </a:solidFill>
+                <a:effectLst/>
+                <a:latin typeface="Consolas" panose="020B0609020204030204" pitchFamily="49" charset="0"/>
+                <a:cs typeface="Consolas" panose="020B0609020204030204" pitchFamily="49" charset="0"/>
+              </a:rPr>
+              <a:t>)</a:t>
+            </a:r>
+            <a:br>
+              <a:rPr lang="en" noProof="1">
+                <a:solidFill>
+                  <a:srgbClr val="999999"/>
+                </a:solidFill>
+                <a:latin typeface="Consolas" panose="020B0609020204030204" pitchFamily="49" charset="0"/>
+                <a:cs typeface="Consolas" panose="020B0609020204030204" pitchFamily="49" charset="0"/>
+              </a:rPr>
+            </a:br>
+            <a:r>
+              <a:rPr lang="en" b="0" i="0" noProof="1">
+                <a:effectLst/>
+                <a:latin typeface="Consolas" panose="020B0609020204030204" pitchFamily="49" charset="0"/>
+                <a:cs typeface="Consolas" panose="020B0609020204030204" pitchFamily="49" charset="0"/>
+              </a:rPr>
+              <a:t>logger</a:t>
+            </a:r>
+            <a:r>
+              <a:rPr lang="en" b="0" i="0" noProof="1">
+                <a:solidFill>
+                  <a:srgbClr val="999999"/>
+                </a:solidFill>
+                <a:effectLst/>
+                <a:latin typeface="Consolas" panose="020B0609020204030204" pitchFamily="49" charset="0"/>
+                <a:cs typeface="Consolas" panose="020B0609020204030204" pitchFamily="49" charset="0"/>
+              </a:rPr>
+              <a:t>.</a:t>
+            </a:r>
+            <a:r>
+              <a:rPr lang="en" b="0" i="0" noProof="1">
+                <a:effectLst/>
+                <a:latin typeface="Consolas" panose="020B0609020204030204" pitchFamily="49" charset="0"/>
+                <a:cs typeface="Consolas" panose="020B0609020204030204" pitchFamily="49" charset="0"/>
+              </a:rPr>
+              <a:t>warning</a:t>
+            </a:r>
+            <a:r>
+              <a:rPr lang="en" b="0" i="0" noProof="1">
+                <a:solidFill>
+                  <a:srgbClr val="999999"/>
+                </a:solidFill>
+                <a:effectLst/>
+                <a:latin typeface="Consolas" panose="020B0609020204030204" pitchFamily="49" charset="0"/>
+                <a:cs typeface="Consolas" panose="020B0609020204030204" pitchFamily="49" charset="0"/>
+              </a:rPr>
+              <a:t>(</a:t>
+            </a:r>
+            <a:r>
+              <a:rPr lang="en" b="0" i="0" noProof="1">
+                <a:solidFill>
+                  <a:srgbClr val="669900"/>
+                </a:solidFill>
+                <a:effectLst/>
+                <a:latin typeface="Consolas" panose="020B0609020204030204" pitchFamily="49" charset="0"/>
+                <a:cs typeface="Consolas" panose="020B0609020204030204" pitchFamily="49" charset="0"/>
+              </a:rPr>
+              <a:t>'warn message'</a:t>
+            </a:r>
+            <a:r>
+              <a:rPr lang="en" b="0" i="0" noProof="1">
+                <a:solidFill>
+                  <a:srgbClr val="999999"/>
+                </a:solidFill>
+                <a:effectLst/>
+                <a:latin typeface="Consolas" panose="020B0609020204030204" pitchFamily="49" charset="0"/>
+                <a:cs typeface="Consolas" panose="020B0609020204030204" pitchFamily="49" charset="0"/>
+              </a:rPr>
+              <a:t>)</a:t>
+            </a:r>
+            <a:br>
+              <a:rPr lang="en" noProof="1">
+                <a:solidFill>
+                  <a:srgbClr val="999999"/>
+                </a:solidFill>
+                <a:latin typeface="Consolas" panose="020B0609020204030204" pitchFamily="49" charset="0"/>
+                <a:cs typeface="Consolas" panose="020B0609020204030204" pitchFamily="49" charset="0"/>
+              </a:rPr>
+            </a:br>
+            <a:r>
+              <a:rPr lang="en" b="0" i="0" noProof="1">
+                <a:effectLst/>
+                <a:latin typeface="Consolas" panose="020B0609020204030204" pitchFamily="49" charset="0"/>
+                <a:cs typeface="Consolas" panose="020B0609020204030204" pitchFamily="49" charset="0"/>
+              </a:rPr>
+              <a:t>logger</a:t>
+            </a:r>
+            <a:r>
+              <a:rPr lang="en" b="0" i="0" noProof="1">
+                <a:solidFill>
+                  <a:srgbClr val="999999"/>
+                </a:solidFill>
+                <a:effectLst/>
+                <a:latin typeface="Consolas" panose="020B0609020204030204" pitchFamily="49" charset="0"/>
+                <a:cs typeface="Consolas" panose="020B0609020204030204" pitchFamily="49" charset="0"/>
+              </a:rPr>
+              <a:t>.</a:t>
+            </a:r>
+            <a:r>
+              <a:rPr lang="en" b="0" i="0" noProof="1">
+                <a:effectLst/>
+                <a:latin typeface="Consolas" panose="020B0609020204030204" pitchFamily="49" charset="0"/>
+                <a:cs typeface="Consolas" panose="020B0609020204030204" pitchFamily="49" charset="0"/>
+              </a:rPr>
+              <a:t>error</a:t>
+            </a:r>
+            <a:r>
+              <a:rPr lang="en" b="0" i="0" noProof="1">
+                <a:solidFill>
+                  <a:srgbClr val="999999"/>
+                </a:solidFill>
+                <a:effectLst/>
+                <a:latin typeface="Consolas" panose="020B0609020204030204" pitchFamily="49" charset="0"/>
+                <a:cs typeface="Consolas" panose="020B0609020204030204" pitchFamily="49" charset="0"/>
+              </a:rPr>
+              <a:t>(</a:t>
+            </a:r>
+            <a:r>
+              <a:rPr lang="en" b="0" i="0" noProof="1">
+                <a:solidFill>
+                  <a:srgbClr val="669900"/>
+                </a:solidFill>
+                <a:effectLst/>
+                <a:latin typeface="Consolas" panose="020B0609020204030204" pitchFamily="49" charset="0"/>
+                <a:cs typeface="Consolas" panose="020B0609020204030204" pitchFamily="49" charset="0"/>
+              </a:rPr>
+              <a:t>'error message'</a:t>
+            </a:r>
+            <a:r>
+              <a:rPr lang="en" b="0" i="0" noProof="1">
+                <a:solidFill>
+                  <a:srgbClr val="999999"/>
+                </a:solidFill>
+                <a:effectLst/>
+                <a:latin typeface="Consolas" panose="020B0609020204030204" pitchFamily="49" charset="0"/>
+                <a:cs typeface="Consolas" panose="020B0609020204030204" pitchFamily="49" charset="0"/>
+              </a:rPr>
+              <a:t>)</a:t>
+            </a:r>
+            <a:br>
+              <a:rPr lang="en" noProof="1">
+                <a:solidFill>
+                  <a:srgbClr val="999999"/>
+                </a:solidFill>
+                <a:latin typeface="Consolas" panose="020B0609020204030204" pitchFamily="49" charset="0"/>
+                <a:cs typeface="Consolas" panose="020B0609020204030204" pitchFamily="49" charset="0"/>
+              </a:rPr>
+            </a:br>
+            <a:r>
+              <a:rPr lang="en" b="0" i="0" noProof="1">
+                <a:effectLst/>
+                <a:latin typeface="Consolas" panose="020B0609020204030204" pitchFamily="49" charset="0"/>
+                <a:cs typeface="Consolas" panose="020B0609020204030204" pitchFamily="49" charset="0"/>
+              </a:rPr>
+              <a:t>logger</a:t>
+            </a:r>
+            <a:r>
+              <a:rPr lang="en" b="0" i="0" noProof="1">
+                <a:solidFill>
+                  <a:srgbClr val="999999"/>
+                </a:solidFill>
+                <a:effectLst/>
+                <a:latin typeface="Consolas" panose="020B0609020204030204" pitchFamily="49" charset="0"/>
+                <a:cs typeface="Consolas" panose="020B0609020204030204" pitchFamily="49" charset="0"/>
+              </a:rPr>
+              <a:t>.</a:t>
+            </a:r>
+            <a:r>
+              <a:rPr lang="en" b="0" i="0" noProof="1">
+                <a:effectLst/>
+                <a:latin typeface="Consolas" panose="020B0609020204030204" pitchFamily="49" charset="0"/>
+                <a:cs typeface="Consolas" panose="020B0609020204030204" pitchFamily="49" charset="0"/>
+              </a:rPr>
+              <a:t>critical</a:t>
+            </a:r>
+            <a:r>
+              <a:rPr lang="en" b="0" i="0" noProof="1">
+                <a:solidFill>
+                  <a:srgbClr val="999999"/>
+                </a:solidFill>
+                <a:effectLst/>
+                <a:latin typeface="Consolas" panose="020B0609020204030204" pitchFamily="49" charset="0"/>
+                <a:cs typeface="Consolas" panose="020B0609020204030204" pitchFamily="49" charset="0"/>
+              </a:rPr>
+              <a:t>(</a:t>
+            </a:r>
+            <a:r>
+              <a:rPr lang="en" b="0" i="0" noProof="1">
+                <a:solidFill>
+                  <a:srgbClr val="669900"/>
+                </a:solidFill>
+                <a:effectLst/>
+                <a:latin typeface="Consolas" panose="020B0609020204030204" pitchFamily="49" charset="0"/>
+                <a:cs typeface="Consolas" panose="020B0609020204030204" pitchFamily="49" charset="0"/>
+              </a:rPr>
+              <a:t>'critical message'</a:t>
+            </a:r>
+            <a:r>
+              <a:rPr lang="en" b="0" i="0" noProof="1">
+                <a:solidFill>
+                  <a:srgbClr val="999999"/>
+                </a:solidFill>
+                <a:effectLst/>
+                <a:latin typeface="Consolas" panose="020B0609020204030204" pitchFamily="49" charset="0"/>
+                <a:cs typeface="Consolas" panose="020B0609020204030204" pitchFamily="49" charset="0"/>
+              </a:rPr>
+              <a:t>)</a:t>
+            </a:r>
+            <a:endParaRPr lang="ru-RU" noProof="1">
+              <a:latin typeface="Consolas" panose="020B0609020204030204" pitchFamily="49" charset="0"/>
+              <a:cs typeface="Consolas" panose="020B0609020204030204" pitchFamily="49" charset="0"/>
+            </a:endParaRPr>
+          </a:p>
+        </p:txBody>
+      </p:sp>
+    </p:spTree>
+    <p:extLst>
+      <p:ext uri="{BB962C8B-B14F-4D97-AF65-F5344CB8AC3E}">
+        <p14:creationId xmlns:p14="http://schemas.microsoft.com/office/powerpoint/2010/main" val="3167718501"/>
+      </p:ext>
+    </p:extLst>
+  </p:cSld>
+  <p:clrMapOvr>
+    <a:masterClrMapping/>
+  </p:clrMapOvr>
+</p:sld>
+</file>
+
+<file path=ppt/slides/slide31.xml><?xml version="1.0" encoding="utf-8"?>
+<p:sld xmlns:a="http://schemas.openxmlformats.org/drawingml/2006/main" xmlns:r="http://schemas.openxmlformats.org/officeDocument/2006/relationships" xmlns:p="http://schemas.openxmlformats.org/presentationml/2006/main">
+  <p:cSld>
+    <p:spTree>
+      <p:nvGrpSpPr>
+        <p:cNvPr id="1" name=""/>
+        <p:cNvGrpSpPr/>
+        <p:nvPr/>
+      </p:nvGrpSpPr>
+      <p:grpSpPr>
+        <a:xfrm>
+          <a:off x="0" y="0"/>
+          <a:ext cx="0" cy="0"/>
+          <a:chOff x="0" y="0"/>
+          <a:chExt cx="0" cy="0"/>
+        </a:xfrm>
+      </p:grpSpPr>
+      <p:sp>
+        <p:nvSpPr>
+          <p:cNvPr id="2" name="Заголовок 1">
+            <a:extLst>
+              <a:ext uri="{FF2B5EF4-FFF2-40B4-BE49-F238E27FC236}">
                 <a16:creationId xmlns:a16="http://schemas.microsoft.com/office/drawing/2014/main" id="{BA56BFA2-C693-FF7F-692C-52F610DDBE00}"/>
               </a:ext>
             </a:extLst>
@@ -16320,7 +17725,7 @@
 </p:sld>
 </file>
 
-<file path=ppt/slides/slide31.xml><?xml version="1.0" encoding="utf-8"?>
+<file path=ppt/slides/slide32.xml><?xml version="1.0" encoding="utf-8"?>
 <p:sld xmlns:a="http://schemas.openxmlformats.org/drawingml/2006/main" xmlns:r="http://schemas.openxmlformats.org/officeDocument/2006/relationships" xmlns:p="http://schemas.openxmlformats.org/presentationml/2006/main">
   <p:cSld>
     <p:spTree>
@@ -16762,7 +18167,7 @@
 </p:sld>
 </file>
 
-<file path=ppt/slides/slide32.xml><?xml version="1.0" encoding="utf-8"?>
+<file path=ppt/slides/slide33.xml><?xml version="1.0" encoding="utf-8"?>
 <p:sld xmlns:a="http://schemas.openxmlformats.org/drawingml/2006/main" xmlns:r="http://schemas.openxmlformats.org/officeDocument/2006/relationships" xmlns:p="http://schemas.openxmlformats.org/presentationml/2006/main">
   <p:cSld>
     <p:spTree>
@@ -17553,7 +18958,7 @@
 </p:sld>
 </file>
 
-<file path=ppt/slides/slide33.xml><?xml version="1.0" encoding="utf-8"?>
+<file path=ppt/slides/slide34.xml><?xml version="1.0" encoding="utf-8"?>
 <p:sld xmlns:a="http://schemas.openxmlformats.org/drawingml/2006/main" xmlns:r="http://schemas.openxmlformats.org/officeDocument/2006/relationships" xmlns:p="http://schemas.openxmlformats.org/presentationml/2006/main">
   <p:cSld>
     <p:spTree>
@@ -18621,7 +20026,7 @@
 </p:sld>
 </file>
 
-<file path=ppt/slides/slide34.xml><?xml version="1.0" encoding="utf-8"?>
+<file path=ppt/slides/slide35.xml><?xml version="1.0" encoding="utf-8"?>
 <p:sld xmlns:a="http://schemas.openxmlformats.org/drawingml/2006/main" xmlns:r="http://schemas.openxmlformats.org/officeDocument/2006/relationships" xmlns:p="http://schemas.openxmlformats.org/presentationml/2006/main">
   <p:cSld>
     <p:spTree>
@@ -20836,7 +22241,7 @@
 </p:sld>
 </file>
 
-<file path=ppt/slides/slide35.xml><?xml version="1.0" encoding="utf-8"?>
+<file path=ppt/slides/slide36.xml><?xml version="1.0" encoding="utf-8"?>
 <p:sld xmlns:a="http://schemas.openxmlformats.org/drawingml/2006/main" xmlns:r="http://schemas.openxmlformats.org/officeDocument/2006/relationships" xmlns:p="http://schemas.openxmlformats.org/presentationml/2006/main">
   <p:cSld>
     <p:spTree>
@@ -21381,7 +22786,7 @@
 </p:sld>
 </file>
 
-<file path=ppt/slides/slide36.xml><?xml version="1.0" encoding="utf-8"?>
+<file path=ppt/slides/slide37.xml><?xml version="1.0" encoding="utf-8"?>
 <p:sld xmlns:a="http://schemas.openxmlformats.org/drawingml/2006/main" xmlns:r="http://schemas.openxmlformats.org/officeDocument/2006/relationships" xmlns:p="http://schemas.openxmlformats.org/presentationml/2006/main">
   <p:cSld>
     <p:spTree>
@@ -21790,7 +23195,7 @@
 </p:sld>
 </file>
 
-<file path=ppt/slides/slide37.xml><?xml version="1.0" encoding="utf-8"?>
+<file path=ppt/slides/slide38.xml><?xml version="1.0" encoding="utf-8"?>
 <p:sld xmlns:a="http://schemas.openxmlformats.org/drawingml/2006/main" xmlns:r="http://schemas.openxmlformats.org/officeDocument/2006/relationships" xmlns:p="http://schemas.openxmlformats.org/presentationml/2006/main">
   <p:cSld>
     <p:spTree>
@@ -21925,7 +23330,7 @@
 </p:sld>
 </file>
 
-<file path=ppt/slides/slide38.xml><?xml version="1.0" encoding="utf-8"?>
+<file path=ppt/slides/slide39.xml><?xml version="1.0" encoding="utf-8"?>
 <p:sld xmlns:a="http://schemas.openxmlformats.org/drawingml/2006/main" xmlns:r="http://schemas.openxmlformats.org/officeDocument/2006/relationships" xmlns:p="http://schemas.openxmlformats.org/presentationml/2006/main">
   <p:cSld>
     <p:spTree>
@@ -22323,350 +23728,6 @@
     <p:extLst>
       <p:ext uri="{BB962C8B-B14F-4D97-AF65-F5344CB8AC3E}">
         <p14:creationId xmlns:p14="http://schemas.microsoft.com/office/powerpoint/2010/main" val="4017431518"/>
-      </p:ext>
-    </p:extLst>
-  </p:cSld>
-  <p:clrMapOvr>
-    <a:masterClrMapping/>
-  </p:clrMapOvr>
-</p:sld>
-</file>
-
-<file path=ppt/slides/slide39.xml><?xml version="1.0" encoding="utf-8"?>
-<p:sld xmlns:a="http://schemas.openxmlformats.org/drawingml/2006/main" xmlns:r="http://schemas.openxmlformats.org/officeDocument/2006/relationships" xmlns:p="http://schemas.openxmlformats.org/presentationml/2006/main">
-  <p:cSld>
-    <p:spTree>
-      <p:nvGrpSpPr>
-        <p:cNvPr id="1" name=""/>
-        <p:cNvGrpSpPr/>
-        <p:nvPr/>
-      </p:nvGrpSpPr>
-      <p:grpSpPr>
-        <a:xfrm>
-          <a:off x="0" y="0"/>
-          <a:ext cx="0" cy="0"/>
-          <a:chOff x="0" y="0"/>
-          <a:chExt cx="0" cy="0"/>
-        </a:xfrm>
-      </p:grpSpPr>
-      <p:sp>
-        <p:nvSpPr>
-          <p:cNvPr id="2" name="Заголовок 1">
-            <a:extLst>
-              <a:ext uri="{FF2B5EF4-FFF2-40B4-BE49-F238E27FC236}">
-                <a16:creationId xmlns:a16="http://schemas.microsoft.com/office/drawing/2014/main" id="{4ADBD4C5-CA07-0863-9982-1D8D96E890B9}"/>
-              </a:ext>
-            </a:extLst>
-          </p:cNvPr>
-          <p:cNvSpPr>
-            <a:spLocks noGrp="1"/>
-          </p:cNvSpPr>
-          <p:nvPr>
-            <p:ph type="title"/>
-          </p:nvPr>
-        </p:nvSpPr>
-        <p:spPr>
-          <a:xfrm>
-            <a:off x="838200" y="365126"/>
-            <a:ext cx="10515600" cy="739774"/>
-          </a:xfrm>
-        </p:spPr>
-        <p:txBody>
-          <a:bodyPr/>
-          <a:lstStyle/>
-          <a:p>
-            <a:r>
-              <a:rPr lang="ru-RU" dirty="0"/>
-              <a:t>Хранение логов в БД</a:t>
-            </a:r>
-          </a:p>
-        </p:txBody>
-      </p:sp>
-      <p:sp>
-        <p:nvSpPr>
-          <p:cNvPr id="3" name="Объект 2">
-            <a:extLst>
-              <a:ext uri="{FF2B5EF4-FFF2-40B4-BE49-F238E27FC236}">
-                <a16:creationId xmlns:a16="http://schemas.microsoft.com/office/drawing/2014/main" id="{85987630-CD50-37D6-2C21-F61B0B98AC9B}"/>
-              </a:ext>
-            </a:extLst>
-          </p:cNvPr>
-          <p:cNvSpPr>
-            <a:spLocks noGrp="1"/>
-          </p:cNvSpPr>
-          <p:nvPr>
-            <p:ph idx="1"/>
-          </p:nvPr>
-        </p:nvSpPr>
-        <p:spPr>
-          <a:xfrm>
-            <a:off x="838200" y="1207478"/>
-            <a:ext cx="11010900" cy="5650522"/>
-          </a:xfrm>
-        </p:spPr>
-        <p:txBody>
-          <a:bodyPr>
-            <a:normAutofit fontScale="62500" lnSpcReduction="20000"/>
-          </a:bodyPr>
-          <a:lstStyle/>
-          <a:p>
-            <a:pPr marL="0" indent="0">
-              <a:lnSpc>
-                <a:spcPct val="120000"/>
-              </a:lnSpc>
-              <a:buNone/>
-            </a:pPr>
-            <a:r>
-              <a:rPr lang="ru-RU" b="1" dirty="0"/>
-              <a:t>Чем удобно</a:t>
-            </a:r>
-            <a:r>
-              <a:rPr lang="ru-RU" dirty="0"/>
-              <a:t>: Хранение логов в БД удобно тем, что:</a:t>
-            </a:r>
-          </a:p>
-          <a:p>
-            <a:pPr>
-              <a:lnSpc>
-                <a:spcPct val="120000"/>
-              </a:lnSpc>
-              <a:spcBef>
-                <a:spcPts val="300"/>
-              </a:spcBef>
-            </a:pPr>
-            <a:r>
-              <a:rPr lang="ru-RU" dirty="0"/>
-              <a:t>Очень легко и быстро ищутся / фильтруются нужные записи (относящиеся к одному из множества объектов логирования, нужного типа)</a:t>
-            </a:r>
-          </a:p>
-          <a:p>
-            <a:pPr lvl="1">
-              <a:lnSpc>
-                <a:spcPct val="120000"/>
-              </a:lnSpc>
-              <a:spcBef>
-                <a:spcPts val="300"/>
-              </a:spcBef>
-            </a:pPr>
-            <a:r>
-              <a:rPr lang="ru-RU" dirty="0"/>
-              <a:t>Например, "все события, относящиеся к пользователю 12345 за 2023 год"</a:t>
-            </a:r>
-          </a:p>
-          <a:p>
-            <a:pPr>
-              <a:lnSpc>
-                <a:spcPct val="120000"/>
-              </a:lnSpc>
-              <a:spcBef>
-                <a:spcPts val="300"/>
-              </a:spcBef>
-            </a:pPr>
-            <a:r>
-              <a:rPr lang="ru-RU" dirty="0"/>
-              <a:t>Легко поддерживать хранение за определённый период</a:t>
-            </a:r>
-          </a:p>
-          <a:p>
-            <a:pPr lvl="1">
-              <a:lnSpc>
-                <a:spcPct val="120000"/>
-              </a:lnSpc>
-              <a:spcBef>
-                <a:spcPts val="300"/>
-              </a:spcBef>
-            </a:pPr>
-            <a:r>
-              <a:rPr lang="ru-RU" dirty="0"/>
-              <a:t>В файлах довольно сложно всегда гарантированно иметь под рукой записи за последнее время (сутки, неделя и т.п.). С </a:t>
-            </a:r>
-            <a:r>
-              <a:rPr lang="en" dirty="0"/>
-              <a:t>logrotate </a:t>
-            </a:r>
-            <a:r>
-              <a:rPr lang="ru-RU" dirty="0"/>
-              <a:t>после ротации лог становится пустой, нужно искать в нескольких файлах / разархивировать сжатые логи и т.п.</a:t>
-            </a:r>
-            <a:br>
-              <a:rPr lang="ru-RU" dirty="0"/>
-            </a:br>
-            <a:r>
-              <a:rPr lang="ru-RU" dirty="0"/>
-              <a:t>С базой задача очистить все что старше определённого возраста и гарантированно оставить все, что моложе — решается намного проще (один запрос к БД).</a:t>
-            </a:r>
-          </a:p>
-          <a:p>
-            <a:pPr marL="0" indent="0">
-              <a:lnSpc>
-                <a:spcPct val="120000"/>
-              </a:lnSpc>
-              <a:buNone/>
-            </a:pPr>
-            <a:r>
-              <a:rPr lang="ru-RU" b="1" dirty="0"/>
-              <a:t>Какие виды логов удобно хранить</a:t>
-            </a:r>
-            <a:r>
-              <a:rPr lang="ru-RU" dirty="0"/>
-              <a:t>:</a:t>
-            </a:r>
-          </a:p>
-          <a:p>
-            <a:pPr>
-              <a:lnSpc>
-                <a:spcPct val="120000"/>
-              </a:lnSpc>
-              <a:spcBef>
-                <a:spcPts val="300"/>
-              </a:spcBef>
-            </a:pPr>
-            <a:r>
-              <a:rPr lang="ru-RU" dirty="0"/>
-              <a:t>хорошо хранить там </a:t>
-            </a:r>
-            <a:r>
-              <a:rPr lang="ru-RU" u="sng" dirty="0"/>
-              <a:t>журналы событий</a:t>
-            </a:r>
-            <a:r>
-              <a:rPr lang="ru-RU" dirty="0"/>
-              <a:t> (для последующего </a:t>
-            </a:r>
-            <a:r>
-              <a:rPr lang="en-US" dirty="0"/>
-              <a:t>«</a:t>
-            </a:r>
-            <a:r>
-              <a:rPr lang="ru-RU" dirty="0"/>
-              <a:t>разбора полётов</a:t>
-            </a:r>
-            <a:r>
-              <a:rPr lang="en-US" dirty="0"/>
-              <a:t>»</a:t>
-            </a:r>
-            <a:r>
-              <a:rPr lang="ru-RU" dirty="0"/>
-              <a:t>, разбора инцидентов безопасности и т.п.</a:t>
-            </a:r>
-            <a:r>
-              <a:rPr lang="en-US" dirty="0"/>
-              <a:t>, </a:t>
-            </a:r>
-            <a:r>
-              <a:rPr lang="ru-RU" dirty="0"/>
-              <a:t>помощи в работе техподдержки</a:t>
-            </a:r>
-            <a:r>
-              <a:rPr lang="en-US" dirty="0"/>
-              <a:t>)</a:t>
-            </a:r>
-            <a:endParaRPr lang="ru-RU" dirty="0"/>
-          </a:p>
-          <a:p>
-            <a:pPr>
-              <a:lnSpc>
-                <a:spcPct val="120000"/>
-              </a:lnSpc>
-              <a:spcBef>
-                <a:spcPts val="300"/>
-              </a:spcBef>
-            </a:pPr>
-            <a:r>
-              <a:rPr lang="ru-RU" dirty="0"/>
-              <a:t>плохо подходят для логов связанных с отладкой (очень много данных) — для этого лучше файлы</a:t>
-            </a:r>
-          </a:p>
-          <a:p>
-            <a:pPr marL="0" indent="0">
-              <a:lnSpc>
-                <a:spcPct val="120000"/>
-              </a:lnSpc>
-              <a:buNone/>
-            </a:pPr>
-            <a:r>
-              <a:rPr lang="ru-RU" b="1" dirty="0"/>
-              <a:t>Какие СУБД подходят</a:t>
-            </a:r>
-            <a:r>
-              <a:rPr lang="ru-RU" dirty="0"/>
-              <a:t>: хорошо подходят </a:t>
-            </a:r>
-            <a:r>
-              <a:rPr lang="en-US" b="1" dirty="0"/>
-              <a:t>column-based</a:t>
-            </a:r>
-            <a:r>
-              <a:rPr lang="en-US" dirty="0"/>
-              <a:t> </a:t>
-            </a:r>
-            <a:r>
-              <a:rPr lang="ru-RU" dirty="0"/>
-              <a:t>СУБД (</a:t>
-            </a:r>
-            <a:r>
-              <a:rPr lang="en-US" dirty="0"/>
-              <a:t>clickhouse </a:t>
-            </a:r>
-            <a:r>
-              <a:rPr lang="ru-RU" dirty="0"/>
-              <a:t>и т.п.):</a:t>
-            </a:r>
-          </a:p>
-          <a:p>
-            <a:pPr>
-              <a:lnSpc>
-                <a:spcPct val="120000"/>
-              </a:lnSpc>
-              <a:spcBef>
-                <a:spcPts val="300"/>
-              </a:spcBef>
-            </a:pPr>
-            <a:r>
-              <a:rPr lang="ru-RU" dirty="0"/>
-              <a:t>поддерживают очень высокий темп записи в БД</a:t>
-            </a:r>
-          </a:p>
-          <a:p>
-            <a:pPr>
-              <a:lnSpc>
-                <a:spcPct val="120000"/>
-              </a:lnSpc>
-              <a:spcBef>
-                <a:spcPts val="300"/>
-              </a:spcBef>
-            </a:pPr>
-            <a:r>
-              <a:rPr lang="ru-RU" dirty="0"/>
-              <a:t>компактное хранение данных</a:t>
-            </a:r>
-          </a:p>
-          <a:p>
-            <a:pPr>
-              <a:lnSpc>
-                <a:spcPct val="120000"/>
-              </a:lnSpc>
-              <a:spcBef>
-                <a:spcPts val="300"/>
-              </a:spcBef>
-            </a:pPr>
-            <a:r>
-              <a:rPr lang="ru-RU" dirty="0"/>
-              <a:t>не нужно создавать/поддерживать индексы по ключевым полям (на что уходит время и существенное место на в хранилище)</a:t>
-            </a:r>
-          </a:p>
-          <a:p>
-            <a:pPr marL="0" indent="0">
-              <a:buNone/>
-            </a:pPr>
-            <a:endParaRPr lang="ru-RU" dirty="0"/>
-          </a:p>
-        </p:txBody>
-      </p:sp>
-    </p:spTree>
-    <p:extLst>
-      <p:ext uri="{BB962C8B-B14F-4D97-AF65-F5344CB8AC3E}">
-        <p14:creationId xmlns:p14="http://schemas.microsoft.com/office/powerpoint/2010/main" val="1546381416"/>
       </p:ext>
     </p:extLst>
   </p:cSld>
@@ -23018,6 +24079,350 @@
           <p:cNvPr id="2" name="Заголовок 1">
             <a:extLst>
               <a:ext uri="{FF2B5EF4-FFF2-40B4-BE49-F238E27FC236}">
+                <a16:creationId xmlns:a16="http://schemas.microsoft.com/office/drawing/2014/main" id="{4ADBD4C5-CA07-0863-9982-1D8D96E890B9}"/>
+              </a:ext>
+            </a:extLst>
+          </p:cNvPr>
+          <p:cNvSpPr>
+            <a:spLocks noGrp="1"/>
+          </p:cNvSpPr>
+          <p:nvPr>
+            <p:ph type="title"/>
+          </p:nvPr>
+        </p:nvSpPr>
+        <p:spPr>
+          <a:xfrm>
+            <a:off x="838200" y="365126"/>
+            <a:ext cx="10515600" cy="739774"/>
+          </a:xfrm>
+        </p:spPr>
+        <p:txBody>
+          <a:bodyPr/>
+          <a:lstStyle/>
+          <a:p>
+            <a:r>
+              <a:rPr lang="ru-RU" dirty="0"/>
+              <a:t>Хранение логов в БД</a:t>
+            </a:r>
+          </a:p>
+        </p:txBody>
+      </p:sp>
+      <p:sp>
+        <p:nvSpPr>
+          <p:cNvPr id="3" name="Объект 2">
+            <a:extLst>
+              <a:ext uri="{FF2B5EF4-FFF2-40B4-BE49-F238E27FC236}">
+                <a16:creationId xmlns:a16="http://schemas.microsoft.com/office/drawing/2014/main" id="{85987630-CD50-37D6-2C21-F61B0B98AC9B}"/>
+              </a:ext>
+            </a:extLst>
+          </p:cNvPr>
+          <p:cNvSpPr>
+            <a:spLocks noGrp="1"/>
+          </p:cNvSpPr>
+          <p:nvPr>
+            <p:ph idx="1"/>
+          </p:nvPr>
+        </p:nvSpPr>
+        <p:spPr>
+          <a:xfrm>
+            <a:off x="838200" y="1207478"/>
+            <a:ext cx="11010900" cy="5650522"/>
+          </a:xfrm>
+        </p:spPr>
+        <p:txBody>
+          <a:bodyPr>
+            <a:normAutofit fontScale="62500" lnSpcReduction="20000"/>
+          </a:bodyPr>
+          <a:lstStyle/>
+          <a:p>
+            <a:pPr marL="0" indent="0">
+              <a:lnSpc>
+                <a:spcPct val="120000"/>
+              </a:lnSpc>
+              <a:buNone/>
+            </a:pPr>
+            <a:r>
+              <a:rPr lang="ru-RU" b="1" dirty="0"/>
+              <a:t>Чем удобно</a:t>
+            </a:r>
+            <a:r>
+              <a:rPr lang="ru-RU" dirty="0"/>
+              <a:t>: Хранение логов в БД удобно тем, что:</a:t>
+            </a:r>
+          </a:p>
+          <a:p>
+            <a:pPr>
+              <a:lnSpc>
+                <a:spcPct val="120000"/>
+              </a:lnSpc>
+              <a:spcBef>
+                <a:spcPts val="300"/>
+              </a:spcBef>
+            </a:pPr>
+            <a:r>
+              <a:rPr lang="ru-RU" dirty="0"/>
+              <a:t>Очень легко и быстро ищутся / фильтруются нужные записи (относящиеся к одному из множества объектов логирования, нужного типа)</a:t>
+            </a:r>
+          </a:p>
+          <a:p>
+            <a:pPr lvl="1">
+              <a:lnSpc>
+                <a:spcPct val="120000"/>
+              </a:lnSpc>
+              <a:spcBef>
+                <a:spcPts val="300"/>
+              </a:spcBef>
+            </a:pPr>
+            <a:r>
+              <a:rPr lang="ru-RU" dirty="0"/>
+              <a:t>Например, "все события, относящиеся к пользователю 12345 за 2023 год"</a:t>
+            </a:r>
+          </a:p>
+          <a:p>
+            <a:pPr>
+              <a:lnSpc>
+                <a:spcPct val="120000"/>
+              </a:lnSpc>
+              <a:spcBef>
+                <a:spcPts val="300"/>
+              </a:spcBef>
+            </a:pPr>
+            <a:r>
+              <a:rPr lang="ru-RU" dirty="0"/>
+              <a:t>Легко поддерживать хранение за определённый период</a:t>
+            </a:r>
+          </a:p>
+          <a:p>
+            <a:pPr lvl="1">
+              <a:lnSpc>
+                <a:spcPct val="120000"/>
+              </a:lnSpc>
+              <a:spcBef>
+                <a:spcPts val="300"/>
+              </a:spcBef>
+            </a:pPr>
+            <a:r>
+              <a:rPr lang="ru-RU" dirty="0"/>
+              <a:t>В файлах довольно сложно всегда гарантированно иметь под рукой записи за последнее время (сутки, неделя и т.п.). С </a:t>
+            </a:r>
+            <a:r>
+              <a:rPr lang="en" dirty="0"/>
+              <a:t>logrotate </a:t>
+            </a:r>
+            <a:r>
+              <a:rPr lang="ru-RU" dirty="0"/>
+              <a:t>после ротации лог становится пустой, нужно искать в нескольких файлах / разархивировать сжатые логи и т.п.</a:t>
+            </a:r>
+            <a:br>
+              <a:rPr lang="ru-RU" dirty="0"/>
+            </a:br>
+            <a:r>
+              <a:rPr lang="ru-RU" dirty="0"/>
+              <a:t>С базой задача очистить все что старше определённого возраста и гарантированно оставить все, что моложе — решается намного проще (один запрос к БД).</a:t>
+            </a:r>
+          </a:p>
+          <a:p>
+            <a:pPr marL="0" indent="0">
+              <a:lnSpc>
+                <a:spcPct val="120000"/>
+              </a:lnSpc>
+              <a:buNone/>
+            </a:pPr>
+            <a:r>
+              <a:rPr lang="ru-RU" b="1" dirty="0"/>
+              <a:t>Какие виды логов удобно хранить</a:t>
+            </a:r>
+            <a:r>
+              <a:rPr lang="ru-RU" dirty="0"/>
+              <a:t>:</a:t>
+            </a:r>
+          </a:p>
+          <a:p>
+            <a:pPr>
+              <a:lnSpc>
+                <a:spcPct val="120000"/>
+              </a:lnSpc>
+              <a:spcBef>
+                <a:spcPts val="300"/>
+              </a:spcBef>
+            </a:pPr>
+            <a:r>
+              <a:rPr lang="ru-RU" dirty="0"/>
+              <a:t>хорошо хранить там </a:t>
+            </a:r>
+            <a:r>
+              <a:rPr lang="ru-RU" u="sng" dirty="0"/>
+              <a:t>журналы событий</a:t>
+            </a:r>
+            <a:r>
+              <a:rPr lang="ru-RU" dirty="0"/>
+              <a:t> (для последующего </a:t>
+            </a:r>
+            <a:r>
+              <a:rPr lang="en-US" dirty="0"/>
+              <a:t>«</a:t>
+            </a:r>
+            <a:r>
+              <a:rPr lang="ru-RU" dirty="0"/>
+              <a:t>разбора полётов</a:t>
+            </a:r>
+            <a:r>
+              <a:rPr lang="en-US" dirty="0"/>
+              <a:t>»</a:t>
+            </a:r>
+            <a:r>
+              <a:rPr lang="ru-RU" dirty="0"/>
+              <a:t>, разбора инцидентов безопасности и т.п.</a:t>
+            </a:r>
+            <a:r>
+              <a:rPr lang="en-US" dirty="0"/>
+              <a:t>, </a:t>
+            </a:r>
+            <a:r>
+              <a:rPr lang="ru-RU" dirty="0"/>
+              <a:t>помощи в работе техподдержки</a:t>
+            </a:r>
+            <a:r>
+              <a:rPr lang="en-US" dirty="0"/>
+              <a:t>)</a:t>
+            </a:r>
+            <a:endParaRPr lang="ru-RU" dirty="0"/>
+          </a:p>
+          <a:p>
+            <a:pPr>
+              <a:lnSpc>
+                <a:spcPct val="120000"/>
+              </a:lnSpc>
+              <a:spcBef>
+                <a:spcPts val="300"/>
+              </a:spcBef>
+            </a:pPr>
+            <a:r>
+              <a:rPr lang="ru-RU" dirty="0"/>
+              <a:t>плохо подходят для логов связанных с отладкой (очень много данных) — для этого лучше файлы</a:t>
+            </a:r>
+          </a:p>
+          <a:p>
+            <a:pPr marL="0" indent="0">
+              <a:lnSpc>
+                <a:spcPct val="120000"/>
+              </a:lnSpc>
+              <a:buNone/>
+            </a:pPr>
+            <a:r>
+              <a:rPr lang="ru-RU" b="1" dirty="0"/>
+              <a:t>Какие СУБД подходят</a:t>
+            </a:r>
+            <a:r>
+              <a:rPr lang="ru-RU" dirty="0"/>
+              <a:t>: хорошо подходят </a:t>
+            </a:r>
+            <a:r>
+              <a:rPr lang="en-US" b="1" dirty="0"/>
+              <a:t>column-based</a:t>
+            </a:r>
+            <a:r>
+              <a:rPr lang="en-US" dirty="0"/>
+              <a:t> </a:t>
+            </a:r>
+            <a:r>
+              <a:rPr lang="ru-RU" dirty="0"/>
+              <a:t>СУБД (</a:t>
+            </a:r>
+            <a:r>
+              <a:rPr lang="en-US" dirty="0"/>
+              <a:t>clickhouse </a:t>
+            </a:r>
+            <a:r>
+              <a:rPr lang="ru-RU" dirty="0"/>
+              <a:t>и т.п.):</a:t>
+            </a:r>
+          </a:p>
+          <a:p>
+            <a:pPr>
+              <a:lnSpc>
+                <a:spcPct val="120000"/>
+              </a:lnSpc>
+              <a:spcBef>
+                <a:spcPts val="300"/>
+              </a:spcBef>
+            </a:pPr>
+            <a:r>
+              <a:rPr lang="ru-RU" dirty="0"/>
+              <a:t>поддерживают очень высокий темп записи в БД</a:t>
+            </a:r>
+          </a:p>
+          <a:p>
+            <a:pPr>
+              <a:lnSpc>
+                <a:spcPct val="120000"/>
+              </a:lnSpc>
+              <a:spcBef>
+                <a:spcPts val="300"/>
+              </a:spcBef>
+            </a:pPr>
+            <a:r>
+              <a:rPr lang="ru-RU" dirty="0"/>
+              <a:t>компактное хранение данных</a:t>
+            </a:r>
+          </a:p>
+          <a:p>
+            <a:pPr>
+              <a:lnSpc>
+                <a:spcPct val="120000"/>
+              </a:lnSpc>
+              <a:spcBef>
+                <a:spcPts val="300"/>
+              </a:spcBef>
+            </a:pPr>
+            <a:r>
+              <a:rPr lang="ru-RU" dirty="0"/>
+              <a:t>не нужно создавать/поддерживать индексы по ключевым полям (на что уходит время и существенное место на в хранилище)</a:t>
+            </a:r>
+          </a:p>
+          <a:p>
+            <a:pPr marL="0" indent="0">
+              <a:buNone/>
+            </a:pPr>
+            <a:endParaRPr lang="ru-RU" dirty="0"/>
+          </a:p>
+        </p:txBody>
+      </p:sp>
+    </p:spTree>
+    <p:extLst>
+      <p:ext uri="{BB962C8B-B14F-4D97-AF65-F5344CB8AC3E}">
+        <p14:creationId xmlns:p14="http://schemas.microsoft.com/office/powerpoint/2010/main" val="1546381416"/>
+      </p:ext>
+    </p:extLst>
+  </p:cSld>
+  <p:clrMapOvr>
+    <a:masterClrMapping/>
+  </p:clrMapOvr>
+</p:sld>
+</file>
+
+<file path=ppt/slides/slide41.xml><?xml version="1.0" encoding="utf-8"?>
+<p:sld xmlns:a="http://schemas.openxmlformats.org/drawingml/2006/main" xmlns:r="http://schemas.openxmlformats.org/officeDocument/2006/relationships" xmlns:p="http://schemas.openxmlformats.org/presentationml/2006/main">
+  <p:cSld>
+    <p:spTree>
+      <p:nvGrpSpPr>
+        <p:cNvPr id="1" name=""/>
+        <p:cNvGrpSpPr/>
+        <p:nvPr/>
+      </p:nvGrpSpPr>
+      <p:grpSpPr>
+        <a:xfrm>
+          <a:off x="0" y="0"/>
+          <a:ext cx="0" cy="0"/>
+          <a:chOff x="0" y="0"/>
+          <a:chExt cx="0" cy="0"/>
+        </a:xfrm>
+      </p:grpSpPr>
+      <p:sp>
+        <p:nvSpPr>
+          <p:cNvPr id="2" name="Заголовок 1">
+            <a:extLst>
+              <a:ext uri="{FF2B5EF4-FFF2-40B4-BE49-F238E27FC236}">
                 <a16:creationId xmlns:a16="http://schemas.microsoft.com/office/drawing/2014/main" id="{8A09272F-98C1-7D8E-4232-13455A495754}"/>
               </a:ext>
             </a:extLst>
@@ -23323,7 +24728,7 @@
 </p:sld>
 </file>
 
-<file path=ppt/slides/slide41.xml><?xml version="1.0" encoding="utf-8"?>
+<file path=ppt/slides/slide42.xml><?xml version="1.0" encoding="utf-8"?>
 <p:sld xmlns:a="http://schemas.openxmlformats.org/drawingml/2006/main" xmlns:r="http://schemas.openxmlformats.org/officeDocument/2006/relationships" xmlns:p="http://schemas.openxmlformats.org/presentationml/2006/main">
   <p:cSld>
     <p:spTree>
@@ -23672,7 +25077,7 @@
 </p:sld>
 </file>
 
-<file path=ppt/slides/slide42.xml><?xml version="1.0" encoding="utf-8"?>
+<file path=ppt/slides/slide43.xml><?xml version="1.0" encoding="utf-8"?>
 <p:sld xmlns:a="http://schemas.openxmlformats.org/drawingml/2006/main" xmlns:r="http://schemas.openxmlformats.org/officeDocument/2006/relationships" xmlns:p="http://schemas.openxmlformats.org/presentationml/2006/main">
   <p:cSld>
     <p:spTree>

--- a/presentations/Logging.pptx
+++ b/presentations/Logging.pptx
@@ -27,27 +27,29 @@
     <p:sldId id="276" r:id="rId21"/>
     <p:sldId id="273" r:id="rId22"/>
     <p:sldId id="277" r:id="rId23"/>
-    <p:sldId id="278" r:id="rId24"/>
-    <p:sldId id="298" r:id="rId25"/>
-    <p:sldId id="279" r:id="rId26"/>
-    <p:sldId id="280" r:id="rId27"/>
-    <p:sldId id="281" r:id="rId28"/>
-    <p:sldId id="282" r:id="rId29"/>
-    <p:sldId id="283" r:id="rId30"/>
-    <p:sldId id="284" r:id="rId31"/>
-    <p:sldId id="285" r:id="rId32"/>
-    <p:sldId id="286" r:id="rId33"/>
-    <p:sldId id="287" r:id="rId34"/>
-    <p:sldId id="288" r:id="rId35"/>
-    <p:sldId id="289" r:id="rId36"/>
-    <p:sldId id="290" r:id="rId37"/>
-    <p:sldId id="291" r:id="rId38"/>
-    <p:sldId id="292" r:id="rId39"/>
-    <p:sldId id="293" r:id="rId40"/>
-    <p:sldId id="294" r:id="rId41"/>
-    <p:sldId id="295" r:id="rId42"/>
-    <p:sldId id="296" r:id="rId43"/>
-    <p:sldId id="297" r:id="rId44"/>
+    <p:sldId id="279" r:id="rId24"/>
+    <p:sldId id="299" r:id="rId25"/>
+    <p:sldId id="278" r:id="rId26"/>
+    <p:sldId id="298" r:id="rId27"/>
+    <p:sldId id="280" r:id="rId28"/>
+    <p:sldId id="281" r:id="rId29"/>
+    <p:sldId id="282" r:id="rId30"/>
+    <p:sldId id="283" r:id="rId31"/>
+    <p:sldId id="284" r:id="rId32"/>
+    <p:sldId id="285" r:id="rId33"/>
+    <p:sldId id="286" r:id="rId34"/>
+    <p:sldId id="287" r:id="rId35"/>
+    <p:sldId id="288" r:id="rId36"/>
+    <p:sldId id="289" r:id="rId37"/>
+    <p:sldId id="290" r:id="rId38"/>
+    <p:sldId id="291" r:id="rId39"/>
+    <p:sldId id="292" r:id="rId40"/>
+    <p:sldId id="293" r:id="rId41"/>
+    <p:sldId id="300" r:id="rId42"/>
+    <p:sldId id="294" r:id="rId43"/>
+    <p:sldId id="295" r:id="rId44"/>
+    <p:sldId id="296" r:id="rId45"/>
+    <p:sldId id="297" r:id="rId46"/>
   </p:sldIdLst>
   <p:sldSz cx="12192000" cy="6858000"/>
   <p:notesSz cx="6858000" cy="9144000"/>
@@ -3311,7 +3313,12 @@
             <p:ph type="ctrTitle"/>
           </p:nvPr>
         </p:nvSpPr>
-        <p:spPr/>
+        <p:spPr>
+          <a:xfrm>
+            <a:off x="1524000" y="1299990"/>
+            <a:ext cx="9144000" cy="2371897"/>
+          </a:xfrm>
+        </p:spPr>
         <p:txBody>
           <a:bodyPr>
             <a:normAutofit fontScale="90000"/>
@@ -3322,7 +3329,7 @@
               <a:rPr lang="ru-RU" dirty="0"/>
             </a:br>
             <a:r>
-              <a:rPr lang="en-US" dirty="0">
+              <a:rPr lang="en-US" sz="6700" dirty="0">
                 <a:solidFill>
                   <a:schemeClr val="accent6">
                     <a:lumMod val="50000"/>
@@ -3332,10 +3339,16 @@
               <a:t>Logging</a:t>
             </a:r>
             <a:br>
-              <a:rPr lang="ru-RU" dirty="0"/>
+              <a:rPr lang="ru-RU" sz="6700" dirty="0"/>
             </a:br>
             <a:r>
-              <a:rPr lang="ru-RU" dirty="0"/>
+              <a:rPr lang="ru-RU" sz="6700" dirty="0">
+                <a:solidFill>
+                  <a:schemeClr val="accent4">
+                    <a:lumMod val="50000"/>
+                  </a:schemeClr>
+                </a:solidFill>
+              </a:rPr>
               <a:t>Логирование</a:t>
             </a:r>
           </a:p>
@@ -3358,121 +3371,1098 @@
           </p:nvPr>
         </p:nvSpPr>
         <p:spPr>
+          <a:xfrm>
+            <a:off x="1017224" y="3796190"/>
+            <a:ext cx="10710654" cy="2549525"/>
+          </a:xfrm>
           <a:solidFill>
-            <a:schemeClr val="tx1">
-              <a:lumMod val="85000"/>
-              <a:lumOff val="15000"/>
+            <a:schemeClr val="bg2">
+              <a:lumMod val="50000"/>
             </a:schemeClr>
           </a:solidFill>
         </p:spPr>
         <p:txBody>
           <a:bodyPr>
-            <a:normAutofit/>
+            <a:noAutofit/>
           </a:bodyPr>
           <a:lstStyle/>
           <a:p>
             <a:pPr algn="l">
+              <a:lnSpc>
+                <a:spcPct val="100000"/>
+              </a:lnSpc>
               <a:spcBef>
                 <a:spcPts val="200"/>
               </a:spcBef>
             </a:pPr>
             <a:r>
-              <a:rPr lang="en" sz="1400" noProof="1">
-                <a:solidFill>
-                  <a:srgbClr val="00B050"/>
-                </a:solidFill>
-              </a:rPr>
-              <a:t>Fri Aug 25 14:08:09.787 Usb Host Notification Error Apple80211Set: Device power is off seqNum 4879 Total 0 chg 0 en0</a:t>
-            </a:r>
-          </a:p>
-          <a:p>
-            <a:pPr algn="l">
+              <a:rPr lang="en" sz="1200" b="0" i="0" noProof="1">
+                <a:solidFill>
+                  <a:srgbClr val="F8F8F2"/>
+                </a:solidFill>
+                <a:effectLst/>
+                <a:latin typeface="Consolas" panose="020B0609020204030204" pitchFamily="49" charset="0"/>
+                <a:cs typeface="Consolas" panose="020B0609020204030204" pitchFamily="49" charset="0"/>
+              </a:rPr>
+              <a:t>92.63.107.227 - - [04/Nov/2020:06:30:48 +0000] </a:t>
+            </a:r>
+            <a:r>
+              <a:rPr lang="en" sz="1200" b="0" i="0" noProof="1">
+                <a:solidFill>
+                  <a:srgbClr val="E6DB74"/>
+                </a:solidFill>
+                <a:effectLst/>
+                <a:latin typeface="Consolas" panose="020B0609020204030204" pitchFamily="49" charset="0"/>
+                <a:cs typeface="Consolas" panose="020B0609020204030204" pitchFamily="49" charset="0"/>
+              </a:rPr>
+              <a:t>"GET /ru/hosted-open-vpn-server/ HTTP/1.1"</a:t>
+            </a:r>
+            <a:r>
+              <a:rPr lang="en" sz="1200" b="0" i="0" noProof="1">
+                <a:solidFill>
+                  <a:srgbClr val="F8F8F2"/>
+                </a:solidFill>
+                <a:effectLst/>
+                <a:latin typeface="Consolas" panose="020B0609020204030204" pitchFamily="49" charset="0"/>
+                <a:cs typeface="Consolas" panose="020B0609020204030204" pitchFamily="49" charset="0"/>
+              </a:rPr>
+              <a:t> 301 169 </a:t>
+            </a:r>
+            <a:r>
+              <a:rPr lang="en" sz="1200" b="0" i="0" noProof="1">
+                <a:solidFill>
+                  <a:srgbClr val="E6DB74"/>
+                </a:solidFill>
+                <a:effectLst/>
+                <a:latin typeface="Consolas" panose="020B0609020204030204" pitchFamily="49" charset="0"/>
+                <a:cs typeface="Consolas" panose="020B0609020204030204" pitchFamily="49" charset="0"/>
+              </a:rPr>
+              <a:t>"-"</a:t>
+            </a:r>
+            <a:r>
+              <a:rPr lang="en" sz="1200" b="0" i="0" noProof="1">
+                <a:solidFill>
+                  <a:srgbClr val="F8F8F2"/>
+                </a:solidFill>
+                <a:effectLst/>
+                <a:latin typeface="Consolas" panose="020B0609020204030204" pitchFamily="49" charset="0"/>
+                <a:cs typeface="Consolas" panose="020B0609020204030204" pitchFamily="49" charset="0"/>
+              </a:rPr>
+              <a:t> </a:t>
+            </a:r>
+            <a:r>
+              <a:rPr lang="en" sz="1200" b="0" i="0" noProof="1">
+                <a:solidFill>
+                  <a:srgbClr val="E6DB74"/>
+                </a:solidFill>
+                <a:effectLst/>
+                <a:latin typeface="Consolas" panose="020B0609020204030204" pitchFamily="49" charset="0"/>
+                <a:cs typeface="Consolas" panose="020B0609020204030204" pitchFamily="49" charset="0"/>
+              </a:rPr>
+              <a:t>"python-requests/2.11.1"</a:t>
+            </a:r>
+            <a:r>
+              <a:rPr lang="en" sz="1200" b="0" i="0" noProof="1">
+                <a:solidFill>
+                  <a:srgbClr val="F8F8F2"/>
+                </a:solidFill>
+                <a:effectLst/>
+                <a:latin typeface="Consolas" panose="020B0609020204030204" pitchFamily="49" charset="0"/>
+                <a:cs typeface="Consolas" panose="020B0609020204030204" pitchFamily="49" charset="0"/>
+              </a:rPr>
+              <a:t> </a:t>
+            </a:r>
+            <a:r>
+              <a:rPr lang="en" sz="1200" b="0" i="0" noProof="1">
+                <a:solidFill>
+                  <a:srgbClr val="E6DB74"/>
+                </a:solidFill>
+                <a:effectLst/>
+                <a:latin typeface="Consolas" panose="020B0609020204030204" pitchFamily="49" charset="0"/>
+                <a:cs typeface="Consolas" panose="020B0609020204030204" pitchFamily="49" charset="0"/>
+              </a:rPr>
+              <a:t>"-"</a:t>
+            </a:r>
+            <a:br>
+              <a:rPr lang="en" sz="1200" noProof="1">
+                <a:solidFill>
+                  <a:srgbClr val="F8F8F2"/>
+                </a:solidFill>
+                <a:latin typeface="Consolas" panose="020B0609020204030204" pitchFamily="49" charset="0"/>
+                <a:cs typeface="Consolas" panose="020B0609020204030204" pitchFamily="49" charset="0"/>
+              </a:rPr>
+            </a:br>
+            <a:r>
+              <a:rPr lang="en" sz="1200" b="0" i="0" noProof="1">
+                <a:solidFill>
+                  <a:srgbClr val="F8F8F2"/>
+                </a:solidFill>
+                <a:effectLst/>
+                <a:latin typeface="Consolas" panose="020B0609020204030204" pitchFamily="49" charset="0"/>
+                <a:cs typeface="Consolas" panose="020B0609020204030204" pitchFamily="49" charset="0"/>
+              </a:rPr>
+              <a:t>92.63.107.227 - - [04/Nov/2020:06:30:49 +0000] </a:t>
+            </a:r>
+            <a:r>
+              <a:rPr lang="en" sz="1200" b="0" i="0" noProof="1">
+                <a:solidFill>
+                  <a:srgbClr val="E6DB74"/>
+                </a:solidFill>
+                <a:effectLst/>
+                <a:latin typeface="Consolas" panose="020B0609020204030204" pitchFamily="49" charset="0"/>
+                <a:cs typeface="Consolas" panose="020B0609020204030204" pitchFamily="49" charset="0"/>
+              </a:rPr>
+              <a:t>"GET /ru/data-engineering-course/ HTTP/1.1"</a:t>
+            </a:r>
+            <a:r>
+              <a:rPr lang="en" sz="1200" b="0" i="0" noProof="1">
+                <a:solidFill>
+                  <a:srgbClr val="F8F8F2"/>
+                </a:solidFill>
+                <a:effectLst/>
+                <a:latin typeface="Consolas" panose="020B0609020204030204" pitchFamily="49" charset="0"/>
+                <a:cs typeface="Consolas" panose="020B0609020204030204" pitchFamily="49" charset="0"/>
+              </a:rPr>
+              <a:t> 301 169 </a:t>
+            </a:r>
+            <a:r>
+              <a:rPr lang="en" sz="1200" b="0" i="0" noProof="1">
+                <a:solidFill>
+                  <a:srgbClr val="E6DB74"/>
+                </a:solidFill>
+                <a:effectLst/>
+                <a:latin typeface="Consolas" panose="020B0609020204030204" pitchFamily="49" charset="0"/>
+                <a:cs typeface="Consolas" panose="020B0609020204030204" pitchFamily="49" charset="0"/>
+              </a:rPr>
+              <a:t>"-"</a:t>
+            </a:r>
+            <a:r>
+              <a:rPr lang="en" sz="1200" b="0" i="0" noProof="1">
+                <a:solidFill>
+                  <a:srgbClr val="F8F8F2"/>
+                </a:solidFill>
+                <a:effectLst/>
+                <a:latin typeface="Consolas" panose="020B0609020204030204" pitchFamily="49" charset="0"/>
+                <a:cs typeface="Consolas" panose="020B0609020204030204" pitchFamily="49" charset="0"/>
+              </a:rPr>
+              <a:t> </a:t>
+            </a:r>
+            <a:r>
+              <a:rPr lang="en" sz="1200" b="0" i="0" noProof="1">
+                <a:solidFill>
+                  <a:srgbClr val="E6DB74"/>
+                </a:solidFill>
+                <a:effectLst/>
+                <a:latin typeface="Consolas" panose="020B0609020204030204" pitchFamily="49" charset="0"/>
+                <a:cs typeface="Consolas" panose="020B0609020204030204" pitchFamily="49" charset="0"/>
+              </a:rPr>
+              <a:t>"python-requests/2.11.1"</a:t>
+            </a:r>
+            <a:r>
+              <a:rPr lang="en" sz="1200" b="0" i="0" noProof="1">
+                <a:solidFill>
+                  <a:srgbClr val="F8F8F2"/>
+                </a:solidFill>
+                <a:effectLst/>
+                <a:latin typeface="Consolas" panose="020B0609020204030204" pitchFamily="49" charset="0"/>
+                <a:cs typeface="Consolas" panose="020B0609020204030204" pitchFamily="49" charset="0"/>
+              </a:rPr>
+              <a:t> </a:t>
+            </a:r>
+            <a:r>
+              <a:rPr lang="en" sz="1200" b="0" i="0" noProof="1">
+                <a:solidFill>
+                  <a:srgbClr val="E6DB74"/>
+                </a:solidFill>
+                <a:effectLst/>
+                <a:latin typeface="Consolas" panose="020B0609020204030204" pitchFamily="49" charset="0"/>
+                <a:cs typeface="Consolas" panose="020B0609020204030204" pitchFamily="49" charset="0"/>
+              </a:rPr>
+              <a:t>"-"</a:t>
+            </a:r>
+            <a:br>
+              <a:rPr lang="en" sz="1200" noProof="1">
+                <a:solidFill>
+                  <a:srgbClr val="F8F8F2"/>
+                </a:solidFill>
+                <a:latin typeface="Consolas" panose="020B0609020204030204" pitchFamily="49" charset="0"/>
+                <a:cs typeface="Consolas" panose="020B0609020204030204" pitchFamily="49" charset="0"/>
+              </a:rPr>
+            </a:br>
+            <a:r>
+              <a:rPr lang="en" sz="1200" b="0" i="0" noProof="1">
+                <a:solidFill>
+                  <a:srgbClr val="F8F8F2"/>
+                </a:solidFill>
+                <a:effectLst/>
+                <a:latin typeface="Consolas" panose="020B0609020204030204" pitchFamily="49" charset="0"/>
+                <a:cs typeface="Consolas" panose="020B0609020204030204" pitchFamily="49" charset="0"/>
+              </a:rPr>
+              <a:t>213.180.203.50 - - [04/Nov/2020:06:36:07 +0000] </a:t>
+            </a:r>
+            <a:r>
+              <a:rPr lang="en" sz="1200" b="0" i="0" noProof="1">
+                <a:solidFill>
+                  <a:srgbClr val="E6DB74"/>
+                </a:solidFill>
+                <a:effectLst/>
+                <a:latin typeface="Consolas" panose="020B0609020204030204" pitchFamily="49" charset="0"/>
+                <a:cs typeface="Consolas" panose="020B0609020204030204" pitchFamily="49" charset="0"/>
+              </a:rPr>
+              <a:t>"GET / HTTP/1.1"</a:t>
+            </a:r>
+            <a:r>
+              <a:rPr lang="en" sz="1200" b="0" i="0" noProof="1">
+                <a:solidFill>
+                  <a:srgbClr val="F8F8F2"/>
+                </a:solidFill>
+                <a:effectLst/>
+                <a:latin typeface="Consolas" panose="020B0609020204030204" pitchFamily="49" charset="0"/>
+                <a:cs typeface="Consolas" panose="020B0609020204030204" pitchFamily="49" charset="0"/>
+              </a:rPr>
+              <a:t> 301 169 </a:t>
+            </a:r>
+            <a:r>
+              <a:rPr lang="en" sz="1200" b="0" i="0" noProof="1">
+                <a:solidFill>
+                  <a:srgbClr val="E6DB74"/>
+                </a:solidFill>
+                <a:effectLst/>
+                <a:latin typeface="Consolas" panose="020B0609020204030204" pitchFamily="49" charset="0"/>
+                <a:cs typeface="Consolas" panose="020B0609020204030204" pitchFamily="49" charset="0"/>
+              </a:rPr>
+              <a:t>"-"</a:t>
+            </a:r>
+            <a:r>
+              <a:rPr lang="en" sz="1200" b="0" i="0" noProof="1">
+                <a:solidFill>
+                  <a:srgbClr val="F8F8F2"/>
+                </a:solidFill>
+                <a:effectLst/>
+                <a:latin typeface="Consolas" panose="020B0609020204030204" pitchFamily="49" charset="0"/>
+                <a:cs typeface="Consolas" panose="020B0609020204030204" pitchFamily="49" charset="0"/>
+              </a:rPr>
+              <a:t> </a:t>
+            </a:r>
+            <a:r>
+              <a:rPr lang="en" sz="1200" b="0" i="0" noProof="1">
+                <a:solidFill>
+                  <a:srgbClr val="E6DB74"/>
+                </a:solidFill>
+                <a:effectLst/>
+                <a:latin typeface="Consolas" panose="020B0609020204030204" pitchFamily="49" charset="0"/>
+                <a:cs typeface="Consolas" panose="020B0609020204030204" pitchFamily="49" charset="0"/>
+              </a:rPr>
+              <a:t>"Mozilla/5.0 (compatible; YandexMetrika/2.0; +</a:t>
+            </a:r>
+            <a:r>
+              <a:rPr lang="en" sz="1200" b="0" i="0" u="none" strike="noStrike" noProof="1">
+                <a:solidFill>
+                  <a:schemeClr val="accent4">
+                    <a:lumMod val="75000"/>
+                  </a:schemeClr>
+                </a:solidFill>
+                <a:effectLst/>
+                <a:latin typeface="Consolas" panose="020B0609020204030204" pitchFamily="49" charset="0"/>
+                <a:cs typeface="Consolas" panose="020B0609020204030204" pitchFamily="49" charset="0"/>
+              </a:rPr>
+              <a:t>http://yandex.com/bots</a:t>
+            </a:r>
+            <a:r>
+              <a:rPr lang="en" sz="1200" b="0" i="0" noProof="1">
+                <a:solidFill>
+                  <a:srgbClr val="E6DB74"/>
+                </a:solidFill>
+                <a:effectLst/>
+                <a:latin typeface="Consolas" panose="020B0609020204030204" pitchFamily="49" charset="0"/>
+                <a:cs typeface="Consolas" panose="020B0609020204030204" pitchFamily="49" charset="0"/>
+              </a:rPr>
+              <a:t> yabs01)"</a:t>
+            </a:r>
+            <a:r>
+              <a:rPr lang="en" sz="1200" b="0" i="0" noProof="1">
+                <a:solidFill>
+                  <a:srgbClr val="F8F8F2"/>
+                </a:solidFill>
+                <a:effectLst/>
+                <a:latin typeface="Consolas" panose="020B0609020204030204" pitchFamily="49" charset="0"/>
+                <a:cs typeface="Consolas" panose="020B0609020204030204" pitchFamily="49" charset="0"/>
+              </a:rPr>
+              <a:t> </a:t>
+            </a:r>
+            <a:r>
+              <a:rPr lang="en" sz="1200" b="0" i="0" noProof="1">
+                <a:solidFill>
+                  <a:srgbClr val="E6DB74"/>
+                </a:solidFill>
+                <a:effectLst/>
+                <a:latin typeface="Consolas" panose="020B0609020204030204" pitchFamily="49" charset="0"/>
+                <a:cs typeface="Consolas" panose="020B0609020204030204" pitchFamily="49" charset="0"/>
+              </a:rPr>
+              <a:t>"-"</a:t>
+            </a:r>
+            <a:br>
+              <a:rPr lang="en" sz="1200" noProof="1">
+                <a:solidFill>
+                  <a:srgbClr val="F8F8F2"/>
+                </a:solidFill>
+                <a:latin typeface="Consolas" panose="020B0609020204030204" pitchFamily="49" charset="0"/>
+                <a:cs typeface="Consolas" panose="020B0609020204030204" pitchFamily="49" charset="0"/>
+              </a:rPr>
+            </a:br>
+            <a:r>
+              <a:rPr lang="en" sz="1200" b="0" i="0" noProof="1">
+                <a:solidFill>
+                  <a:srgbClr val="F8F8F2"/>
+                </a:solidFill>
+                <a:effectLst/>
+                <a:latin typeface="Consolas" panose="020B0609020204030204" pitchFamily="49" charset="0"/>
+                <a:cs typeface="Consolas" panose="020B0609020204030204" pitchFamily="49" charset="0"/>
+              </a:rPr>
+              <a:t>114.119.160.75 - - [04/Nov/2020:06:36:41 +0000] </a:t>
+            </a:r>
+            <a:r>
+              <a:rPr lang="en" sz="1200" b="0" i="0" noProof="1">
+                <a:solidFill>
+                  <a:srgbClr val="E6DB74"/>
+                </a:solidFill>
+                <a:effectLst/>
+                <a:latin typeface="Consolas" panose="020B0609020204030204" pitchFamily="49" charset="0"/>
+                <a:cs typeface="Consolas" panose="020B0609020204030204" pitchFamily="49" charset="0"/>
+              </a:rPr>
+              <a:t>"GET /robots.txt HTTP/1.1"</a:t>
+            </a:r>
+            <a:r>
+              <a:rPr lang="en" sz="1200" b="0" i="0" noProof="1">
+                <a:solidFill>
+                  <a:srgbClr val="F8F8F2"/>
+                </a:solidFill>
+                <a:effectLst/>
+                <a:latin typeface="Consolas" panose="020B0609020204030204" pitchFamily="49" charset="0"/>
+                <a:cs typeface="Consolas" panose="020B0609020204030204" pitchFamily="49" charset="0"/>
+              </a:rPr>
+              <a:t> 301 169 </a:t>
+            </a:r>
+            <a:r>
+              <a:rPr lang="en" sz="1200" b="0" i="0" noProof="1">
+                <a:solidFill>
+                  <a:srgbClr val="E6DB74"/>
+                </a:solidFill>
+                <a:effectLst/>
+                <a:latin typeface="Consolas" panose="020B0609020204030204" pitchFamily="49" charset="0"/>
+                <a:cs typeface="Consolas" panose="020B0609020204030204" pitchFamily="49" charset="0"/>
+              </a:rPr>
+              <a:t>"-"</a:t>
+            </a:r>
+            <a:r>
+              <a:rPr lang="en" sz="1200" b="0" i="0" noProof="1">
+                <a:solidFill>
+                  <a:srgbClr val="F8F8F2"/>
+                </a:solidFill>
+                <a:effectLst/>
+                <a:latin typeface="Consolas" panose="020B0609020204030204" pitchFamily="49" charset="0"/>
+                <a:cs typeface="Consolas" panose="020B0609020204030204" pitchFamily="49" charset="0"/>
+              </a:rPr>
+              <a:t> </a:t>
+            </a:r>
+            <a:r>
+              <a:rPr lang="en" sz="1200" b="0" i="0" noProof="1">
+                <a:solidFill>
+                  <a:srgbClr val="E6DB74"/>
+                </a:solidFill>
+                <a:effectLst/>
+                <a:latin typeface="Consolas" panose="020B0609020204030204" pitchFamily="49" charset="0"/>
+                <a:cs typeface="Consolas" panose="020B0609020204030204" pitchFamily="49" charset="0"/>
+              </a:rPr>
+              <a:t>"(compatible;PetalBot;+</a:t>
+            </a:r>
+            <a:r>
+              <a:rPr lang="en" sz="1200" b="0" i="0" u="none" strike="noStrike" noProof="1">
+                <a:solidFill>
+                  <a:schemeClr val="accent4">
+                    <a:lumMod val="75000"/>
+                  </a:schemeClr>
+                </a:solidFill>
+                <a:effectLst/>
+                <a:latin typeface="Consolas" panose="020B0609020204030204" pitchFamily="49" charset="0"/>
+                <a:cs typeface="Consolas" panose="020B0609020204030204" pitchFamily="49" charset="0"/>
+              </a:rPr>
+              <a:t>https://aspiegel.com/petalbot</a:t>
+            </a:r>
+            <a:r>
+              <a:rPr lang="en" sz="1200" b="0" i="0" noProof="1">
+                <a:solidFill>
+                  <a:srgbClr val="E6DB74"/>
+                </a:solidFill>
+                <a:effectLst/>
+                <a:latin typeface="Consolas" panose="020B0609020204030204" pitchFamily="49" charset="0"/>
+                <a:cs typeface="Consolas" panose="020B0609020204030204" pitchFamily="49" charset="0"/>
+              </a:rPr>
+              <a:t>)"</a:t>
+            </a:r>
+            <a:r>
+              <a:rPr lang="en" sz="1200" b="0" i="0" noProof="1">
+                <a:solidFill>
+                  <a:srgbClr val="F8F8F2"/>
+                </a:solidFill>
+                <a:effectLst/>
+                <a:latin typeface="Consolas" panose="020B0609020204030204" pitchFamily="49" charset="0"/>
+                <a:cs typeface="Consolas" panose="020B0609020204030204" pitchFamily="49" charset="0"/>
+              </a:rPr>
+              <a:t> </a:t>
+            </a:r>
+            <a:r>
+              <a:rPr lang="en" sz="1200" b="0" i="0" noProof="1">
+                <a:solidFill>
+                  <a:srgbClr val="E6DB74"/>
+                </a:solidFill>
+                <a:effectLst/>
+                <a:latin typeface="Consolas" panose="020B0609020204030204" pitchFamily="49" charset="0"/>
+                <a:cs typeface="Consolas" panose="020B0609020204030204" pitchFamily="49" charset="0"/>
+              </a:rPr>
+              <a:t>"10.179.80.67"</a:t>
+            </a:r>
+            <a:br>
+              <a:rPr lang="en" sz="1200" noProof="1">
+                <a:solidFill>
+                  <a:srgbClr val="F8F8F2"/>
+                </a:solidFill>
+                <a:latin typeface="Consolas" panose="020B0609020204030204" pitchFamily="49" charset="0"/>
+                <a:cs typeface="Consolas" panose="020B0609020204030204" pitchFamily="49" charset="0"/>
+              </a:rPr>
+            </a:br>
+            <a:r>
+              <a:rPr lang="en" sz="1200" b="0" i="0" noProof="1">
+                <a:solidFill>
+                  <a:srgbClr val="F8F8F2"/>
+                </a:solidFill>
+                <a:effectLst/>
+                <a:latin typeface="Consolas" panose="020B0609020204030204" pitchFamily="49" charset="0"/>
+                <a:cs typeface="Consolas" panose="020B0609020204030204" pitchFamily="49" charset="0"/>
+              </a:rPr>
+              <a:t>90.180.35.207 - - [04/Nov/2020:06:47:11 +0000] </a:t>
+            </a:r>
+            <a:r>
+              <a:rPr lang="en" sz="1200" b="0" i="0" noProof="1">
+                <a:solidFill>
+                  <a:srgbClr val="E6DB74"/>
+                </a:solidFill>
+                <a:effectLst/>
+                <a:latin typeface="Consolas" panose="020B0609020204030204" pitchFamily="49" charset="0"/>
+                <a:cs typeface="Consolas" panose="020B0609020204030204" pitchFamily="49" charset="0"/>
+              </a:rPr>
+              <a:t>"GET / HTTP/1.0"</a:t>
+            </a:r>
+            <a:r>
+              <a:rPr lang="en" sz="1200" b="0" i="0" noProof="1">
+                <a:solidFill>
+                  <a:srgbClr val="F8F8F2"/>
+                </a:solidFill>
+                <a:effectLst/>
+                <a:latin typeface="Consolas" panose="020B0609020204030204" pitchFamily="49" charset="0"/>
+                <a:cs typeface="Consolas" panose="020B0609020204030204" pitchFamily="49" charset="0"/>
+              </a:rPr>
+              <a:t> 301 169 </a:t>
+            </a:r>
+            <a:r>
+              <a:rPr lang="en" sz="1200" b="0" i="0" noProof="1">
+                <a:solidFill>
+                  <a:srgbClr val="E6DB74"/>
+                </a:solidFill>
+                <a:effectLst/>
+                <a:latin typeface="Consolas" panose="020B0609020204030204" pitchFamily="49" charset="0"/>
+                <a:cs typeface="Consolas" panose="020B0609020204030204" pitchFamily="49" charset="0"/>
+              </a:rPr>
+              <a:t>"-"</a:t>
+            </a:r>
+            <a:r>
+              <a:rPr lang="en" sz="1200" b="0" i="0" noProof="1">
+                <a:solidFill>
+                  <a:srgbClr val="F8F8F2"/>
+                </a:solidFill>
+                <a:effectLst/>
+                <a:latin typeface="Consolas" panose="020B0609020204030204" pitchFamily="49" charset="0"/>
+                <a:cs typeface="Consolas" panose="020B0609020204030204" pitchFamily="49" charset="0"/>
+              </a:rPr>
+              <a:t> </a:t>
+            </a:r>
+            <a:r>
+              <a:rPr lang="en" sz="1200" b="0" i="0" noProof="1">
+                <a:solidFill>
+                  <a:srgbClr val="E6DB74"/>
+                </a:solidFill>
+                <a:effectLst/>
+                <a:latin typeface="Consolas" panose="020B0609020204030204" pitchFamily="49" charset="0"/>
+                <a:cs typeface="Consolas" panose="020B0609020204030204" pitchFamily="49" charset="0"/>
+              </a:rPr>
+              <a:t>"-"</a:t>
+            </a:r>
+            <a:r>
+              <a:rPr lang="en" sz="1200" b="0" i="0" noProof="1">
+                <a:solidFill>
+                  <a:srgbClr val="F8F8F2"/>
+                </a:solidFill>
+                <a:effectLst/>
+                <a:latin typeface="Consolas" panose="020B0609020204030204" pitchFamily="49" charset="0"/>
+                <a:cs typeface="Consolas" panose="020B0609020204030204" pitchFamily="49" charset="0"/>
+              </a:rPr>
+              <a:t> </a:t>
+            </a:r>
+            <a:r>
+              <a:rPr lang="en" sz="1200" b="0" i="0" noProof="1">
+                <a:solidFill>
+                  <a:srgbClr val="E6DB74"/>
+                </a:solidFill>
+                <a:effectLst/>
+                <a:latin typeface="Consolas" panose="020B0609020204030204" pitchFamily="49" charset="0"/>
+                <a:cs typeface="Consolas" panose="020B0609020204030204" pitchFamily="49" charset="0"/>
+              </a:rPr>
+              <a:t>"-"</a:t>
+            </a:r>
+            <a:br>
+              <a:rPr lang="en" sz="1200" b="0" i="0" noProof="1">
+                <a:solidFill>
+                  <a:srgbClr val="E6DB74"/>
+                </a:solidFill>
+                <a:effectLst/>
+                <a:latin typeface="Consolas" panose="020B0609020204030204" pitchFamily="49" charset="0"/>
+                <a:cs typeface="Consolas" panose="020B0609020204030204" pitchFamily="49" charset="0"/>
+              </a:rPr>
+            </a:br>
+            <a:r>
+              <a:rPr lang="en" sz="1200" b="0" i="0" noProof="1">
+                <a:solidFill>
+                  <a:srgbClr val="F8F8F2"/>
+                </a:solidFill>
+                <a:effectLst/>
+                <a:latin typeface="Consolas" panose="020B0609020204030204" pitchFamily="49" charset="0"/>
+                <a:cs typeface="Consolas" panose="020B0609020204030204" pitchFamily="49" charset="0"/>
+              </a:rPr>
+              <a:t>46.246.122.77 - - [04/Nov/2020:06:53:22 +0000] </a:t>
+            </a:r>
+            <a:r>
+              <a:rPr lang="en" sz="1200" b="0" i="0" noProof="1">
+                <a:solidFill>
+                  <a:srgbClr val="E6DB74"/>
+                </a:solidFill>
+                <a:effectLst/>
+                <a:latin typeface="Consolas" panose="020B0609020204030204" pitchFamily="49" charset="0"/>
+                <a:cs typeface="Consolas" panose="020B0609020204030204" pitchFamily="49" charset="0"/>
+              </a:rPr>
+              <a:t>"GET / HTTP/1.1"</a:t>
+            </a:r>
+            <a:r>
+              <a:rPr lang="en" sz="1200" b="0" i="0" noProof="1">
+                <a:solidFill>
+                  <a:srgbClr val="F8F8F2"/>
+                </a:solidFill>
+                <a:effectLst/>
+                <a:latin typeface="Consolas" panose="020B0609020204030204" pitchFamily="49" charset="0"/>
+                <a:cs typeface="Consolas" panose="020B0609020204030204" pitchFamily="49" charset="0"/>
+              </a:rPr>
+              <a:t> 301 169 </a:t>
+            </a:r>
+            <a:r>
+              <a:rPr lang="en" sz="1200" b="0" i="0" noProof="1">
+                <a:solidFill>
+                  <a:srgbClr val="E6DB74"/>
+                </a:solidFill>
+                <a:effectLst/>
+                <a:latin typeface="Consolas" panose="020B0609020204030204" pitchFamily="49" charset="0"/>
+                <a:cs typeface="Consolas" panose="020B0609020204030204" pitchFamily="49" charset="0"/>
+              </a:rPr>
+              <a:t>"&lt;</a:t>
+            </a:r>
+            <a:r>
+              <a:rPr lang="en" sz="1200" b="0" i="0" u="none" strike="noStrike" noProof="1">
+                <a:solidFill>
+                  <a:schemeClr val="accent4">
+                    <a:lumMod val="75000"/>
+                  </a:schemeClr>
+                </a:solidFill>
+                <a:effectLst/>
+                <a:latin typeface="Consolas" panose="020B0609020204030204" pitchFamily="49" charset="0"/>
+                <a:cs typeface="Consolas" panose="020B0609020204030204" pitchFamily="49" charset="0"/>
+              </a:rPr>
+              <a:t>http://khashtamov.com</a:t>
+            </a:r>
+            <a:r>
+              <a:rPr lang="en" sz="1200" b="0" i="0" noProof="1">
+                <a:solidFill>
+                  <a:srgbClr val="E6DB74"/>
+                </a:solidFill>
+                <a:effectLst/>
+                <a:latin typeface="Consolas" panose="020B0609020204030204" pitchFamily="49" charset="0"/>
+                <a:cs typeface="Consolas" panose="020B0609020204030204" pitchFamily="49" charset="0"/>
+              </a:rPr>
+              <a:t>&gt;"</a:t>
+            </a:r>
+            <a:r>
+              <a:rPr lang="en" sz="1200" b="0" i="0" noProof="1">
+                <a:solidFill>
+                  <a:srgbClr val="F8F8F2"/>
+                </a:solidFill>
+                <a:effectLst/>
+                <a:latin typeface="Consolas" panose="020B0609020204030204" pitchFamily="49" charset="0"/>
+                <a:cs typeface="Consolas" panose="020B0609020204030204" pitchFamily="49" charset="0"/>
+              </a:rPr>
+              <a:t> </a:t>
+            </a:r>
+            <a:r>
+              <a:rPr lang="en" sz="1200" b="0" i="0" noProof="1">
+                <a:solidFill>
+                  <a:srgbClr val="E6DB74"/>
+                </a:solidFill>
+                <a:effectLst/>
+                <a:latin typeface="Consolas" panose="020B0609020204030204" pitchFamily="49" charset="0"/>
+                <a:cs typeface="Consolas" panose="020B0609020204030204" pitchFamily="49" charset="0"/>
+              </a:rPr>
+              <a:t>"Mozilla/5.0 (Macintosh; Intel Mac OS X 10_12_4) AppleWebKit/537.36 (KHTML, like Gecko) Chrome/66.0.3359.181 Safari/537.36"</a:t>
+            </a:r>
+            <a:r>
+              <a:rPr lang="en" sz="1200" b="0" i="0" noProof="1">
+                <a:solidFill>
+                  <a:srgbClr val="F8F8F2"/>
+                </a:solidFill>
+                <a:effectLst/>
+                <a:latin typeface="Consolas" panose="020B0609020204030204" pitchFamily="49" charset="0"/>
+                <a:cs typeface="Consolas" panose="020B0609020204030204" pitchFamily="49" charset="0"/>
+              </a:rPr>
+              <a:t> </a:t>
+            </a:r>
+            <a:r>
+              <a:rPr lang="en" sz="1200" b="0" i="0" noProof="1">
+                <a:solidFill>
+                  <a:srgbClr val="E6DB74"/>
+                </a:solidFill>
+                <a:effectLst/>
+                <a:latin typeface="Consolas" panose="020B0609020204030204" pitchFamily="49" charset="0"/>
+                <a:cs typeface="Consolas" panose="020B0609020204030204" pitchFamily="49" charset="0"/>
+              </a:rPr>
+              <a:t>"-"</a:t>
+            </a:r>
+            <a:br>
+              <a:rPr lang="en" sz="1200" noProof="1">
+                <a:solidFill>
+                  <a:srgbClr val="F8F8F2"/>
+                </a:solidFill>
+                <a:latin typeface="Consolas" panose="020B0609020204030204" pitchFamily="49" charset="0"/>
+                <a:cs typeface="Consolas" panose="020B0609020204030204" pitchFamily="49" charset="0"/>
+              </a:rPr>
+            </a:br>
+            <a:r>
+              <a:rPr lang="en" sz="1200" b="0" i="0" noProof="1">
+                <a:solidFill>
+                  <a:srgbClr val="F8F8F2"/>
+                </a:solidFill>
+                <a:effectLst/>
+                <a:latin typeface="Consolas" panose="020B0609020204030204" pitchFamily="49" charset="0"/>
+                <a:cs typeface="Consolas" panose="020B0609020204030204" pitchFamily="49" charset="0"/>
+              </a:rPr>
+              <a:t>66.249.76.16 - - [04/Nov/2020:06:53:30 +0000] </a:t>
+            </a:r>
+            <a:r>
+              <a:rPr lang="en" sz="1200" b="0" i="0" noProof="1">
+                <a:solidFill>
+                  <a:srgbClr val="E6DB74"/>
+                </a:solidFill>
+                <a:effectLst/>
+                <a:latin typeface="Consolas" panose="020B0609020204030204" pitchFamily="49" charset="0"/>
+                <a:cs typeface="Consolas" panose="020B0609020204030204" pitchFamily="49" charset="0"/>
+              </a:rPr>
+              <a:t>"GET / HTTP/1.1"</a:t>
+            </a:r>
+            <a:r>
+              <a:rPr lang="en" sz="1200" b="0" i="0" noProof="1">
+                <a:solidFill>
+                  <a:srgbClr val="F8F8F2"/>
+                </a:solidFill>
+                <a:effectLst/>
+                <a:latin typeface="Consolas" panose="020B0609020204030204" pitchFamily="49" charset="0"/>
+                <a:cs typeface="Consolas" panose="020B0609020204030204" pitchFamily="49" charset="0"/>
+              </a:rPr>
+              <a:t> 301 169 </a:t>
+            </a:r>
+            <a:r>
+              <a:rPr lang="en" sz="1200" b="0" i="0" noProof="1">
+                <a:solidFill>
+                  <a:srgbClr val="E6DB74"/>
+                </a:solidFill>
+                <a:effectLst/>
+                <a:latin typeface="Consolas" panose="020B0609020204030204" pitchFamily="49" charset="0"/>
+                <a:cs typeface="Consolas" panose="020B0609020204030204" pitchFamily="49" charset="0"/>
+              </a:rPr>
+              <a:t>"-"</a:t>
+            </a:r>
+            <a:r>
+              <a:rPr lang="en" sz="1200" b="0" i="0" noProof="1">
+                <a:solidFill>
+                  <a:srgbClr val="F8F8F2"/>
+                </a:solidFill>
+                <a:effectLst/>
+                <a:latin typeface="Consolas" panose="020B0609020204030204" pitchFamily="49" charset="0"/>
+                <a:cs typeface="Consolas" panose="020B0609020204030204" pitchFamily="49" charset="0"/>
+              </a:rPr>
+              <a:t> </a:t>
+            </a:r>
+            <a:r>
+              <a:rPr lang="en" sz="1200" b="0" i="0" noProof="1">
+                <a:solidFill>
+                  <a:srgbClr val="E6DB74"/>
+                </a:solidFill>
+                <a:effectLst/>
+                <a:latin typeface="Consolas" panose="020B0609020204030204" pitchFamily="49" charset="0"/>
+                <a:cs typeface="Consolas" panose="020B0609020204030204" pitchFamily="49" charset="0"/>
+              </a:rPr>
+              <a:t>"Mozilla/5.0 (compatible; Googlebot/2.1; +</a:t>
+            </a:r>
+            <a:r>
+              <a:rPr lang="en" sz="1200" b="0" i="0" u="none" strike="noStrike" noProof="1">
+                <a:solidFill>
+                  <a:schemeClr val="accent4">
+                    <a:lumMod val="75000"/>
+                  </a:schemeClr>
+                </a:solidFill>
+                <a:effectLst/>
+                <a:latin typeface="Consolas" panose="020B0609020204030204" pitchFamily="49" charset="0"/>
+                <a:cs typeface="Consolas" panose="020B0609020204030204" pitchFamily="49" charset="0"/>
+                <a:hlinkClick r:id="rId2">
+                  <a:extLst>
+                    <a:ext uri="{A12FA001-AC4F-418D-AE19-62706E023703}">
+                      <ahyp:hlinkClr xmlns:ahyp="http://schemas.microsoft.com/office/drawing/2018/hyperlinkcolor" val="tx"/>
+                    </a:ext>
+                  </a:extLst>
+                </a:hlinkClick>
+              </a:rPr>
+              <a:t>http://www.google.com/bot.html</a:t>
+            </a:r>
+            <a:r>
+              <a:rPr lang="en" sz="1200" b="0" i="0" noProof="1">
+                <a:solidFill>
+                  <a:srgbClr val="E6DB74"/>
+                </a:solidFill>
+                <a:effectLst/>
+                <a:latin typeface="Consolas" panose="020B0609020204030204" pitchFamily="49" charset="0"/>
+                <a:cs typeface="Consolas" panose="020B0609020204030204" pitchFamily="49" charset="0"/>
+              </a:rPr>
+              <a:t>)"</a:t>
+            </a:r>
+            <a:r>
+              <a:rPr lang="en" sz="1200" b="0" i="0" noProof="1">
+                <a:solidFill>
+                  <a:srgbClr val="F8F8F2"/>
+                </a:solidFill>
+                <a:effectLst/>
+                <a:latin typeface="Consolas" panose="020B0609020204030204" pitchFamily="49" charset="0"/>
+                <a:cs typeface="Consolas" panose="020B0609020204030204" pitchFamily="49" charset="0"/>
+              </a:rPr>
+              <a:t> </a:t>
+            </a:r>
+            <a:r>
+              <a:rPr lang="en" sz="1200" b="0" i="0" noProof="1">
+                <a:solidFill>
+                  <a:srgbClr val="E6DB74"/>
+                </a:solidFill>
+                <a:effectLst/>
+                <a:latin typeface="Consolas" panose="020B0609020204030204" pitchFamily="49" charset="0"/>
+                <a:cs typeface="Consolas" panose="020B0609020204030204" pitchFamily="49" charset="0"/>
+              </a:rPr>
+              <a:t>"-"</a:t>
+            </a:r>
+            <a:endParaRPr lang="en" sz="1600" noProof="1">
+              <a:solidFill>
+                <a:srgbClr val="00B050"/>
+              </a:solidFill>
+              <a:latin typeface="Consolas" panose="020B0609020204030204" pitchFamily="49" charset="0"/>
+              <a:cs typeface="Consolas" panose="020B0609020204030204" pitchFamily="49" charset="0"/>
+            </a:endParaRPr>
+          </a:p>
+        </p:txBody>
+      </p:sp>
+      <p:sp>
+        <p:nvSpPr>
+          <p:cNvPr id="4" name="Подзаголовок 2">
+            <a:extLst>
+              <a:ext uri="{FF2B5EF4-FFF2-40B4-BE49-F238E27FC236}">
+                <a16:creationId xmlns:a16="http://schemas.microsoft.com/office/drawing/2014/main" id="{50076B90-DB55-5C98-9B9B-866259284F40}"/>
+              </a:ext>
+            </a:extLst>
+          </p:cNvPr>
+          <p:cNvSpPr txBox="1">
+            <a:spLocks/>
+          </p:cNvSpPr>
+          <p:nvPr/>
+        </p:nvSpPr>
+        <p:spPr>
+          <a:xfrm>
+            <a:off x="4708827" y="6418071"/>
+            <a:ext cx="2584340" cy="335269"/>
+          </a:xfrm>
+          <a:prstGeom prst="rect">
+            <a:avLst/>
+          </a:prstGeom>
+        </p:spPr>
+        <p:txBody>
+          <a:bodyPr vert="horz" lIns="91440" tIns="45720" rIns="91440" bIns="45720" rtlCol="0">
+            <a:normAutofit fontScale="92500" lnSpcReduction="20000"/>
+          </a:bodyPr>
+          <a:lstStyle>
+            <a:lvl1pPr marL="0" indent="0" algn="ctr" defTabSz="914400" rtl="0" eaLnBrk="1" latinLnBrk="0" hangingPunct="1">
+              <a:lnSpc>
+                <a:spcPct val="90000"/>
+              </a:lnSpc>
               <a:spcBef>
-                <a:spcPts val="200"/>
+                <a:spcPts val="1000"/>
               </a:spcBef>
-            </a:pPr>
-            <a:r>
-              <a:rPr lang="en" sz="1400" noProof="1">
-                <a:solidFill>
-                  <a:srgbClr val="00B050"/>
-                </a:solidFill>
-              </a:rPr>
-              <a:t>Fri Aug 25 14:08:10.266 Usb Host Notification Apple80211Set: seqNum 4880 Total 0 chg 0 en0</a:t>
-            </a:r>
-          </a:p>
-          <a:p>
-            <a:pPr algn="l">
+              <a:buFont typeface="Arial" panose="020B0604020202020204" pitchFamily="34" charset="0"/>
+              <a:buNone/>
+              <a:defRPr sz="2400" kern="1200">
+                <a:solidFill>
+                  <a:schemeClr val="tx1"/>
+                </a:solidFill>
+                <a:latin typeface="+mn-lt"/>
+                <a:ea typeface="+mn-ea"/>
+                <a:cs typeface="+mn-cs"/>
+              </a:defRPr>
+            </a:lvl1pPr>
+            <a:lvl2pPr marL="457200" indent="0" algn="ctr" defTabSz="914400" rtl="0" eaLnBrk="1" latinLnBrk="0" hangingPunct="1">
+              <a:lnSpc>
+                <a:spcPct val="90000"/>
+              </a:lnSpc>
               <a:spcBef>
-                <a:spcPts val="200"/>
+                <a:spcPts val="500"/>
               </a:spcBef>
-            </a:pPr>
-            <a:r>
-              <a:rPr lang="en" sz="1400" noProof="1">
-                <a:solidFill>
-                  <a:srgbClr val="00B050"/>
-                </a:solidFill>
-              </a:rPr>
-              <a:t>Fri Aug 25 14:08:10.302 Usb Host Notification Apple80211Set: seqNum 4881 Total 0 chg 0 en0</a:t>
-            </a:r>
-          </a:p>
-          <a:p>
-            <a:pPr algn="l">
+              <a:buFont typeface="Arial" panose="020B0604020202020204" pitchFamily="34" charset="0"/>
+              <a:buNone/>
+              <a:defRPr sz="2000" kern="1200">
+                <a:solidFill>
+                  <a:schemeClr val="tx1"/>
+                </a:solidFill>
+                <a:latin typeface="+mn-lt"/>
+                <a:ea typeface="+mn-ea"/>
+                <a:cs typeface="+mn-cs"/>
+              </a:defRPr>
+            </a:lvl2pPr>
+            <a:lvl3pPr marL="914400" indent="0" algn="ctr" defTabSz="914400" rtl="0" eaLnBrk="1" latinLnBrk="0" hangingPunct="1">
+              <a:lnSpc>
+                <a:spcPct val="90000"/>
+              </a:lnSpc>
               <a:spcBef>
-                <a:spcPts val="200"/>
+                <a:spcPts val="500"/>
               </a:spcBef>
-            </a:pPr>
-            <a:r>
-              <a:rPr lang="en" sz="1400" noProof="1">
-                <a:solidFill>
-                  <a:srgbClr val="00B050"/>
-                </a:solidFill>
-              </a:rPr>
-              <a:t>Fri Aug 25 14:51:56.906 Usb Host Notification Error Apple80211Set: Device power is off seqNum 4882 Total 0 chg 0 en0</a:t>
-            </a:r>
-          </a:p>
-          <a:p>
-            <a:pPr algn="l">
+              <a:buFont typeface="Arial" panose="020B0604020202020204" pitchFamily="34" charset="0"/>
+              <a:buNone/>
+              <a:defRPr sz="1800" kern="1200">
+                <a:solidFill>
+                  <a:schemeClr val="tx1"/>
+                </a:solidFill>
+                <a:latin typeface="+mn-lt"/>
+                <a:ea typeface="+mn-ea"/>
+                <a:cs typeface="+mn-cs"/>
+              </a:defRPr>
+            </a:lvl3pPr>
+            <a:lvl4pPr marL="1371600" indent="0" algn="ctr" defTabSz="914400" rtl="0" eaLnBrk="1" latinLnBrk="0" hangingPunct="1">
+              <a:lnSpc>
+                <a:spcPct val="90000"/>
+              </a:lnSpc>
               <a:spcBef>
-                <a:spcPts val="200"/>
+                <a:spcPts val="500"/>
               </a:spcBef>
-            </a:pPr>
-            <a:r>
-              <a:rPr lang="en" sz="1400" noProof="1">
-                <a:solidFill>
-                  <a:srgbClr val="00B050"/>
-                </a:solidFill>
-              </a:rPr>
-              <a:t>Fri Aug 25 14:51:58.796 Usb Host Notification Apple80211Set: seqNum 4883 Total 0 chg 0 en0</a:t>
-            </a:r>
-          </a:p>
-          <a:p>
-            <a:pPr algn="l">
+              <a:buFont typeface="Arial" panose="020B0604020202020204" pitchFamily="34" charset="0"/>
+              <a:buNone/>
+              <a:defRPr sz="1600" kern="1200">
+                <a:solidFill>
+                  <a:schemeClr val="tx1"/>
+                </a:solidFill>
+                <a:latin typeface="+mn-lt"/>
+                <a:ea typeface="+mn-ea"/>
+                <a:cs typeface="+mn-cs"/>
+              </a:defRPr>
+            </a:lvl4pPr>
+            <a:lvl5pPr marL="1828800" indent="0" algn="ctr" defTabSz="914400" rtl="0" eaLnBrk="1" latinLnBrk="0" hangingPunct="1">
+              <a:lnSpc>
+                <a:spcPct val="90000"/>
+              </a:lnSpc>
               <a:spcBef>
-                <a:spcPts val="200"/>
+                <a:spcPts val="500"/>
               </a:spcBef>
-            </a:pPr>
-            <a:r>
-              <a:rPr lang="en" sz="1400" noProof="1">
-                <a:solidFill>
-                  <a:srgbClr val="00B050"/>
-                </a:solidFill>
-              </a:rPr>
-              <a:t>Fri Aug 25 14:51:58.979 Usb Host Notification Apple80211Set: seqNum 4884 Total 0 chg 0 en0</a:t>
-            </a:r>
-          </a:p>
-          <a:p>
-            <a:pPr algn="l">
+              <a:buFont typeface="Arial" panose="020B0604020202020204" pitchFamily="34" charset="0"/>
+              <a:buNone/>
+              <a:defRPr sz="1600" kern="1200">
+                <a:solidFill>
+                  <a:schemeClr val="tx1"/>
+                </a:solidFill>
+                <a:latin typeface="+mn-lt"/>
+                <a:ea typeface="+mn-ea"/>
+                <a:cs typeface="+mn-cs"/>
+              </a:defRPr>
+            </a:lvl5pPr>
+            <a:lvl6pPr marL="2286000" indent="0" algn="ctr" defTabSz="914400" rtl="0" eaLnBrk="1" latinLnBrk="0" hangingPunct="1">
+              <a:lnSpc>
+                <a:spcPct val="90000"/>
+              </a:lnSpc>
               <a:spcBef>
-                <a:spcPts val="200"/>
+                <a:spcPts val="500"/>
               </a:spcBef>
-            </a:pPr>
-            <a:r>
-              <a:rPr lang="en" sz="1400" noProof="1">
-                <a:solidFill>
-                  <a:srgbClr val="00B050"/>
-                </a:solidFill>
-              </a:rPr>
-              <a:t>Fri Aug 25 14:51:59.195 Usb Host Notification Apple80211Set: seqNum 4885 Total 0 chg 0 en0</a:t>
+              <a:buFont typeface="Arial" panose="020B0604020202020204" pitchFamily="34" charset="0"/>
+              <a:buNone/>
+              <a:defRPr sz="1600" kern="1200">
+                <a:solidFill>
+                  <a:schemeClr val="tx1"/>
+                </a:solidFill>
+                <a:latin typeface="+mn-lt"/>
+                <a:ea typeface="+mn-ea"/>
+                <a:cs typeface="+mn-cs"/>
+              </a:defRPr>
+            </a:lvl6pPr>
+            <a:lvl7pPr marL="2743200" indent="0" algn="ctr" defTabSz="914400" rtl="0" eaLnBrk="1" latinLnBrk="0" hangingPunct="1">
+              <a:lnSpc>
+                <a:spcPct val="90000"/>
+              </a:lnSpc>
+              <a:spcBef>
+                <a:spcPts val="500"/>
+              </a:spcBef>
+              <a:buFont typeface="Arial" panose="020B0604020202020204" pitchFamily="34" charset="0"/>
+              <a:buNone/>
+              <a:defRPr sz="1600" kern="1200">
+                <a:solidFill>
+                  <a:schemeClr val="tx1"/>
+                </a:solidFill>
+                <a:latin typeface="+mn-lt"/>
+                <a:ea typeface="+mn-ea"/>
+                <a:cs typeface="+mn-cs"/>
+              </a:defRPr>
+            </a:lvl7pPr>
+            <a:lvl8pPr marL="3200400" indent="0" algn="ctr" defTabSz="914400" rtl="0" eaLnBrk="1" latinLnBrk="0" hangingPunct="1">
+              <a:lnSpc>
+                <a:spcPct val="90000"/>
+              </a:lnSpc>
+              <a:spcBef>
+                <a:spcPts val="500"/>
+              </a:spcBef>
+              <a:buFont typeface="Arial" panose="020B0604020202020204" pitchFamily="34" charset="0"/>
+              <a:buNone/>
+              <a:defRPr sz="1600" kern="1200">
+                <a:solidFill>
+                  <a:schemeClr val="tx1"/>
+                </a:solidFill>
+                <a:latin typeface="+mn-lt"/>
+                <a:ea typeface="+mn-ea"/>
+                <a:cs typeface="+mn-cs"/>
+              </a:defRPr>
+            </a:lvl8pPr>
+            <a:lvl9pPr marL="3657600" indent="0" algn="ctr" defTabSz="914400" rtl="0" eaLnBrk="1" latinLnBrk="0" hangingPunct="1">
+              <a:lnSpc>
+                <a:spcPct val="90000"/>
+              </a:lnSpc>
+              <a:spcBef>
+                <a:spcPts val="500"/>
+              </a:spcBef>
+              <a:buFont typeface="Arial" panose="020B0604020202020204" pitchFamily="34" charset="0"/>
+              <a:buNone/>
+              <a:defRPr sz="1600" kern="1200">
+                <a:solidFill>
+                  <a:schemeClr val="tx1"/>
+                </a:solidFill>
+                <a:latin typeface="+mn-lt"/>
+                <a:ea typeface="+mn-ea"/>
+                <a:cs typeface="+mn-cs"/>
+              </a:defRPr>
+            </a:lvl9pPr>
+          </a:lstStyle>
+          <a:p>
+            <a:pPr marL="0" lvl="1">
+              <a:lnSpc>
+                <a:spcPct val="110000"/>
+              </a:lnSpc>
+              <a:spcBef>
+                <a:spcPts val="0"/>
+              </a:spcBef>
+            </a:pPr>
+            <a:r>
+              <a:rPr lang="en-US" sz="1800" dirty="0"/>
+              <a:t>© </a:t>
+            </a:r>
+            <a:r>
+              <a:rPr lang="ru-RU" sz="1800" dirty="0"/>
+              <a:t>Валерий Студенников</a:t>
+            </a:r>
+          </a:p>
+        </p:txBody>
+      </p:sp>
+      <p:pic>
+        <p:nvPicPr>
+          <p:cNvPr id="5" name="Рисунок 4">
+            <a:extLst>
+              <a:ext uri="{FF2B5EF4-FFF2-40B4-BE49-F238E27FC236}">
+                <a16:creationId xmlns:a16="http://schemas.microsoft.com/office/drawing/2014/main" id="{7F4D86E8-4FE3-3051-1E15-D9F176F40F40}"/>
+              </a:ext>
+            </a:extLst>
+          </p:cNvPr>
+          <p:cNvPicPr>
+            <a:picLocks noChangeAspect="1"/>
+          </p:cNvPicPr>
+          <p:nvPr/>
+        </p:nvPicPr>
+        <p:blipFill>
+          <a:blip r:embed="rId3">
+            <a:extLst>
+              <a:ext uri="{96DAC541-7B7A-43D3-8B79-37D633B846F1}">
+                <asvg:svgBlip xmlns:asvg="http://schemas.microsoft.com/office/drawing/2016/SVG/main" r:embed="rId4"/>
+              </a:ext>
+            </a:extLst>
+          </a:blip>
+          <a:stretch>
+            <a:fillRect/>
+          </a:stretch>
+        </p:blipFill>
+        <p:spPr>
+          <a:xfrm>
+            <a:off x="493987" y="181248"/>
+            <a:ext cx="3069020" cy="906756"/>
+          </a:xfrm>
+          <a:prstGeom prst="rect">
+            <a:avLst/>
+          </a:prstGeom>
+        </p:spPr>
+      </p:pic>
+      <p:sp>
+        <p:nvSpPr>
+          <p:cNvPr id="6" name="TextBox 5">
+            <a:extLst>
+              <a:ext uri="{FF2B5EF4-FFF2-40B4-BE49-F238E27FC236}">
+                <a16:creationId xmlns:a16="http://schemas.microsoft.com/office/drawing/2014/main" id="{33C95DF9-355A-2DFA-63F8-503F9B4E0CCC}"/>
+              </a:ext>
+            </a:extLst>
+          </p:cNvPr>
+          <p:cNvSpPr txBox="1"/>
+          <p:nvPr/>
+        </p:nvSpPr>
+        <p:spPr>
+          <a:xfrm>
+            <a:off x="8117708" y="278408"/>
+            <a:ext cx="3615247" cy="707886"/>
+          </a:xfrm>
+          <a:prstGeom prst="rect">
+            <a:avLst/>
+          </a:prstGeom>
+          <a:noFill/>
+        </p:spPr>
+        <p:txBody>
+          <a:bodyPr wrap="square" rtlCol="0">
+            <a:spAutoFit/>
+          </a:bodyPr>
+          <a:lstStyle/>
+          <a:p>
+            <a:r>
+              <a:rPr lang="ru-RU" sz="2000" dirty="0">
+                <a:solidFill>
+                  <a:schemeClr val="accent5">
+                    <a:lumMod val="50000"/>
+                  </a:schemeClr>
+                </a:solidFill>
+              </a:rPr>
+              <a:t>Курс «Технологии и методы программирования»</a:t>
             </a:r>
           </a:p>
         </p:txBody>
@@ -4465,7 +5455,7 @@
         </p:nvSpPr>
         <p:spPr>
           <a:xfrm>
-            <a:off x="838200" y="365125"/>
+            <a:off x="838200" y="409193"/>
             <a:ext cx="10515600" cy="1100259"/>
           </a:xfrm>
         </p:spPr>
@@ -4514,7 +5504,7 @@
         </p:nvSpPr>
         <p:spPr>
           <a:xfrm>
-            <a:off x="838200" y="1617784"/>
+            <a:off x="838200" y="1650835"/>
             <a:ext cx="10515600" cy="3423139"/>
           </a:xfrm>
         </p:spPr>
@@ -10919,6 +11909,427 @@
       </p:grpSpPr>
       <p:sp>
         <p:nvSpPr>
+          <p:cNvPr id="2" name="Заголовок 1">
+            <a:extLst>
+              <a:ext uri="{FF2B5EF4-FFF2-40B4-BE49-F238E27FC236}">
+                <a16:creationId xmlns:a16="http://schemas.microsoft.com/office/drawing/2014/main" id="{92762C40-E00D-F950-6B6C-97A61E6FDE9C}"/>
+              </a:ext>
+            </a:extLst>
+          </p:cNvPr>
+          <p:cNvSpPr>
+            <a:spLocks noGrp="1"/>
+          </p:cNvSpPr>
+          <p:nvPr>
+            <p:ph type="title"/>
+          </p:nvPr>
+        </p:nvSpPr>
+        <p:spPr>
+          <a:xfrm>
+            <a:off x="838200" y="243942"/>
+            <a:ext cx="10515600" cy="842352"/>
+          </a:xfrm>
+        </p:spPr>
+        <p:txBody>
+          <a:bodyPr>
+            <a:normAutofit/>
+          </a:bodyPr>
+          <a:lstStyle/>
+          <a:p>
+            <a:r>
+              <a:rPr lang="ru-RU" dirty="0"/>
+              <a:t>Структура библиотеки </a:t>
+            </a:r>
+            <a:r>
+              <a:rPr lang="en" dirty="0"/>
+              <a:t>logging</a:t>
+            </a:r>
+            <a:endParaRPr lang="ru-RU" dirty="0"/>
+          </a:p>
+        </p:txBody>
+      </p:sp>
+      <p:sp>
+        <p:nvSpPr>
+          <p:cNvPr id="3" name="Объект 2">
+            <a:extLst>
+              <a:ext uri="{FF2B5EF4-FFF2-40B4-BE49-F238E27FC236}">
+                <a16:creationId xmlns:a16="http://schemas.microsoft.com/office/drawing/2014/main" id="{61F054CA-3677-77FC-5ADC-F74915667759}"/>
+              </a:ext>
+            </a:extLst>
+          </p:cNvPr>
+          <p:cNvSpPr>
+            <a:spLocks noGrp="1"/>
+          </p:cNvSpPr>
+          <p:nvPr>
+            <p:ph idx="1"/>
+          </p:nvPr>
+        </p:nvSpPr>
+        <p:spPr>
+          <a:xfrm>
+            <a:off x="838200" y="1086295"/>
+            <a:ext cx="8955795" cy="5611960"/>
+          </a:xfrm>
+        </p:spPr>
+        <p:txBody>
+          <a:bodyPr>
+            <a:normAutofit fontScale="70000" lnSpcReduction="20000"/>
+          </a:bodyPr>
+          <a:lstStyle/>
+          <a:p>
+            <a:pPr marL="0" indent="0" algn="l">
+              <a:lnSpc>
+                <a:spcPct val="120000"/>
+              </a:lnSpc>
+              <a:buNone/>
+            </a:pPr>
+            <a:r>
+              <a:rPr lang="ru-RU" dirty="0"/>
+              <a:t>Базовых функций логирования может быть достаточно для простых приложений. Но для более сложных случаев и глубокого конфигурирования нужно понимать устройство библиотеки.</a:t>
+            </a:r>
+          </a:p>
+          <a:p>
+            <a:pPr marL="0" indent="0" algn="l">
+              <a:lnSpc>
+                <a:spcPct val="120000"/>
+              </a:lnSpc>
+              <a:buNone/>
+            </a:pPr>
+            <a:r>
+              <a:rPr lang="ru-RU" dirty="0"/>
+              <a:t>Библиотека </a:t>
+            </a:r>
+            <a:r>
+              <a:rPr lang="en" dirty="0"/>
+              <a:t>logging — </a:t>
+            </a:r>
+            <a:r>
+              <a:rPr lang="ru-RU" dirty="0"/>
+              <a:t>модульная и состоит из нескольких категорий компонентов:</a:t>
+            </a:r>
+          </a:p>
+          <a:p>
+            <a:pPr algn="l">
+              <a:lnSpc>
+                <a:spcPct val="120000"/>
+              </a:lnSpc>
+              <a:buFont typeface="Arial" panose="020B0604020202020204" pitchFamily="34" charset="0"/>
+              <a:buChar char="•"/>
+            </a:pPr>
+            <a:r>
+              <a:rPr lang="ru-RU" b="1" dirty="0"/>
+              <a:t>логгеры</a:t>
+            </a:r>
+            <a:r>
+              <a:rPr lang="ru-RU" dirty="0"/>
+              <a:t> (</a:t>
+            </a:r>
+            <a:r>
+              <a:rPr lang="en" b="1" dirty="0"/>
+              <a:t>loggers</a:t>
+            </a:r>
+            <a:r>
+              <a:rPr lang="en" dirty="0"/>
+              <a:t>) — </a:t>
+            </a:r>
+            <a:r>
+              <a:rPr lang="ru-RU" dirty="0"/>
+              <a:t>предоставляют интерфейс, который код приложения и использует для логирования;</a:t>
+            </a:r>
+          </a:p>
+          <a:p>
+            <a:pPr algn="l">
+              <a:lnSpc>
+                <a:spcPct val="120000"/>
+              </a:lnSpc>
+              <a:buFont typeface="Arial" panose="020B0604020202020204" pitchFamily="34" charset="0"/>
+              <a:buChar char="•"/>
+            </a:pPr>
+            <a:r>
+              <a:rPr lang="ru-RU" b="1" dirty="0"/>
+              <a:t>обработчики</a:t>
+            </a:r>
+            <a:r>
+              <a:rPr lang="ru-RU" dirty="0"/>
+              <a:t> (</a:t>
+            </a:r>
+            <a:r>
+              <a:rPr lang="en" b="1" dirty="0"/>
+              <a:t>handlers</a:t>
+            </a:r>
+            <a:r>
+              <a:rPr lang="en" dirty="0"/>
+              <a:t>) — </a:t>
+            </a:r>
+            <a:r>
+              <a:rPr lang="ru-RU" dirty="0"/>
+              <a:t>отвечают за запись/вывод сообщения;</a:t>
+            </a:r>
+          </a:p>
+          <a:p>
+            <a:pPr algn="l">
+              <a:lnSpc>
+                <a:spcPct val="120000"/>
+              </a:lnSpc>
+              <a:buFont typeface="Arial" panose="020B0604020202020204" pitchFamily="34" charset="0"/>
+              <a:buChar char="•"/>
+            </a:pPr>
+            <a:r>
+              <a:rPr lang="ru-RU" b="1" dirty="0"/>
+              <a:t>фильтры</a:t>
+            </a:r>
+            <a:r>
+              <a:rPr lang="ru-RU" dirty="0"/>
+              <a:t> (</a:t>
+            </a:r>
+            <a:r>
+              <a:rPr lang="en" b="1" dirty="0"/>
+              <a:t>filters</a:t>
+            </a:r>
+            <a:r>
+              <a:rPr lang="en" dirty="0"/>
+              <a:t>) — </a:t>
+            </a:r>
+            <a:r>
+              <a:rPr lang="ru-RU" dirty="0"/>
+              <a:t>позволяют более тонко управлять тем, какие логируемые сообщения будут выведены;</a:t>
+            </a:r>
+          </a:p>
+          <a:p>
+            <a:pPr algn="l">
+              <a:lnSpc>
+                <a:spcPct val="120000"/>
+              </a:lnSpc>
+              <a:buFont typeface="Arial" panose="020B0604020202020204" pitchFamily="34" charset="0"/>
+              <a:buChar char="•"/>
+            </a:pPr>
+            <a:r>
+              <a:rPr lang="ru-RU" b="1" dirty="0"/>
+              <a:t>форматтеры</a:t>
+            </a:r>
+            <a:r>
+              <a:rPr lang="ru-RU" dirty="0"/>
+              <a:t> (</a:t>
+            </a:r>
+            <a:r>
+              <a:rPr lang="en" b="1" dirty="0"/>
+              <a:t>formatters</a:t>
+            </a:r>
+            <a:r>
+              <a:rPr lang="en" dirty="0"/>
+              <a:t>) — </a:t>
+            </a:r>
+            <a:r>
+              <a:rPr lang="ru-RU" dirty="0"/>
+              <a:t>определяют окончательный вид логируемого сообщения.</a:t>
+            </a:r>
+          </a:p>
+          <a:p>
+            <a:pPr marL="0" indent="0" algn="l">
+              <a:lnSpc>
+                <a:spcPct val="120000"/>
+              </a:lnSpc>
+              <a:buNone/>
+            </a:pPr>
+            <a:r>
+              <a:rPr lang="ru-RU" dirty="0"/>
+              <a:t>Каждое логируемое сообщение представляет собой экземпляр класса </a:t>
+            </a:r>
+            <a:r>
+              <a:rPr lang="en" dirty="0"/>
+              <a:t>LogRecord, </a:t>
+            </a:r>
+            <a:r>
+              <a:rPr lang="ru-RU" dirty="0"/>
+              <a:t>который передаётся между этими компонентами в соответствии с заданной конфигурацией.</a:t>
+            </a:r>
+          </a:p>
+        </p:txBody>
+      </p:sp>
+      <p:pic>
+        <p:nvPicPr>
+          <p:cNvPr id="7" name="Рисунок 6">
+            <a:extLst>
+              <a:ext uri="{FF2B5EF4-FFF2-40B4-BE49-F238E27FC236}">
+                <a16:creationId xmlns:a16="http://schemas.microsoft.com/office/drawing/2014/main" id="{DADE0D9C-E5E2-9925-ED83-6BC8E214B4DD}"/>
+              </a:ext>
+            </a:extLst>
+          </p:cNvPr>
+          <p:cNvPicPr>
+            <a:picLocks noChangeAspect="1"/>
+          </p:cNvPicPr>
+          <p:nvPr/>
+        </p:nvPicPr>
+        <p:blipFill rotWithShape="1">
+          <a:blip r:embed="rId2"/>
+          <a:srcRect l="2970" t="2583" r="12376" b="8702"/>
+          <a:stretch/>
+        </p:blipFill>
+        <p:spPr>
+          <a:xfrm>
+            <a:off x="9705861" y="1695470"/>
+            <a:ext cx="2486140" cy="3620169"/>
+          </a:xfrm>
+          <a:prstGeom prst="rect">
+            <a:avLst/>
+          </a:prstGeom>
+        </p:spPr>
+      </p:pic>
+    </p:spTree>
+    <p:extLst>
+      <p:ext uri="{BB962C8B-B14F-4D97-AF65-F5344CB8AC3E}">
+        <p14:creationId xmlns:p14="http://schemas.microsoft.com/office/powerpoint/2010/main" val="247491978"/>
+      </p:ext>
+    </p:extLst>
+  </p:cSld>
+  <p:clrMapOvr>
+    <a:masterClrMapping/>
+  </p:clrMapOvr>
+</p:sld>
+</file>
+
+<file path=ppt/slides/slide24.xml><?xml version="1.0" encoding="utf-8"?>
+<p:sld xmlns:a="http://schemas.openxmlformats.org/drawingml/2006/main" xmlns:r="http://schemas.openxmlformats.org/officeDocument/2006/relationships" xmlns:p="http://schemas.openxmlformats.org/presentationml/2006/main">
+  <p:cSld>
+    <p:spTree>
+      <p:nvGrpSpPr>
+        <p:cNvPr id="1" name=""/>
+        <p:cNvGrpSpPr/>
+        <p:nvPr/>
+      </p:nvGrpSpPr>
+      <p:grpSpPr>
+        <a:xfrm>
+          <a:off x="0" y="0"/>
+          <a:ext cx="0" cy="0"/>
+          <a:chOff x="0" y="0"/>
+          <a:chExt cx="0" cy="0"/>
+        </a:xfrm>
+      </p:grpSpPr>
+      <p:pic>
+        <p:nvPicPr>
+          <p:cNvPr id="5" name="Рисунок 4">
+            <a:extLst>
+              <a:ext uri="{FF2B5EF4-FFF2-40B4-BE49-F238E27FC236}">
+                <a16:creationId xmlns:a16="http://schemas.microsoft.com/office/drawing/2014/main" id="{09162708-98D4-7333-2EE1-0DD789B0579A}"/>
+              </a:ext>
+            </a:extLst>
+          </p:cNvPr>
+          <p:cNvPicPr>
+            <a:picLocks noChangeAspect="1"/>
+          </p:cNvPicPr>
+          <p:nvPr/>
+        </p:nvPicPr>
+        <p:blipFill>
+          <a:blip r:embed="rId2"/>
+          <a:stretch>
+            <a:fillRect/>
+          </a:stretch>
+        </p:blipFill>
+        <p:spPr>
+          <a:xfrm>
+            <a:off x="2439087" y="0"/>
+            <a:ext cx="8621847" cy="6850482"/>
+          </a:xfrm>
+          <a:prstGeom prst="rect">
+            <a:avLst/>
+          </a:prstGeom>
+        </p:spPr>
+      </p:pic>
+      <p:sp>
+        <p:nvSpPr>
+          <p:cNvPr id="2" name="Заголовок 1">
+            <a:extLst>
+              <a:ext uri="{FF2B5EF4-FFF2-40B4-BE49-F238E27FC236}">
+                <a16:creationId xmlns:a16="http://schemas.microsoft.com/office/drawing/2014/main" id="{64EE1BB2-5B28-3192-D5F6-E729A66524AD}"/>
+              </a:ext>
+            </a:extLst>
+          </p:cNvPr>
+          <p:cNvSpPr>
+            <a:spLocks noGrp="1"/>
+          </p:cNvSpPr>
+          <p:nvPr>
+            <p:ph type="title"/>
+          </p:nvPr>
+        </p:nvSpPr>
+        <p:spPr>
+          <a:xfrm>
+            <a:off x="198305" y="530380"/>
+            <a:ext cx="2622014" cy="1353505"/>
+          </a:xfrm>
+        </p:spPr>
+        <p:txBody>
+          <a:bodyPr>
+            <a:normAutofit/>
+          </a:bodyPr>
+          <a:lstStyle/>
+          <a:p>
+            <a:r>
+              <a:rPr lang="en" dirty="0"/>
+              <a:t>Logging Flow</a:t>
+            </a:r>
+            <a:endParaRPr lang="ru-RU" dirty="0"/>
+          </a:p>
+        </p:txBody>
+      </p:sp>
+      <p:pic>
+        <p:nvPicPr>
+          <p:cNvPr id="6" name="Рисунок 5">
+            <a:extLst>
+              <a:ext uri="{FF2B5EF4-FFF2-40B4-BE49-F238E27FC236}">
+                <a16:creationId xmlns:a16="http://schemas.microsoft.com/office/drawing/2014/main" id="{24D0E964-44DA-E9F9-EB5D-6E1FE67A7638}"/>
+              </a:ext>
+            </a:extLst>
+          </p:cNvPr>
+          <p:cNvPicPr>
+            <a:picLocks noChangeAspect="1"/>
+          </p:cNvPicPr>
+          <p:nvPr/>
+        </p:nvPicPr>
+        <p:blipFill rotWithShape="1">
+          <a:blip r:embed="rId3"/>
+          <a:srcRect l="2970" t="2583" r="12376" b="8702"/>
+          <a:stretch/>
+        </p:blipFill>
+        <p:spPr>
+          <a:xfrm>
+            <a:off x="9752913" y="4252511"/>
+            <a:ext cx="1645646" cy="2396292"/>
+          </a:xfrm>
+          <a:prstGeom prst="rect">
+            <a:avLst/>
+          </a:prstGeom>
+        </p:spPr>
+      </p:pic>
+    </p:spTree>
+    <p:extLst>
+      <p:ext uri="{BB962C8B-B14F-4D97-AF65-F5344CB8AC3E}">
+        <p14:creationId xmlns:p14="http://schemas.microsoft.com/office/powerpoint/2010/main" val="1870640708"/>
+      </p:ext>
+    </p:extLst>
+  </p:cSld>
+  <p:clrMapOvr>
+    <a:masterClrMapping/>
+  </p:clrMapOvr>
+</p:sld>
+</file>
+
+<file path=ppt/slides/slide25.xml><?xml version="1.0" encoding="utf-8"?>
+<p:sld xmlns:a="http://schemas.openxmlformats.org/drawingml/2006/main" xmlns:r="http://schemas.openxmlformats.org/officeDocument/2006/relationships" xmlns:p="http://schemas.openxmlformats.org/presentationml/2006/main">
+  <p:cSld>
+    <p:spTree>
+      <p:nvGrpSpPr>
+        <p:cNvPr id="1" name=""/>
+        <p:cNvGrpSpPr/>
+        <p:nvPr/>
+      </p:nvGrpSpPr>
+      <p:grpSpPr>
+        <a:xfrm>
+          <a:off x="0" y="0"/>
+          <a:ext cx="0" cy="0"/>
+          <a:chOff x="0" y="0"/>
+          <a:chExt cx="0" cy="0"/>
+        </a:xfrm>
+      </p:grpSpPr>
+      <p:sp>
+        <p:nvSpPr>
           <p:cNvPr id="6" name="Прямоугольник 5">
             <a:extLst>
               <a:ext uri="{FF2B5EF4-FFF2-40B4-BE49-F238E27FC236}">
@@ -11867,7 +13278,7 @@
 </p:sld>
 </file>
 
-<file path=ppt/slides/slide24.xml><?xml version="1.0" encoding="utf-8"?>
+<file path=ppt/slides/slide26.xml><?xml version="1.0" encoding="utf-8"?>
 <p:sld xmlns:a="http://schemas.openxmlformats.org/drawingml/2006/main" xmlns:r="http://schemas.openxmlformats.org/officeDocument/2006/relationships" xmlns:p="http://schemas.openxmlformats.org/presentationml/2006/main">
   <p:cSld>
     <p:spTree>
@@ -11903,24 +13314,25 @@
         <p:spPr>
           <a:xfrm>
             <a:off x="683045" y="279866"/>
-            <a:ext cx="5529549" cy="716444"/>
+            <a:ext cx="6455885" cy="716444"/>
           </a:xfrm>
         </p:spPr>
         <p:txBody>
           <a:bodyPr>
-            <a:normAutofit/>
+            <a:normAutofit fontScale="90000"/>
           </a:bodyPr>
           <a:lstStyle/>
           <a:p>
             <a:pPr algn="l"/>
             <a:r>
+              <a:rPr lang="ru-RU" sz="4000" dirty="0"/>
+              <a:t>Форматирование записей в логе</a:t>
+            </a:r>
+            <a:r>
               <a:rPr lang="ru-RU" dirty="0"/>
-              <a:t>Атрибуты </a:t>
-            </a:r>
-            <a:r>
-              <a:rPr lang="en" noProof="1"/>
-              <a:t>LogRecord</a:t>
-            </a:r>
+              <a:t> </a:t>
+            </a:r>
+            <a:endParaRPr lang="en" noProof="1"/>
           </a:p>
         </p:txBody>
       </p:sp>
@@ -12856,7 +14268,29 @@
                 <a:latin typeface="Consolas" panose="020B0609020204030204" pitchFamily="49" charset="0"/>
                 <a:cs typeface="Consolas" panose="020B0609020204030204" pitchFamily="49" charset="0"/>
               </a:rPr>
-              <a:t>'%(asctime)s - %(levelname)s - %(message)s'</a:t>
+              <a:t>'%(asctime)s </a:t>
+            </a:r>
+            <a:r>
+              <a:rPr lang="en-US" sz="1800" noProof="1">
+                <a:solidFill>
+                  <a:srgbClr val="0070C0"/>
+                </a:solidFill>
+                <a:effectLst/>
+                <a:latin typeface="Consolas" panose="020B0609020204030204" pitchFamily="49" charset="0"/>
+                <a:cs typeface="Consolas" panose="020B0609020204030204" pitchFamily="49" charset="0"/>
+              </a:rPr>
+              <a:t>|</a:t>
+            </a:r>
+            <a:r>
+              <a:rPr lang="en" sz="1800" noProof="1">
+                <a:solidFill>
+                  <a:srgbClr val="0070C0"/>
+                </a:solidFill>
+                <a:effectLst/>
+                <a:latin typeface="Consolas" panose="020B0609020204030204" pitchFamily="49" charset="0"/>
+                <a:cs typeface="Consolas" panose="020B0609020204030204" pitchFamily="49" charset="0"/>
+              </a:rPr>
+              <a:t> %(levelname)s | %(message)s'</a:t>
             </a:r>
             <a:br>
               <a:rPr lang="ru-RU" sz="1800" noProof="1">
@@ -12965,303 +14399,7 @@
 </p:sld>
 </file>
 
-<file path=ppt/slides/slide25.xml><?xml version="1.0" encoding="utf-8"?>
-<p:sld xmlns:a="http://schemas.openxmlformats.org/drawingml/2006/main" xmlns:r="http://schemas.openxmlformats.org/officeDocument/2006/relationships" xmlns:p="http://schemas.openxmlformats.org/presentationml/2006/main">
-  <p:cSld>
-    <p:spTree>
-      <p:nvGrpSpPr>
-        <p:cNvPr id="1" name=""/>
-        <p:cNvGrpSpPr/>
-        <p:nvPr/>
-      </p:nvGrpSpPr>
-      <p:grpSpPr>
-        <a:xfrm>
-          <a:off x="0" y="0"/>
-          <a:ext cx="0" cy="0"/>
-          <a:chOff x="0" y="0"/>
-          <a:chExt cx="0" cy="0"/>
-        </a:xfrm>
-      </p:grpSpPr>
-      <p:sp>
-        <p:nvSpPr>
-          <p:cNvPr id="2" name="Заголовок 1">
-            <a:extLst>
-              <a:ext uri="{FF2B5EF4-FFF2-40B4-BE49-F238E27FC236}">
-                <a16:creationId xmlns:a16="http://schemas.microsoft.com/office/drawing/2014/main" id="{92762C40-E00D-F950-6B6C-97A61E6FDE9C}"/>
-              </a:ext>
-            </a:extLst>
-          </p:cNvPr>
-          <p:cNvSpPr>
-            <a:spLocks noGrp="1"/>
-          </p:cNvSpPr>
-          <p:nvPr>
-            <p:ph type="title"/>
-          </p:nvPr>
-        </p:nvSpPr>
-        <p:spPr>
-          <a:xfrm>
-            <a:off x="838200" y="243942"/>
-            <a:ext cx="10515600" cy="842352"/>
-          </a:xfrm>
-        </p:spPr>
-        <p:txBody>
-          <a:bodyPr>
-            <a:normAutofit/>
-          </a:bodyPr>
-          <a:lstStyle/>
-          <a:p>
-            <a:r>
-              <a:rPr lang="ru-RU" dirty="0"/>
-              <a:t>Структура библиотеки </a:t>
-            </a:r>
-            <a:r>
-              <a:rPr lang="en" dirty="0"/>
-              <a:t>logging</a:t>
-            </a:r>
-            <a:endParaRPr lang="ru-RU" dirty="0"/>
-          </a:p>
-        </p:txBody>
-      </p:sp>
-      <p:sp>
-        <p:nvSpPr>
-          <p:cNvPr id="3" name="Объект 2">
-            <a:extLst>
-              <a:ext uri="{FF2B5EF4-FFF2-40B4-BE49-F238E27FC236}">
-                <a16:creationId xmlns:a16="http://schemas.microsoft.com/office/drawing/2014/main" id="{61F054CA-3677-77FC-5ADC-F74915667759}"/>
-              </a:ext>
-            </a:extLst>
-          </p:cNvPr>
-          <p:cNvSpPr>
-            <a:spLocks noGrp="1"/>
-          </p:cNvSpPr>
-          <p:nvPr>
-            <p:ph idx="1"/>
-          </p:nvPr>
-        </p:nvSpPr>
-        <p:spPr>
-          <a:xfrm>
-            <a:off x="838200" y="1344057"/>
-            <a:ext cx="10013414" cy="5354197"/>
-          </a:xfrm>
-        </p:spPr>
-        <p:txBody>
-          <a:bodyPr>
-            <a:normAutofit fontScale="70000" lnSpcReduction="20000"/>
-          </a:bodyPr>
-          <a:lstStyle/>
-          <a:p>
-            <a:pPr marL="0" indent="0" algn="l">
-              <a:lnSpc>
-                <a:spcPct val="120000"/>
-              </a:lnSpc>
-              <a:buNone/>
-            </a:pPr>
-            <a:r>
-              <a:rPr lang="ru-RU" dirty="0"/>
-              <a:t>Базовых функций логирования может быть достаточно для простых приложений. Но для более сложных случаев и глубокого конфигурирования нужно понимать устройство библиотеки.</a:t>
-            </a:r>
-          </a:p>
-          <a:p>
-            <a:pPr marL="0" indent="0" algn="l">
-              <a:lnSpc>
-                <a:spcPct val="120000"/>
-              </a:lnSpc>
-              <a:buNone/>
-            </a:pPr>
-            <a:r>
-              <a:rPr lang="ru-RU" dirty="0"/>
-              <a:t>Библиотека </a:t>
-            </a:r>
-            <a:r>
-              <a:rPr lang="en" dirty="0"/>
-              <a:t>logging — </a:t>
-            </a:r>
-            <a:r>
-              <a:rPr lang="ru-RU" dirty="0"/>
-              <a:t>модульная и состоит из нескольких категорий компонентов:</a:t>
-            </a:r>
-          </a:p>
-          <a:p>
-            <a:pPr algn="l">
-              <a:lnSpc>
-                <a:spcPct val="120000"/>
-              </a:lnSpc>
-              <a:buFont typeface="Arial" panose="020B0604020202020204" pitchFamily="34" charset="0"/>
-              <a:buChar char="•"/>
-            </a:pPr>
-            <a:r>
-              <a:rPr lang="ru-RU" b="1" dirty="0"/>
-              <a:t>логгеры</a:t>
-            </a:r>
-            <a:r>
-              <a:rPr lang="ru-RU" dirty="0"/>
-              <a:t> (</a:t>
-            </a:r>
-            <a:r>
-              <a:rPr lang="en" b="1" dirty="0"/>
-              <a:t>loggers</a:t>
-            </a:r>
-            <a:r>
-              <a:rPr lang="en" dirty="0"/>
-              <a:t>) — </a:t>
-            </a:r>
-            <a:r>
-              <a:rPr lang="ru-RU" dirty="0"/>
-              <a:t>предоставляют интерфейс, который код приложения и использует для логирования;</a:t>
-            </a:r>
-          </a:p>
-          <a:p>
-            <a:pPr algn="l">
-              <a:lnSpc>
-                <a:spcPct val="120000"/>
-              </a:lnSpc>
-              <a:buFont typeface="Arial" panose="020B0604020202020204" pitchFamily="34" charset="0"/>
-              <a:buChar char="•"/>
-            </a:pPr>
-            <a:r>
-              <a:rPr lang="ru-RU" b="1" dirty="0"/>
-              <a:t>обработчики</a:t>
-            </a:r>
-            <a:r>
-              <a:rPr lang="ru-RU" dirty="0"/>
-              <a:t> (</a:t>
-            </a:r>
-            <a:r>
-              <a:rPr lang="en" b="1" dirty="0"/>
-              <a:t>handlers</a:t>
-            </a:r>
-            <a:r>
-              <a:rPr lang="en" dirty="0"/>
-              <a:t>) — </a:t>
-            </a:r>
-            <a:r>
-              <a:rPr lang="ru-RU" dirty="0"/>
-              <a:t>отвечают за запись/вывод сообщения;</a:t>
-            </a:r>
-          </a:p>
-          <a:p>
-            <a:pPr algn="l">
-              <a:lnSpc>
-                <a:spcPct val="120000"/>
-              </a:lnSpc>
-              <a:buFont typeface="Arial" panose="020B0604020202020204" pitchFamily="34" charset="0"/>
-              <a:buChar char="•"/>
-            </a:pPr>
-            <a:r>
-              <a:rPr lang="ru-RU" b="1" dirty="0"/>
-              <a:t>фильтры</a:t>
-            </a:r>
-            <a:r>
-              <a:rPr lang="ru-RU" dirty="0"/>
-              <a:t> (</a:t>
-            </a:r>
-            <a:r>
-              <a:rPr lang="en" b="1" dirty="0"/>
-              <a:t>filters</a:t>
-            </a:r>
-            <a:r>
-              <a:rPr lang="en" dirty="0"/>
-              <a:t>) — </a:t>
-            </a:r>
-            <a:r>
-              <a:rPr lang="ru-RU" dirty="0"/>
-              <a:t>позволяют более тонко управлять тем, какие логируемые сообщения будут выведены;</a:t>
-            </a:r>
-          </a:p>
-          <a:p>
-            <a:pPr algn="l">
-              <a:lnSpc>
-                <a:spcPct val="120000"/>
-              </a:lnSpc>
-              <a:buFont typeface="Arial" panose="020B0604020202020204" pitchFamily="34" charset="0"/>
-              <a:buChar char="•"/>
-            </a:pPr>
-            <a:r>
-              <a:rPr lang="ru-RU" b="1" dirty="0"/>
-              <a:t>форматтеры</a:t>
-            </a:r>
-            <a:r>
-              <a:rPr lang="ru-RU" dirty="0"/>
-              <a:t> (</a:t>
-            </a:r>
-            <a:r>
-              <a:rPr lang="en" b="1" dirty="0"/>
-              <a:t>formatters</a:t>
-            </a:r>
-            <a:r>
-              <a:rPr lang="en" dirty="0"/>
-              <a:t>) — </a:t>
-            </a:r>
-            <a:r>
-              <a:rPr lang="ru-RU" dirty="0"/>
-              <a:t>определяют окончательный вид логируемого сообщения.</a:t>
-            </a:r>
-          </a:p>
-          <a:p>
-            <a:pPr marL="0" indent="0" algn="l">
-              <a:lnSpc>
-                <a:spcPct val="120000"/>
-              </a:lnSpc>
-              <a:buNone/>
-            </a:pPr>
-            <a:r>
-              <a:rPr lang="ru-RU" dirty="0"/>
-              <a:t>Каждое логируемое сообщение представляет собой экземпляр класса </a:t>
-            </a:r>
-            <a:r>
-              <a:rPr lang="en" dirty="0"/>
-              <a:t>LogRecords, </a:t>
-            </a:r>
-            <a:r>
-              <a:rPr lang="ru-RU" dirty="0"/>
-              <a:t>который передаётся между этими компонентами в соответствии с заданной конфигурацией.</a:t>
-            </a:r>
-          </a:p>
-        </p:txBody>
-      </p:sp>
-      <p:pic>
-        <p:nvPicPr>
-          <p:cNvPr id="7" name="Рисунок 6">
-            <a:extLst>
-              <a:ext uri="{FF2B5EF4-FFF2-40B4-BE49-F238E27FC236}">
-                <a16:creationId xmlns:a16="http://schemas.microsoft.com/office/drawing/2014/main" id="{DADE0D9C-E5E2-9925-ED83-6BC8E214B4DD}"/>
-              </a:ext>
-            </a:extLst>
-          </p:cNvPr>
-          <p:cNvPicPr>
-            <a:picLocks noChangeAspect="1"/>
-          </p:cNvPicPr>
-          <p:nvPr/>
-        </p:nvPicPr>
-        <p:blipFill rotWithShape="1">
-          <a:blip r:embed="rId2"/>
-          <a:srcRect l="2970" t="2583" r="12376" b="8702"/>
-          <a:stretch/>
-        </p:blipFill>
-        <p:spPr>
-          <a:xfrm>
-            <a:off x="10708395" y="3155302"/>
-            <a:ext cx="1483605" cy="2160337"/>
-          </a:xfrm>
-          <a:prstGeom prst="rect">
-            <a:avLst/>
-          </a:prstGeom>
-        </p:spPr>
-      </p:pic>
-    </p:spTree>
-    <p:extLst>
-      <p:ext uri="{BB962C8B-B14F-4D97-AF65-F5344CB8AC3E}">
-        <p14:creationId xmlns:p14="http://schemas.microsoft.com/office/powerpoint/2010/main" val="247491978"/>
-      </p:ext>
-    </p:extLst>
-  </p:cSld>
-  <p:clrMapOvr>
-    <a:masterClrMapping/>
-  </p:clrMapOvr>
-</p:sld>
-</file>
-
-<file path=ppt/slides/slide26.xml><?xml version="1.0" encoding="utf-8"?>
+<file path=ppt/slides/slide27.xml><?xml version="1.0" encoding="utf-8"?>
 <p:sld xmlns:a="http://schemas.openxmlformats.org/drawingml/2006/main" xmlns:r="http://schemas.openxmlformats.org/officeDocument/2006/relationships" xmlns:p="http://schemas.openxmlformats.org/presentationml/2006/main">
   <p:cSld>
     <p:spTree>
@@ -13592,7 +14730,7 @@
 </p:sld>
 </file>
 
-<file path=ppt/slides/slide27.xml><?xml version="1.0" encoding="utf-8"?>
+<file path=ppt/slides/slide28.xml><?xml version="1.0" encoding="utf-8"?>
 <p:sld xmlns:a="http://schemas.openxmlformats.org/drawingml/2006/main" xmlns:r="http://schemas.openxmlformats.org/officeDocument/2006/relationships" xmlns:p="http://schemas.openxmlformats.org/presentationml/2006/main">
   <p:cSld>
     <p:spTree>
@@ -14006,7 +15144,7 @@
 </p:sld>
 </file>
 
-<file path=ppt/slides/slide28.xml><?xml version="1.0" encoding="utf-8"?>
+<file path=ppt/slides/slide29.xml><?xml version="1.0" encoding="utf-8"?>
 <p:sld xmlns:a="http://schemas.openxmlformats.org/drawingml/2006/main" xmlns:r="http://schemas.openxmlformats.org/officeDocument/2006/relationships" xmlns:p="http://schemas.openxmlformats.org/presentationml/2006/main">
   <p:cSld>
     <p:spTree>
@@ -14267,927 +15405,6 @@
     <p:extLst>
       <p:ext uri="{BB962C8B-B14F-4D97-AF65-F5344CB8AC3E}">
         <p14:creationId xmlns:p14="http://schemas.microsoft.com/office/powerpoint/2010/main" val="4210108979"/>
-      </p:ext>
-    </p:extLst>
-  </p:cSld>
-  <p:clrMapOvr>
-    <a:masterClrMapping/>
-  </p:clrMapOvr>
-</p:sld>
-</file>
-
-<file path=ppt/slides/slide29.xml><?xml version="1.0" encoding="utf-8"?>
-<p:sld xmlns:a="http://schemas.openxmlformats.org/drawingml/2006/main" xmlns:r="http://schemas.openxmlformats.org/officeDocument/2006/relationships" xmlns:p="http://schemas.openxmlformats.org/presentationml/2006/main">
-  <p:cSld>
-    <p:spTree>
-      <p:nvGrpSpPr>
-        <p:cNvPr id="1" name=""/>
-        <p:cNvGrpSpPr/>
-        <p:nvPr/>
-      </p:nvGrpSpPr>
-      <p:grpSpPr>
-        <a:xfrm>
-          <a:off x="0" y="0"/>
-          <a:ext cx="0" cy="0"/>
-          <a:chOff x="0" y="0"/>
-          <a:chExt cx="0" cy="0"/>
-        </a:xfrm>
-      </p:grpSpPr>
-      <p:sp>
-        <p:nvSpPr>
-          <p:cNvPr id="2" name="Заголовок 1">
-            <a:extLst>
-              <a:ext uri="{FF2B5EF4-FFF2-40B4-BE49-F238E27FC236}">
-                <a16:creationId xmlns:a16="http://schemas.microsoft.com/office/drawing/2014/main" id="{B5E8D805-0FF1-7DA9-F14E-E922B2D710F3}"/>
-              </a:ext>
-            </a:extLst>
-          </p:cNvPr>
-          <p:cNvSpPr>
-            <a:spLocks noGrp="1"/>
-          </p:cNvSpPr>
-          <p:nvPr>
-            <p:ph type="title"/>
-          </p:nvPr>
-        </p:nvSpPr>
-        <p:spPr>
-          <a:xfrm>
-            <a:off x="838200" y="317626"/>
-            <a:ext cx="10515600" cy="842352"/>
-          </a:xfrm>
-        </p:spPr>
-        <p:txBody>
-          <a:bodyPr/>
-          <a:lstStyle/>
-          <a:p>
-            <a:r>
-              <a:rPr lang="ru-RU" dirty="0"/>
-              <a:t>Форматтеры (</a:t>
-            </a:r>
-            <a:r>
-              <a:rPr lang="en" dirty="0"/>
-              <a:t>formatters)</a:t>
-            </a:r>
-            <a:endParaRPr lang="ru-RU" dirty="0"/>
-          </a:p>
-        </p:txBody>
-      </p:sp>
-      <p:sp>
-        <p:nvSpPr>
-          <p:cNvPr id="3" name="Объект 2">
-            <a:extLst>
-              <a:ext uri="{FF2B5EF4-FFF2-40B4-BE49-F238E27FC236}">
-                <a16:creationId xmlns:a16="http://schemas.microsoft.com/office/drawing/2014/main" id="{1A417515-4A7F-6158-9170-F9DDFD41767C}"/>
-              </a:ext>
-            </a:extLst>
-          </p:cNvPr>
-          <p:cNvSpPr>
-            <a:spLocks noGrp="1"/>
-          </p:cNvSpPr>
-          <p:nvPr>
-            <p:ph idx="1"/>
-          </p:nvPr>
-        </p:nvSpPr>
-        <p:spPr>
-          <a:xfrm>
-            <a:off x="838200" y="1207478"/>
-            <a:ext cx="10515600" cy="5650522"/>
-          </a:xfrm>
-        </p:spPr>
-        <p:txBody>
-          <a:bodyPr>
-            <a:normAutofit/>
-          </a:bodyPr>
-          <a:lstStyle/>
-          <a:p>
-            <a:pPr marL="0" indent="0" algn="l">
-              <a:buNone/>
-            </a:pPr>
-            <a:r>
-              <a:rPr lang="ru-RU" sz="2000" b="1" dirty="0"/>
-              <a:t>Форматтеры</a:t>
-            </a:r>
-            <a:r>
-              <a:rPr lang="ru-RU" sz="2000" dirty="0"/>
-              <a:t> определяют конечный вид записи в логе.</a:t>
-            </a:r>
-          </a:p>
-          <a:p>
-            <a:pPr marL="0" indent="0" algn="l">
-              <a:buNone/>
-            </a:pPr>
-            <a:r>
-              <a:rPr lang="en" sz="2000" b="0" i="0" noProof="1">
-                <a:effectLst/>
-                <a:latin typeface="Consolas" panose="020B0609020204030204" pitchFamily="49" charset="0"/>
-                <a:cs typeface="Consolas" panose="020B0609020204030204" pitchFamily="49" charset="0"/>
-              </a:rPr>
-              <a:t>logging</a:t>
-            </a:r>
-            <a:r>
-              <a:rPr lang="en" sz="2000" b="0" i="0" noProof="1">
-                <a:solidFill>
-                  <a:srgbClr val="999999"/>
-                </a:solidFill>
-                <a:effectLst/>
-                <a:latin typeface="Consolas" panose="020B0609020204030204" pitchFamily="49" charset="0"/>
-                <a:cs typeface="Consolas" panose="020B0609020204030204" pitchFamily="49" charset="0"/>
-              </a:rPr>
-              <a:t>.</a:t>
-            </a:r>
-            <a:r>
-              <a:rPr lang="en" sz="2000" b="0" i="0" noProof="1">
-                <a:effectLst/>
-                <a:latin typeface="Consolas" panose="020B0609020204030204" pitchFamily="49" charset="0"/>
-                <a:cs typeface="Consolas" panose="020B0609020204030204" pitchFamily="49" charset="0"/>
-              </a:rPr>
-              <a:t>Formatter</a:t>
-            </a:r>
-            <a:r>
-              <a:rPr lang="en" sz="2000" b="0" i="0" noProof="1">
-                <a:solidFill>
-                  <a:srgbClr val="999999"/>
-                </a:solidFill>
-                <a:effectLst/>
-                <a:latin typeface="Consolas" panose="020B0609020204030204" pitchFamily="49" charset="0"/>
-                <a:cs typeface="Consolas" panose="020B0609020204030204" pitchFamily="49" charset="0"/>
-              </a:rPr>
-              <a:t>(</a:t>
-            </a:r>
-            <a:r>
-              <a:rPr lang="en" sz="2000" b="0" i="0" noProof="1">
-                <a:effectLst/>
-                <a:latin typeface="Consolas" panose="020B0609020204030204" pitchFamily="49" charset="0"/>
-                <a:cs typeface="Consolas" panose="020B0609020204030204" pitchFamily="49" charset="0"/>
-              </a:rPr>
-              <a:t>fmt</a:t>
-            </a:r>
-            <a:r>
-              <a:rPr lang="en" sz="2000" b="0" i="0" noProof="1">
-                <a:solidFill>
-                  <a:srgbClr val="A67F59"/>
-                </a:solidFill>
-                <a:effectLst/>
-                <a:latin typeface="Consolas" panose="020B0609020204030204" pitchFamily="49" charset="0"/>
-                <a:cs typeface="Consolas" panose="020B0609020204030204" pitchFamily="49" charset="0"/>
-              </a:rPr>
-              <a:t>=</a:t>
-            </a:r>
-            <a:r>
-              <a:rPr lang="en" sz="2000" b="0" i="0" noProof="1">
-                <a:solidFill>
-                  <a:srgbClr val="990055"/>
-                </a:solidFill>
-                <a:effectLst/>
-                <a:latin typeface="Consolas" panose="020B0609020204030204" pitchFamily="49" charset="0"/>
-                <a:cs typeface="Consolas" panose="020B0609020204030204" pitchFamily="49" charset="0"/>
-              </a:rPr>
-              <a:t>None</a:t>
-            </a:r>
-            <a:r>
-              <a:rPr lang="en" sz="2000" b="0" i="0" noProof="1">
-                <a:solidFill>
-                  <a:srgbClr val="999999"/>
-                </a:solidFill>
-                <a:effectLst/>
-                <a:latin typeface="Consolas" panose="020B0609020204030204" pitchFamily="49" charset="0"/>
-                <a:cs typeface="Consolas" panose="020B0609020204030204" pitchFamily="49" charset="0"/>
-              </a:rPr>
-              <a:t>,</a:t>
-            </a:r>
-            <a:r>
-              <a:rPr lang="en" sz="2000" b="0" i="0" noProof="1">
-                <a:effectLst/>
-                <a:latin typeface="Consolas" panose="020B0609020204030204" pitchFamily="49" charset="0"/>
-                <a:cs typeface="Consolas" panose="020B0609020204030204" pitchFamily="49" charset="0"/>
-              </a:rPr>
-              <a:t> datefmt</a:t>
-            </a:r>
-            <a:r>
-              <a:rPr lang="en" sz="2000" b="0" i="0" noProof="1">
-                <a:solidFill>
-                  <a:srgbClr val="A67F59"/>
-                </a:solidFill>
-                <a:effectLst/>
-                <a:latin typeface="Consolas" panose="020B0609020204030204" pitchFamily="49" charset="0"/>
-                <a:cs typeface="Consolas" panose="020B0609020204030204" pitchFamily="49" charset="0"/>
-              </a:rPr>
-              <a:t>=</a:t>
-            </a:r>
-            <a:r>
-              <a:rPr lang="en" sz="2000" b="0" i="0" noProof="1">
-                <a:solidFill>
-                  <a:srgbClr val="990055"/>
-                </a:solidFill>
-                <a:effectLst/>
-                <a:latin typeface="Consolas" panose="020B0609020204030204" pitchFamily="49" charset="0"/>
-                <a:cs typeface="Consolas" panose="020B0609020204030204" pitchFamily="49" charset="0"/>
-              </a:rPr>
-              <a:t>None</a:t>
-            </a:r>
-            <a:r>
-              <a:rPr lang="en" sz="2000" b="0" i="0" noProof="1">
-                <a:solidFill>
-                  <a:srgbClr val="999999"/>
-                </a:solidFill>
-                <a:effectLst/>
-                <a:latin typeface="Consolas" panose="020B0609020204030204" pitchFamily="49" charset="0"/>
-                <a:cs typeface="Consolas" panose="020B0609020204030204" pitchFamily="49" charset="0"/>
-              </a:rPr>
-              <a:t>,</a:t>
-            </a:r>
-            <a:r>
-              <a:rPr lang="en" sz="2000" b="0" i="0" noProof="1">
-                <a:effectLst/>
-                <a:latin typeface="Consolas" panose="020B0609020204030204" pitchFamily="49" charset="0"/>
-                <a:cs typeface="Consolas" panose="020B0609020204030204" pitchFamily="49" charset="0"/>
-              </a:rPr>
-              <a:t> style</a:t>
-            </a:r>
-            <a:r>
-              <a:rPr lang="en" sz="2000" b="0" i="0" noProof="1">
-                <a:solidFill>
-                  <a:srgbClr val="A67F59"/>
-                </a:solidFill>
-                <a:effectLst/>
-                <a:latin typeface="Consolas" panose="020B0609020204030204" pitchFamily="49" charset="0"/>
-                <a:cs typeface="Consolas" panose="020B0609020204030204" pitchFamily="49" charset="0"/>
-              </a:rPr>
-              <a:t>=</a:t>
-            </a:r>
-            <a:r>
-              <a:rPr lang="en" sz="2000" b="0" i="0" noProof="1">
-                <a:solidFill>
-                  <a:srgbClr val="669900"/>
-                </a:solidFill>
-                <a:effectLst/>
-                <a:latin typeface="Consolas" panose="020B0609020204030204" pitchFamily="49" charset="0"/>
-                <a:cs typeface="Consolas" panose="020B0609020204030204" pitchFamily="49" charset="0"/>
-              </a:rPr>
-              <a:t>'%'</a:t>
-            </a:r>
-            <a:r>
-              <a:rPr lang="en" sz="2000" b="0" i="0" noProof="1">
-                <a:solidFill>
-                  <a:srgbClr val="999999"/>
-                </a:solidFill>
-                <a:effectLst/>
-                <a:latin typeface="Consolas" panose="020B0609020204030204" pitchFamily="49" charset="0"/>
-                <a:cs typeface="Consolas" panose="020B0609020204030204" pitchFamily="49" charset="0"/>
-              </a:rPr>
-              <a:t>)</a:t>
-            </a:r>
-            <a:endParaRPr lang="en" sz="2000" b="0" i="0" noProof="1">
-              <a:effectLst/>
-              <a:latin typeface="Consolas" panose="020B0609020204030204" pitchFamily="49" charset="0"/>
-              <a:cs typeface="Consolas" panose="020B0609020204030204" pitchFamily="49" charset="0"/>
-            </a:endParaRPr>
-          </a:p>
-          <a:p>
-            <a:pPr marL="0" indent="0" algn="l">
-              <a:buNone/>
-            </a:pPr>
-            <a:r>
-              <a:rPr lang="ru-RU" sz="2000" dirty="0"/>
-              <a:t>Конструктор форматтера принимает три аргумента:</a:t>
-            </a:r>
-          </a:p>
-          <a:p>
-            <a:pPr algn="l">
-              <a:buFont typeface="Arial" panose="020B0604020202020204" pitchFamily="34" charset="0"/>
-              <a:buChar char="•"/>
-            </a:pPr>
-            <a:r>
-              <a:rPr lang="ru-RU" sz="2000" dirty="0"/>
-              <a:t>формат сообщения </a:t>
-            </a:r>
-            <a:r>
-              <a:rPr lang="en" sz="2000" dirty="0">
-                <a:latin typeface="Consolas" panose="020B0609020204030204" pitchFamily="49" charset="0"/>
-                <a:cs typeface="Consolas" panose="020B0609020204030204" pitchFamily="49" charset="0"/>
-              </a:rPr>
-              <a:t>fmt</a:t>
-            </a:r>
-            <a:r>
-              <a:rPr lang="en" sz="2000" dirty="0"/>
-              <a:t>;</a:t>
-            </a:r>
-          </a:p>
-          <a:p>
-            <a:pPr algn="l">
-              <a:buFont typeface="Arial" panose="020B0604020202020204" pitchFamily="34" charset="0"/>
-              <a:buChar char="•"/>
-            </a:pPr>
-            <a:r>
-              <a:rPr lang="ru-RU" sz="2000" dirty="0"/>
-              <a:t>формат даты </a:t>
-            </a:r>
-            <a:r>
-              <a:rPr lang="en" sz="2000" dirty="0">
-                <a:latin typeface="Consolas" panose="020B0609020204030204" pitchFamily="49" charset="0"/>
-                <a:cs typeface="Consolas" panose="020B0609020204030204" pitchFamily="49" charset="0"/>
-              </a:rPr>
-              <a:t>datefmt</a:t>
-            </a:r>
-            <a:r>
-              <a:rPr lang="en" sz="2000" dirty="0"/>
-              <a:t>;</a:t>
-            </a:r>
-          </a:p>
-          <a:p>
-            <a:pPr algn="l">
-              <a:buFont typeface="Arial" panose="020B0604020202020204" pitchFamily="34" charset="0"/>
-              <a:buChar char="•"/>
-            </a:pPr>
-            <a:r>
-              <a:rPr lang="ru-RU" sz="2000" dirty="0"/>
-              <a:t>стиль оператора форматирования </a:t>
-            </a:r>
-            <a:r>
-              <a:rPr lang="en" sz="2000" dirty="0">
-                <a:latin typeface="Consolas" panose="020B0609020204030204" pitchFamily="49" charset="0"/>
-                <a:cs typeface="Consolas" panose="020B0609020204030204" pitchFamily="49" charset="0"/>
-              </a:rPr>
-              <a:t>style</a:t>
-            </a:r>
-            <a:r>
-              <a:rPr lang="en" sz="2000" dirty="0"/>
-              <a:t> </a:t>
-            </a:r>
-            <a:r>
-              <a:rPr lang="ru-RU" sz="2000" dirty="0"/>
-              <a:t>для интерполяции </a:t>
-            </a:r>
-            <a:r>
-              <a:rPr lang="ru-RU" sz="2000" dirty="0">
-                <a:hlinkClick r:id="rId2"/>
-              </a:rPr>
-              <a:t>атрибутов </a:t>
-            </a:r>
-            <a:r>
-              <a:rPr lang="en" sz="2000" dirty="0">
-                <a:hlinkClick r:id="rId2"/>
-              </a:rPr>
-              <a:t>LogRecord</a:t>
-            </a:r>
-            <a:r>
-              <a:rPr lang="en" sz="2000" dirty="0"/>
-              <a:t>:</a:t>
-            </a:r>
-          </a:p>
-          <a:p>
-            <a:pPr lvl="1"/>
-            <a:r>
-              <a:rPr lang="en" sz="1800" dirty="0"/>
-              <a:t>'%' — </a:t>
-            </a:r>
-            <a:r>
-              <a:rPr lang="ru-RU" sz="1800" dirty="0"/>
-              <a:t>для %-форматирования (по умолчанию),</a:t>
-            </a:r>
-            <a:endParaRPr lang="en-US" sz="1800" dirty="0"/>
-          </a:p>
-          <a:p>
-            <a:pPr lvl="1"/>
-            <a:r>
-              <a:rPr lang="ru-RU" sz="1800" dirty="0"/>
-              <a:t>'{' </a:t>
-            </a:r>
-            <a:r>
-              <a:rPr lang="en-US" sz="1800" dirty="0"/>
-              <a:t>— </a:t>
-            </a:r>
-            <a:r>
-              <a:rPr lang="ru-RU" sz="1800" dirty="0"/>
-              <a:t>для </a:t>
-            </a:r>
-            <a:r>
-              <a:rPr lang="en" sz="1800" noProof="1">
-                <a:latin typeface="Consolas" panose="020B0609020204030204" pitchFamily="49" charset="0"/>
-                <a:cs typeface="Consolas" panose="020B0609020204030204" pitchFamily="49" charset="0"/>
-              </a:rPr>
-              <a:t>str.format()</a:t>
-            </a:r>
-            <a:r>
-              <a:rPr lang="en" sz="1800" dirty="0"/>
-              <a:t> </a:t>
-            </a:r>
-            <a:r>
-              <a:rPr lang="ru-RU" sz="1800" dirty="0"/>
-              <a:t>или</a:t>
-            </a:r>
-            <a:endParaRPr lang="en-US" sz="1800" dirty="0"/>
-          </a:p>
-          <a:p>
-            <a:pPr lvl="1"/>
-            <a:r>
-              <a:rPr lang="ru-RU" sz="1800" dirty="0"/>
-              <a:t>'$' </a:t>
-            </a:r>
-            <a:r>
-              <a:rPr lang="en-US" sz="1800" dirty="0"/>
-              <a:t>— </a:t>
-            </a:r>
-            <a:r>
-              <a:rPr lang="ru-RU" sz="1800" dirty="0"/>
-              <a:t>для </a:t>
-            </a:r>
-            <a:r>
-              <a:rPr lang="en" sz="1800" noProof="1">
-                <a:latin typeface="Consolas" panose="020B0609020204030204" pitchFamily="49" charset="0"/>
-                <a:cs typeface="Consolas" panose="020B0609020204030204" pitchFamily="49" charset="0"/>
-              </a:rPr>
-              <a:t>string.Templates</a:t>
-            </a:r>
-            <a:r>
-              <a:rPr lang="en" sz="1800" dirty="0"/>
-              <a:t>.</a:t>
-            </a:r>
-            <a:endParaRPr lang="en-US" sz="2000" dirty="0"/>
-          </a:p>
-          <a:p>
-            <a:pPr marL="0" indent="0">
-              <a:buNone/>
-            </a:pPr>
-            <a:r>
-              <a:rPr lang="ru-RU" sz="1700" i="1" noProof="1">
-                <a:solidFill>
-                  <a:srgbClr val="949494"/>
-                </a:solidFill>
-                <a:effectLst/>
-                <a:latin typeface="Consolas" panose="020B0609020204030204" pitchFamily="49" charset="0"/>
-                <a:cs typeface="Consolas" panose="020B0609020204030204" pitchFamily="49" charset="0"/>
-              </a:rPr>
-              <a:t># строка формата сообщения</a:t>
-            </a:r>
-            <a:br>
-              <a:rPr lang="en-US" sz="1700" i="1" noProof="1">
-                <a:solidFill>
-                  <a:srgbClr val="949494"/>
-                </a:solidFill>
-                <a:effectLst/>
-                <a:latin typeface="Consolas" panose="020B0609020204030204" pitchFamily="49" charset="0"/>
-                <a:cs typeface="Consolas" panose="020B0609020204030204" pitchFamily="49" charset="0"/>
-              </a:rPr>
-            </a:br>
-            <a:r>
-              <a:rPr lang="en" sz="1700" noProof="1">
-                <a:effectLst/>
-                <a:latin typeface="Consolas" panose="020B0609020204030204" pitchFamily="49" charset="0"/>
-                <a:cs typeface="Consolas" panose="020B0609020204030204" pitchFamily="49" charset="0"/>
-              </a:rPr>
-              <a:t>strfmt</a:t>
-            </a:r>
-            <a:r>
-              <a:rPr lang="en" sz="1700" noProof="1">
-                <a:latin typeface="Consolas" panose="020B0609020204030204" pitchFamily="49" charset="0"/>
-                <a:cs typeface="Consolas" panose="020B0609020204030204" pitchFamily="49" charset="0"/>
-              </a:rPr>
-              <a:t> </a:t>
-            </a:r>
-            <a:r>
-              <a:rPr lang="en" sz="1700" noProof="1">
-                <a:solidFill>
-                  <a:srgbClr val="666666"/>
-                </a:solidFill>
-                <a:effectLst/>
-                <a:latin typeface="Consolas" panose="020B0609020204030204" pitchFamily="49" charset="0"/>
-                <a:cs typeface="Consolas" panose="020B0609020204030204" pitchFamily="49" charset="0"/>
-              </a:rPr>
-              <a:t>=</a:t>
-            </a:r>
-            <a:r>
-              <a:rPr lang="en" sz="1700" noProof="1">
-                <a:latin typeface="Consolas" panose="020B0609020204030204" pitchFamily="49" charset="0"/>
-                <a:cs typeface="Consolas" panose="020B0609020204030204" pitchFamily="49" charset="0"/>
-              </a:rPr>
-              <a:t> </a:t>
-            </a:r>
-            <a:r>
-              <a:rPr lang="en" sz="1700" noProof="1">
-                <a:solidFill>
-                  <a:srgbClr val="706503"/>
-                </a:solidFill>
-                <a:effectLst/>
-                <a:latin typeface="Consolas" panose="020B0609020204030204" pitchFamily="49" charset="0"/>
-                <a:cs typeface="Consolas" panose="020B0609020204030204" pitchFamily="49" charset="0"/>
-              </a:rPr>
-              <a:t>'[</a:t>
-            </a:r>
-            <a:r>
-              <a:rPr lang="en" sz="1700" b="1" noProof="1">
-                <a:solidFill>
-                  <a:srgbClr val="706503"/>
-                </a:solidFill>
-                <a:effectLst/>
-                <a:latin typeface="Consolas" panose="020B0609020204030204" pitchFamily="49" charset="0"/>
-                <a:cs typeface="Consolas" panose="020B0609020204030204" pitchFamily="49" charset="0"/>
-              </a:rPr>
-              <a:t>%(asctime)s</a:t>
-            </a:r>
-            <a:r>
-              <a:rPr lang="en" sz="1700" noProof="1">
-                <a:solidFill>
-                  <a:srgbClr val="706503"/>
-                </a:solidFill>
-                <a:effectLst/>
-                <a:latin typeface="Consolas" panose="020B0609020204030204" pitchFamily="49" charset="0"/>
-                <a:cs typeface="Consolas" panose="020B0609020204030204" pitchFamily="49" charset="0"/>
-              </a:rPr>
-              <a:t>] [</a:t>
-            </a:r>
-            <a:r>
-              <a:rPr lang="en" sz="1700" b="1" noProof="1">
-                <a:solidFill>
-                  <a:srgbClr val="706503"/>
-                </a:solidFill>
-                <a:effectLst/>
-                <a:latin typeface="Consolas" panose="020B0609020204030204" pitchFamily="49" charset="0"/>
-                <a:cs typeface="Consolas" panose="020B0609020204030204" pitchFamily="49" charset="0"/>
-              </a:rPr>
-              <a:t>%(name)s</a:t>
-            </a:r>
-            <a:r>
-              <a:rPr lang="en" sz="1700" noProof="1">
-                <a:solidFill>
-                  <a:srgbClr val="706503"/>
-                </a:solidFill>
-                <a:effectLst/>
-                <a:latin typeface="Consolas" panose="020B0609020204030204" pitchFamily="49" charset="0"/>
-                <a:cs typeface="Consolas" panose="020B0609020204030204" pitchFamily="49" charset="0"/>
-              </a:rPr>
-              <a:t>] [</a:t>
-            </a:r>
-            <a:r>
-              <a:rPr lang="en" sz="1700" b="1" noProof="1">
-                <a:solidFill>
-                  <a:srgbClr val="706503"/>
-                </a:solidFill>
-                <a:effectLst/>
-                <a:latin typeface="Consolas" panose="020B0609020204030204" pitchFamily="49" charset="0"/>
-                <a:cs typeface="Consolas" panose="020B0609020204030204" pitchFamily="49" charset="0"/>
-              </a:rPr>
-              <a:t>%(levelname)s</a:t>
-            </a:r>
-            <a:r>
-              <a:rPr lang="en" sz="1700" noProof="1">
-                <a:solidFill>
-                  <a:srgbClr val="706503"/>
-                </a:solidFill>
-                <a:effectLst/>
-                <a:latin typeface="Consolas" panose="020B0609020204030204" pitchFamily="49" charset="0"/>
-                <a:cs typeface="Consolas" panose="020B0609020204030204" pitchFamily="49" charset="0"/>
-              </a:rPr>
-              <a:t>] &gt; </a:t>
-            </a:r>
-            <a:r>
-              <a:rPr lang="en" sz="1700" b="1" noProof="1">
-                <a:solidFill>
-                  <a:srgbClr val="706503"/>
-                </a:solidFill>
-                <a:effectLst/>
-                <a:latin typeface="Consolas" panose="020B0609020204030204" pitchFamily="49" charset="0"/>
-                <a:cs typeface="Consolas" panose="020B0609020204030204" pitchFamily="49" charset="0"/>
-              </a:rPr>
-              <a:t>%(message)s</a:t>
-            </a:r>
-            <a:r>
-              <a:rPr lang="en" sz="1700" noProof="1">
-                <a:solidFill>
-                  <a:srgbClr val="706503"/>
-                </a:solidFill>
-                <a:effectLst/>
-                <a:latin typeface="Consolas" panose="020B0609020204030204" pitchFamily="49" charset="0"/>
-                <a:cs typeface="Consolas" panose="020B0609020204030204" pitchFamily="49" charset="0"/>
-              </a:rPr>
-              <a:t>'</a:t>
-            </a:r>
-            <a:br>
-              <a:rPr lang="en" sz="1700" noProof="1">
-                <a:solidFill>
-                  <a:srgbClr val="706503"/>
-                </a:solidFill>
-                <a:effectLst/>
-                <a:latin typeface="Consolas" panose="020B0609020204030204" pitchFamily="49" charset="0"/>
-                <a:cs typeface="Consolas" panose="020B0609020204030204" pitchFamily="49" charset="0"/>
-              </a:rPr>
-            </a:br>
-            <a:r>
-              <a:rPr lang="en" sz="1700" i="1" noProof="1">
-                <a:solidFill>
-                  <a:srgbClr val="949494"/>
-                </a:solidFill>
-                <a:effectLst/>
-                <a:latin typeface="Consolas" panose="020B0609020204030204" pitchFamily="49" charset="0"/>
-                <a:cs typeface="Consolas" panose="020B0609020204030204" pitchFamily="49" charset="0"/>
-              </a:rPr>
-              <a:t># </a:t>
-            </a:r>
-            <a:r>
-              <a:rPr lang="ru-RU" sz="1700" i="1" noProof="1">
-                <a:solidFill>
-                  <a:srgbClr val="949494"/>
-                </a:solidFill>
-                <a:effectLst/>
-                <a:latin typeface="Consolas" panose="020B0609020204030204" pitchFamily="49" charset="0"/>
-                <a:cs typeface="Consolas" panose="020B0609020204030204" pitchFamily="49" charset="0"/>
-              </a:rPr>
-              <a:t>строка формата времени</a:t>
-            </a:r>
-            <a:br>
-              <a:rPr lang="en-US" sz="1700" i="1" noProof="1">
-                <a:solidFill>
-                  <a:srgbClr val="949494"/>
-                </a:solidFill>
-                <a:effectLst/>
-                <a:latin typeface="Consolas" panose="020B0609020204030204" pitchFamily="49" charset="0"/>
-                <a:cs typeface="Consolas" panose="020B0609020204030204" pitchFamily="49" charset="0"/>
-              </a:rPr>
-            </a:br>
-            <a:r>
-              <a:rPr lang="en" sz="1700" noProof="1">
-                <a:effectLst/>
-                <a:latin typeface="Consolas" panose="020B0609020204030204" pitchFamily="49" charset="0"/>
-                <a:cs typeface="Consolas" panose="020B0609020204030204" pitchFamily="49" charset="0"/>
-              </a:rPr>
-              <a:t>datefmt</a:t>
-            </a:r>
-            <a:r>
-              <a:rPr lang="en" sz="1700" noProof="1">
-                <a:latin typeface="Consolas" panose="020B0609020204030204" pitchFamily="49" charset="0"/>
-                <a:cs typeface="Consolas" panose="020B0609020204030204" pitchFamily="49" charset="0"/>
-              </a:rPr>
-              <a:t> </a:t>
-            </a:r>
-            <a:r>
-              <a:rPr lang="en" sz="1700" noProof="1">
-                <a:solidFill>
-                  <a:srgbClr val="666666"/>
-                </a:solidFill>
-                <a:effectLst/>
-                <a:latin typeface="Consolas" panose="020B0609020204030204" pitchFamily="49" charset="0"/>
-                <a:cs typeface="Consolas" panose="020B0609020204030204" pitchFamily="49" charset="0"/>
-              </a:rPr>
-              <a:t>=</a:t>
-            </a:r>
-            <a:r>
-              <a:rPr lang="en" sz="1700" noProof="1">
-                <a:latin typeface="Consolas" panose="020B0609020204030204" pitchFamily="49" charset="0"/>
-                <a:cs typeface="Consolas" panose="020B0609020204030204" pitchFamily="49" charset="0"/>
-              </a:rPr>
-              <a:t> </a:t>
-            </a:r>
-            <a:r>
-              <a:rPr lang="en" sz="1700" noProof="1">
-                <a:solidFill>
-                  <a:srgbClr val="706503"/>
-                </a:solidFill>
-                <a:effectLst/>
-                <a:latin typeface="Consolas" panose="020B0609020204030204" pitchFamily="49" charset="0"/>
-                <a:cs typeface="Consolas" panose="020B0609020204030204" pitchFamily="49" charset="0"/>
-              </a:rPr>
-              <a:t>'%Y-%m-</a:t>
-            </a:r>
-            <a:r>
-              <a:rPr lang="en" sz="1700" b="1" noProof="1">
-                <a:solidFill>
-                  <a:srgbClr val="706503"/>
-                </a:solidFill>
-                <a:effectLst/>
-                <a:latin typeface="Consolas" panose="020B0609020204030204" pitchFamily="49" charset="0"/>
-                <a:cs typeface="Consolas" panose="020B0609020204030204" pitchFamily="49" charset="0"/>
-              </a:rPr>
-              <a:t>%d</a:t>
-            </a:r>
-            <a:r>
-              <a:rPr lang="en" sz="1700" noProof="1">
-                <a:solidFill>
-                  <a:srgbClr val="706503"/>
-                </a:solidFill>
-                <a:effectLst/>
-                <a:latin typeface="Consolas" panose="020B0609020204030204" pitchFamily="49" charset="0"/>
-                <a:cs typeface="Consolas" panose="020B0609020204030204" pitchFamily="49" charset="0"/>
-              </a:rPr>
-              <a:t> %H:%M:%S'</a:t>
-            </a:r>
-            <a:br>
-              <a:rPr lang="en" sz="1700" noProof="1">
-                <a:solidFill>
-                  <a:srgbClr val="706503"/>
-                </a:solidFill>
-                <a:effectLst/>
-                <a:latin typeface="Consolas" panose="020B0609020204030204" pitchFamily="49" charset="0"/>
-                <a:cs typeface="Consolas" panose="020B0609020204030204" pitchFamily="49" charset="0"/>
-              </a:rPr>
-            </a:br>
-            <a:r>
-              <a:rPr lang="en" sz="1700" i="1" noProof="1">
-                <a:solidFill>
-                  <a:srgbClr val="949494"/>
-                </a:solidFill>
-                <a:effectLst/>
-                <a:latin typeface="Consolas" panose="020B0609020204030204" pitchFamily="49" charset="0"/>
-                <a:cs typeface="Consolas" panose="020B0609020204030204" pitchFamily="49" charset="0"/>
-              </a:rPr>
-              <a:t># </a:t>
-            </a:r>
-            <a:r>
-              <a:rPr lang="ru-RU" sz="1700" i="1" noProof="1">
-                <a:solidFill>
-                  <a:srgbClr val="949494"/>
-                </a:solidFill>
-                <a:effectLst/>
-                <a:latin typeface="Consolas" panose="020B0609020204030204" pitchFamily="49" charset="0"/>
-                <a:cs typeface="Consolas" panose="020B0609020204030204" pitchFamily="49" charset="0"/>
-              </a:rPr>
-              <a:t>создаем форматтер</a:t>
-            </a:r>
-            <a:br>
-              <a:rPr lang="en-US" sz="1700" i="1" noProof="1">
-                <a:solidFill>
-                  <a:srgbClr val="949494"/>
-                </a:solidFill>
-                <a:effectLst/>
-                <a:latin typeface="Consolas" panose="020B0609020204030204" pitchFamily="49" charset="0"/>
-                <a:cs typeface="Consolas" panose="020B0609020204030204" pitchFamily="49" charset="0"/>
-              </a:rPr>
-            </a:br>
-            <a:r>
-              <a:rPr lang="en" sz="1700" noProof="1">
-                <a:effectLst/>
-                <a:latin typeface="Consolas" panose="020B0609020204030204" pitchFamily="49" charset="0"/>
-                <a:cs typeface="Consolas" panose="020B0609020204030204" pitchFamily="49" charset="0"/>
-              </a:rPr>
-              <a:t>formatter</a:t>
-            </a:r>
-            <a:r>
-              <a:rPr lang="en" sz="1700" noProof="1">
-                <a:latin typeface="Consolas" panose="020B0609020204030204" pitchFamily="49" charset="0"/>
-                <a:cs typeface="Consolas" panose="020B0609020204030204" pitchFamily="49" charset="0"/>
-              </a:rPr>
-              <a:t> </a:t>
-            </a:r>
-            <a:r>
-              <a:rPr lang="en" sz="1700" noProof="1">
-                <a:solidFill>
-                  <a:srgbClr val="666666"/>
-                </a:solidFill>
-                <a:effectLst/>
-                <a:latin typeface="Consolas" panose="020B0609020204030204" pitchFamily="49" charset="0"/>
-                <a:cs typeface="Consolas" panose="020B0609020204030204" pitchFamily="49" charset="0"/>
-              </a:rPr>
-              <a:t>=</a:t>
-            </a:r>
-            <a:r>
-              <a:rPr lang="en" sz="1700" noProof="1">
-                <a:latin typeface="Consolas" panose="020B0609020204030204" pitchFamily="49" charset="0"/>
-                <a:cs typeface="Consolas" panose="020B0609020204030204" pitchFamily="49" charset="0"/>
-              </a:rPr>
-              <a:t> </a:t>
-            </a:r>
-            <a:r>
-              <a:rPr lang="en" sz="1700" noProof="1">
-                <a:effectLst/>
-                <a:latin typeface="Consolas" panose="020B0609020204030204" pitchFamily="49" charset="0"/>
-                <a:cs typeface="Consolas" panose="020B0609020204030204" pitchFamily="49" charset="0"/>
-              </a:rPr>
-              <a:t>logging</a:t>
-            </a:r>
-            <a:r>
-              <a:rPr lang="en" sz="1700" noProof="1">
-                <a:solidFill>
-                  <a:srgbClr val="666666"/>
-                </a:solidFill>
-                <a:effectLst/>
-                <a:latin typeface="Consolas" panose="020B0609020204030204" pitchFamily="49" charset="0"/>
-                <a:cs typeface="Consolas" panose="020B0609020204030204" pitchFamily="49" charset="0"/>
-              </a:rPr>
-              <a:t>.</a:t>
-            </a:r>
-            <a:r>
-              <a:rPr lang="en" sz="1700" noProof="1">
-                <a:effectLst/>
-                <a:latin typeface="Consolas" panose="020B0609020204030204" pitchFamily="49" charset="0"/>
-                <a:cs typeface="Consolas" panose="020B0609020204030204" pitchFamily="49" charset="0"/>
-              </a:rPr>
-              <a:t>Formatter(fmt</a:t>
-            </a:r>
-            <a:r>
-              <a:rPr lang="en" sz="1700" noProof="1">
-                <a:solidFill>
-                  <a:srgbClr val="666666"/>
-                </a:solidFill>
-                <a:effectLst/>
-                <a:latin typeface="Consolas" panose="020B0609020204030204" pitchFamily="49" charset="0"/>
-                <a:cs typeface="Consolas" panose="020B0609020204030204" pitchFamily="49" charset="0"/>
-              </a:rPr>
-              <a:t>=</a:t>
-            </a:r>
-            <a:r>
-              <a:rPr lang="en" sz="1700" noProof="1">
-                <a:effectLst/>
-                <a:latin typeface="Consolas" panose="020B0609020204030204" pitchFamily="49" charset="0"/>
-                <a:cs typeface="Consolas" panose="020B0609020204030204" pitchFamily="49" charset="0"/>
-              </a:rPr>
-              <a:t>strfmt,</a:t>
-            </a:r>
-            <a:r>
-              <a:rPr lang="en" sz="1700" noProof="1">
-                <a:latin typeface="Consolas" panose="020B0609020204030204" pitchFamily="49" charset="0"/>
-                <a:cs typeface="Consolas" panose="020B0609020204030204" pitchFamily="49" charset="0"/>
-              </a:rPr>
-              <a:t> </a:t>
-            </a:r>
-            <a:r>
-              <a:rPr lang="en" sz="1700" noProof="1">
-                <a:effectLst/>
-                <a:latin typeface="Consolas" panose="020B0609020204030204" pitchFamily="49" charset="0"/>
-                <a:cs typeface="Consolas" panose="020B0609020204030204" pitchFamily="49" charset="0"/>
-              </a:rPr>
-              <a:t>datefmt</a:t>
-            </a:r>
-            <a:r>
-              <a:rPr lang="en" sz="1700" noProof="1">
-                <a:solidFill>
-                  <a:srgbClr val="666666"/>
-                </a:solidFill>
-                <a:effectLst/>
-                <a:latin typeface="Consolas" panose="020B0609020204030204" pitchFamily="49" charset="0"/>
-                <a:cs typeface="Consolas" panose="020B0609020204030204" pitchFamily="49" charset="0"/>
-              </a:rPr>
-              <a:t>=</a:t>
-            </a:r>
-            <a:r>
-              <a:rPr lang="en" sz="1700" noProof="1">
-                <a:effectLst/>
-                <a:latin typeface="Consolas" panose="020B0609020204030204" pitchFamily="49" charset="0"/>
-                <a:cs typeface="Consolas" panose="020B0609020204030204" pitchFamily="49" charset="0"/>
-              </a:rPr>
-              <a:t>datefmt)</a:t>
-            </a:r>
-          </a:p>
-          <a:p>
-            <a:pPr marL="0" indent="0">
-              <a:buNone/>
-            </a:pPr>
-            <a:r>
-              <a:rPr lang="en" sz="1800" noProof="1"/>
-              <a:t>→</a:t>
-            </a:r>
-            <a:r>
-              <a:rPr lang="en" sz="1700" dirty="0">
-                <a:solidFill>
-                  <a:schemeClr val="accent6">
-                    <a:lumMod val="50000"/>
-                  </a:schemeClr>
-                </a:solidFill>
-                <a:latin typeface="Consolas" panose="020B0609020204030204" pitchFamily="49" charset="0"/>
-                <a:cs typeface="Consolas" panose="020B0609020204030204" pitchFamily="49" charset="0"/>
-              </a:rPr>
-              <a:t>[2020-06-08 07:42:59] [logger] [DEBUG] &gt; debug message</a:t>
-            </a:r>
-            <a:br>
-              <a:rPr lang="en" sz="1700" dirty="0">
-                <a:solidFill>
-                  <a:schemeClr val="accent6">
-                    <a:lumMod val="50000"/>
-                  </a:schemeClr>
-                </a:solidFill>
-                <a:latin typeface="Consolas" panose="020B0609020204030204" pitchFamily="49" charset="0"/>
-                <a:cs typeface="Consolas" panose="020B0609020204030204" pitchFamily="49" charset="0"/>
-              </a:rPr>
-            </a:br>
-            <a:r>
-              <a:rPr lang="en" sz="1800" noProof="1"/>
-              <a:t>→</a:t>
-            </a:r>
-            <a:r>
-              <a:rPr lang="en" sz="1700" dirty="0">
-                <a:solidFill>
-                  <a:schemeClr val="accent6">
-                    <a:lumMod val="50000"/>
-                  </a:schemeClr>
-                </a:solidFill>
-                <a:latin typeface="Consolas" panose="020B0609020204030204" pitchFamily="49" charset="0"/>
-                <a:cs typeface="Consolas" panose="020B0609020204030204" pitchFamily="49" charset="0"/>
-              </a:rPr>
-              <a:t>[2020-06-08 07:42:59] [logger] [INFO] &gt; info message</a:t>
-            </a:r>
-            <a:endParaRPr lang="ru-RU" sz="1700" noProof="1">
-              <a:solidFill>
-                <a:schemeClr val="accent6">
-                  <a:lumMod val="50000"/>
-                </a:schemeClr>
-              </a:solidFill>
-              <a:latin typeface="Consolas" panose="020B0609020204030204" pitchFamily="49" charset="0"/>
-              <a:cs typeface="Consolas" panose="020B0609020204030204" pitchFamily="49" charset="0"/>
-            </a:endParaRPr>
-          </a:p>
-        </p:txBody>
-      </p:sp>
-    </p:spTree>
-    <p:extLst>
-      <p:ext uri="{BB962C8B-B14F-4D97-AF65-F5344CB8AC3E}">
-        <p14:creationId xmlns:p14="http://schemas.microsoft.com/office/powerpoint/2010/main" val="1723960051"/>
       </p:ext>
     </p:extLst>
   </p:cSld>
@@ -15637,6 +15854,927 @@
           <p:cNvPr id="2" name="Заголовок 1">
             <a:extLst>
               <a:ext uri="{FF2B5EF4-FFF2-40B4-BE49-F238E27FC236}">
+                <a16:creationId xmlns:a16="http://schemas.microsoft.com/office/drawing/2014/main" id="{B5E8D805-0FF1-7DA9-F14E-E922B2D710F3}"/>
+              </a:ext>
+            </a:extLst>
+          </p:cNvPr>
+          <p:cNvSpPr>
+            <a:spLocks noGrp="1"/>
+          </p:cNvSpPr>
+          <p:nvPr>
+            <p:ph type="title"/>
+          </p:nvPr>
+        </p:nvSpPr>
+        <p:spPr>
+          <a:xfrm>
+            <a:off x="838200" y="317626"/>
+            <a:ext cx="10515600" cy="842352"/>
+          </a:xfrm>
+        </p:spPr>
+        <p:txBody>
+          <a:bodyPr/>
+          <a:lstStyle/>
+          <a:p>
+            <a:r>
+              <a:rPr lang="ru-RU" dirty="0"/>
+              <a:t>Форматтеры (</a:t>
+            </a:r>
+            <a:r>
+              <a:rPr lang="en" dirty="0"/>
+              <a:t>formatters)</a:t>
+            </a:r>
+            <a:endParaRPr lang="ru-RU" dirty="0"/>
+          </a:p>
+        </p:txBody>
+      </p:sp>
+      <p:sp>
+        <p:nvSpPr>
+          <p:cNvPr id="3" name="Объект 2">
+            <a:extLst>
+              <a:ext uri="{FF2B5EF4-FFF2-40B4-BE49-F238E27FC236}">
+                <a16:creationId xmlns:a16="http://schemas.microsoft.com/office/drawing/2014/main" id="{1A417515-4A7F-6158-9170-F9DDFD41767C}"/>
+              </a:ext>
+            </a:extLst>
+          </p:cNvPr>
+          <p:cNvSpPr>
+            <a:spLocks noGrp="1"/>
+          </p:cNvSpPr>
+          <p:nvPr>
+            <p:ph idx="1"/>
+          </p:nvPr>
+        </p:nvSpPr>
+        <p:spPr>
+          <a:xfrm>
+            <a:off x="838200" y="1207478"/>
+            <a:ext cx="10515600" cy="5650522"/>
+          </a:xfrm>
+        </p:spPr>
+        <p:txBody>
+          <a:bodyPr>
+            <a:normAutofit/>
+          </a:bodyPr>
+          <a:lstStyle/>
+          <a:p>
+            <a:pPr marL="0" indent="0" algn="l">
+              <a:buNone/>
+            </a:pPr>
+            <a:r>
+              <a:rPr lang="ru-RU" sz="2000" b="1" dirty="0"/>
+              <a:t>Форматтеры</a:t>
+            </a:r>
+            <a:r>
+              <a:rPr lang="ru-RU" sz="2000" dirty="0"/>
+              <a:t> определяют конечный вид записи в логе.</a:t>
+            </a:r>
+          </a:p>
+          <a:p>
+            <a:pPr marL="0" indent="0" algn="l">
+              <a:buNone/>
+            </a:pPr>
+            <a:r>
+              <a:rPr lang="en" sz="2000" b="0" i="0" noProof="1">
+                <a:effectLst/>
+                <a:latin typeface="Consolas" panose="020B0609020204030204" pitchFamily="49" charset="0"/>
+                <a:cs typeface="Consolas" panose="020B0609020204030204" pitchFamily="49" charset="0"/>
+              </a:rPr>
+              <a:t>logging</a:t>
+            </a:r>
+            <a:r>
+              <a:rPr lang="en" sz="2000" b="0" i="0" noProof="1">
+                <a:solidFill>
+                  <a:srgbClr val="999999"/>
+                </a:solidFill>
+                <a:effectLst/>
+                <a:latin typeface="Consolas" panose="020B0609020204030204" pitchFamily="49" charset="0"/>
+                <a:cs typeface="Consolas" panose="020B0609020204030204" pitchFamily="49" charset="0"/>
+              </a:rPr>
+              <a:t>.</a:t>
+            </a:r>
+            <a:r>
+              <a:rPr lang="en" sz="2000" b="0" i="0" noProof="1">
+                <a:effectLst/>
+                <a:latin typeface="Consolas" panose="020B0609020204030204" pitchFamily="49" charset="0"/>
+                <a:cs typeface="Consolas" panose="020B0609020204030204" pitchFamily="49" charset="0"/>
+              </a:rPr>
+              <a:t>Formatter</a:t>
+            </a:r>
+            <a:r>
+              <a:rPr lang="en" sz="2000" b="0" i="0" noProof="1">
+                <a:solidFill>
+                  <a:srgbClr val="999999"/>
+                </a:solidFill>
+                <a:effectLst/>
+                <a:latin typeface="Consolas" panose="020B0609020204030204" pitchFamily="49" charset="0"/>
+                <a:cs typeface="Consolas" panose="020B0609020204030204" pitchFamily="49" charset="0"/>
+              </a:rPr>
+              <a:t>(</a:t>
+            </a:r>
+            <a:r>
+              <a:rPr lang="en" sz="2000" b="0" i="0" noProof="1">
+                <a:effectLst/>
+                <a:latin typeface="Consolas" panose="020B0609020204030204" pitchFamily="49" charset="0"/>
+                <a:cs typeface="Consolas" panose="020B0609020204030204" pitchFamily="49" charset="0"/>
+              </a:rPr>
+              <a:t>fmt</a:t>
+            </a:r>
+            <a:r>
+              <a:rPr lang="en" sz="2000" b="0" i="0" noProof="1">
+                <a:solidFill>
+                  <a:srgbClr val="A67F59"/>
+                </a:solidFill>
+                <a:effectLst/>
+                <a:latin typeface="Consolas" panose="020B0609020204030204" pitchFamily="49" charset="0"/>
+                <a:cs typeface="Consolas" panose="020B0609020204030204" pitchFamily="49" charset="0"/>
+              </a:rPr>
+              <a:t>=</a:t>
+            </a:r>
+            <a:r>
+              <a:rPr lang="en" sz="2000" b="0" i="0" noProof="1">
+                <a:solidFill>
+                  <a:srgbClr val="990055"/>
+                </a:solidFill>
+                <a:effectLst/>
+                <a:latin typeface="Consolas" panose="020B0609020204030204" pitchFamily="49" charset="0"/>
+                <a:cs typeface="Consolas" panose="020B0609020204030204" pitchFamily="49" charset="0"/>
+              </a:rPr>
+              <a:t>None</a:t>
+            </a:r>
+            <a:r>
+              <a:rPr lang="en" sz="2000" b="0" i="0" noProof="1">
+                <a:solidFill>
+                  <a:srgbClr val="999999"/>
+                </a:solidFill>
+                <a:effectLst/>
+                <a:latin typeface="Consolas" panose="020B0609020204030204" pitchFamily="49" charset="0"/>
+                <a:cs typeface="Consolas" panose="020B0609020204030204" pitchFamily="49" charset="0"/>
+              </a:rPr>
+              <a:t>,</a:t>
+            </a:r>
+            <a:r>
+              <a:rPr lang="en" sz="2000" b="0" i="0" noProof="1">
+                <a:effectLst/>
+                <a:latin typeface="Consolas" panose="020B0609020204030204" pitchFamily="49" charset="0"/>
+                <a:cs typeface="Consolas" panose="020B0609020204030204" pitchFamily="49" charset="0"/>
+              </a:rPr>
+              <a:t> datefmt</a:t>
+            </a:r>
+            <a:r>
+              <a:rPr lang="en" sz="2000" b="0" i="0" noProof="1">
+                <a:solidFill>
+                  <a:srgbClr val="A67F59"/>
+                </a:solidFill>
+                <a:effectLst/>
+                <a:latin typeface="Consolas" panose="020B0609020204030204" pitchFamily="49" charset="0"/>
+                <a:cs typeface="Consolas" panose="020B0609020204030204" pitchFamily="49" charset="0"/>
+              </a:rPr>
+              <a:t>=</a:t>
+            </a:r>
+            <a:r>
+              <a:rPr lang="en" sz="2000" b="0" i="0" noProof="1">
+                <a:solidFill>
+                  <a:srgbClr val="990055"/>
+                </a:solidFill>
+                <a:effectLst/>
+                <a:latin typeface="Consolas" panose="020B0609020204030204" pitchFamily="49" charset="0"/>
+                <a:cs typeface="Consolas" panose="020B0609020204030204" pitchFamily="49" charset="0"/>
+              </a:rPr>
+              <a:t>None</a:t>
+            </a:r>
+            <a:r>
+              <a:rPr lang="en" sz="2000" b="0" i="0" noProof="1">
+                <a:solidFill>
+                  <a:srgbClr val="999999"/>
+                </a:solidFill>
+                <a:effectLst/>
+                <a:latin typeface="Consolas" panose="020B0609020204030204" pitchFamily="49" charset="0"/>
+                <a:cs typeface="Consolas" panose="020B0609020204030204" pitchFamily="49" charset="0"/>
+              </a:rPr>
+              <a:t>,</a:t>
+            </a:r>
+            <a:r>
+              <a:rPr lang="en" sz="2000" b="0" i="0" noProof="1">
+                <a:effectLst/>
+                <a:latin typeface="Consolas" panose="020B0609020204030204" pitchFamily="49" charset="0"/>
+                <a:cs typeface="Consolas" panose="020B0609020204030204" pitchFamily="49" charset="0"/>
+              </a:rPr>
+              <a:t> style</a:t>
+            </a:r>
+            <a:r>
+              <a:rPr lang="en" sz="2000" b="0" i="0" noProof="1">
+                <a:solidFill>
+                  <a:srgbClr val="A67F59"/>
+                </a:solidFill>
+                <a:effectLst/>
+                <a:latin typeface="Consolas" panose="020B0609020204030204" pitchFamily="49" charset="0"/>
+                <a:cs typeface="Consolas" panose="020B0609020204030204" pitchFamily="49" charset="0"/>
+              </a:rPr>
+              <a:t>=</a:t>
+            </a:r>
+            <a:r>
+              <a:rPr lang="en" sz="2000" b="0" i="0" noProof="1">
+                <a:solidFill>
+                  <a:srgbClr val="669900"/>
+                </a:solidFill>
+                <a:effectLst/>
+                <a:latin typeface="Consolas" panose="020B0609020204030204" pitchFamily="49" charset="0"/>
+                <a:cs typeface="Consolas" panose="020B0609020204030204" pitchFamily="49" charset="0"/>
+              </a:rPr>
+              <a:t>'%'</a:t>
+            </a:r>
+            <a:r>
+              <a:rPr lang="en" sz="2000" b="0" i="0" noProof="1">
+                <a:solidFill>
+                  <a:srgbClr val="999999"/>
+                </a:solidFill>
+                <a:effectLst/>
+                <a:latin typeface="Consolas" panose="020B0609020204030204" pitchFamily="49" charset="0"/>
+                <a:cs typeface="Consolas" panose="020B0609020204030204" pitchFamily="49" charset="0"/>
+              </a:rPr>
+              <a:t>)</a:t>
+            </a:r>
+            <a:endParaRPr lang="en" sz="2000" b="0" i="0" noProof="1">
+              <a:effectLst/>
+              <a:latin typeface="Consolas" panose="020B0609020204030204" pitchFamily="49" charset="0"/>
+              <a:cs typeface="Consolas" panose="020B0609020204030204" pitchFamily="49" charset="0"/>
+            </a:endParaRPr>
+          </a:p>
+          <a:p>
+            <a:pPr marL="0" indent="0" algn="l">
+              <a:buNone/>
+            </a:pPr>
+            <a:r>
+              <a:rPr lang="ru-RU" sz="2000" dirty="0"/>
+              <a:t>Конструктор форматтера принимает три аргумента:</a:t>
+            </a:r>
+          </a:p>
+          <a:p>
+            <a:pPr algn="l">
+              <a:buFont typeface="Arial" panose="020B0604020202020204" pitchFamily="34" charset="0"/>
+              <a:buChar char="•"/>
+            </a:pPr>
+            <a:r>
+              <a:rPr lang="ru-RU" sz="2000" dirty="0"/>
+              <a:t>формат сообщения </a:t>
+            </a:r>
+            <a:r>
+              <a:rPr lang="en" sz="2000" dirty="0">
+                <a:latin typeface="Consolas" panose="020B0609020204030204" pitchFamily="49" charset="0"/>
+                <a:cs typeface="Consolas" panose="020B0609020204030204" pitchFamily="49" charset="0"/>
+              </a:rPr>
+              <a:t>fmt</a:t>
+            </a:r>
+            <a:r>
+              <a:rPr lang="en" sz="2000" dirty="0"/>
+              <a:t>;</a:t>
+            </a:r>
+          </a:p>
+          <a:p>
+            <a:pPr algn="l">
+              <a:buFont typeface="Arial" panose="020B0604020202020204" pitchFamily="34" charset="0"/>
+              <a:buChar char="•"/>
+            </a:pPr>
+            <a:r>
+              <a:rPr lang="ru-RU" sz="2000" dirty="0"/>
+              <a:t>формат даты </a:t>
+            </a:r>
+            <a:r>
+              <a:rPr lang="en" sz="2000" dirty="0">
+                <a:latin typeface="Consolas" panose="020B0609020204030204" pitchFamily="49" charset="0"/>
+                <a:cs typeface="Consolas" panose="020B0609020204030204" pitchFamily="49" charset="0"/>
+              </a:rPr>
+              <a:t>datefmt</a:t>
+            </a:r>
+            <a:r>
+              <a:rPr lang="en" sz="2000" dirty="0"/>
+              <a:t>;</a:t>
+            </a:r>
+          </a:p>
+          <a:p>
+            <a:pPr algn="l">
+              <a:buFont typeface="Arial" panose="020B0604020202020204" pitchFamily="34" charset="0"/>
+              <a:buChar char="•"/>
+            </a:pPr>
+            <a:r>
+              <a:rPr lang="ru-RU" sz="2000" dirty="0"/>
+              <a:t>стиль оператора форматирования </a:t>
+            </a:r>
+            <a:r>
+              <a:rPr lang="en" sz="2000" dirty="0">
+                <a:latin typeface="Consolas" panose="020B0609020204030204" pitchFamily="49" charset="0"/>
+                <a:cs typeface="Consolas" panose="020B0609020204030204" pitchFamily="49" charset="0"/>
+              </a:rPr>
+              <a:t>style</a:t>
+            </a:r>
+            <a:r>
+              <a:rPr lang="en" sz="2000" dirty="0"/>
+              <a:t> </a:t>
+            </a:r>
+            <a:r>
+              <a:rPr lang="ru-RU" sz="2000" dirty="0"/>
+              <a:t>для интерполяции </a:t>
+            </a:r>
+            <a:r>
+              <a:rPr lang="ru-RU" sz="2000" dirty="0">
+                <a:hlinkClick r:id="rId2"/>
+              </a:rPr>
+              <a:t>атрибутов </a:t>
+            </a:r>
+            <a:r>
+              <a:rPr lang="en" sz="2000" dirty="0">
+                <a:hlinkClick r:id="rId2"/>
+              </a:rPr>
+              <a:t>LogRecord</a:t>
+            </a:r>
+            <a:r>
+              <a:rPr lang="en" sz="2000" dirty="0"/>
+              <a:t>:</a:t>
+            </a:r>
+          </a:p>
+          <a:p>
+            <a:pPr lvl="1"/>
+            <a:r>
+              <a:rPr lang="en" sz="1800" dirty="0"/>
+              <a:t>'%' — </a:t>
+            </a:r>
+            <a:r>
+              <a:rPr lang="ru-RU" sz="1800" dirty="0"/>
+              <a:t>для %-форматирования (по умолчанию),</a:t>
+            </a:r>
+            <a:endParaRPr lang="en-US" sz="1800" dirty="0"/>
+          </a:p>
+          <a:p>
+            <a:pPr lvl="1"/>
+            <a:r>
+              <a:rPr lang="ru-RU" sz="1800" dirty="0"/>
+              <a:t>'{' </a:t>
+            </a:r>
+            <a:r>
+              <a:rPr lang="en-US" sz="1800" dirty="0"/>
+              <a:t>— </a:t>
+            </a:r>
+            <a:r>
+              <a:rPr lang="ru-RU" sz="1800" dirty="0"/>
+              <a:t>для </a:t>
+            </a:r>
+            <a:r>
+              <a:rPr lang="en" sz="1800" noProof="1">
+                <a:latin typeface="Consolas" panose="020B0609020204030204" pitchFamily="49" charset="0"/>
+                <a:cs typeface="Consolas" panose="020B0609020204030204" pitchFamily="49" charset="0"/>
+              </a:rPr>
+              <a:t>str.format()</a:t>
+            </a:r>
+            <a:r>
+              <a:rPr lang="en" sz="1800" dirty="0"/>
+              <a:t> </a:t>
+            </a:r>
+            <a:r>
+              <a:rPr lang="ru-RU" sz="1800" dirty="0"/>
+              <a:t>или</a:t>
+            </a:r>
+            <a:endParaRPr lang="en-US" sz="1800" dirty="0"/>
+          </a:p>
+          <a:p>
+            <a:pPr lvl="1"/>
+            <a:r>
+              <a:rPr lang="ru-RU" sz="1800" dirty="0"/>
+              <a:t>'$' </a:t>
+            </a:r>
+            <a:r>
+              <a:rPr lang="en-US" sz="1800" dirty="0"/>
+              <a:t>— </a:t>
+            </a:r>
+            <a:r>
+              <a:rPr lang="ru-RU" sz="1800" dirty="0"/>
+              <a:t>для </a:t>
+            </a:r>
+            <a:r>
+              <a:rPr lang="en" sz="1800" noProof="1">
+                <a:latin typeface="Consolas" panose="020B0609020204030204" pitchFamily="49" charset="0"/>
+                <a:cs typeface="Consolas" panose="020B0609020204030204" pitchFamily="49" charset="0"/>
+              </a:rPr>
+              <a:t>string.Templates</a:t>
+            </a:r>
+            <a:r>
+              <a:rPr lang="en" sz="1800" dirty="0"/>
+              <a:t>.</a:t>
+            </a:r>
+            <a:endParaRPr lang="en-US" sz="2000" dirty="0"/>
+          </a:p>
+          <a:p>
+            <a:pPr marL="0" indent="0">
+              <a:buNone/>
+            </a:pPr>
+            <a:r>
+              <a:rPr lang="ru-RU" sz="1700" i="1" noProof="1">
+                <a:solidFill>
+                  <a:srgbClr val="949494"/>
+                </a:solidFill>
+                <a:effectLst/>
+                <a:latin typeface="Consolas" panose="020B0609020204030204" pitchFamily="49" charset="0"/>
+                <a:cs typeface="Consolas" panose="020B0609020204030204" pitchFamily="49" charset="0"/>
+              </a:rPr>
+              <a:t># строка формата сообщения</a:t>
+            </a:r>
+            <a:br>
+              <a:rPr lang="en-US" sz="1700" i="1" noProof="1">
+                <a:solidFill>
+                  <a:srgbClr val="949494"/>
+                </a:solidFill>
+                <a:effectLst/>
+                <a:latin typeface="Consolas" panose="020B0609020204030204" pitchFamily="49" charset="0"/>
+                <a:cs typeface="Consolas" panose="020B0609020204030204" pitchFamily="49" charset="0"/>
+              </a:rPr>
+            </a:br>
+            <a:r>
+              <a:rPr lang="en" sz="1700" noProof="1">
+                <a:effectLst/>
+                <a:latin typeface="Consolas" panose="020B0609020204030204" pitchFamily="49" charset="0"/>
+                <a:cs typeface="Consolas" panose="020B0609020204030204" pitchFamily="49" charset="0"/>
+              </a:rPr>
+              <a:t>strfmt</a:t>
+            </a:r>
+            <a:r>
+              <a:rPr lang="en" sz="1700" noProof="1">
+                <a:latin typeface="Consolas" panose="020B0609020204030204" pitchFamily="49" charset="0"/>
+                <a:cs typeface="Consolas" panose="020B0609020204030204" pitchFamily="49" charset="0"/>
+              </a:rPr>
+              <a:t> </a:t>
+            </a:r>
+            <a:r>
+              <a:rPr lang="en" sz="1700" noProof="1">
+                <a:solidFill>
+                  <a:srgbClr val="666666"/>
+                </a:solidFill>
+                <a:effectLst/>
+                <a:latin typeface="Consolas" panose="020B0609020204030204" pitchFamily="49" charset="0"/>
+                <a:cs typeface="Consolas" panose="020B0609020204030204" pitchFamily="49" charset="0"/>
+              </a:rPr>
+              <a:t>=</a:t>
+            </a:r>
+            <a:r>
+              <a:rPr lang="en" sz="1700" noProof="1">
+                <a:latin typeface="Consolas" panose="020B0609020204030204" pitchFamily="49" charset="0"/>
+                <a:cs typeface="Consolas" panose="020B0609020204030204" pitchFamily="49" charset="0"/>
+              </a:rPr>
+              <a:t> </a:t>
+            </a:r>
+            <a:r>
+              <a:rPr lang="en" sz="1700" noProof="1">
+                <a:solidFill>
+                  <a:srgbClr val="706503"/>
+                </a:solidFill>
+                <a:effectLst/>
+                <a:latin typeface="Consolas" panose="020B0609020204030204" pitchFamily="49" charset="0"/>
+                <a:cs typeface="Consolas" panose="020B0609020204030204" pitchFamily="49" charset="0"/>
+              </a:rPr>
+              <a:t>'[</a:t>
+            </a:r>
+            <a:r>
+              <a:rPr lang="en" sz="1700" b="1" noProof="1">
+                <a:solidFill>
+                  <a:srgbClr val="706503"/>
+                </a:solidFill>
+                <a:effectLst/>
+                <a:latin typeface="Consolas" panose="020B0609020204030204" pitchFamily="49" charset="0"/>
+                <a:cs typeface="Consolas" panose="020B0609020204030204" pitchFamily="49" charset="0"/>
+              </a:rPr>
+              <a:t>%(asctime)s</a:t>
+            </a:r>
+            <a:r>
+              <a:rPr lang="en" sz="1700" noProof="1">
+                <a:solidFill>
+                  <a:srgbClr val="706503"/>
+                </a:solidFill>
+                <a:effectLst/>
+                <a:latin typeface="Consolas" panose="020B0609020204030204" pitchFamily="49" charset="0"/>
+                <a:cs typeface="Consolas" panose="020B0609020204030204" pitchFamily="49" charset="0"/>
+              </a:rPr>
+              <a:t>] [</a:t>
+            </a:r>
+            <a:r>
+              <a:rPr lang="en" sz="1700" b="1" noProof="1">
+                <a:solidFill>
+                  <a:srgbClr val="706503"/>
+                </a:solidFill>
+                <a:effectLst/>
+                <a:latin typeface="Consolas" panose="020B0609020204030204" pitchFamily="49" charset="0"/>
+                <a:cs typeface="Consolas" panose="020B0609020204030204" pitchFamily="49" charset="0"/>
+              </a:rPr>
+              <a:t>%(name)s</a:t>
+            </a:r>
+            <a:r>
+              <a:rPr lang="en" sz="1700" noProof="1">
+                <a:solidFill>
+                  <a:srgbClr val="706503"/>
+                </a:solidFill>
+                <a:effectLst/>
+                <a:latin typeface="Consolas" panose="020B0609020204030204" pitchFamily="49" charset="0"/>
+                <a:cs typeface="Consolas" panose="020B0609020204030204" pitchFamily="49" charset="0"/>
+              </a:rPr>
+              <a:t>] [</a:t>
+            </a:r>
+            <a:r>
+              <a:rPr lang="en" sz="1700" b="1" noProof="1">
+                <a:solidFill>
+                  <a:srgbClr val="706503"/>
+                </a:solidFill>
+                <a:effectLst/>
+                <a:latin typeface="Consolas" panose="020B0609020204030204" pitchFamily="49" charset="0"/>
+                <a:cs typeface="Consolas" panose="020B0609020204030204" pitchFamily="49" charset="0"/>
+              </a:rPr>
+              <a:t>%(levelname)s</a:t>
+            </a:r>
+            <a:r>
+              <a:rPr lang="en" sz="1700" noProof="1">
+                <a:solidFill>
+                  <a:srgbClr val="706503"/>
+                </a:solidFill>
+                <a:effectLst/>
+                <a:latin typeface="Consolas" panose="020B0609020204030204" pitchFamily="49" charset="0"/>
+                <a:cs typeface="Consolas" panose="020B0609020204030204" pitchFamily="49" charset="0"/>
+              </a:rPr>
+              <a:t>] &gt; </a:t>
+            </a:r>
+            <a:r>
+              <a:rPr lang="en" sz="1700" b="1" noProof="1">
+                <a:solidFill>
+                  <a:srgbClr val="706503"/>
+                </a:solidFill>
+                <a:effectLst/>
+                <a:latin typeface="Consolas" panose="020B0609020204030204" pitchFamily="49" charset="0"/>
+                <a:cs typeface="Consolas" panose="020B0609020204030204" pitchFamily="49" charset="0"/>
+              </a:rPr>
+              <a:t>%(message)s</a:t>
+            </a:r>
+            <a:r>
+              <a:rPr lang="en" sz="1700" noProof="1">
+                <a:solidFill>
+                  <a:srgbClr val="706503"/>
+                </a:solidFill>
+                <a:effectLst/>
+                <a:latin typeface="Consolas" panose="020B0609020204030204" pitchFamily="49" charset="0"/>
+                <a:cs typeface="Consolas" panose="020B0609020204030204" pitchFamily="49" charset="0"/>
+              </a:rPr>
+              <a:t>'</a:t>
+            </a:r>
+            <a:br>
+              <a:rPr lang="en" sz="1700" noProof="1">
+                <a:solidFill>
+                  <a:srgbClr val="706503"/>
+                </a:solidFill>
+                <a:effectLst/>
+                <a:latin typeface="Consolas" panose="020B0609020204030204" pitchFamily="49" charset="0"/>
+                <a:cs typeface="Consolas" panose="020B0609020204030204" pitchFamily="49" charset="0"/>
+              </a:rPr>
+            </a:br>
+            <a:r>
+              <a:rPr lang="en" sz="1700" i="1" noProof="1">
+                <a:solidFill>
+                  <a:srgbClr val="949494"/>
+                </a:solidFill>
+                <a:effectLst/>
+                <a:latin typeface="Consolas" panose="020B0609020204030204" pitchFamily="49" charset="0"/>
+                <a:cs typeface="Consolas" panose="020B0609020204030204" pitchFamily="49" charset="0"/>
+              </a:rPr>
+              <a:t># </a:t>
+            </a:r>
+            <a:r>
+              <a:rPr lang="ru-RU" sz="1700" i="1" noProof="1">
+                <a:solidFill>
+                  <a:srgbClr val="949494"/>
+                </a:solidFill>
+                <a:effectLst/>
+                <a:latin typeface="Consolas" panose="020B0609020204030204" pitchFamily="49" charset="0"/>
+                <a:cs typeface="Consolas" panose="020B0609020204030204" pitchFamily="49" charset="0"/>
+              </a:rPr>
+              <a:t>строка формата времени</a:t>
+            </a:r>
+            <a:br>
+              <a:rPr lang="en-US" sz="1700" i="1" noProof="1">
+                <a:solidFill>
+                  <a:srgbClr val="949494"/>
+                </a:solidFill>
+                <a:effectLst/>
+                <a:latin typeface="Consolas" panose="020B0609020204030204" pitchFamily="49" charset="0"/>
+                <a:cs typeface="Consolas" panose="020B0609020204030204" pitchFamily="49" charset="0"/>
+              </a:rPr>
+            </a:br>
+            <a:r>
+              <a:rPr lang="en" sz="1700" noProof="1">
+                <a:effectLst/>
+                <a:latin typeface="Consolas" panose="020B0609020204030204" pitchFamily="49" charset="0"/>
+                <a:cs typeface="Consolas" panose="020B0609020204030204" pitchFamily="49" charset="0"/>
+              </a:rPr>
+              <a:t>datefmt</a:t>
+            </a:r>
+            <a:r>
+              <a:rPr lang="en" sz="1700" noProof="1">
+                <a:latin typeface="Consolas" panose="020B0609020204030204" pitchFamily="49" charset="0"/>
+                <a:cs typeface="Consolas" panose="020B0609020204030204" pitchFamily="49" charset="0"/>
+              </a:rPr>
+              <a:t> </a:t>
+            </a:r>
+            <a:r>
+              <a:rPr lang="en" sz="1700" noProof="1">
+                <a:solidFill>
+                  <a:srgbClr val="666666"/>
+                </a:solidFill>
+                <a:effectLst/>
+                <a:latin typeface="Consolas" panose="020B0609020204030204" pitchFamily="49" charset="0"/>
+                <a:cs typeface="Consolas" panose="020B0609020204030204" pitchFamily="49" charset="0"/>
+              </a:rPr>
+              <a:t>=</a:t>
+            </a:r>
+            <a:r>
+              <a:rPr lang="en" sz="1700" noProof="1">
+                <a:latin typeface="Consolas" panose="020B0609020204030204" pitchFamily="49" charset="0"/>
+                <a:cs typeface="Consolas" panose="020B0609020204030204" pitchFamily="49" charset="0"/>
+              </a:rPr>
+              <a:t> </a:t>
+            </a:r>
+            <a:r>
+              <a:rPr lang="en" sz="1700" noProof="1">
+                <a:solidFill>
+                  <a:srgbClr val="706503"/>
+                </a:solidFill>
+                <a:effectLst/>
+                <a:latin typeface="Consolas" panose="020B0609020204030204" pitchFamily="49" charset="0"/>
+                <a:cs typeface="Consolas" panose="020B0609020204030204" pitchFamily="49" charset="0"/>
+              </a:rPr>
+              <a:t>'%Y-%m-</a:t>
+            </a:r>
+            <a:r>
+              <a:rPr lang="en" sz="1700" b="1" noProof="1">
+                <a:solidFill>
+                  <a:srgbClr val="706503"/>
+                </a:solidFill>
+                <a:effectLst/>
+                <a:latin typeface="Consolas" panose="020B0609020204030204" pitchFamily="49" charset="0"/>
+                <a:cs typeface="Consolas" panose="020B0609020204030204" pitchFamily="49" charset="0"/>
+              </a:rPr>
+              <a:t>%d</a:t>
+            </a:r>
+            <a:r>
+              <a:rPr lang="en" sz="1700" noProof="1">
+                <a:solidFill>
+                  <a:srgbClr val="706503"/>
+                </a:solidFill>
+                <a:effectLst/>
+                <a:latin typeface="Consolas" panose="020B0609020204030204" pitchFamily="49" charset="0"/>
+                <a:cs typeface="Consolas" panose="020B0609020204030204" pitchFamily="49" charset="0"/>
+              </a:rPr>
+              <a:t> %H:%M:%S'</a:t>
+            </a:r>
+            <a:br>
+              <a:rPr lang="en" sz="1700" noProof="1">
+                <a:solidFill>
+                  <a:srgbClr val="706503"/>
+                </a:solidFill>
+                <a:effectLst/>
+                <a:latin typeface="Consolas" panose="020B0609020204030204" pitchFamily="49" charset="0"/>
+                <a:cs typeface="Consolas" panose="020B0609020204030204" pitchFamily="49" charset="0"/>
+              </a:rPr>
+            </a:br>
+            <a:r>
+              <a:rPr lang="en" sz="1700" i="1" noProof="1">
+                <a:solidFill>
+                  <a:srgbClr val="949494"/>
+                </a:solidFill>
+                <a:effectLst/>
+                <a:latin typeface="Consolas" panose="020B0609020204030204" pitchFamily="49" charset="0"/>
+                <a:cs typeface="Consolas" panose="020B0609020204030204" pitchFamily="49" charset="0"/>
+              </a:rPr>
+              <a:t># </a:t>
+            </a:r>
+            <a:r>
+              <a:rPr lang="ru-RU" sz="1700" i="1" noProof="1">
+                <a:solidFill>
+                  <a:srgbClr val="949494"/>
+                </a:solidFill>
+                <a:effectLst/>
+                <a:latin typeface="Consolas" panose="020B0609020204030204" pitchFamily="49" charset="0"/>
+                <a:cs typeface="Consolas" panose="020B0609020204030204" pitchFamily="49" charset="0"/>
+              </a:rPr>
+              <a:t>создаем форматтер</a:t>
+            </a:r>
+            <a:br>
+              <a:rPr lang="en-US" sz="1700" i="1" noProof="1">
+                <a:solidFill>
+                  <a:srgbClr val="949494"/>
+                </a:solidFill>
+                <a:effectLst/>
+                <a:latin typeface="Consolas" panose="020B0609020204030204" pitchFamily="49" charset="0"/>
+                <a:cs typeface="Consolas" panose="020B0609020204030204" pitchFamily="49" charset="0"/>
+              </a:rPr>
+            </a:br>
+            <a:r>
+              <a:rPr lang="en" sz="1700" noProof="1">
+                <a:effectLst/>
+                <a:latin typeface="Consolas" panose="020B0609020204030204" pitchFamily="49" charset="0"/>
+                <a:cs typeface="Consolas" panose="020B0609020204030204" pitchFamily="49" charset="0"/>
+              </a:rPr>
+              <a:t>formatter</a:t>
+            </a:r>
+            <a:r>
+              <a:rPr lang="en" sz="1700" noProof="1">
+                <a:latin typeface="Consolas" panose="020B0609020204030204" pitchFamily="49" charset="0"/>
+                <a:cs typeface="Consolas" panose="020B0609020204030204" pitchFamily="49" charset="0"/>
+              </a:rPr>
+              <a:t> </a:t>
+            </a:r>
+            <a:r>
+              <a:rPr lang="en" sz="1700" noProof="1">
+                <a:solidFill>
+                  <a:srgbClr val="666666"/>
+                </a:solidFill>
+                <a:effectLst/>
+                <a:latin typeface="Consolas" panose="020B0609020204030204" pitchFamily="49" charset="0"/>
+                <a:cs typeface="Consolas" panose="020B0609020204030204" pitchFamily="49" charset="0"/>
+              </a:rPr>
+              <a:t>=</a:t>
+            </a:r>
+            <a:r>
+              <a:rPr lang="en" sz="1700" noProof="1">
+                <a:latin typeface="Consolas" panose="020B0609020204030204" pitchFamily="49" charset="0"/>
+                <a:cs typeface="Consolas" panose="020B0609020204030204" pitchFamily="49" charset="0"/>
+              </a:rPr>
+              <a:t> </a:t>
+            </a:r>
+            <a:r>
+              <a:rPr lang="en" sz="1700" noProof="1">
+                <a:effectLst/>
+                <a:latin typeface="Consolas" panose="020B0609020204030204" pitchFamily="49" charset="0"/>
+                <a:cs typeface="Consolas" panose="020B0609020204030204" pitchFamily="49" charset="0"/>
+              </a:rPr>
+              <a:t>logging</a:t>
+            </a:r>
+            <a:r>
+              <a:rPr lang="en" sz="1700" noProof="1">
+                <a:solidFill>
+                  <a:srgbClr val="666666"/>
+                </a:solidFill>
+                <a:effectLst/>
+                <a:latin typeface="Consolas" panose="020B0609020204030204" pitchFamily="49" charset="0"/>
+                <a:cs typeface="Consolas" panose="020B0609020204030204" pitchFamily="49" charset="0"/>
+              </a:rPr>
+              <a:t>.</a:t>
+            </a:r>
+            <a:r>
+              <a:rPr lang="en" sz="1700" noProof="1">
+                <a:effectLst/>
+                <a:latin typeface="Consolas" panose="020B0609020204030204" pitchFamily="49" charset="0"/>
+                <a:cs typeface="Consolas" panose="020B0609020204030204" pitchFamily="49" charset="0"/>
+              </a:rPr>
+              <a:t>Formatter(fmt</a:t>
+            </a:r>
+            <a:r>
+              <a:rPr lang="en" sz="1700" noProof="1">
+                <a:solidFill>
+                  <a:srgbClr val="666666"/>
+                </a:solidFill>
+                <a:effectLst/>
+                <a:latin typeface="Consolas" panose="020B0609020204030204" pitchFamily="49" charset="0"/>
+                <a:cs typeface="Consolas" panose="020B0609020204030204" pitchFamily="49" charset="0"/>
+              </a:rPr>
+              <a:t>=</a:t>
+            </a:r>
+            <a:r>
+              <a:rPr lang="en" sz="1700" noProof="1">
+                <a:effectLst/>
+                <a:latin typeface="Consolas" panose="020B0609020204030204" pitchFamily="49" charset="0"/>
+                <a:cs typeface="Consolas" panose="020B0609020204030204" pitchFamily="49" charset="0"/>
+              </a:rPr>
+              <a:t>strfmt,</a:t>
+            </a:r>
+            <a:r>
+              <a:rPr lang="en" sz="1700" noProof="1">
+                <a:latin typeface="Consolas" panose="020B0609020204030204" pitchFamily="49" charset="0"/>
+                <a:cs typeface="Consolas" panose="020B0609020204030204" pitchFamily="49" charset="0"/>
+              </a:rPr>
+              <a:t> </a:t>
+            </a:r>
+            <a:r>
+              <a:rPr lang="en" sz="1700" noProof="1">
+                <a:effectLst/>
+                <a:latin typeface="Consolas" panose="020B0609020204030204" pitchFamily="49" charset="0"/>
+                <a:cs typeface="Consolas" panose="020B0609020204030204" pitchFamily="49" charset="0"/>
+              </a:rPr>
+              <a:t>datefmt</a:t>
+            </a:r>
+            <a:r>
+              <a:rPr lang="en" sz="1700" noProof="1">
+                <a:solidFill>
+                  <a:srgbClr val="666666"/>
+                </a:solidFill>
+                <a:effectLst/>
+                <a:latin typeface="Consolas" panose="020B0609020204030204" pitchFamily="49" charset="0"/>
+                <a:cs typeface="Consolas" panose="020B0609020204030204" pitchFamily="49" charset="0"/>
+              </a:rPr>
+              <a:t>=</a:t>
+            </a:r>
+            <a:r>
+              <a:rPr lang="en" sz="1700" noProof="1">
+                <a:effectLst/>
+                <a:latin typeface="Consolas" panose="020B0609020204030204" pitchFamily="49" charset="0"/>
+                <a:cs typeface="Consolas" panose="020B0609020204030204" pitchFamily="49" charset="0"/>
+              </a:rPr>
+              <a:t>datefmt)</a:t>
+            </a:r>
+          </a:p>
+          <a:p>
+            <a:pPr marL="0" indent="0">
+              <a:buNone/>
+            </a:pPr>
+            <a:r>
+              <a:rPr lang="en" sz="1800" noProof="1"/>
+              <a:t>→</a:t>
+            </a:r>
+            <a:r>
+              <a:rPr lang="en" sz="1700" dirty="0">
+                <a:solidFill>
+                  <a:schemeClr val="accent6">
+                    <a:lumMod val="50000"/>
+                  </a:schemeClr>
+                </a:solidFill>
+                <a:latin typeface="Consolas" panose="020B0609020204030204" pitchFamily="49" charset="0"/>
+                <a:cs typeface="Consolas" panose="020B0609020204030204" pitchFamily="49" charset="0"/>
+              </a:rPr>
+              <a:t>[2020-06-08 07:42:59] [logger] [DEBUG] &gt; debug message</a:t>
+            </a:r>
+            <a:br>
+              <a:rPr lang="en" sz="1700" dirty="0">
+                <a:solidFill>
+                  <a:schemeClr val="accent6">
+                    <a:lumMod val="50000"/>
+                  </a:schemeClr>
+                </a:solidFill>
+                <a:latin typeface="Consolas" panose="020B0609020204030204" pitchFamily="49" charset="0"/>
+                <a:cs typeface="Consolas" panose="020B0609020204030204" pitchFamily="49" charset="0"/>
+              </a:rPr>
+            </a:br>
+            <a:r>
+              <a:rPr lang="en" sz="1800" noProof="1"/>
+              <a:t>→</a:t>
+            </a:r>
+            <a:r>
+              <a:rPr lang="en" sz="1700" dirty="0">
+                <a:solidFill>
+                  <a:schemeClr val="accent6">
+                    <a:lumMod val="50000"/>
+                  </a:schemeClr>
+                </a:solidFill>
+                <a:latin typeface="Consolas" panose="020B0609020204030204" pitchFamily="49" charset="0"/>
+                <a:cs typeface="Consolas" panose="020B0609020204030204" pitchFamily="49" charset="0"/>
+              </a:rPr>
+              <a:t>[2020-06-08 07:42:59] [logger] [INFO] &gt; info message</a:t>
+            </a:r>
+            <a:endParaRPr lang="ru-RU" sz="1700" noProof="1">
+              <a:solidFill>
+                <a:schemeClr val="accent6">
+                  <a:lumMod val="50000"/>
+                </a:schemeClr>
+              </a:solidFill>
+              <a:latin typeface="Consolas" panose="020B0609020204030204" pitchFamily="49" charset="0"/>
+              <a:cs typeface="Consolas" panose="020B0609020204030204" pitchFamily="49" charset="0"/>
+            </a:endParaRPr>
+          </a:p>
+        </p:txBody>
+      </p:sp>
+    </p:spTree>
+    <p:extLst>
+      <p:ext uri="{BB962C8B-B14F-4D97-AF65-F5344CB8AC3E}">
+        <p14:creationId xmlns:p14="http://schemas.microsoft.com/office/powerpoint/2010/main" val="1723960051"/>
+      </p:ext>
+    </p:extLst>
+  </p:cSld>
+  <p:clrMapOvr>
+    <a:masterClrMapping/>
+  </p:clrMapOvr>
+</p:sld>
+</file>
+
+<file path=ppt/slides/slide31.xml><?xml version="1.0" encoding="utf-8"?>
+<p:sld xmlns:a="http://schemas.openxmlformats.org/drawingml/2006/main" xmlns:r="http://schemas.openxmlformats.org/officeDocument/2006/relationships" xmlns:p="http://schemas.openxmlformats.org/presentationml/2006/main">
+  <p:cSld>
+    <p:spTree>
+      <p:nvGrpSpPr>
+        <p:cNvPr id="1" name=""/>
+        <p:cNvGrpSpPr/>
+        <p:nvPr/>
+      </p:nvGrpSpPr>
+      <p:grpSpPr>
+        <a:xfrm>
+          <a:off x="0" y="0"/>
+          <a:ext cx="0" cy="0"/>
+          <a:chOff x="0" y="0"/>
+          <a:chExt cx="0" cy="0"/>
+        </a:xfrm>
+      </p:grpSpPr>
+      <p:sp>
+        <p:nvSpPr>
+          <p:cNvPr id="2" name="Заголовок 1">
+            <a:extLst>
+              <a:ext uri="{FF2B5EF4-FFF2-40B4-BE49-F238E27FC236}">
                 <a16:creationId xmlns:a16="http://schemas.microsoft.com/office/drawing/2014/main" id="{07AEAFAE-80EA-850A-9F01-5086537381E5}"/>
               </a:ext>
             </a:extLst>
@@ -16876,7 +18014,7 @@
 </p:sld>
 </file>
 
-<file path=ppt/slides/slide31.xml><?xml version="1.0" encoding="utf-8"?>
+<file path=ppt/slides/slide32.xml><?xml version="1.0" encoding="utf-8"?>
 <p:sld xmlns:a="http://schemas.openxmlformats.org/drawingml/2006/main" xmlns:r="http://schemas.openxmlformats.org/officeDocument/2006/relationships" xmlns:p="http://schemas.openxmlformats.org/presentationml/2006/main">
   <p:cSld>
     <p:spTree>
@@ -17725,7 +18863,7 @@
 </p:sld>
 </file>
 
-<file path=ppt/slides/slide32.xml><?xml version="1.0" encoding="utf-8"?>
+<file path=ppt/slides/slide33.xml><?xml version="1.0" encoding="utf-8"?>
 <p:sld xmlns:a="http://schemas.openxmlformats.org/drawingml/2006/main" xmlns:r="http://schemas.openxmlformats.org/officeDocument/2006/relationships" xmlns:p="http://schemas.openxmlformats.org/presentationml/2006/main">
   <p:cSld>
     <p:spTree>
@@ -18167,7 +19305,7 @@
 </p:sld>
 </file>
 
-<file path=ppt/slides/slide33.xml><?xml version="1.0" encoding="utf-8"?>
+<file path=ppt/slides/slide34.xml><?xml version="1.0" encoding="utf-8"?>
 <p:sld xmlns:a="http://schemas.openxmlformats.org/drawingml/2006/main" xmlns:r="http://schemas.openxmlformats.org/officeDocument/2006/relationships" xmlns:p="http://schemas.openxmlformats.org/presentationml/2006/main">
   <p:cSld>
     <p:spTree>
@@ -18958,7 +20096,7 @@
 </p:sld>
 </file>
 
-<file path=ppt/slides/slide34.xml><?xml version="1.0" encoding="utf-8"?>
+<file path=ppt/slides/slide35.xml><?xml version="1.0" encoding="utf-8"?>
 <p:sld xmlns:a="http://schemas.openxmlformats.org/drawingml/2006/main" xmlns:r="http://schemas.openxmlformats.org/officeDocument/2006/relationships" xmlns:p="http://schemas.openxmlformats.org/presentationml/2006/main">
   <p:cSld>
     <p:spTree>
@@ -20026,7 +21164,7 @@
 </p:sld>
 </file>
 
-<file path=ppt/slides/slide35.xml><?xml version="1.0" encoding="utf-8"?>
+<file path=ppt/slides/slide36.xml><?xml version="1.0" encoding="utf-8"?>
 <p:sld xmlns:a="http://schemas.openxmlformats.org/drawingml/2006/main" xmlns:r="http://schemas.openxmlformats.org/officeDocument/2006/relationships" xmlns:p="http://schemas.openxmlformats.org/presentationml/2006/main">
   <p:cSld>
     <p:spTree>
@@ -22241,7 +23379,7 @@
 </p:sld>
 </file>
 
-<file path=ppt/slides/slide36.xml><?xml version="1.0" encoding="utf-8"?>
+<file path=ppt/slides/slide37.xml><?xml version="1.0" encoding="utf-8"?>
 <p:sld xmlns:a="http://schemas.openxmlformats.org/drawingml/2006/main" xmlns:r="http://schemas.openxmlformats.org/officeDocument/2006/relationships" xmlns:p="http://schemas.openxmlformats.org/presentationml/2006/main">
   <p:cSld>
     <p:spTree>
@@ -22786,7 +23924,7 @@
 </p:sld>
 </file>
 
-<file path=ppt/slides/slide37.xml><?xml version="1.0" encoding="utf-8"?>
+<file path=ppt/slides/slide38.xml><?xml version="1.0" encoding="utf-8"?>
 <p:sld xmlns:a="http://schemas.openxmlformats.org/drawingml/2006/main" xmlns:r="http://schemas.openxmlformats.org/officeDocument/2006/relationships" xmlns:p="http://schemas.openxmlformats.org/presentationml/2006/main">
   <p:cSld>
     <p:spTree>
@@ -23195,7 +24333,7 @@
 </p:sld>
 </file>
 
-<file path=ppt/slides/slide38.xml><?xml version="1.0" encoding="utf-8"?>
+<file path=ppt/slides/slide39.xml><?xml version="1.0" encoding="utf-8"?>
 <p:sld xmlns:a="http://schemas.openxmlformats.org/drawingml/2006/main" xmlns:r="http://schemas.openxmlformats.org/officeDocument/2006/relationships" xmlns:p="http://schemas.openxmlformats.org/presentationml/2006/main">
   <p:cSld>
     <p:spTree>
@@ -23321,413 +24459,6 @@
     <p:extLst>
       <p:ext uri="{BB962C8B-B14F-4D97-AF65-F5344CB8AC3E}">
         <p14:creationId xmlns:p14="http://schemas.microsoft.com/office/powerpoint/2010/main" val="2615755814"/>
-      </p:ext>
-    </p:extLst>
-  </p:cSld>
-  <p:clrMapOvr>
-    <a:masterClrMapping/>
-  </p:clrMapOvr>
-</p:sld>
-</file>
-
-<file path=ppt/slides/slide39.xml><?xml version="1.0" encoding="utf-8"?>
-<p:sld xmlns:a="http://schemas.openxmlformats.org/drawingml/2006/main" xmlns:r="http://schemas.openxmlformats.org/officeDocument/2006/relationships" xmlns:p="http://schemas.openxmlformats.org/presentationml/2006/main">
-  <p:cSld>
-    <p:spTree>
-      <p:nvGrpSpPr>
-        <p:cNvPr id="1" name=""/>
-        <p:cNvGrpSpPr/>
-        <p:nvPr/>
-      </p:nvGrpSpPr>
-      <p:grpSpPr>
-        <a:xfrm>
-          <a:off x="0" y="0"/>
-          <a:ext cx="0" cy="0"/>
-          <a:chOff x="0" y="0"/>
-          <a:chExt cx="0" cy="0"/>
-        </a:xfrm>
-      </p:grpSpPr>
-      <p:sp>
-        <p:nvSpPr>
-          <p:cNvPr id="2" name="Заголовок 1">
-            <a:extLst>
-              <a:ext uri="{FF2B5EF4-FFF2-40B4-BE49-F238E27FC236}">
-                <a16:creationId xmlns:a16="http://schemas.microsoft.com/office/drawing/2014/main" id="{F55FA0A5-8C43-C29F-F6FC-527E23FDC33A}"/>
-              </a:ext>
-            </a:extLst>
-          </p:cNvPr>
-          <p:cNvSpPr>
-            <a:spLocks noGrp="1"/>
-          </p:cNvSpPr>
-          <p:nvPr>
-            <p:ph type="title"/>
-          </p:nvPr>
-        </p:nvSpPr>
-        <p:spPr>
-          <a:xfrm>
-            <a:off x="736600" y="-3174"/>
-            <a:ext cx="10515600" cy="842352"/>
-          </a:xfrm>
-        </p:spPr>
-        <p:txBody>
-          <a:bodyPr/>
-          <a:lstStyle/>
-          <a:p>
-            <a:r>
-              <a:rPr lang="en-US" dirty="0"/>
-              <a:t>«</a:t>
-            </a:r>
-            <a:r>
-              <a:rPr lang="ru-RU" dirty="0"/>
-              <a:t>Авторский рецепт</a:t>
-            </a:r>
-            <a:r>
-              <a:rPr lang="en-US" dirty="0"/>
-              <a:t>» </a:t>
-            </a:r>
-            <a:r>
-              <a:rPr lang="ru-RU" dirty="0"/>
-              <a:t>логов</a:t>
-            </a:r>
-          </a:p>
-        </p:txBody>
-      </p:sp>
-      <p:sp>
-        <p:nvSpPr>
-          <p:cNvPr id="3" name="Объект 2">
-            <a:extLst>
-              <a:ext uri="{FF2B5EF4-FFF2-40B4-BE49-F238E27FC236}">
-                <a16:creationId xmlns:a16="http://schemas.microsoft.com/office/drawing/2014/main" id="{93963137-C58B-B799-552B-E4AB1DF99638}"/>
-              </a:ext>
-            </a:extLst>
-          </p:cNvPr>
-          <p:cNvSpPr>
-            <a:spLocks noGrp="1"/>
-          </p:cNvSpPr>
-          <p:nvPr>
-            <p:ph idx="1"/>
-          </p:nvPr>
-        </p:nvSpPr>
-        <p:spPr>
-          <a:xfrm>
-            <a:off x="736600" y="940778"/>
-            <a:ext cx="10820400" cy="5917222"/>
-          </a:xfrm>
-        </p:spPr>
-        <p:txBody>
-          <a:bodyPr>
-            <a:normAutofit lnSpcReduction="10000"/>
-          </a:bodyPr>
-          <a:lstStyle/>
-          <a:p>
-            <a:pPr marL="0" indent="0">
-              <a:buNone/>
-            </a:pPr>
-            <a:r>
-              <a:rPr lang="ru-RU" sz="2000" dirty="0"/>
-              <a:t>Файл (с разделителями) / таблица в БД с чётким набором полей:</a:t>
-            </a:r>
-          </a:p>
-          <a:p>
-            <a:r>
-              <a:rPr lang="ru-RU" sz="2000" dirty="0"/>
-              <a:t>Обязательные поля:</a:t>
-            </a:r>
-          </a:p>
-          <a:p>
-            <a:pPr marL="914400" lvl="1" indent="-457200">
-              <a:buFont typeface="+mj-lt"/>
-              <a:buAutoNum type="arabicPeriod"/>
-            </a:pPr>
-            <a:r>
-              <a:rPr lang="en-US" sz="1800" b="1" dirty="0"/>
-              <a:t>datetime</a:t>
-            </a:r>
-          </a:p>
-          <a:p>
-            <a:pPr marL="914400" lvl="1" indent="-457200">
-              <a:buFont typeface="+mj-lt"/>
-              <a:buAutoNum type="arabicPeriod"/>
-            </a:pPr>
-            <a:r>
-              <a:rPr lang="ru-RU" sz="1800" b="1" dirty="0"/>
-              <a:t>код события</a:t>
-            </a:r>
-            <a:r>
-              <a:rPr lang="ru-RU" sz="1800" dirty="0"/>
-              <a:t> в формате английской строки </a:t>
-            </a:r>
-            <a:r>
-              <a:rPr lang="en-US" sz="1800" dirty="0"/>
-              <a:t>uppercase: USER_ADDED, DOMAIN_DELETED, MAIL_SENT, PASSWORD_RECOVERY_REQUEST, SMS_SEND_ERROR </a:t>
-            </a:r>
-            <a:r>
-              <a:rPr lang="ru-RU" sz="1800" dirty="0"/>
-              <a:t>и т.п.</a:t>
-            </a:r>
-            <a:endParaRPr lang="en-US" sz="1800" dirty="0"/>
-          </a:p>
-          <a:p>
-            <a:pPr marL="914400" lvl="1" indent="-457200">
-              <a:buFont typeface="+mj-lt"/>
-              <a:buAutoNum type="arabicPeriod"/>
-            </a:pPr>
-            <a:r>
-              <a:rPr lang="en-US" sz="1800" b="1" dirty="0"/>
-              <a:t>service / script name</a:t>
-            </a:r>
-          </a:p>
-          <a:p>
-            <a:pPr marL="914400" lvl="1" indent="-457200">
-              <a:buFont typeface="+mj-lt"/>
-              <a:buAutoNum type="arabicPeriod"/>
-            </a:pPr>
-            <a:r>
-              <a:rPr lang="en-US" sz="1800" b="1" dirty="0"/>
-              <a:t>hostname</a:t>
-            </a:r>
-            <a:endParaRPr lang="ru-RU" sz="1800" b="1" dirty="0"/>
-          </a:p>
-          <a:p>
-            <a:r>
-              <a:rPr lang="ru-RU" sz="2000" dirty="0"/>
-              <a:t>Другие обязательные поля, общие для проекта / системы, пример:</a:t>
-            </a:r>
-          </a:p>
-          <a:p>
-            <a:pPr marL="914400" lvl="1" indent="-457200">
-              <a:buFont typeface="+mj-lt"/>
-              <a:buAutoNum type="arabicPeriod" startAt="5"/>
-            </a:pPr>
-            <a:r>
-              <a:rPr lang="en-US" sz="1800" noProof="1"/>
-              <a:t>user_id / service_id — </a:t>
-            </a:r>
-            <a:r>
-              <a:rPr lang="ru-RU" sz="1800" noProof="1"/>
-              <a:t>значения </a:t>
-            </a:r>
-            <a:r>
-              <a:rPr lang="en-US" sz="1800" noProof="1"/>
-              <a:t>м</a:t>
-            </a:r>
-            <a:r>
-              <a:rPr lang="ru-RU" sz="1800" noProof="1"/>
-              <a:t>огут где-то отсутствовать, где нет этих данных</a:t>
-            </a:r>
-          </a:p>
-          <a:p>
-            <a:r>
-              <a:rPr lang="en-US" sz="2000" noProof="1"/>
-              <a:t>П</a:t>
-            </a:r>
-            <a:r>
-              <a:rPr lang="ru-RU" sz="2000" noProof="1"/>
-              <a:t>оле с сериализованными дополнительными полями / структурами данных, характерными</a:t>
-            </a:r>
-            <a:r>
-              <a:rPr lang="en-US" sz="2000" noProof="1"/>
-              <a:t> д</a:t>
-            </a:r>
-            <a:r>
-              <a:rPr lang="ru-RU" sz="2000" noProof="1"/>
-              <a:t>ля конкретного кода события</a:t>
-            </a:r>
-          </a:p>
-          <a:p>
-            <a:pPr marL="914400" lvl="1" indent="-457200">
-              <a:buFont typeface="+mj-lt"/>
-              <a:buAutoNum type="arabicPeriod" startAt="6"/>
-            </a:pPr>
-            <a:r>
-              <a:rPr lang="en-US" sz="1800" b="1" noProof="1"/>
-              <a:t>DATA</a:t>
-            </a:r>
-            <a:endParaRPr lang="en-US" sz="2000" noProof="1"/>
-          </a:p>
-          <a:p>
-            <a:pPr marL="0" indent="0">
-              <a:buNone/>
-            </a:pPr>
-            <a:r>
-              <a:rPr lang="ru-RU" sz="1800" noProof="1">
-                <a:solidFill>
-                  <a:schemeClr val="accent6">
-                    <a:lumMod val="50000"/>
-                  </a:schemeClr>
-                </a:solidFill>
-                <a:latin typeface="Consolas" panose="020B0609020204030204" pitchFamily="49" charset="0"/>
-                <a:cs typeface="Consolas" panose="020B0609020204030204" pitchFamily="49" charset="0"/>
-              </a:rPr>
-              <a:t>2023-08-27 </a:t>
-            </a:r>
-            <a:r>
-              <a:rPr lang="en-US" sz="1800" noProof="1">
-                <a:solidFill>
-                  <a:schemeClr val="accent6">
-                    <a:lumMod val="50000"/>
-                  </a:schemeClr>
-                </a:solidFill>
-                <a:latin typeface="Consolas" panose="020B0609020204030204" pitchFamily="49" charset="0"/>
-                <a:cs typeface="Consolas" panose="020B0609020204030204" pitchFamily="49" charset="0"/>
-              </a:rPr>
-              <a:t>12:12:12|USER_ADDED|mobappbackend|cl23.mycloud.ru|23455|0|</a:t>
-            </a:r>
-            <a:br>
-              <a:rPr lang="en-US" sz="1800" noProof="1">
-                <a:solidFill>
-                  <a:schemeClr val="accent6">
-                    <a:lumMod val="50000"/>
-                  </a:schemeClr>
-                </a:solidFill>
-                <a:latin typeface="Consolas" panose="020B0609020204030204" pitchFamily="49" charset="0"/>
-                <a:cs typeface="Consolas" panose="020B0609020204030204" pitchFamily="49" charset="0"/>
-              </a:rPr>
-            </a:br>
-            <a:r>
-              <a:rPr lang="en-US" sz="1800" noProof="1">
-                <a:solidFill>
-                  <a:schemeClr val="accent6">
-                    <a:lumMod val="50000"/>
-                  </a:schemeClr>
-                </a:solidFill>
-                <a:latin typeface="Consolas" panose="020B0609020204030204" pitchFamily="49" charset="0"/>
-                <a:cs typeface="Consolas" panose="020B0609020204030204" pitchFamily="49" charset="0"/>
-              </a:rPr>
-              <a:t>{"Name":"Ivan Ivanov","email":"ivanoff@gmail.com","regip":"1.2.3.4"}</a:t>
-            </a:r>
-            <a:endParaRPr lang="ru-RU" sz="1800" noProof="1">
-              <a:solidFill>
-                <a:schemeClr val="accent6">
-                  <a:lumMod val="50000"/>
-                </a:schemeClr>
-              </a:solidFill>
-              <a:latin typeface="Consolas" panose="020B0609020204030204" pitchFamily="49" charset="0"/>
-              <a:cs typeface="Consolas" panose="020B0609020204030204" pitchFamily="49" charset="0"/>
-            </a:endParaRPr>
-          </a:p>
-          <a:p>
-            <a:pPr marL="0" indent="0">
-              <a:buNone/>
-            </a:pPr>
-            <a:r>
-              <a:rPr lang="ru-RU" sz="1800" noProof="1">
-                <a:solidFill>
-                  <a:schemeClr val="accent6">
-                    <a:lumMod val="50000"/>
-                  </a:schemeClr>
-                </a:solidFill>
-                <a:latin typeface="Consolas" panose="020B0609020204030204" pitchFamily="49" charset="0"/>
-                <a:cs typeface="Consolas" panose="020B0609020204030204" pitchFamily="49" charset="0"/>
-              </a:rPr>
-              <a:t>2023-08-27 </a:t>
-            </a:r>
-            <a:r>
-              <a:rPr lang="en-US" sz="1800" noProof="1">
-                <a:solidFill>
-                  <a:schemeClr val="accent6">
-                    <a:lumMod val="50000"/>
-                  </a:schemeClr>
-                </a:solidFill>
-                <a:latin typeface="Consolas" panose="020B0609020204030204" pitchFamily="49" charset="0"/>
-                <a:cs typeface="Consolas" panose="020B0609020204030204" pitchFamily="49" charset="0"/>
-              </a:rPr>
-              <a:t>12:12:13|MAIL_SENT|userspam.py|cl2.mycloud.ru|11455|249499|</a:t>
-            </a:r>
-            <a:br>
-              <a:rPr lang="en-US" sz="1800" noProof="1">
-                <a:solidFill>
-                  <a:schemeClr val="accent6">
-                    <a:lumMod val="50000"/>
-                  </a:schemeClr>
-                </a:solidFill>
-                <a:latin typeface="Consolas" panose="020B0609020204030204" pitchFamily="49" charset="0"/>
-                <a:cs typeface="Consolas" panose="020B0609020204030204" pitchFamily="49" charset="0"/>
-              </a:rPr>
-            </a:br>
-            <a:r>
-              <a:rPr lang="en-US" sz="1800" noProof="1">
-                <a:solidFill>
-                  <a:schemeClr val="accent6">
-                    <a:lumMod val="50000"/>
-                  </a:schemeClr>
-                </a:solidFill>
-                <a:latin typeface="Consolas" panose="020B0609020204030204" pitchFamily="49" charset="0"/>
-                <a:cs typeface="Consolas" panose="020B0609020204030204" pitchFamily="49" charset="0"/>
-              </a:rPr>
-              <a:t>{"email":"prtrff@gmail.com","title":"</a:t>
-            </a:r>
-            <a:r>
-              <a:rPr lang="ru-RU" sz="1800" noProof="1">
-                <a:solidFill>
-                  <a:schemeClr val="accent6">
-                    <a:lumMod val="50000"/>
-                  </a:schemeClr>
-                </a:solidFill>
-                <a:latin typeface="Consolas" panose="020B0609020204030204" pitchFamily="49" charset="0"/>
-                <a:cs typeface="Consolas" panose="020B0609020204030204" pitchFamily="49" charset="0"/>
-              </a:rPr>
-              <a:t>Продли домен и выигрый автомобиль!</a:t>
-            </a:r>
-            <a:r>
-              <a:rPr lang="en-US" sz="1800" noProof="1">
-                <a:solidFill>
-                  <a:schemeClr val="accent6">
-                    <a:lumMod val="50000"/>
-                  </a:schemeClr>
-                </a:solidFill>
-                <a:latin typeface="Consolas" panose="020B0609020204030204" pitchFamily="49" charset="0"/>
-                <a:cs typeface="Consolas" panose="020B0609020204030204" pitchFamily="49" charset="0"/>
-              </a:rPr>
-              <a:t>"}</a:t>
-            </a:r>
-            <a:endParaRPr lang="ru-RU" sz="1800" noProof="1">
-              <a:solidFill>
-                <a:schemeClr val="accent6">
-                  <a:lumMod val="50000"/>
-                </a:schemeClr>
-              </a:solidFill>
-              <a:latin typeface="Consolas" panose="020B0609020204030204" pitchFamily="49" charset="0"/>
-              <a:cs typeface="Consolas" panose="020B0609020204030204" pitchFamily="49" charset="0"/>
-            </a:endParaRPr>
-          </a:p>
-          <a:p>
-            <a:pPr marL="0" indent="0">
-              <a:buNone/>
-            </a:pPr>
-            <a:r>
-              <a:rPr lang="ru-RU" sz="2000" b="1" noProof="1"/>
-              <a:t>Преимущества:</a:t>
-            </a:r>
-          </a:p>
-          <a:p>
-            <a:pPr>
-              <a:spcBef>
-                <a:spcPts val="0"/>
-              </a:spcBef>
-            </a:pPr>
-            <a:r>
-              <a:rPr lang="ru-RU" sz="2000" noProof="1"/>
-              <a:t>очень легко искать / фильтровать события по ключевым полям.</a:t>
-            </a:r>
-          </a:p>
-          <a:p>
-            <a:pPr>
-              <a:spcBef>
-                <a:spcPts val="0"/>
-              </a:spcBef>
-            </a:pPr>
-            <a:r>
-              <a:rPr lang="ru-RU" sz="2000" noProof="1"/>
-              <a:t>легко автоматизировать обработку логов, в т.ч. подтягивать данные для техподдержки и т.п.</a:t>
-            </a:r>
-          </a:p>
-        </p:txBody>
-      </p:sp>
-    </p:spTree>
-    <p:extLst>
-      <p:ext uri="{BB962C8B-B14F-4D97-AF65-F5344CB8AC3E}">
-        <p14:creationId xmlns:p14="http://schemas.microsoft.com/office/powerpoint/2010/main" val="4017431518"/>
       </p:ext>
     </p:extLst>
   </p:cSld>
@@ -24079,6 +24810,2303 @@
           <p:cNvPr id="2" name="Заголовок 1">
             <a:extLst>
               <a:ext uri="{FF2B5EF4-FFF2-40B4-BE49-F238E27FC236}">
+                <a16:creationId xmlns:a16="http://schemas.microsoft.com/office/drawing/2014/main" id="{F55FA0A5-8C43-C29F-F6FC-527E23FDC33A}"/>
+              </a:ext>
+            </a:extLst>
+          </p:cNvPr>
+          <p:cNvSpPr>
+            <a:spLocks noGrp="1"/>
+          </p:cNvSpPr>
+          <p:nvPr>
+            <p:ph type="title"/>
+          </p:nvPr>
+        </p:nvSpPr>
+        <p:spPr>
+          <a:xfrm>
+            <a:off x="736600" y="-3174"/>
+            <a:ext cx="10515600" cy="842352"/>
+          </a:xfrm>
+        </p:spPr>
+        <p:txBody>
+          <a:bodyPr/>
+          <a:lstStyle/>
+          <a:p>
+            <a:r>
+              <a:rPr lang="en-US" dirty="0"/>
+              <a:t>«</a:t>
+            </a:r>
+            <a:r>
+              <a:rPr lang="ru-RU" dirty="0"/>
+              <a:t>Авторский рецепт</a:t>
+            </a:r>
+            <a:r>
+              <a:rPr lang="en-US" dirty="0"/>
+              <a:t>» </a:t>
+            </a:r>
+            <a:r>
+              <a:rPr lang="ru-RU" dirty="0"/>
+              <a:t>логов</a:t>
+            </a:r>
+          </a:p>
+        </p:txBody>
+      </p:sp>
+      <p:sp>
+        <p:nvSpPr>
+          <p:cNvPr id="3" name="Объект 2">
+            <a:extLst>
+              <a:ext uri="{FF2B5EF4-FFF2-40B4-BE49-F238E27FC236}">
+                <a16:creationId xmlns:a16="http://schemas.microsoft.com/office/drawing/2014/main" id="{93963137-C58B-B799-552B-E4AB1DF99638}"/>
+              </a:ext>
+            </a:extLst>
+          </p:cNvPr>
+          <p:cNvSpPr>
+            <a:spLocks noGrp="1"/>
+          </p:cNvSpPr>
+          <p:nvPr>
+            <p:ph idx="1"/>
+          </p:nvPr>
+        </p:nvSpPr>
+        <p:spPr>
+          <a:xfrm>
+            <a:off x="736600" y="940778"/>
+            <a:ext cx="10820400" cy="5917222"/>
+          </a:xfrm>
+        </p:spPr>
+        <p:txBody>
+          <a:bodyPr>
+            <a:normAutofit lnSpcReduction="10000"/>
+          </a:bodyPr>
+          <a:lstStyle/>
+          <a:p>
+            <a:pPr marL="0" indent="0">
+              <a:buNone/>
+            </a:pPr>
+            <a:r>
+              <a:rPr lang="ru-RU" sz="2000" dirty="0"/>
+              <a:t>Файл (с разделителями) / таблица в БД с чётким набором полей:</a:t>
+            </a:r>
+          </a:p>
+          <a:p>
+            <a:r>
+              <a:rPr lang="ru-RU" sz="2000" dirty="0"/>
+              <a:t>Обязательные поля:</a:t>
+            </a:r>
+          </a:p>
+          <a:p>
+            <a:pPr marL="914400" lvl="1" indent="-457200">
+              <a:buFont typeface="+mj-lt"/>
+              <a:buAutoNum type="arabicPeriod"/>
+            </a:pPr>
+            <a:r>
+              <a:rPr lang="en-US" sz="1800" b="1" dirty="0"/>
+              <a:t>datetime</a:t>
+            </a:r>
+          </a:p>
+          <a:p>
+            <a:pPr marL="914400" lvl="1" indent="-457200">
+              <a:buFont typeface="+mj-lt"/>
+              <a:buAutoNum type="arabicPeriod"/>
+            </a:pPr>
+            <a:r>
+              <a:rPr lang="ru-RU" sz="1800" b="1" dirty="0"/>
+              <a:t>код события</a:t>
+            </a:r>
+            <a:r>
+              <a:rPr lang="ru-RU" sz="1800" dirty="0"/>
+              <a:t> в формате английской строки </a:t>
+            </a:r>
+            <a:r>
+              <a:rPr lang="en-US" sz="1800" dirty="0"/>
+              <a:t>uppercase: USER_ADDED, DOMAIN_DELETED, MAIL_SENT, PASSWORD_RECOVERY_REQUEST, SMS_SEND_ERROR </a:t>
+            </a:r>
+            <a:r>
+              <a:rPr lang="ru-RU" sz="1800" dirty="0"/>
+              <a:t>и т.п.</a:t>
+            </a:r>
+            <a:endParaRPr lang="en-US" sz="1800" dirty="0"/>
+          </a:p>
+          <a:p>
+            <a:pPr marL="914400" lvl="1" indent="-457200">
+              <a:buFont typeface="+mj-lt"/>
+              <a:buAutoNum type="arabicPeriod"/>
+            </a:pPr>
+            <a:r>
+              <a:rPr lang="en-US" sz="1800" b="1" dirty="0"/>
+              <a:t>service / script name</a:t>
+            </a:r>
+          </a:p>
+          <a:p>
+            <a:pPr marL="914400" lvl="1" indent="-457200">
+              <a:buFont typeface="+mj-lt"/>
+              <a:buAutoNum type="arabicPeriod"/>
+            </a:pPr>
+            <a:r>
+              <a:rPr lang="en-US" sz="1800" b="1" dirty="0"/>
+              <a:t>hostname</a:t>
+            </a:r>
+            <a:endParaRPr lang="ru-RU" sz="1800" b="1" dirty="0"/>
+          </a:p>
+          <a:p>
+            <a:r>
+              <a:rPr lang="ru-RU" sz="2000" dirty="0"/>
+              <a:t>Другие обязательные поля, общие для проекта / системы, пример:</a:t>
+            </a:r>
+          </a:p>
+          <a:p>
+            <a:pPr marL="914400" lvl="1" indent="-457200">
+              <a:buFont typeface="+mj-lt"/>
+              <a:buAutoNum type="arabicPeriod" startAt="5"/>
+            </a:pPr>
+            <a:r>
+              <a:rPr lang="en-US" sz="1800" noProof="1"/>
+              <a:t>user_id / service_id — </a:t>
+            </a:r>
+            <a:r>
+              <a:rPr lang="ru-RU" sz="1800" noProof="1"/>
+              <a:t>значения </a:t>
+            </a:r>
+            <a:r>
+              <a:rPr lang="en-US" sz="1800" noProof="1"/>
+              <a:t>м</a:t>
+            </a:r>
+            <a:r>
+              <a:rPr lang="ru-RU" sz="1800" noProof="1"/>
+              <a:t>огут где-то отсутствовать, где нет этих данных</a:t>
+            </a:r>
+          </a:p>
+          <a:p>
+            <a:r>
+              <a:rPr lang="en-US" sz="2000" noProof="1"/>
+              <a:t>П</a:t>
+            </a:r>
+            <a:r>
+              <a:rPr lang="ru-RU" sz="2000" noProof="1"/>
+              <a:t>оле с сериализованными дополнительными полями / структурами данных, характерными</a:t>
+            </a:r>
+            <a:r>
+              <a:rPr lang="en-US" sz="2000" noProof="1"/>
+              <a:t> д</a:t>
+            </a:r>
+            <a:r>
+              <a:rPr lang="ru-RU" sz="2000" noProof="1"/>
+              <a:t>ля конкретного кода события</a:t>
+            </a:r>
+          </a:p>
+          <a:p>
+            <a:pPr marL="914400" lvl="1" indent="-457200">
+              <a:buFont typeface="+mj-lt"/>
+              <a:buAutoNum type="arabicPeriod" startAt="6"/>
+            </a:pPr>
+            <a:r>
+              <a:rPr lang="en-US" sz="1800" b="1" noProof="1"/>
+              <a:t>DATA</a:t>
+            </a:r>
+            <a:endParaRPr lang="en-US" sz="2000" noProof="1"/>
+          </a:p>
+          <a:p>
+            <a:pPr marL="0" indent="0">
+              <a:buNone/>
+            </a:pPr>
+            <a:r>
+              <a:rPr lang="ru-RU" sz="1800" noProof="1">
+                <a:solidFill>
+                  <a:schemeClr val="accent6">
+                    <a:lumMod val="50000"/>
+                  </a:schemeClr>
+                </a:solidFill>
+                <a:latin typeface="Consolas" panose="020B0609020204030204" pitchFamily="49" charset="0"/>
+                <a:cs typeface="Consolas" panose="020B0609020204030204" pitchFamily="49" charset="0"/>
+              </a:rPr>
+              <a:t>2023-08-27 </a:t>
+            </a:r>
+            <a:r>
+              <a:rPr lang="en-US" sz="1800" noProof="1">
+                <a:solidFill>
+                  <a:schemeClr val="accent6">
+                    <a:lumMod val="50000"/>
+                  </a:schemeClr>
+                </a:solidFill>
+                <a:latin typeface="Consolas" panose="020B0609020204030204" pitchFamily="49" charset="0"/>
+                <a:cs typeface="Consolas" panose="020B0609020204030204" pitchFamily="49" charset="0"/>
+              </a:rPr>
+              <a:t>12:12:12|USER_ADDED|mobappbackend|cl23.mycloud.ru|23455|0|</a:t>
+            </a:r>
+            <a:br>
+              <a:rPr lang="en-US" sz="1800" noProof="1">
+                <a:solidFill>
+                  <a:schemeClr val="accent6">
+                    <a:lumMod val="50000"/>
+                  </a:schemeClr>
+                </a:solidFill>
+                <a:latin typeface="Consolas" panose="020B0609020204030204" pitchFamily="49" charset="0"/>
+                <a:cs typeface="Consolas" panose="020B0609020204030204" pitchFamily="49" charset="0"/>
+              </a:rPr>
+            </a:br>
+            <a:r>
+              <a:rPr lang="en-US" sz="1800" noProof="1">
+                <a:solidFill>
+                  <a:schemeClr val="accent6">
+                    <a:lumMod val="50000"/>
+                  </a:schemeClr>
+                </a:solidFill>
+                <a:latin typeface="Consolas" panose="020B0609020204030204" pitchFamily="49" charset="0"/>
+                <a:cs typeface="Consolas" panose="020B0609020204030204" pitchFamily="49" charset="0"/>
+              </a:rPr>
+              <a:t>{"Name":"Ivan Ivanov","email":"ivanoff@gmail.com","regip":"1.2.3.4"}</a:t>
+            </a:r>
+            <a:endParaRPr lang="ru-RU" sz="1800" noProof="1">
+              <a:solidFill>
+                <a:schemeClr val="accent6">
+                  <a:lumMod val="50000"/>
+                </a:schemeClr>
+              </a:solidFill>
+              <a:latin typeface="Consolas" panose="020B0609020204030204" pitchFamily="49" charset="0"/>
+              <a:cs typeface="Consolas" panose="020B0609020204030204" pitchFamily="49" charset="0"/>
+            </a:endParaRPr>
+          </a:p>
+          <a:p>
+            <a:pPr marL="0" indent="0">
+              <a:buNone/>
+            </a:pPr>
+            <a:r>
+              <a:rPr lang="ru-RU" sz="1800" noProof="1">
+                <a:solidFill>
+                  <a:schemeClr val="accent6">
+                    <a:lumMod val="50000"/>
+                  </a:schemeClr>
+                </a:solidFill>
+                <a:latin typeface="Consolas" panose="020B0609020204030204" pitchFamily="49" charset="0"/>
+                <a:cs typeface="Consolas" panose="020B0609020204030204" pitchFamily="49" charset="0"/>
+              </a:rPr>
+              <a:t>2023-08-27 </a:t>
+            </a:r>
+            <a:r>
+              <a:rPr lang="en-US" sz="1800" noProof="1">
+                <a:solidFill>
+                  <a:schemeClr val="accent6">
+                    <a:lumMod val="50000"/>
+                  </a:schemeClr>
+                </a:solidFill>
+                <a:latin typeface="Consolas" panose="020B0609020204030204" pitchFamily="49" charset="0"/>
+                <a:cs typeface="Consolas" panose="020B0609020204030204" pitchFamily="49" charset="0"/>
+              </a:rPr>
+              <a:t>12:12:13|MAIL_SENT|userspam.py|cl2.mycloud.ru|11455|249499|</a:t>
+            </a:r>
+            <a:br>
+              <a:rPr lang="en-US" sz="1800" noProof="1">
+                <a:solidFill>
+                  <a:schemeClr val="accent6">
+                    <a:lumMod val="50000"/>
+                  </a:schemeClr>
+                </a:solidFill>
+                <a:latin typeface="Consolas" panose="020B0609020204030204" pitchFamily="49" charset="0"/>
+                <a:cs typeface="Consolas" panose="020B0609020204030204" pitchFamily="49" charset="0"/>
+              </a:rPr>
+            </a:br>
+            <a:r>
+              <a:rPr lang="en-US" sz="1800" noProof="1">
+                <a:solidFill>
+                  <a:schemeClr val="accent6">
+                    <a:lumMod val="50000"/>
+                  </a:schemeClr>
+                </a:solidFill>
+                <a:latin typeface="Consolas" panose="020B0609020204030204" pitchFamily="49" charset="0"/>
+                <a:cs typeface="Consolas" panose="020B0609020204030204" pitchFamily="49" charset="0"/>
+              </a:rPr>
+              <a:t>{"email":"prtrff@gmail.com","title":"</a:t>
+            </a:r>
+            <a:r>
+              <a:rPr lang="ru-RU" sz="1800" noProof="1">
+                <a:solidFill>
+                  <a:schemeClr val="accent6">
+                    <a:lumMod val="50000"/>
+                  </a:schemeClr>
+                </a:solidFill>
+                <a:latin typeface="Consolas" panose="020B0609020204030204" pitchFamily="49" charset="0"/>
+                <a:cs typeface="Consolas" panose="020B0609020204030204" pitchFamily="49" charset="0"/>
+              </a:rPr>
+              <a:t>Продли домен и выигрый автомобиль!</a:t>
+            </a:r>
+            <a:r>
+              <a:rPr lang="en-US" sz="1800" noProof="1">
+                <a:solidFill>
+                  <a:schemeClr val="accent6">
+                    <a:lumMod val="50000"/>
+                  </a:schemeClr>
+                </a:solidFill>
+                <a:latin typeface="Consolas" panose="020B0609020204030204" pitchFamily="49" charset="0"/>
+                <a:cs typeface="Consolas" panose="020B0609020204030204" pitchFamily="49" charset="0"/>
+              </a:rPr>
+              <a:t>"}</a:t>
+            </a:r>
+            <a:endParaRPr lang="ru-RU" sz="1800" noProof="1">
+              <a:solidFill>
+                <a:schemeClr val="accent6">
+                  <a:lumMod val="50000"/>
+                </a:schemeClr>
+              </a:solidFill>
+              <a:latin typeface="Consolas" panose="020B0609020204030204" pitchFamily="49" charset="0"/>
+              <a:cs typeface="Consolas" panose="020B0609020204030204" pitchFamily="49" charset="0"/>
+            </a:endParaRPr>
+          </a:p>
+          <a:p>
+            <a:pPr marL="0" indent="0">
+              <a:buNone/>
+            </a:pPr>
+            <a:r>
+              <a:rPr lang="ru-RU" sz="2000" b="1" noProof="1"/>
+              <a:t>Преимущества:</a:t>
+            </a:r>
+          </a:p>
+          <a:p>
+            <a:pPr>
+              <a:spcBef>
+                <a:spcPts val="0"/>
+              </a:spcBef>
+            </a:pPr>
+            <a:r>
+              <a:rPr lang="ru-RU" sz="2000" noProof="1"/>
+              <a:t>очень легко искать / фильтровать события по ключевым полям.</a:t>
+            </a:r>
+          </a:p>
+          <a:p>
+            <a:pPr>
+              <a:spcBef>
+                <a:spcPts val="0"/>
+              </a:spcBef>
+            </a:pPr>
+            <a:r>
+              <a:rPr lang="ru-RU" sz="2000" noProof="1"/>
+              <a:t>легко автоматизировать обработку логов, в т.ч. подтягивать данные для техподдержки и т.п.</a:t>
+            </a:r>
+          </a:p>
+        </p:txBody>
+      </p:sp>
+    </p:spTree>
+    <p:extLst>
+      <p:ext uri="{BB962C8B-B14F-4D97-AF65-F5344CB8AC3E}">
+        <p14:creationId xmlns:p14="http://schemas.microsoft.com/office/powerpoint/2010/main" val="4017431518"/>
+      </p:ext>
+    </p:extLst>
+  </p:cSld>
+  <p:clrMapOvr>
+    <a:masterClrMapping/>
+  </p:clrMapOvr>
+</p:sld>
+</file>
+
+<file path=ppt/slides/slide41.xml><?xml version="1.0" encoding="utf-8"?>
+<p:sld xmlns:a="http://schemas.openxmlformats.org/drawingml/2006/main" xmlns:r="http://schemas.openxmlformats.org/officeDocument/2006/relationships" xmlns:p="http://schemas.openxmlformats.org/presentationml/2006/main">
+  <p:cSld>
+    <p:spTree>
+      <p:nvGrpSpPr>
+        <p:cNvPr id="1" name=""/>
+        <p:cNvGrpSpPr/>
+        <p:nvPr/>
+      </p:nvGrpSpPr>
+      <p:grpSpPr>
+        <a:xfrm>
+          <a:off x="0" y="0"/>
+          <a:ext cx="0" cy="0"/>
+          <a:chOff x="0" y="0"/>
+          <a:chExt cx="0" cy="0"/>
+        </a:xfrm>
+      </p:grpSpPr>
+      <p:sp>
+        <p:nvSpPr>
+          <p:cNvPr id="2" name="Заголовок 1">
+            <a:extLst>
+              <a:ext uri="{FF2B5EF4-FFF2-40B4-BE49-F238E27FC236}">
+                <a16:creationId xmlns:a16="http://schemas.microsoft.com/office/drawing/2014/main" id="{7C5BCF47-F9C8-AA33-11DF-529BDA103D8F}"/>
+              </a:ext>
+            </a:extLst>
+          </p:cNvPr>
+          <p:cNvSpPr>
+            <a:spLocks noGrp="1"/>
+          </p:cNvSpPr>
+          <p:nvPr>
+            <p:ph type="title"/>
+          </p:nvPr>
+        </p:nvSpPr>
+        <p:spPr>
+          <a:xfrm>
+            <a:off x="838200" y="12582"/>
+            <a:ext cx="10515600" cy="615375"/>
+          </a:xfrm>
+        </p:spPr>
+        <p:txBody>
+          <a:bodyPr>
+            <a:normAutofit fontScale="90000"/>
+          </a:bodyPr>
+          <a:lstStyle/>
+          <a:p>
+            <a:r>
+              <a:rPr lang="ru-RU" dirty="0"/>
+              <a:t>Имплементация </a:t>
+            </a:r>
+            <a:r>
+              <a:rPr lang="en-US" dirty="0"/>
+              <a:t>«</a:t>
+            </a:r>
+            <a:r>
+              <a:rPr lang="ru-RU" dirty="0"/>
+              <a:t>авторского рецепта</a:t>
+            </a:r>
+            <a:r>
+              <a:rPr lang="en-US" dirty="0"/>
+              <a:t>»</a:t>
+            </a:r>
+            <a:endParaRPr lang="ru-RU" dirty="0"/>
+          </a:p>
+        </p:txBody>
+      </p:sp>
+      <p:sp>
+        <p:nvSpPr>
+          <p:cNvPr id="3" name="Объект 2">
+            <a:extLst>
+              <a:ext uri="{FF2B5EF4-FFF2-40B4-BE49-F238E27FC236}">
+                <a16:creationId xmlns:a16="http://schemas.microsoft.com/office/drawing/2014/main" id="{F48E5482-6943-73B3-9390-E5B5B371FC69}"/>
+              </a:ext>
+            </a:extLst>
+          </p:cNvPr>
+          <p:cNvSpPr>
+            <a:spLocks noGrp="1"/>
+          </p:cNvSpPr>
+          <p:nvPr>
+            <p:ph idx="1"/>
+          </p:nvPr>
+        </p:nvSpPr>
+        <p:spPr>
+          <a:xfrm>
+            <a:off x="429659" y="627957"/>
+            <a:ext cx="11545676" cy="6230043"/>
+          </a:xfrm>
+          <a:solidFill>
+            <a:schemeClr val="accent3">
+              <a:lumMod val="20000"/>
+              <a:lumOff val="80000"/>
+            </a:schemeClr>
+          </a:solidFill>
+        </p:spPr>
+        <p:txBody>
+          <a:bodyPr>
+            <a:noAutofit/>
+          </a:bodyPr>
+          <a:lstStyle/>
+          <a:p>
+            <a:pPr marL="0" indent="0">
+              <a:lnSpc>
+                <a:spcPct val="75000"/>
+              </a:lnSpc>
+              <a:buNone/>
+            </a:pPr>
+            <a:r>
+              <a:rPr lang="en" sz="1600" b="1" noProof="1">
+                <a:solidFill>
+                  <a:srgbClr val="0C450D"/>
+                </a:solidFill>
+                <a:effectLst/>
+                <a:latin typeface="Consolas" panose="020B0609020204030204" pitchFamily="49" charset="0"/>
+                <a:cs typeface="Consolas" panose="020B0609020204030204" pitchFamily="49" charset="0"/>
+              </a:rPr>
+              <a:t>import</a:t>
+            </a:r>
+            <a:r>
+              <a:rPr lang="en" sz="1600" noProof="1">
+                <a:effectLst/>
+                <a:latin typeface="Consolas" panose="020B0609020204030204" pitchFamily="49" charset="0"/>
+                <a:cs typeface="Consolas" panose="020B0609020204030204" pitchFamily="49" charset="0"/>
+              </a:rPr>
+              <a:t> logging</a:t>
+            </a:r>
+            <a:br>
+              <a:rPr lang="en" sz="1600" noProof="1">
+                <a:effectLst/>
+                <a:latin typeface="Consolas" panose="020B0609020204030204" pitchFamily="49" charset="0"/>
+                <a:cs typeface="Consolas" panose="020B0609020204030204" pitchFamily="49" charset="0"/>
+              </a:rPr>
+            </a:br>
+            <a:br>
+              <a:rPr lang="en" sz="1600" noProof="1">
+                <a:effectLst/>
+                <a:latin typeface="Consolas" panose="020B0609020204030204" pitchFamily="49" charset="0"/>
+                <a:cs typeface="Consolas" panose="020B0609020204030204" pitchFamily="49" charset="0"/>
+              </a:rPr>
+            </a:br>
+            <a:r>
+              <a:rPr lang="en" sz="1600" noProof="1">
+                <a:effectLst/>
+                <a:latin typeface="Consolas" panose="020B0609020204030204" pitchFamily="49" charset="0"/>
+                <a:cs typeface="Consolas" panose="020B0609020204030204" pitchFamily="49" charset="0"/>
+              </a:rPr>
+              <a:t>default_extra_fields </a:t>
+            </a:r>
+            <a:r>
+              <a:rPr lang="en" sz="1600" b="1" noProof="1">
+                <a:solidFill>
+                  <a:srgbClr val="0000FF"/>
+                </a:solidFill>
+                <a:effectLst/>
+                <a:latin typeface="Consolas" panose="020B0609020204030204" pitchFamily="49" charset="0"/>
+                <a:cs typeface="Consolas" panose="020B0609020204030204" pitchFamily="49" charset="0"/>
+              </a:rPr>
+              <a:t>=</a:t>
+            </a:r>
+            <a:r>
+              <a:rPr lang="en" sz="1600" noProof="1">
+                <a:effectLst/>
+                <a:latin typeface="Consolas" panose="020B0609020204030204" pitchFamily="49" charset="0"/>
+                <a:cs typeface="Consolas" panose="020B0609020204030204" pitchFamily="49" charset="0"/>
+              </a:rPr>
+              <a:t> { </a:t>
+            </a:r>
+            <a:r>
+              <a:rPr lang="en" sz="1600" noProof="1">
+                <a:solidFill>
+                  <a:srgbClr val="036A07"/>
+                </a:solidFill>
+                <a:effectLst/>
+                <a:latin typeface="Consolas" panose="020B0609020204030204" pitchFamily="49" charset="0"/>
+                <a:cs typeface="Consolas" panose="020B0609020204030204" pitchFamily="49" charset="0"/>
+              </a:rPr>
+              <a:t>'user_id'</a:t>
+            </a:r>
+            <a:r>
+              <a:rPr lang="en" sz="1600" noProof="1">
+                <a:effectLst/>
+                <a:latin typeface="Consolas" panose="020B0609020204030204" pitchFamily="49" charset="0"/>
+                <a:cs typeface="Consolas" panose="020B0609020204030204" pitchFamily="49" charset="0"/>
+              </a:rPr>
+              <a:t>: </a:t>
+            </a:r>
+            <a:r>
+              <a:rPr lang="en" sz="1600" noProof="1">
+                <a:solidFill>
+                  <a:srgbClr val="0000CD"/>
+                </a:solidFill>
+                <a:effectLst/>
+                <a:latin typeface="Consolas" panose="020B0609020204030204" pitchFamily="49" charset="0"/>
+                <a:cs typeface="Consolas" panose="020B0609020204030204" pitchFamily="49" charset="0"/>
+              </a:rPr>
+              <a:t>0</a:t>
+            </a:r>
+            <a:r>
+              <a:rPr lang="en" sz="1600" noProof="1">
+                <a:effectLst/>
+                <a:latin typeface="Consolas" panose="020B0609020204030204" pitchFamily="49" charset="0"/>
+                <a:cs typeface="Consolas" panose="020B0609020204030204" pitchFamily="49" charset="0"/>
+              </a:rPr>
+              <a:t>, </a:t>
+            </a:r>
+            <a:r>
+              <a:rPr lang="en" sz="1600" noProof="1">
+                <a:solidFill>
+                  <a:srgbClr val="036A07"/>
+                </a:solidFill>
+                <a:effectLst/>
+                <a:latin typeface="Consolas" panose="020B0609020204030204" pitchFamily="49" charset="0"/>
+                <a:cs typeface="Consolas" panose="020B0609020204030204" pitchFamily="49" charset="0"/>
+              </a:rPr>
+              <a:t>'key_id'</a:t>
+            </a:r>
+            <a:r>
+              <a:rPr lang="en" sz="1600" noProof="1">
+                <a:effectLst/>
+                <a:latin typeface="Consolas" panose="020B0609020204030204" pitchFamily="49" charset="0"/>
+                <a:cs typeface="Consolas" panose="020B0609020204030204" pitchFamily="49" charset="0"/>
+              </a:rPr>
+              <a:t>: </a:t>
+            </a:r>
+            <a:r>
+              <a:rPr lang="en" sz="1600" noProof="1">
+                <a:solidFill>
+                  <a:srgbClr val="0000CD"/>
+                </a:solidFill>
+                <a:effectLst/>
+                <a:latin typeface="Consolas" panose="020B0609020204030204" pitchFamily="49" charset="0"/>
+                <a:cs typeface="Consolas" panose="020B0609020204030204" pitchFamily="49" charset="0"/>
+              </a:rPr>
+              <a:t>0</a:t>
+            </a:r>
+            <a:r>
+              <a:rPr lang="en" sz="1600" noProof="1">
+                <a:effectLst/>
+                <a:latin typeface="Consolas" panose="020B0609020204030204" pitchFamily="49" charset="0"/>
+                <a:cs typeface="Consolas" panose="020B0609020204030204" pitchFamily="49" charset="0"/>
+              </a:rPr>
+              <a:t>, </a:t>
+            </a:r>
+            <a:r>
+              <a:rPr lang="en" sz="1600" noProof="1">
+                <a:solidFill>
+                  <a:srgbClr val="036A07"/>
+                </a:solidFill>
+                <a:effectLst/>
+                <a:latin typeface="Consolas" panose="020B0609020204030204" pitchFamily="49" charset="0"/>
+                <a:cs typeface="Consolas" panose="020B0609020204030204" pitchFamily="49" charset="0"/>
+              </a:rPr>
+              <a:t>'ext_params'</a:t>
+            </a:r>
+            <a:r>
+              <a:rPr lang="en" sz="1600" noProof="1">
+                <a:effectLst/>
+                <a:latin typeface="Consolas" panose="020B0609020204030204" pitchFamily="49" charset="0"/>
+                <a:cs typeface="Consolas" panose="020B0609020204030204" pitchFamily="49" charset="0"/>
+              </a:rPr>
+              <a:t>: </a:t>
+            </a:r>
+            <a:r>
+              <a:rPr lang="en" sz="1600" noProof="1">
+                <a:solidFill>
+                  <a:srgbClr val="036A07"/>
+                </a:solidFill>
+                <a:effectLst/>
+                <a:latin typeface="Consolas" panose="020B0609020204030204" pitchFamily="49" charset="0"/>
+                <a:cs typeface="Consolas" panose="020B0609020204030204" pitchFamily="49" charset="0"/>
+              </a:rPr>
+              <a:t>''</a:t>
+            </a:r>
+            <a:r>
+              <a:rPr lang="en" sz="1600" noProof="1">
+                <a:effectLst/>
+                <a:latin typeface="Consolas" panose="020B0609020204030204" pitchFamily="49" charset="0"/>
+                <a:cs typeface="Consolas" panose="020B0609020204030204" pitchFamily="49" charset="0"/>
+              </a:rPr>
+              <a:t> }</a:t>
+            </a:r>
+            <a:br>
+              <a:rPr lang="en" sz="1600" noProof="1">
+                <a:effectLst/>
+                <a:latin typeface="Consolas" panose="020B0609020204030204" pitchFamily="49" charset="0"/>
+                <a:cs typeface="Consolas" panose="020B0609020204030204" pitchFamily="49" charset="0"/>
+              </a:rPr>
+            </a:br>
+            <a:br>
+              <a:rPr lang="en" sz="1600" noProof="1">
+                <a:effectLst/>
+                <a:latin typeface="Consolas" panose="020B0609020204030204" pitchFamily="49" charset="0"/>
+                <a:cs typeface="Consolas" panose="020B0609020204030204" pitchFamily="49" charset="0"/>
+              </a:rPr>
+            </a:br>
+            <a:r>
+              <a:rPr lang="en" sz="1600" b="1" noProof="1">
+                <a:solidFill>
+                  <a:srgbClr val="0000FF"/>
+                </a:solidFill>
+                <a:effectLst/>
+                <a:latin typeface="Consolas" panose="020B0609020204030204" pitchFamily="49" charset="0"/>
+                <a:cs typeface="Consolas" panose="020B0609020204030204" pitchFamily="49" charset="0"/>
+              </a:rPr>
+              <a:t>class</a:t>
+            </a:r>
+            <a:r>
+              <a:rPr lang="en" sz="1600" noProof="1">
+                <a:effectLst/>
+                <a:latin typeface="Consolas" panose="020B0609020204030204" pitchFamily="49" charset="0"/>
+                <a:cs typeface="Consolas" panose="020B0609020204030204" pitchFamily="49" charset="0"/>
+              </a:rPr>
+              <a:t> CustAdapter(logging.LoggerAdapter):</a:t>
+            </a:r>
+            <a:br>
+              <a:rPr lang="en" sz="1600" noProof="1">
+                <a:effectLst/>
+                <a:latin typeface="Consolas" panose="020B0609020204030204" pitchFamily="49" charset="0"/>
+                <a:cs typeface="Consolas" panose="020B0609020204030204" pitchFamily="49" charset="0"/>
+              </a:rPr>
+            </a:br>
+            <a:r>
+              <a:rPr lang="en" sz="1600" noProof="1">
+                <a:effectLst/>
+                <a:latin typeface="Consolas" panose="020B0609020204030204" pitchFamily="49" charset="0"/>
+                <a:cs typeface="Consolas" panose="020B0609020204030204" pitchFamily="49" charset="0"/>
+              </a:rPr>
+              <a:t>    </a:t>
+            </a:r>
+            <a:r>
+              <a:rPr lang="en" sz="1600" b="1" noProof="1">
+                <a:solidFill>
+                  <a:srgbClr val="0000FF"/>
+                </a:solidFill>
+                <a:effectLst/>
+                <a:latin typeface="Consolas" panose="020B0609020204030204" pitchFamily="49" charset="0"/>
+                <a:cs typeface="Consolas" panose="020B0609020204030204" pitchFamily="49" charset="0"/>
+              </a:rPr>
+              <a:t>def</a:t>
+            </a:r>
+            <a:r>
+              <a:rPr lang="en" sz="1600" noProof="1">
+                <a:effectLst/>
+                <a:latin typeface="Consolas" panose="020B0609020204030204" pitchFamily="49" charset="0"/>
+                <a:cs typeface="Consolas" panose="020B0609020204030204" pitchFamily="49" charset="0"/>
+              </a:rPr>
+              <a:t> </a:t>
+            </a:r>
+            <a:r>
+              <a:rPr lang="en" sz="1600" b="1" noProof="1">
+                <a:solidFill>
+                  <a:srgbClr val="0000A2"/>
+                </a:solidFill>
+                <a:effectLst/>
+                <a:latin typeface="Consolas" panose="020B0609020204030204" pitchFamily="49" charset="0"/>
+                <a:cs typeface="Consolas" panose="020B0609020204030204" pitchFamily="49" charset="0"/>
+              </a:rPr>
+              <a:t>process</a:t>
+            </a:r>
+            <a:r>
+              <a:rPr lang="en" sz="1600" noProof="1">
+                <a:effectLst/>
+                <a:latin typeface="Consolas" panose="020B0609020204030204" pitchFamily="49" charset="0"/>
+                <a:cs typeface="Consolas" panose="020B0609020204030204" pitchFamily="49" charset="0"/>
+              </a:rPr>
+              <a:t>(self, msg, kwargs):</a:t>
+            </a:r>
+            <a:br>
+              <a:rPr lang="en" sz="1600" noProof="1">
+                <a:effectLst/>
+                <a:latin typeface="Consolas" panose="020B0609020204030204" pitchFamily="49" charset="0"/>
+                <a:cs typeface="Consolas" panose="020B0609020204030204" pitchFamily="49" charset="0"/>
+              </a:rPr>
+            </a:br>
+            <a:r>
+              <a:rPr lang="en" sz="1600" noProof="1">
+                <a:effectLst/>
+                <a:latin typeface="Consolas" panose="020B0609020204030204" pitchFamily="49" charset="0"/>
+                <a:cs typeface="Consolas" panose="020B0609020204030204" pitchFamily="49" charset="0"/>
+              </a:rPr>
+              <a:t>        extra_fields </a:t>
+            </a:r>
+            <a:r>
+              <a:rPr lang="en" sz="1600" b="1" noProof="1">
+                <a:solidFill>
+                  <a:srgbClr val="0000FF"/>
+                </a:solidFill>
+                <a:effectLst/>
+                <a:latin typeface="Consolas" panose="020B0609020204030204" pitchFamily="49" charset="0"/>
+                <a:cs typeface="Consolas" panose="020B0609020204030204" pitchFamily="49" charset="0"/>
+              </a:rPr>
+              <a:t>=</a:t>
+            </a:r>
+            <a:r>
+              <a:rPr lang="en" sz="1600" noProof="1">
+                <a:effectLst/>
+                <a:latin typeface="Consolas" panose="020B0609020204030204" pitchFamily="49" charset="0"/>
+                <a:cs typeface="Consolas" panose="020B0609020204030204" pitchFamily="49" charset="0"/>
+              </a:rPr>
+              <a:t> {}</a:t>
+            </a:r>
+            <a:br>
+              <a:rPr lang="en" sz="1600" noProof="1">
+                <a:effectLst/>
+                <a:latin typeface="Consolas" panose="020B0609020204030204" pitchFamily="49" charset="0"/>
+                <a:cs typeface="Consolas" panose="020B0609020204030204" pitchFamily="49" charset="0"/>
+              </a:rPr>
+            </a:br>
+            <a:r>
+              <a:rPr lang="en" sz="1600" noProof="1">
+                <a:effectLst/>
+                <a:latin typeface="Consolas" panose="020B0609020204030204" pitchFamily="49" charset="0"/>
+                <a:cs typeface="Consolas" panose="020B0609020204030204" pitchFamily="49" charset="0"/>
+              </a:rPr>
+              <a:t>        </a:t>
+            </a:r>
+            <a:r>
+              <a:rPr lang="en" sz="1600" b="1" noProof="1">
+                <a:solidFill>
+                  <a:srgbClr val="0000FF"/>
+                </a:solidFill>
+                <a:effectLst/>
+                <a:latin typeface="Consolas" panose="020B0609020204030204" pitchFamily="49" charset="0"/>
+                <a:cs typeface="Consolas" panose="020B0609020204030204" pitchFamily="49" charset="0"/>
+              </a:rPr>
+              <a:t>for</a:t>
+            </a:r>
+            <a:r>
+              <a:rPr lang="en" sz="1600" noProof="1">
+                <a:effectLst/>
+                <a:latin typeface="Consolas" panose="020B0609020204030204" pitchFamily="49" charset="0"/>
+                <a:cs typeface="Consolas" panose="020B0609020204030204" pitchFamily="49" charset="0"/>
+              </a:rPr>
+              <a:t> key </a:t>
+            </a:r>
+            <a:r>
+              <a:rPr lang="en" sz="1600" b="1" noProof="1">
+                <a:solidFill>
+                  <a:srgbClr val="0000FF"/>
+                </a:solidFill>
+                <a:effectLst/>
+                <a:latin typeface="Consolas" panose="020B0609020204030204" pitchFamily="49" charset="0"/>
+                <a:cs typeface="Consolas" panose="020B0609020204030204" pitchFamily="49" charset="0"/>
+              </a:rPr>
+              <a:t>in</a:t>
+            </a:r>
+            <a:r>
+              <a:rPr lang="en" sz="1600" noProof="1">
+                <a:effectLst/>
+                <a:latin typeface="Consolas" panose="020B0609020204030204" pitchFamily="49" charset="0"/>
+                <a:cs typeface="Consolas" panose="020B0609020204030204" pitchFamily="49" charset="0"/>
+              </a:rPr>
+              <a:t> [</a:t>
+            </a:r>
+            <a:r>
+              <a:rPr lang="en" sz="1600" noProof="1">
+                <a:solidFill>
+                  <a:srgbClr val="036A07"/>
+                </a:solidFill>
+                <a:effectLst/>
+                <a:latin typeface="Consolas" panose="020B0609020204030204" pitchFamily="49" charset="0"/>
+                <a:cs typeface="Consolas" panose="020B0609020204030204" pitchFamily="49" charset="0"/>
+              </a:rPr>
+              <a:t>'user_id'</a:t>
+            </a:r>
+            <a:r>
+              <a:rPr lang="en" sz="1600" noProof="1">
+                <a:effectLst/>
+                <a:latin typeface="Consolas" panose="020B0609020204030204" pitchFamily="49" charset="0"/>
+                <a:cs typeface="Consolas" panose="020B0609020204030204" pitchFamily="49" charset="0"/>
+              </a:rPr>
+              <a:t>, </a:t>
+            </a:r>
+            <a:r>
+              <a:rPr lang="en" sz="1600" noProof="1">
+                <a:solidFill>
+                  <a:srgbClr val="036A07"/>
+                </a:solidFill>
+                <a:effectLst/>
+                <a:latin typeface="Consolas" panose="020B0609020204030204" pitchFamily="49" charset="0"/>
+                <a:cs typeface="Consolas" panose="020B0609020204030204" pitchFamily="49" charset="0"/>
+              </a:rPr>
+              <a:t>'key_id'</a:t>
+            </a:r>
+            <a:r>
+              <a:rPr lang="en" sz="1600" noProof="1">
+                <a:effectLst/>
+                <a:latin typeface="Consolas" panose="020B0609020204030204" pitchFamily="49" charset="0"/>
+                <a:cs typeface="Consolas" panose="020B0609020204030204" pitchFamily="49" charset="0"/>
+              </a:rPr>
+              <a:t>, </a:t>
+            </a:r>
+            <a:r>
+              <a:rPr lang="en" sz="1600" noProof="1">
+                <a:solidFill>
+                  <a:srgbClr val="036A07"/>
+                </a:solidFill>
+                <a:effectLst/>
+                <a:latin typeface="Consolas" panose="020B0609020204030204" pitchFamily="49" charset="0"/>
+                <a:cs typeface="Consolas" panose="020B0609020204030204" pitchFamily="49" charset="0"/>
+              </a:rPr>
+              <a:t>'ext_params'</a:t>
+            </a:r>
+            <a:r>
+              <a:rPr lang="en" sz="1600" noProof="1">
+                <a:effectLst/>
+                <a:latin typeface="Consolas" panose="020B0609020204030204" pitchFamily="49" charset="0"/>
+                <a:cs typeface="Consolas" panose="020B0609020204030204" pitchFamily="49" charset="0"/>
+              </a:rPr>
+              <a:t>]:</a:t>
+            </a:r>
+            <a:br>
+              <a:rPr lang="en" sz="1600" noProof="1">
+                <a:effectLst/>
+                <a:latin typeface="Consolas" panose="020B0609020204030204" pitchFamily="49" charset="0"/>
+                <a:cs typeface="Consolas" panose="020B0609020204030204" pitchFamily="49" charset="0"/>
+              </a:rPr>
+            </a:br>
+            <a:r>
+              <a:rPr lang="en" sz="1600" noProof="1">
+                <a:effectLst/>
+                <a:latin typeface="Consolas" panose="020B0609020204030204" pitchFamily="49" charset="0"/>
+                <a:cs typeface="Consolas" panose="020B0609020204030204" pitchFamily="49" charset="0"/>
+              </a:rPr>
+              <a:t>            extra_fields[key] </a:t>
+            </a:r>
+            <a:r>
+              <a:rPr lang="en" sz="1600" b="1" noProof="1">
+                <a:solidFill>
+                  <a:srgbClr val="0000FF"/>
+                </a:solidFill>
+                <a:effectLst/>
+                <a:latin typeface="Consolas" panose="020B0609020204030204" pitchFamily="49" charset="0"/>
+                <a:cs typeface="Consolas" panose="020B0609020204030204" pitchFamily="49" charset="0"/>
+              </a:rPr>
+              <a:t>=</a:t>
+            </a:r>
+            <a:r>
+              <a:rPr lang="en" sz="1600" noProof="1">
+                <a:effectLst/>
+                <a:latin typeface="Consolas" panose="020B0609020204030204" pitchFamily="49" charset="0"/>
+                <a:cs typeface="Consolas" panose="020B0609020204030204" pitchFamily="49" charset="0"/>
+              </a:rPr>
+              <a:t> kwargs.pop(key, </a:t>
+            </a:r>
+            <a:r>
+              <a:rPr lang="en" sz="1600" noProof="1">
+                <a:solidFill>
+                  <a:srgbClr val="318495"/>
+                </a:solidFill>
+                <a:effectLst/>
+                <a:latin typeface="Consolas" panose="020B0609020204030204" pitchFamily="49" charset="0"/>
+                <a:cs typeface="Consolas" panose="020B0609020204030204" pitchFamily="49" charset="0"/>
+              </a:rPr>
+              <a:t>self</a:t>
+            </a:r>
+            <a:r>
+              <a:rPr lang="en" sz="1600" noProof="1">
+                <a:effectLst/>
+                <a:latin typeface="Consolas" panose="020B0609020204030204" pitchFamily="49" charset="0"/>
+                <a:cs typeface="Consolas" panose="020B0609020204030204" pitchFamily="49" charset="0"/>
+              </a:rPr>
+              <a:t>.extra[key] )</a:t>
+            </a:r>
+            <a:br>
+              <a:rPr lang="en" sz="1600" noProof="1">
+                <a:effectLst/>
+                <a:latin typeface="Consolas" panose="020B0609020204030204" pitchFamily="49" charset="0"/>
+                <a:cs typeface="Consolas" panose="020B0609020204030204" pitchFamily="49" charset="0"/>
+              </a:rPr>
+            </a:br>
+            <a:br>
+              <a:rPr lang="en" sz="1600" noProof="1">
+                <a:effectLst/>
+                <a:latin typeface="Consolas" panose="020B0609020204030204" pitchFamily="49" charset="0"/>
+                <a:cs typeface="Consolas" panose="020B0609020204030204" pitchFamily="49" charset="0"/>
+              </a:rPr>
+            </a:br>
+            <a:r>
+              <a:rPr lang="en" sz="1600" noProof="1">
+                <a:effectLst/>
+                <a:latin typeface="Consolas" panose="020B0609020204030204" pitchFamily="49" charset="0"/>
+                <a:cs typeface="Consolas" panose="020B0609020204030204" pitchFamily="49" charset="0"/>
+              </a:rPr>
+              <a:t>        kwargs[</a:t>
+            </a:r>
+            <a:r>
+              <a:rPr lang="en" sz="1600" noProof="1">
+                <a:solidFill>
+                  <a:srgbClr val="036A07"/>
+                </a:solidFill>
+                <a:effectLst/>
+                <a:latin typeface="Consolas" panose="020B0609020204030204" pitchFamily="49" charset="0"/>
+                <a:cs typeface="Consolas" panose="020B0609020204030204" pitchFamily="49" charset="0"/>
+              </a:rPr>
+              <a:t>'extra'</a:t>
+            </a:r>
+            <a:r>
+              <a:rPr lang="en" sz="1600" noProof="1">
+                <a:effectLst/>
+                <a:latin typeface="Consolas" panose="020B0609020204030204" pitchFamily="49" charset="0"/>
+                <a:cs typeface="Consolas" panose="020B0609020204030204" pitchFamily="49" charset="0"/>
+              </a:rPr>
+              <a:t>] </a:t>
+            </a:r>
+            <a:r>
+              <a:rPr lang="en" sz="1600" b="1" noProof="1">
+                <a:solidFill>
+                  <a:srgbClr val="0000FF"/>
+                </a:solidFill>
+                <a:effectLst/>
+                <a:latin typeface="Consolas" panose="020B0609020204030204" pitchFamily="49" charset="0"/>
+                <a:cs typeface="Consolas" panose="020B0609020204030204" pitchFamily="49" charset="0"/>
+              </a:rPr>
+              <a:t>=</a:t>
+            </a:r>
+            <a:r>
+              <a:rPr lang="en" sz="1600" noProof="1">
+                <a:effectLst/>
+                <a:latin typeface="Consolas" panose="020B0609020204030204" pitchFamily="49" charset="0"/>
+                <a:cs typeface="Consolas" panose="020B0609020204030204" pitchFamily="49" charset="0"/>
+              </a:rPr>
+              <a:t> extra_fields</a:t>
+            </a:r>
+            <a:br>
+              <a:rPr lang="en" sz="1600" noProof="1">
+                <a:effectLst/>
+                <a:latin typeface="Consolas" panose="020B0609020204030204" pitchFamily="49" charset="0"/>
+                <a:cs typeface="Consolas" panose="020B0609020204030204" pitchFamily="49" charset="0"/>
+              </a:rPr>
+            </a:br>
+            <a:r>
+              <a:rPr lang="en" sz="1600" noProof="1">
+                <a:effectLst/>
+                <a:latin typeface="Consolas" panose="020B0609020204030204" pitchFamily="49" charset="0"/>
+                <a:cs typeface="Consolas" panose="020B0609020204030204" pitchFamily="49" charset="0"/>
+              </a:rPr>
+              <a:t>        </a:t>
+            </a:r>
+            <a:r>
+              <a:rPr lang="en" sz="1600" b="1" noProof="1">
+                <a:solidFill>
+                  <a:srgbClr val="0000FF"/>
+                </a:solidFill>
+                <a:effectLst/>
+                <a:latin typeface="Consolas" panose="020B0609020204030204" pitchFamily="49" charset="0"/>
+                <a:cs typeface="Consolas" panose="020B0609020204030204" pitchFamily="49" charset="0"/>
+              </a:rPr>
+              <a:t>return</a:t>
+            </a:r>
+            <a:r>
+              <a:rPr lang="en" sz="1600" noProof="1">
+                <a:effectLst/>
+                <a:latin typeface="Consolas" panose="020B0609020204030204" pitchFamily="49" charset="0"/>
+                <a:cs typeface="Consolas" panose="020B0609020204030204" pitchFamily="49" charset="0"/>
+              </a:rPr>
+              <a:t> msg, kwargs</a:t>
+            </a:r>
+            <a:br>
+              <a:rPr lang="en" sz="1600" noProof="1">
+                <a:effectLst/>
+                <a:latin typeface="Consolas" panose="020B0609020204030204" pitchFamily="49" charset="0"/>
+                <a:cs typeface="Consolas" panose="020B0609020204030204" pitchFamily="49" charset="0"/>
+              </a:rPr>
+            </a:br>
+            <a:br>
+              <a:rPr lang="en" sz="1600" noProof="1">
+                <a:effectLst/>
+                <a:latin typeface="Consolas" panose="020B0609020204030204" pitchFamily="49" charset="0"/>
+                <a:cs typeface="Consolas" panose="020B0609020204030204" pitchFamily="49" charset="0"/>
+              </a:rPr>
+            </a:br>
+            <a:br>
+              <a:rPr lang="en" sz="1600" noProof="1">
+                <a:effectLst/>
+                <a:latin typeface="Consolas" panose="020B0609020204030204" pitchFamily="49" charset="0"/>
+                <a:cs typeface="Consolas" panose="020B0609020204030204" pitchFamily="49" charset="0"/>
+              </a:rPr>
+            </a:br>
+            <a:r>
+              <a:rPr lang="en" sz="1600" noProof="1">
+                <a:effectLst/>
+                <a:latin typeface="Consolas" panose="020B0609020204030204" pitchFamily="49" charset="0"/>
+                <a:cs typeface="Consolas" panose="020B0609020204030204" pitchFamily="49" charset="0"/>
+              </a:rPr>
+              <a:t>logger </a:t>
+            </a:r>
+            <a:r>
+              <a:rPr lang="en" sz="1600" b="1" noProof="1">
+                <a:solidFill>
+                  <a:srgbClr val="0000FF"/>
+                </a:solidFill>
+                <a:effectLst/>
+                <a:latin typeface="Consolas" panose="020B0609020204030204" pitchFamily="49" charset="0"/>
+                <a:cs typeface="Consolas" panose="020B0609020204030204" pitchFamily="49" charset="0"/>
+              </a:rPr>
+              <a:t>=</a:t>
+            </a:r>
+            <a:r>
+              <a:rPr lang="en" sz="1600" noProof="1">
+                <a:effectLst/>
+                <a:latin typeface="Consolas" panose="020B0609020204030204" pitchFamily="49" charset="0"/>
+                <a:cs typeface="Consolas" panose="020B0609020204030204" pitchFamily="49" charset="0"/>
+              </a:rPr>
+              <a:t> logging.getLogger(</a:t>
+            </a:r>
+            <a:r>
+              <a:rPr lang="en" sz="1600" noProof="1">
+                <a:solidFill>
+                  <a:srgbClr val="036A07"/>
+                </a:solidFill>
+                <a:effectLst/>
+                <a:latin typeface="Consolas" panose="020B0609020204030204" pitchFamily="49" charset="0"/>
+                <a:cs typeface="Consolas" panose="020B0609020204030204" pitchFamily="49" charset="0"/>
+              </a:rPr>
+              <a:t>'actions'</a:t>
+            </a:r>
+            <a:r>
+              <a:rPr lang="en" sz="1600" noProof="1">
+                <a:effectLst/>
+                <a:latin typeface="Consolas" panose="020B0609020204030204" pitchFamily="49" charset="0"/>
+                <a:cs typeface="Consolas" panose="020B0609020204030204" pitchFamily="49" charset="0"/>
+              </a:rPr>
+              <a:t>)</a:t>
+            </a:r>
+            <a:br>
+              <a:rPr lang="en" sz="1600" noProof="1">
+                <a:effectLst/>
+                <a:latin typeface="Consolas" panose="020B0609020204030204" pitchFamily="49" charset="0"/>
+                <a:cs typeface="Consolas" panose="020B0609020204030204" pitchFamily="49" charset="0"/>
+              </a:rPr>
+            </a:br>
+            <a:r>
+              <a:rPr lang="en" sz="1600" noProof="1">
+                <a:effectLst/>
+                <a:latin typeface="Consolas" panose="020B0609020204030204" pitchFamily="49" charset="0"/>
+                <a:cs typeface="Consolas" panose="020B0609020204030204" pitchFamily="49" charset="0"/>
+              </a:rPr>
+              <a:t>logger.setLevel(logging.</a:t>
+            </a:r>
+            <a:r>
+              <a:rPr lang="en" sz="1600" b="1" noProof="1">
+                <a:solidFill>
+                  <a:srgbClr val="C5060B"/>
+                </a:solidFill>
+                <a:effectLst/>
+                <a:latin typeface="Consolas" panose="020B0609020204030204" pitchFamily="49" charset="0"/>
+                <a:cs typeface="Consolas" panose="020B0609020204030204" pitchFamily="49" charset="0"/>
+              </a:rPr>
+              <a:t>INFO</a:t>
+            </a:r>
+            <a:r>
+              <a:rPr lang="en" sz="1600" noProof="1">
+                <a:effectLst/>
+                <a:latin typeface="Consolas" panose="020B0609020204030204" pitchFamily="49" charset="0"/>
+                <a:cs typeface="Consolas" panose="020B0609020204030204" pitchFamily="49" charset="0"/>
+              </a:rPr>
+              <a:t>)</a:t>
+            </a:r>
+            <a:br>
+              <a:rPr lang="en" sz="1600" noProof="1">
+                <a:effectLst/>
+                <a:latin typeface="Consolas" panose="020B0609020204030204" pitchFamily="49" charset="0"/>
+                <a:cs typeface="Consolas" panose="020B0609020204030204" pitchFamily="49" charset="0"/>
+              </a:rPr>
+            </a:br>
+            <a:r>
+              <a:rPr lang="en" sz="1600" noProof="1">
+                <a:effectLst/>
+                <a:latin typeface="Consolas" panose="020B0609020204030204" pitchFamily="49" charset="0"/>
+                <a:cs typeface="Consolas" panose="020B0609020204030204" pitchFamily="49" charset="0"/>
+              </a:rPr>
+              <a:t>handler </a:t>
+            </a:r>
+            <a:r>
+              <a:rPr lang="en" sz="1600" b="1" noProof="1">
+                <a:solidFill>
+                  <a:srgbClr val="0000FF"/>
+                </a:solidFill>
+                <a:effectLst/>
+                <a:latin typeface="Consolas" panose="020B0609020204030204" pitchFamily="49" charset="0"/>
+                <a:cs typeface="Consolas" panose="020B0609020204030204" pitchFamily="49" charset="0"/>
+              </a:rPr>
+              <a:t>=</a:t>
+            </a:r>
+            <a:r>
+              <a:rPr lang="en" sz="1600" noProof="1">
+                <a:effectLst/>
+                <a:latin typeface="Consolas" panose="020B0609020204030204" pitchFamily="49" charset="0"/>
+                <a:cs typeface="Consolas" panose="020B0609020204030204" pitchFamily="49" charset="0"/>
+              </a:rPr>
+              <a:t> logging.StreamHandler()</a:t>
+            </a:r>
+            <a:br>
+              <a:rPr lang="en" sz="1600" noProof="1">
+                <a:effectLst/>
+                <a:latin typeface="Consolas" panose="020B0609020204030204" pitchFamily="49" charset="0"/>
+                <a:cs typeface="Consolas" panose="020B0609020204030204" pitchFamily="49" charset="0"/>
+              </a:rPr>
+            </a:br>
+            <a:r>
+              <a:rPr lang="en" sz="1600" noProof="1">
+                <a:solidFill>
+                  <a:srgbClr val="0070C0"/>
+                </a:solidFill>
+                <a:effectLst/>
+                <a:latin typeface="Consolas" panose="020B0609020204030204" pitchFamily="49" charset="0"/>
+                <a:cs typeface="Consolas" panose="020B0609020204030204" pitchFamily="49" charset="0"/>
+              </a:rPr>
+              <a:t># handler = logging.FileHandler( '/var/log/myapp.log' )</a:t>
+            </a:r>
+            <a:br>
+              <a:rPr lang="en" sz="1600" noProof="1">
+                <a:effectLst/>
+                <a:latin typeface="Consolas" panose="020B0609020204030204" pitchFamily="49" charset="0"/>
+                <a:cs typeface="Consolas" panose="020B0609020204030204" pitchFamily="49" charset="0"/>
+              </a:rPr>
+            </a:br>
+            <a:br>
+              <a:rPr lang="en" sz="1600" noProof="1">
+                <a:effectLst/>
+                <a:latin typeface="Consolas" panose="020B0609020204030204" pitchFamily="49" charset="0"/>
+                <a:cs typeface="Consolas" panose="020B0609020204030204" pitchFamily="49" charset="0"/>
+              </a:rPr>
+            </a:br>
+            <a:r>
+              <a:rPr lang="en" sz="1600" noProof="1">
+                <a:effectLst/>
+                <a:latin typeface="Consolas" panose="020B0609020204030204" pitchFamily="49" charset="0"/>
+                <a:cs typeface="Consolas" panose="020B0609020204030204" pitchFamily="49" charset="0"/>
+              </a:rPr>
+              <a:t>formatter </a:t>
+            </a:r>
+            <a:r>
+              <a:rPr lang="en" sz="1600" b="1" noProof="1">
+                <a:solidFill>
+                  <a:srgbClr val="0000FF"/>
+                </a:solidFill>
+                <a:effectLst/>
+                <a:latin typeface="Consolas" panose="020B0609020204030204" pitchFamily="49" charset="0"/>
+                <a:cs typeface="Consolas" panose="020B0609020204030204" pitchFamily="49" charset="0"/>
+              </a:rPr>
+              <a:t>=</a:t>
+            </a:r>
+            <a:r>
+              <a:rPr lang="en" sz="1600" noProof="1">
+                <a:effectLst/>
+                <a:latin typeface="Consolas" panose="020B0609020204030204" pitchFamily="49" charset="0"/>
+                <a:cs typeface="Consolas" panose="020B0609020204030204" pitchFamily="49" charset="0"/>
+              </a:rPr>
+              <a:t> logging.Formatter(</a:t>
+            </a:r>
+            <a:br>
+              <a:rPr lang="en" sz="1600" noProof="1">
+                <a:effectLst/>
+                <a:latin typeface="Consolas" panose="020B0609020204030204" pitchFamily="49" charset="0"/>
+                <a:cs typeface="Consolas" panose="020B0609020204030204" pitchFamily="49" charset="0"/>
+              </a:rPr>
+            </a:br>
+            <a:r>
+              <a:rPr lang="en" sz="1600" noProof="1">
+                <a:effectLst/>
+                <a:latin typeface="Consolas" panose="020B0609020204030204" pitchFamily="49" charset="0"/>
+                <a:cs typeface="Consolas" panose="020B0609020204030204" pitchFamily="49" charset="0"/>
+              </a:rPr>
+              <a:t>    fmt </a:t>
+            </a:r>
+            <a:r>
+              <a:rPr lang="en" sz="1600" b="1" noProof="1">
+                <a:solidFill>
+                  <a:srgbClr val="0000FF"/>
+                </a:solidFill>
+                <a:effectLst/>
+                <a:latin typeface="Consolas" panose="020B0609020204030204" pitchFamily="49" charset="0"/>
+                <a:cs typeface="Consolas" panose="020B0609020204030204" pitchFamily="49" charset="0"/>
+              </a:rPr>
+              <a:t>=</a:t>
+            </a:r>
+            <a:r>
+              <a:rPr lang="en" sz="1600" noProof="1">
+                <a:effectLst/>
+                <a:latin typeface="Consolas" panose="020B0609020204030204" pitchFamily="49" charset="0"/>
+                <a:cs typeface="Consolas" panose="020B0609020204030204" pitchFamily="49" charset="0"/>
+              </a:rPr>
+              <a:t> </a:t>
+            </a:r>
+            <a:r>
+              <a:rPr lang="en" sz="1600" noProof="1">
+                <a:solidFill>
+                  <a:srgbClr val="036A07"/>
+                </a:solidFill>
+                <a:effectLst/>
+                <a:latin typeface="Consolas" panose="020B0609020204030204" pitchFamily="49" charset="0"/>
+                <a:cs typeface="Consolas" panose="020B0609020204030204" pitchFamily="49" charset="0"/>
+              </a:rPr>
+              <a:t>'</a:t>
+            </a:r>
+            <a:r>
+              <a:rPr lang="en" sz="1600" b="1" noProof="1">
+                <a:solidFill>
+                  <a:srgbClr val="C5060B"/>
+                </a:solidFill>
+                <a:effectLst/>
+                <a:latin typeface="Consolas" panose="020B0609020204030204" pitchFamily="49" charset="0"/>
+                <a:cs typeface="Consolas" panose="020B0609020204030204" pitchFamily="49" charset="0"/>
+              </a:rPr>
+              <a:t>%(asctime)s</a:t>
+            </a:r>
+            <a:r>
+              <a:rPr lang="en" sz="1600" noProof="1">
+                <a:solidFill>
+                  <a:srgbClr val="26B31A"/>
+                </a:solidFill>
+                <a:effectLst/>
+                <a:latin typeface="Consolas" panose="020B0609020204030204" pitchFamily="49" charset="0"/>
+                <a:cs typeface="Consolas" panose="020B0609020204030204" pitchFamily="49" charset="0"/>
+              </a:rPr>
+              <a:t>\t</a:t>
+            </a:r>
+            <a:r>
+              <a:rPr lang="en" sz="1600" b="1" noProof="1">
+                <a:solidFill>
+                  <a:srgbClr val="C5060B"/>
+                </a:solidFill>
+                <a:effectLst/>
+                <a:latin typeface="Consolas" panose="020B0609020204030204" pitchFamily="49" charset="0"/>
+                <a:cs typeface="Consolas" panose="020B0609020204030204" pitchFamily="49" charset="0"/>
+              </a:rPr>
+              <a:t>%(message)s</a:t>
+            </a:r>
+            <a:r>
+              <a:rPr lang="en" sz="1600" noProof="1">
+                <a:solidFill>
+                  <a:srgbClr val="26B31A"/>
+                </a:solidFill>
+                <a:effectLst/>
+                <a:latin typeface="Consolas" panose="020B0609020204030204" pitchFamily="49" charset="0"/>
+                <a:cs typeface="Consolas" panose="020B0609020204030204" pitchFamily="49" charset="0"/>
+              </a:rPr>
+              <a:t>\t</a:t>
+            </a:r>
+            <a:r>
+              <a:rPr lang="en" sz="1600" b="1" noProof="1">
+                <a:solidFill>
+                  <a:srgbClr val="C5060B"/>
+                </a:solidFill>
+                <a:effectLst/>
+                <a:latin typeface="Consolas" panose="020B0609020204030204" pitchFamily="49" charset="0"/>
+                <a:cs typeface="Consolas" panose="020B0609020204030204" pitchFamily="49" charset="0"/>
+              </a:rPr>
+              <a:t>%(user_id)s</a:t>
+            </a:r>
+            <a:r>
+              <a:rPr lang="en" sz="1600" noProof="1">
+                <a:solidFill>
+                  <a:srgbClr val="26B31A"/>
+                </a:solidFill>
+                <a:effectLst/>
+                <a:latin typeface="Consolas" panose="020B0609020204030204" pitchFamily="49" charset="0"/>
+                <a:cs typeface="Consolas" panose="020B0609020204030204" pitchFamily="49" charset="0"/>
+              </a:rPr>
+              <a:t>\t</a:t>
+            </a:r>
+            <a:r>
+              <a:rPr lang="en" sz="1600" b="1" noProof="1">
+                <a:solidFill>
+                  <a:srgbClr val="C5060B"/>
+                </a:solidFill>
+                <a:effectLst/>
+                <a:latin typeface="Consolas" panose="020B0609020204030204" pitchFamily="49" charset="0"/>
+                <a:cs typeface="Consolas" panose="020B0609020204030204" pitchFamily="49" charset="0"/>
+              </a:rPr>
+              <a:t>%(key_id)s</a:t>
+            </a:r>
+            <a:r>
+              <a:rPr lang="en" sz="1600" noProof="1">
+                <a:solidFill>
+                  <a:srgbClr val="26B31A"/>
+                </a:solidFill>
+                <a:effectLst/>
+                <a:latin typeface="Consolas" panose="020B0609020204030204" pitchFamily="49" charset="0"/>
+                <a:cs typeface="Consolas" panose="020B0609020204030204" pitchFamily="49" charset="0"/>
+              </a:rPr>
+              <a:t>\t</a:t>
+            </a:r>
+            <a:r>
+              <a:rPr lang="en" sz="1600" b="1" noProof="1">
+                <a:solidFill>
+                  <a:srgbClr val="C5060B"/>
+                </a:solidFill>
+                <a:effectLst/>
+                <a:latin typeface="Consolas" panose="020B0609020204030204" pitchFamily="49" charset="0"/>
+                <a:cs typeface="Consolas" panose="020B0609020204030204" pitchFamily="49" charset="0"/>
+              </a:rPr>
+              <a:t>%(ext_params)s</a:t>
+            </a:r>
+            <a:r>
+              <a:rPr lang="en" sz="1600" noProof="1">
+                <a:solidFill>
+                  <a:srgbClr val="036A07"/>
+                </a:solidFill>
+                <a:effectLst/>
+                <a:latin typeface="Consolas" panose="020B0609020204030204" pitchFamily="49" charset="0"/>
+                <a:cs typeface="Consolas" panose="020B0609020204030204" pitchFamily="49" charset="0"/>
+              </a:rPr>
+              <a:t>'</a:t>
+            </a:r>
+            <a:r>
+              <a:rPr lang="en" sz="1600" noProof="1">
+                <a:effectLst/>
+                <a:latin typeface="Consolas" panose="020B0609020204030204" pitchFamily="49" charset="0"/>
+                <a:cs typeface="Consolas" panose="020B0609020204030204" pitchFamily="49" charset="0"/>
+              </a:rPr>
+              <a:t>,</a:t>
+            </a:r>
+            <a:br>
+              <a:rPr lang="en" sz="1600" noProof="1">
+                <a:effectLst/>
+                <a:latin typeface="Consolas" panose="020B0609020204030204" pitchFamily="49" charset="0"/>
+                <a:cs typeface="Consolas" panose="020B0609020204030204" pitchFamily="49" charset="0"/>
+              </a:rPr>
+            </a:br>
+            <a:r>
+              <a:rPr lang="en" sz="1600" noProof="1">
+                <a:effectLst/>
+                <a:latin typeface="Consolas" panose="020B0609020204030204" pitchFamily="49" charset="0"/>
+                <a:cs typeface="Consolas" panose="020B0609020204030204" pitchFamily="49" charset="0"/>
+              </a:rPr>
+              <a:t>    datefmt </a:t>
+            </a:r>
+            <a:r>
+              <a:rPr lang="en" sz="1600" b="1" noProof="1">
+                <a:solidFill>
+                  <a:srgbClr val="0000FF"/>
+                </a:solidFill>
+                <a:effectLst/>
+                <a:latin typeface="Consolas" panose="020B0609020204030204" pitchFamily="49" charset="0"/>
+                <a:cs typeface="Consolas" panose="020B0609020204030204" pitchFamily="49" charset="0"/>
+              </a:rPr>
+              <a:t>=</a:t>
+            </a:r>
+            <a:r>
+              <a:rPr lang="en" sz="1600" noProof="1">
+                <a:effectLst/>
+                <a:latin typeface="Consolas" panose="020B0609020204030204" pitchFamily="49" charset="0"/>
+                <a:cs typeface="Consolas" panose="020B0609020204030204" pitchFamily="49" charset="0"/>
+              </a:rPr>
+              <a:t> </a:t>
+            </a:r>
+            <a:r>
+              <a:rPr lang="en" sz="1600" noProof="1">
+                <a:solidFill>
+                  <a:srgbClr val="036A07"/>
+                </a:solidFill>
+                <a:effectLst/>
+                <a:latin typeface="Consolas" panose="020B0609020204030204" pitchFamily="49" charset="0"/>
+                <a:cs typeface="Consolas" panose="020B0609020204030204" pitchFamily="49" charset="0"/>
+              </a:rPr>
+              <a:t>'</a:t>
+            </a:r>
+            <a:r>
+              <a:rPr lang="en" sz="1600" b="1" noProof="1">
+                <a:solidFill>
+                  <a:srgbClr val="C5060B"/>
+                </a:solidFill>
+                <a:effectLst/>
+                <a:latin typeface="Consolas" panose="020B0609020204030204" pitchFamily="49" charset="0"/>
+                <a:cs typeface="Consolas" panose="020B0609020204030204" pitchFamily="49" charset="0"/>
+              </a:rPr>
+              <a:t>%d</a:t>
+            </a:r>
+            <a:r>
+              <a:rPr lang="en" sz="1600" noProof="1">
+                <a:solidFill>
+                  <a:srgbClr val="036A07"/>
+                </a:solidFill>
+                <a:effectLst/>
+                <a:latin typeface="Consolas" panose="020B0609020204030204" pitchFamily="49" charset="0"/>
+                <a:cs typeface="Consolas" panose="020B0609020204030204" pitchFamily="49" charset="0"/>
+              </a:rPr>
+              <a:t>.</a:t>
+            </a:r>
+            <a:r>
+              <a:rPr lang="en" sz="1600" b="1" noProof="1">
+                <a:solidFill>
+                  <a:srgbClr val="C5060B"/>
+                </a:solidFill>
+                <a:effectLst/>
+                <a:latin typeface="Consolas" panose="020B0609020204030204" pitchFamily="49" charset="0"/>
+                <a:cs typeface="Consolas" panose="020B0609020204030204" pitchFamily="49" charset="0"/>
+              </a:rPr>
+              <a:t>%m</a:t>
+            </a:r>
+            <a:r>
+              <a:rPr lang="en" sz="1600" noProof="1">
+                <a:solidFill>
+                  <a:srgbClr val="036A07"/>
+                </a:solidFill>
+                <a:effectLst/>
+                <a:latin typeface="Consolas" panose="020B0609020204030204" pitchFamily="49" charset="0"/>
+                <a:cs typeface="Consolas" panose="020B0609020204030204" pitchFamily="49" charset="0"/>
+              </a:rPr>
+              <a:t>.</a:t>
+            </a:r>
+            <a:r>
+              <a:rPr lang="en" sz="1600" b="1" noProof="1">
+                <a:solidFill>
+                  <a:srgbClr val="C5060B"/>
+                </a:solidFill>
+                <a:effectLst/>
+                <a:latin typeface="Consolas" panose="020B0609020204030204" pitchFamily="49" charset="0"/>
+                <a:cs typeface="Consolas" panose="020B0609020204030204" pitchFamily="49" charset="0"/>
+              </a:rPr>
+              <a:t>%Y</a:t>
+            </a:r>
+            <a:r>
+              <a:rPr lang="en" sz="1600" noProof="1">
+                <a:effectLst/>
+                <a:latin typeface="Consolas" panose="020B0609020204030204" pitchFamily="49" charset="0"/>
+                <a:cs typeface="Consolas" panose="020B0609020204030204" pitchFamily="49" charset="0"/>
+              </a:rPr>
+              <a:t> </a:t>
+            </a:r>
+            <a:r>
+              <a:rPr lang="en" sz="1600" b="1" noProof="1">
+                <a:solidFill>
+                  <a:srgbClr val="C5060B"/>
+                </a:solidFill>
+                <a:effectLst/>
+                <a:latin typeface="Consolas" panose="020B0609020204030204" pitchFamily="49" charset="0"/>
+                <a:cs typeface="Consolas" panose="020B0609020204030204" pitchFamily="49" charset="0"/>
+              </a:rPr>
+              <a:t>%H</a:t>
+            </a:r>
+            <a:r>
+              <a:rPr lang="en" sz="1600" noProof="1">
+                <a:solidFill>
+                  <a:srgbClr val="036A07"/>
+                </a:solidFill>
+                <a:effectLst/>
+                <a:latin typeface="Consolas" panose="020B0609020204030204" pitchFamily="49" charset="0"/>
+                <a:cs typeface="Consolas" panose="020B0609020204030204" pitchFamily="49" charset="0"/>
+              </a:rPr>
+              <a:t>:</a:t>
+            </a:r>
+            <a:r>
+              <a:rPr lang="en" sz="1600" b="1" noProof="1">
+                <a:solidFill>
+                  <a:srgbClr val="C5060B"/>
+                </a:solidFill>
+                <a:effectLst/>
+                <a:latin typeface="Consolas" panose="020B0609020204030204" pitchFamily="49" charset="0"/>
+                <a:cs typeface="Consolas" panose="020B0609020204030204" pitchFamily="49" charset="0"/>
+              </a:rPr>
+              <a:t>%M</a:t>
+            </a:r>
+            <a:r>
+              <a:rPr lang="en" sz="1600" noProof="1">
+                <a:solidFill>
+                  <a:srgbClr val="036A07"/>
+                </a:solidFill>
+                <a:effectLst/>
+                <a:latin typeface="Consolas" panose="020B0609020204030204" pitchFamily="49" charset="0"/>
+                <a:cs typeface="Consolas" panose="020B0609020204030204" pitchFamily="49" charset="0"/>
+              </a:rPr>
+              <a:t>:</a:t>
+            </a:r>
+            <a:r>
+              <a:rPr lang="en" sz="1600" b="1" noProof="1">
+                <a:solidFill>
+                  <a:srgbClr val="C5060B"/>
+                </a:solidFill>
+                <a:effectLst/>
+                <a:latin typeface="Consolas" panose="020B0609020204030204" pitchFamily="49" charset="0"/>
+                <a:cs typeface="Consolas" panose="020B0609020204030204" pitchFamily="49" charset="0"/>
+              </a:rPr>
+              <a:t>%S</a:t>
+            </a:r>
+            <a:r>
+              <a:rPr lang="en" sz="1600" noProof="1">
+                <a:solidFill>
+                  <a:srgbClr val="036A07"/>
+                </a:solidFill>
+                <a:effectLst/>
+                <a:latin typeface="Consolas" panose="020B0609020204030204" pitchFamily="49" charset="0"/>
+                <a:cs typeface="Consolas" panose="020B0609020204030204" pitchFamily="49" charset="0"/>
+              </a:rPr>
+              <a:t>'</a:t>
+            </a:r>
+            <a:r>
+              <a:rPr lang="en" sz="1600" noProof="1">
+                <a:effectLst/>
+                <a:latin typeface="Consolas" panose="020B0609020204030204" pitchFamily="49" charset="0"/>
+                <a:cs typeface="Consolas" panose="020B0609020204030204" pitchFamily="49" charset="0"/>
+              </a:rPr>
+              <a:t>,</a:t>
+            </a:r>
+            <a:br>
+              <a:rPr lang="en" sz="1600" noProof="1">
+                <a:effectLst/>
+                <a:latin typeface="Consolas" panose="020B0609020204030204" pitchFamily="49" charset="0"/>
+                <a:cs typeface="Consolas" panose="020B0609020204030204" pitchFamily="49" charset="0"/>
+              </a:rPr>
+            </a:br>
+            <a:r>
+              <a:rPr lang="en" sz="1600" noProof="1">
+                <a:effectLst/>
+                <a:latin typeface="Consolas" panose="020B0609020204030204" pitchFamily="49" charset="0"/>
+                <a:cs typeface="Consolas" panose="020B0609020204030204" pitchFamily="49" charset="0"/>
+              </a:rPr>
+              <a:t>)</a:t>
+            </a:r>
+            <a:br>
+              <a:rPr lang="en" sz="1600" noProof="1">
+                <a:effectLst/>
+                <a:latin typeface="Consolas" panose="020B0609020204030204" pitchFamily="49" charset="0"/>
+                <a:cs typeface="Consolas" panose="020B0609020204030204" pitchFamily="49" charset="0"/>
+              </a:rPr>
+            </a:br>
+            <a:r>
+              <a:rPr lang="en" sz="1600" noProof="1">
+                <a:effectLst/>
+                <a:latin typeface="Consolas" panose="020B0609020204030204" pitchFamily="49" charset="0"/>
+                <a:cs typeface="Consolas" panose="020B0609020204030204" pitchFamily="49" charset="0"/>
+              </a:rPr>
+              <a:t>handler.setFormatter(formatter)</a:t>
+            </a:r>
+            <a:br>
+              <a:rPr lang="en" sz="1600" noProof="1">
+                <a:effectLst/>
+                <a:latin typeface="Consolas" panose="020B0609020204030204" pitchFamily="49" charset="0"/>
+                <a:cs typeface="Consolas" panose="020B0609020204030204" pitchFamily="49" charset="0"/>
+              </a:rPr>
+            </a:br>
+            <a:r>
+              <a:rPr lang="en" sz="1600" noProof="1">
+                <a:effectLst/>
+                <a:latin typeface="Consolas" panose="020B0609020204030204" pitchFamily="49" charset="0"/>
+                <a:cs typeface="Consolas" panose="020B0609020204030204" pitchFamily="49" charset="0"/>
+              </a:rPr>
+              <a:t>logger.addHandler(handler)</a:t>
+            </a:r>
+            <a:br>
+              <a:rPr lang="en" sz="1600" noProof="1">
+                <a:effectLst/>
+                <a:latin typeface="Consolas" panose="020B0609020204030204" pitchFamily="49" charset="0"/>
+                <a:cs typeface="Consolas" panose="020B0609020204030204" pitchFamily="49" charset="0"/>
+              </a:rPr>
+            </a:br>
+            <a:br>
+              <a:rPr lang="en" sz="1600" noProof="1">
+                <a:effectLst/>
+                <a:latin typeface="Consolas" panose="020B0609020204030204" pitchFamily="49" charset="0"/>
+                <a:cs typeface="Consolas" panose="020B0609020204030204" pitchFamily="49" charset="0"/>
+              </a:rPr>
+            </a:br>
+            <a:r>
+              <a:rPr lang="en" sz="1600" noProof="1">
+                <a:effectLst/>
+                <a:latin typeface="Consolas" panose="020B0609020204030204" pitchFamily="49" charset="0"/>
+                <a:cs typeface="Consolas" panose="020B0609020204030204" pitchFamily="49" charset="0"/>
+              </a:rPr>
+              <a:t>logger </a:t>
+            </a:r>
+            <a:r>
+              <a:rPr lang="en" sz="1600" b="1" noProof="1">
+                <a:solidFill>
+                  <a:srgbClr val="0000FF"/>
+                </a:solidFill>
+                <a:effectLst/>
+                <a:latin typeface="Consolas" panose="020B0609020204030204" pitchFamily="49" charset="0"/>
+                <a:cs typeface="Consolas" panose="020B0609020204030204" pitchFamily="49" charset="0"/>
+              </a:rPr>
+              <a:t>=</a:t>
+            </a:r>
+            <a:r>
+              <a:rPr lang="en" sz="1600" noProof="1">
+                <a:effectLst/>
+                <a:latin typeface="Consolas" panose="020B0609020204030204" pitchFamily="49" charset="0"/>
+                <a:cs typeface="Consolas" panose="020B0609020204030204" pitchFamily="49" charset="0"/>
+              </a:rPr>
+              <a:t> CustAdapter(logger, default_extra_fields)</a:t>
+            </a:r>
+            <a:br>
+              <a:rPr lang="en" sz="1600" noProof="1">
+                <a:effectLst/>
+                <a:latin typeface="Consolas" panose="020B0609020204030204" pitchFamily="49" charset="0"/>
+                <a:cs typeface="Consolas" panose="020B0609020204030204" pitchFamily="49" charset="0"/>
+              </a:rPr>
+            </a:br>
+            <a:br>
+              <a:rPr lang="en" sz="1600" noProof="1">
+                <a:effectLst/>
+                <a:latin typeface="Consolas" panose="020B0609020204030204" pitchFamily="49" charset="0"/>
+                <a:cs typeface="Consolas" panose="020B0609020204030204" pitchFamily="49" charset="0"/>
+              </a:rPr>
+            </a:br>
+            <a:r>
+              <a:rPr lang="en" sz="1600" noProof="1">
+                <a:solidFill>
+                  <a:srgbClr val="0066FF"/>
+                </a:solidFill>
+                <a:effectLst/>
+                <a:latin typeface="Consolas" panose="020B0609020204030204" pitchFamily="49" charset="0"/>
+                <a:cs typeface="Consolas" panose="020B0609020204030204" pitchFamily="49" charset="0"/>
+              </a:rPr>
+              <a:t># </a:t>
+            </a:r>
+            <a:r>
+              <a:rPr lang="ru-RU" sz="1600" noProof="1">
+                <a:solidFill>
+                  <a:srgbClr val="0066FF"/>
+                </a:solidFill>
+                <a:effectLst/>
+                <a:latin typeface="Consolas" panose="020B0609020204030204" pitchFamily="49" charset="0"/>
+                <a:cs typeface="Consolas" panose="020B0609020204030204" pitchFamily="49" charset="0"/>
+              </a:rPr>
+              <a:t>Пример использования</a:t>
+            </a:r>
+            <a:br>
+              <a:rPr lang="ru-RU" sz="1600" noProof="1">
+                <a:solidFill>
+                  <a:srgbClr val="0066FF"/>
+                </a:solidFill>
+                <a:effectLst/>
+                <a:latin typeface="Consolas" panose="020B0609020204030204" pitchFamily="49" charset="0"/>
+                <a:cs typeface="Consolas" panose="020B0609020204030204" pitchFamily="49" charset="0"/>
+              </a:rPr>
+            </a:br>
+            <a:r>
+              <a:rPr lang="en" sz="1600" noProof="1">
+                <a:effectLst/>
+                <a:latin typeface="Consolas" panose="020B0609020204030204" pitchFamily="49" charset="0"/>
+                <a:cs typeface="Consolas" panose="020B0609020204030204" pitchFamily="49" charset="0"/>
+              </a:rPr>
+              <a:t>logger.info(</a:t>
+            </a:r>
+            <a:r>
+              <a:rPr lang="en" sz="1600" noProof="1">
+                <a:solidFill>
+                  <a:srgbClr val="036A07"/>
+                </a:solidFill>
+                <a:effectLst/>
+                <a:latin typeface="Consolas" panose="020B0609020204030204" pitchFamily="49" charset="0"/>
+                <a:cs typeface="Consolas" panose="020B0609020204030204" pitchFamily="49" charset="0"/>
+              </a:rPr>
+              <a:t>'SOME_ACTION'</a:t>
+            </a:r>
+            <a:r>
+              <a:rPr lang="en" sz="1600" noProof="1">
+                <a:effectLst/>
+                <a:latin typeface="Consolas" panose="020B0609020204030204" pitchFamily="49" charset="0"/>
+                <a:cs typeface="Consolas" panose="020B0609020204030204" pitchFamily="49" charset="0"/>
+              </a:rPr>
+              <a:t>)</a:t>
+            </a:r>
+            <a:br>
+              <a:rPr lang="en" sz="1600" noProof="1">
+                <a:effectLst/>
+                <a:latin typeface="Consolas" panose="020B0609020204030204" pitchFamily="49" charset="0"/>
+                <a:cs typeface="Consolas" panose="020B0609020204030204" pitchFamily="49" charset="0"/>
+              </a:rPr>
+            </a:br>
+            <a:r>
+              <a:rPr lang="en" sz="1600" noProof="1">
+                <a:effectLst/>
+                <a:latin typeface="Consolas" panose="020B0609020204030204" pitchFamily="49" charset="0"/>
+                <a:cs typeface="Consolas" panose="020B0609020204030204" pitchFamily="49" charset="0"/>
+              </a:rPr>
+              <a:t>logger.info(</a:t>
+            </a:r>
+            <a:r>
+              <a:rPr lang="en" sz="1600" noProof="1">
+                <a:solidFill>
+                  <a:srgbClr val="036A07"/>
+                </a:solidFill>
+                <a:effectLst/>
+                <a:latin typeface="Consolas" panose="020B0609020204030204" pitchFamily="49" charset="0"/>
+                <a:cs typeface="Consolas" panose="020B0609020204030204" pitchFamily="49" charset="0"/>
+              </a:rPr>
+              <a:t>'ANOTHER_ACTION'</a:t>
+            </a:r>
+            <a:r>
+              <a:rPr lang="en" sz="1600" noProof="1">
+                <a:effectLst/>
+                <a:latin typeface="Consolas" panose="020B0609020204030204" pitchFamily="49" charset="0"/>
+                <a:cs typeface="Consolas" panose="020B0609020204030204" pitchFamily="49" charset="0"/>
+              </a:rPr>
+              <a:t>, key_id </a:t>
+            </a:r>
+            <a:r>
+              <a:rPr lang="en" sz="1600" b="1" noProof="1">
+                <a:solidFill>
+                  <a:srgbClr val="0000FF"/>
+                </a:solidFill>
+                <a:effectLst/>
+                <a:latin typeface="Consolas" panose="020B0609020204030204" pitchFamily="49" charset="0"/>
+                <a:cs typeface="Consolas" panose="020B0609020204030204" pitchFamily="49" charset="0"/>
+              </a:rPr>
+              <a:t>=</a:t>
+            </a:r>
+            <a:r>
+              <a:rPr lang="en" sz="1600" noProof="1">
+                <a:effectLst/>
+                <a:latin typeface="Consolas" panose="020B0609020204030204" pitchFamily="49" charset="0"/>
+                <a:cs typeface="Consolas" panose="020B0609020204030204" pitchFamily="49" charset="0"/>
+              </a:rPr>
+              <a:t> </a:t>
+            </a:r>
+            <a:r>
+              <a:rPr lang="en" sz="1600" noProof="1">
+                <a:solidFill>
+                  <a:srgbClr val="0000CD"/>
+                </a:solidFill>
+                <a:effectLst/>
+                <a:latin typeface="Consolas" panose="020B0609020204030204" pitchFamily="49" charset="0"/>
+                <a:cs typeface="Consolas" panose="020B0609020204030204" pitchFamily="49" charset="0"/>
+              </a:rPr>
+              <a:t>777</a:t>
+            </a:r>
+            <a:r>
+              <a:rPr lang="en" sz="1600" noProof="1">
+                <a:effectLst/>
+                <a:latin typeface="Consolas" panose="020B0609020204030204" pitchFamily="49" charset="0"/>
+                <a:cs typeface="Consolas" panose="020B0609020204030204" pitchFamily="49" charset="0"/>
+              </a:rPr>
+              <a:t>)</a:t>
+            </a:r>
+            <a:br>
+              <a:rPr lang="en" sz="1600" noProof="1">
+                <a:effectLst/>
+                <a:latin typeface="Consolas" panose="020B0609020204030204" pitchFamily="49" charset="0"/>
+                <a:cs typeface="Consolas" panose="020B0609020204030204" pitchFamily="49" charset="0"/>
+              </a:rPr>
+            </a:br>
+            <a:r>
+              <a:rPr lang="en" sz="1600" noProof="1">
+                <a:effectLst/>
+                <a:latin typeface="Consolas" panose="020B0609020204030204" pitchFamily="49" charset="0"/>
+                <a:cs typeface="Consolas" panose="020B0609020204030204" pitchFamily="49" charset="0"/>
+              </a:rPr>
+              <a:t>logger.info(</a:t>
+            </a:r>
+            <a:r>
+              <a:rPr lang="en" sz="1600" noProof="1">
+                <a:solidFill>
+                  <a:srgbClr val="036A07"/>
+                </a:solidFill>
+                <a:effectLst/>
+                <a:latin typeface="Consolas" panose="020B0609020204030204" pitchFamily="49" charset="0"/>
+                <a:cs typeface="Consolas" panose="020B0609020204030204" pitchFamily="49" charset="0"/>
+              </a:rPr>
+              <a:t>'ACTION1'</a:t>
+            </a:r>
+            <a:r>
+              <a:rPr lang="en" sz="1600" noProof="1">
+                <a:effectLst/>
+                <a:latin typeface="Consolas" panose="020B0609020204030204" pitchFamily="49" charset="0"/>
+                <a:cs typeface="Consolas" panose="020B0609020204030204" pitchFamily="49" charset="0"/>
+              </a:rPr>
+              <a:t>, user_id </a:t>
+            </a:r>
+            <a:r>
+              <a:rPr lang="en" sz="1600" b="1" noProof="1">
+                <a:solidFill>
+                  <a:srgbClr val="0000FF"/>
+                </a:solidFill>
+                <a:effectLst/>
+                <a:latin typeface="Consolas" panose="020B0609020204030204" pitchFamily="49" charset="0"/>
+                <a:cs typeface="Consolas" panose="020B0609020204030204" pitchFamily="49" charset="0"/>
+              </a:rPr>
+              <a:t>=</a:t>
+            </a:r>
+            <a:r>
+              <a:rPr lang="en" sz="1600" noProof="1">
+                <a:effectLst/>
+                <a:latin typeface="Consolas" panose="020B0609020204030204" pitchFamily="49" charset="0"/>
+                <a:cs typeface="Consolas" panose="020B0609020204030204" pitchFamily="49" charset="0"/>
+              </a:rPr>
+              <a:t> </a:t>
+            </a:r>
+            <a:r>
+              <a:rPr lang="en" sz="1600" noProof="1">
+                <a:solidFill>
+                  <a:srgbClr val="036A07"/>
+                </a:solidFill>
+                <a:effectLst/>
+                <a:latin typeface="Consolas" panose="020B0609020204030204" pitchFamily="49" charset="0"/>
+                <a:cs typeface="Consolas" panose="020B0609020204030204" pitchFamily="49" charset="0"/>
+              </a:rPr>
+              <a:t>'123'</a:t>
+            </a:r>
+            <a:r>
+              <a:rPr lang="en" sz="1600" noProof="1">
+                <a:effectLst/>
+                <a:latin typeface="Consolas" panose="020B0609020204030204" pitchFamily="49" charset="0"/>
+                <a:cs typeface="Consolas" panose="020B0609020204030204" pitchFamily="49" charset="0"/>
+              </a:rPr>
+              <a:t>, ext_params </a:t>
+            </a:r>
+            <a:r>
+              <a:rPr lang="en" sz="1600" b="1" noProof="1">
+                <a:solidFill>
+                  <a:srgbClr val="0000FF"/>
+                </a:solidFill>
+                <a:effectLst/>
+                <a:latin typeface="Consolas" panose="020B0609020204030204" pitchFamily="49" charset="0"/>
+                <a:cs typeface="Consolas" panose="020B0609020204030204" pitchFamily="49" charset="0"/>
+              </a:rPr>
+              <a:t>=</a:t>
+            </a:r>
+            <a:r>
+              <a:rPr lang="en" sz="1600" noProof="1">
+                <a:effectLst/>
+                <a:latin typeface="Consolas" panose="020B0609020204030204" pitchFamily="49" charset="0"/>
+                <a:cs typeface="Consolas" panose="020B0609020204030204" pitchFamily="49" charset="0"/>
+              </a:rPr>
+              <a:t> {</a:t>
+            </a:r>
+            <a:r>
+              <a:rPr lang="en" sz="1600" noProof="1">
+                <a:solidFill>
+                  <a:srgbClr val="036A07"/>
+                </a:solidFill>
+                <a:effectLst/>
+                <a:latin typeface="Consolas" panose="020B0609020204030204" pitchFamily="49" charset="0"/>
+                <a:cs typeface="Consolas" panose="020B0609020204030204" pitchFamily="49" charset="0"/>
+              </a:rPr>
+              <a:t>'param1'</a:t>
+            </a:r>
+            <a:r>
+              <a:rPr lang="en" sz="1600" noProof="1">
+                <a:effectLst/>
+                <a:latin typeface="Consolas" panose="020B0609020204030204" pitchFamily="49" charset="0"/>
+                <a:cs typeface="Consolas" panose="020B0609020204030204" pitchFamily="49" charset="0"/>
+              </a:rPr>
+              <a:t>: </a:t>
+            </a:r>
+            <a:r>
+              <a:rPr lang="en" sz="1600" noProof="1">
+                <a:solidFill>
+                  <a:srgbClr val="0000CD"/>
+                </a:solidFill>
+                <a:effectLst/>
+                <a:latin typeface="Consolas" panose="020B0609020204030204" pitchFamily="49" charset="0"/>
+                <a:cs typeface="Consolas" panose="020B0609020204030204" pitchFamily="49" charset="0"/>
+              </a:rPr>
+              <a:t>123</a:t>
+            </a:r>
+            <a:r>
+              <a:rPr lang="en" sz="1600" noProof="1">
+                <a:effectLst/>
+                <a:latin typeface="Consolas" panose="020B0609020204030204" pitchFamily="49" charset="0"/>
+                <a:cs typeface="Consolas" panose="020B0609020204030204" pitchFamily="49" charset="0"/>
+              </a:rPr>
+              <a:t>, </a:t>
+            </a:r>
+            <a:r>
+              <a:rPr lang="en" sz="1600" noProof="1">
+                <a:solidFill>
+                  <a:srgbClr val="036A07"/>
+                </a:solidFill>
+                <a:effectLst/>
+                <a:latin typeface="Consolas" panose="020B0609020204030204" pitchFamily="49" charset="0"/>
+                <a:cs typeface="Consolas" panose="020B0609020204030204" pitchFamily="49" charset="0"/>
+              </a:rPr>
+              <a:t>'param2'</a:t>
+            </a:r>
+            <a:r>
+              <a:rPr lang="en" sz="1600" noProof="1">
+                <a:effectLst/>
+                <a:latin typeface="Consolas" panose="020B0609020204030204" pitchFamily="49" charset="0"/>
+                <a:cs typeface="Consolas" panose="020B0609020204030204" pitchFamily="49" charset="0"/>
+              </a:rPr>
+              <a:t>: [</a:t>
+            </a:r>
+            <a:r>
+              <a:rPr lang="en" sz="1600" noProof="1">
+                <a:solidFill>
+                  <a:srgbClr val="036A07"/>
+                </a:solidFill>
+                <a:effectLst/>
+                <a:latin typeface="Consolas" panose="020B0609020204030204" pitchFamily="49" charset="0"/>
+                <a:cs typeface="Consolas" panose="020B0609020204030204" pitchFamily="49" charset="0"/>
+              </a:rPr>
+              <a:t>'A'</a:t>
+            </a:r>
+            <a:r>
+              <a:rPr lang="en" sz="1600" noProof="1">
+                <a:effectLst/>
+                <a:latin typeface="Consolas" panose="020B0609020204030204" pitchFamily="49" charset="0"/>
+                <a:cs typeface="Consolas" panose="020B0609020204030204" pitchFamily="49" charset="0"/>
+              </a:rPr>
+              <a:t>,</a:t>
+            </a:r>
+            <a:r>
+              <a:rPr lang="en" sz="1600" noProof="1">
+                <a:solidFill>
+                  <a:srgbClr val="036A07"/>
+                </a:solidFill>
+                <a:effectLst/>
+                <a:latin typeface="Consolas" panose="020B0609020204030204" pitchFamily="49" charset="0"/>
+                <a:cs typeface="Consolas" panose="020B0609020204030204" pitchFamily="49" charset="0"/>
+              </a:rPr>
+              <a:t>'B'</a:t>
+            </a:r>
+            <a:r>
+              <a:rPr lang="en" sz="1600" noProof="1">
+                <a:effectLst/>
+                <a:latin typeface="Consolas" panose="020B0609020204030204" pitchFamily="49" charset="0"/>
+                <a:cs typeface="Consolas" panose="020B0609020204030204" pitchFamily="49" charset="0"/>
+              </a:rPr>
+              <a:t>,</a:t>
+            </a:r>
+            <a:r>
+              <a:rPr lang="en" sz="1600" noProof="1">
+                <a:solidFill>
+                  <a:srgbClr val="0000CD"/>
+                </a:solidFill>
+                <a:effectLst/>
+                <a:latin typeface="Consolas" panose="020B0609020204030204" pitchFamily="49" charset="0"/>
+                <a:cs typeface="Consolas" panose="020B0609020204030204" pitchFamily="49" charset="0"/>
+              </a:rPr>
+              <a:t>456</a:t>
+            </a:r>
+            <a:r>
+              <a:rPr lang="en" sz="1600" noProof="1">
+                <a:effectLst/>
+                <a:latin typeface="Consolas" panose="020B0609020204030204" pitchFamily="49" charset="0"/>
+                <a:cs typeface="Consolas" panose="020B0609020204030204" pitchFamily="49" charset="0"/>
+              </a:rPr>
+              <a:t>]})</a:t>
+            </a:r>
+            <a:br>
+              <a:rPr lang="en" sz="1600" noProof="1">
+                <a:effectLst/>
+                <a:latin typeface="Consolas" panose="020B0609020204030204" pitchFamily="49" charset="0"/>
+                <a:cs typeface="Consolas" panose="020B0609020204030204" pitchFamily="49" charset="0"/>
+              </a:rPr>
+            </a:br>
+            <a:r>
+              <a:rPr lang="en" sz="1600" noProof="1">
+                <a:effectLst/>
+                <a:latin typeface="Consolas" panose="020B0609020204030204" pitchFamily="49" charset="0"/>
+                <a:cs typeface="Consolas" panose="020B0609020204030204" pitchFamily="49" charset="0"/>
+              </a:rPr>
+              <a:t>logger.info(</a:t>
+            </a:r>
+            <a:r>
+              <a:rPr lang="en" sz="1600" noProof="1">
+                <a:solidFill>
+                  <a:srgbClr val="036A07"/>
+                </a:solidFill>
+                <a:effectLst/>
+                <a:latin typeface="Consolas" panose="020B0609020204030204" pitchFamily="49" charset="0"/>
+                <a:cs typeface="Consolas" panose="020B0609020204030204" pitchFamily="49" charset="0"/>
+              </a:rPr>
+              <a:t>'ACTION1'</a:t>
+            </a:r>
+            <a:r>
+              <a:rPr lang="en" sz="1600" noProof="1">
+                <a:effectLst/>
+                <a:latin typeface="Consolas" panose="020B0609020204030204" pitchFamily="49" charset="0"/>
+                <a:cs typeface="Consolas" panose="020B0609020204030204" pitchFamily="49" charset="0"/>
+              </a:rPr>
+              <a:t>, user_id </a:t>
+            </a:r>
+            <a:r>
+              <a:rPr lang="en" sz="1600" b="1" noProof="1">
+                <a:solidFill>
+                  <a:srgbClr val="0000FF"/>
+                </a:solidFill>
+                <a:effectLst/>
+                <a:latin typeface="Consolas" panose="020B0609020204030204" pitchFamily="49" charset="0"/>
+                <a:cs typeface="Consolas" panose="020B0609020204030204" pitchFamily="49" charset="0"/>
+              </a:rPr>
+              <a:t>=</a:t>
+            </a:r>
+            <a:r>
+              <a:rPr lang="en" sz="1600" noProof="1">
+                <a:effectLst/>
+                <a:latin typeface="Consolas" panose="020B0609020204030204" pitchFamily="49" charset="0"/>
+                <a:cs typeface="Consolas" panose="020B0609020204030204" pitchFamily="49" charset="0"/>
+              </a:rPr>
+              <a:t> </a:t>
+            </a:r>
+            <a:r>
+              <a:rPr lang="en" sz="1600" noProof="1">
+                <a:solidFill>
+                  <a:srgbClr val="036A07"/>
+                </a:solidFill>
+                <a:effectLst/>
+                <a:latin typeface="Consolas" panose="020B0609020204030204" pitchFamily="49" charset="0"/>
+                <a:cs typeface="Consolas" panose="020B0609020204030204" pitchFamily="49" charset="0"/>
+              </a:rPr>
+              <a:t>'123'</a:t>
+            </a:r>
+            <a:r>
+              <a:rPr lang="en" sz="1600" noProof="1">
+                <a:effectLst/>
+                <a:latin typeface="Consolas" panose="020B0609020204030204" pitchFamily="49" charset="0"/>
+                <a:cs typeface="Consolas" panose="020B0609020204030204" pitchFamily="49" charset="0"/>
+              </a:rPr>
+              <a:t>, key_id </a:t>
+            </a:r>
+            <a:r>
+              <a:rPr lang="en" sz="1600" b="1" noProof="1">
+                <a:solidFill>
+                  <a:srgbClr val="0000FF"/>
+                </a:solidFill>
+                <a:effectLst/>
+                <a:latin typeface="Consolas" panose="020B0609020204030204" pitchFamily="49" charset="0"/>
+                <a:cs typeface="Consolas" panose="020B0609020204030204" pitchFamily="49" charset="0"/>
+              </a:rPr>
+              <a:t>=</a:t>
+            </a:r>
+            <a:r>
+              <a:rPr lang="en" sz="1600" noProof="1">
+                <a:effectLst/>
+                <a:latin typeface="Consolas" panose="020B0609020204030204" pitchFamily="49" charset="0"/>
+                <a:cs typeface="Consolas" panose="020B0609020204030204" pitchFamily="49" charset="0"/>
+              </a:rPr>
+              <a:t> </a:t>
+            </a:r>
+            <a:r>
+              <a:rPr lang="en" sz="1600" noProof="1">
+                <a:solidFill>
+                  <a:srgbClr val="0000CD"/>
+                </a:solidFill>
+                <a:effectLst/>
+                <a:latin typeface="Consolas" panose="020B0609020204030204" pitchFamily="49" charset="0"/>
+                <a:cs typeface="Consolas" panose="020B0609020204030204" pitchFamily="49" charset="0"/>
+              </a:rPr>
+              <a:t>77</a:t>
+            </a:r>
+            <a:r>
+              <a:rPr lang="en" sz="1600" noProof="1">
+                <a:effectLst/>
+                <a:latin typeface="Consolas" panose="020B0609020204030204" pitchFamily="49" charset="0"/>
+                <a:cs typeface="Consolas" panose="020B0609020204030204" pitchFamily="49" charset="0"/>
+              </a:rPr>
+              <a:t>, ext_params </a:t>
+            </a:r>
+            <a:r>
+              <a:rPr lang="en" sz="1600" b="1" noProof="1">
+                <a:solidFill>
+                  <a:srgbClr val="0000FF"/>
+                </a:solidFill>
+                <a:effectLst/>
+                <a:latin typeface="Consolas" panose="020B0609020204030204" pitchFamily="49" charset="0"/>
+                <a:cs typeface="Consolas" panose="020B0609020204030204" pitchFamily="49" charset="0"/>
+              </a:rPr>
+              <a:t>=</a:t>
+            </a:r>
+            <a:r>
+              <a:rPr lang="en" sz="1600" noProof="1">
+                <a:effectLst/>
+                <a:latin typeface="Consolas" panose="020B0609020204030204" pitchFamily="49" charset="0"/>
+                <a:cs typeface="Consolas" panose="020B0609020204030204" pitchFamily="49" charset="0"/>
+              </a:rPr>
+              <a:t> {</a:t>
+            </a:r>
+            <a:r>
+              <a:rPr lang="en" sz="1600" noProof="1">
+                <a:solidFill>
+                  <a:srgbClr val="036A07"/>
+                </a:solidFill>
+                <a:effectLst/>
+                <a:latin typeface="Consolas" panose="020B0609020204030204" pitchFamily="49" charset="0"/>
+                <a:cs typeface="Consolas" panose="020B0609020204030204" pitchFamily="49" charset="0"/>
+              </a:rPr>
+              <a:t>'par1'</a:t>
+            </a:r>
+            <a:r>
+              <a:rPr lang="en" sz="1600" noProof="1">
+                <a:effectLst/>
+                <a:latin typeface="Consolas" panose="020B0609020204030204" pitchFamily="49" charset="0"/>
+                <a:cs typeface="Consolas" panose="020B0609020204030204" pitchFamily="49" charset="0"/>
+              </a:rPr>
+              <a:t>: </a:t>
+            </a:r>
+            <a:r>
+              <a:rPr lang="en" sz="1600" noProof="1">
+                <a:solidFill>
+                  <a:srgbClr val="0000CD"/>
+                </a:solidFill>
+                <a:effectLst/>
+                <a:latin typeface="Consolas" panose="020B0609020204030204" pitchFamily="49" charset="0"/>
+                <a:cs typeface="Consolas" panose="020B0609020204030204" pitchFamily="49" charset="0"/>
+              </a:rPr>
+              <a:t>123</a:t>
+            </a:r>
+            <a:r>
+              <a:rPr lang="en" sz="1600" noProof="1">
+                <a:effectLst/>
+                <a:latin typeface="Consolas" panose="020B0609020204030204" pitchFamily="49" charset="0"/>
+                <a:cs typeface="Consolas" panose="020B0609020204030204" pitchFamily="49" charset="0"/>
+              </a:rPr>
+              <a:t>, </a:t>
+            </a:r>
+            <a:r>
+              <a:rPr lang="en" sz="1600" noProof="1">
+                <a:solidFill>
+                  <a:srgbClr val="036A07"/>
+                </a:solidFill>
+                <a:effectLst/>
+                <a:latin typeface="Consolas" panose="020B0609020204030204" pitchFamily="49" charset="0"/>
+                <a:cs typeface="Consolas" panose="020B0609020204030204" pitchFamily="49" charset="0"/>
+              </a:rPr>
+              <a:t>'par2'</a:t>
+            </a:r>
+            <a:r>
+              <a:rPr lang="en" sz="1600" noProof="1">
+                <a:effectLst/>
+                <a:latin typeface="Consolas" panose="020B0609020204030204" pitchFamily="49" charset="0"/>
+                <a:cs typeface="Consolas" panose="020B0609020204030204" pitchFamily="49" charset="0"/>
+              </a:rPr>
+              <a:t>: [</a:t>
+            </a:r>
+            <a:r>
+              <a:rPr lang="en" sz="1600" noProof="1">
+                <a:solidFill>
+                  <a:srgbClr val="036A07"/>
+                </a:solidFill>
+                <a:effectLst/>
+                <a:latin typeface="Consolas" panose="020B0609020204030204" pitchFamily="49" charset="0"/>
+                <a:cs typeface="Consolas" panose="020B0609020204030204" pitchFamily="49" charset="0"/>
+              </a:rPr>
+              <a:t>'A'</a:t>
+            </a:r>
+            <a:r>
+              <a:rPr lang="en" sz="1600" noProof="1">
+                <a:effectLst/>
+                <a:latin typeface="Consolas" panose="020B0609020204030204" pitchFamily="49" charset="0"/>
+                <a:cs typeface="Consolas" panose="020B0609020204030204" pitchFamily="49" charset="0"/>
+              </a:rPr>
+              <a:t>,</a:t>
+            </a:r>
+            <a:r>
+              <a:rPr lang="en" sz="1600" noProof="1">
+                <a:solidFill>
+                  <a:srgbClr val="036A07"/>
+                </a:solidFill>
+                <a:effectLst/>
+                <a:latin typeface="Consolas" panose="020B0609020204030204" pitchFamily="49" charset="0"/>
+                <a:cs typeface="Consolas" panose="020B0609020204030204" pitchFamily="49" charset="0"/>
+              </a:rPr>
+              <a:t>'B'</a:t>
+            </a:r>
+            <a:r>
+              <a:rPr lang="en" sz="1600" noProof="1">
+                <a:effectLst/>
+                <a:latin typeface="Consolas" panose="020B0609020204030204" pitchFamily="49" charset="0"/>
+                <a:cs typeface="Consolas" panose="020B0609020204030204" pitchFamily="49" charset="0"/>
+              </a:rPr>
+              <a:t>,</a:t>
+            </a:r>
+            <a:r>
+              <a:rPr lang="en" sz="1600" noProof="1">
+                <a:solidFill>
+                  <a:srgbClr val="0000CD"/>
+                </a:solidFill>
+                <a:effectLst/>
+                <a:latin typeface="Consolas" panose="020B0609020204030204" pitchFamily="49" charset="0"/>
+                <a:cs typeface="Consolas" panose="020B0609020204030204" pitchFamily="49" charset="0"/>
+              </a:rPr>
+              <a:t>45</a:t>
+            </a:r>
+            <a:r>
+              <a:rPr lang="en" sz="1600" noProof="1">
+                <a:effectLst/>
+                <a:latin typeface="Consolas" panose="020B0609020204030204" pitchFamily="49" charset="0"/>
+                <a:cs typeface="Consolas" panose="020B0609020204030204" pitchFamily="49" charset="0"/>
+              </a:rPr>
+              <a:t>]})</a:t>
+            </a:r>
+          </a:p>
+        </p:txBody>
+      </p:sp>
+    </p:spTree>
+    <p:extLst>
+      <p:ext uri="{BB962C8B-B14F-4D97-AF65-F5344CB8AC3E}">
+        <p14:creationId xmlns:p14="http://schemas.microsoft.com/office/powerpoint/2010/main" val="1570144922"/>
+      </p:ext>
+    </p:extLst>
+  </p:cSld>
+  <p:clrMapOvr>
+    <a:masterClrMapping/>
+  </p:clrMapOvr>
+</p:sld>
+</file>
+
+<file path=ppt/slides/slide42.xml><?xml version="1.0" encoding="utf-8"?>
+<p:sld xmlns:a="http://schemas.openxmlformats.org/drawingml/2006/main" xmlns:r="http://schemas.openxmlformats.org/officeDocument/2006/relationships" xmlns:p="http://schemas.openxmlformats.org/presentationml/2006/main">
+  <p:cSld>
+    <p:spTree>
+      <p:nvGrpSpPr>
+        <p:cNvPr id="1" name=""/>
+        <p:cNvGrpSpPr/>
+        <p:nvPr/>
+      </p:nvGrpSpPr>
+      <p:grpSpPr>
+        <a:xfrm>
+          <a:off x="0" y="0"/>
+          <a:ext cx="0" cy="0"/>
+          <a:chOff x="0" y="0"/>
+          <a:chExt cx="0" cy="0"/>
+        </a:xfrm>
+      </p:grpSpPr>
+      <p:sp>
+        <p:nvSpPr>
+          <p:cNvPr id="2" name="Заголовок 1">
+            <a:extLst>
+              <a:ext uri="{FF2B5EF4-FFF2-40B4-BE49-F238E27FC236}">
                 <a16:creationId xmlns:a16="http://schemas.microsoft.com/office/drawing/2014/main" id="{4ADBD4C5-CA07-0863-9982-1D8D96E890B9}"/>
               </a:ext>
             </a:extLst>
@@ -24401,7 +27429,7 @@
 </p:sld>
 </file>
 
-<file path=ppt/slides/slide41.xml><?xml version="1.0" encoding="utf-8"?>
+<file path=ppt/slides/slide43.xml><?xml version="1.0" encoding="utf-8"?>
 <p:sld xmlns:a="http://schemas.openxmlformats.org/drawingml/2006/main" xmlns:r="http://schemas.openxmlformats.org/officeDocument/2006/relationships" xmlns:p="http://schemas.openxmlformats.org/presentationml/2006/main">
   <p:cSld>
     <p:spTree>
@@ -24728,7 +27756,7 @@
 </p:sld>
 </file>
 
-<file path=ppt/slides/slide42.xml><?xml version="1.0" encoding="utf-8"?>
+<file path=ppt/slides/slide44.xml><?xml version="1.0" encoding="utf-8"?>
 <p:sld xmlns:a="http://schemas.openxmlformats.org/drawingml/2006/main" xmlns:r="http://schemas.openxmlformats.org/officeDocument/2006/relationships" xmlns:p="http://schemas.openxmlformats.org/presentationml/2006/main">
   <p:cSld>
     <p:spTree>
@@ -25077,7 +28105,7 @@
 </p:sld>
 </file>
 
-<file path=ppt/slides/slide43.xml><?xml version="1.0" encoding="utf-8"?>
+<file path=ppt/slides/slide45.xml><?xml version="1.0" encoding="utf-8"?>
 <p:sld xmlns:a="http://schemas.openxmlformats.org/drawingml/2006/main" xmlns:r="http://schemas.openxmlformats.org/officeDocument/2006/relationships" xmlns:p="http://schemas.openxmlformats.org/presentationml/2006/main">
   <p:cSld>
     <p:spTree>

--- a/presentations/Logging.pptx
+++ b/presentations/Logging.pptx
@@ -5,7 +5,7 @@
     <p:sldMasterId id="2147483648" r:id="rId1"/>
   </p:sldMasterIdLst>
   <p:notesMasterIdLst>
-    <p:notesMasterId r:id="rId58"/>
+    <p:notesMasterId r:id="rId59"/>
   </p:notesMasterIdLst>
   <p:sldIdLst>
     <p:sldId id="256" r:id="rId2"/>
@@ -38,32 +38,33 @@
     <p:sldId id="281" r:id="rId29"/>
     <p:sldId id="282" r:id="rId30"/>
     <p:sldId id="283" r:id="rId31"/>
-    <p:sldId id="284" r:id="rId32"/>
-    <p:sldId id="285" r:id="rId33"/>
-    <p:sldId id="286" r:id="rId34"/>
-    <p:sldId id="287" r:id="rId35"/>
-    <p:sldId id="288" r:id="rId36"/>
-    <p:sldId id="289" r:id="rId37"/>
-    <p:sldId id="290" r:id="rId38"/>
-    <p:sldId id="291" r:id="rId39"/>
-    <p:sldId id="293" r:id="rId40"/>
-    <p:sldId id="300" r:id="rId41"/>
-    <p:sldId id="302" r:id="rId42"/>
-    <p:sldId id="303" r:id="rId43"/>
-    <p:sldId id="304" r:id="rId44"/>
-    <p:sldId id="305" r:id="rId45"/>
-    <p:sldId id="306" r:id="rId46"/>
-    <p:sldId id="307" r:id="rId47"/>
-    <p:sldId id="308" r:id="rId48"/>
-    <p:sldId id="309" r:id="rId49"/>
-    <p:sldId id="310" r:id="rId50"/>
-    <p:sldId id="311" r:id="rId51"/>
-    <p:sldId id="294" r:id="rId52"/>
-    <p:sldId id="301" r:id="rId53"/>
-    <p:sldId id="295" r:id="rId54"/>
-    <p:sldId id="296" r:id="rId55"/>
-    <p:sldId id="297" r:id="rId56"/>
-    <p:sldId id="292" r:id="rId57"/>
+    <p:sldId id="312" r:id="rId32"/>
+    <p:sldId id="284" r:id="rId33"/>
+    <p:sldId id="285" r:id="rId34"/>
+    <p:sldId id="286" r:id="rId35"/>
+    <p:sldId id="287" r:id="rId36"/>
+    <p:sldId id="288" r:id="rId37"/>
+    <p:sldId id="289" r:id="rId38"/>
+    <p:sldId id="290" r:id="rId39"/>
+    <p:sldId id="291" r:id="rId40"/>
+    <p:sldId id="293" r:id="rId41"/>
+    <p:sldId id="300" r:id="rId42"/>
+    <p:sldId id="302" r:id="rId43"/>
+    <p:sldId id="303" r:id="rId44"/>
+    <p:sldId id="304" r:id="rId45"/>
+    <p:sldId id="305" r:id="rId46"/>
+    <p:sldId id="306" r:id="rId47"/>
+    <p:sldId id="307" r:id="rId48"/>
+    <p:sldId id="308" r:id="rId49"/>
+    <p:sldId id="309" r:id="rId50"/>
+    <p:sldId id="310" r:id="rId51"/>
+    <p:sldId id="311" r:id="rId52"/>
+    <p:sldId id="294" r:id="rId53"/>
+    <p:sldId id="301" r:id="rId54"/>
+    <p:sldId id="295" r:id="rId55"/>
+    <p:sldId id="296" r:id="rId56"/>
+    <p:sldId id="297" r:id="rId57"/>
+    <p:sldId id="292" r:id="rId58"/>
   </p:sldIdLst>
   <p:sldSz cx="12192000" cy="6858000"/>
   <p:notesSz cx="6858000" cy="9144000"/>
@@ -252,7 +253,7 @@
           <a:p>
             <a:fld id="{54834764-CD10-3441-BE6D-0CDC8CC61C93}" type="datetimeFigureOut">
               <a:rPr lang="ru-RU" smtClean="0"/>
-              <a:t>13.11.2023</a:t>
+              <a:t>14.11.2023</a:t>
             </a:fld>
             <a:endParaRPr lang="ru-RU" dirty="0"/>
           </a:p>
@@ -563,186 +564,6 @@
           <a:bodyPr/>
           <a:lstStyle/>
           <a:p>
-            <a:pPr marL="180000" indent="-180000" algn="l">
-              <a:buFont typeface="+mj-lt"/>
-              <a:buAutoNum type="arabicPeriod"/>
-            </a:pPr>
-            <a:r>
-              <a:rPr lang="en" b="1" i="0" dirty="0">
-                <a:solidFill>
-                  <a:srgbClr val="000000"/>
-                </a:solidFill>
-                <a:effectLst/>
-                <a:latin typeface="PT Serif" panose="020A0603040505020204" pitchFamily="18" charset="0"/>
-              </a:rPr>
-              <a:t>DEBUG</a:t>
-            </a:r>
-            <a:r>
-              <a:rPr lang="en" b="0" i="0" dirty="0">
-                <a:solidFill>
-                  <a:srgbClr val="000000"/>
-                </a:solidFill>
-                <a:effectLst/>
-                <a:latin typeface="PT Serif" panose="020A0603040505020204" pitchFamily="18" charset="0"/>
-              </a:rPr>
-              <a:t> — </a:t>
-            </a:r>
-            <a:r>
-              <a:rPr lang="ru-RU" b="0" i="0" dirty="0">
-                <a:solidFill>
-                  <a:srgbClr val="000000"/>
-                </a:solidFill>
-                <a:effectLst/>
-                <a:latin typeface="PT Serif" panose="020A0603040505020204" pitchFamily="18" charset="0"/>
-              </a:rPr>
-              <a:t>уровень отладочной информации, зачастую помогает при разработке приложения на машине программиста.</a:t>
-            </a:r>
-          </a:p>
-          <a:p>
-            <a:pPr marL="180000" indent="-180000" algn="l">
-              <a:buFont typeface="+mj-lt"/>
-              <a:buAutoNum type="arabicPeriod"/>
-            </a:pPr>
-            <a:r>
-              <a:rPr lang="en" b="1" i="0" dirty="0">
-                <a:solidFill>
-                  <a:srgbClr val="000000"/>
-                </a:solidFill>
-                <a:effectLst/>
-                <a:latin typeface="PT Serif" panose="020A0603040505020204" pitchFamily="18" charset="0"/>
-              </a:rPr>
-              <a:t>INFO</a:t>
-            </a:r>
-            <a:r>
-              <a:rPr lang="en" b="0" i="0" dirty="0">
-                <a:solidFill>
-                  <a:srgbClr val="000000"/>
-                </a:solidFill>
-                <a:effectLst/>
-                <a:latin typeface="PT Serif" panose="020A0603040505020204" pitchFamily="18" charset="0"/>
-              </a:rPr>
-              <a:t> — </a:t>
-            </a:r>
-            <a:r>
-              <a:rPr lang="ru-RU" b="0" i="0" dirty="0">
-                <a:solidFill>
-                  <a:srgbClr val="000000"/>
-                </a:solidFill>
-                <a:effectLst/>
-                <a:latin typeface="PT Serif" panose="020A0603040505020204" pitchFamily="18" charset="0"/>
-              </a:rPr>
-              <a:t>уровень вспомогательной информации о ходе работы приложения/скрипта.</a:t>
-            </a:r>
-          </a:p>
-          <a:p>
-            <a:pPr marL="180000" indent="-180000" algn="l">
-              <a:buFont typeface="+mj-lt"/>
-              <a:buAutoNum type="arabicPeriod"/>
-            </a:pPr>
-            <a:r>
-              <a:rPr lang="en" b="1" i="0" dirty="0">
-                <a:solidFill>
-                  <a:srgbClr val="000000"/>
-                </a:solidFill>
-                <a:effectLst/>
-                <a:latin typeface="PT Serif" panose="020A0603040505020204" pitchFamily="18" charset="0"/>
-              </a:rPr>
-              <a:t>WARNING</a:t>
-            </a:r>
-            <a:r>
-              <a:rPr lang="en" b="0" i="0" dirty="0">
-                <a:solidFill>
-                  <a:srgbClr val="000000"/>
-                </a:solidFill>
-                <a:effectLst/>
-                <a:latin typeface="PT Serif" panose="020A0603040505020204" pitchFamily="18" charset="0"/>
-              </a:rPr>
-              <a:t> — </a:t>
-            </a:r>
-            <a:r>
-              <a:rPr lang="ru-RU" b="0" i="0" dirty="0">
-                <a:solidFill>
-                  <a:srgbClr val="000000"/>
-                </a:solidFill>
-                <a:effectLst/>
-                <a:latin typeface="PT Serif" panose="020A0603040505020204" pitchFamily="18" charset="0"/>
-              </a:rPr>
-              <a:t>уровень предупреждения. Например, мы можем предупреждать о том, что та или иная функция будет удалена в будущих версиях вашего приложения.</a:t>
-            </a:r>
-          </a:p>
-          <a:p>
-            <a:pPr marL="180000" indent="-180000" algn="l">
-              <a:buFont typeface="+mj-lt"/>
-              <a:buAutoNum type="arabicPeriod"/>
-            </a:pPr>
-            <a:r>
-              <a:rPr lang="en" b="1" i="0" dirty="0">
-                <a:solidFill>
-                  <a:srgbClr val="000000"/>
-                </a:solidFill>
-                <a:effectLst/>
-                <a:latin typeface="PT Serif" panose="020A0603040505020204" pitchFamily="18" charset="0"/>
-              </a:rPr>
-              <a:t>ERROR</a:t>
-            </a:r>
-            <a:r>
-              <a:rPr lang="en" b="0" i="0" dirty="0">
-                <a:solidFill>
-                  <a:srgbClr val="000000"/>
-                </a:solidFill>
-                <a:effectLst/>
-                <a:latin typeface="PT Serif" panose="020A0603040505020204" pitchFamily="18" charset="0"/>
-              </a:rPr>
-              <a:t> — </a:t>
-            </a:r>
-            <a:r>
-              <a:rPr lang="ru-RU" b="0" i="0" dirty="0">
-                <a:solidFill>
-                  <a:srgbClr val="000000"/>
-                </a:solidFill>
-                <a:effectLst/>
-                <a:latin typeface="PT Serif" panose="020A0603040505020204" pitchFamily="18" charset="0"/>
-              </a:rPr>
-              <a:t>с таким уровнем разработчики пишут логи с ошибками, например, о том, что внешний сервис недоступен.</a:t>
-            </a:r>
-          </a:p>
-          <a:p>
-            <a:pPr marL="180000" indent="-180000" algn="l">
-              <a:buFont typeface="+mj-lt"/>
-              <a:buAutoNum type="arabicPeriod"/>
-            </a:pPr>
-            <a:r>
-              <a:rPr lang="en" b="1" i="0" dirty="0">
-                <a:solidFill>
-                  <a:srgbClr val="000000"/>
-                </a:solidFill>
-                <a:effectLst/>
-                <a:latin typeface="PT Serif" panose="020A0603040505020204" pitchFamily="18" charset="0"/>
-              </a:rPr>
-              <a:t>CRITICAL</a:t>
-            </a:r>
-            <a:r>
-              <a:rPr lang="en" b="0" i="0" dirty="0">
-                <a:solidFill>
-                  <a:srgbClr val="000000"/>
-                </a:solidFill>
-                <a:effectLst/>
-                <a:latin typeface="PT Serif" panose="020A0603040505020204" pitchFamily="18" charset="0"/>
-              </a:rPr>
-              <a:t> — </a:t>
-            </a:r>
-            <a:r>
-              <a:rPr lang="ru-RU" b="0" i="0" dirty="0">
-                <a:solidFill>
-                  <a:srgbClr val="000000"/>
-                </a:solidFill>
-                <a:effectLst/>
-                <a:latin typeface="PT Serif" panose="020A0603040505020204" pitchFamily="18" charset="0"/>
-              </a:rPr>
-              <a:t>уровень сообщений после которых работа приложения продолжаться не может.</a:t>
-            </a:r>
-          </a:p>
-          <a:p>
             <a:endParaRPr lang="ru-RU" dirty="0"/>
           </a:p>
         </p:txBody>
@@ -764,7 +585,7 @@
           <a:p>
             <a:fld id="{FE70C688-1D52-F54D-97F9-166F3AAF99C4}" type="slidenum">
               <a:rPr lang="ru-RU" smtClean="0"/>
-              <a:t>15</a:t>
+              <a:t>2</a:t>
             </a:fld>
             <a:endParaRPr lang="ru-RU" dirty="0"/>
           </a:p>
@@ -773,7 +594,7 @@
     </p:spTree>
     <p:extLst>
       <p:ext uri="{BB962C8B-B14F-4D97-AF65-F5344CB8AC3E}">
-        <p14:creationId xmlns:p14="http://schemas.microsoft.com/office/powerpoint/2010/main" val="2224771103"/>
+        <p14:creationId xmlns:p14="http://schemas.microsoft.com/office/powerpoint/2010/main" val="2973905394"/>
       </p:ext>
     </p:extLst>
   </p:cSld>
@@ -827,6 +648,186 @@
           <a:bodyPr/>
           <a:lstStyle/>
           <a:p>
+            <a:pPr marL="180000" indent="-180000" algn="l">
+              <a:buFont typeface="+mj-lt"/>
+              <a:buAutoNum type="arabicPeriod"/>
+            </a:pPr>
+            <a:r>
+              <a:rPr lang="en" b="1" i="0" dirty="0">
+                <a:solidFill>
+                  <a:srgbClr val="000000"/>
+                </a:solidFill>
+                <a:effectLst/>
+                <a:latin typeface="PT Serif" panose="020A0603040505020204" pitchFamily="18" charset="0"/>
+              </a:rPr>
+              <a:t>DEBUG</a:t>
+            </a:r>
+            <a:r>
+              <a:rPr lang="en" b="0" i="0" dirty="0">
+                <a:solidFill>
+                  <a:srgbClr val="000000"/>
+                </a:solidFill>
+                <a:effectLst/>
+                <a:latin typeface="PT Serif" panose="020A0603040505020204" pitchFamily="18" charset="0"/>
+              </a:rPr>
+              <a:t> — </a:t>
+            </a:r>
+            <a:r>
+              <a:rPr lang="ru-RU" b="0" i="0" dirty="0">
+                <a:solidFill>
+                  <a:srgbClr val="000000"/>
+                </a:solidFill>
+                <a:effectLst/>
+                <a:latin typeface="PT Serif" panose="020A0603040505020204" pitchFamily="18" charset="0"/>
+              </a:rPr>
+              <a:t>уровень отладочной информации, зачастую помогает при разработке приложения на машине программиста.</a:t>
+            </a:r>
+          </a:p>
+          <a:p>
+            <a:pPr marL="180000" indent="-180000" algn="l">
+              <a:buFont typeface="+mj-lt"/>
+              <a:buAutoNum type="arabicPeriod"/>
+            </a:pPr>
+            <a:r>
+              <a:rPr lang="en" b="1" i="0" dirty="0">
+                <a:solidFill>
+                  <a:srgbClr val="000000"/>
+                </a:solidFill>
+                <a:effectLst/>
+                <a:latin typeface="PT Serif" panose="020A0603040505020204" pitchFamily="18" charset="0"/>
+              </a:rPr>
+              <a:t>INFO</a:t>
+            </a:r>
+            <a:r>
+              <a:rPr lang="en" b="0" i="0" dirty="0">
+                <a:solidFill>
+                  <a:srgbClr val="000000"/>
+                </a:solidFill>
+                <a:effectLst/>
+                <a:latin typeface="PT Serif" panose="020A0603040505020204" pitchFamily="18" charset="0"/>
+              </a:rPr>
+              <a:t> — </a:t>
+            </a:r>
+            <a:r>
+              <a:rPr lang="ru-RU" b="0" i="0" dirty="0">
+                <a:solidFill>
+                  <a:srgbClr val="000000"/>
+                </a:solidFill>
+                <a:effectLst/>
+                <a:latin typeface="PT Serif" panose="020A0603040505020204" pitchFamily="18" charset="0"/>
+              </a:rPr>
+              <a:t>уровень вспомогательной информации о ходе работы приложения/скрипта.</a:t>
+            </a:r>
+          </a:p>
+          <a:p>
+            <a:pPr marL="180000" indent="-180000" algn="l">
+              <a:buFont typeface="+mj-lt"/>
+              <a:buAutoNum type="arabicPeriod"/>
+            </a:pPr>
+            <a:r>
+              <a:rPr lang="en" b="1" i="0" dirty="0">
+                <a:solidFill>
+                  <a:srgbClr val="000000"/>
+                </a:solidFill>
+                <a:effectLst/>
+                <a:latin typeface="PT Serif" panose="020A0603040505020204" pitchFamily="18" charset="0"/>
+              </a:rPr>
+              <a:t>WARNING</a:t>
+            </a:r>
+            <a:r>
+              <a:rPr lang="en" b="0" i="0" dirty="0">
+                <a:solidFill>
+                  <a:srgbClr val="000000"/>
+                </a:solidFill>
+                <a:effectLst/>
+                <a:latin typeface="PT Serif" panose="020A0603040505020204" pitchFamily="18" charset="0"/>
+              </a:rPr>
+              <a:t> — </a:t>
+            </a:r>
+            <a:r>
+              <a:rPr lang="ru-RU" b="0" i="0" dirty="0">
+                <a:solidFill>
+                  <a:srgbClr val="000000"/>
+                </a:solidFill>
+                <a:effectLst/>
+                <a:latin typeface="PT Serif" panose="020A0603040505020204" pitchFamily="18" charset="0"/>
+              </a:rPr>
+              <a:t>уровень предупреждения. Например, мы можем предупреждать о том, что та или иная функция будет удалена в будущих версиях вашего приложения.</a:t>
+            </a:r>
+          </a:p>
+          <a:p>
+            <a:pPr marL="180000" indent="-180000" algn="l">
+              <a:buFont typeface="+mj-lt"/>
+              <a:buAutoNum type="arabicPeriod"/>
+            </a:pPr>
+            <a:r>
+              <a:rPr lang="en" b="1" i="0" dirty="0">
+                <a:solidFill>
+                  <a:srgbClr val="000000"/>
+                </a:solidFill>
+                <a:effectLst/>
+                <a:latin typeface="PT Serif" panose="020A0603040505020204" pitchFamily="18" charset="0"/>
+              </a:rPr>
+              <a:t>ERROR</a:t>
+            </a:r>
+            <a:r>
+              <a:rPr lang="en" b="0" i="0" dirty="0">
+                <a:solidFill>
+                  <a:srgbClr val="000000"/>
+                </a:solidFill>
+                <a:effectLst/>
+                <a:latin typeface="PT Serif" panose="020A0603040505020204" pitchFamily="18" charset="0"/>
+              </a:rPr>
+              <a:t> — </a:t>
+            </a:r>
+            <a:r>
+              <a:rPr lang="ru-RU" b="0" i="0" dirty="0">
+                <a:solidFill>
+                  <a:srgbClr val="000000"/>
+                </a:solidFill>
+                <a:effectLst/>
+                <a:latin typeface="PT Serif" panose="020A0603040505020204" pitchFamily="18" charset="0"/>
+              </a:rPr>
+              <a:t>с таким уровнем разработчики пишут логи с ошибками, например, о том, что внешний сервис недоступен.</a:t>
+            </a:r>
+          </a:p>
+          <a:p>
+            <a:pPr marL="180000" indent="-180000" algn="l">
+              <a:buFont typeface="+mj-lt"/>
+              <a:buAutoNum type="arabicPeriod"/>
+            </a:pPr>
+            <a:r>
+              <a:rPr lang="en" b="1" i="0" dirty="0">
+                <a:solidFill>
+                  <a:srgbClr val="000000"/>
+                </a:solidFill>
+                <a:effectLst/>
+                <a:latin typeface="PT Serif" panose="020A0603040505020204" pitchFamily="18" charset="0"/>
+              </a:rPr>
+              <a:t>CRITICAL</a:t>
+            </a:r>
+            <a:r>
+              <a:rPr lang="en" b="0" i="0" dirty="0">
+                <a:solidFill>
+                  <a:srgbClr val="000000"/>
+                </a:solidFill>
+                <a:effectLst/>
+                <a:latin typeface="PT Serif" panose="020A0603040505020204" pitchFamily="18" charset="0"/>
+              </a:rPr>
+              <a:t> — </a:t>
+            </a:r>
+            <a:r>
+              <a:rPr lang="ru-RU" b="0" i="0" dirty="0">
+                <a:solidFill>
+                  <a:srgbClr val="000000"/>
+                </a:solidFill>
+                <a:effectLst/>
+                <a:latin typeface="PT Serif" panose="020A0603040505020204" pitchFamily="18" charset="0"/>
+              </a:rPr>
+              <a:t>уровень сообщений после которых работа приложения продолжаться не может.</a:t>
+            </a:r>
+          </a:p>
+          <a:p>
             <a:endParaRPr lang="ru-RU" dirty="0"/>
           </a:p>
         </p:txBody>
@@ -848,7 +849,7 @@
           <a:p>
             <a:fld id="{FE70C688-1D52-F54D-97F9-166F3AAF99C4}" type="slidenum">
               <a:rPr lang="ru-RU" smtClean="0"/>
-              <a:t>24</a:t>
+              <a:t>15</a:t>
             </a:fld>
             <a:endParaRPr lang="ru-RU" dirty="0"/>
           </a:p>
@@ -857,7 +858,7 @@
     </p:spTree>
     <p:extLst>
       <p:ext uri="{BB962C8B-B14F-4D97-AF65-F5344CB8AC3E}">
-        <p14:creationId xmlns:p14="http://schemas.microsoft.com/office/powerpoint/2010/main" val="438604537"/>
+        <p14:creationId xmlns:p14="http://schemas.microsoft.com/office/powerpoint/2010/main" val="2224771103"/>
       </p:ext>
     </p:extLst>
   </p:cSld>
@@ -932,7 +933,7 @@
           <a:p>
             <a:fld id="{FE70C688-1D52-F54D-97F9-166F3AAF99C4}" type="slidenum">
               <a:rPr lang="ru-RU" smtClean="0"/>
-              <a:t>27</a:t>
+              <a:t>24</a:t>
             </a:fld>
             <a:endParaRPr lang="ru-RU" dirty="0"/>
           </a:p>
@@ -941,7 +942,7 @@
     </p:spTree>
     <p:extLst>
       <p:ext uri="{BB962C8B-B14F-4D97-AF65-F5344CB8AC3E}">
-        <p14:creationId xmlns:p14="http://schemas.microsoft.com/office/powerpoint/2010/main" val="3131012060"/>
+        <p14:creationId xmlns:p14="http://schemas.microsoft.com/office/powerpoint/2010/main" val="438604537"/>
       </p:ext>
     </p:extLst>
   </p:cSld>
@@ -1016,7 +1017,7 @@
           <a:p>
             <a:fld id="{FE70C688-1D52-F54D-97F9-166F3AAF99C4}" type="slidenum">
               <a:rPr lang="ru-RU" smtClean="0"/>
-              <a:t>28</a:t>
+              <a:t>27</a:t>
             </a:fld>
             <a:endParaRPr lang="ru-RU" dirty="0"/>
           </a:p>
@@ -1025,7 +1026,7 @@
     </p:spTree>
     <p:extLst>
       <p:ext uri="{BB962C8B-B14F-4D97-AF65-F5344CB8AC3E}">
-        <p14:creationId xmlns:p14="http://schemas.microsoft.com/office/powerpoint/2010/main" val="1829541531"/>
+        <p14:creationId xmlns:p14="http://schemas.microsoft.com/office/powerpoint/2010/main" val="3131012060"/>
       </p:ext>
     </p:extLst>
   </p:cSld>
@@ -1100,7 +1101,7 @@
           <a:p>
             <a:fld id="{FE70C688-1D52-F54D-97F9-166F3AAF99C4}" type="slidenum">
               <a:rPr lang="ru-RU" smtClean="0"/>
-              <a:t>35</a:t>
+              <a:t>28</a:t>
             </a:fld>
             <a:endParaRPr lang="ru-RU" dirty="0"/>
           </a:p>
@@ -1109,7 +1110,7 @@
     </p:spTree>
     <p:extLst>
       <p:ext uri="{BB962C8B-B14F-4D97-AF65-F5344CB8AC3E}">
-        <p14:creationId xmlns:p14="http://schemas.microsoft.com/office/powerpoint/2010/main" val="3433528253"/>
+        <p14:creationId xmlns:p14="http://schemas.microsoft.com/office/powerpoint/2010/main" val="1829541531"/>
       </p:ext>
     </p:extLst>
   </p:cSld>
@@ -1184,7 +1185,7 @@
           <a:p>
             <a:fld id="{FE70C688-1D52-F54D-97F9-166F3AAF99C4}" type="slidenum">
               <a:rPr lang="ru-RU" smtClean="0"/>
-              <a:t>50</a:t>
+              <a:t>36</a:t>
             </a:fld>
             <a:endParaRPr lang="ru-RU" dirty="0"/>
           </a:p>
@@ -1193,7 +1194,7 @@
     </p:spTree>
     <p:extLst>
       <p:ext uri="{BB962C8B-B14F-4D97-AF65-F5344CB8AC3E}">
-        <p14:creationId xmlns:p14="http://schemas.microsoft.com/office/powerpoint/2010/main" val="2729721261"/>
+        <p14:creationId xmlns:p14="http://schemas.microsoft.com/office/powerpoint/2010/main" val="3433528253"/>
       </p:ext>
     </p:extLst>
   </p:cSld>
@@ -1269,6 +1270,90 @@
             <a:fld id="{FE70C688-1D52-F54D-97F9-166F3AAF99C4}" type="slidenum">
               <a:rPr lang="ru-RU" smtClean="0"/>
               <a:t>51</a:t>
+            </a:fld>
+            <a:endParaRPr lang="ru-RU" dirty="0"/>
+          </a:p>
+        </p:txBody>
+      </p:sp>
+    </p:spTree>
+    <p:extLst>
+      <p:ext uri="{BB962C8B-B14F-4D97-AF65-F5344CB8AC3E}">
+        <p14:creationId xmlns:p14="http://schemas.microsoft.com/office/powerpoint/2010/main" val="2729721261"/>
+      </p:ext>
+    </p:extLst>
+  </p:cSld>
+  <p:clrMapOvr>
+    <a:masterClrMapping/>
+  </p:clrMapOvr>
+</p:notes>
+</file>
+
+<file path=ppt/notesSlides/notesSlide8.xml><?xml version="1.0" encoding="utf-8"?>
+<p:notes xmlns:a="http://schemas.openxmlformats.org/drawingml/2006/main" xmlns:r="http://schemas.openxmlformats.org/officeDocument/2006/relationships" xmlns:p="http://schemas.openxmlformats.org/presentationml/2006/main">
+  <p:cSld>
+    <p:spTree>
+      <p:nvGrpSpPr>
+        <p:cNvPr id="1" name=""/>
+        <p:cNvGrpSpPr/>
+        <p:nvPr/>
+      </p:nvGrpSpPr>
+      <p:grpSpPr>
+        <a:xfrm>
+          <a:off x="0" y="0"/>
+          <a:ext cx="0" cy="0"/>
+          <a:chOff x="0" y="0"/>
+          <a:chExt cx="0" cy="0"/>
+        </a:xfrm>
+      </p:grpSpPr>
+      <p:sp>
+        <p:nvSpPr>
+          <p:cNvPr id="2" name="Образ слайда 1"/>
+          <p:cNvSpPr>
+            <a:spLocks noGrp="1" noRot="1" noChangeAspect="1"/>
+          </p:cNvSpPr>
+          <p:nvPr>
+            <p:ph type="sldImg"/>
+          </p:nvPr>
+        </p:nvSpPr>
+        <p:spPr/>
+      </p:sp>
+      <p:sp>
+        <p:nvSpPr>
+          <p:cNvPr id="3" name="Заметки 2"/>
+          <p:cNvSpPr>
+            <a:spLocks noGrp="1"/>
+          </p:cNvSpPr>
+          <p:nvPr>
+            <p:ph type="body" idx="1"/>
+          </p:nvPr>
+        </p:nvSpPr>
+        <p:spPr/>
+        <p:txBody>
+          <a:bodyPr/>
+          <a:lstStyle/>
+          <a:p>
+            <a:endParaRPr lang="ru-RU" dirty="0"/>
+          </a:p>
+        </p:txBody>
+      </p:sp>
+      <p:sp>
+        <p:nvSpPr>
+          <p:cNvPr id="4" name="Номер слайда 3"/>
+          <p:cNvSpPr>
+            <a:spLocks noGrp="1"/>
+          </p:cNvSpPr>
+          <p:nvPr>
+            <p:ph type="sldNum" sz="quarter" idx="5"/>
+          </p:nvPr>
+        </p:nvSpPr>
+        <p:spPr/>
+        <p:txBody>
+          <a:bodyPr/>
+          <a:lstStyle/>
+          <a:p>
+            <a:fld id="{FE70C688-1D52-F54D-97F9-166F3AAF99C4}" type="slidenum">
+              <a:rPr lang="ru-RU" smtClean="0"/>
+              <a:t>52</a:t>
             </a:fld>
             <a:endParaRPr lang="ru-RU" dirty="0"/>
           </a:p>
@@ -1434,7 +1519,7 @@
           <a:p>
             <a:fld id="{124E7379-25BA-B743-BF9E-84F72B74FAFD}" type="datetimeFigureOut">
               <a:rPr lang="ru-RU" smtClean="0"/>
-              <a:t>13.11.2023</a:t>
+              <a:t>14.11.2023</a:t>
             </a:fld>
             <a:endParaRPr lang="ru-RU" dirty="0"/>
           </a:p>
@@ -1632,7 +1717,7 @@
           <a:p>
             <a:fld id="{124E7379-25BA-B743-BF9E-84F72B74FAFD}" type="datetimeFigureOut">
               <a:rPr lang="ru-RU" smtClean="0"/>
-              <a:t>13.11.2023</a:t>
+              <a:t>14.11.2023</a:t>
             </a:fld>
             <a:endParaRPr lang="ru-RU" dirty="0"/>
           </a:p>
@@ -1840,7 +1925,7 @@
           <a:p>
             <a:fld id="{124E7379-25BA-B743-BF9E-84F72B74FAFD}" type="datetimeFigureOut">
               <a:rPr lang="ru-RU" smtClean="0"/>
-              <a:t>13.11.2023</a:t>
+              <a:t>14.11.2023</a:t>
             </a:fld>
             <a:endParaRPr lang="ru-RU" dirty="0"/>
           </a:p>
@@ -2240,7 +2325,7 @@
           <a:p>
             <a:fld id="{124E7379-25BA-B743-BF9E-84F72B74FAFD}" type="datetimeFigureOut">
               <a:rPr lang="ru-RU" smtClean="0"/>
-              <a:t>13.11.2023</a:t>
+              <a:t>14.11.2023</a:t>
             </a:fld>
             <a:endParaRPr lang="ru-RU" dirty="0"/>
           </a:p>
@@ -2505,7 +2590,7 @@
           <a:p>
             <a:fld id="{124E7379-25BA-B743-BF9E-84F72B74FAFD}" type="datetimeFigureOut">
               <a:rPr lang="ru-RU" smtClean="0"/>
-              <a:t>13.11.2023</a:t>
+              <a:t>14.11.2023</a:t>
             </a:fld>
             <a:endParaRPr lang="ru-RU" dirty="0"/>
           </a:p>
@@ -2917,7 +3002,7 @@
           <a:p>
             <a:fld id="{124E7379-25BA-B743-BF9E-84F72B74FAFD}" type="datetimeFigureOut">
               <a:rPr lang="ru-RU" smtClean="0"/>
-              <a:t>13.11.2023</a:t>
+              <a:t>14.11.2023</a:t>
             </a:fld>
             <a:endParaRPr lang="ru-RU" dirty="0"/>
           </a:p>
@@ -3058,7 +3143,7 @@
           <a:p>
             <a:fld id="{124E7379-25BA-B743-BF9E-84F72B74FAFD}" type="datetimeFigureOut">
               <a:rPr lang="ru-RU" smtClean="0"/>
-              <a:t>13.11.2023</a:t>
+              <a:t>14.11.2023</a:t>
             </a:fld>
             <a:endParaRPr lang="ru-RU" dirty="0"/>
           </a:p>
@@ -3171,7 +3256,7 @@
           <a:p>
             <a:fld id="{124E7379-25BA-B743-BF9E-84F72B74FAFD}" type="datetimeFigureOut">
               <a:rPr lang="ru-RU" smtClean="0"/>
-              <a:t>13.11.2023</a:t>
+              <a:t>14.11.2023</a:t>
             </a:fld>
             <a:endParaRPr lang="ru-RU" dirty="0"/>
           </a:p>
@@ -3482,7 +3567,7 @@
           <a:p>
             <a:fld id="{124E7379-25BA-B743-BF9E-84F72B74FAFD}" type="datetimeFigureOut">
               <a:rPr lang="ru-RU" smtClean="0"/>
-              <a:t>13.11.2023</a:t>
+              <a:t>14.11.2023</a:t>
             </a:fld>
             <a:endParaRPr lang="ru-RU" dirty="0"/>
           </a:p>
@@ -3770,7 +3855,7 @@
           <a:p>
             <a:fld id="{124E7379-25BA-B743-BF9E-84F72B74FAFD}" type="datetimeFigureOut">
               <a:rPr lang="ru-RU" smtClean="0"/>
-              <a:t>13.11.2023</a:t>
+              <a:t>14.11.2023</a:t>
             </a:fld>
             <a:endParaRPr lang="ru-RU" dirty="0"/>
           </a:p>
@@ -4011,7 +4096,7 @@
           <a:p>
             <a:fld id="{124E7379-25BA-B743-BF9E-84F72B74FAFD}" type="datetimeFigureOut">
               <a:rPr lang="ru-RU" smtClean="0"/>
-              <a:t>13.11.2023</a:t>
+              <a:t>14.11.2023</a:t>
             </a:fld>
             <a:endParaRPr lang="ru-RU" dirty="0"/>
           </a:p>
@@ -5658,7 +5743,7 @@
           <a:p>
             <a:r>
               <a:rPr lang="ru-RU" sz="4400" dirty="0"/>
-              <a:t>Содержимое записи в логе</a:t>
+              <a:t>Записи в логе</a:t>
             </a:r>
             <a:r>
               <a:rPr lang="en-US" dirty="0"/>
@@ -5672,7 +5757,19 @@
               <a:rPr lang="ru-RU" dirty="0">
                 <a:latin typeface="+mn-lt"/>
               </a:rPr>
-              <a:t>Контекст</a:t>
+              <a:t>Контекст: место</a:t>
+            </a:r>
+            <a:r>
+              <a:rPr lang="en-US" dirty="0">
+                <a:latin typeface="+mn-lt"/>
+              </a:rPr>
+              <a:t> </a:t>
+            </a:r>
+            <a:r>
+              <a:rPr lang="ru-RU" dirty="0">
+                <a:latin typeface="+mn-lt"/>
+              </a:rPr>
+              <a:t>в коде</a:t>
             </a:r>
             <a:endParaRPr lang="ru-RU" dirty="0"/>
           </a:p>
@@ -5923,7 +6020,15 @@
             </a:r>
             <a:r>
               <a:rPr lang="ru-RU" sz="2000" dirty="0"/>
-              <a:t> или результаты всего запроса в БД там, где вам нужно значение только одного поля. Со временем данных может оказаться неконтролируемо много, и ваш лог сильно разрастётся или даже логирование совсем перестанет работать</a:t>
+              <a:t> или результаты всего запроса в БД там, где вам нужно значение только одного поля. Со временем </a:t>
+            </a:r>
+            <a:r>
+              <a:rPr lang="ru-RU" sz="2000" b="1" dirty="0"/>
+              <a:t>данных может оказаться неконтролируемо много</a:t>
+            </a:r>
+            <a:r>
+              <a:rPr lang="ru-RU" sz="2000" dirty="0"/>
+              <a:t>, и ваш лог сильно разрастётся или даже логирование совсем перестанет работать</a:t>
             </a:r>
           </a:p>
         </p:txBody>
@@ -6068,8 +6173,20 @@
               </a:spcBef>
             </a:pPr>
             <a:r>
+              <a:rPr lang="ru-RU" b="1" dirty="0"/>
+              <a:t>адекватную</a:t>
+            </a:r>
+            <a:r>
               <a:rPr lang="ru-RU" dirty="0"/>
-              <a:t>не слишком большую длину строки каждой записи,</a:t>
+              <a:t> (не слишком большую) </a:t>
+            </a:r>
+            <a:r>
+              <a:rPr lang="ru-RU" b="1" dirty="0"/>
+              <a:t>длину</a:t>
+            </a:r>
+            <a:r>
+              <a:rPr lang="ru-RU" dirty="0"/>
+              <a:t> строки каждой записи,</a:t>
             </a:r>
           </a:p>
           <a:p>
@@ -6104,8 +6221,20 @@
               </a:spcBef>
             </a:pPr>
             <a:r>
+              <a:rPr lang="ru-RU" b="1" dirty="0"/>
+              <a:t>не быть</a:t>
+            </a:r>
+            <a:r>
               <a:rPr lang="ru-RU" dirty="0"/>
-              <a:t>не быть слишком перегруженными дополнительной информацией:</a:t>
+              <a:t> слишком </a:t>
+            </a:r>
+            <a:r>
+              <a:rPr lang="ru-RU" b="1" dirty="0"/>
+              <a:t>перегруженными</a:t>
+            </a:r>
+            <a:r>
+              <a:rPr lang="ru-RU" dirty="0"/>
+              <a:t> дополнительной информацией:</a:t>
             </a:r>
           </a:p>
           <a:p>
@@ -6304,7 +6433,13 @@
               <a:rPr lang="ru-RU" dirty="0">
                 <a:latin typeface="+mn-lt"/>
               </a:rPr>
-              <a:t>Читаемость</a:t>
+              <a:t>Читаемость / </a:t>
+            </a:r>
+            <a:r>
+              <a:rPr lang="ru-RU" dirty="0" err="1">
+                <a:latin typeface="+mn-lt"/>
+              </a:rPr>
+              <a:t>машиночитаемость</a:t>
             </a:r>
             <a:endParaRPr lang="ru-RU" dirty="0"/>
           </a:p>
@@ -7990,7 +8125,23 @@
             </a:pPr>
             <a:r>
               <a:rPr lang="ru-RU" sz="2000" dirty="0"/>
-              <a:t>Разные события могут иметь разную важность и приоритет с точки зрения работы приложения — какие-то просто дают информацию о поведении программы, а какие-то сообщают о критическом сбое. Для различения таких ситуаций и используют уровни логирования, впервые введённые ещё в 1980 году в стандарте </a:t>
+              <a:t>Разные события могут иметь </a:t>
+            </a:r>
+            <a:r>
+              <a:rPr lang="ru-RU" sz="2000" b="1" dirty="0"/>
+              <a:t>разную важность</a:t>
+            </a:r>
+            <a:r>
+              <a:rPr lang="ru-RU" sz="2000" dirty="0"/>
+              <a:t> и </a:t>
+            </a:r>
+            <a:r>
+              <a:rPr lang="ru-RU" sz="2000" b="1" dirty="0"/>
+              <a:t>приоритет</a:t>
+            </a:r>
+            <a:r>
+              <a:rPr lang="ru-RU" sz="2000" dirty="0"/>
+              <a:t> с точки зрения работы приложения — какие-то просто дают информацию о поведении программы, а какие-то сообщают о критическом сбое. Для различения таких ситуаций и используют уровни логирования, впервые введённые ещё в 1980 году в стандарте </a:t>
             </a:r>
             <a:r>
               <a:rPr lang="en" sz="2000" dirty="0">
@@ -9411,7 +9562,7 @@
         </p:nvSpPr>
         <p:spPr>
           <a:xfrm>
-            <a:off x="838200" y="271342"/>
+            <a:off x="791900" y="86147"/>
             <a:ext cx="10515600" cy="842352"/>
           </a:xfrm>
         </p:spPr>
@@ -9446,8 +9597,8 @@
         </p:nvSpPr>
         <p:spPr>
           <a:xfrm>
-            <a:off x="597877" y="1207478"/>
-            <a:ext cx="10755923" cy="5379180"/>
+            <a:off x="597877" y="879678"/>
+            <a:ext cx="11173576" cy="5845878"/>
           </a:xfrm>
         </p:spPr>
         <p:txBody>
@@ -9462,16 +9613,44 @@
               </a:lnSpc>
             </a:pPr>
             <a:r>
-              <a:rPr lang="ru-RU" sz="1800" dirty="0"/>
+              <a:rPr lang="ru-RU" sz="1950" dirty="0"/>
               <a:t>События </a:t>
             </a:r>
             <a:r>
-              <a:rPr lang="en" sz="1800" dirty="0"/>
-              <a:t>WARNING, ERROR, CRITICAL </a:t>
-            </a:r>
-            <a:r>
-              <a:rPr lang="ru-RU" sz="1800" dirty="0"/>
-              <a:t>логируются ровно в том месте, где они происходят, здесь всё просто.</a:t>
+              <a:rPr lang="en" sz="1950" b="1" dirty="0"/>
+              <a:t>WARNING</a:t>
+            </a:r>
+            <a:r>
+              <a:rPr lang="en" sz="1950" dirty="0"/>
+              <a:t>, </a:t>
+            </a:r>
+            <a:r>
+              <a:rPr lang="en" sz="1950" b="1" dirty="0"/>
+              <a:t>ERROR</a:t>
+            </a:r>
+            <a:r>
+              <a:rPr lang="en" sz="1950" dirty="0"/>
+              <a:t>, </a:t>
+            </a:r>
+            <a:r>
+              <a:rPr lang="en" sz="1950" b="1" dirty="0"/>
+              <a:t>CRITICAL</a:t>
+            </a:r>
+            <a:r>
+              <a:rPr lang="en" sz="1950" dirty="0"/>
+              <a:t> </a:t>
+            </a:r>
+            <a:r>
+              <a:rPr lang="ru-RU" sz="1950" dirty="0"/>
+              <a:t>логируются ровно </a:t>
+            </a:r>
+            <a:r>
+              <a:rPr lang="ru-RU" sz="1950" b="1" dirty="0"/>
+              <a:t>в том месте, где они происходят</a:t>
+            </a:r>
+            <a:r>
+              <a:rPr lang="ru-RU" sz="1950" dirty="0"/>
+              <a:t>.</a:t>
             </a:r>
           </a:p>
           <a:p>
@@ -9481,83 +9660,91 @@
               </a:lnSpc>
             </a:pPr>
             <a:r>
-              <a:rPr lang="ru-RU" sz="1800" dirty="0"/>
+              <a:rPr lang="ru-RU" sz="1950" dirty="0"/>
               <a:t>Размещение событий </a:t>
             </a:r>
             <a:r>
-              <a:rPr lang="en" sz="1800" dirty="0"/>
-              <a:t>DEBUG </a:t>
-            </a:r>
-            <a:r>
-              <a:rPr lang="ru-RU" sz="1800" dirty="0"/>
+              <a:rPr lang="en" sz="1950" b="1" dirty="0"/>
+              <a:t>DEBUG</a:t>
+            </a:r>
+            <a:r>
+              <a:rPr lang="en" sz="1950" dirty="0"/>
+              <a:t> </a:t>
+            </a:r>
+            <a:r>
+              <a:rPr lang="ru-RU" sz="1950" dirty="0"/>
               <a:t>и </a:t>
             </a:r>
             <a:r>
-              <a:rPr lang="en" sz="1800" dirty="0"/>
-              <a:t>INFO </a:t>
-            </a:r>
-            <a:r>
-              <a:rPr lang="ru-RU" sz="1800" dirty="0"/>
+              <a:rPr lang="en" sz="1950" b="1" dirty="0"/>
+              <a:t>INFO</a:t>
+            </a:r>
+            <a:r>
+              <a:rPr lang="en" sz="1950" dirty="0"/>
+              <a:t> </a:t>
+            </a:r>
+            <a:r>
+              <a:rPr lang="ru-RU" sz="1950" dirty="0"/>
               <a:t>определяет разработчик.</a:t>
             </a:r>
             <a:br>
-              <a:rPr lang="ru-RU" sz="1800" dirty="0"/>
+              <a:rPr lang="ru-RU" sz="1950" dirty="0"/>
             </a:br>
             <a:r>
-              <a:rPr lang="ru-RU" sz="1800" dirty="0"/>
+              <a:rPr lang="ru-RU" sz="1950" dirty="0"/>
               <a:t>Скорее всего нет никакого смысла сопровождать записью в лог каждую операцию в коде. Основные точки интереса — это:</a:t>
             </a:r>
             <a:br>
-              <a:rPr lang="ru-RU" sz="1800" dirty="0"/>
+              <a:rPr lang="ru-RU" sz="1950" dirty="0"/>
             </a:br>
             <a:r>
-              <a:rPr lang="en-US" sz="1800" dirty="0"/>
+              <a:rPr lang="en-US" sz="1950" dirty="0"/>
               <a:t>✓</a:t>
             </a:r>
             <a:r>
-              <a:rPr lang="ru-RU" sz="1800" dirty="0"/>
+              <a:rPr lang="ru-RU" sz="1950" dirty="0"/>
               <a:t> </a:t>
             </a:r>
             <a:r>
-              <a:rPr lang="ru-RU" sz="1800" u="sng" dirty="0"/>
+              <a:rPr lang="ru-RU" sz="1950" u="sng" dirty="0"/>
               <a:t>точки принятия решений</a:t>
             </a:r>
             <a:r>
-              <a:rPr lang="ru-RU" sz="1800" dirty="0"/>
+              <a:rPr lang="ru-RU" sz="1950" dirty="0"/>
               <a:t>, в которых поведение программы может измениться (обычно это условные операторы);</a:t>
             </a:r>
             <a:br>
-              <a:rPr lang="ru-RU" sz="1800" dirty="0"/>
+              <a:rPr lang="ru-RU" sz="1950" dirty="0"/>
             </a:br>
             <a:r>
-              <a:rPr lang="en-US" sz="1800" dirty="0"/>
+              <a:rPr lang="en-US" sz="1950" dirty="0"/>
               <a:t>✓</a:t>
             </a:r>
             <a:r>
-              <a:rPr lang="ru-RU" sz="1800" dirty="0"/>
+              <a:rPr lang="ru-RU" sz="1950" dirty="0"/>
               <a:t> </a:t>
             </a:r>
             <a:r>
-              <a:rPr lang="ru-RU" sz="1800" u="sng" dirty="0"/>
+              <a:rPr lang="ru-RU" sz="1950" u="sng" dirty="0"/>
               <a:t>результаты</a:t>
             </a:r>
             <a:r>
-              <a:rPr lang="ru-RU" sz="1800" dirty="0"/>
+              <a:rPr lang="ru-RU" sz="1950" dirty="0"/>
               <a:t> выполнения какого-то логически сгруппированного </a:t>
             </a:r>
             <a:r>
-              <a:rPr lang="ru-RU" sz="1800" u="sng" dirty="0"/>
+              <a:rPr lang="ru-RU" sz="1950" u="sng" dirty="0"/>
               <a:t>блока инструкций</a:t>
             </a:r>
             <a:r>
-              <a:rPr lang="ru-RU" sz="1800" dirty="0"/>
+              <a:rPr lang="ru-RU" sz="1950" dirty="0"/>
               <a:t>.</a:t>
             </a:r>
             <a:br>
-              <a:rPr lang="ru-RU" sz="1800" dirty="0"/>
+              <a:rPr lang="ru-RU" sz="1950" dirty="0"/>
             </a:br>
             <a:r>
-              <a:rPr lang="ru-RU" sz="1800" dirty="0"/>
+              <a:rPr lang="ru-RU" sz="1950" dirty="0"/>
               <a:t>Если залогировать нужные параметры в этих точках, как правило, этого будет достаточно, чтобы понять по логу, как вела себя программа.</a:t>
             </a:r>
           </a:p>
@@ -9568,47 +9755,47 @@
               </a:lnSpc>
             </a:pPr>
             <a:r>
-              <a:rPr lang="ru-RU" sz="1800" dirty="0"/>
+              <a:rPr lang="ru-RU" sz="1950" dirty="0"/>
               <a:t>Для </a:t>
             </a:r>
             <a:r>
-              <a:rPr lang="ru-RU" sz="1800" b="1" dirty="0"/>
+              <a:rPr lang="ru-RU" sz="1950" b="1" dirty="0"/>
               <a:t>тяжёлых операций </a:t>
             </a:r>
             <a:r>
-              <a:rPr lang="ru-RU" sz="1800" dirty="0"/>
+              <a:rPr lang="ru-RU" sz="1950" dirty="0"/>
               <a:t>(например, сетевых запросов) может быть полезно логировать </a:t>
             </a:r>
             <a:r>
-              <a:rPr lang="ru-RU" sz="1800" b="1" dirty="0"/>
+              <a:rPr lang="ru-RU" sz="1950" b="1" dirty="0"/>
               <a:t>до</a:t>
             </a:r>
             <a:r>
-              <a:rPr lang="ru-RU" sz="1800" dirty="0"/>
+              <a:rPr lang="ru-RU" sz="1950" dirty="0"/>
               <a:t> и </a:t>
             </a:r>
             <a:r>
-              <a:rPr lang="ru-RU" sz="1800" b="1" dirty="0"/>
+              <a:rPr lang="ru-RU" sz="1950" b="1" dirty="0"/>
               <a:t>после</a:t>
             </a:r>
             <a:r>
-              <a:rPr lang="ru-RU" sz="1800" dirty="0"/>
+              <a:rPr lang="ru-RU" sz="1950" dirty="0"/>
               <a:t> операции. Это поможет </a:t>
             </a:r>
             <a:r>
-              <a:rPr lang="ru-RU" sz="1800" b="1" dirty="0"/>
+              <a:rPr lang="ru-RU" sz="1950" b="1" dirty="0"/>
               <a:t>отследить обрывы и зависания</a:t>
             </a:r>
             <a:r>
-              <a:rPr lang="ru-RU" sz="1800" dirty="0"/>
+              <a:rPr lang="ru-RU" sz="1950" dirty="0"/>
               <a:t> программы (если в логе есть только первая запись), или </a:t>
             </a:r>
             <a:r>
-              <a:rPr lang="ru-RU" sz="1800" b="1" dirty="0"/>
+              <a:rPr lang="ru-RU" sz="1950" b="1" dirty="0"/>
               <a:t>обнаружить проблемы со скоростью</a:t>
             </a:r>
             <a:r>
-              <a:rPr lang="ru-RU" sz="1800" dirty="0"/>
+              <a:rPr lang="ru-RU" sz="1950" dirty="0"/>
               <a:t> выполнения запросов (по разнице между временем первой и второй записи).</a:t>
             </a:r>
           </a:p>
@@ -9619,51 +9806,51 @@
               </a:lnSpc>
             </a:pPr>
             <a:r>
-              <a:rPr lang="ru-RU" sz="1800" dirty="0"/>
+              <a:rPr lang="ru-RU" sz="1950" dirty="0"/>
               <a:t>Для </a:t>
             </a:r>
             <a:r>
-              <a:rPr lang="ru-RU" sz="1800" b="1" dirty="0"/>
+              <a:rPr lang="ru-RU" sz="1950" b="1" dirty="0"/>
               <a:t>цикла с большим количеством итераций</a:t>
             </a:r>
             <a:r>
-              <a:rPr lang="ru-RU" sz="1800" dirty="0"/>
+              <a:rPr lang="ru-RU" sz="1950" dirty="0"/>
               <a:t> </a:t>
             </a:r>
             <a:r>
-              <a:rPr lang="en-US" sz="1800" dirty="0"/>
+              <a:rPr lang="en-US" sz="1950" dirty="0"/>
               <a:t>— </a:t>
             </a:r>
             <a:r>
-              <a:rPr lang="ru-RU" sz="1800" dirty="0"/>
+              <a:rPr lang="ru-RU" sz="1950" dirty="0"/>
               <a:t>проявлять осторожность. Далеко не всегда нужно логировать внутри каждой итерации, может быть </a:t>
             </a:r>
             <a:r>
-              <a:rPr lang="ru-RU" sz="1800" b="1" dirty="0"/>
+              <a:rPr lang="ru-RU" sz="1950" b="1" dirty="0"/>
               <a:t>достаточно общего вывода </a:t>
             </a:r>
             <a:r>
-              <a:rPr lang="ru-RU" sz="1800" dirty="0"/>
+              <a:rPr lang="ru-RU" sz="1950" dirty="0"/>
               <a:t>с </a:t>
             </a:r>
             <a:r>
-              <a:rPr lang="ru-RU" sz="1800" b="1" dirty="0"/>
+              <a:rPr lang="ru-RU" sz="1950" b="1" dirty="0"/>
               <a:t>количеством</a:t>
             </a:r>
             <a:r>
-              <a:rPr lang="ru-RU" sz="1800" dirty="0"/>
+              <a:rPr lang="ru-RU" sz="1950" dirty="0"/>
               <a:t> обработанных записей и </a:t>
             </a:r>
             <a:r>
-              <a:rPr lang="ru-RU" sz="1800" b="1" dirty="0"/>
+              <a:rPr lang="ru-RU" sz="1950" b="1" dirty="0"/>
               <a:t>результатом</a:t>
             </a:r>
             <a:r>
-              <a:rPr lang="ru-RU" sz="1800" dirty="0"/>
+              <a:rPr lang="ru-RU" sz="1950" dirty="0"/>
               <a:t> после завершения цикла. Если всё же требуется логировать каждую итерацию — как минимум нужно понимать, как будет выглядеть лог и какого размера будет лог-файл</a:t>
             </a:r>
             <a:r>
-              <a:rPr lang="ru-RU" sz="1800" b="0" i="0" dirty="0">
+              <a:rPr lang="ru-RU" sz="1950" b="0" i="0" dirty="0">
                 <a:effectLst/>
                 <a:latin typeface="Lato" panose="020F0502020204030203" pitchFamily="34" charset="0"/>
               </a:rPr>
@@ -10547,7 +10734,7 @@
         <p:spPr>
           <a:xfrm>
             <a:off x="838200" y="1004279"/>
-            <a:ext cx="10515600" cy="5625512"/>
+            <a:ext cx="10748058" cy="5625512"/>
           </a:xfrm>
         </p:spPr>
         <p:txBody>
@@ -10607,7 +10794,7 @@
             </a:r>
             <a:r>
               <a:rPr lang="ru-RU" dirty="0"/>
-              <a:t>Нужно, чтобы файл не разрастался бесконечно, но всегда были доступны логи за последние 24 часа. Первое, что приходит на ум — очищать файл раз в сутки. Но тогда логи за 24 часа у нас будут только перед самой очисткой, а сразу после неё — за 0 часов. Поэтому делают иначе — </a:t>
+              <a:t>Нужно, чтобы файл не разрастался бесконечно, но всегда были доступны логи за последние 24 часа. Можно очищать файл раз в сутки. Но тогда логи за 24 часа у нас будут только перед самой очисткой, а сразу после неё — за 0 часов. Поэтому делают иначе — </a:t>
             </a:r>
             <a:r>
               <a:rPr lang="ru-RU" b="1" dirty="0"/>
@@ -10802,7 +10989,7 @@
             </a:r>
             <a:r>
               <a:rPr lang="ru-RU" dirty="0"/>
-              <a:t>, самая популярная из которых —</a:t>
+              <a:t>, самая популярная из которых — </a:t>
             </a:r>
             <a:r>
               <a:rPr lang="en" dirty="0"/>
@@ -10895,12 +11082,14 @@
         </p:nvSpPr>
         <p:spPr>
           <a:xfrm>
-            <a:off x="838200" y="202565"/>
-            <a:ext cx="10826578" cy="771697"/>
+            <a:off x="618279" y="109759"/>
+            <a:ext cx="10826578" cy="642596"/>
           </a:xfrm>
         </p:spPr>
         <p:txBody>
-          <a:bodyPr/>
+          <a:bodyPr>
+            <a:normAutofit fontScale="90000"/>
+          </a:bodyPr>
           <a:lstStyle/>
           <a:p>
             <a:r>
@@ -10928,171 +11117,176 @@
         </p:nvSpPr>
         <p:spPr>
           <a:xfrm>
-            <a:off x="838200" y="1031926"/>
-            <a:ext cx="10515600" cy="5623509"/>
+            <a:off x="618279" y="916179"/>
+            <a:ext cx="11164747" cy="5826074"/>
           </a:xfrm>
         </p:spPr>
         <p:txBody>
           <a:bodyPr>
-            <a:normAutofit fontScale="62500" lnSpcReduction="20000"/>
+            <a:noAutofit/>
           </a:bodyPr>
           <a:lstStyle/>
           <a:p>
             <a:pPr marL="0" indent="0" algn="l">
               <a:lnSpc>
-                <a:spcPct val="120000"/>
+                <a:spcPct val="100000"/>
               </a:lnSpc>
               <a:buNone/>
             </a:pPr>
             <a:r>
-              <a:rPr lang="ru-RU" b="1" dirty="0"/>
+              <a:rPr lang="ru-RU" sz="1900" b="1" dirty="0"/>
               <a:t>Логирование</a:t>
             </a:r>
             <a:r>
-              <a:rPr lang="ru-RU" dirty="0"/>
+              <a:rPr lang="ru-RU" sz="1900" dirty="0"/>
               <a:t> — это </a:t>
             </a:r>
             <a:r>
-              <a:rPr lang="ru-RU" u="sng" dirty="0"/>
+              <a:rPr lang="ru-RU" sz="1900" u="sng" dirty="0"/>
               <a:t>фиксация информации о событиях</a:t>
             </a:r>
             <a:r>
-              <a:rPr lang="ru-RU" dirty="0"/>
+              <a:rPr lang="ru-RU" sz="1900" dirty="0"/>
               <a:t>, происходящих в программной системе, и контексте, в котором эти события происходят, в некий журнал событий (</a:t>
             </a:r>
             <a:r>
-              <a:rPr lang="ru-RU" b="1" dirty="0"/>
+              <a:rPr lang="ru-RU" sz="1900" b="1" dirty="0"/>
               <a:t>лог</a:t>
             </a:r>
             <a:r>
-              <a:rPr lang="ru-RU" dirty="0"/>
+              <a:rPr lang="ru-RU" sz="1900" dirty="0"/>
               <a:t>).</a:t>
             </a:r>
           </a:p>
           <a:p>
             <a:pPr marL="0" indent="0" algn="l">
               <a:lnSpc>
-                <a:spcPct val="120000"/>
+                <a:spcPct val="100000"/>
               </a:lnSpc>
               <a:buNone/>
             </a:pPr>
             <a:r>
-              <a:rPr lang="ru-RU" dirty="0"/>
+              <a:rPr lang="ru-RU" sz="1900" dirty="0"/>
               <a:t>Разработчики в первую очередь используют логирование для </a:t>
             </a:r>
             <a:r>
-              <a:rPr lang="ru-RU" b="1" dirty="0"/>
+              <a:rPr lang="ru-RU" sz="1900" b="1" dirty="0"/>
               <a:t>отладки</a:t>
             </a:r>
             <a:r>
-              <a:rPr lang="ru-RU" dirty="0"/>
+              <a:rPr lang="ru-RU" sz="1900" dirty="0"/>
               <a:t> в процессе разработки и для поиска и устранения проблем и ошибок в работе ПО.</a:t>
             </a:r>
           </a:p>
           <a:p>
             <a:pPr marL="0" indent="0" algn="l">
               <a:lnSpc>
-                <a:spcPct val="120000"/>
+                <a:spcPct val="100000"/>
               </a:lnSpc>
               <a:buNone/>
             </a:pPr>
             <a:r>
-              <a:rPr lang="ru-RU" dirty="0"/>
+              <a:rPr lang="ru-RU" sz="1900" dirty="0"/>
               <a:t>Но логирование может быть полезно и для других целей:</a:t>
             </a:r>
           </a:p>
           <a:p>
             <a:pPr algn="l">
               <a:lnSpc>
-                <a:spcPct val="120000"/>
+                <a:spcPct val="100000"/>
               </a:lnSpc>
               <a:buFont typeface="+mj-lt"/>
               <a:buAutoNum type="arabicPeriod"/>
             </a:pPr>
             <a:r>
-              <a:rPr lang="ru-RU" b="1" dirty="0"/>
+              <a:rPr lang="ru-RU" sz="1900" b="1" dirty="0"/>
               <a:t>Профилирование</a:t>
             </a:r>
             <a:r>
-              <a:rPr lang="ru-RU" dirty="0"/>
+              <a:rPr lang="ru-RU" sz="1900" dirty="0"/>
               <a:t>. По меткам времени в логах можно измерить время между разными событиями, т.е. время выполнения какой-то части программы.</a:t>
             </a:r>
           </a:p>
           <a:p>
             <a:pPr algn="l">
               <a:lnSpc>
-                <a:spcPct val="120000"/>
+                <a:spcPct val="100000"/>
               </a:lnSpc>
               <a:buFont typeface="+mj-lt"/>
               <a:buAutoNum type="arabicPeriod"/>
             </a:pPr>
             <a:r>
-              <a:rPr lang="ru-RU" b="1" dirty="0"/>
+              <a:rPr lang="ru-RU" sz="1900" b="1" dirty="0"/>
               <a:t>Безопасность</a:t>
             </a:r>
             <a:r>
-              <a:rPr lang="ru-RU" dirty="0"/>
+              <a:rPr lang="ru-RU" sz="1900" dirty="0"/>
               <a:t>. Записанные события авторизации пользователей, выполнения определённых операций, доступа к какой-то информации можно использовать для отслеживания, предотвращения и расследования инцидентов безопасности.</a:t>
             </a:r>
           </a:p>
           <a:p>
             <a:pPr algn="l">
               <a:lnSpc>
-                <a:spcPct val="120000"/>
+                <a:spcPct val="100000"/>
               </a:lnSpc>
               <a:buFont typeface="+mj-lt"/>
               <a:buAutoNum type="arabicPeriod"/>
             </a:pPr>
             <a:r>
-              <a:rPr lang="ru-RU" b="1" dirty="0"/>
+              <a:rPr lang="ru-RU" sz="1900" b="1" dirty="0"/>
               <a:t>Аудирование</a:t>
             </a:r>
             <a:r>
-              <a:rPr lang="ru-RU" dirty="0"/>
+              <a:rPr lang="ru-RU" sz="1900" dirty="0"/>
               <a:t>. Из логов можно получать информацию о важных для бизнеса вещах, например, кто последний редактировал текст на сайте или сколько финансовых транзакций произошло за день.</a:t>
             </a:r>
           </a:p>
           <a:p>
             <a:pPr algn="l">
               <a:lnSpc>
-                <a:spcPct val="120000"/>
+                <a:spcPct val="100000"/>
               </a:lnSpc>
               <a:buFont typeface="+mj-lt"/>
               <a:buAutoNum type="arabicPeriod"/>
             </a:pPr>
             <a:r>
-              <a:rPr lang="ru-RU" b="1" dirty="0"/>
+              <a:rPr lang="ru-RU" sz="1900" b="1" dirty="0"/>
               <a:t>Статистика</a:t>
             </a:r>
             <a:r>
-              <a:rPr lang="ru-RU" dirty="0"/>
+              <a:rPr lang="ru-RU" sz="1900" dirty="0"/>
               <a:t>. По логам можно подсчитывать статистику как технических (как часто вызывается какая-то функция или сколько происходит обращений к базе данных), так и бизнес-показателей (какие кнопки пользователи нажимают чаще всего или какая доля посетителей сайта доходит до корзины).</a:t>
             </a:r>
           </a:p>
           <a:p>
             <a:pPr algn="l">
               <a:lnSpc>
-                <a:spcPct val="120000"/>
+                <a:spcPct val="100000"/>
               </a:lnSpc>
               <a:buFont typeface="+mj-lt"/>
               <a:buAutoNum type="arabicPeriod"/>
             </a:pPr>
             <a:r>
-              <a:rPr lang="ru-RU" b="1" dirty="0"/>
+              <a:rPr lang="ru-RU" sz="1900" b="1" dirty="0"/>
               <a:t>Отладка.</a:t>
             </a:r>
             <a:r>
-              <a:rPr lang="en-US" dirty="0"/>
+              <a:rPr lang="en-US" sz="1900" dirty="0"/>
               <a:t> </a:t>
             </a:r>
             <a:r>
-              <a:rPr lang="ru-RU" dirty="0"/>
+              <a:rPr lang="ru-RU" sz="1900" dirty="0"/>
               <a:t>Возможность ретроспективно разобраться в том, почему возникла та или иная проблема.</a:t>
             </a:r>
-            <a:endParaRPr lang="ru-RU" b="1" dirty="0"/>
-          </a:p>
-          <a:p>
-            <a:endParaRPr lang="ru-RU" dirty="0"/>
+            <a:endParaRPr lang="ru-RU" sz="1900" b="1" dirty="0"/>
+          </a:p>
+          <a:p>
+            <a:pPr>
+              <a:lnSpc>
+                <a:spcPct val="100000"/>
+              </a:lnSpc>
+            </a:pPr>
+            <a:endParaRPr lang="ru-RU" sz="1900" dirty="0"/>
           </a:p>
         </p:txBody>
       </p:sp>
@@ -11588,7 +11782,23 @@
             </a:pPr>
             <a:r>
               <a:rPr lang="ru-RU" sz="2000" dirty="0"/>
-              <a:t>Кроме того, логи, как текущие, так и отротированные, могут содержать важную информацию, в том числе необходимую для восстановления после критического сбоя или расследования его причин.</a:t>
+              <a:t>Кроме того, логи, как текущие, так и отротированные, </a:t>
+            </a:r>
+            <a:r>
+              <a:rPr lang="ru-RU" sz="2000" b="1" dirty="0"/>
+              <a:t>могут содержать важную информацию</a:t>
+            </a:r>
+            <a:r>
+              <a:rPr lang="ru-RU" sz="2000" dirty="0"/>
+              <a:t>, в том числе необходимую для </a:t>
+            </a:r>
+            <a:r>
+              <a:rPr lang="ru-RU" sz="2000" b="1" dirty="0"/>
+              <a:t>восстановления после критического сбоя</a:t>
+            </a:r>
+            <a:r>
+              <a:rPr lang="ru-RU" sz="2000" dirty="0"/>
+              <a:t> или расследования его причин.</a:t>
             </a:r>
             <a:endParaRPr lang="en-US" sz="2000" dirty="0"/>
           </a:p>
@@ -11601,7 +11811,23 @@
             </a:pPr>
             <a:r>
               <a:rPr lang="ru-RU" sz="2000" dirty="0"/>
-              <a:t>Поэтому логи, как и остальные важные файлы, должны вовремя и надёжно</a:t>
+              <a:t>Поэтому </a:t>
+            </a:r>
+            <a:r>
+              <a:rPr lang="ru-RU" sz="2000" b="1" dirty="0"/>
+              <a:t>логи</a:t>
+            </a:r>
+            <a:r>
+              <a:rPr lang="ru-RU" sz="2000" dirty="0"/>
+              <a:t>, как и остальные </a:t>
+            </a:r>
+            <a:r>
+              <a:rPr lang="ru-RU" sz="2000" b="1" dirty="0"/>
+              <a:t>важные файлы</a:t>
+            </a:r>
+            <a:r>
+              <a:rPr lang="ru-RU" sz="2000" dirty="0"/>
+              <a:t>, должны вовремя и надёжно</a:t>
             </a:r>
             <a:br>
               <a:rPr lang="en-US" sz="2000" dirty="0"/>
@@ -17531,7 +17757,7 @@
             </a:r>
             <a:r>
               <a:rPr lang="ru-RU" sz="2000" dirty="0"/>
-              <a:t>,</a:t>
+              <a:t> (а оттуда потом ещё куда-то),</a:t>
             </a:r>
           </a:p>
           <a:p>
@@ -17574,7 +17800,11 @@
               <a:rPr lang="ru-RU" sz="2000" b="1" dirty="0"/>
               <a:t>мессенджер</a:t>
             </a:r>
-            <a:endParaRPr lang="en-US" sz="2000" b="1" dirty="0"/>
+            <a:r>
+              <a:rPr lang="ru-RU" sz="2000" dirty="0"/>
+              <a:t> (или любую соцсеть)</a:t>
+            </a:r>
+            <a:endParaRPr lang="en-US" sz="2000" dirty="0"/>
           </a:p>
           <a:p>
             <a:pPr>
@@ -18657,6 +18887,160 @@
           <p:cNvPr id="2" name="Заголовок 1">
             <a:extLst>
               <a:ext uri="{FF2B5EF4-FFF2-40B4-BE49-F238E27FC236}">
+                <a16:creationId xmlns:a16="http://schemas.microsoft.com/office/drawing/2014/main" id="{32F63706-8992-2E49-A5F4-58234AF4BD93}"/>
+              </a:ext>
+            </a:extLst>
+          </p:cNvPr>
+          <p:cNvSpPr>
+            <a:spLocks noGrp="1"/>
+          </p:cNvSpPr>
+          <p:nvPr>
+            <p:ph type="title"/>
+          </p:nvPr>
+        </p:nvSpPr>
+        <p:spPr/>
+        <p:txBody>
+          <a:bodyPr>
+            <a:normAutofit/>
+          </a:bodyPr>
+          <a:lstStyle/>
+          <a:p>
+            <a:r>
+              <a:rPr lang="ru-RU" dirty="0"/>
+              <a:t>Настройка журналирования</a:t>
+            </a:r>
+          </a:p>
+        </p:txBody>
+      </p:sp>
+      <p:sp>
+        <p:nvSpPr>
+          <p:cNvPr id="3" name="Объект 2">
+            <a:extLst>
+              <a:ext uri="{FF2B5EF4-FFF2-40B4-BE49-F238E27FC236}">
+                <a16:creationId xmlns:a16="http://schemas.microsoft.com/office/drawing/2014/main" id="{2439254D-1C6D-002A-3D88-CF3549009B7D}"/>
+              </a:ext>
+            </a:extLst>
+          </p:cNvPr>
+          <p:cNvSpPr>
+            <a:spLocks noGrp="1"/>
+          </p:cNvSpPr>
+          <p:nvPr>
+            <p:ph idx="1"/>
+          </p:nvPr>
+        </p:nvSpPr>
+        <p:spPr/>
+        <p:txBody>
+          <a:bodyPr/>
+          <a:lstStyle/>
+          <a:p>
+            <a:pPr marL="0" indent="0" algn="l">
+              <a:buNone/>
+            </a:pPr>
+            <a:r>
+              <a:rPr lang="ru-RU" dirty="0"/>
+              <a:t>Программисты могут настроить логирование тремя способами:</a:t>
+            </a:r>
+          </a:p>
+          <a:p>
+            <a:pPr marL="324000" indent="-324000" algn="l">
+              <a:lnSpc>
+                <a:spcPct val="100000"/>
+              </a:lnSpc>
+              <a:buFont typeface="+mj-lt"/>
+              <a:buAutoNum type="arabicPeriod"/>
+            </a:pPr>
+            <a:r>
+              <a:rPr lang="ru-RU" dirty="0"/>
+              <a:t>Создание логгеров, обработчиков и форматеров с явным использованием кода </a:t>
+            </a:r>
+            <a:r>
+              <a:rPr lang="en" dirty="0"/>
+              <a:t>Python, </a:t>
+            </a:r>
+            <a:r>
+              <a:rPr lang="ru-RU" dirty="0"/>
+              <a:t>который вызывает перечисленные выше методы конфигурации.</a:t>
+            </a:r>
+          </a:p>
+          <a:p>
+            <a:pPr marL="324000" indent="-324000" algn="l">
+              <a:lnSpc>
+                <a:spcPct val="100000"/>
+              </a:lnSpc>
+              <a:buFont typeface="+mj-lt"/>
+              <a:buAutoNum type="arabicPeriod"/>
+            </a:pPr>
+            <a:r>
+              <a:rPr lang="ru-RU" dirty="0"/>
+              <a:t>Создание конфигурационного файла логгера и его чтение с помощью функции </a:t>
+            </a:r>
+            <a:r>
+              <a:rPr lang="en" noProof="1"/>
+              <a:t>fileConfig</a:t>
+            </a:r>
+            <a:r>
+              <a:rPr lang="en" dirty="0"/>
+              <a:t>().</a:t>
+            </a:r>
+          </a:p>
+          <a:p>
+            <a:pPr marL="324000" indent="-324000" algn="l">
+              <a:lnSpc>
+                <a:spcPct val="100000"/>
+              </a:lnSpc>
+              <a:buFont typeface="+mj-lt"/>
+              <a:buAutoNum type="arabicPeriod"/>
+            </a:pPr>
+            <a:r>
+              <a:rPr lang="ru-RU" dirty="0"/>
+              <a:t>Создание словаря информации о конфигурации и передача его функции </a:t>
+            </a:r>
+            <a:r>
+              <a:rPr lang="en" noProof="1"/>
+              <a:t>dictConfig</a:t>
+            </a:r>
+            <a:r>
+              <a:rPr lang="en" dirty="0"/>
+              <a:t>().</a:t>
+            </a:r>
+          </a:p>
+        </p:txBody>
+      </p:sp>
+    </p:spTree>
+    <p:extLst>
+      <p:ext uri="{BB962C8B-B14F-4D97-AF65-F5344CB8AC3E}">
+        <p14:creationId xmlns:p14="http://schemas.microsoft.com/office/powerpoint/2010/main" val="4006770560"/>
+      </p:ext>
+    </p:extLst>
+  </p:cSld>
+  <p:clrMapOvr>
+    <a:masterClrMapping/>
+  </p:clrMapOvr>
+</p:sld>
+</file>
+
+<file path=ppt/slides/slide32.xml><?xml version="1.0" encoding="utf-8"?>
+<p:sld xmlns:a="http://schemas.openxmlformats.org/drawingml/2006/main" xmlns:r="http://schemas.openxmlformats.org/officeDocument/2006/relationships" xmlns:p="http://schemas.openxmlformats.org/presentationml/2006/main">
+  <p:cSld>
+    <p:spTree>
+      <p:nvGrpSpPr>
+        <p:cNvPr id="1" name=""/>
+        <p:cNvGrpSpPr/>
+        <p:nvPr/>
+      </p:nvGrpSpPr>
+      <p:grpSpPr>
+        <a:xfrm>
+          <a:off x="0" y="0"/>
+          <a:ext cx="0" cy="0"/>
+          <a:chOff x="0" y="0"/>
+          <a:chExt cx="0" cy="0"/>
+        </a:xfrm>
+      </p:grpSpPr>
+      <p:sp>
+        <p:nvSpPr>
+          <p:cNvPr id="2" name="Заголовок 1">
+            <a:extLst>
+              <a:ext uri="{FF2B5EF4-FFF2-40B4-BE49-F238E27FC236}">
                 <a16:creationId xmlns:a16="http://schemas.microsoft.com/office/drawing/2014/main" id="{07AEAFAE-80EA-850A-9F01-5086537381E5}"/>
               </a:ext>
             </a:extLst>
@@ -18671,7 +19055,7 @@
         <p:spPr>
           <a:xfrm>
             <a:off x="826325" y="80121"/>
-            <a:ext cx="10515600" cy="842352"/>
+            <a:ext cx="10977748" cy="842352"/>
           </a:xfrm>
         </p:spPr>
         <p:txBody>
@@ -18681,8 +19065,8 @@
           <a:lstStyle/>
           <a:p>
             <a:r>
-              <a:rPr lang="ru-RU" dirty="0"/>
-              <a:t>Пример использования компонентов</a:t>
+              <a:rPr lang="ru-RU" sz="4200" dirty="0"/>
+              <a:t>Пример явного конфигурирования (через код)</a:t>
             </a:r>
           </a:p>
         </p:txBody>
@@ -19974,7 +20358,7 @@
 </p:sld>
 </file>
 
-<file path=ppt/slides/slide32.xml><?xml version="1.0" encoding="utf-8"?>
+<file path=ppt/slides/slide33.xml><?xml version="1.0" encoding="utf-8"?>
 <p:sld xmlns:a="http://schemas.openxmlformats.org/drawingml/2006/main" xmlns:r="http://schemas.openxmlformats.org/officeDocument/2006/relationships" xmlns:p="http://schemas.openxmlformats.org/presentationml/2006/main">
   <p:cSld>
     <p:spTree>
@@ -20021,7 +20405,7 @@
           <a:p>
             <a:r>
               <a:rPr lang="ru-RU" dirty="0"/>
-              <a:t>Конфигурирование</a:t>
+              <a:t>Конфигурирование через конфиг-файл</a:t>
             </a:r>
           </a:p>
         </p:txBody>
@@ -20916,7 +21300,7 @@
 </p:sld>
 </file>
 
-<file path=ppt/slides/slide33.xml><?xml version="1.0" encoding="utf-8"?>
+<file path=ppt/slides/slide34.xml><?xml version="1.0" encoding="utf-8"?>
 <p:sld xmlns:a="http://schemas.openxmlformats.org/drawingml/2006/main" xmlns:r="http://schemas.openxmlformats.org/officeDocument/2006/relationships" xmlns:p="http://schemas.openxmlformats.org/presentationml/2006/main">
   <p:cSld>
     <p:spTree>
@@ -21364,7 +21748,7 @@
 </p:sld>
 </file>
 
-<file path=ppt/slides/slide34.xml><?xml version="1.0" encoding="utf-8"?>
+<file path=ppt/slides/slide35.xml><?xml version="1.0" encoding="utf-8"?>
 <p:sld xmlns:a="http://schemas.openxmlformats.org/drawingml/2006/main" xmlns:r="http://schemas.openxmlformats.org/officeDocument/2006/relationships" xmlns:p="http://schemas.openxmlformats.org/presentationml/2006/main">
   <p:cSld>
     <p:spTree>
@@ -22250,7 +22634,7 @@
 </p:sld>
 </file>
 
-<file path=ppt/slides/slide35.xml><?xml version="1.0" encoding="utf-8"?>
+<file path=ppt/slides/slide36.xml><?xml version="1.0" encoding="utf-8"?>
 <p:sld xmlns:a="http://schemas.openxmlformats.org/drawingml/2006/main" xmlns:r="http://schemas.openxmlformats.org/officeDocument/2006/relationships" xmlns:p="http://schemas.openxmlformats.org/presentationml/2006/main">
   <p:cSld>
     <p:spTree>
@@ -23357,7 +23741,7 @@
 </p:sld>
 </file>
 
-<file path=ppt/slides/slide36.xml><?xml version="1.0" encoding="utf-8"?>
+<file path=ppt/slides/slide37.xml><?xml version="1.0" encoding="utf-8"?>
 <p:sld xmlns:a="http://schemas.openxmlformats.org/drawingml/2006/main" xmlns:r="http://schemas.openxmlformats.org/officeDocument/2006/relationships" xmlns:p="http://schemas.openxmlformats.org/presentationml/2006/main">
   <p:cSld>
     <p:spTree>
@@ -25578,7 +25962,7 @@
 </p:sld>
 </file>
 
-<file path=ppt/slides/slide37.xml><?xml version="1.0" encoding="utf-8"?>
+<file path=ppt/slides/slide38.xml><?xml version="1.0" encoding="utf-8"?>
 <p:sld xmlns:a="http://schemas.openxmlformats.org/drawingml/2006/main" xmlns:r="http://schemas.openxmlformats.org/officeDocument/2006/relationships" xmlns:p="http://schemas.openxmlformats.org/presentationml/2006/main">
   <p:cSld>
     <p:spTree>
@@ -26123,7 +26507,7 @@
 </p:sld>
 </file>
 
-<file path=ppt/slides/slide38.xml><?xml version="1.0" encoding="utf-8"?>
+<file path=ppt/slides/slide39.xml><?xml version="1.0" encoding="utf-8"?>
 <p:sld xmlns:a="http://schemas.openxmlformats.org/drawingml/2006/main" xmlns:r="http://schemas.openxmlformats.org/officeDocument/2006/relationships" xmlns:p="http://schemas.openxmlformats.org/presentationml/2006/main">
   <p:cSld>
     <p:spTree>
@@ -26523,513 +26907,6 @@
     <p:extLst>
       <p:ext uri="{BB962C8B-B14F-4D97-AF65-F5344CB8AC3E}">
         <p14:creationId xmlns:p14="http://schemas.microsoft.com/office/powerpoint/2010/main" val="288451940"/>
-      </p:ext>
-    </p:extLst>
-  </p:cSld>
-  <p:clrMapOvr>
-    <a:masterClrMapping/>
-  </p:clrMapOvr>
-</p:sld>
-</file>
-
-<file path=ppt/slides/slide39.xml><?xml version="1.0" encoding="utf-8"?>
-<p:sld xmlns:a="http://schemas.openxmlformats.org/drawingml/2006/main" xmlns:r="http://schemas.openxmlformats.org/officeDocument/2006/relationships" xmlns:p="http://schemas.openxmlformats.org/presentationml/2006/main">
-  <p:cSld>
-    <p:spTree>
-      <p:nvGrpSpPr>
-        <p:cNvPr id="1" name=""/>
-        <p:cNvGrpSpPr/>
-        <p:nvPr/>
-      </p:nvGrpSpPr>
-      <p:grpSpPr>
-        <a:xfrm>
-          <a:off x="0" y="0"/>
-          <a:ext cx="0" cy="0"/>
-          <a:chOff x="0" y="0"/>
-          <a:chExt cx="0" cy="0"/>
-        </a:xfrm>
-      </p:grpSpPr>
-      <p:sp>
-        <p:nvSpPr>
-          <p:cNvPr id="2" name="Заголовок 1">
-            <a:extLst>
-              <a:ext uri="{FF2B5EF4-FFF2-40B4-BE49-F238E27FC236}">
-                <a16:creationId xmlns:a16="http://schemas.microsoft.com/office/drawing/2014/main" id="{F55FA0A5-8C43-C29F-F6FC-527E23FDC33A}"/>
-              </a:ext>
-            </a:extLst>
-          </p:cNvPr>
-          <p:cNvSpPr>
-            <a:spLocks noGrp="1"/>
-          </p:cNvSpPr>
-          <p:nvPr>
-            <p:ph type="title"/>
-          </p:nvPr>
-        </p:nvSpPr>
-        <p:spPr>
-          <a:xfrm>
-            <a:off x="736600" y="-3174"/>
-            <a:ext cx="10515600" cy="842352"/>
-          </a:xfrm>
-        </p:spPr>
-        <p:txBody>
-          <a:bodyPr/>
-          <a:lstStyle/>
-          <a:p>
-            <a:r>
-              <a:rPr lang="en-US" dirty="0"/>
-              <a:t>«</a:t>
-            </a:r>
-            <a:r>
-              <a:rPr lang="ru-RU" dirty="0"/>
-              <a:t>Авторский рецепт</a:t>
-            </a:r>
-            <a:r>
-              <a:rPr lang="en-US" dirty="0"/>
-              <a:t>» </a:t>
-            </a:r>
-            <a:r>
-              <a:rPr lang="ru-RU" dirty="0"/>
-              <a:t>логов</a:t>
-            </a:r>
-            <a:r>
-              <a:rPr lang="en-US" dirty="0"/>
-              <a:t> </a:t>
-            </a:r>
-            <a:r>
-              <a:rPr lang="ru-RU" dirty="0"/>
-              <a:t>для аудита</a:t>
-            </a:r>
-          </a:p>
-        </p:txBody>
-      </p:sp>
-      <p:sp>
-        <p:nvSpPr>
-          <p:cNvPr id="3" name="Объект 2">
-            <a:extLst>
-              <a:ext uri="{FF2B5EF4-FFF2-40B4-BE49-F238E27FC236}">
-                <a16:creationId xmlns:a16="http://schemas.microsoft.com/office/drawing/2014/main" id="{93963137-C58B-B799-552B-E4AB1DF99638}"/>
-              </a:ext>
-            </a:extLst>
-          </p:cNvPr>
-          <p:cNvSpPr>
-            <a:spLocks noGrp="1"/>
-          </p:cNvSpPr>
-          <p:nvPr>
-            <p:ph idx="1"/>
-          </p:nvPr>
-        </p:nvSpPr>
-        <p:spPr>
-          <a:xfrm>
-            <a:off x="736600" y="784093"/>
-            <a:ext cx="10820400" cy="6018822"/>
-          </a:xfrm>
-        </p:spPr>
-        <p:txBody>
-          <a:bodyPr>
-            <a:noAutofit/>
-          </a:bodyPr>
-          <a:lstStyle/>
-          <a:p>
-            <a:pPr marL="0" indent="0">
-              <a:lnSpc>
-                <a:spcPct val="100000"/>
-              </a:lnSpc>
-              <a:buNone/>
-            </a:pPr>
-            <a:r>
-              <a:rPr lang="ru-RU" sz="2000" dirty="0"/>
-              <a:t>Файл (с разделителями) / таблица в БД с чётким набором полей:</a:t>
-            </a:r>
-          </a:p>
-          <a:p>
-            <a:pPr>
-              <a:lnSpc>
-                <a:spcPct val="100000"/>
-              </a:lnSpc>
-              <a:spcBef>
-                <a:spcPts val="500"/>
-              </a:spcBef>
-            </a:pPr>
-            <a:r>
-              <a:rPr lang="ru-RU" sz="2000" b="1" dirty="0"/>
-              <a:t>Обязательные поля</a:t>
-            </a:r>
-            <a:r>
-              <a:rPr lang="ru-RU" sz="2000" dirty="0"/>
-              <a:t>:</a:t>
-            </a:r>
-          </a:p>
-          <a:p>
-            <a:pPr marL="914400" lvl="1" indent="-457200">
-              <a:lnSpc>
-                <a:spcPct val="100000"/>
-              </a:lnSpc>
-              <a:spcBef>
-                <a:spcPts val="0"/>
-              </a:spcBef>
-              <a:buFont typeface="+mj-lt"/>
-              <a:buAutoNum type="arabicPeriod"/>
-            </a:pPr>
-            <a:r>
-              <a:rPr lang="en-US" sz="1800" b="1" dirty="0"/>
-              <a:t>datetime</a:t>
-            </a:r>
-          </a:p>
-          <a:p>
-            <a:pPr marL="914400" lvl="1" indent="-457200">
-              <a:lnSpc>
-                <a:spcPct val="100000"/>
-              </a:lnSpc>
-              <a:spcBef>
-                <a:spcPts val="0"/>
-              </a:spcBef>
-              <a:buFont typeface="+mj-lt"/>
-              <a:buAutoNum type="arabicPeriod"/>
-            </a:pPr>
-            <a:r>
-              <a:rPr lang="ru-RU" sz="1800" b="1" dirty="0"/>
-              <a:t>код события</a:t>
-            </a:r>
-            <a:r>
-              <a:rPr lang="ru-RU" sz="1800" dirty="0"/>
-              <a:t> в формате английской строки </a:t>
-            </a:r>
-            <a:r>
-              <a:rPr lang="en-US" sz="1800" dirty="0"/>
-              <a:t>uppercase: USER_ADDED, DOMAIN_DELETED, MAIL_SENT, PASSWORD_RECOVERY_REQUEST, SMS_SEND_ERROR </a:t>
-            </a:r>
-            <a:r>
-              <a:rPr lang="ru-RU" sz="1800" dirty="0"/>
-              <a:t>и т.п.</a:t>
-            </a:r>
-            <a:endParaRPr lang="en-US" sz="1800" dirty="0"/>
-          </a:p>
-          <a:p>
-            <a:pPr marL="914400" lvl="1" indent="-457200">
-              <a:lnSpc>
-                <a:spcPct val="100000"/>
-              </a:lnSpc>
-              <a:spcBef>
-                <a:spcPts val="0"/>
-              </a:spcBef>
-              <a:buFont typeface="+mj-lt"/>
-              <a:buAutoNum type="arabicPeriod"/>
-            </a:pPr>
-            <a:r>
-              <a:rPr lang="en-US" sz="1800" dirty="0"/>
-              <a:t>service / script name</a:t>
-            </a:r>
-          </a:p>
-          <a:p>
-            <a:pPr marL="914400" lvl="1" indent="-457200">
-              <a:lnSpc>
-                <a:spcPct val="100000"/>
-              </a:lnSpc>
-              <a:spcBef>
-                <a:spcPts val="0"/>
-              </a:spcBef>
-              <a:buFont typeface="+mj-lt"/>
-              <a:buAutoNum type="arabicPeriod"/>
-            </a:pPr>
-            <a:r>
-              <a:rPr lang="en-US" sz="1800" dirty="0"/>
-              <a:t>hostname</a:t>
-            </a:r>
-            <a:endParaRPr lang="ru-RU" sz="1800" dirty="0"/>
-          </a:p>
-          <a:p>
-            <a:pPr>
-              <a:lnSpc>
-                <a:spcPct val="100000"/>
-              </a:lnSpc>
-            </a:pPr>
-            <a:r>
-              <a:rPr lang="ru-RU" sz="2000" dirty="0"/>
-              <a:t>Другие обязательные </a:t>
-            </a:r>
-            <a:r>
-              <a:rPr lang="ru-RU" sz="2000" b="1" dirty="0"/>
-              <a:t>поля, общие для проекта / системы</a:t>
-            </a:r>
-            <a:r>
-              <a:rPr lang="ru-RU" sz="2000" dirty="0"/>
-              <a:t>, пример:</a:t>
-            </a:r>
-          </a:p>
-          <a:p>
-            <a:pPr marL="914400" lvl="1" indent="-457200">
-              <a:lnSpc>
-                <a:spcPct val="100000"/>
-              </a:lnSpc>
-              <a:spcBef>
-                <a:spcPts val="0"/>
-              </a:spcBef>
-              <a:buFont typeface="+mj-lt"/>
-              <a:buAutoNum type="arabicPeriod" startAt="5"/>
-            </a:pPr>
-            <a:r>
-              <a:rPr lang="en-US" sz="1800" noProof="1"/>
-              <a:t>user_id / service_id — </a:t>
-            </a:r>
-            <a:r>
-              <a:rPr lang="ru-RU" sz="1800" noProof="1"/>
-              <a:t>значения </a:t>
-            </a:r>
-            <a:r>
-              <a:rPr lang="en-US" sz="1800" noProof="1"/>
-              <a:t>м</a:t>
-            </a:r>
-            <a:r>
-              <a:rPr lang="ru-RU" sz="1800" noProof="1"/>
-              <a:t>огут где-то отсутствовать, где нет этих данных</a:t>
-            </a:r>
-          </a:p>
-          <a:p>
-            <a:pPr>
-              <a:lnSpc>
-                <a:spcPct val="100000"/>
-              </a:lnSpc>
-              <a:spcBef>
-                <a:spcPts val="500"/>
-              </a:spcBef>
-            </a:pPr>
-            <a:r>
-              <a:rPr lang="en-US" sz="2000" noProof="1"/>
-              <a:t>П</a:t>
-            </a:r>
-            <a:r>
-              <a:rPr lang="ru-RU" sz="2000" noProof="1"/>
-              <a:t>оле с сериализованными дополнительными полями / структурами данных, характерными</a:t>
-            </a:r>
-            <a:r>
-              <a:rPr lang="en-US" sz="2000" noProof="1"/>
-              <a:t> д</a:t>
-            </a:r>
-            <a:r>
-              <a:rPr lang="ru-RU" sz="2000" noProof="1"/>
-              <a:t>ля конкретного кода события</a:t>
-            </a:r>
-            <a:r>
-              <a:rPr lang="en-US" sz="2000" noProof="1"/>
-              <a:t>:</a:t>
-            </a:r>
-            <a:endParaRPr lang="ru-RU" sz="2000" noProof="1"/>
-          </a:p>
-          <a:p>
-            <a:pPr marL="914400" lvl="1" indent="-457200">
-              <a:lnSpc>
-                <a:spcPct val="100000"/>
-              </a:lnSpc>
-              <a:spcBef>
-                <a:spcPts val="0"/>
-              </a:spcBef>
-              <a:buFont typeface="+mj-lt"/>
-              <a:buAutoNum type="arabicPeriod" startAt="6"/>
-            </a:pPr>
-            <a:r>
-              <a:rPr lang="en-US" sz="1800" b="1" noProof="1"/>
-              <a:t>DATA</a:t>
-            </a:r>
-            <a:endParaRPr lang="en-US" sz="2000" noProof="1"/>
-          </a:p>
-          <a:p>
-            <a:pPr marL="0" indent="0">
-              <a:spcBef>
-                <a:spcPts val="700"/>
-              </a:spcBef>
-              <a:buNone/>
-            </a:pPr>
-            <a:r>
-              <a:rPr lang="ru-RU" sz="1800" noProof="1">
-                <a:solidFill>
-                  <a:schemeClr val="accent6">
-                    <a:lumMod val="50000"/>
-                  </a:schemeClr>
-                </a:solidFill>
-                <a:latin typeface="Consolas" panose="020B0609020204030204" pitchFamily="49" charset="0"/>
-                <a:cs typeface="Consolas" panose="020B0609020204030204" pitchFamily="49" charset="0"/>
-              </a:rPr>
-              <a:t>2023-08-27 </a:t>
-            </a:r>
-            <a:r>
-              <a:rPr lang="en-US" sz="1800" noProof="1">
-                <a:solidFill>
-                  <a:schemeClr val="accent6">
-                    <a:lumMod val="50000"/>
-                  </a:schemeClr>
-                </a:solidFill>
-                <a:latin typeface="Consolas" panose="020B0609020204030204" pitchFamily="49" charset="0"/>
-                <a:cs typeface="Consolas" panose="020B0609020204030204" pitchFamily="49" charset="0"/>
-              </a:rPr>
-              <a:t>12:12:12|USER_ADDED|mobappbackend|cl23.mycloud.ru|23455|0|</a:t>
-            </a:r>
-            <a:br>
-              <a:rPr lang="en-US" sz="1800" noProof="1">
-                <a:solidFill>
-                  <a:schemeClr val="accent6">
-                    <a:lumMod val="50000"/>
-                  </a:schemeClr>
-                </a:solidFill>
-                <a:latin typeface="Consolas" panose="020B0609020204030204" pitchFamily="49" charset="0"/>
-                <a:cs typeface="Consolas" panose="020B0609020204030204" pitchFamily="49" charset="0"/>
-              </a:rPr>
-            </a:br>
-            <a:r>
-              <a:rPr lang="en-US" sz="1800" noProof="1">
-                <a:solidFill>
-                  <a:schemeClr val="accent6">
-                    <a:lumMod val="50000"/>
-                  </a:schemeClr>
-                </a:solidFill>
-                <a:latin typeface="Consolas" panose="020B0609020204030204" pitchFamily="49" charset="0"/>
-                <a:cs typeface="Consolas" panose="020B0609020204030204" pitchFamily="49" charset="0"/>
-              </a:rPr>
-              <a:t>{"Name":"Ivan Ivanov","email":"ivanoff@gmail.com","regip":"1.2.3.4"}</a:t>
-            </a:r>
-            <a:endParaRPr lang="ru-RU" sz="1800" noProof="1">
-              <a:solidFill>
-                <a:schemeClr val="accent6">
-                  <a:lumMod val="50000"/>
-                </a:schemeClr>
-              </a:solidFill>
-              <a:latin typeface="Consolas" panose="020B0609020204030204" pitchFamily="49" charset="0"/>
-              <a:cs typeface="Consolas" panose="020B0609020204030204" pitchFamily="49" charset="0"/>
-            </a:endParaRPr>
-          </a:p>
-          <a:p>
-            <a:pPr marL="0" indent="0">
-              <a:spcBef>
-                <a:spcPts val="700"/>
-              </a:spcBef>
-              <a:buNone/>
-            </a:pPr>
-            <a:r>
-              <a:rPr lang="ru-RU" sz="1800" noProof="1">
-                <a:solidFill>
-                  <a:schemeClr val="accent6">
-                    <a:lumMod val="50000"/>
-                  </a:schemeClr>
-                </a:solidFill>
-                <a:latin typeface="Consolas" panose="020B0609020204030204" pitchFamily="49" charset="0"/>
-                <a:cs typeface="Consolas" panose="020B0609020204030204" pitchFamily="49" charset="0"/>
-              </a:rPr>
-              <a:t>2023-08-27 </a:t>
-            </a:r>
-            <a:r>
-              <a:rPr lang="en-US" sz="1800" noProof="1">
-                <a:solidFill>
-                  <a:schemeClr val="accent6">
-                    <a:lumMod val="50000"/>
-                  </a:schemeClr>
-                </a:solidFill>
-                <a:latin typeface="Consolas" panose="020B0609020204030204" pitchFamily="49" charset="0"/>
-                <a:cs typeface="Consolas" panose="020B0609020204030204" pitchFamily="49" charset="0"/>
-              </a:rPr>
-              <a:t>12:12:13|MAIL_SENT|userspam.py|cl2.mycloud.ru|11455|249499|</a:t>
-            </a:r>
-            <a:br>
-              <a:rPr lang="en-US" sz="1800" noProof="1">
-                <a:solidFill>
-                  <a:schemeClr val="accent6">
-                    <a:lumMod val="50000"/>
-                  </a:schemeClr>
-                </a:solidFill>
-                <a:latin typeface="Consolas" panose="020B0609020204030204" pitchFamily="49" charset="0"/>
-                <a:cs typeface="Consolas" panose="020B0609020204030204" pitchFamily="49" charset="0"/>
-              </a:rPr>
-            </a:br>
-            <a:r>
-              <a:rPr lang="en-US" sz="1800" noProof="1">
-                <a:solidFill>
-                  <a:schemeClr val="accent6">
-                    <a:lumMod val="50000"/>
-                  </a:schemeClr>
-                </a:solidFill>
-                <a:latin typeface="Consolas" panose="020B0609020204030204" pitchFamily="49" charset="0"/>
-                <a:cs typeface="Consolas" panose="020B0609020204030204" pitchFamily="49" charset="0"/>
-              </a:rPr>
-              <a:t>{"email":"prtrff@gmail.com","title":"</a:t>
-            </a:r>
-            <a:r>
-              <a:rPr lang="ru-RU" sz="1800" noProof="1">
-                <a:solidFill>
-                  <a:schemeClr val="accent6">
-                    <a:lumMod val="50000"/>
-                  </a:schemeClr>
-                </a:solidFill>
-                <a:latin typeface="Consolas" panose="020B0609020204030204" pitchFamily="49" charset="0"/>
-                <a:cs typeface="Consolas" panose="020B0609020204030204" pitchFamily="49" charset="0"/>
-              </a:rPr>
-              <a:t>Продли домен и выигрый автомобиль!</a:t>
-            </a:r>
-            <a:r>
-              <a:rPr lang="en-US" sz="1800" noProof="1">
-                <a:solidFill>
-                  <a:schemeClr val="accent6">
-                    <a:lumMod val="50000"/>
-                  </a:schemeClr>
-                </a:solidFill>
-                <a:latin typeface="Consolas" panose="020B0609020204030204" pitchFamily="49" charset="0"/>
-                <a:cs typeface="Consolas" panose="020B0609020204030204" pitchFamily="49" charset="0"/>
-              </a:rPr>
-              <a:t>"}</a:t>
-            </a:r>
-            <a:endParaRPr lang="ru-RU" sz="1800" noProof="1">
-              <a:solidFill>
-                <a:schemeClr val="accent6">
-                  <a:lumMod val="50000"/>
-                </a:schemeClr>
-              </a:solidFill>
-              <a:latin typeface="Consolas" panose="020B0609020204030204" pitchFamily="49" charset="0"/>
-              <a:cs typeface="Consolas" panose="020B0609020204030204" pitchFamily="49" charset="0"/>
-            </a:endParaRPr>
-          </a:p>
-          <a:p>
-            <a:pPr marL="0" indent="0">
-              <a:lnSpc>
-                <a:spcPct val="100000"/>
-              </a:lnSpc>
-              <a:buNone/>
-            </a:pPr>
-            <a:r>
-              <a:rPr lang="ru-RU" sz="2000" b="1" noProof="1"/>
-              <a:t>Преимущества:</a:t>
-            </a:r>
-          </a:p>
-          <a:p>
-            <a:pPr>
-              <a:lnSpc>
-                <a:spcPct val="100000"/>
-              </a:lnSpc>
-              <a:spcBef>
-                <a:spcPts val="0"/>
-              </a:spcBef>
-            </a:pPr>
-            <a:r>
-              <a:rPr lang="ru-RU" sz="2000" noProof="1"/>
-              <a:t>очень легко искать / фильтровать события по ключевым полям.</a:t>
-            </a:r>
-          </a:p>
-          <a:p>
-            <a:pPr>
-              <a:lnSpc>
-                <a:spcPct val="100000"/>
-              </a:lnSpc>
-              <a:spcBef>
-                <a:spcPts val="0"/>
-              </a:spcBef>
-            </a:pPr>
-            <a:r>
-              <a:rPr lang="ru-RU" sz="2000" noProof="1"/>
-              <a:t>легко автоматизировать обработку логов, в т.ч. подтягивать данные для техподдержки и т.п.</a:t>
-            </a:r>
-          </a:p>
-        </p:txBody>
-      </p:sp>
-    </p:spTree>
-    <p:extLst>
-      <p:ext uri="{BB962C8B-B14F-4D97-AF65-F5344CB8AC3E}">
-        <p14:creationId xmlns:p14="http://schemas.microsoft.com/office/powerpoint/2010/main" val="4017431518"/>
       </p:ext>
     </p:extLst>
   </p:cSld>
@@ -27381,6 +27258,513 @@
           <p:cNvPr id="2" name="Заголовок 1">
             <a:extLst>
               <a:ext uri="{FF2B5EF4-FFF2-40B4-BE49-F238E27FC236}">
+                <a16:creationId xmlns:a16="http://schemas.microsoft.com/office/drawing/2014/main" id="{F55FA0A5-8C43-C29F-F6FC-527E23FDC33A}"/>
+              </a:ext>
+            </a:extLst>
+          </p:cNvPr>
+          <p:cNvSpPr>
+            <a:spLocks noGrp="1"/>
+          </p:cNvSpPr>
+          <p:nvPr>
+            <p:ph type="title"/>
+          </p:nvPr>
+        </p:nvSpPr>
+        <p:spPr>
+          <a:xfrm>
+            <a:off x="736600" y="-3174"/>
+            <a:ext cx="10515600" cy="842352"/>
+          </a:xfrm>
+        </p:spPr>
+        <p:txBody>
+          <a:bodyPr/>
+          <a:lstStyle/>
+          <a:p>
+            <a:r>
+              <a:rPr lang="en-US" dirty="0"/>
+              <a:t>«</a:t>
+            </a:r>
+            <a:r>
+              <a:rPr lang="ru-RU" dirty="0"/>
+              <a:t>Авторский рецепт</a:t>
+            </a:r>
+            <a:r>
+              <a:rPr lang="en-US" dirty="0"/>
+              <a:t>» </a:t>
+            </a:r>
+            <a:r>
+              <a:rPr lang="ru-RU" dirty="0"/>
+              <a:t>логов</a:t>
+            </a:r>
+            <a:r>
+              <a:rPr lang="en-US" dirty="0"/>
+              <a:t> </a:t>
+            </a:r>
+            <a:r>
+              <a:rPr lang="ru-RU" dirty="0"/>
+              <a:t>для аудита</a:t>
+            </a:r>
+          </a:p>
+        </p:txBody>
+      </p:sp>
+      <p:sp>
+        <p:nvSpPr>
+          <p:cNvPr id="3" name="Объект 2">
+            <a:extLst>
+              <a:ext uri="{FF2B5EF4-FFF2-40B4-BE49-F238E27FC236}">
+                <a16:creationId xmlns:a16="http://schemas.microsoft.com/office/drawing/2014/main" id="{93963137-C58B-B799-552B-E4AB1DF99638}"/>
+              </a:ext>
+            </a:extLst>
+          </p:cNvPr>
+          <p:cNvSpPr>
+            <a:spLocks noGrp="1"/>
+          </p:cNvSpPr>
+          <p:nvPr>
+            <p:ph idx="1"/>
+          </p:nvPr>
+        </p:nvSpPr>
+        <p:spPr>
+          <a:xfrm>
+            <a:off x="736600" y="784093"/>
+            <a:ext cx="10820400" cy="6018822"/>
+          </a:xfrm>
+        </p:spPr>
+        <p:txBody>
+          <a:bodyPr>
+            <a:noAutofit/>
+          </a:bodyPr>
+          <a:lstStyle/>
+          <a:p>
+            <a:pPr marL="0" indent="0">
+              <a:lnSpc>
+                <a:spcPct val="100000"/>
+              </a:lnSpc>
+              <a:buNone/>
+            </a:pPr>
+            <a:r>
+              <a:rPr lang="ru-RU" sz="2000" dirty="0"/>
+              <a:t>Файл (с разделителями) / таблица в БД с чётким набором полей:</a:t>
+            </a:r>
+          </a:p>
+          <a:p>
+            <a:pPr>
+              <a:lnSpc>
+                <a:spcPct val="100000"/>
+              </a:lnSpc>
+              <a:spcBef>
+                <a:spcPts val="500"/>
+              </a:spcBef>
+            </a:pPr>
+            <a:r>
+              <a:rPr lang="ru-RU" sz="2000" b="1" dirty="0"/>
+              <a:t>Обязательные поля</a:t>
+            </a:r>
+            <a:r>
+              <a:rPr lang="ru-RU" sz="2000" dirty="0"/>
+              <a:t>:</a:t>
+            </a:r>
+          </a:p>
+          <a:p>
+            <a:pPr marL="914400" lvl="1" indent="-457200">
+              <a:lnSpc>
+                <a:spcPct val="100000"/>
+              </a:lnSpc>
+              <a:spcBef>
+                <a:spcPts val="0"/>
+              </a:spcBef>
+              <a:buFont typeface="+mj-lt"/>
+              <a:buAutoNum type="arabicPeriod"/>
+            </a:pPr>
+            <a:r>
+              <a:rPr lang="en-US" sz="1800" b="1" dirty="0"/>
+              <a:t>datetime</a:t>
+            </a:r>
+          </a:p>
+          <a:p>
+            <a:pPr marL="914400" lvl="1" indent="-457200">
+              <a:lnSpc>
+                <a:spcPct val="100000"/>
+              </a:lnSpc>
+              <a:spcBef>
+                <a:spcPts val="0"/>
+              </a:spcBef>
+              <a:buFont typeface="+mj-lt"/>
+              <a:buAutoNum type="arabicPeriod"/>
+            </a:pPr>
+            <a:r>
+              <a:rPr lang="ru-RU" sz="1800" b="1" dirty="0"/>
+              <a:t>код события</a:t>
+            </a:r>
+            <a:r>
+              <a:rPr lang="ru-RU" sz="1800" dirty="0"/>
+              <a:t> в формате английской строки </a:t>
+            </a:r>
+            <a:r>
+              <a:rPr lang="en-US" sz="1800" dirty="0"/>
+              <a:t>uppercase: USER_ADDED, DOMAIN_DELETED, MAIL_SENT, PASSWORD_RECOVERY_REQUEST, SMS_SEND_ERROR </a:t>
+            </a:r>
+            <a:r>
+              <a:rPr lang="ru-RU" sz="1800" dirty="0"/>
+              <a:t>и т.п.</a:t>
+            </a:r>
+            <a:endParaRPr lang="en-US" sz="1800" dirty="0"/>
+          </a:p>
+          <a:p>
+            <a:pPr marL="914400" lvl="1" indent="-457200">
+              <a:lnSpc>
+                <a:spcPct val="100000"/>
+              </a:lnSpc>
+              <a:spcBef>
+                <a:spcPts val="0"/>
+              </a:spcBef>
+              <a:buFont typeface="+mj-lt"/>
+              <a:buAutoNum type="arabicPeriod"/>
+            </a:pPr>
+            <a:r>
+              <a:rPr lang="en-US" sz="1800" dirty="0"/>
+              <a:t>service / script name</a:t>
+            </a:r>
+          </a:p>
+          <a:p>
+            <a:pPr marL="914400" lvl="1" indent="-457200">
+              <a:lnSpc>
+                <a:spcPct val="100000"/>
+              </a:lnSpc>
+              <a:spcBef>
+                <a:spcPts val="0"/>
+              </a:spcBef>
+              <a:buFont typeface="+mj-lt"/>
+              <a:buAutoNum type="arabicPeriod"/>
+            </a:pPr>
+            <a:r>
+              <a:rPr lang="en-US" sz="1800" dirty="0"/>
+              <a:t>hostname</a:t>
+            </a:r>
+            <a:endParaRPr lang="ru-RU" sz="1800" dirty="0"/>
+          </a:p>
+          <a:p>
+            <a:pPr>
+              <a:lnSpc>
+                <a:spcPct val="100000"/>
+              </a:lnSpc>
+            </a:pPr>
+            <a:r>
+              <a:rPr lang="ru-RU" sz="2000" dirty="0"/>
+              <a:t>Другие обязательные </a:t>
+            </a:r>
+            <a:r>
+              <a:rPr lang="ru-RU" sz="2000" b="1" dirty="0"/>
+              <a:t>поля, общие для проекта / системы</a:t>
+            </a:r>
+            <a:r>
+              <a:rPr lang="ru-RU" sz="2000" dirty="0"/>
+              <a:t>, пример:</a:t>
+            </a:r>
+          </a:p>
+          <a:p>
+            <a:pPr marL="914400" lvl="1" indent="-457200">
+              <a:lnSpc>
+                <a:spcPct val="100000"/>
+              </a:lnSpc>
+              <a:spcBef>
+                <a:spcPts val="0"/>
+              </a:spcBef>
+              <a:buFont typeface="+mj-lt"/>
+              <a:buAutoNum type="arabicPeriod" startAt="5"/>
+            </a:pPr>
+            <a:r>
+              <a:rPr lang="en-US" sz="1800" noProof="1"/>
+              <a:t>user_id / service_id — </a:t>
+            </a:r>
+            <a:r>
+              <a:rPr lang="ru-RU" sz="1800" noProof="1"/>
+              <a:t>значения </a:t>
+            </a:r>
+            <a:r>
+              <a:rPr lang="en-US" sz="1800" noProof="1"/>
+              <a:t>м</a:t>
+            </a:r>
+            <a:r>
+              <a:rPr lang="ru-RU" sz="1800" noProof="1"/>
+              <a:t>огут где-то отсутствовать, где нет этих данных</a:t>
+            </a:r>
+          </a:p>
+          <a:p>
+            <a:pPr>
+              <a:lnSpc>
+                <a:spcPct val="100000"/>
+              </a:lnSpc>
+              <a:spcBef>
+                <a:spcPts val="500"/>
+              </a:spcBef>
+            </a:pPr>
+            <a:r>
+              <a:rPr lang="en-US" sz="2000" noProof="1"/>
+              <a:t>П</a:t>
+            </a:r>
+            <a:r>
+              <a:rPr lang="ru-RU" sz="2000" noProof="1"/>
+              <a:t>оле с сериализованными дополнительными полями / структурами данных, характерными</a:t>
+            </a:r>
+            <a:r>
+              <a:rPr lang="en-US" sz="2000" noProof="1"/>
+              <a:t> д</a:t>
+            </a:r>
+            <a:r>
+              <a:rPr lang="ru-RU" sz="2000" noProof="1"/>
+              <a:t>ля конкретного кода события</a:t>
+            </a:r>
+            <a:r>
+              <a:rPr lang="en-US" sz="2000" noProof="1"/>
+              <a:t>:</a:t>
+            </a:r>
+            <a:endParaRPr lang="ru-RU" sz="2000" noProof="1"/>
+          </a:p>
+          <a:p>
+            <a:pPr marL="914400" lvl="1" indent="-457200">
+              <a:lnSpc>
+                <a:spcPct val="100000"/>
+              </a:lnSpc>
+              <a:spcBef>
+                <a:spcPts val="0"/>
+              </a:spcBef>
+              <a:buFont typeface="+mj-lt"/>
+              <a:buAutoNum type="arabicPeriod" startAt="6"/>
+            </a:pPr>
+            <a:r>
+              <a:rPr lang="en-US" sz="1800" b="1" noProof="1"/>
+              <a:t>DATA</a:t>
+            </a:r>
+            <a:endParaRPr lang="en-US" sz="2000" noProof="1"/>
+          </a:p>
+          <a:p>
+            <a:pPr marL="0" indent="0">
+              <a:spcBef>
+                <a:spcPts val="700"/>
+              </a:spcBef>
+              <a:buNone/>
+            </a:pPr>
+            <a:r>
+              <a:rPr lang="ru-RU" sz="1800" noProof="1">
+                <a:solidFill>
+                  <a:schemeClr val="accent6">
+                    <a:lumMod val="50000"/>
+                  </a:schemeClr>
+                </a:solidFill>
+                <a:latin typeface="Consolas" panose="020B0609020204030204" pitchFamily="49" charset="0"/>
+                <a:cs typeface="Consolas" panose="020B0609020204030204" pitchFamily="49" charset="0"/>
+              </a:rPr>
+              <a:t>2023-08-27 </a:t>
+            </a:r>
+            <a:r>
+              <a:rPr lang="en-US" sz="1800" noProof="1">
+                <a:solidFill>
+                  <a:schemeClr val="accent6">
+                    <a:lumMod val="50000"/>
+                  </a:schemeClr>
+                </a:solidFill>
+                <a:latin typeface="Consolas" panose="020B0609020204030204" pitchFamily="49" charset="0"/>
+                <a:cs typeface="Consolas" panose="020B0609020204030204" pitchFamily="49" charset="0"/>
+              </a:rPr>
+              <a:t>12:12:12|USER_ADDED|mobappbackend|cl23.mycloud.ru|23455|0|</a:t>
+            </a:r>
+            <a:br>
+              <a:rPr lang="en-US" sz="1800" noProof="1">
+                <a:solidFill>
+                  <a:schemeClr val="accent6">
+                    <a:lumMod val="50000"/>
+                  </a:schemeClr>
+                </a:solidFill>
+                <a:latin typeface="Consolas" panose="020B0609020204030204" pitchFamily="49" charset="0"/>
+                <a:cs typeface="Consolas" panose="020B0609020204030204" pitchFamily="49" charset="0"/>
+              </a:rPr>
+            </a:br>
+            <a:r>
+              <a:rPr lang="en-US" sz="1800" noProof="1">
+                <a:solidFill>
+                  <a:schemeClr val="accent6">
+                    <a:lumMod val="50000"/>
+                  </a:schemeClr>
+                </a:solidFill>
+                <a:latin typeface="Consolas" panose="020B0609020204030204" pitchFamily="49" charset="0"/>
+                <a:cs typeface="Consolas" panose="020B0609020204030204" pitchFamily="49" charset="0"/>
+              </a:rPr>
+              <a:t>{"Name":"Ivan Ivanov","email":"ivanoff@gmail.com","regip":"1.2.3.4"}</a:t>
+            </a:r>
+            <a:endParaRPr lang="ru-RU" sz="1800" noProof="1">
+              <a:solidFill>
+                <a:schemeClr val="accent6">
+                  <a:lumMod val="50000"/>
+                </a:schemeClr>
+              </a:solidFill>
+              <a:latin typeface="Consolas" panose="020B0609020204030204" pitchFamily="49" charset="0"/>
+              <a:cs typeface="Consolas" panose="020B0609020204030204" pitchFamily="49" charset="0"/>
+            </a:endParaRPr>
+          </a:p>
+          <a:p>
+            <a:pPr marL="0" indent="0">
+              <a:spcBef>
+                <a:spcPts val="700"/>
+              </a:spcBef>
+              <a:buNone/>
+            </a:pPr>
+            <a:r>
+              <a:rPr lang="ru-RU" sz="1800" noProof="1">
+                <a:solidFill>
+                  <a:schemeClr val="accent6">
+                    <a:lumMod val="50000"/>
+                  </a:schemeClr>
+                </a:solidFill>
+                <a:latin typeface="Consolas" panose="020B0609020204030204" pitchFamily="49" charset="0"/>
+                <a:cs typeface="Consolas" panose="020B0609020204030204" pitchFamily="49" charset="0"/>
+              </a:rPr>
+              <a:t>2023-08-27 </a:t>
+            </a:r>
+            <a:r>
+              <a:rPr lang="en-US" sz="1800" noProof="1">
+                <a:solidFill>
+                  <a:schemeClr val="accent6">
+                    <a:lumMod val="50000"/>
+                  </a:schemeClr>
+                </a:solidFill>
+                <a:latin typeface="Consolas" panose="020B0609020204030204" pitchFamily="49" charset="0"/>
+                <a:cs typeface="Consolas" panose="020B0609020204030204" pitchFamily="49" charset="0"/>
+              </a:rPr>
+              <a:t>12:12:13|MAIL_SENT|userspam.py|cl2.mycloud.ru|11455|249499|</a:t>
+            </a:r>
+            <a:br>
+              <a:rPr lang="en-US" sz="1800" noProof="1">
+                <a:solidFill>
+                  <a:schemeClr val="accent6">
+                    <a:lumMod val="50000"/>
+                  </a:schemeClr>
+                </a:solidFill>
+                <a:latin typeface="Consolas" panose="020B0609020204030204" pitchFamily="49" charset="0"/>
+                <a:cs typeface="Consolas" panose="020B0609020204030204" pitchFamily="49" charset="0"/>
+              </a:rPr>
+            </a:br>
+            <a:r>
+              <a:rPr lang="en-US" sz="1800" noProof="1">
+                <a:solidFill>
+                  <a:schemeClr val="accent6">
+                    <a:lumMod val="50000"/>
+                  </a:schemeClr>
+                </a:solidFill>
+                <a:latin typeface="Consolas" panose="020B0609020204030204" pitchFamily="49" charset="0"/>
+                <a:cs typeface="Consolas" panose="020B0609020204030204" pitchFamily="49" charset="0"/>
+              </a:rPr>
+              <a:t>{"email":"prtrff@gmail.com","title":"</a:t>
+            </a:r>
+            <a:r>
+              <a:rPr lang="ru-RU" sz="1800" noProof="1">
+                <a:solidFill>
+                  <a:schemeClr val="accent6">
+                    <a:lumMod val="50000"/>
+                  </a:schemeClr>
+                </a:solidFill>
+                <a:latin typeface="Consolas" panose="020B0609020204030204" pitchFamily="49" charset="0"/>
+                <a:cs typeface="Consolas" panose="020B0609020204030204" pitchFamily="49" charset="0"/>
+              </a:rPr>
+              <a:t>Продли домен и выигрый автомобиль!</a:t>
+            </a:r>
+            <a:r>
+              <a:rPr lang="en-US" sz="1800" noProof="1">
+                <a:solidFill>
+                  <a:schemeClr val="accent6">
+                    <a:lumMod val="50000"/>
+                  </a:schemeClr>
+                </a:solidFill>
+                <a:latin typeface="Consolas" panose="020B0609020204030204" pitchFamily="49" charset="0"/>
+                <a:cs typeface="Consolas" panose="020B0609020204030204" pitchFamily="49" charset="0"/>
+              </a:rPr>
+              <a:t>"}</a:t>
+            </a:r>
+            <a:endParaRPr lang="ru-RU" sz="1800" noProof="1">
+              <a:solidFill>
+                <a:schemeClr val="accent6">
+                  <a:lumMod val="50000"/>
+                </a:schemeClr>
+              </a:solidFill>
+              <a:latin typeface="Consolas" panose="020B0609020204030204" pitchFamily="49" charset="0"/>
+              <a:cs typeface="Consolas" panose="020B0609020204030204" pitchFamily="49" charset="0"/>
+            </a:endParaRPr>
+          </a:p>
+          <a:p>
+            <a:pPr marL="0" indent="0">
+              <a:lnSpc>
+                <a:spcPct val="100000"/>
+              </a:lnSpc>
+              <a:buNone/>
+            </a:pPr>
+            <a:r>
+              <a:rPr lang="ru-RU" sz="2000" b="1" noProof="1"/>
+              <a:t>Преимущества:</a:t>
+            </a:r>
+          </a:p>
+          <a:p>
+            <a:pPr>
+              <a:lnSpc>
+                <a:spcPct val="100000"/>
+              </a:lnSpc>
+              <a:spcBef>
+                <a:spcPts val="0"/>
+              </a:spcBef>
+            </a:pPr>
+            <a:r>
+              <a:rPr lang="ru-RU" sz="2000" noProof="1"/>
+              <a:t>очень легко искать / фильтровать события по ключевым полям.</a:t>
+            </a:r>
+          </a:p>
+          <a:p>
+            <a:pPr>
+              <a:lnSpc>
+                <a:spcPct val="100000"/>
+              </a:lnSpc>
+              <a:spcBef>
+                <a:spcPts val="0"/>
+              </a:spcBef>
+            </a:pPr>
+            <a:r>
+              <a:rPr lang="ru-RU" sz="2000" noProof="1"/>
+              <a:t>легко автоматизировать обработку логов, в т.ч. подтягивать данные для техподдержки и т.п.</a:t>
+            </a:r>
+          </a:p>
+        </p:txBody>
+      </p:sp>
+    </p:spTree>
+    <p:extLst>
+      <p:ext uri="{BB962C8B-B14F-4D97-AF65-F5344CB8AC3E}">
+        <p14:creationId xmlns:p14="http://schemas.microsoft.com/office/powerpoint/2010/main" val="4017431518"/>
+      </p:ext>
+    </p:extLst>
+  </p:cSld>
+  <p:clrMapOvr>
+    <a:masterClrMapping/>
+  </p:clrMapOvr>
+</p:sld>
+</file>
+
+<file path=ppt/slides/slide41.xml><?xml version="1.0" encoding="utf-8"?>
+<p:sld xmlns:a="http://schemas.openxmlformats.org/drawingml/2006/main" xmlns:r="http://schemas.openxmlformats.org/officeDocument/2006/relationships" xmlns:p="http://schemas.openxmlformats.org/presentationml/2006/main">
+  <p:cSld>
+    <p:spTree>
+      <p:nvGrpSpPr>
+        <p:cNvPr id="1" name=""/>
+        <p:cNvGrpSpPr/>
+        <p:nvPr/>
+      </p:nvGrpSpPr>
+      <p:grpSpPr>
+        <a:xfrm>
+          <a:off x="0" y="0"/>
+          <a:ext cx="0" cy="0"/>
+          <a:chOff x="0" y="0"/>
+          <a:chExt cx="0" cy="0"/>
+        </a:xfrm>
+      </p:grpSpPr>
+      <p:sp>
+        <p:nvSpPr>
+          <p:cNvPr id="2" name="Заголовок 1">
+            <a:extLst>
+              <a:ext uri="{FF2B5EF4-FFF2-40B4-BE49-F238E27FC236}">
                 <a16:creationId xmlns:a16="http://schemas.microsoft.com/office/drawing/2014/main" id="{7C5BCF47-F9C8-AA33-11DF-529BDA103D8F}"/>
               </a:ext>
             </a:extLst>
@@ -29333,7 +29717,7 @@
 </p:sld>
 </file>
 
-<file path=ppt/slides/slide41.xml><?xml version="1.0" encoding="utf-8"?>
+<file path=ppt/slides/slide42.xml><?xml version="1.0" encoding="utf-8"?>
 <p:sld xmlns:a="http://schemas.openxmlformats.org/drawingml/2006/main" xmlns:r="http://schemas.openxmlformats.org/officeDocument/2006/relationships" xmlns:p="http://schemas.openxmlformats.org/presentationml/2006/main">
   <p:cSld>
     <p:spTree>
@@ -29571,7 +29955,7 @@
 </p:sld>
 </file>
 
-<file path=ppt/slides/slide42.xml><?xml version="1.0" encoding="utf-8"?>
+<file path=ppt/slides/slide43.xml><?xml version="1.0" encoding="utf-8"?>
 <p:sld xmlns:a="http://schemas.openxmlformats.org/drawingml/2006/main" xmlns:r="http://schemas.openxmlformats.org/officeDocument/2006/relationships" xmlns:p="http://schemas.openxmlformats.org/presentationml/2006/main">
   <p:cSld>
     <p:spTree>
@@ -30039,7 +30423,7 @@
 </p:sld>
 </file>
 
-<file path=ppt/slides/slide43.xml><?xml version="1.0" encoding="utf-8"?>
+<file path=ppt/slides/slide44.xml><?xml version="1.0" encoding="utf-8"?>
 <p:sld xmlns:a="http://schemas.openxmlformats.org/drawingml/2006/main" xmlns:r="http://schemas.openxmlformats.org/officeDocument/2006/relationships" xmlns:p="http://schemas.openxmlformats.org/presentationml/2006/main">
   <p:cSld>
     <p:spTree>
@@ -31164,7 +31548,7 @@
 </p:sld>
 </file>
 
-<file path=ppt/slides/slide44.xml><?xml version="1.0" encoding="utf-8"?>
+<file path=ppt/slides/slide45.xml><?xml version="1.0" encoding="utf-8"?>
 <p:sld xmlns:a="http://schemas.openxmlformats.org/drawingml/2006/main" xmlns:r="http://schemas.openxmlformats.org/officeDocument/2006/relationships" xmlns:p="http://schemas.openxmlformats.org/presentationml/2006/main">
   <p:cSld>
     <p:spTree>
@@ -31839,7 +32223,7 @@
 </p:sld>
 </file>
 
-<file path=ppt/slides/slide45.xml><?xml version="1.0" encoding="utf-8"?>
+<file path=ppt/slides/slide46.xml><?xml version="1.0" encoding="utf-8"?>
 <p:sld xmlns:a="http://schemas.openxmlformats.org/drawingml/2006/main" xmlns:r="http://schemas.openxmlformats.org/officeDocument/2006/relationships" xmlns:p="http://schemas.openxmlformats.org/presentationml/2006/main">
   <p:cSld>
     <p:spTree>
@@ -32702,7 +33086,7 @@
 </p:sld>
 </file>
 
-<file path=ppt/slides/slide46.xml><?xml version="1.0" encoding="utf-8"?>
+<file path=ppt/slides/slide47.xml><?xml version="1.0" encoding="utf-8"?>
 <p:sld xmlns:a="http://schemas.openxmlformats.org/drawingml/2006/main" xmlns:r="http://schemas.openxmlformats.org/officeDocument/2006/relationships" xmlns:p="http://schemas.openxmlformats.org/presentationml/2006/main">
   <p:cSld>
     <p:spTree>
@@ -33701,7 +34085,7 @@
 </p:sld>
 </file>
 
-<file path=ppt/slides/slide47.xml><?xml version="1.0" encoding="utf-8"?>
+<file path=ppt/slides/slide48.xml><?xml version="1.0" encoding="utf-8"?>
 <p:sld xmlns:a="http://schemas.openxmlformats.org/drawingml/2006/main" xmlns:r="http://schemas.openxmlformats.org/officeDocument/2006/relationships" xmlns:p="http://schemas.openxmlformats.org/presentationml/2006/main">
   <p:cSld>
     <p:spTree>
@@ -34742,7 +35126,7 @@
 </p:sld>
 </file>
 
-<file path=ppt/slides/slide48.xml><?xml version="1.0" encoding="utf-8"?>
+<file path=ppt/slides/slide49.xml><?xml version="1.0" encoding="utf-8"?>
 <p:sld xmlns:a="http://schemas.openxmlformats.org/drawingml/2006/main" xmlns:r="http://schemas.openxmlformats.org/officeDocument/2006/relationships" xmlns:p="http://schemas.openxmlformats.org/presentationml/2006/main">
   <p:cSld>
     <p:spTree>
@@ -35616,1091 +36000,6 @@
     <p:extLst>
       <p:ext uri="{BB962C8B-B14F-4D97-AF65-F5344CB8AC3E}">
         <p14:creationId xmlns:p14="http://schemas.microsoft.com/office/powerpoint/2010/main" val="1677790810"/>
-      </p:ext>
-    </p:extLst>
-  </p:cSld>
-  <p:clrMapOvr>
-    <a:masterClrMapping/>
-  </p:clrMapOvr>
-</p:sld>
-</file>
-
-<file path=ppt/slides/slide49.xml><?xml version="1.0" encoding="utf-8"?>
-<p:sld xmlns:a="http://schemas.openxmlformats.org/drawingml/2006/main" xmlns:r="http://schemas.openxmlformats.org/officeDocument/2006/relationships" xmlns:p="http://schemas.openxmlformats.org/presentationml/2006/main">
-  <p:cSld>
-    <p:spTree>
-      <p:nvGrpSpPr>
-        <p:cNvPr id="1" name=""/>
-        <p:cNvGrpSpPr/>
-        <p:nvPr/>
-      </p:nvGrpSpPr>
-      <p:grpSpPr>
-        <a:xfrm>
-          <a:off x="0" y="0"/>
-          <a:ext cx="0" cy="0"/>
-          <a:chOff x="0" y="0"/>
-          <a:chExt cx="0" cy="0"/>
-        </a:xfrm>
-      </p:grpSpPr>
-      <p:sp>
-        <p:nvSpPr>
-          <p:cNvPr id="3" name="Объект 2">
-            <a:extLst>
-              <a:ext uri="{FF2B5EF4-FFF2-40B4-BE49-F238E27FC236}">
-                <a16:creationId xmlns:a16="http://schemas.microsoft.com/office/drawing/2014/main" id="{1CDE267E-23B5-D814-BFBD-B7AD2807550F}"/>
-              </a:ext>
-            </a:extLst>
-          </p:cNvPr>
-          <p:cNvSpPr>
-            <a:spLocks noGrp="1"/>
-          </p:cNvSpPr>
-          <p:nvPr>
-            <p:ph idx="1"/>
-          </p:nvPr>
-        </p:nvSpPr>
-        <p:spPr>
-          <a:xfrm>
-            <a:off x="838200" y="192015"/>
-            <a:ext cx="10515600" cy="1741889"/>
-          </a:xfrm>
-        </p:spPr>
-        <p:txBody>
-          <a:bodyPr>
-            <a:noAutofit/>
-          </a:bodyPr>
-          <a:lstStyle/>
-          <a:p>
-            <a:pPr marL="0" indent="0">
-              <a:buNone/>
-            </a:pPr>
-            <a:r>
-              <a:rPr lang="en" sz="2400" noProof="1">
-                <a:solidFill>
-                  <a:srgbClr val="00B050"/>
-                </a:solidFill>
-              </a:rPr>
-              <a:t>✓ </a:t>
-            </a:r>
-            <a:r>
-              <a:rPr lang="en" sz="2400" dirty="0"/>
-              <a:t>Exhaustive notifier</a:t>
-            </a:r>
-            <a:endParaRPr lang="en" dirty="0"/>
-          </a:p>
-          <a:p>
-            <a:pPr marL="0" indent="0">
-              <a:lnSpc>
-                <a:spcPct val="100000"/>
-              </a:lnSpc>
-              <a:buNone/>
-            </a:pPr>
-            <a:r>
-              <a:rPr lang="en" sz="2000" dirty="0"/>
-              <a:t>Loguru can easily be combined with the great notifiers library (must be installed separately) to receive an e-mail when your program fail unexpectedly or to send many other kind of notifications:</a:t>
-            </a:r>
-            <a:br>
-              <a:rPr lang="en" sz="2000" dirty="0"/>
-            </a:br>
-            <a:r>
-              <a:rPr lang="en" sz="1800" dirty="0">
-                <a:hlinkClick r:id="rId2"/>
-              </a:rPr>
-              <a:t>Pushover</a:t>
-            </a:r>
-            <a:r>
-              <a:rPr lang="en" sz="1800" dirty="0"/>
-              <a:t>, </a:t>
-            </a:r>
-            <a:r>
-              <a:rPr lang="en" sz="1800" dirty="0">
-                <a:hlinkClick r:id="rId3"/>
-              </a:rPr>
-              <a:t>SimplePush</a:t>
-            </a:r>
-            <a:r>
-              <a:rPr lang="en" sz="1800" dirty="0"/>
-              <a:t>, </a:t>
-            </a:r>
-            <a:r>
-              <a:rPr lang="en" sz="1800" dirty="0">
-                <a:hlinkClick r:id="rId4"/>
-              </a:rPr>
-              <a:t>Slack</a:t>
-            </a:r>
-            <a:r>
-              <a:rPr lang="en" sz="1800" dirty="0"/>
-              <a:t>, </a:t>
-            </a:r>
-            <a:r>
-              <a:rPr lang="en" sz="1800" dirty="0">
-                <a:hlinkClick r:id="rId5"/>
-              </a:rPr>
-              <a:t>Gmail</a:t>
-            </a:r>
-            <a:r>
-              <a:rPr lang="en" sz="1800" dirty="0"/>
-              <a:t>, </a:t>
-            </a:r>
-            <a:r>
-              <a:rPr lang="en" sz="1800" dirty="0">
-                <a:hlinkClick r:id="rId6"/>
-              </a:rPr>
-              <a:t>Telegram</a:t>
-            </a:r>
-            <a:r>
-              <a:rPr lang="en" sz="1800" dirty="0"/>
-              <a:t>, </a:t>
-            </a:r>
-            <a:r>
-              <a:rPr lang="en" sz="1800" dirty="0">
-                <a:hlinkClick r:id="rId7"/>
-              </a:rPr>
-              <a:t>Gitter</a:t>
-            </a:r>
-            <a:r>
-              <a:rPr lang="en" sz="1800" dirty="0"/>
-              <a:t>, </a:t>
-            </a:r>
-            <a:r>
-              <a:rPr lang="en" sz="1800" dirty="0">
-                <a:hlinkClick r:id="rId8"/>
-              </a:rPr>
-              <a:t>Pushbullet</a:t>
-            </a:r>
-            <a:r>
-              <a:rPr lang="en" sz="1800" dirty="0"/>
-              <a:t>, </a:t>
-            </a:r>
-            <a:r>
-              <a:rPr lang="en" sz="1800" dirty="0">
-                <a:hlinkClick r:id="rId9"/>
-              </a:rPr>
-              <a:t>Join</a:t>
-            </a:r>
-            <a:r>
-              <a:rPr lang="en" sz="1800" dirty="0"/>
-              <a:t>, </a:t>
-            </a:r>
-            <a:r>
-              <a:rPr lang="en" sz="1800" dirty="0">
-                <a:hlinkClick r:id="rId10"/>
-              </a:rPr>
-              <a:t>Zulip</a:t>
-            </a:r>
-            <a:r>
-              <a:rPr lang="en" sz="1800" dirty="0"/>
-              <a:t>, </a:t>
-            </a:r>
-            <a:r>
-              <a:rPr lang="en" sz="1800" dirty="0">
-                <a:hlinkClick r:id="rId11"/>
-              </a:rPr>
-              <a:t>Twilio</a:t>
-            </a:r>
-            <a:r>
-              <a:rPr lang="en" sz="1800" dirty="0"/>
-              <a:t>, </a:t>
-            </a:r>
-            <a:r>
-              <a:rPr lang="en" sz="1800" dirty="0">
-                <a:hlinkClick r:id="rId12"/>
-              </a:rPr>
-              <a:t>Pagerduty</a:t>
-            </a:r>
-            <a:r>
-              <a:rPr lang="en" sz="1800" dirty="0"/>
-              <a:t>,</a:t>
-            </a:r>
-            <a:br>
-              <a:rPr lang="en" sz="1800" dirty="0"/>
-            </a:br>
-            <a:r>
-              <a:rPr lang="en" sz="1800" dirty="0">
-                <a:hlinkClick r:id="rId13"/>
-              </a:rPr>
-              <a:t>Mailgun</a:t>
-            </a:r>
-            <a:r>
-              <a:rPr lang="en" sz="1800" dirty="0"/>
-              <a:t>, </a:t>
-            </a:r>
-            <a:r>
-              <a:rPr lang="en" sz="1800" dirty="0">
-                <a:hlinkClick r:id="rId14"/>
-              </a:rPr>
-              <a:t>PopcornNotify</a:t>
-            </a:r>
-            <a:r>
-              <a:rPr lang="en" sz="1800" dirty="0"/>
-              <a:t>, </a:t>
-            </a:r>
-            <a:r>
-              <a:rPr lang="en" sz="1800" dirty="0">
-                <a:hlinkClick r:id="rId15"/>
-              </a:rPr>
-              <a:t>StatusPage.io</a:t>
-            </a:r>
-            <a:r>
-              <a:rPr lang="en" sz="1800" dirty="0"/>
-              <a:t>, </a:t>
-            </a:r>
-            <a:r>
-              <a:rPr lang="en" sz="1800" dirty="0">
-                <a:hlinkClick r:id="rId16"/>
-              </a:rPr>
-              <a:t>iCloud</a:t>
-            </a:r>
-            <a:r>
-              <a:rPr lang="en" sz="1800" dirty="0"/>
-              <a:t>, </a:t>
-            </a:r>
-            <a:r>
-              <a:rPr lang="en" sz="1800" dirty="0">
-                <a:hlinkClick r:id="rId17"/>
-              </a:rPr>
-              <a:t>VictorOps (Splunk)</a:t>
-            </a:r>
-            <a:endParaRPr lang="ru-RU" sz="2000" dirty="0"/>
-          </a:p>
-        </p:txBody>
-      </p:sp>
-      <p:sp>
-        <p:nvSpPr>
-          <p:cNvPr id="4" name="TextBox 3">
-            <a:extLst>
-              <a:ext uri="{FF2B5EF4-FFF2-40B4-BE49-F238E27FC236}">
-                <a16:creationId xmlns:a16="http://schemas.microsoft.com/office/drawing/2014/main" id="{83B0108C-668F-E1F8-C211-AC48A84DF8D1}"/>
-              </a:ext>
-            </a:extLst>
-          </p:cNvPr>
-          <p:cNvSpPr txBox="1"/>
-          <p:nvPr/>
-        </p:nvSpPr>
-        <p:spPr>
-          <a:xfrm>
-            <a:off x="838200" y="1986464"/>
-            <a:ext cx="10754710" cy="3863494"/>
-          </a:xfrm>
-          <a:prstGeom prst="rect">
-            <a:avLst/>
-          </a:prstGeom>
-          <a:solidFill>
-            <a:schemeClr val="accent3">
-              <a:lumMod val="20000"/>
-              <a:lumOff val="80000"/>
-            </a:schemeClr>
-          </a:solidFill>
-        </p:spPr>
-        <p:txBody>
-          <a:bodyPr wrap="square" rtlCol="0">
-            <a:spAutoFit/>
-          </a:bodyPr>
-          <a:lstStyle/>
-          <a:p>
-            <a:pPr>
-              <a:lnSpc>
-                <a:spcPct val="80000"/>
-              </a:lnSpc>
-            </a:pPr>
-            <a:r>
-              <a:rPr lang="en" b="1" noProof="1">
-                <a:solidFill>
-                  <a:srgbClr val="0C450D"/>
-                </a:solidFill>
-                <a:effectLst/>
-                <a:latin typeface="Consolas" panose="020B0609020204030204" pitchFamily="49" charset="0"/>
-                <a:cs typeface="Consolas" panose="020B0609020204030204" pitchFamily="49" charset="0"/>
-              </a:rPr>
-              <a:t>import</a:t>
-            </a:r>
-            <a:r>
-              <a:rPr lang="en" noProof="1">
-                <a:effectLst/>
-                <a:latin typeface="Consolas" panose="020B0609020204030204" pitchFamily="49" charset="0"/>
-                <a:cs typeface="Consolas" panose="020B0609020204030204" pitchFamily="49" charset="0"/>
-              </a:rPr>
-              <a:t> notifiers</a:t>
-            </a:r>
-            <a:br>
-              <a:rPr lang="en" noProof="1">
-                <a:effectLst/>
-                <a:latin typeface="Consolas" panose="020B0609020204030204" pitchFamily="49" charset="0"/>
-                <a:cs typeface="Consolas" panose="020B0609020204030204" pitchFamily="49" charset="0"/>
-              </a:rPr>
-            </a:br>
-            <a:br>
-              <a:rPr lang="en" noProof="1">
-                <a:effectLst/>
-                <a:latin typeface="Consolas" panose="020B0609020204030204" pitchFamily="49" charset="0"/>
-                <a:cs typeface="Consolas" panose="020B0609020204030204" pitchFamily="49" charset="0"/>
-              </a:rPr>
-            </a:br>
-            <a:r>
-              <a:rPr lang="en" noProof="1">
-                <a:effectLst/>
-                <a:latin typeface="Consolas" panose="020B0609020204030204" pitchFamily="49" charset="0"/>
-                <a:cs typeface="Consolas" panose="020B0609020204030204" pitchFamily="49" charset="0"/>
-              </a:rPr>
-              <a:t>params </a:t>
-            </a:r>
-            <a:r>
-              <a:rPr lang="en" b="1" noProof="1">
-                <a:solidFill>
-                  <a:srgbClr val="0000FF"/>
-                </a:solidFill>
-                <a:effectLst/>
-                <a:latin typeface="Consolas" panose="020B0609020204030204" pitchFamily="49" charset="0"/>
-                <a:cs typeface="Consolas" panose="020B0609020204030204" pitchFamily="49" charset="0"/>
-              </a:rPr>
-              <a:t>=</a:t>
-            </a:r>
-            <a:r>
-              <a:rPr lang="en" noProof="1">
-                <a:effectLst/>
-                <a:latin typeface="Consolas" panose="020B0609020204030204" pitchFamily="49" charset="0"/>
-                <a:cs typeface="Consolas" panose="020B0609020204030204" pitchFamily="49" charset="0"/>
-              </a:rPr>
-              <a:t> {</a:t>
-            </a:r>
-            <a:br>
-              <a:rPr lang="en" noProof="1">
-                <a:effectLst/>
-                <a:latin typeface="Consolas" panose="020B0609020204030204" pitchFamily="49" charset="0"/>
-                <a:cs typeface="Consolas" panose="020B0609020204030204" pitchFamily="49" charset="0"/>
-              </a:rPr>
-            </a:br>
-            <a:r>
-              <a:rPr lang="en" noProof="1">
-                <a:effectLst/>
-                <a:latin typeface="Consolas" panose="020B0609020204030204" pitchFamily="49" charset="0"/>
-                <a:cs typeface="Consolas" panose="020B0609020204030204" pitchFamily="49" charset="0"/>
-              </a:rPr>
-              <a:t>    </a:t>
-            </a:r>
-            <a:r>
-              <a:rPr lang="en" noProof="1">
-                <a:solidFill>
-                  <a:srgbClr val="036A07"/>
-                </a:solidFill>
-                <a:effectLst/>
-                <a:latin typeface="Consolas" panose="020B0609020204030204" pitchFamily="49" charset="0"/>
-                <a:cs typeface="Consolas" panose="020B0609020204030204" pitchFamily="49" charset="0"/>
-              </a:rPr>
-              <a:t>"username"</a:t>
-            </a:r>
-            <a:r>
-              <a:rPr lang="en" noProof="1">
-                <a:effectLst/>
-                <a:latin typeface="Consolas" panose="020B0609020204030204" pitchFamily="49" charset="0"/>
-                <a:cs typeface="Consolas" panose="020B0609020204030204" pitchFamily="49" charset="0"/>
-              </a:rPr>
-              <a:t>: </a:t>
-            </a:r>
-            <a:r>
-              <a:rPr lang="en" noProof="1">
-                <a:solidFill>
-                  <a:srgbClr val="036A07"/>
-                </a:solidFill>
-                <a:effectLst/>
-                <a:latin typeface="Consolas" panose="020B0609020204030204" pitchFamily="49" charset="0"/>
-                <a:cs typeface="Consolas" panose="020B0609020204030204" pitchFamily="49" charset="0"/>
-              </a:rPr>
-              <a:t>"you@gmail.com"</a:t>
-            </a:r>
-            <a:r>
-              <a:rPr lang="en" noProof="1">
-                <a:effectLst/>
-                <a:latin typeface="Consolas" panose="020B0609020204030204" pitchFamily="49" charset="0"/>
-                <a:cs typeface="Consolas" panose="020B0609020204030204" pitchFamily="49" charset="0"/>
-              </a:rPr>
-              <a:t>,</a:t>
-            </a:r>
-            <a:br>
-              <a:rPr lang="en" noProof="1">
-                <a:effectLst/>
-                <a:latin typeface="Consolas" panose="020B0609020204030204" pitchFamily="49" charset="0"/>
-                <a:cs typeface="Consolas" panose="020B0609020204030204" pitchFamily="49" charset="0"/>
-              </a:rPr>
-            </a:br>
-            <a:r>
-              <a:rPr lang="en" noProof="1">
-                <a:effectLst/>
-                <a:latin typeface="Consolas" panose="020B0609020204030204" pitchFamily="49" charset="0"/>
-                <a:cs typeface="Consolas" panose="020B0609020204030204" pitchFamily="49" charset="0"/>
-              </a:rPr>
-              <a:t>    </a:t>
-            </a:r>
-            <a:r>
-              <a:rPr lang="en" noProof="1">
-                <a:solidFill>
-                  <a:srgbClr val="036A07"/>
-                </a:solidFill>
-                <a:effectLst/>
-                <a:latin typeface="Consolas" panose="020B0609020204030204" pitchFamily="49" charset="0"/>
-                <a:cs typeface="Consolas" panose="020B0609020204030204" pitchFamily="49" charset="0"/>
-              </a:rPr>
-              <a:t>"password"</a:t>
-            </a:r>
-            <a:r>
-              <a:rPr lang="en" noProof="1">
-                <a:effectLst/>
-                <a:latin typeface="Consolas" panose="020B0609020204030204" pitchFamily="49" charset="0"/>
-                <a:cs typeface="Consolas" panose="020B0609020204030204" pitchFamily="49" charset="0"/>
-              </a:rPr>
-              <a:t>: </a:t>
-            </a:r>
-            <a:r>
-              <a:rPr lang="en" noProof="1">
-                <a:solidFill>
-                  <a:srgbClr val="036A07"/>
-                </a:solidFill>
-                <a:effectLst/>
-                <a:latin typeface="Consolas" panose="020B0609020204030204" pitchFamily="49" charset="0"/>
-                <a:cs typeface="Consolas" panose="020B0609020204030204" pitchFamily="49" charset="0"/>
-              </a:rPr>
-              <a:t>"abc123"</a:t>
-            </a:r>
-            <a:r>
-              <a:rPr lang="en" noProof="1">
-                <a:effectLst/>
-                <a:latin typeface="Consolas" panose="020B0609020204030204" pitchFamily="49" charset="0"/>
-                <a:cs typeface="Consolas" panose="020B0609020204030204" pitchFamily="49" charset="0"/>
-              </a:rPr>
-              <a:t>,</a:t>
-            </a:r>
-            <a:br>
-              <a:rPr lang="en" noProof="1">
-                <a:effectLst/>
-                <a:latin typeface="Consolas" panose="020B0609020204030204" pitchFamily="49" charset="0"/>
-                <a:cs typeface="Consolas" panose="020B0609020204030204" pitchFamily="49" charset="0"/>
-              </a:rPr>
-            </a:br>
-            <a:r>
-              <a:rPr lang="en" noProof="1">
-                <a:effectLst/>
-                <a:latin typeface="Consolas" panose="020B0609020204030204" pitchFamily="49" charset="0"/>
-                <a:cs typeface="Consolas" panose="020B0609020204030204" pitchFamily="49" charset="0"/>
-              </a:rPr>
-              <a:t>    </a:t>
-            </a:r>
-            <a:r>
-              <a:rPr lang="en" noProof="1">
-                <a:solidFill>
-                  <a:srgbClr val="036A07"/>
-                </a:solidFill>
-                <a:effectLst/>
-                <a:latin typeface="Consolas" panose="020B0609020204030204" pitchFamily="49" charset="0"/>
-                <a:cs typeface="Consolas" panose="020B0609020204030204" pitchFamily="49" charset="0"/>
-              </a:rPr>
-              <a:t>"to"</a:t>
-            </a:r>
-            <a:r>
-              <a:rPr lang="en" noProof="1">
-                <a:effectLst/>
-                <a:latin typeface="Consolas" panose="020B0609020204030204" pitchFamily="49" charset="0"/>
-                <a:cs typeface="Consolas" panose="020B0609020204030204" pitchFamily="49" charset="0"/>
-              </a:rPr>
-              <a:t>: </a:t>
-            </a:r>
-            <a:r>
-              <a:rPr lang="en" noProof="1">
-                <a:solidFill>
-                  <a:srgbClr val="036A07"/>
-                </a:solidFill>
-                <a:effectLst/>
-                <a:latin typeface="Consolas" panose="020B0609020204030204" pitchFamily="49" charset="0"/>
-                <a:cs typeface="Consolas" panose="020B0609020204030204" pitchFamily="49" charset="0"/>
-              </a:rPr>
-              <a:t>"dest@gmail.com"</a:t>
-            </a:r>
-            <a:br>
-              <a:rPr lang="en" noProof="1">
-                <a:effectLst/>
-                <a:latin typeface="Consolas" panose="020B0609020204030204" pitchFamily="49" charset="0"/>
-                <a:cs typeface="Consolas" panose="020B0609020204030204" pitchFamily="49" charset="0"/>
-              </a:rPr>
-            </a:br>
-            <a:r>
-              <a:rPr lang="en" noProof="1">
-                <a:effectLst/>
-                <a:latin typeface="Consolas" panose="020B0609020204030204" pitchFamily="49" charset="0"/>
-                <a:cs typeface="Consolas" panose="020B0609020204030204" pitchFamily="49" charset="0"/>
-              </a:rPr>
-              <a:t>}</a:t>
-            </a:r>
-            <a:br>
-              <a:rPr lang="en" noProof="1">
-                <a:effectLst/>
-                <a:latin typeface="Consolas" panose="020B0609020204030204" pitchFamily="49" charset="0"/>
-                <a:cs typeface="Consolas" panose="020B0609020204030204" pitchFamily="49" charset="0"/>
-              </a:rPr>
-            </a:br>
-            <a:br>
-              <a:rPr lang="en" noProof="1">
-                <a:effectLst/>
-                <a:latin typeface="Consolas" panose="020B0609020204030204" pitchFamily="49" charset="0"/>
-                <a:cs typeface="Consolas" panose="020B0609020204030204" pitchFamily="49" charset="0"/>
-              </a:rPr>
-            </a:br>
-            <a:r>
-              <a:rPr lang="en" noProof="1">
-                <a:solidFill>
-                  <a:srgbClr val="0066FF"/>
-                </a:solidFill>
-                <a:effectLst/>
-                <a:latin typeface="Consolas" panose="020B0609020204030204" pitchFamily="49" charset="0"/>
-                <a:cs typeface="Consolas" panose="020B0609020204030204" pitchFamily="49" charset="0"/>
-              </a:rPr>
-              <a:t># Send a single notification</a:t>
-            </a:r>
-            <a:br>
-              <a:rPr lang="en" noProof="1">
-                <a:solidFill>
-                  <a:srgbClr val="0066FF"/>
-                </a:solidFill>
-                <a:effectLst/>
-                <a:latin typeface="Consolas" panose="020B0609020204030204" pitchFamily="49" charset="0"/>
-                <a:cs typeface="Consolas" panose="020B0609020204030204" pitchFamily="49" charset="0"/>
-              </a:rPr>
-            </a:br>
-            <a:r>
-              <a:rPr lang="en" noProof="1">
-                <a:effectLst/>
-                <a:latin typeface="Consolas" panose="020B0609020204030204" pitchFamily="49" charset="0"/>
-                <a:cs typeface="Consolas" panose="020B0609020204030204" pitchFamily="49" charset="0"/>
-              </a:rPr>
-              <a:t>notifier </a:t>
-            </a:r>
-            <a:r>
-              <a:rPr lang="en" b="1" noProof="1">
-                <a:solidFill>
-                  <a:srgbClr val="0000FF"/>
-                </a:solidFill>
-                <a:effectLst/>
-                <a:latin typeface="Consolas" panose="020B0609020204030204" pitchFamily="49" charset="0"/>
-                <a:cs typeface="Consolas" panose="020B0609020204030204" pitchFamily="49" charset="0"/>
-              </a:rPr>
-              <a:t>=</a:t>
-            </a:r>
-            <a:r>
-              <a:rPr lang="en" noProof="1">
-                <a:effectLst/>
-                <a:latin typeface="Consolas" panose="020B0609020204030204" pitchFamily="49" charset="0"/>
-                <a:cs typeface="Consolas" panose="020B0609020204030204" pitchFamily="49" charset="0"/>
-              </a:rPr>
-              <a:t> notifiers.get_notifier(</a:t>
-            </a:r>
-            <a:r>
-              <a:rPr lang="en" noProof="1">
-                <a:solidFill>
-                  <a:srgbClr val="036A07"/>
-                </a:solidFill>
-                <a:effectLst/>
-                <a:latin typeface="Consolas" panose="020B0609020204030204" pitchFamily="49" charset="0"/>
-                <a:cs typeface="Consolas" panose="020B0609020204030204" pitchFamily="49" charset="0"/>
-              </a:rPr>
-              <a:t>"gmail"</a:t>
-            </a:r>
-            <a:r>
-              <a:rPr lang="en" noProof="1">
-                <a:effectLst/>
-                <a:latin typeface="Consolas" panose="020B0609020204030204" pitchFamily="49" charset="0"/>
-                <a:cs typeface="Consolas" panose="020B0609020204030204" pitchFamily="49" charset="0"/>
-              </a:rPr>
-              <a:t>)</a:t>
-            </a:r>
-            <a:br>
-              <a:rPr lang="en" noProof="1">
-                <a:effectLst/>
-                <a:latin typeface="Consolas" panose="020B0609020204030204" pitchFamily="49" charset="0"/>
-                <a:cs typeface="Consolas" panose="020B0609020204030204" pitchFamily="49" charset="0"/>
-              </a:rPr>
-            </a:br>
-            <a:r>
-              <a:rPr lang="en" noProof="1">
-                <a:effectLst/>
-                <a:latin typeface="Consolas" panose="020B0609020204030204" pitchFamily="49" charset="0"/>
-                <a:cs typeface="Consolas" panose="020B0609020204030204" pitchFamily="49" charset="0"/>
-              </a:rPr>
-              <a:t>notifier.notify(message</a:t>
-            </a:r>
-            <a:r>
-              <a:rPr lang="en" b="1" noProof="1">
-                <a:solidFill>
-                  <a:srgbClr val="0000FF"/>
-                </a:solidFill>
-                <a:effectLst/>
-                <a:latin typeface="Consolas" panose="020B0609020204030204" pitchFamily="49" charset="0"/>
-                <a:cs typeface="Consolas" panose="020B0609020204030204" pitchFamily="49" charset="0"/>
-              </a:rPr>
-              <a:t>=</a:t>
-            </a:r>
-            <a:r>
-              <a:rPr lang="en" noProof="1">
-                <a:solidFill>
-                  <a:srgbClr val="036A07"/>
-                </a:solidFill>
-                <a:effectLst/>
-                <a:latin typeface="Consolas" panose="020B0609020204030204" pitchFamily="49" charset="0"/>
-                <a:cs typeface="Consolas" panose="020B0609020204030204" pitchFamily="49" charset="0"/>
-              </a:rPr>
-              <a:t>"The application is running!"</a:t>
-            </a:r>
-            <a:r>
-              <a:rPr lang="en" noProof="1">
-                <a:effectLst/>
-                <a:latin typeface="Consolas" panose="020B0609020204030204" pitchFamily="49" charset="0"/>
-                <a:cs typeface="Consolas" panose="020B0609020204030204" pitchFamily="49" charset="0"/>
-              </a:rPr>
-              <a:t>, </a:t>
-            </a:r>
-            <a:r>
-              <a:rPr lang="en" b="1" noProof="1">
-                <a:solidFill>
-                  <a:srgbClr val="0000FF"/>
-                </a:solidFill>
-                <a:effectLst/>
-                <a:latin typeface="Consolas" panose="020B0609020204030204" pitchFamily="49" charset="0"/>
-                <a:cs typeface="Consolas" panose="020B0609020204030204" pitchFamily="49" charset="0"/>
-              </a:rPr>
-              <a:t>**</a:t>
-            </a:r>
-            <a:r>
-              <a:rPr lang="en" noProof="1">
-                <a:effectLst/>
-                <a:latin typeface="Consolas" panose="020B0609020204030204" pitchFamily="49" charset="0"/>
-                <a:cs typeface="Consolas" panose="020B0609020204030204" pitchFamily="49" charset="0"/>
-              </a:rPr>
-              <a:t>params)</a:t>
-            </a:r>
-            <a:br>
-              <a:rPr lang="en" noProof="1">
-                <a:effectLst/>
-                <a:latin typeface="Consolas" panose="020B0609020204030204" pitchFamily="49" charset="0"/>
-                <a:cs typeface="Consolas" panose="020B0609020204030204" pitchFamily="49" charset="0"/>
-              </a:rPr>
-            </a:br>
-            <a:br>
-              <a:rPr lang="en" noProof="1">
-                <a:effectLst/>
-                <a:latin typeface="Consolas" panose="020B0609020204030204" pitchFamily="49" charset="0"/>
-                <a:cs typeface="Consolas" panose="020B0609020204030204" pitchFamily="49" charset="0"/>
-              </a:rPr>
-            </a:br>
-            <a:r>
-              <a:rPr lang="en" noProof="1">
-                <a:solidFill>
-                  <a:srgbClr val="0066FF"/>
-                </a:solidFill>
-                <a:effectLst/>
-                <a:latin typeface="Consolas" panose="020B0609020204030204" pitchFamily="49" charset="0"/>
-                <a:cs typeface="Consolas" panose="020B0609020204030204" pitchFamily="49" charset="0"/>
-              </a:rPr>
-              <a:t># Be alerted on each error message</a:t>
-            </a:r>
-            <a:br>
-              <a:rPr lang="en" noProof="1">
-                <a:solidFill>
-                  <a:srgbClr val="0066FF"/>
-                </a:solidFill>
-                <a:effectLst/>
-                <a:latin typeface="Consolas" panose="020B0609020204030204" pitchFamily="49" charset="0"/>
-                <a:cs typeface="Consolas" panose="020B0609020204030204" pitchFamily="49" charset="0"/>
-              </a:rPr>
-            </a:br>
-            <a:r>
-              <a:rPr lang="en" b="1" noProof="1">
-                <a:solidFill>
-                  <a:srgbClr val="0C450D"/>
-                </a:solidFill>
-                <a:effectLst/>
-                <a:latin typeface="Consolas" panose="020B0609020204030204" pitchFamily="49" charset="0"/>
-                <a:cs typeface="Consolas" panose="020B0609020204030204" pitchFamily="49" charset="0"/>
-              </a:rPr>
-              <a:t>from</a:t>
-            </a:r>
-            <a:r>
-              <a:rPr lang="en" noProof="1">
-                <a:effectLst/>
-                <a:latin typeface="Consolas" panose="020B0609020204030204" pitchFamily="49" charset="0"/>
-                <a:cs typeface="Consolas" panose="020B0609020204030204" pitchFamily="49" charset="0"/>
-              </a:rPr>
-              <a:t> notifiers.logging </a:t>
-            </a:r>
-            <a:r>
-              <a:rPr lang="en" b="1" noProof="1">
-                <a:solidFill>
-                  <a:srgbClr val="0C450D"/>
-                </a:solidFill>
-                <a:effectLst/>
-                <a:latin typeface="Consolas" panose="020B0609020204030204" pitchFamily="49" charset="0"/>
-                <a:cs typeface="Consolas" panose="020B0609020204030204" pitchFamily="49" charset="0"/>
-              </a:rPr>
-              <a:t>import</a:t>
-            </a:r>
-            <a:r>
-              <a:rPr lang="en" noProof="1">
-                <a:effectLst/>
-                <a:latin typeface="Consolas" panose="020B0609020204030204" pitchFamily="49" charset="0"/>
-                <a:cs typeface="Consolas" panose="020B0609020204030204" pitchFamily="49" charset="0"/>
-              </a:rPr>
-              <a:t> NotificationHandler</a:t>
-            </a:r>
-            <a:br>
-              <a:rPr lang="en" noProof="1">
-                <a:effectLst/>
-                <a:latin typeface="Consolas" panose="020B0609020204030204" pitchFamily="49" charset="0"/>
-                <a:cs typeface="Consolas" panose="020B0609020204030204" pitchFamily="49" charset="0"/>
-              </a:rPr>
-            </a:br>
-            <a:br>
-              <a:rPr lang="en" noProof="1">
-                <a:effectLst/>
-                <a:latin typeface="Consolas" panose="020B0609020204030204" pitchFamily="49" charset="0"/>
-                <a:cs typeface="Consolas" panose="020B0609020204030204" pitchFamily="49" charset="0"/>
-              </a:rPr>
-            </a:br>
-            <a:r>
-              <a:rPr lang="en" noProof="1">
-                <a:effectLst/>
-                <a:latin typeface="Consolas" panose="020B0609020204030204" pitchFamily="49" charset="0"/>
-                <a:cs typeface="Consolas" panose="020B0609020204030204" pitchFamily="49" charset="0"/>
-              </a:rPr>
-              <a:t>handler </a:t>
-            </a:r>
-            <a:r>
-              <a:rPr lang="en" b="1" noProof="1">
-                <a:solidFill>
-                  <a:srgbClr val="0000FF"/>
-                </a:solidFill>
-                <a:effectLst/>
-                <a:latin typeface="Consolas" panose="020B0609020204030204" pitchFamily="49" charset="0"/>
-                <a:cs typeface="Consolas" panose="020B0609020204030204" pitchFamily="49" charset="0"/>
-              </a:rPr>
-              <a:t>=</a:t>
-            </a:r>
-            <a:r>
-              <a:rPr lang="en" noProof="1">
-                <a:effectLst/>
-                <a:latin typeface="Consolas" panose="020B0609020204030204" pitchFamily="49" charset="0"/>
-                <a:cs typeface="Consolas" panose="020B0609020204030204" pitchFamily="49" charset="0"/>
-              </a:rPr>
-              <a:t> NotificationHandler(</a:t>
-            </a:r>
-            <a:r>
-              <a:rPr lang="en" noProof="1">
-                <a:solidFill>
-                  <a:srgbClr val="036A07"/>
-                </a:solidFill>
-                <a:effectLst/>
-                <a:latin typeface="Consolas" panose="020B0609020204030204" pitchFamily="49" charset="0"/>
-                <a:cs typeface="Consolas" panose="020B0609020204030204" pitchFamily="49" charset="0"/>
-              </a:rPr>
-              <a:t>"gmail"</a:t>
-            </a:r>
-            <a:r>
-              <a:rPr lang="en" noProof="1">
-                <a:effectLst/>
-                <a:latin typeface="Consolas" panose="020B0609020204030204" pitchFamily="49" charset="0"/>
-                <a:cs typeface="Consolas" panose="020B0609020204030204" pitchFamily="49" charset="0"/>
-              </a:rPr>
-              <a:t>, defaults</a:t>
-            </a:r>
-            <a:r>
-              <a:rPr lang="en" b="1" noProof="1">
-                <a:solidFill>
-                  <a:srgbClr val="0000FF"/>
-                </a:solidFill>
-                <a:effectLst/>
-                <a:latin typeface="Consolas" panose="020B0609020204030204" pitchFamily="49" charset="0"/>
-                <a:cs typeface="Consolas" panose="020B0609020204030204" pitchFamily="49" charset="0"/>
-              </a:rPr>
-              <a:t>=</a:t>
-            </a:r>
-            <a:r>
-              <a:rPr lang="en" noProof="1">
-                <a:effectLst/>
-                <a:latin typeface="Consolas" panose="020B0609020204030204" pitchFamily="49" charset="0"/>
-                <a:cs typeface="Consolas" panose="020B0609020204030204" pitchFamily="49" charset="0"/>
-              </a:rPr>
-              <a:t>params)</a:t>
-            </a:r>
-            <a:br>
-              <a:rPr lang="en" noProof="1">
-                <a:effectLst/>
-                <a:latin typeface="Consolas" panose="020B0609020204030204" pitchFamily="49" charset="0"/>
-                <a:cs typeface="Consolas" panose="020B0609020204030204" pitchFamily="49" charset="0"/>
-              </a:rPr>
-            </a:br>
-            <a:r>
-              <a:rPr lang="en" noProof="1">
-                <a:effectLst/>
-                <a:latin typeface="Consolas" panose="020B0609020204030204" pitchFamily="49" charset="0"/>
-                <a:cs typeface="Consolas" panose="020B0609020204030204" pitchFamily="49" charset="0"/>
-              </a:rPr>
-              <a:t>logger.add(handler, level</a:t>
-            </a:r>
-            <a:r>
-              <a:rPr lang="en" b="1" noProof="1">
-                <a:solidFill>
-                  <a:srgbClr val="0000FF"/>
-                </a:solidFill>
-                <a:effectLst/>
-                <a:latin typeface="Consolas" panose="020B0609020204030204" pitchFamily="49" charset="0"/>
-                <a:cs typeface="Consolas" panose="020B0609020204030204" pitchFamily="49" charset="0"/>
-              </a:rPr>
-              <a:t>=</a:t>
-            </a:r>
-            <a:r>
-              <a:rPr lang="en" noProof="1">
-                <a:solidFill>
-                  <a:srgbClr val="036A07"/>
-                </a:solidFill>
-                <a:effectLst/>
-                <a:latin typeface="Consolas" panose="020B0609020204030204" pitchFamily="49" charset="0"/>
-                <a:cs typeface="Consolas" panose="020B0609020204030204" pitchFamily="49" charset="0"/>
-              </a:rPr>
-              <a:t>"ERROR"</a:t>
-            </a:r>
-            <a:r>
-              <a:rPr lang="en" noProof="1">
-                <a:effectLst/>
-                <a:latin typeface="Consolas" panose="020B0609020204030204" pitchFamily="49" charset="0"/>
-                <a:cs typeface="Consolas" panose="020B0609020204030204" pitchFamily="49" charset="0"/>
-              </a:rPr>
-              <a:t>)</a:t>
-            </a:r>
-          </a:p>
-        </p:txBody>
-      </p:sp>
-      <p:sp>
-        <p:nvSpPr>
-          <p:cNvPr id="5" name="Объект 2">
-            <a:extLst>
-              <a:ext uri="{FF2B5EF4-FFF2-40B4-BE49-F238E27FC236}">
-                <a16:creationId xmlns:a16="http://schemas.microsoft.com/office/drawing/2014/main" id="{BB63CC31-E899-024B-4A7F-8E1C5690108B}"/>
-              </a:ext>
-            </a:extLst>
-          </p:cNvPr>
-          <p:cNvSpPr txBox="1">
-            <a:spLocks/>
-          </p:cNvSpPr>
-          <p:nvPr/>
-        </p:nvSpPr>
-        <p:spPr>
-          <a:xfrm>
-            <a:off x="759372" y="5955525"/>
-            <a:ext cx="10515600" cy="781607"/>
-          </a:xfrm>
-          <a:prstGeom prst="rect">
-            <a:avLst/>
-          </a:prstGeom>
-        </p:spPr>
-        <p:txBody>
-          <a:bodyPr vert="horz" lIns="91440" tIns="45720" rIns="91440" bIns="45720" rtlCol="0">
-            <a:noAutofit/>
-          </a:bodyPr>
-          <a:lstStyle>
-            <a:lvl1pPr marL="228600" indent="-228600" algn="l" defTabSz="914400" rtl="0" eaLnBrk="1" latinLnBrk="0" hangingPunct="1">
-              <a:lnSpc>
-                <a:spcPct val="90000"/>
-              </a:lnSpc>
-              <a:spcBef>
-                <a:spcPts val="1000"/>
-              </a:spcBef>
-              <a:buFont typeface="Arial" panose="020B0604020202020204" pitchFamily="34" charset="0"/>
-              <a:buChar char="•"/>
-              <a:defRPr sz="2800" kern="1200">
-                <a:solidFill>
-                  <a:schemeClr val="tx1"/>
-                </a:solidFill>
-                <a:latin typeface="+mn-lt"/>
-                <a:ea typeface="+mn-ea"/>
-                <a:cs typeface="+mn-cs"/>
-              </a:defRPr>
-            </a:lvl1pPr>
-            <a:lvl2pPr marL="685800" indent="-228600" algn="l" defTabSz="914400" rtl="0" eaLnBrk="1" latinLnBrk="0" hangingPunct="1">
-              <a:lnSpc>
-                <a:spcPct val="90000"/>
-              </a:lnSpc>
-              <a:spcBef>
-                <a:spcPts val="500"/>
-              </a:spcBef>
-              <a:buFont typeface="Arial" panose="020B0604020202020204" pitchFamily="34" charset="0"/>
-              <a:buChar char="•"/>
-              <a:defRPr sz="2400" kern="1200">
-                <a:solidFill>
-                  <a:schemeClr val="tx1"/>
-                </a:solidFill>
-                <a:latin typeface="+mn-lt"/>
-                <a:ea typeface="+mn-ea"/>
-                <a:cs typeface="+mn-cs"/>
-              </a:defRPr>
-            </a:lvl2pPr>
-            <a:lvl3pPr marL="1143000" indent="-228600" algn="l" defTabSz="914400" rtl="0" eaLnBrk="1" latinLnBrk="0" hangingPunct="1">
-              <a:lnSpc>
-                <a:spcPct val="90000"/>
-              </a:lnSpc>
-              <a:spcBef>
-                <a:spcPts val="500"/>
-              </a:spcBef>
-              <a:buFont typeface="Arial" panose="020B0604020202020204" pitchFamily="34" charset="0"/>
-              <a:buChar char="•"/>
-              <a:defRPr sz="2000" kern="1200">
-                <a:solidFill>
-                  <a:schemeClr val="tx1"/>
-                </a:solidFill>
-                <a:latin typeface="+mn-lt"/>
-                <a:ea typeface="+mn-ea"/>
-                <a:cs typeface="+mn-cs"/>
-              </a:defRPr>
-            </a:lvl3pPr>
-            <a:lvl4pPr marL="1600200" indent="-228600" algn="l" defTabSz="914400" rtl="0" eaLnBrk="1" latinLnBrk="0" hangingPunct="1">
-              <a:lnSpc>
-                <a:spcPct val="90000"/>
-              </a:lnSpc>
-              <a:spcBef>
-                <a:spcPts val="500"/>
-              </a:spcBef>
-              <a:buFont typeface="Arial" panose="020B0604020202020204" pitchFamily="34" charset="0"/>
-              <a:buChar char="•"/>
-              <a:defRPr sz="1800" kern="1200">
-                <a:solidFill>
-                  <a:schemeClr val="tx1"/>
-                </a:solidFill>
-                <a:latin typeface="+mn-lt"/>
-                <a:ea typeface="+mn-ea"/>
-                <a:cs typeface="+mn-cs"/>
-              </a:defRPr>
-            </a:lvl4pPr>
-            <a:lvl5pPr marL="2057400" indent="-228600" algn="l" defTabSz="914400" rtl="0" eaLnBrk="1" latinLnBrk="0" hangingPunct="1">
-              <a:lnSpc>
-                <a:spcPct val="90000"/>
-              </a:lnSpc>
-              <a:spcBef>
-                <a:spcPts val="500"/>
-              </a:spcBef>
-              <a:buFont typeface="Arial" panose="020B0604020202020204" pitchFamily="34" charset="0"/>
-              <a:buChar char="•"/>
-              <a:defRPr sz="1800" kern="1200">
-                <a:solidFill>
-                  <a:schemeClr val="tx1"/>
-                </a:solidFill>
-                <a:latin typeface="+mn-lt"/>
-                <a:ea typeface="+mn-ea"/>
-                <a:cs typeface="+mn-cs"/>
-              </a:defRPr>
-            </a:lvl5pPr>
-            <a:lvl6pPr marL="2514600" indent="-228600" algn="l" defTabSz="914400" rtl="0" eaLnBrk="1" latinLnBrk="0" hangingPunct="1">
-              <a:lnSpc>
-                <a:spcPct val="90000"/>
-              </a:lnSpc>
-              <a:spcBef>
-                <a:spcPts val="500"/>
-              </a:spcBef>
-              <a:buFont typeface="Arial" panose="020B0604020202020204" pitchFamily="34" charset="0"/>
-              <a:buChar char="•"/>
-              <a:defRPr sz="1800" kern="1200">
-                <a:solidFill>
-                  <a:schemeClr val="tx1"/>
-                </a:solidFill>
-                <a:latin typeface="+mn-lt"/>
-                <a:ea typeface="+mn-ea"/>
-                <a:cs typeface="+mn-cs"/>
-              </a:defRPr>
-            </a:lvl6pPr>
-            <a:lvl7pPr marL="2971800" indent="-228600" algn="l" defTabSz="914400" rtl="0" eaLnBrk="1" latinLnBrk="0" hangingPunct="1">
-              <a:lnSpc>
-                <a:spcPct val="90000"/>
-              </a:lnSpc>
-              <a:spcBef>
-                <a:spcPts val="500"/>
-              </a:spcBef>
-              <a:buFont typeface="Arial" panose="020B0604020202020204" pitchFamily="34" charset="0"/>
-              <a:buChar char="•"/>
-              <a:defRPr sz="1800" kern="1200">
-                <a:solidFill>
-                  <a:schemeClr val="tx1"/>
-                </a:solidFill>
-                <a:latin typeface="+mn-lt"/>
-                <a:ea typeface="+mn-ea"/>
-                <a:cs typeface="+mn-cs"/>
-              </a:defRPr>
-            </a:lvl7pPr>
-            <a:lvl8pPr marL="3429000" indent="-228600" algn="l" defTabSz="914400" rtl="0" eaLnBrk="1" latinLnBrk="0" hangingPunct="1">
-              <a:lnSpc>
-                <a:spcPct val="90000"/>
-              </a:lnSpc>
-              <a:spcBef>
-                <a:spcPts val="500"/>
-              </a:spcBef>
-              <a:buFont typeface="Arial" panose="020B0604020202020204" pitchFamily="34" charset="0"/>
-              <a:buChar char="•"/>
-              <a:defRPr sz="1800" kern="1200">
-                <a:solidFill>
-                  <a:schemeClr val="tx1"/>
-                </a:solidFill>
-                <a:latin typeface="+mn-lt"/>
-                <a:ea typeface="+mn-ea"/>
-                <a:cs typeface="+mn-cs"/>
-              </a:defRPr>
-            </a:lvl8pPr>
-            <a:lvl9pPr marL="3886200" indent="-228600" algn="l" defTabSz="914400" rtl="0" eaLnBrk="1" latinLnBrk="0" hangingPunct="1">
-              <a:lnSpc>
-                <a:spcPct val="90000"/>
-              </a:lnSpc>
-              <a:spcBef>
-                <a:spcPts val="500"/>
-              </a:spcBef>
-              <a:buFont typeface="Arial" panose="020B0604020202020204" pitchFamily="34" charset="0"/>
-              <a:buChar char="•"/>
-              <a:defRPr sz="1800" kern="1200">
-                <a:solidFill>
-                  <a:schemeClr val="tx1"/>
-                </a:solidFill>
-                <a:latin typeface="+mn-lt"/>
-                <a:ea typeface="+mn-ea"/>
-                <a:cs typeface="+mn-cs"/>
-              </a:defRPr>
-            </a:lvl9pPr>
-          </a:lstStyle>
-          <a:p>
-            <a:pPr marL="0" indent="0">
-              <a:buNone/>
-            </a:pPr>
-            <a:r>
-              <a:rPr lang="en" sz="2400" noProof="1">
-                <a:solidFill>
-                  <a:srgbClr val="00B050"/>
-                </a:solidFill>
-              </a:rPr>
-              <a:t>✓ </a:t>
-            </a:r>
-            <a:r>
-              <a:rPr lang="en" sz="2400" dirty="0"/>
-              <a:t>10x faster than built-in logging</a:t>
-            </a:r>
-            <a:endParaRPr lang="en-US" sz="2400" dirty="0"/>
-          </a:p>
-          <a:p>
-            <a:pPr marL="0" indent="0">
-              <a:buNone/>
-            </a:pPr>
-            <a:r>
-              <a:rPr lang="en-US" sz="2000" dirty="0"/>
-              <a:t>Zero</a:t>
-            </a:r>
-            <a:r>
-              <a:rPr lang="en" sz="2000" dirty="0"/>
-              <a:t>-cost logger.</a:t>
-            </a:r>
-          </a:p>
-        </p:txBody>
-      </p:sp>
-    </p:spTree>
-    <p:extLst>
-      <p:ext uri="{BB962C8B-B14F-4D97-AF65-F5344CB8AC3E}">
-        <p14:creationId xmlns:p14="http://schemas.microsoft.com/office/powerpoint/2010/main" val="4279955553"/>
       </p:ext>
     </p:extLst>
   </p:cSld>
@@ -36823,9 +36122,7 @@
             <a:r>
               <a:rPr lang="en-US" sz="2000" dirty="0">
                 <a:solidFill>
-                  <a:schemeClr val="accent6">
-                    <a:lumMod val="75000"/>
-                  </a:schemeClr>
+                  <a:srgbClr val="B10104"/>
                 </a:solidFill>
                 <a:latin typeface="Consolas" panose="020B0609020204030204" pitchFamily="49" charset="0"/>
                 <a:cs typeface="Consolas" panose="020B0609020204030204" pitchFamily="49" charset="0"/>
@@ -36835,9 +36132,7 @@
             <a:r>
               <a:rPr lang="en" sz="2000" dirty="0">
                 <a:solidFill>
-                  <a:schemeClr val="accent6">
-                    <a:lumMod val="75000"/>
-                  </a:schemeClr>
+                  <a:srgbClr val="B10104"/>
                 </a:solidFill>
                 <a:latin typeface="Consolas" panose="020B0609020204030204" pitchFamily="49" charset="0"/>
                 <a:cs typeface="Consolas" panose="020B0609020204030204" pitchFamily="49" charset="0"/>
@@ -36847,9 +36142,7 @@
             <a:br>
               <a:rPr lang="ru-RU" sz="2000" dirty="0">
                 <a:solidFill>
-                  <a:schemeClr val="accent6">
-                    <a:lumMod val="75000"/>
-                  </a:schemeClr>
+                  <a:srgbClr val="B10104"/>
                 </a:solidFill>
                 <a:latin typeface="Consolas" panose="020B0609020204030204" pitchFamily="49" charset="0"/>
                 <a:cs typeface="Consolas" panose="020B0609020204030204" pitchFamily="49" charset="0"/>
@@ -36858,9 +36151,7 @@
             <a:r>
               <a:rPr lang="en-US" sz="2000" dirty="0">
                 <a:solidFill>
-                  <a:schemeClr val="accent6">
-                    <a:lumMod val="75000"/>
-                  </a:schemeClr>
+                  <a:srgbClr val="B10104"/>
                 </a:solidFill>
                 <a:latin typeface="Consolas" panose="020B0609020204030204" pitchFamily="49" charset="0"/>
                 <a:cs typeface="Consolas" panose="020B0609020204030204" pitchFamily="49" charset="0"/>
@@ -36870,9 +36161,7 @@
             <a:r>
               <a:rPr lang="en" sz="2000" dirty="0">
                 <a:solidFill>
-                  <a:schemeClr val="accent6">
-                    <a:lumMod val="75000"/>
-                  </a:schemeClr>
+                  <a:srgbClr val="B10104"/>
                 </a:solidFill>
                 <a:latin typeface="Consolas" panose="020B0609020204030204" pitchFamily="49" charset="0"/>
                 <a:cs typeface="Consolas" panose="020B0609020204030204" pitchFamily="49" charset="0"/>
@@ -36909,10 +36198,10 @@
                 <a:latin typeface="Consolas" panose="020B0609020204030204" pitchFamily="49" charset="0"/>
                 <a:cs typeface="Consolas" panose="020B0609020204030204" pitchFamily="49" charset="0"/>
               </a:rPr>
-              <a:t>«User 'johndoe' successfully logged in»</a:t>
-            </a:r>
-            <a:br>
-              <a:rPr lang="ru-RU" sz="2000" noProof="1">
+              <a:t>«User 'johndoe' successfully logged in</a:t>
+            </a:r>
+            <a:r>
+              <a:rPr lang="en-US" sz="2000" noProof="1">
                 <a:solidFill>
                   <a:schemeClr val="accent6">
                     <a:lumMod val="75000"/>
@@ -36921,9 +36210,10 @@
                 <a:latin typeface="Consolas" panose="020B0609020204030204" pitchFamily="49" charset="0"/>
                 <a:cs typeface="Consolas" panose="020B0609020204030204" pitchFamily="49" charset="0"/>
               </a:rPr>
-            </a:br>
-            <a:r>
-              <a:rPr lang="en-US" sz="2000" noProof="1">
+              <a:t> from IP 1.2.3.4</a:t>
+            </a:r>
+            <a:r>
+              <a:rPr lang="en" sz="2000" noProof="1">
                 <a:solidFill>
                   <a:schemeClr val="accent6">
                     <a:lumMod val="75000"/>
@@ -36932,10 +36222,10 @@
                 <a:latin typeface="Consolas" panose="020B0609020204030204" pitchFamily="49" charset="0"/>
                 <a:cs typeface="Consolas" panose="020B0609020204030204" pitchFamily="49" charset="0"/>
               </a:rPr>
-              <a:t>«</a:t>
-            </a:r>
-            <a:r>
-              <a:rPr lang="en" sz="2000" noProof="1">
+              <a:t>»</a:t>
+            </a:r>
+            <a:br>
+              <a:rPr lang="ru-RU" sz="2000" noProof="1">
                 <a:solidFill>
                   <a:schemeClr val="accent6">
                     <a:lumMod val="75000"/>
@@ -36944,7 +36234,54 @@
                 <a:latin typeface="Consolas" panose="020B0609020204030204" pitchFamily="49" charset="0"/>
                 <a:cs typeface="Consolas" panose="020B0609020204030204" pitchFamily="49" charset="0"/>
               </a:rPr>
-              <a:t>Transaction reverted due to lost connection to DB»</a:t>
+            </a:br>
+            <a:r>
+              <a:rPr lang="en-US" sz="2000" noProof="1">
+                <a:solidFill>
+                  <a:schemeClr val="accent6">
+                    <a:lumMod val="75000"/>
+                  </a:schemeClr>
+                </a:solidFill>
+                <a:latin typeface="Consolas" panose="020B0609020204030204" pitchFamily="49" charset="0"/>
+                <a:cs typeface="Consolas" panose="020B0609020204030204" pitchFamily="49" charset="0"/>
+              </a:rPr>
+              <a:t>«</a:t>
+            </a:r>
+            <a:r>
+              <a:rPr lang="en" sz="2000" noProof="1">
+                <a:solidFill>
+                  <a:schemeClr val="accent6">
+                    <a:lumMod val="75000"/>
+                  </a:schemeClr>
+                </a:solidFill>
+                <a:latin typeface="Consolas" panose="020B0609020204030204" pitchFamily="49" charset="0"/>
+                <a:cs typeface="Consolas" panose="020B0609020204030204" pitchFamily="49" charset="0"/>
+              </a:rPr>
+              <a:t>Transaction </a:t>
+            </a:r>
+            <a:r>
+              <a:rPr lang="ru-RU" sz="2000" noProof="1">
+                <a:solidFill>
+                  <a:schemeClr val="accent6">
+                    <a:lumMod val="75000"/>
+                  </a:schemeClr>
+                </a:solidFill>
+                <a:latin typeface="Consolas" panose="020B0609020204030204" pitchFamily="49" charset="0"/>
+                <a:cs typeface="Consolas" panose="020B0609020204030204" pitchFamily="49" charset="0"/>
+              </a:rPr>
+              <a:t>1287786 </a:t>
+            </a:r>
+            <a:r>
+              <a:rPr lang="en" sz="2000" noProof="1">
+                <a:solidFill>
+                  <a:schemeClr val="accent6">
+                    <a:lumMod val="75000"/>
+                  </a:schemeClr>
+                </a:solidFill>
+                <a:latin typeface="Consolas" panose="020B0609020204030204" pitchFamily="49" charset="0"/>
+                <a:cs typeface="Consolas" panose="020B0609020204030204" pitchFamily="49" charset="0"/>
+              </a:rPr>
+              <a:t>reverted due to lost connection to DB»</a:t>
             </a:r>
           </a:p>
           <a:p>
@@ -36975,6 +36312,1091 @@
 </file>
 
 <file path=ppt/slides/slide50.xml><?xml version="1.0" encoding="utf-8"?>
+<p:sld xmlns:a="http://schemas.openxmlformats.org/drawingml/2006/main" xmlns:r="http://schemas.openxmlformats.org/officeDocument/2006/relationships" xmlns:p="http://schemas.openxmlformats.org/presentationml/2006/main">
+  <p:cSld>
+    <p:spTree>
+      <p:nvGrpSpPr>
+        <p:cNvPr id="1" name=""/>
+        <p:cNvGrpSpPr/>
+        <p:nvPr/>
+      </p:nvGrpSpPr>
+      <p:grpSpPr>
+        <a:xfrm>
+          <a:off x="0" y="0"/>
+          <a:ext cx="0" cy="0"/>
+          <a:chOff x="0" y="0"/>
+          <a:chExt cx="0" cy="0"/>
+        </a:xfrm>
+      </p:grpSpPr>
+      <p:sp>
+        <p:nvSpPr>
+          <p:cNvPr id="3" name="Объект 2">
+            <a:extLst>
+              <a:ext uri="{FF2B5EF4-FFF2-40B4-BE49-F238E27FC236}">
+                <a16:creationId xmlns:a16="http://schemas.microsoft.com/office/drawing/2014/main" id="{1CDE267E-23B5-D814-BFBD-B7AD2807550F}"/>
+              </a:ext>
+            </a:extLst>
+          </p:cNvPr>
+          <p:cNvSpPr>
+            <a:spLocks noGrp="1"/>
+          </p:cNvSpPr>
+          <p:nvPr>
+            <p:ph idx="1"/>
+          </p:nvPr>
+        </p:nvSpPr>
+        <p:spPr>
+          <a:xfrm>
+            <a:off x="838200" y="192015"/>
+            <a:ext cx="10515600" cy="1741889"/>
+          </a:xfrm>
+        </p:spPr>
+        <p:txBody>
+          <a:bodyPr>
+            <a:noAutofit/>
+          </a:bodyPr>
+          <a:lstStyle/>
+          <a:p>
+            <a:pPr marL="0" indent="0">
+              <a:buNone/>
+            </a:pPr>
+            <a:r>
+              <a:rPr lang="en" sz="2400" noProof="1">
+                <a:solidFill>
+                  <a:srgbClr val="00B050"/>
+                </a:solidFill>
+              </a:rPr>
+              <a:t>✓ </a:t>
+            </a:r>
+            <a:r>
+              <a:rPr lang="en" sz="2400" dirty="0"/>
+              <a:t>Exhaustive notifier</a:t>
+            </a:r>
+            <a:endParaRPr lang="en" dirty="0"/>
+          </a:p>
+          <a:p>
+            <a:pPr marL="0" indent="0">
+              <a:lnSpc>
+                <a:spcPct val="100000"/>
+              </a:lnSpc>
+              <a:buNone/>
+            </a:pPr>
+            <a:r>
+              <a:rPr lang="en" sz="2000" dirty="0"/>
+              <a:t>Loguru can easily be combined with the great notifiers library (must be installed separately) to receive an e-mail when your program fail unexpectedly or to send many other kind of notifications:</a:t>
+            </a:r>
+            <a:br>
+              <a:rPr lang="en" sz="2000" dirty="0"/>
+            </a:br>
+            <a:r>
+              <a:rPr lang="en" sz="1800" dirty="0">
+                <a:hlinkClick r:id="rId2"/>
+              </a:rPr>
+              <a:t>Pushover</a:t>
+            </a:r>
+            <a:r>
+              <a:rPr lang="en" sz="1800" dirty="0"/>
+              <a:t>, </a:t>
+            </a:r>
+            <a:r>
+              <a:rPr lang="en" sz="1800" dirty="0">
+                <a:hlinkClick r:id="rId3"/>
+              </a:rPr>
+              <a:t>SimplePush</a:t>
+            </a:r>
+            <a:r>
+              <a:rPr lang="en" sz="1800" dirty="0"/>
+              <a:t>, </a:t>
+            </a:r>
+            <a:r>
+              <a:rPr lang="en" sz="1800" dirty="0">
+                <a:hlinkClick r:id="rId4"/>
+              </a:rPr>
+              <a:t>Slack</a:t>
+            </a:r>
+            <a:r>
+              <a:rPr lang="en" sz="1800" dirty="0"/>
+              <a:t>, </a:t>
+            </a:r>
+            <a:r>
+              <a:rPr lang="en" sz="1800" dirty="0">
+                <a:hlinkClick r:id="rId5"/>
+              </a:rPr>
+              <a:t>Gmail</a:t>
+            </a:r>
+            <a:r>
+              <a:rPr lang="en" sz="1800" dirty="0"/>
+              <a:t>, </a:t>
+            </a:r>
+            <a:r>
+              <a:rPr lang="en" sz="1800" dirty="0">
+                <a:hlinkClick r:id="rId6"/>
+              </a:rPr>
+              <a:t>Telegram</a:t>
+            </a:r>
+            <a:r>
+              <a:rPr lang="en" sz="1800" dirty="0"/>
+              <a:t>, </a:t>
+            </a:r>
+            <a:r>
+              <a:rPr lang="en" sz="1800" dirty="0">
+                <a:hlinkClick r:id="rId7"/>
+              </a:rPr>
+              <a:t>Gitter</a:t>
+            </a:r>
+            <a:r>
+              <a:rPr lang="en" sz="1800" dirty="0"/>
+              <a:t>, </a:t>
+            </a:r>
+            <a:r>
+              <a:rPr lang="en" sz="1800" dirty="0">
+                <a:hlinkClick r:id="rId8"/>
+              </a:rPr>
+              <a:t>Pushbullet</a:t>
+            </a:r>
+            <a:r>
+              <a:rPr lang="en" sz="1800" dirty="0"/>
+              <a:t>, </a:t>
+            </a:r>
+            <a:r>
+              <a:rPr lang="en" sz="1800" dirty="0">
+                <a:hlinkClick r:id="rId9"/>
+              </a:rPr>
+              <a:t>Join</a:t>
+            </a:r>
+            <a:r>
+              <a:rPr lang="en" sz="1800" dirty="0"/>
+              <a:t>, </a:t>
+            </a:r>
+            <a:r>
+              <a:rPr lang="en" sz="1800" dirty="0">
+                <a:hlinkClick r:id="rId10"/>
+              </a:rPr>
+              <a:t>Zulip</a:t>
+            </a:r>
+            <a:r>
+              <a:rPr lang="en" sz="1800" dirty="0"/>
+              <a:t>, </a:t>
+            </a:r>
+            <a:r>
+              <a:rPr lang="en" sz="1800" dirty="0">
+                <a:hlinkClick r:id="rId11"/>
+              </a:rPr>
+              <a:t>Twilio</a:t>
+            </a:r>
+            <a:r>
+              <a:rPr lang="en" sz="1800" dirty="0"/>
+              <a:t>, </a:t>
+            </a:r>
+            <a:r>
+              <a:rPr lang="en" sz="1800" dirty="0">
+                <a:hlinkClick r:id="rId12"/>
+              </a:rPr>
+              <a:t>Pagerduty</a:t>
+            </a:r>
+            <a:r>
+              <a:rPr lang="en" sz="1800" dirty="0"/>
+              <a:t>,</a:t>
+            </a:r>
+            <a:br>
+              <a:rPr lang="en" sz="1800" dirty="0"/>
+            </a:br>
+            <a:r>
+              <a:rPr lang="en" sz="1800" dirty="0">
+                <a:hlinkClick r:id="rId13"/>
+              </a:rPr>
+              <a:t>Mailgun</a:t>
+            </a:r>
+            <a:r>
+              <a:rPr lang="en" sz="1800" dirty="0"/>
+              <a:t>, </a:t>
+            </a:r>
+            <a:r>
+              <a:rPr lang="en" sz="1800" dirty="0">
+                <a:hlinkClick r:id="rId14"/>
+              </a:rPr>
+              <a:t>PopcornNotify</a:t>
+            </a:r>
+            <a:r>
+              <a:rPr lang="en" sz="1800" dirty="0"/>
+              <a:t>, </a:t>
+            </a:r>
+            <a:r>
+              <a:rPr lang="en" sz="1800" dirty="0">
+                <a:hlinkClick r:id="rId15"/>
+              </a:rPr>
+              <a:t>StatusPage.io</a:t>
+            </a:r>
+            <a:r>
+              <a:rPr lang="en" sz="1800" dirty="0"/>
+              <a:t>, </a:t>
+            </a:r>
+            <a:r>
+              <a:rPr lang="en" sz="1800" dirty="0">
+                <a:hlinkClick r:id="rId16"/>
+              </a:rPr>
+              <a:t>iCloud</a:t>
+            </a:r>
+            <a:r>
+              <a:rPr lang="en" sz="1800" dirty="0"/>
+              <a:t>, </a:t>
+            </a:r>
+            <a:r>
+              <a:rPr lang="en" sz="1800" dirty="0">
+                <a:hlinkClick r:id="rId17"/>
+              </a:rPr>
+              <a:t>VictorOps (Splunk)</a:t>
+            </a:r>
+            <a:endParaRPr lang="ru-RU" sz="2000" dirty="0"/>
+          </a:p>
+        </p:txBody>
+      </p:sp>
+      <p:sp>
+        <p:nvSpPr>
+          <p:cNvPr id="4" name="TextBox 3">
+            <a:extLst>
+              <a:ext uri="{FF2B5EF4-FFF2-40B4-BE49-F238E27FC236}">
+                <a16:creationId xmlns:a16="http://schemas.microsoft.com/office/drawing/2014/main" id="{83B0108C-668F-E1F8-C211-AC48A84DF8D1}"/>
+              </a:ext>
+            </a:extLst>
+          </p:cNvPr>
+          <p:cNvSpPr txBox="1"/>
+          <p:nvPr/>
+        </p:nvSpPr>
+        <p:spPr>
+          <a:xfrm>
+            <a:off x="838200" y="1986464"/>
+            <a:ext cx="10754710" cy="3863494"/>
+          </a:xfrm>
+          <a:prstGeom prst="rect">
+            <a:avLst/>
+          </a:prstGeom>
+          <a:solidFill>
+            <a:schemeClr val="accent3">
+              <a:lumMod val="20000"/>
+              <a:lumOff val="80000"/>
+            </a:schemeClr>
+          </a:solidFill>
+        </p:spPr>
+        <p:txBody>
+          <a:bodyPr wrap="square" rtlCol="0">
+            <a:spAutoFit/>
+          </a:bodyPr>
+          <a:lstStyle/>
+          <a:p>
+            <a:pPr>
+              <a:lnSpc>
+                <a:spcPct val="80000"/>
+              </a:lnSpc>
+            </a:pPr>
+            <a:r>
+              <a:rPr lang="en" b="1" noProof="1">
+                <a:solidFill>
+                  <a:srgbClr val="0C450D"/>
+                </a:solidFill>
+                <a:effectLst/>
+                <a:latin typeface="Consolas" panose="020B0609020204030204" pitchFamily="49" charset="0"/>
+                <a:cs typeface="Consolas" panose="020B0609020204030204" pitchFamily="49" charset="0"/>
+              </a:rPr>
+              <a:t>import</a:t>
+            </a:r>
+            <a:r>
+              <a:rPr lang="en" noProof="1">
+                <a:effectLst/>
+                <a:latin typeface="Consolas" panose="020B0609020204030204" pitchFamily="49" charset="0"/>
+                <a:cs typeface="Consolas" panose="020B0609020204030204" pitchFamily="49" charset="0"/>
+              </a:rPr>
+              <a:t> notifiers</a:t>
+            </a:r>
+            <a:br>
+              <a:rPr lang="en" noProof="1">
+                <a:effectLst/>
+                <a:latin typeface="Consolas" panose="020B0609020204030204" pitchFamily="49" charset="0"/>
+                <a:cs typeface="Consolas" panose="020B0609020204030204" pitchFamily="49" charset="0"/>
+              </a:rPr>
+            </a:br>
+            <a:br>
+              <a:rPr lang="en" noProof="1">
+                <a:effectLst/>
+                <a:latin typeface="Consolas" panose="020B0609020204030204" pitchFamily="49" charset="0"/>
+                <a:cs typeface="Consolas" panose="020B0609020204030204" pitchFamily="49" charset="0"/>
+              </a:rPr>
+            </a:br>
+            <a:r>
+              <a:rPr lang="en" noProof="1">
+                <a:effectLst/>
+                <a:latin typeface="Consolas" panose="020B0609020204030204" pitchFamily="49" charset="0"/>
+                <a:cs typeface="Consolas" panose="020B0609020204030204" pitchFamily="49" charset="0"/>
+              </a:rPr>
+              <a:t>params </a:t>
+            </a:r>
+            <a:r>
+              <a:rPr lang="en" b="1" noProof="1">
+                <a:solidFill>
+                  <a:srgbClr val="0000FF"/>
+                </a:solidFill>
+                <a:effectLst/>
+                <a:latin typeface="Consolas" panose="020B0609020204030204" pitchFamily="49" charset="0"/>
+                <a:cs typeface="Consolas" panose="020B0609020204030204" pitchFamily="49" charset="0"/>
+              </a:rPr>
+              <a:t>=</a:t>
+            </a:r>
+            <a:r>
+              <a:rPr lang="en" noProof="1">
+                <a:effectLst/>
+                <a:latin typeface="Consolas" panose="020B0609020204030204" pitchFamily="49" charset="0"/>
+                <a:cs typeface="Consolas" panose="020B0609020204030204" pitchFamily="49" charset="0"/>
+              </a:rPr>
+              <a:t> {</a:t>
+            </a:r>
+            <a:br>
+              <a:rPr lang="en" noProof="1">
+                <a:effectLst/>
+                <a:latin typeface="Consolas" panose="020B0609020204030204" pitchFamily="49" charset="0"/>
+                <a:cs typeface="Consolas" panose="020B0609020204030204" pitchFamily="49" charset="0"/>
+              </a:rPr>
+            </a:br>
+            <a:r>
+              <a:rPr lang="en" noProof="1">
+                <a:effectLst/>
+                <a:latin typeface="Consolas" panose="020B0609020204030204" pitchFamily="49" charset="0"/>
+                <a:cs typeface="Consolas" panose="020B0609020204030204" pitchFamily="49" charset="0"/>
+              </a:rPr>
+              <a:t>    </a:t>
+            </a:r>
+            <a:r>
+              <a:rPr lang="en" noProof="1">
+                <a:solidFill>
+                  <a:srgbClr val="036A07"/>
+                </a:solidFill>
+                <a:effectLst/>
+                <a:latin typeface="Consolas" panose="020B0609020204030204" pitchFamily="49" charset="0"/>
+                <a:cs typeface="Consolas" panose="020B0609020204030204" pitchFamily="49" charset="0"/>
+              </a:rPr>
+              <a:t>"username"</a:t>
+            </a:r>
+            <a:r>
+              <a:rPr lang="en" noProof="1">
+                <a:effectLst/>
+                <a:latin typeface="Consolas" panose="020B0609020204030204" pitchFamily="49" charset="0"/>
+                <a:cs typeface="Consolas" panose="020B0609020204030204" pitchFamily="49" charset="0"/>
+              </a:rPr>
+              <a:t>: </a:t>
+            </a:r>
+            <a:r>
+              <a:rPr lang="en" noProof="1">
+                <a:solidFill>
+                  <a:srgbClr val="036A07"/>
+                </a:solidFill>
+                <a:effectLst/>
+                <a:latin typeface="Consolas" panose="020B0609020204030204" pitchFamily="49" charset="0"/>
+                <a:cs typeface="Consolas" panose="020B0609020204030204" pitchFamily="49" charset="0"/>
+              </a:rPr>
+              <a:t>"you@gmail.com"</a:t>
+            </a:r>
+            <a:r>
+              <a:rPr lang="en" noProof="1">
+                <a:effectLst/>
+                <a:latin typeface="Consolas" panose="020B0609020204030204" pitchFamily="49" charset="0"/>
+                <a:cs typeface="Consolas" panose="020B0609020204030204" pitchFamily="49" charset="0"/>
+              </a:rPr>
+              <a:t>,</a:t>
+            </a:r>
+            <a:br>
+              <a:rPr lang="en" noProof="1">
+                <a:effectLst/>
+                <a:latin typeface="Consolas" panose="020B0609020204030204" pitchFamily="49" charset="0"/>
+                <a:cs typeface="Consolas" panose="020B0609020204030204" pitchFamily="49" charset="0"/>
+              </a:rPr>
+            </a:br>
+            <a:r>
+              <a:rPr lang="en" noProof="1">
+                <a:effectLst/>
+                <a:latin typeface="Consolas" panose="020B0609020204030204" pitchFamily="49" charset="0"/>
+                <a:cs typeface="Consolas" panose="020B0609020204030204" pitchFamily="49" charset="0"/>
+              </a:rPr>
+              <a:t>    </a:t>
+            </a:r>
+            <a:r>
+              <a:rPr lang="en" noProof="1">
+                <a:solidFill>
+                  <a:srgbClr val="036A07"/>
+                </a:solidFill>
+                <a:effectLst/>
+                <a:latin typeface="Consolas" panose="020B0609020204030204" pitchFamily="49" charset="0"/>
+                <a:cs typeface="Consolas" panose="020B0609020204030204" pitchFamily="49" charset="0"/>
+              </a:rPr>
+              <a:t>"password"</a:t>
+            </a:r>
+            <a:r>
+              <a:rPr lang="en" noProof="1">
+                <a:effectLst/>
+                <a:latin typeface="Consolas" panose="020B0609020204030204" pitchFamily="49" charset="0"/>
+                <a:cs typeface="Consolas" panose="020B0609020204030204" pitchFamily="49" charset="0"/>
+              </a:rPr>
+              <a:t>: </a:t>
+            </a:r>
+            <a:r>
+              <a:rPr lang="en" noProof="1">
+                <a:solidFill>
+                  <a:srgbClr val="036A07"/>
+                </a:solidFill>
+                <a:effectLst/>
+                <a:latin typeface="Consolas" panose="020B0609020204030204" pitchFamily="49" charset="0"/>
+                <a:cs typeface="Consolas" panose="020B0609020204030204" pitchFamily="49" charset="0"/>
+              </a:rPr>
+              <a:t>"abc123"</a:t>
+            </a:r>
+            <a:r>
+              <a:rPr lang="en" noProof="1">
+                <a:effectLst/>
+                <a:latin typeface="Consolas" panose="020B0609020204030204" pitchFamily="49" charset="0"/>
+                <a:cs typeface="Consolas" panose="020B0609020204030204" pitchFamily="49" charset="0"/>
+              </a:rPr>
+              <a:t>,</a:t>
+            </a:r>
+            <a:br>
+              <a:rPr lang="en" noProof="1">
+                <a:effectLst/>
+                <a:latin typeface="Consolas" panose="020B0609020204030204" pitchFamily="49" charset="0"/>
+                <a:cs typeface="Consolas" panose="020B0609020204030204" pitchFamily="49" charset="0"/>
+              </a:rPr>
+            </a:br>
+            <a:r>
+              <a:rPr lang="en" noProof="1">
+                <a:effectLst/>
+                <a:latin typeface="Consolas" panose="020B0609020204030204" pitchFamily="49" charset="0"/>
+                <a:cs typeface="Consolas" panose="020B0609020204030204" pitchFamily="49" charset="0"/>
+              </a:rPr>
+              <a:t>    </a:t>
+            </a:r>
+            <a:r>
+              <a:rPr lang="en" noProof="1">
+                <a:solidFill>
+                  <a:srgbClr val="036A07"/>
+                </a:solidFill>
+                <a:effectLst/>
+                <a:latin typeface="Consolas" panose="020B0609020204030204" pitchFamily="49" charset="0"/>
+                <a:cs typeface="Consolas" panose="020B0609020204030204" pitchFamily="49" charset="0"/>
+              </a:rPr>
+              <a:t>"to"</a:t>
+            </a:r>
+            <a:r>
+              <a:rPr lang="en" noProof="1">
+                <a:effectLst/>
+                <a:latin typeface="Consolas" panose="020B0609020204030204" pitchFamily="49" charset="0"/>
+                <a:cs typeface="Consolas" panose="020B0609020204030204" pitchFamily="49" charset="0"/>
+              </a:rPr>
+              <a:t>: </a:t>
+            </a:r>
+            <a:r>
+              <a:rPr lang="en" noProof="1">
+                <a:solidFill>
+                  <a:srgbClr val="036A07"/>
+                </a:solidFill>
+                <a:effectLst/>
+                <a:latin typeface="Consolas" panose="020B0609020204030204" pitchFamily="49" charset="0"/>
+                <a:cs typeface="Consolas" panose="020B0609020204030204" pitchFamily="49" charset="0"/>
+              </a:rPr>
+              <a:t>"dest@gmail.com"</a:t>
+            </a:r>
+            <a:br>
+              <a:rPr lang="en" noProof="1">
+                <a:effectLst/>
+                <a:latin typeface="Consolas" panose="020B0609020204030204" pitchFamily="49" charset="0"/>
+                <a:cs typeface="Consolas" panose="020B0609020204030204" pitchFamily="49" charset="0"/>
+              </a:rPr>
+            </a:br>
+            <a:r>
+              <a:rPr lang="en" noProof="1">
+                <a:effectLst/>
+                <a:latin typeface="Consolas" panose="020B0609020204030204" pitchFamily="49" charset="0"/>
+                <a:cs typeface="Consolas" panose="020B0609020204030204" pitchFamily="49" charset="0"/>
+              </a:rPr>
+              <a:t>}</a:t>
+            </a:r>
+            <a:br>
+              <a:rPr lang="en" noProof="1">
+                <a:effectLst/>
+                <a:latin typeface="Consolas" panose="020B0609020204030204" pitchFamily="49" charset="0"/>
+                <a:cs typeface="Consolas" panose="020B0609020204030204" pitchFamily="49" charset="0"/>
+              </a:rPr>
+            </a:br>
+            <a:br>
+              <a:rPr lang="en" noProof="1">
+                <a:effectLst/>
+                <a:latin typeface="Consolas" panose="020B0609020204030204" pitchFamily="49" charset="0"/>
+                <a:cs typeface="Consolas" panose="020B0609020204030204" pitchFamily="49" charset="0"/>
+              </a:rPr>
+            </a:br>
+            <a:r>
+              <a:rPr lang="en" noProof="1">
+                <a:solidFill>
+                  <a:srgbClr val="0066FF"/>
+                </a:solidFill>
+                <a:effectLst/>
+                <a:latin typeface="Consolas" panose="020B0609020204030204" pitchFamily="49" charset="0"/>
+                <a:cs typeface="Consolas" panose="020B0609020204030204" pitchFamily="49" charset="0"/>
+              </a:rPr>
+              <a:t># Send a single notification</a:t>
+            </a:r>
+            <a:br>
+              <a:rPr lang="en" noProof="1">
+                <a:solidFill>
+                  <a:srgbClr val="0066FF"/>
+                </a:solidFill>
+                <a:effectLst/>
+                <a:latin typeface="Consolas" panose="020B0609020204030204" pitchFamily="49" charset="0"/>
+                <a:cs typeface="Consolas" panose="020B0609020204030204" pitchFamily="49" charset="0"/>
+              </a:rPr>
+            </a:br>
+            <a:r>
+              <a:rPr lang="en" noProof="1">
+                <a:effectLst/>
+                <a:latin typeface="Consolas" panose="020B0609020204030204" pitchFamily="49" charset="0"/>
+                <a:cs typeface="Consolas" panose="020B0609020204030204" pitchFamily="49" charset="0"/>
+              </a:rPr>
+              <a:t>notifier </a:t>
+            </a:r>
+            <a:r>
+              <a:rPr lang="en" b="1" noProof="1">
+                <a:solidFill>
+                  <a:srgbClr val="0000FF"/>
+                </a:solidFill>
+                <a:effectLst/>
+                <a:latin typeface="Consolas" panose="020B0609020204030204" pitchFamily="49" charset="0"/>
+                <a:cs typeface="Consolas" panose="020B0609020204030204" pitchFamily="49" charset="0"/>
+              </a:rPr>
+              <a:t>=</a:t>
+            </a:r>
+            <a:r>
+              <a:rPr lang="en" noProof="1">
+                <a:effectLst/>
+                <a:latin typeface="Consolas" panose="020B0609020204030204" pitchFamily="49" charset="0"/>
+                <a:cs typeface="Consolas" panose="020B0609020204030204" pitchFamily="49" charset="0"/>
+              </a:rPr>
+              <a:t> notifiers.get_notifier(</a:t>
+            </a:r>
+            <a:r>
+              <a:rPr lang="en" noProof="1">
+                <a:solidFill>
+                  <a:srgbClr val="036A07"/>
+                </a:solidFill>
+                <a:effectLst/>
+                <a:latin typeface="Consolas" panose="020B0609020204030204" pitchFamily="49" charset="0"/>
+                <a:cs typeface="Consolas" panose="020B0609020204030204" pitchFamily="49" charset="0"/>
+              </a:rPr>
+              <a:t>"gmail"</a:t>
+            </a:r>
+            <a:r>
+              <a:rPr lang="en" noProof="1">
+                <a:effectLst/>
+                <a:latin typeface="Consolas" panose="020B0609020204030204" pitchFamily="49" charset="0"/>
+                <a:cs typeface="Consolas" panose="020B0609020204030204" pitchFamily="49" charset="0"/>
+              </a:rPr>
+              <a:t>)</a:t>
+            </a:r>
+            <a:br>
+              <a:rPr lang="en" noProof="1">
+                <a:effectLst/>
+                <a:latin typeface="Consolas" panose="020B0609020204030204" pitchFamily="49" charset="0"/>
+                <a:cs typeface="Consolas" panose="020B0609020204030204" pitchFamily="49" charset="0"/>
+              </a:rPr>
+            </a:br>
+            <a:r>
+              <a:rPr lang="en" noProof="1">
+                <a:effectLst/>
+                <a:latin typeface="Consolas" panose="020B0609020204030204" pitchFamily="49" charset="0"/>
+                <a:cs typeface="Consolas" panose="020B0609020204030204" pitchFamily="49" charset="0"/>
+              </a:rPr>
+              <a:t>notifier.notify(message</a:t>
+            </a:r>
+            <a:r>
+              <a:rPr lang="en" b="1" noProof="1">
+                <a:solidFill>
+                  <a:srgbClr val="0000FF"/>
+                </a:solidFill>
+                <a:effectLst/>
+                <a:latin typeface="Consolas" panose="020B0609020204030204" pitchFamily="49" charset="0"/>
+                <a:cs typeface="Consolas" panose="020B0609020204030204" pitchFamily="49" charset="0"/>
+              </a:rPr>
+              <a:t>=</a:t>
+            </a:r>
+            <a:r>
+              <a:rPr lang="en" noProof="1">
+                <a:solidFill>
+                  <a:srgbClr val="036A07"/>
+                </a:solidFill>
+                <a:effectLst/>
+                <a:latin typeface="Consolas" panose="020B0609020204030204" pitchFamily="49" charset="0"/>
+                <a:cs typeface="Consolas" panose="020B0609020204030204" pitchFamily="49" charset="0"/>
+              </a:rPr>
+              <a:t>"The application is running!"</a:t>
+            </a:r>
+            <a:r>
+              <a:rPr lang="en" noProof="1">
+                <a:effectLst/>
+                <a:latin typeface="Consolas" panose="020B0609020204030204" pitchFamily="49" charset="0"/>
+                <a:cs typeface="Consolas" panose="020B0609020204030204" pitchFamily="49" charset="0"/>
+              </a:rPr>
+              <a:t>, </a:t>
+            </a:r>
+            <a:r>
+              <a:rPr lang="en" b="1" noProof="1">
+                <a:solidFill>
+                  <a:srgbClr val="0000FF"/>
+                </a:solidFill>
+                <a:effectLst/>
+                <a:latin typeface="Consolas" panose="020B0609020204030204" pitchFamily="49" charset="0"/>
+                <a:cs typeface="Consolas" panose="020B0609020204030204" pitchFamily="49" charset="0"/>
+              </a:rPr>
+              <a:t>**</a:t>
+            </a:r>
+            <a:r>
+              <a:rPr lang="en" noProof="1">
+                <a:effectLst/>
+                <a:latin typeface="Consolas" panose="020B0609020204030204" pitchFamily="49" charset="0"/>
+                <a:cs typeface="Consolas" panose="020B0609020204030204" pitchFamily="49" charset="0"/>
+              </a:rPr>
+              <a:t>params)</a:t>
+            </a:r>
+            <a:br>
+              <a:rPr lang="en" noProof="1">
+                <a:effectLst/>
+                <a:latin typeface="Consolas" panose="020B0609020204030204" pitchFamily="49" charset="0"/>
+                <a:cs typeface="Consolas" panose="020B0609020204030204" pitchFamily="49" charset="0"/>
+              </a:rPr>
+            </a:br>
+            <a:br>
+              <a:rPr lang="en" noProof="1">
+                <a:effectLst/>
+                <a:latin typeface="Consolas" panose="020B0609020204030204" pitchFamily="49" charset="0"/>
+                <a:cs typeface="Consolas" panose="020B0609020204030204" pitchFamily="49" charset="0"/>
+              </a:rPr>
+            </a:br>
+            <a:r>
+              <a:rPr lang="en" noProof="1">
+                <a:solidFill>
+                  <a:srgbClr val="0066FF"/>
+                </a:solidFill>
+                <a:effectLst/>
+                <a:latin typeface="Consolas" panose="020B0609020204030204" pitchFamily="49" charset="0"/>
+                <a:cs typeface="Consolas" panose="020B0609020204030204" pitchFamily="49" charset="0"/>
+              </a:rPr>
+              <a:t># Be alerted on each error message</a:t>
+            </a:r>
+            <a:br>
+              <a:rPr lang="en" noProof="1">
+                <a:solidFill>
+                  <a:srgbClr val="0066FF"/>
+                </a:solidFill>
+                <a:effectLst/>
+                <a:latin typeface="Consolas" panose="020B0609020204030204" pitchFamily="49" charset="0"/>
+                <a:cs typeface="Consolas" panose="020B0609020204030204" pitchFamily="49" charset="0"/>
+              </a:rPr>
+            </a:br>
+            <a:r>
+              <a:rPr lang="en" b="1" noProof="1">
+                <a:solidFill>
+                  <a:srgbClr val="0C450D"/>
+                </a:solidFill>
+                <a:effectLst/>
+                <a:latin typeface="Consolas" panose="020B0609020204030204" pitchFamily="49" charset="0"/>
+                <a:cs typeface="Consolas" panose="020B0609020204030204" pitchFamily="49" charset="0"/>
+              </a:rPr>
+              <a:t>from</a:t>
+            </a:r>
+            <a:r>
+              <a:rPr lang="en" noProof="1">
+                <a:effectLst/>
+                <a:latin typeface="Consolas" panose="020B0609020204030204" pitchFamily="49" charset="0"/>
+                <a:cs typeface="Consolas" panose="020B0609020204030204" pitchFamily="49" charset="0"/>
+              </a:rPr>
+              <a:t> notifiers.logging </a:t>
+            </a:r>
+            <a:r>
+              <a:rPr lang="en" b="1" noProof="1">
+                <a:solidFill>
+                  <a:srgbClr val="0C450D"/>
+                </a:solidFill>
+                <a:effectLst/>
+                <a:latin typeface="Consolas" panose="020B0609020204030204" pitchFamily="49" charset="0"/>
+                <a:cs typeface="Consolas" panose="020B0609020204030204" pitchFamily="49" charset="0"/>
+              </a:rPr>
+              <a:t>import</a:t>
+            </a:r>
+            <a:r>
+              <a:rPr lang="en" noProof="1">
+                <a:effectLst/>
+                <a:latin typeface="Consolas" panose="020B0609020204030204" pitchFamily="49" charset="0"/>
+                <a:cs typeface="Consolas" panose="020B0609020204030204" pitchFamily="49" charset="0"/>
+              </a:rPr>
+              <a:t> NotificationHandler</a:t>
+            </a:r>
+            <a:br>
+              <a:rPr lang="en" noProof="1">
+                <a:effectLst/>
+                <a:latin typeface="Consolas" panose="020B0609020204030204" pitchFamily="49" charset="0"/>
+                <a:cs typeface="Consolas" panose="020B0609020204030204" pitchFamily="49" charset="0"/>
+              </a:rPr>
+            </a:br>
+            <a:br>
+              <a:rPr lang="en" noProof="1">
+                <a:effectLst/>
+                <a:latin typeface="Consolas" panose="020B0609020204030204" pitchFamily="49" charset="0"/>
+                <a:cs typeface="Consolas" panose="020B0609020204030204" pitchFamily="49" charset="0"/>
+              </a:rPr>
+            </a:br>
+            <a:r>
+              <a:rPr lang="en" noProof="1">
+                <a:effectLst/>
+                <a:latin typeface="Consolas" panose="020B0609020204030204" pitchFamily="49" charset="0"/>
+                <a:cs typeface="Consolas" panose="020B0609020204030204" pitchFamily="49" charset="0"/>
+              </a:rPr>
+              <a:t>handler </a:t>
+            </a:r>
+            <a:r>
+              <a:rPr lang="en" b="1" noProof="1">
+                <a:solidFill>
+                  <a:srgbClr val="0000FF"/>
+                </a:solidFill>
+                <a:effectLst/>
+                <a:latin typeface="Consolas" panose="020B0609020204030204" pitchFamily="49" charset="0"/>
+                <a:cs typeface="Consolas" panose="020B0609020204030204" pitchFamily="49" charset="0"/>
+              </a:rPr>
+              <a:t>=</a:t>
+            </a:r>
+            <a:r>
+              <a:rPr lang="en" noProof="1">
+                <a:effectLst/>
+                <a:latin typeface="Consolas" panose="020B0609020204030204" pitchFamily="49" charset="0"/>
+                <a:cs typeface="Consolas" panose="020B0609020204030204" pitchFamily="49" charset="0"/>
+              </a:rPr>
+              <a:t> NotificationHandler(</a:t>
+            </a:r>
+            <a:r>
+              <a:rPr lang="en" noProof="1">
+                <a:solidFill>
+                  <a:srgbClr val="036A07"/>
+                </a:solidFill>
+                <a:effectLst/>
+                <a:latin typeface="Consolas" panose="020B0609020204030204" pitchFamily="49" charset="0"/>
+                <a:cs typeface="Consolas" panose="020B0609020204030204" pitchFamily="49" charset="0"/>
+              </a:rPr>
+              <a:t>"gmail"</a:t>
+            </a:r>
+            <a:r>
+              <a:rPr lang="en" noProof="1">
+                <a:effectLst/>
+                <a:latin typeface="Consolas" panose="020B0609020204030204" pitchFamily="49" charset="0"/>
+                <a:cs typeface="Consolas" panose="020B0609020204030204" pitchFamily="49" charset="0"/>
+              </a:rPr>
+              <a:t>, defaults</a:t>
+            </a:r>
+            <a:r>
+              <a:rPr lang="en" b="1" noProof="1">
+                <a:solidFill>
+                  <a:srgbClr val="0000FF"/>
+                </a:solidFill>
+                <a:effectLst/>
+                <a:latin typeface="Consolas" panose="020B0609020204030204" pitchFamily="49" charset="0"/>
+                <a:cs typeface="Consolas" panose="020B0609020204030204" pitchFamily="49" charset="0"/>
+              </a:rPr>
+              <a:t>=</a:t>
+            </a:r>
+            <a:r>
+              <a:rPr lang="en" noProof="1">
+                <a:effectLst/>
+                <a:latin typeface="Consolas" panose="020B0609020204030204" pitchFamily="49" charset="0"/>
+                <a:cs typeface="Consolas" panose="020B0609020204030204" pitchFamily="49" charset="0"/>
+              </a:rPr>
+              <a:t>params)</a:t>
+            </a:r>
+            <a:br>
+              <a:rPr lang="en" noProof="1">
+                <a:effectLst/>
+                <a:latin typeface="Consolas" panose="020B0609020204030204" pitchFamily="49" charset="0"/>
+                <a:cs typeface="Consolas" panose="020B0609020204030204" pitchFamily="49" charset="0"/>
+              </a:rPr>
+            </a:br>
+            <a:r>
+              <a:rPr lang="en" noProof="1">
+                <a:effectLst/>
+                <a:latin typeface="Consolas" panose="020B0609020204030204" pitchFamily="49" charset="0"/>
+                <a:cs typeface="Consolas" panose="020B0609020204030204" pitchFamily="49" charset="0"/>
+              </a:rPr>
+              <a:t>logger.add(handler, level</a:t>
+            </a:r>
+            <a:r>
+              <a:rPr lang="en" b="1" noProof="1">
+                <a:solidFill>
+                  <a:srgbClr val="0000FF"/>
+                </a:solidFill>
+                <a:effectLst/>
+                <a:latin typeface="Consolas" panose="020B0609020204030204" pitchFamily="49" charset="0"/>
+                <a:cs typeface="Consolas" panose="020B0609020204030204" pitchFamily="49" charset="0"/>
+              </a:rPr>
+              <a:t>=</a:t>
+            </a:r>
+            <a:r>
+              <a:rPr lang="en" noProof="1">
+                <a:solidFill>
+                  <a:srgbClr val="036A07"/>
+                </a:solidFill>
+                <a:effectLst/>
+                <a:latin typeface="Consolas" panose="020B0609020204030204" pitchFamily="49" charset="0"/>
+                <a:cs typeface="Consolas" panose="020B0609020204030204" pitchFamily="49" charset="0"/>
+              </a:rPr>
+              <a:t>"ERROR"</a:t>
+            </a:r>
+            <a:r>
+              <a:rPr lang="en" noProof="1">
+                <a:effectLst/>
+                <a:latin typeface="Consolas" panose="020B0609020204030204" pitchFamily="49" charset="0"/>
+                <a:cs typeface="Consolas" panose="020B0609020204030204" pitchFamily="49" charset="0"/>
+              </a:rPr>
+              <a:t>)</a:t>
+            </a:r>
+          </a:p>
+        </p:txBody>
+      </p:sp>
+      <p:sp>
+        <p:nvSpPr>
+          <p:cNvPr id="5" name="Объект 2">
+            <a:extLst>
+              <a:ext uri="{FF2B5EF4-FFF2-40B4-BE49-F238E27FC236}">
+                <a16:creationId xmlns:a16="http://schemas.microsoft.com/office/drawing/2014/main" id="{BB63CC31-E899-024B-4A7F-8E1C5690108B}"/>
+              </a:ext>
+            </a:extLst>
+          </p:cNvPr>
+          <p:cNvSpPr txBox="1">
+            <a:spLocks/>
+          </p:cNvSpPr>
+          <p:nvPr/>
+        </p:nvSpPr>
+        <p:spPr>
+          <a:xfrm>
+            <a:off x="759372" y="5955525"/>
+            <a:ext cx="10515600" cy="781607"/>
+          </a:xfrm>
+          <a:prstGeom prst="rect">
+            <a:avLst/>
+          </a:prstGeom>
+        </p:spPr>
+        <p:txBody>
+          <a:bodyPr vert="horz" lIns="91440" tIns="45720" rIns="91440" bIns="45720" rtlCol="0">
+            <a:noAutofit/>
+          </a:bodyPr>
+          <a:lstStyle>
+            <a:lvl1pPr marL="228600" indent="-228600" algn="l" defTabSz="914400" rtl="0" eaLnBrk="1" latinLnBrk="0" hangingPunct="1">
+              <a:lnSpc>
+                <a:spcPct val="90000"/>
+              </a:lnSpc>
+              <a:spcBef>
+                <a:spcPts val="1000"/>
+              </a:spcBef>
+              <a:buFont typeface="Arial" panose="020B0604020202020204" pitchFamily="34" charset="0"/>
+              <a:buChar char="•"/>
+              <a:defRPr sz="2800" kern="1200">
+                <a:solidFill>
+                  <a:schemeClr val="tx1"/>
+                </a:solidFill>
+                <a:latin typeface="+mn-lt"/>
+                <a:ea typeface="+mn-ea"/>
+                <a:cs typeface="+mn-cs"/>
+              </a:defRPr>
+            </a:lvl1pPr>
+            <a:lvl2pPr marL="685800" indent="-228600" algn="l" defTabSz="914400" rtl="0" eaLnBrk="1" latinLnBrk="0" hangingPunct="1">
+              <a:lnSpc>
+                <a:spcPct val="90000"/>
+              </a:lnSpc>
+              <a:spcBef>
+                <a:spcPts val="500"/>
+              </a:spcBef>
+              <a:buFont typeface="Arial" panose="020B0604020202020204" pitchFamily="34" charset="0"/>
+              <a:buChar char="•"/>
+              <a:defRPr sz="2400" kern="1200">
+                <a:solidFill>
+                  <a:schemeClr val="tx1"/>
+                </a:solidFill>
+                <a:latin typeface="+mn-lt"/>
+                <a:ea typeface="+mn-ea"/>
+                <a:cs typeface="+mn-cs"/>
+              </a:defRPr>
+            </a:lvl2pPr>
+            <a:lvl3pPr marL="1143000" indent="-228600" algn="l" defTabSz="914400" rtl="0" eaLnBrk="1" latinLnBrk="0" hangingPunct="1">
+              <a:lnSpc>
+                <a:spcPct val="90000"/>
+              </a:lnSpc>
+              <a:spcBef>
+                <a:spcPts val="500"/>
+              </a:spcBef>
+              <a:buFont typeface="Arial" panose="020B0604020202020204" pitchFamily="34" charset="0"/>
+              <a:buChar char="•"/>
+              <a:defRPr sz="2000" kern="1200">
+                <a:solidFill>
+                  <a:schemeClr val="tx1"/>
+                </a:solidFill>
+                <a:latin typeface="+mn-lt"/>
+                <a:ea typeface="+mn-ea"/>
+                <a:cs typeface="+mn-cs"/>
+              </a:defRPr>
+            </a:lvl3pPr>
+            <a:lvl4pPr marL="1600200" indent="-228600" algn="l" defTabSz="914400" rtl="0" eaLnBrk="1" latinLnBrk="0" hangingPunct="1">
+              <a:lnSpc>
+                <a:spcPct val="90000"/>
+              </a:lnSpc>
+              <a:spcBef>
+                <a:spcPts val="500"/>
+              </a:spcBef>
+              <a:buFont typeface="Arial" panose="020B0604020202020204" pitchFamily="34" charset="0"/>
+              <a:buChar char="•"/>
+              <a:defRPr sz="1800" kern="1200">
+                <a:solidFill>
+                  <a:schemeClr val="tx1"/>
+                </a:solidFill>
+                <a:latin typeface="+mn-lt"/>
+                <a:ea typeface="+mn-ea"/>
+                <a:cs typeface="+mn-cs"/>
+              </a:defRPr>
+            </a:lvl4pPr>
+            <a:lvl5pPr marL="2057400" indent="-228600" algn="l" defTabSz="914400" rtl="0" eaLnBrk="1" latinLnBrk="0" hangingPunct="1">
+              <a:lnSpc>
+                <a:spcPct val="90000"/>
+              </a:lnSpc>
+              <a:spcBef>
+                <a:spcPts val="500"/>
+              </a:spcBef>
+              <a:buFont typeface="Arial" panose="020B0604020202020204" pitchFamily="34" charset="0"/>
+              <a:buChar char="•"/>
+              <a:defRPr sz="1800" kern="1200">
+                <a:solidFill>
+                  <a:schemeClr val="tx1"/>
+                </a:solidFill>
+                <a:latin typeface="+mn-lt"/>
+                <a:ea typeface="+mn-ea"/>
+                <a:cs typeface="+mn-cs"/>
+              </a:defRPr>
+            </a:lvl5pPr>
+            <a:lvl6pPr marL="2514600" indent="-228600" algn="l" defTabSz="914400" rtl="0" eaLnBrk="1" latinLnBrk="0" hangingPunct="1">
+              <a:lnSpc>
+                <a:spcPct val="90000"/>
+              </a:lnSpc>
+              <a:spcBef>
+                <a:spcPts val="500"/>
+              </a:spcBef>
+              <a:buFont typeface="Arial" panose="020B0604020202020204" pitchFamily="34" charset="0"/>
+              <a:buChar char="•"/>
+              <a:defRPr sz="1800" kern="1200">
+                <a:solidFill>
+                  <a:schemeClr val="tx1"/>
+                </a:solidFill>
+                <a:latin typeface="+mn-lt"/>
+                <a:ea typeface="+mn-ea"/>
+                <a:cs typeface="+mn-cs"/>
+              </a:defRPr>
+            </a:lvl6pPr>
+            <a:lvl7pPr marL="2971800" indent="-228600" algn="l" defTabSz="914400" rtl="0" eaLnBrk="1" latinLnBrk="0" hangingPunct="1">
+              <a:lnSpc>
+                <a:spcPct val="90000"/>
+              </a:lnSpc>
+              <a:spcBef>
+                <a:spcPts val="500"/>
+              </a:spcBef>
+              <a:buFont typeface="Arial" panose="020B0604020202020204" pitchFamily="34" charset="0"/>
+              <a:buChar char="•"/>
+              <a:defRPr sz="1800" kern="1200">
+                <a:solidFill>
+                  <a:schemeClr val="tx1"/>
+                </a:solidFill>
+                <a:latin typeface="+mn-lt"/>
+                <a:ea typeface="+mn-ea"/>
+                <a:cs typeface="+mn-cs"/>
+              </a:defRPr>
+            </a:lvl7pPr>
+            <a:lvl8pPr marL="3429000" indent="-228600" algn="l" defTabSz="914400" rtl="0" eaLnBrk="1" latinLnBrk="0" hangingPunct="1">
+              <a:lnSpc>
+                <a:spcPct val="90000"/>
+              </a:lnSpc>
+              <a:spcBef>
+                <a:spcPts val="500"/>
+              </a:spcBef>
+              <a:buFont typeface="Arial" panose="020B0604020202020204" pitchFamily="34" charset="0"/>
+              <a:buChar char="•"/>
+              <a:defRPr sz="1800" kern="1200">
+                <a:solidFill>
+                  <a:schemeClr val="tx1"/>
+                </a:solidFill>
+                <a:latin typeface="+mn-lt"/>
+                <a:ea typeface="+mn-ea"/>
+                <a:cs typeface="+mn-cs"/>
+              </a:defRPr>
+            </a:lvl8pPr>
+            <a:lvl9pPr marL="3886200" indent="-228600" algn="l" defTabSz="914400" rtl="0" eaLnBrk="1" latinLnBrk="0" hangingPunct="1">
+              <a:lnSpc>
+                <a:spcPct val="90000"/>
+              </a:lnSpc>
+              <a:spcBef>
+                <a:spcPts val="500"/>
+              </a:spcBef>
+              <a:buFont typeface="Arial" panose="020B0604020202020204" pitchFamily="34" charset="0"/>
+              <a:buChar char="•"/>
+              <a:defRPr sz="1800" kern="1200">
+                <a:solidFill>
+                  <a:schemeClr val="tx1"/>
+                </a:solidFill>
+                <a:latin typeface="+mn-lt"/>
+                <a:ea typeface="+mn-ea"/>
+                <a:cs typeface="+mn-cs"/>
+              </a:defRPr>
+            </a:lvl9pPr>
+          </a:lstStyle>
+          <a:p>
+            <a:pPr marL="0" indent="0">
+              <a:buNone/>
+            </a:pPr>
+            <a:r>
+              <a:rPr lang="en" sz="2400" noProof="1">
+                <a:solidFill>
+                  <a:srgbClr val="00B050"/>
+                </a:solidFill>
+              </a:rPr>
+              <a:t>✓ </a:t>
+            </a:r>
+            <a:r>
+              <a:rPr lang="en" sz="2400" dirty="0"/>
+              <a:t>10x faster than built-in logging</a:t>
+            </a:r>
+            <a:endParaRPr lang="en-US" sz="2400" dirty="0"/>
+          </a:p>
+          <a:p>
+            <a:pPr marL="0" indent="0">
+              <a:buNone/>
+            </a:pPr>
+            <a:r>
+              <a:rPr lang="en-US" sz="2000" dirty="0"/>
+              <a:t>Zero</a:t>
+            </a:r>
+            <a:r>
+              <a:rPr lang="en" sz="2000" dirty="0"/>
+              <a:t>-cost logger.</a:t>
+            </a:r>
+          </a:p>
+        </p:txBody>
+      </p:sp>
+    </p:spTree>
+    <p:extLst>
+      <p:ext uri="{BB962C8B-B14F-4D97-AF65-F5344CB8AC3E}">
+        <p14:creationId xmlns:p14="http://schemas.microsoft.com/office/powerpoint/2010/main" val="4279955553"/>
+      </p:ext>
+    </p:extLst>
+  </p:cSld>
+  <p:clrMapOvr>
+    <a:masterClrMapping/>
+  </p:clrMapOvr>
+</p:sld>
+</file>
+
+<file path=ppt/slides/slide51.xml><?xml version="1.0" encoding="utf-8"?>
 <p:sld xmlns:a="http://schemas.openxmlformats.org/drawingml/2006/main" xmlns:r="http://schemas.openxmlformats.org/officeDocument/2006/relationships" xmlns:p="http://schemas.openxmlformats.org/presentationml/2006/main">
   <p:cSld>
     <p:spTree>
@@ -38799,7 +39221,7 @@
 </p:sld>
 </file>
 
-<file path=ppt/slides/slide51.xml><?xml version="1.0" encoding="utf-8"?>
+<file path=ppt/slides/slide52.xml><?xml version="1.0" encoding="utf-8"?>
 <p:sld xmlns:a="http://schemas.openxmlformats.org/drawingml/2006/main" xmlns:r="http://schemas.openxmlformats.org/officeDocument/2006/relationships" xmlns:p="http://schemas.openxmlformats.org/presentationml/2006/main">
   <p:cSld>
     <p:spTree>
@@ -39155,7 +39577,7 @@
 </p:sld>
 </file>
 
-<file path=ppt/slides/slide52.xml><?xml version="1.0" encoding="utf-8"?>
+<file path=ppt/slides/slide53.xml><?xml version="1.0" encoding="utf-8"?>
 <p:sld xmlns:a="http://schemas.openxmlformats.org/drawingml/2006/main" xmlns:r="http://schemas.openxmlformats.org/officeDocument/2006/relationships" xmlns:p="http://schemas.openxmlformats.org/presentationml/2006/main">
   <p:cSld>
     <p:spTree>
@@ -39254,7 +39676,7 @@
 </p:sld>
 </file>
 
-<file path=ppt/slides/slide53.xml><?xml version="1.0" encoding="utf-8"?>
+<file path=ppt/slides/slide54.xml><?xml version="1.0" encoding="utf-8"?>
 <p:sld xmlns:a="http://schemas.openxmlformats.org/drawingml/2006/main" xmlns:r="http://schemas.openxmlformats.org/officeDocument/2006/relationships" xmlns:p="http://schemas.openxmlformats.org/presentationml/2006/main">
   <p:cSld>
     <p:spTree>
@@ -39638,7 +40060,7 @@
 </p:sld>
 </file>
 
-<file path=ppt/slides/slide54.xml><?xml version="1.0" encoding="utf-8"?>
+<file path=ppt/slides/slide55.xml><?xml version="1.0" encoding="utf-8"?>
 <p:sld xmlns:a="http://schemas.openxmlformats.org/drawingml/2006/main" xmlns:r="http://schemas.openxmlformats.org/officeDocument/2006/relationships" xmlns:p="http://schemas.openxmlformats.org/presentationml/2006/main">
   <p:cSld>
     <p:spTree>
@@ -40125,7 +40547,7 @@
 </p:sld>
 </file>
 
-<file path=ppt/slides/slide55.xml><?xml version="1.0" encoding="utf-8"?>
+<file path=ppt/slides/slide56.xml><?xml version="1.0" encoding="utf-8"?>
 <p:sld xmlns:a="http://schemas.openxmlformats.org/drawingml/2006/main" xmlns:r="http://schemas.openxmlformats.org/officeDocument/2006/relationships" xmlns:p="http://schemas.openxmlformats.org/presentationml/2006/main">
   <p:cSld>
     <p:spTree>
@@ -41102,7 +41524,7 @@
 </p:sld>
 </file>
 
-<file path=ppt/slides/slide56.xml><?xml version="1.0" encoding="utf-8"?>
+<file path=ppt/slides/slide57.xml><?xml version="1.0" encoding="utf-8"?>
 <p:sld xmlns:a="http://schemas.openxmlformats.org/drawingml/2006/main" xmlns:r="http://schemas.openxmlformats.org/officeDocument/2006/relationships" xmlns:p="http://schemas.openxmlformats.org/presentationml/2006/main">
   <p:cSld>
     <p:spTree>
@@ -41177,6 +41599,7 @@
               </a:rPr>
               <a:t>https://github.com/xtrueman/prog_instruments/blob/main/Logging.md</a:t>
             </a:r>
+            <a:endParaRPr lang="ru-RU" sz="2400" dirty="0"/>
           </a:p>
           <a:p>
             <a:pPr marL="0" indent="0">
@@ -41187,7 +41610,6 @@
                 <a:srgbClr val="0C93E4"/>
               </a:solidFill>
               <a:latin typeface="Lato" panose="020F0502020204030203" pitchFamily="34" charset="0"/>
-              <a:hlinkClick r:id="rId2"/>
             </a:endParaRPr>
           </a:p>
           <a:p>
@@ -41198,7 +41620,6 @@
                 </a:solidFill>
                 <a:effectLst/>
                 <a:latin typeface="Lato" panose="020F0502020204030203" pitchFamily="34" charset="0"/>
-                <a:hlinkClick r:id="rId2"/>
               </a:rPr>
               <a:t>logging</a:t>
             </a:r>
@@ -41238,20 +41659,9 @@
                 <a:latin typeface="Lato" panose="020F0502020204030203" pitchFamily="34" charset="0"/>
                 <a:hlinkClick r:id="rId4"/>
               </a:rPr>
-              <a:t>Loggint</a:t>
-            </a:r>
-            <a:r>
-              <a:rPr lang="en" b="0" i="0" u="sng">
-                <a:solidFill>
-                  <a:srgbClr val="0C93E4"/>
-                </a:solidFill>
-                <a:effectLst/>
-                <a:latin typeface="Lato" panose="020F0502020204030203" pitchFamily="34" charset="0"/>
-                <a:hlinkClick r:id="rId4"/>
-              </a:rPr>
-              <a:t> Cookbook</a:t>
-            </a:r>
-            <a:endParaRPr lang="en" b="0" i="0">
+              <a:t>Loggint Cookbook</a:t>
+            </a:r>
+            <a:endParaRPr lang="en" b="0" i="0" dirty="0">
               <a:effectLst/>
               <a:latin typeface="Lato" panose="020F0502020204030203" pitchFamily="34" charset="0"/>
             </a:endParaRPr>
@@ -42058,8 +42468,8 @@
         </p:nvSpPr>
         <p:spPr>
           <a:xfrm>
-            <a:off x="838200" y="187569"/>
-            <a:ext cx="10515600" cy="1019909"/>
+            <a:off x="838200" y="407489"/>
+            <a:ext cx="7507147" cy="1019909"/>
           </a:xfrm>
         </p:spPr>
         <p:txBody>
@@ -42107,8 +42517,8 @@
         </p:nvSpPr>
         <p:spPr>
           <a:xfrm>
-            <a:off x="838200" y="1418492"/>
-            <a:ext cx="10515600" cy="5074382"/>
+            <a:off x="838200" y="1914652"/>
+            <a:ext cx="10515600" cy="4601896"/>
           </a:xfrm>
         </p:spPr>
         <p:txBody>
@@ -42125,7 +42535,15 @@
             </a:pPr>
             <a:r>
               <a:rPr lang="ru-RU" sz="2000" dirty="0"/>
-              <a:t>Как правило, запись в логе должна содержать и другую информацию о контексте, в котором произошло логируемое событие. Какую именно — зависит от приложения, пишущего в лог, и от конкретного события.</a:t>
+              <a:t>Как правило, запись в логе должна содержать и другую </a:t>
+            </a:r>
+            <a:r>
+              <a:rPr lang="ru-RU" sz="2000" b="1" dirty="0"/>
+              <a:t>информацию о контексте</a:t>
+            </a:r>
+            <a:r>
+              <a:rPr lang="ru-RU" sz="2000" dirty="0"/>
+              <a:t>, в котором произошло логируемое событие. Какую именно — зависит от приложения, пишущего в лог, и от конкретного события.</a:t>
             </a:r>
             <a:endParaRPr lang="en-US" sz="2000" dirty="0"/>
           </a:p>
@@ -42156,7 +42574,15 @@
             </a:pPr>
             <a:r>
               <a:rPr lang="ru-RU" sz="2000" dirty="0"/>
-              <a:t>в лог обращений к веб-сервису полезно добавить I</a:t>
+              <a:t>в лог обращений к </a:t>
+            </a:r>
+            <a:r>
+              <a:rPr lang="ru-RU" sz="2000" b="1" dirty="0"/>
+              <a:t>веб-сервису</a:t>
+            </a:r>
+            <a:r>
+              <a:rPr lang="ru-RU" sz="2000" dirty="0"/>
+              <a:t> полезно добавить I</a:t>
             </a:r>
             <a:r>
               <a:rPr lang="en-US" sz="2000" dirty="0"/>
@@ -42198,7 +42624,15 @@
             </a:pPr>
             <a:r>
               <a:rPr lang="ru-RU" sz="2000" dirty="0"/>
-              <a:t>в лог ошибок веб-краулера </a:t>
+              <a:t>в лог ошибок </a:t>
+            </a:r>
+            <a:r>
+              <a:rPr lang="ru-RU" sz="2000" b="1" dirty="0"/>
+              <a:t>веб-краулера</a:t>
+            </a:r>
+            <a:r>
+              <a:rPr lang="ru-RU" sz="2000" dirty="0"/>
+              <a:t> </a:t>
             </a:r>
             <a:r>
               <a:rPr lang="en-US" sz="2000" dirty="0"/>
@@ -42252,7 +42686,15 @@
             </a:pPr>
             <a:r>
               <a:rPr lang="ru-RU" sz="2000" dirty="0"/>
-              <a:t>в лог финансовых транзакций — </a:t>
+              <a:t>в лог </a:t>
+            </a:r>
+            <a:r>
+              <a:rPr lang="ru-RU" sz="2000" b="1" dirty="0"/>
+              <a:t>финансовых транзакций</a:t>
+            </a:r>
+            <a:r>
+              <a:rPr lang="ru-RU" sz="2000" dirty="0"/>
+              <a:t> — </a:t>
             </a:r>
             <a:r>
               <a:rPr lang="en" sz="2000" dirty="0"/>
@@ -42298,7 +42740,15 @@
             </a:pPr>
             <a:r>
               <a:rPr lang="ru-RU" sz="2000" noProof="1"/>
-              <a:t>в лог телеграм-бота — </a:t>
+              <a:t>в лог </a:t>
+            </a:r>
+            <a:r>
+              <a:rPr lang="ru-RU" sz="2000" b="1" noProof="1"/>
+              <a:t>телеграм-бота</a:t>
+            </a:r>
+            <a:r>
+              <a:rPr lang="ru-RU" sz="2000" noProof="1"/>
+              <a:t> — </a:t>
             </a:r>
             <a:r>
               <a:rPr lang="en-US" sz="2000" noProof="1"/>
@@ -42328,6 +42778,36 @@
           </a:p>
         </p:txBody>
       </p:sp>
+      <p:pic>
+        <p:nvPicPr>
+          <p:cNvPr id="5" name="Рисунок 4">
+            <a:extLst>
+              <a:ext uri="{FF2B5EF4-FFF2-40B4-BE49-F238E27FC236}">
+                <a16:creationId xmlns:a16="http://schemas.microsoft.com/office/drawing/2014/main" id="{59E2CCE3-2748-A7C7-05FD-3585C1F48CA6}"/>
+              </a:ext>
+            </a:extLst>
+          </p:cNvPr>
+          <p:cNvPicPr>
+            <a:picLocks noChangeAspect="1"/>
+          </p:cNvPicPr>
+          <p:nvPr/>
+        </p:nvPicPr>
+        <p:blipFill>
+          <a:blip r:embed="rId2"/>
+          <a:stretch>
+            <a:fillRect/>
+          </a:stretch>
+        </p:blipFill>
+        <p:spPr>
+          <a:xfrm>
+            <a:off x="8980106" y="0"/>
+            <a:ext cx="3211894" cy="1899874"/>
+          </a:xfrm>
+          <a:prstGeom prst="rect">
+            <a:avLst/>
+          </a:prstGeom>
+        </p:spPr>
+      </p:pic>
     </p:spTree>
     <p:extLst>
       <p:ext uri="{BB962C8B-B14F-4D97-AF65-F5344CB8AC3E}">
